--- a/DigitalSystems/Lecture11/pictures/pictures-converted.pptx
+++ b/DigitalSystems/Lecture11/pictures/pictures-converted.pptx
@@ -6,12 +6,17 @@
   </p:sldMasterIdLst>
   <p:sldIdLst>
     <p:sldId id="256" r:id="rId2"/>
-    <p:sldId id="257" r:id="rId3"/>
-    <p:sldId id="258" r:id="rId4"/>
-    <p:sldId id="259" r:id="rId5"/>
-    <p:sldId id="260" r:id="rId6"/>
-    <p:sldId id="261" r:id="rId7"/>
-    <p:sldId id="262" r:id="rId8"/>
+    <p:sldId id="263" r:id="rId3"/>
+    <p:sldId id="264" r:id="rId4"/>
+    <p:sldId id="265" r:id="rId5"/>
+    <p:sldId id="266" r:id="rId6"/>
+    <p:sldId id="267" r:id="rId7"/>
+    <p:sldId id="257" r:id="rId8"/>
+    <p:sldId id="258" r:id="rId9"/>
+    <p:sldId id="259" r:id="rId10"/>
+    <p:sldId id="260" r:id="rId11"/>
+    <p:sldId id="261" r:id="rId12"/>
+    <p:sldId id="262" r:id="rId13"/>
   </p:sldIdLst>
   <p:sldSz cx="9144000" cy="6858000" type="screen4x3"/>
   <p:notesSz cx="6858000" cy="9144000"/>
@@ -294,7 +299,8 @@
           <a:p>
             <a:fld id="{5D51CFD4-D50C-3141-B28B-5C3A3C05403C}" type="datetimeFigureOut">
               <a:rPr lang="en-US" smtClean="0"/>
-              <a:t>1/20/10</a:t>
+              <a:pPr/>
+              <a:t>1/28/10</a:t>
             </a:fld>
             <a:endParaRPr lang="en-US"/>
           </a:p>
@@ -336,6 +342,7 @@
           <a:p>
             <a:fld id="{616AE4BA-FE20-844D-AEF4-F5CDFE6E786E}" type="slidenum">
               <a:rPr lang="en-US" smtClean="0"/>
+              <a:pPr/>
               <a:t>‹#›</a:t>
             </a:fld>
             <a:endParaRPr lang="en-US"/>
@@ -459,7 +466,8 @@
           <a:p>
             <a:fld id="{5D51CFD4-D50C-3141-B28B-5C3A3C05403C}" type="datetimeFigureOut">
               <a:rPr lang="en-US" smtClean="0"/>
-              <a:t>1/20/10</a:t>
+              <a:pPr/>
+              <a:t>1/28/10</a:t>
             </a:fld>
             <a:endParaRPr lang="en-US"/>
           </a:p>
@@ -501,6 +509,7 @@
           <a:p>
             <a:fld id="{616AE4BA-FE20-844D-AEF4-F5CDFE6E786E}" type="slidenum">
               <a:rPr lang="en-US" smtClean="0"/>
+              <a:pPr/>
               <a:t>‹#›</a:t>
             </a:fld>
             <a:endParaRPr lang="en-US"/>
@@ -634,7 +643,8 @@
           <a:p>
             <a:fld id="{5D51CFD4-D50C-3141-B28B-5C3A3C05403C}" type="datetimeFigureOut">
               <a:rPr lang="en-US" smtClean="0"/>
-              <a:t>1/20/10</a:t>
+              <a:pPr/>
+              <a:t>1/28/10</a:t>
             </a:fld>
             <a:endParaRPr lang="en-US"/>
           </a:p>
@@ -676,6 +686,7 @@
           <a:p>
             <a:fld id="{616AE4BA-FE20-844D-AEF4-F5CDFE6E786E}" type="slidenum">
               <a:rPr lang="en-US" smtClean="0"/>
+              <a:pPr/>
               <a:t>‹#›</a:t>
             </a:fld>
             <a:endParaRPr lang="en-US"/>
@@ -799,7 +810,8 @@
           <a:p>
             <a:fld id="{5D51CFD4-D50C-3141-B28B-5C3A3C05403C}" type="datetimeFigureOut">
               <a:rPr lang="en-US" smtClean="0"/>
-              <a:t>1/20/10</a:t>
+              <a:pPr/>
+              <a:t>1/28/10</a:t>
             </a:fld>
             <a:endParaRPr lang="en-US"/>
           </a:p>
@@ -841,6 +853,7 @@
           <a:p>
             <a:fld id="{616AE4BA-FE20-844D-AEF4-F5CDFE6E786E}" type="slidenum">
               <a:rPr lang="en-US" smtClean="0"/>
+              <a:pPr/>
               <a:t>‹#›</a:t>
             </a:fld>
             <a:endParaRPr lang="en-US"/>
@@ -1040,7 +1053,8 @@
           <a:p>
             <a:fld id="{5D51CFD4-D50C-3141-B28B-5C3A3C05403C}" type="datetimeFigureOut">
               <a:rPr lang="en-US" smtClean="0"/>
-              <a:t>1/20/10</a:t>
+              <a:pPr/>
+              <a:t>1/28/10</a:t>
             </a:fld>
             <a:endParaRPr lang="en-US"/>
           </a:p>
@@ -1082,6 +1096,7 @@
           <a:p>
             <a:fld id="{616AE4BA-FE20-844D-AEF4-F5CDFE6E786E}" type="slidenum">
               <a:rPr lang="en-US" smtClean="0"/>
+              <a:pPr/>
               <a:t>‹#›</a:t>
             </a:fld>
             <a:endParaRPr lang="en-US"/>
@@ -1323,7 +1338,8 @@
           <a:p>
             <a:fld id="{5D51CFD4-D50C-3141-B28B-5C3A3C05403C}" type="datetimeFigureOut">
               <a:rPr lang="en-US" smtClean="0"/>
-              <a:t>1/20/10</a:t>
+              <a:pPr/>
+              <a:t>1/28/10</a:t>
             </a:fld>
             <a:endParaRPr lang="en-US"/>
           </a:p>
@@ -1365,6 +1381,7 @@
           <a:p>
             <a:fld id="{616AE4BA-FE20-844D-AEF4-F5CDFE6E786E}" type="slidenum">
               <a:rPr lang="en-US" smtClean="0"/>
+              <a:pPr/>
               <a:t>‹#›</a:t>
             </a:fld>
             <a:endParaRPr lang="en-US"/>
@@ -1740,7 +1757,8 @@
           <a:p>
             <a:fld id="{5D51CFD4-D50C-3141-B28B-5C3A3C05403C}" type="datetimeFigureOut">
               <a:rPr lang="en-US" smtClean="0"/>
-              <a:t>1/20/10</a:t>
+              <a:pPr/>
+              <a:t>1/28/10</a:t>
             </a:fld>
             <a:endParaRPr lang="en-US"/>
           </a:p>
@@ -1782,6 +1800,7 @@
           <a:p>
             <a:fld id="{616AE4BA-FE20-844D-AEF4-F5CDFE6E786E}" type="slidenum">
               <a:rPr lang="en-US" smtClean="0"/>
+              <a:pPr/>
               <a:t>‹#›</a:t>
             </a:fld>
             <a:endParaRPr lang="en-US"/>
@@ -1853,7 +1872,8 @@
           <a:p>
             <a:fld id="{5D51CFD4-D50C-3141-B28B-5C3A3C05403C}" type="datetimeFigureOut">
               <a:rPr lang="en-US" smtClean="0"/>
-              <a:t>1/20/10</a:t>
+              <a:pPr/>
+              <a:t>1/28/10</a:t>
             </a:fld>
             <a:endParaRPr lang="en-US"/>
           </a:p>
@@ -1895,6 +1915,7 @@
           <a:p>
             <a:fld id="{616AE4BA-FE20-844D-AEF4-F5CDFE6E786E}" type="slidenum">
               <a:rPr lang="en-US" smtClean="0"/>
+              <a:pPr/>
               <a:t>‹#›</a:t>
             </a:fld>
             <a:endParaRPr lang="en-US"/>
@@ -1943,7 +1964,8 @@
           <a:p>
             <a:fld id="{5D51CFD4-D50C-3141-B28B-5C3A3C05403C}" type="datetimeFigureOut">
               <a:rPr lang="en-US" smtClean="0"/>
-              <a:t>1/20/10</a:t>
+              <a:pPr/>
+              <a:t>1/28/10</a:t>
             </a:fld>
             <a:endParaRPr lang="en-US"/>
           </a:p>
@@ -1985,6 +2007,7 @@
           <a:p>
             <a:fld id="{616AE4BA-FE20-844D-AEF4-F5CDFE6E786E}" type="slidenum">
               <a:rPr lang="en-US" smtClean="0"/>
+              <a:pPr/>
               <a:t>‹#›</a:t>
             </a:fld>
             <a:endParaRPr lang="en-US"/>
@@ -2215,7 +2238,8 @@
           <a:p>
             <a:fld id="{5D51CFD4-D50C-3141-B28B-5C3A3C05403C}" type="datetimeFigureOut">
               <a:rPr lang="en-US" smtClean="0"/>
-              <a:t>1/20/10</a:t>
+              <a:pPr/>
+              <a:t>1/28/10</a:t>
             </a:fld>
             <a:endParaRPr lang="en-US"/>
           </a:p>
@@ -2257,6 +2281,7 @@
           <a:p>
             <a:fld id="{616AE4BA-FE20-844D-AEF4-F5CDFE6E786E}" type="slidenum">
               <a:rPr lang="en-US" smtClean="0"/>
+              <a:pPr/>
               <a:t>‹#›</a:t>
             </a:fld>
             <a:endParaRPr lang="en-US"/>
@@ -2463,7 +2488,8 @@
           <a:p>
             <a:fld id="{5D51CFD4-D50C-3141-B28B-5C3A3C05403C}" type="datetimeFigureOut">
               <a:rPr lang="en-US" smtClean="0"/>
-              <a:t>1/20/10</a:t>
+              <a:pPr/>
+              <a:t>1/28/10</a:t>
             </a:fld>
             <a:endParaRPr lang="en-US"/>
           </a:p>
@@ -2505,6 +2531,7 @@
           <a:p>
             <a:fld id="{616AE4BA-FE20-844D-AEF4-F5CDFE6E786E}" type="slidenum">
               <a:rPr lang="en-US" smtClean="0"/>
+              <a:pPr/>
               <a:t>‹#›</a:t>
             </a:fld>
             <a:endParaRPr lang="en-US"/>
@@ -2671,7 +2698,8 @@
           <a:p>
             <a:fld id="{5D51CFD4-D50C-3141-B28B-5C3A3C05403C}" type="datetimeFigureOut">
               <a:rPr lang="en-US" smtClean="0"/>
-              <a:t>1/20/10</a:t>
+              <a:pPr/>
+              <a:t>1/28/10</a:t>
             </a:fld>
             <a:endParaRPr lang="en-US"/>
           </a:p>
@@ -2749,6 +2777,7 @@
           <a:p>
             <a:fld id="{616AE4BA-FE20-844D-AEF4-F5CDFE6E786E}" type="slidenum">
               <a:rPr lang="en-US" smtClean="0"/>
+              <a:pPr/>
               <a:t>‹#›</a:t>
             </a:fld>
             <a:endParaRPr lang="en-US"/>
@@ -3089,8 +3118,8 @@
           </p:cNvPicPr>
           <p:nvPr/>
         </p:nvPicPr>
-        <mc:AlternateContent>
-          <mc:Choice xmlns:ma="http://schemas.microsoft.com/office/mac/drawingml/2008/main" Requires="ma">
+        <mc:AlternateContent xmlns:ma="http://schemas.microsoft.com/office/mac/drawingml/2008/main">
+          <mc:Choice Requires="ma">
             <p:blipFill>
               <a:blip r:embed="rId2"/>
               <a:stretch>
@@ -3098,7 +3127,7 @@
               </a:stretch>
             </p:blipFill>
           </mc:Choice>
-          <mc:Fallback>
+          <mc:Fallback xmlns:p="http://schemas.openxmlformats.org/presentationml/2006/main" xmlns:mv="urn:schemas-microsoft-com:mac:vml" xmlns:mc="http://schemas.openxmlformats.org/markup-compatibility/2006" xmlns:r="http://schemas.openxmlformats.org/officeDocument/2006/relationships" xmlns:a="http://schemas.openxmlformats.org/drawingml/2006/main" xmlns="">
             <p:blipFill>
               <a:blip r:embed="rId3"/>
               <a:stretch>
@@ -3193,8 +3222,8 @@
           </p:cNvPicPr>
           <p:nvPr/>
         </p:nvPicPr>
-        <mc:AlternateContent>
-          <mc:Choice xmlns:ma="http://schemas.microsoft.com/office/mac/drawingml/2008/main" Requires="ma">
+        <mc:AlternateContent xmlns:ma="http://schemas.microsoft.com/office/mac/drawingml/2008/main">
+          <mc:Choice Requires="ma">
             <p:blipFill>
               <a:blip r:embed="rId4"/>
               <a:stretch>
@@ -3202,7 +3231,7 @@
               </a:stretch>
             </p:blipFill>
           </mc:Choice>
-          <mc:Fallback>
+          <mc:Fallback xmlns:p="http://schemas.openxmlformats.org/presentationml/2006/main" xmlns:mv="urn:schemas-microsoft-com:mac:vml" xmlns:mc="http://schemas.openxmlformats.org/markup-compatibility/2006" xmlns:r="http://schemas.openxmlformats.org/officeDocument/2006/relationships" xmlns:a="http://schemas.openxmlformats.org/drawingml/2006/main" xmlns="">
             <p:blipFill>
               <a:blip r:embed="rId5"/>
               <a:stretch>
@@ -3263,8 +3292,8 @@
           </p:cNvPicPr>
           <p:nvPr/>
         </p:nvPicPr>
-        <mc:AlternateContent>
-          <mc:Choice xmlns:ma="http://schemas.microsoft.com/office/mac/drawingml/2008/main" Requires="ma">
+        <mc:AlternateContent xmlns:ma="http://schemas.microsoft.com/office/mac/drawingml/2008/main">
+          <mc:Choice Requires="ma">
             <p:blipFill>
               <a:blip r:embed="rId6"/>
               <a:stretch>
@@ -3272,7 +3301,7 @@
               </a:stretch>
             </p:blipFill>
           </mc:Choice>
-          <mc:Fallback>
+          <mc:Fallback xmlns:p="http://schemas.openxmlformats.org/presentationml/2006/main" xmlns:mv="urn:schemas-microsoft-com:mac:vml" xmlns:mc="http://schemas.openxmlformats.org/markup-compatibility/2006" xmlns:r="http://schemas.openxmlformats.org/officeDocument/2006/relationships" xmlns:a="http://schemas.openxmlformats.org/drawingml/2006/main" xmlns="">
             <p:blipFill>
               <a:blip r:embed="rId7"/>
               <a:stretch>
@@ -3367,8 +3396,8 @@
           </p:cNvPicPr>
           <p:nvPr/>
         </p:nvPicPr>
-        <mc:AlternateContent>
-          <mc:Choice xmlns:ma="http://schemas.microsoft.com/office/mac/drawingml/2008/main" Requires="ma">
+        <mc:AlternateContent xmlns:ma="http://schemas.microsoft.com/office/mac/drawingml/2008/main">
+          <mc:Choice Requires="ma">
             <p:blipFill>
               <a:blip r:embed="rId8"/>
               <a:stretch>
@@ -3376,7 +3405,7 @@
               </a:stretch>
             </p:blipFill>
           </mc:Choice>
-          <mc:Fallback>
+          <mc:Fallback xmlns:p="http://schemas.openxmlformats.org/presentationml/2006/main" xmlns:mv="urn:schemas-microsoft-com:mac:vml" xmlns:mc="http://schemas.openxmlformats.org/markup-compatibility/2006" xmlns:r="http://schemas.openxmlformats.org/officeDocument/2006/relationships" xmlns:a="http://schemas.openxmlformats.org/drawingml/2006/main" xmlns="">
             <p:blipFill>
               <a:blip r:embed="rId9"/>
               <a:stretch>
@@ -3505,8 +3534,8 @@
           </p:cNvPicPr>
           <p:nvPr/>
         </p:nvPicPr>
-        <mc:AlternateContent>
-          <mc:Choice xmlns:ma="http://schemas.microsoft.com/office/mac/drawingml/2008/main" Requires="ma">
+        <mc:AlternateContent xmlns:ma="http://schemas.microsoft.com/office/mac/drawingml/2008/main">
+          <mc:Choice Requires="ma">
             <p:blipFill>
               <a:blip r:embed="rId10"/>
               <a:stretch>
@@ -3514,7 +3543,7 @@
               </a:stretch>
             </p:blipFill>
           </mc:Choice>
-          <mc:Fallback>
+          <mc:Fallback xmlns:p="http://schemas.openxmlformats.org/presentationml/2006/main" xmlns:mv="urn:schemas-microsoft-com:mac:vml" xmlns:mc="http://schemas.openxmlformats.org/markup-compatibility/2006" xmlns:r="http://schemas.openxmlformats.org/officeDocument/2006/relationships" xmlns:a="http://schemas.openxmlformats.org/drawingml/2006/main" xmlns="">
             <p:blipFill>
               <a:blip r:embed="rId11"/>
               <a:stretch>
@@ -3751,8 +3780,8 @@
           </p:cNvPicPr>
           <p:nvPr/>
         </p:nvPicPr>
-        <mc:AlternateContent>
-          <mc:Choice xmlns:ma="http://schemas.microsoft.com/office/mac/drawingml/2008/main" Requires="ma">
+        <mc:AlternateContent xmlns:ma="http://schemas.microsoft.com/office/mac/drawingml/2008/main">
+          <mc:Choice Requires="ma">
             <p:blipFill>
               <a:blip r:embed="rId12"/>
               <a:stretch>
@@ -3760,7 +3789,7 @@
               </a:stretch>
             </p:blipFill>
           </mc:Choice>
-          <mc:Fallback>
+          <mc:Fallback xmlns:p="http://schemas.openxmlformats.org/presentationml/2006/main" xmlns:mv="urn:schemas-microsoft-com:mac:vml" xmlns:mc="http://schemas.openxmlformats.org/markup-compatibility/2006" xmlns:r="http://schemas.openxmlformats.org/officeDocument/2006/relationships" xmlns:a="http://schemas.openxmlformats.org/drawingml/2006/main" xmlns="">
             <p:blipFill>
               <a:blip r:embed="rId13"/>
               <a:stretch>
@@ -3821,7 +3850,6330 @@
 </p:sld>
 </file>
 
+<file path=ppt/slides/slide10.xml><?xml version="1.0" encoding="utf-8"?>
+<p:sld xmlns:a="http://schemas.openxmlformats.org/drawingml/2006/main" xmlns:r="http://schemas.openxmlformats.org/officeDocument/2006/relationships" xmlns:mc="http://schemas.openxmlformats.org/markup-compatibility/2006" xmlns:mv="urn:schemas-microsoft-com:mac:vml" xmlns:p="http://schemas.openxmlformats.org/presentationml/2006/main" mc:Ignorable="mv" mc:PreserveAttributes="mv:*">
+  <p:cSld>
+    <p:spTree>
+      <p:nvGrpSpPr>
+        <p:cNvPr id="1" name=""/>
+        <p:cNvGrpSpPr/>
+        <p:nvPr/>
+      </p:nvGrpSpPr>
+      <p:grpSpPr>
+        <a:xfrm>
+          <a:off x="0" y="0"/>
+          <a:ext cx="0" cy="0"/>
+          <a:chOff x="0" y="0"/>
+          <a:chExt cx="0" cy="0"/>
+        </a:xfrm>
+      </p:grpSpPr>
+      <p:grpSp>
+        <p:nvGrpSpPr>
+          <p:cNvPr id="10" name="Group 9"/>
+          <p:cNvGrpSpPr/>
+          <p:nvPr/>
+        </p:nvGrpSpPr>
+        <p:grpSpPr>
+          <a:xfrm>
+            <a:off x="1123950" y="1974850"/>
+            <a:ext cx="6896100" cy="2908300"/>
+            <a:chOff x="1123950" y="1974850"/>
+            <a:chExt cx="6896100" cy="2908300"/>
+          </a:xfrm>
+        </p:grpSpPr>
+        <p:pic>
+          <p:nvPicPr>
+            <p:cNvPr id="4" name="Picture 3" descr="ocanon.pdf"/>
+            <p:cNvPicPr>
+              <a:picLocks noChangeAspect="1"/>
+            </p:cNvPicPr>
+            <p:nvPr/>
+          </p:nvPicPr>
+          <mc:AlternateContent>
+            <mc:Choice xmlns:ma="http://schemas.microsoft.com/office/mac/drawingml/2008/main" Requires="ma">
+              <p:blipFill>
+                <a:blip r:embed="rId3"/>
+                <a:stretch>
+                  <a:fillRect/>
+                </a:stretch>
+              </p:blipFill>
+            </mc:Choice>
+            <mc:Fallback>
+              <p:blipFill>
+                <a:blip r:embed="rId4"/>
+                <a:stretch>
+                  <a:fillRect/>
+                </a:stretch>
+              </p:blipFill>
+            </mc:Fallback>
+          </mc:AlternateContent>
+          <p:spPr>
+            <a:xfrm>
+              <a:off x="1123950" y="1974850"/>
+              <a:ext cx="6896100" cy="2908300"/>
+            </a:xfrm>
+            <a:prstGeom prst="rect">
+              <a:avLst/>
+            </a:prstGeom>
+          </p:spPr>
+        </p:pic>
+        <p:graphicFrame>
+          <p:nvGraphicFramePr>
+            <p:cNvPr id="17410" name="Object 2"/>
+            <p:cNvGraphicFramePr>
+              <a:graphicFrameLocks noChangeAspect="1"/>
+            </p:cNvGraphicFramePr>
+            <p:nvPr/>
+          </p:nvGraphicFramePr>
+          <p:xfrm>
+            <a:off x="2413666" y="3318669"/>
+            <a:ext cx="209550" cy="220662"/>
+          </p:xfrm>
+          <a:graphic>
+            <a:graphicData uri="http://schemas.openxmlformats.org/presentationml/2006/ole">
+              <p:oleObj spid="_x0000_s17410" name="Equation" r:id="rId5" imgW="228600" imgH="241300" progId="Equation.3">
+                <p:embed/>
+              </p:oleObj>
+            </a:graphicData>
+          </a:graphic>
+        </p:graphicFrame>
+        <p:graphicFrame>
+          <p:nvGraphicFramePr>
+            <p:cNvPr id="6" name="Object 2"/>
+            <p:cNvGraphicFramePr>
+              <a:graphicFrameLocks noChangeAspect="1"/>
+            </p:cNvGraphicFramePr>
+            <p:nvPr/>
+          </p:nvGraphicFramePr>
+          <p:xfrm>
+            <a:off x="3604574" y="3360738"/>
+            <a:ext cx="209550" cy="220662"/>
+          </p:xfrm>
+          <a:graphic>
+            <a:graphicData uri="http://schemas.openxmlformats.org/presentationml/2006/ole">
+              <p:oleObj spid="_x0000_s17411" name="Equation" r:id="rId6" imgW="228600" imgH="241300" progId="Equation.3">
+                <p:embed/>
+              </p:oleObj>
+            </a:graphicData>
+          </a:graphic>
+        </p:graphicFrame>
+        <p:graphicFrame>
+          <p:nvGraphicFramePr>
+            <p:cNvPr id="8" name="Object 2"/>
+            <p:cNvGraphicFramePr>
+              <a:graphicFrameLocks noChangeAspect="1"/>
+            </p:cNvGraphicFramePr>
+            <p:nvPr/>
+          </p:nvGraphicFramePr>
+          <p:xfrm>
+            <a:off x="5592131" y="3335163"/>
+            <a:ext cx="209550" cy="220662"/>
+          </p:xfrm>
+          <a:graphic>
+            <a:graphicData uri="http://schemas.openxmlformats.org/presentationml/2006/ole">
+              <p:oleObj spid="_x0000_s17413" name="Equation" r:id="rId7" imgW="228600" imgH="241300" progId="Equation.3">
+                <p:embed/>
+              </p:oleObj>
+            </a:graphicData>
+          </a:graphic>
+        </p:graphicFrame>
+        <p:graphicFrame>
+          <p:nvGraphicFramePr>
+            <p:cNvPr id="9" name="Object 2"/>
+            <p:cNvGraphicFramePr>
+              <a:graphicFrameLocks noChangeAspect="1"/>
+            </p:cNvGraphicFramePr>
+            <p:nvPr/>
+          </p:nvGraphicFramePr>
+          <p:xfrm>
+            <a:off x="6762643" y="3335163"/>
+            <a:ext cx="209550" cy="220662"/>
+          </p:xfrm>
+          <a:graphic>
+            <a:graphicData uri="http://schemas.openxmlformats.org/presentationml/2006/ole">
+              <p:oleObj spid="_x0000_s17414" name="Equation" r:id="rId8" imgW="228600" imgH="241300" progId="Equation.3">
+                <p:embed/>
+              </p:oleObj>
+            </a:graphicData>
+          </a:graphic>
+        </p:graphicFrame>
+      </p:grpSp>
+    </p:spTree>
+  </p:cSld>
+  <p:clrMapOvr>
+    <a:masterClrMapping/>
+  </p:clrMapOvr>
+</p:sld>
+</file>
+
+<file path=ppt/slides/slide11.xml><?xml version="1.0" encoding="utf-8"?>
+<p:sld xmlns:a="http://schemas.openxmlformats.org/drawingml/2006/main" xmlns:r="http://schemas.openxmlformats.org/officeDocument/2006/relationships" xmlns:mc="http://schemas.openxmlformats.org/markup-compatibility/2006" xmlns:mv="urn:schemas-microsoft-com:mac:vml" xmlns:p="http://schemas.openxmlformats.org/presentationml/2006/main" mc:Ignorable="mv" mc:PreserveAttributes="mv:*">
+  <p:cSld>
+    <p:spTree>
+      <p:nvGrpSpPr>
+        <p:cNvPr id="1" name=""/>
+        <p:cNvGrpSpPr/>
+        <p:nvPr/>
+      </p:nvGrpSpPr>
+      <p:grpSpPr>
+        <a:xfrm>
+          <a:off x="0" y="0"/>
+          <a:ext cx="0" cy="0"/>
+          <a:chOff x="0" y="0"/>
+          <a:chExt cx="0" cy="0"/>
+        </a:xfrm>
+      </p:grpSpPr>
+      <p:grpSp>
+        <p:nvGrpSpPr>
+          <p:cNvPr id="7" name="Group 6"/>
+          <p:cNvGrpSpPr/>
+          <p:nvPr/>
+        </p:nvGrpSpPr>
+        <p:grpSpPr>
+          <a:xfrm>
+            <a:off x="955543" y="785501"/>
+            <a:ext cx="5016500" cy="1651000"/>
+            <a:chOff x="2063750" y="2603500"/>
+            <a:chExt cx="5016500" cy="1651000"/>
+          </a:xfrm>
+        </p:grpSpPr>
+        <p:pic>
+          <p:nvPicPr>
+            <p:cNvPr id="4" name="Picture 3" descr="jordanblock.pdf"/>
+            <p:cNvPicPr>
+              <a:picLocks noChangeAspect="1"/>
+            </p:cNvPicPr>
+            <p:nvPr/>
+          </p:nvPicPr>
+          <mc:AlternateContent>
+            <mc:Choice xmlns:ma="http://schemas.microsoft.com/office/mac/drawingml/2008/main" Requires="ma">
+              <p:blipFill>
+                <a:blip r:embed="rId3"/>
+                <a:stretch>
+                  <a:fillRect/>
+                </a:stretch>
+              </p:blipFill>
+            </mc:Choice>
+            <mc:Fallback>
+              <p:blipFill>
+                <a:blip r:embed="rId4"/>
+                <a:stretch>
+                  <a:fillRect/>
+                </a:stretch>
+              </p:blipFill>
+            </mc:Fallback>
+          </mc:AlternateContent>
+          <p:spPr>
+            <a:xfrm>
+              <a:off x="2063750" y="2603500"/>
+              <a:ext cx="5016500" cy="1651000"/>
+            </a:xfrm>
+            <a:prstGeom prst="rect">
+              <a:avLst/>
+            </a:prstGeom>
+          </p:spPr>
+        </p:pic>
+        <p:graphicFrame>
+          <p:nvGraphicFramePr>
+            <p:cNvPr id="18434" name="Object 2"/>
+            <p:cNvGraphicFramePr>
+              <a:graphicFrameLocks noChangeAspect="1"/>
+            </p:cNvGraphicFramePr>
+            <p:nvPr/>
+          </p:nvGraphicFramePr>
+          <p:xfrm>
+            <a:off x="3463793" y="2725115"/>
+            <a:ext cx="209550" cy="220662"/>
+          </p:xfrm>
+          <a:graphic>
+            <a:graphicData uri="http://schemas.openxmlformats.org/presentationml/2006/ole">
+              <p:oleObj spid="_x0000_s18434" name="Equation" r:id="rId5" imgW="228600" imgH="241300" progId="Equation.3">
+                <p:embed/>
+              </p:oleObj>
+            </a:graphicData>
+          </a:graphic>
+        </p:graphicFrame>
+        <p:graphicFrame>
+          <p:nvGraphicFramePr>
+            <p:cNvPr id="6" name="Object 2"/>
+            <p:cNvGraphicFramePr>
+              <a:graphicFrameLocks noChangeAspect="1"/>
+            </p:cNvGraphicFramePr>
+            <p:nvPr/>
+          </p:nvGraphicFramePr>
+          <p:xfrm>
+            <a:off x="5212763" y="2725115"/>
+            <a:ext cx="209550" cy="220662"/>
+          </p:xfrm>
+          <a:graphic>
+            <a:graphicData uri="http://schemas.openxmlformats.org/presentationml/2006/ole">
+              <p:oleObj spid="_x0000_s18435" name="Equation" r:id="rId6" imgW="228600" imgH="241300" progId="Equation.3">
+                <p:embed/>
+              </p:oleObj>
+            </a:graphicData>
+          </a:graphic>
+        </p:graphicFrame>
+      </p:grpSp>
+      <p:grpSp>
+        <p:nvGrpSpPr>
+          <p:cNvPr id="12" name="Group 11"/>
+          <p:cNvGrpSpPr/>
+          <p:nvPr/>
+        </p:nvGrpSpPr>
+        <p:grpSpPr>
+          <a:xfrm>
+            <a:off x="805290" y="2614142"/>
+            <a:ext cx="7302500" cy="3619500"/>
+            <a:chOff x="805290" y="2614142"/>
+            <a:chExt cx="7302500" cy="3619500"/>
+          </a:xfrm>
+        </p:grpSpPr>
+        <p:pic>
+          <p:nvPicPr>
+            <p:cNvPr id="8" name="Picture 7" descr="normalcan.pdf"/>
+            <p:cNvPicPr>
+              <a:picLocks noChangeAspect="1"/>
+            </p:cNvPicPr>
+            <p:nvPr/>
+          </p:nvPicPr>
+          <mc:AlternateContent>
+            <mc:Choice xmlns:ma="http://schemas.microsoft.com/office/mac/drawingml/2008/main" Requires="ma">
+              <p:blipFill>
+                <a:blip r:embed="rId7"/>
+                <a:stretch>
+                  <a:fillRect/>
+                </a:stretch>
+              </p:blipFill>
+            </mc:Choice>
+            <mc:Fallback>
+              <p:blipFill>
+                <a:blip r:embed="rId8"/>
+                <a:stretch>
+                  <a:fillRect/>
+                </a:stretch>
+              </p:blipFill>
+            </mc:Fallback>
+          </mc:AlternateContent>
+          <p:spPr>
+            <a:xfrm>
+              <a:off x="805290" y="2614142"/>
+              <a:ext cx="7302500" cy="3619500"/>
+            </a:xfrm>
+            <a:prstGeom prst="rect">
+              <a:avLst/>
+            </a:prstGeom>
+          </p:spPr>
+        </p:pic>
+        <p:graphicFrame>
+          <p:nvGraphicFramePr>
+            <p:cNvPr id="18438" name="Object 6"/>
+            <p:cNvGraphicFramePr>
+              <a:graphicFrameLocks noChangeAspect="1"/>
+            </p:cNvGraphicFramePr>
+            <p:nvPr/>
+          </p:nvGraphicFramePr>
+          <p:xfrm>
+            <a:off x="2446303" y="3986832"/>
+            <a:ext cx="209550" cy="220662"/>
+          </p:xfrm>
+          <a:graphic>
+            <a:graphicData uri="http://schemas.openxmlformats.org/presentationml/2006/ole">
+              <p:oleObj spid="_x0000_s18438" name="Equation" r:id="rId9" imgW="228600" imgH="241300" progId="Equation.3">
+                <p:embed/>
+              </p:oleObj>
+            </a:graphicData>
+          </a:graphic>
+        </p:graphicFrame>
+        <p:graphicFrame>
+          <p:nvGraphicFramePr>
+            <p:cNvPr id="10" name="Object 6"/>
+            <p:cNvGraphicFramePr>
+              <a:graphicFrameLocks noChangeAspect="1"/>
+            </p:cNvGraphicFramePr>
+            <p:nvPr/>
+          </p:nvGraphicFramePr>
+          <p:xfrm>
+            <a:off x="4467225" y="3986832"/>
+            <a:ext cx="209550" cy="220662"/>
+          </p:xfrm>
+          <a:graphic>
+            <a:graphicData uri="http://schemas.openxmlformats.org/presentationml/2006/ole">
+              <p:oleObj spid="_x0000_s18439" name="Equation" r:id="rId10" imgW="228600" imgH="241300" progId="Equation.3">
+                <p:embed/>
+              </p:oleObj>
+            </a:graphicData>
+          </a:graphic>
+        </p:graphicFrame>
+        <p:graphicFrame>
+          <p:nvGraphicFramePr>
+            <p:cNvPr id="11" name="Object 6"/>
+            <p:cNvGraphicFramePr>
+              <a:graphicFrameLocks noChangeAspect="1"/>
+            </p:cNvGraphicFramePr>
+            <p:nvPr/>
+          </p:nvGraphicFramePr>
+          <p:xfrm>
+            <a:off x="6944079" y="3986832"/>
+            <a:ext cx="209550" cy="220662"/>
+          </p:xfrm>
+          <a:graphic>
+            <a:graphicData uri="http://schemas.openxmlformats.org/presentationml/2006/ole">
+              <p:oleObj spid="_x0000_s18440" name="Equation" r:id="rId11" imgW="228600" imgH="241300" progId="Equation.3">
+                <p:embed/>
+              </p:oleObj>
+            </a:graphicData>
+          </a:graphic>
+        </p:graphicFrame>
+      </p:grpSp>
+    </p:spTree>
+  </p:cSld>
+  <p:clrMapOvr>
+    <a:masterClrMapping/>
+  </p:clrMapOvr>
+</p:sld>
+</file>
+
+<file path=ppt/slides/slide12.xml><?xml version="1.0" encoding="utf-8"?>
+<p:sld xmlns:a="http://schemas.openxmlformats.org/drawingml/2006/main" xmlns:r="http://schemas.openxmlformats.org/officeDocument/2006/relationships" xmlns:mc="http://schemas.openxmlformats.org/markup-compatibility/2006" xmlns:mv="urn:schemas-microsoft-com:mac:vml" xmlns:p="http://schemas.openxmlformats.org/presentationml/2006/main" mc:Ignorable="mv" mc:PreserveAttributes="mv:*">
+  <p:cSld>
+    <p:spTree>
+      <p:nvGrpSpPr>
+        <p:cNvPr id="1" name=""/>
+        <p:cNvGrpSpPr/>
+        <p:nvPr/>
+      </p:nvGrpSpPr>
+      <p:grpSpPr>
+        <a:xfrm>
+          <a:off x="0" y="0"/>
+          <a:ext cx="0" cy="0"/>
+          <a:chOff x="0" y="0"/>
+          <a:chExt cx="0" cy="0"/>
+        </a:xfrm>
+      </p:grpSpPr>
+      <p:grpSp>
+        <p:nvGrpSpPr>
+          <p:cNvPr id="6" name="Group 5"/>
+          <p:cNvGrpSpPr/>
+          <p:nvPr/>
+        </p:nvGrpSpPr>
+        <p:grpSpPr>
+          <a:xfrm>
+            <a:off x="2546350" y="2952750"/>
+            <a:ext cx="4051300" cy="952500"/>
+            <a:chOff x="2546350" y="2952750"/>
+            <a:chExt cx="4051300" cy="952500"/>
+          </a:xfrm>
+        </p:grpSpPr>
+        <p:pic>
+          <p:nvPicPr>
+            <p:cNvPr id="4" name="Picture 3" descr="sspole.pdf"/>
+            <p:cNvPicPr>
+              <a:picLocks noChangeAspect="1"/>
+            </p:cNvPicPr>
+            <p:nvPr/>
+          </p:nvPicPr>
+          <mc:AlternateContent>
+            <mc:Choice xmlns:ma="http://schemas.microsoft.com/office/mac/drawingml/2008/main" Requires="ma">
+              <p:blipFill>
+                <a:blip r:embed="rId3"/>
+                <a:stretch>
+                  <a:fillRect/>
+                </a:stretch>
+              </p:blipFill>
+            </mc:Choice>
+            <mc:Fallback>
+              <p:blipFill>
+                <a:blip r:embed="rId4"/>
+                <a:stretch>
+                  <a:fillRect/>
+                </a:stretch>
+              </p:blipFill>
+            </mc:Fallback>
+          </mc:AlternateContent>
+          <p:spPr>
+            <a:xfrm>
+              <a:off x="2546350" y="2952750"/>
+              <a:ext cx="4051300" cy="952500"/>
+            </a:xfrm>
+            <a:prstGeom prst="rect">
+              <a:avLst/>
+            </a:prstGeom>
+          </p:spPr>
+        </p:pic>
+        <p:graphicFrame>
+          <p:nvGraphicFramePr>
+            <p:cNvPr id="19458" name="Object 2"/>
+            <p:cNvGraphicFramePr>
+              <a:graphicFrameLocks noChangeAspect="1"/>
+            </p:cNvGraphicFramePr>
+            <p:nvPr/>
+          </p:nvGraphicFramePr>
+          <p:xfrm>
+            <a:off x="4629729" y="2993985"/>
+            <a:ext cx="209550" cy="220662"/>
+          </p:xfrm>
+          <a:graphic>
+            <a:graphicData uri="http://schemas.openxmlformats.org/presentationml/2006/ole">
+              <p:oleObj spid="_x0000_s19458" name="Equation" r:id="rId5" imgW="228600" imgH="241300" progId="Equation.3">
+                <p:embed/>
+              </p:oleObj>
+            </a:graphicData>
+          </a:graphic>
+        </p:graphicFrame>
+      </p:grpSp>
+    </p:spTree>
+  </p:cSld>
+  <p:clrMapOvr>
+    <a:masterClrMapping/>
+  </p:clrMapOvr>
+</p:sld>
+</file>
+
 <file path=ppt/slides/slide2.xml><?xml version="1.0" encoding="utf-8"?>
+<p:sld xmlns:a="http://schemas.openxmlformats.org/drawingml/2006/main" xmlns:r="http://schemas.openxmlformats.org/officeDocument/2006/relationships" xmlns:mc="http://schemas.openxmlformats.org/markup-compatibility/2006" xmlns:mv="urn:schemas-microsoft-com:mac:vml" xmlns:p="http://schemas.openxmlformats.org/presentationml/2006/main" mc:Ignorable="mv" mc:PreserveAttributes="mv:*">
+  <p:cSld>
+    <p:spTree>
+      <p:nvGrpSpPr>
+        <p:cNvPr id="1" name=""/>
+        <p:cNvGrpSpPr/>
+        <p:nvPr/>
+      </p:nvGrpSpPr>
+      <p:grpSpPr>
+        <a:xfrm>
+          <a:off x="0" y="0"/>
+          <a:ext cx="0" cy="0"/>
+          <a:chOff x="0" y="0"/>
+          <a:chExt cx="0" cy="0"/>
+        </a:xfrm>
+      </p:grpSpPr>
+      <p:sp>
+        <p:nvSpPr>
+          <p:cNvPr id="2" name="Title 1"/>
+          <p:cNvSpPr>
+            <a:spLocks noGrp="1"/>
+          </p:cNvSpPr>
+          <p:nvPr>
+            <p:ph type="title"/>
+          </p:nvPr>
+        </p:nvSpPr>
+        <p:spPr/>
+        <p:txBody>
+          <a:bodyPr/>
+          <a:lstStyle/>
+          <a:p>
+            <a:endParaRPr lang="en-US"/>
+          </a:p>
+        </p:txBody>
+      </p:sp>
+      <p:pic>
+        <p:nvPicPr>
+          <p:cNvPr id="4" name="Picture 3" descr="cse2.eps"/>
+          <p:cNvPicPr>
+            <a:picLocks noChangeAspect="1"/>
+          </p:cNvPicPr>
+          <p:nvPr/>
+        </p:nvPicPr>
+        <mc:AlternateContent xmlns:ma="http://schemas.microsoft.com/office/mac/drawingml/2008/main">
+          <mc:Choice Requires="ma">
+            <p:blipFill>
+              <a:blip r:embed="rId3"/>
+              <a:stretch>
+                <a:fillRect/>
+              </a:stretch>
+            </p:blipFill>
+          </mc:Choice>
+          <mc:Fallback xmlns:p="http://schemas.openxmlformats.org/presentationml/2006/main" xmlns:mv="urn:schemas-microsoft-com:mac:vml" xmlns:mc="http://schemas.openxmlformats.org/markup-compatibility/2006" xmlns:r="http://schemas.openxmlformats.org/officeDocument/2006/relationships" xmlns:a="http://schemas.openxmlformats.org/drawingml/2006/main" xmlns="">
+            <p:blipFill>
+              <a:blip r:embed="rId5"/>
+              <a:stretch>
+                <a:fillRect/>
+              </a:stretch>
+            </p:blipFill>
+          </mc:Fallback>
+        </mc:AlternateContent>
+        <p:spPr>
+          <a:xfrm>
+            <a:off x="1495492" y="2201817"/>
+            <a:ext cx="2120900" cy="419100"/>
+          </a:xfrm>
+          <a:prstGeom prst="rect">
+            <a:avLst/>
+          </a:prstGeom>
+        </p:spPr>
+      </p:pic>
+      <p:sp>
+        <p:nvSpPr>
+          <p:cNvPr id="5" name="TextBox 4"/>
+          <p:cNvSpPr txBox="1"/>
+          <p:nvPr/>
+        </p:nvSpPr>
+        <p:spPr>
+          <a:xfrm>
+            <a:off x="3216771" y="2120084"/>
+            <a:ext cx="294371" cy="276999"/>
+          </a:xfrm>
+          <a:prstGeom prst="rect">
+            <a:avLst/>
+          </a:prstGeom>
+          <a:noFill/>
+        </p:spPr>
+        <p:txBody>
+          <a:bodyPr wrap="none" rtlCol="0">
+            <a:spAutoFit/>
+          </a:bodyPr>
+          <a:lstStyle/>
+          <a:p>
+            <a:r>
+              <a:rPr lang="en-US" sz="1200" dirty="0" smtClean="0">
+                <a:latin typeface="Symbol"/>
+              </a:rPr>
+              <a:t>∇</a:t>
+            </a:r>
+            <a:endParaRPr lang="en-US" sz="1200" dirty="0">
+              <a:latin typeface="Symbol"/>
+            </a:endParaRPr>
+          </a:p>
+        </p:txBody>
+      </p:sp>
+      <p:grpSp>
+        <p:nvGrpSpPr>
+          <p:cNvPr id="15" name="Group 14"/>
+          <p:cNvGrpSpPr/>
+          <p:nvPr/>
+        </p:nvGrpSpPr>
+        <p:grpSpPr>
+          <a:xfrm>
+            <a:off x="4332206" y="2787421"/>
+            <a:ext cx="1553819" cy="592058"/>
+            <a:chOff x="1026093" y="2802173"/>
+            <a:chExt cx="1553819" cy="592058"/>
+          </a:xfrm>
+        </p:grpSpPr>
+        <p:grpSp>
+          <p:nvGrpSpPr>
+            <p:cNvPr id="11" name="Group 10"/>
+            <p:cNvGrpSpPr/>
+            <p:nvPr/>
+          </p:nvGrpSpPr>
+          <p:grpSpPr>
+            <a:xfrm>
+              <a:off x="1080429" y="2940673"/>
+              <a:ext cx="1480331" cy="453558"/>
+              <a:chOff x="2560760" y="3166658"/>
+              <a:chExt cx="1480331" cy="453558"/>
+            </a:xfrm>
+          </p:grpSpPr>
+          <p:sp>
+            <p:nvSpPr>
+              <p:cNvPr id="6" name="Rectangle 5"/>
+              <p:cNvSpPr/>
+              <p:nvPr/>
+            </p:nvSpPr>
+            <p:spPr>
+              <a:xfrm>
+                <a:off x="2985459" y="3166658"/>
+                <a:ext cx="630933" cy="453558"/>
+              </a:xfrm>
+              <a:prstGeom prst="rect">
+                <a:avLst/>
+              </a:prstGeom>
+              <a:noFill/>
+              <a:ln>
+                <a:solidFill>
+                  <a:schemeClr val="tx1"/>
+                </a:solidFill>
+              </a:ln>
+              <a:effectLst/>
+            </p:spPr>
+            <p:style>
+              <a:lnRef idx="1">
+                <a:schemeClr val="accent1"/>
+              </a:lnRef>
+              <a:fillRef idx="3">
+                <a:schemeClr val="accent1"/>
+              </a:fillRef>
+              <a:effectRef idx="2">
+                <a:schemeClr val="accent1"/>
+              </a:effectRef>
+              <a:fontRef idx="minor">
+                <a:schemeClr val="lt1"/>
+              </a:fontRef>
+            </p:style>
+            <p:txBody>
+              <a:bodyPr rtlCol="0" anchor="ctr"/>
+              <a:lstStyle/>
+              <a:p>
+                <a:pPr algn="ctr"/>
+                <a:endParaRPr lang="en-US"/>
+              </a:p>
+            </p:txBody>
+          </p:sp>
+          <p:cxnSp>
+            <p:nvCxnSpPr>
+              <p:cNvPr id="8" name="Straight Arrow Connector 7"/>
+              <p:cNvCxnSpPr/>
+              <p:nvPr/>
+            </p:nvCxnSpPr>
+            <p:spPr>
+              <a:xfrm>
+                <a:off x="2560760" y="3392643"/>
+                <a:ext cx="424699" cy="1588"/>
+              </a:xfrm>
+              <a:prstGeom prst="straightConnector1">
+                <a:avLst/>
+              </a:prstGeom>
+              <a:ln w="12700">
+                <a:solidFill>
+                  <a:schemeClr val="tx1"/>
+                </a:solidFill>
+                <a:tailEnd type="triangle"/>
+              </a:ln>
+              <a:effectLst/>
+            </p:spPr>
+            <p:style>
+              <a:lnRef idx="2">
+                <a:schemeClr val="accent1"/>
+              </a:lnRef>
+              <a:fillRef idx="0">
+                <a:schemeClr val="accent1"/>
+              </a:fillRef>
+              <a:effectRef idx="1">
+                <a:schemeClr val="accent1"/>
+              </a:effectRef>
+              <a:fontRef idx="minor">
+                <a:schemeClr val="tx1"/>
+              </a:fontRef>
+            </p:style>
+          </p:cxnSp>
+          <p:cxnSp>
+            <p:nvCxnSpPr>
+              <p:cNvPr id="10" name="Straight Arrow Connector 9"/>
+              <p:cNvCxnSpPr/>
+              <p:nvPr/>
+            </p:nvCxnSpPr>
+            <p:spPr>
+              <a:xfrm>
+                <a:off x="3616392" y="3392643"/>
+                <a:ext cx="424699" cy="1588"/>
+              </a:xfrm>
+              <a:prstGeom prst="straightConnector1">
+                <a:avLst/>
+              </a:prstGeom>
+              <a:ln w="12700">
+                <a:solidFill>
+                  <a:schemeClr val="tx1"/>
+                </a:solidFill>
+                <a:tailEnd type="triangle"/>
+              </a:ln>
+              <a:effectLst/>
+            </p:spPr>
+            <p:style>
+              <a:lnRef idx="2">
+                <a:schemeClr val="accent1"/>
+              </a:lnRef>
+              <a:fillRef idx="0">
+                <a:schemeClr val="accent1"/>
+              </a:fillRef>
+              <a:effectRef idx="1">
+                <a:schemeClr val="accent1"/>
+              </a:effectRef>
+              <a:fontRef idx="minor">
+                <a:schemeClr val="tx1"/>
+              </a:fontRef>
+            </p:style>
+          </p:cxnSp>
+        </p:grpSp>
+        <p:sp>
+          <p:nvSpPr>
+            <p:cNvPr id="12" name="TextBox 11"/>
+            <p:cNvSpPr txBox="1"/>
+            <p:nvPr/>
+          </p:nvSpPr>
+          <p:spPr>
+            <a:xfrm>
+              <a:off x="1026093" y="2802173"/>
+              <a:ext cx="469399" cy="276999"/>
+            </a:xfrm>
+            <a:prstGeom prst="rect">
+              <a:avLst/>
+            </a:prstGeom>
+            <a:noFill/>
+          </p:spPr>
+          <p:txBody>
+            <a:bodyPr wrap="none" rtlCol="0">
+              <a:spAutoFit/>
+            </a:bodyPr>
+            <a:lstStyle/>
+            <a:p>
+              <a:r>
+                <a:rPr lang="en-US" sz="1200" i="1" dirty="0" err="1" smtClean="0">
+                  <a:latin typeface="Times New Roman"/>
+                </a:rPr>
+                <a:t>U</a:t>
+              </a:r>
+              <a:r>
+                <a:rPr lang="en-US" sz="1200" dirty="0" err="1" smtClean="0">
+                  <a:latin typeface="Times New Roman"/>
+                </a:rPr>
+                <a:t>(</a:t>
+              </a:r>
+              <a:r>
+                <a:rPr lang="en-US" sz="1200" i="1" dirty="0" err="1" smtClean="0">
+                  <a:latin typeface="Times New Roman"/>
+                </a:rPr>
+                <a:t>z</a:t>
+              </a:r>
+              <a:r>
+                <a:rPr lang="en-US" sz="1200" dirty="0" smtClean="0">
+                  <a:latin typeface="Times New Roman"/>
+                </a:rPr>
+                <a:t>)</a:t>
+              </a:r>
+              <a:endParaRPr lang="en-US" sz="1200" dirty="0">
+                <a:latin typeface="Times New Roman"/>
+              </a:endParaRPr>
+            </a:p>
+          </p:txBody>
+        </p:sp>
+        <p:sp>
+          <p:nvSpPr>
+            <p:cNvPr id="13" name="TextBox 12"/>
+            <p:cNvSpPr txBox="1"/>
+            <p:nvPr/>
+          </p:nvSpPr>
+          <p:spPr>
+            <a:xfrm>
+              <a:off x="2136061" y="2816073"/>
+              <a:ext cx="443851" cy="276999"/>
+            </a:xfrm>
+            <a:prstGeom prst="rect">
+              <a:avLst/>
+            </a:prstGeom>
+            <a:noFill/>
+          </p:spPr>
+          <p:txBody>
+            <a:bodyPr wrap="none" rtlCol="0">
+              <a:spAutoFit/>
+            </a:bodyPr>
+            <a:lstStyle/>
+            <a:p>
+              <a:r>
+                <a:rPr lang="en-US" sz="1200" i="1" dirty="0" err="1" smtClean="0">
+                  <a:latin typeface="Times New Roman"/>
+                </a:rPr>
+                <a:t>Y</a:t>
+              </a:r>
+              <a:r>
+                <a:rPr lang="en-US" sz="1200" dirty="0" err="1" smtClean="0">
+                  <a:latin typeface="Times New Roman"/>
+                </a:rPr>
+                <a:t>(</a:t>
+              </a:r>
+              <a:r>
+                <a:rPr lang="en-US" sz="1200" i="1" dirty="0" err="1" smtClean="0">
+                  <a:latin typeface="Times New Roman"/>
+                </a:rPr>
+                <a:t>z</a:t>
+              </a:r>
+              <a:r>
+                <a:rPr lang="en-US" sz="1200" dirty="0" smtClean="0">
+                  <a:latin typeface="Times New Roman"/>
+                </a:rPr>
+                <a:t>)</a:t>
+              </a:r>
+              <a:endParaRPr lang="en-US" sz="1200" dirty="0">
+                <a:latin typeface="Times New Roman"/>
+              </a:endParaRPr>
+            </a:p>
+          </p:txBody>
+        </p:sp>
+        <p:sp>
+          <p:nvSpPr>
+            <p:cNvPr id="24" name="TextBox 23"/>
+            <p:cNvSpPr txBox="1"/>
+            <p:nvPr/>
+          </p:nvSpPr>
+          <p:spPr>
+            <a:xfrm>
+              <a:off x="1607337" y="2995808"/>
+              <a:ext cx="469399" cy="276999"/>
+            </a:xfrm>
+            <a:prstGeom prst="rect">
+              <a:avLst/>
+            </a:prstGeom>
+            <a:noFill/>
+          </p:spPr>
+          <p:txBody>
+            <a:bodyPr wrap="none" rtlCol="0">
+              <a:spAutoFit/>
+            </a:bodyPr>
+            <a:lstStyle/>
+            <a:p>
+              <a:r>
+                <a:rPr lang="en-US" sz="1200" i="1" dirty="0" err="1" smtClean="0">
+                  <a:latin typeface="Times New Roman"/>
+                </a:rPr>
+                <a:t>D</a:t>
+              </a:r>
+              <a:r>
+                <a:rPr lang="en-US" sz="1200" dirty="0" err="1" smtClean="0">
+                  <a:latin typeface="Times New Roman"/>
+                </a:rPr>
+                <a:t>(</a:t>
+              </a:r>
+              <a:r>
+                <a:rPr lang="en-US" sz="1200" i="1" dirty="0" err="1" smtClean="0">
+                  <a:latin typeface="Times New Roman"/>
+                </a:rPr>
+                <a:t>z</a:t>
+              </a:r>
+              <a:r>
+                <a:rPr lang="en-US" sz="1200" dirty="0" smtClean="0">
+                  <a:latin typeface="Times New Roman"/>
+                </a:rPr>
+                <a:t>)</a:t>
+              </a:r>
+              <a:endParaRPr lang="en-US" sz="1200" dirty="0">
+                <a:latin typeface="Times New Roman"/>
+              </a:endParaRPr>
+            </a:p>
+          </p:txBody>
+        </p:sp>
+      </p:grpSp>
+      <p:grpSp>
+        <p:nvGrpSpPr>
+          <p:cNvPr id="16" name="Group 15"/>
+          <p:cNvGrpSpPr/>
+          <p:nvPr/>
+        </p:nvGrpSpPr>
+        <p:grpSpPr>
+          <a:xfrm>
+            <a:off x="2229582" y="2787421"/>
+            <a:ext cx="1553819" cy="592058"/>
+            <a:chOff x="1026093" y="2802173"/>
+            <a:chExt cx="1553819" cy="592058"/>
+          </a:xfrm>
+        </p:grpSpPr>
+        <p:grpSp>
+          <p:nvGrpSpPr>
+            <p:cNvPr id="17" name="Group 16"/>
+            <p:cNvGrpSpPr/>
+            <p:nvPr/>
+          </p:nvGrpSpPr>
+          <p:grpSpPr>
+            <a:xfrm>
+              <a:off x="1080429" y="2940673"/>
+              <a:ext cx="1480331" cy="453558"/>
+              <a:chOff x="2560760" y="3166658"/>
+              <a:chExt cx="1480331" cy="453558"/>
+            </a:xfrm>
+          </p:grpSpPr>
+          <p:sp>
+            <p:nvSpPr>
+              <p:cNvPr id="21" name="Rectangle 20"/>
+              <p:cNvSpPr/>
+              <p:nvPr/>
+            </p:nvSpPr>
+            <p:spPr>
+              <a:xfrm>
+                <a:off x="2985459" y="3166658"/>
+                <a:ext cx="630933" cy="453558"/>
+              </a:xfrm>
+              <a:prstGeom prst="rect">
+                <a:avLst/>
+              </a:prstGeom>
+              <a:noFill/>
+              <a:ln>
+                <a:solidFill>
+                  <a:schemeClr val="tx1"/>
+                </a:solidFill>
+              </a:ln>
+              <a:effectLst/>
+            </p:spPr>
+            <p:style>
+              <a:lnRef idx="1">
+                <a:schemeClr val="accent1"/>
+              </a:lnRef>
+              <a:fillRef idx="3">
+                <a:schemeClr val="accent1"/>
+              </a:fillRef>
+              <a:effectRef idx="2">
+                <a:schemeClr val="accent1"/>
+              </a:effectRef>
+              <a:fontRef idx="minor">
+                <a:schemeClr val="lt1"/>
+              </a:fontRef>
+            </p:style>
+            <p:txBody>
+              <a:bodyPr rtlCol="0" anchor="ctr"/>
+              <a:lstStyle/>
+              <a:p>
+                <a:pPr algn="ctr"/>
+                <a:endParaRPr lang="en-US"/>
+              </a:p>
+            </p:txBody>
+          </p:sp>
+          <p:cxnSp>
+            <p:nvCxnSpPr>
+              <p:cNvPr id="22" name="Straight Arrow Connector 21"/>
+              <p:cNvCxnSpPr/>
+              <p:nvPr/>
+            </p:nvCxnSpPr>
+            <p:spPr>
+              <a:xfrm>
+                <a:off x="2560760" y="3392643"/>
+                <a:ext cx="424699" cy="1588"/>
+              </a:xfrm>
+              <a:prstGeom prst="straightConnector1">
+                <a:avLst/>
+              </a:prstGeom>
+              <a:ln w="12700">
+                <a:solidFill>
+                  <a:schemeClr val="tx1"/>
+                </a:solidFill>
+                <a:tailEnd type="triangle"/>
+              </a:ln>
+              <a:effectLst/>
+            </p:spPr>
+            <p:style>
+              <a:lnRef idx="2">
+                <a:schemeClr val="accent1"/>
+              </a:lnRef>
+              <a:fillRef idx="0">
+                <a:schemeClr val="accent1"/>
+              </a:fillRef>
+              <a:effectRef idx="1">
+                <a:schemeClr val="accent1"/>
+              </a:effectRef>
+              <a:fontRef idx="minor">
+                <a:schemeClr val="tx1"/>
+              </a:fontRef>
+            </p:style>
+          </p:cxnSp>
+          <p:cxnSp>
+            <p:nvCxnSpPr>
+              <p:cNvPr id="23" name="Straight Arrow Connector 22"/>
+              <p:cNvCxnSpPr/>
+              <p:nvPr/>
+            </p:nvCxnSpPr>
+            <p:spPr>
+              <a:xfrm>
+                <a:off x="3616392" y="3392643"/>
+                <a:ext cx="424699" cy="1588"/>
+              </a:xfrm>
+              <a:prstGeom prst="straightConnector1">
+                <a:avLst/>
+              </a:prstGeom>
+              <a:ln w="12700">
+                <a:solidFill>
+                  <a:schemeClr val="tx1"/>
+                </a:solidFill>
+                <a:tailEnd type="triangle"/>
+              </a:ln>
+              <a:effectLst/>
+            </p:spPr>
+            <p:style>
+              <a:lnRef idx="2">
+                <a:schemeClr val="accent1"/>
+              </a:lnRef>
+              <a:fillRef idx="0">
+                <a:schemeClr val="accent1"/>
+              </a:fillRef>
+              <a:effectRef idx="1">
+                <a:schemeClr val="accent1"/>
+              </a:effectRef>
+              <a:fontRef idx="minor">
+                <a:schemeClr val="tx1"/>
+              </a:fontRef>
+            </p:style>
+          </p:cxnSp>
+        </p:grpSp>
+        <p:sp>
+          <p:nvSpPr>
+            <p:cNvPr id="18" name="TextBox 17"/>
+            <p:cNvSpPr txBox="1"/>
+            <p:nvPr/>
+          </p:nvSpPr>
+          <p:spPr>
+            <a:xfrm>
+              <a:off x="1026093" y="2802173"/>
+              <a:ext cx="469399" cy="276999"/>
+            </a:xfrm>
+            <a:prstGeom prst="rect">
+              <a:avLst/>
+            </a:prstGeom>
+            <a:noFill/>
+          </p:spPr>
+          <p:txBody>
+            <a:bodyPr wrap="none" rtlCol="0">
+              <a:spAutoFit/>
+            </a:bodyPr>
+            <a:lstStyle/>
+            <a:p>
+              <a:r>
+                <a:rPr lang="en-US" sz="1200" i="1" dirty="0" err="1" smtClean="0">
+                  <a:latin typeface="Times New Roman"/>
+                </a:rPr>
+                <a:t>U</a:t>
+              </a:r>
+              <a:r>
+                <a:rPr lang="en-US" sz="1200" dirty="0" err="1" smtClean="0">
+                  <a:latin typeface="Times New Roman"/>
+                </a:rPr>
+                <a:t>(</a:t>
+              </a:r>
+              <a:r>
+                <a:rPr lang="en-US" sz="1200" i="1" dirty="0" err="1" smtClean="0">
+                  <a:latin typeface="Times New Roman"/>
+                </a:rPr>
+                <a:t>s</a:t>
+              </a:r>
+              <a:r>
+                <a:rPr lang="en-US" sz="1200" dirty="0" smtClean="0">
+                  <a:latin typeface="Times New Roman"/>
+                </a:rPr>
+                <a:t>)</a:t>
+              </a:r>
+              <a:endParaRPr lang="en-US" sz="1200" dirty="0">
+                <a:latin typeface="Times New Roman"/>
+              </a:endParaRPr>
+            </a:p>
+          </p:txBody>
+        </p:sp>
+        <p:sp>
+          <p:nvSpPr>
+            <p:cNvPr id="19" name="TextBox 18"/>
+            <p:cNvSpPr txBox="1"/>
+            <p:nvPr/>
+          </p:nvSpPr>
+          <p:spPr>
+            <a:xfrm>
+              <a:off x="2136061" y="2816073"/>
+              <a:ext cx="443851" cy="276999"/>
+            </a:xfrm>
+            <a:prstGeom prst="rect">
+              <a:avLst/>
+            </a:prstGeom>
+            <a:noFill/>
+          </p:spPr>
+          <p:txBody>
+            <a:bodyPr wrap="none" rtlCol="0">
+              <a:spAutoFit/>
+            </a:bodyPr>
+            <a:lstStyle/>
+            <a:p>
+              <a:r>
+                <a:rPr lang="en-US" sz="1200" i="1" dirty="0" err="1" smtClean="0">
+                  <a:latin typeface="Times New Roman"/>
+                </a:rPr>
+                <a:t>Y</a:t>
+              </a:r>
+              <a:r>
+                <a:rPr lang="en-US" sz="1200" dirty="0" err="1" smtClean="0">
+                  <a:latin typeface="Times New Roman"/>
+                </a:rPr>
+                <a:t>(</a:t>
+              </a:r>
+              <a:r>
+                <a:rPr lang="en-US" sz="1200" i="1" dirty="0" err="1" smtClean="0">
+                  <a:latin typeface="Times New Roman"/>
+                </a:rPr>
+                <a:t>s</a:t>
+              </a:r>
+              <a:r>
+                <a:rPr lang="en-US" sz="1200" dirty="0" smtClean="0">
+                  <a:latin typeface="Times New Roman"/>
+                </a:rPr>
+                <a:t>)</a:t>
+              </a:r>
+              <a:endParaRPr lang="en-US" sz="1200" dirty="0">
+                <a:latin typeface="Times New Roman"/>
+              </a:endParaRPr>
+            </a:p>
+          </p:txBody>
+        </p:sp>
+        <p:graphicFrame>
+          <p:nvGraphicFramePr>
+            <p:cNvPr id="20" name="Object 19"/>
+            <p:cNvGraphicFramePr>
+              <a:graphicFrameLocks noChangeAspect="1"/>
+            </p:cNvGraphicFramePr>
+            <p:nvPr/>
+          </p:nvGraphicFramePr>
+          <p:xfrm>
+            <a:off x="1773712" y="2988858"/>
+            <a:ext cx="114300" cy="355600"/>
+          </p:xfrm>
+          <a:graphic>
+            <a:graphicData uri="http://schemas.openxmlformats.org/presentationml/2006/ole">
+              <p:oleObj spid="_x0000_s20483" name="Equation" r:id="rId6" imgW="114300" imgH="355600" progId="Equation.3">
+                <p:embed/>
+              </p:oleObj>
+            </a:graphicData>
+          </a:graphic>
+        </p:graphicFrame>
+      </p:grpSp>
+      <p:sp>
+        <p:nvSpPr>
+          <p:cNvPr id="25" name="Right Arrow 24"/>
+          <p:cNvSpPr/>
+          <p:nvPr/>
+        </p:nvSpPr>
+        <p:spPr>
+          <a:xfrm>
+            <a:off x="3813514" y="2941966"/>
+            <a:ext cx="518692" cy="423055"/>
+          </a:xfrm>
+          <a:prstGeom prst="rightArrow">
+            <a:avLst/>
+          </a:prstGeom>
+          <a:ln/>
+        </p:spPr>
+        <p:style>
+          <a:lnRef idx="1">
+            <a:schemeClr val="accent1"/>
+          </a:lnRef>
+          <a:fillRef idx="3">
+            <a:schemeClr val="accent1"/>
+          </a:fillRef>
+          <a:effectRef idx="2">
+            <a:schemeClr val="accent1"/>
+          </a:effectRef>
+          <a:fontRef idx="minor">
+            <a:schemeClr val="lt1"/>
+          </a:fontRef>
+        </p:style>
+      </p:sp>
+      <p:grpSp>
+        <p:nvGrpSpPr>
+          <p:cNvPr id="131" name="Group 130"/>
+          <p:cNvGrpSpPr/>
+          <p:nvPr/>
+        </p:nvGrpSpPr>
+        <p:grpSpPr>
+          <a:xfrm>
+            <a:off x="688015" y="3590459"/>
+            <a:ext cx="4270845" cy="2782316"/>
+            <a:chOff x="688015" y="3590459"/>
+            <a:chExt cx="4270845" cy="2782316"/>
+          </a:xfrm>
+        </p:grpSpPr>
+        <p:cxnSp>
+          <p:nvCxnSpPr>
+            <p:cNvPr id="28" name="Straight Arrow Connector 27"/>
+            <p:cNvCxnSpPr/>
+            <p:nvPr/>
+          </p:nvCxnSpPr>
+          <p:spPr>
+            <a:xfrm rot="16200000" flipV="1">
+              <a:off x="-82373" y="4914916"/>
+              <a:ext cx="2605896" cy="16495"/>
+            </a:xfrm>
+            <a:prstGeom prst="straightConnector1">
+              <a:avLst/>
+            </a:prstGeom>
+            <a:ln>
+              <a:tailEnd type="arrow"/>
+            </a:ln>
+          </p:spPr>
+          <p:style>
+            <a:lnRef idx="2">
+              <a:schemeClr val="accent1"/>
+            </a:lnRef>
+            <a:fillRef idx="0">
+              <a:schemeClr val="accent1"/>
+            </a:fillRef>
+            <a:effectRef idx="1">
+              <a:schemeClr val="accent1"/>
+            </a:effectRef>
+            <a:fontRef idx="minor">
+              <a:schemeClr val="tx1"/>
+            </a:fontRef>
+          </p:style>
+        </p:cxnSp>
+        <p:sp>
+          <p:nvSpPr>
+            <p:cNvPr id="41" name="TextBox 40"/>
+            <p:cNvSpPr txBox="1"/>
+            <p:nvPr/>
+          </p:nvSpPr>
+          <p:spPr>
+            <a:xfrm>
+              <a:off x="688015" y="3590459"/>
+              <a:ext cx="536654" cy="369332"/>
+            </a:xfrm>
+            <a:prstGeom prst="rect">
+              <a:avLst/>
+            </a:prstGeom>
+            <a:noFill/>
+          </p:spPr>
+          <p:txBody>
+            <a:bodyPr wrap="none" rtlCol="0">
+              <a:spAutoFit/>
+            </a:bodyPr>
+            <a:lstStyle/>
+            <a:p>
+              <a:r>
+                <a:rPr lang="en-US" i="1" dirty="0" err="1" smtClean="0">
+                  <a:latin typeface="Times New Roman"/>
+                </a:rPr>
+                <a:t>u</a:t>
+              </a:r>
+              <a:r>
+                <a:rPr lang="en-US" dirty="0" err="1" smtClean="0">
+                  <a:latin typeface="Times New Roman"/>
+                </a:rPr>
+                <a:t>(</a:t>
+              </a:r>
+              <a:r>
+                <a:rPr lang="en-US" i="1" dirty="0" err="1" smtClean="0">
+                  <a:latin typeface="Times New Roman"/>
+                </a:rPr>
+                <a:t>t</a:t>
+              </a:r>
+              <a:r>
+                <a:rPr lang="en-US" dirty="0" smtClean="0">
+                  <a:latin typeface="Times New Roman"/>
+                </a:rPr>
+                <a:t>)</a:t>
+              </a:r>
+              <a:endParaRPr lang="en-US" dirty="0">
+                <a:latin typeface="Times New Roman"/>
+              </a:endParaRPr>
+            </a:p>
+          </p:txBody>
+        </p:sp>
+        <p:sp>
+          <p:nvSpPr>
+            <p:cNvPr id="42" name="TextBox 41"/>
+            <p:cNvSpPr txBox="1"/>
+            <p:nvPr/>
+          </p:nvSpPr>
+          <p:spPr>
+            <a:xfrm>
+              <a:off x="4691360" y="6003443"/>
+              <a:ext cx="267500" cy="369332"/>
+            </a:xfrm>
+            <a:prstGeom prst="rect">
+              <a:avLst/>
+            </a:prstGeom>
+            <a:noFill/>
+          </p:spPr>
+          <p:txBody>
+            <a:bodyPr wrap="none" rtlCol="0">
+              <a:spAutoFit/>
+            </a:bodyPr>
+            <a:lstStyle/>
+            <a:p>
+              <a:r>
+                <a:rPr lang="en-US" i="1" dirty="0" err="1" smtClean="0">
+                  <a:latin typeface="Times New Roman"/>
+                </a:rPr>
+                <a:t>t</a:t>
+              </a:r>
+              <a:endParaRPr lang="en-US" dirty="0">
+                <a:latin typeface="Times New Roman"/>
+              </a:endParaRPr>
+            </a:p>
+          </p:txBody>
+        </p:sp>
+        <p:cxnSp>
+          <p:nvCxnSpPr>
+            <p:cNvPr id="32" name="Curved Connector 31"/>
+            <p:cNvCxnSpPr/>
+            <p:nvPr/>
+          </p:nvCxnSpPr>
+          <p:spPr>
+            <a:xfrm flipV="1">
+              <a:off x="1212327" y="3859364"/>
+              <a:ext cx="3359673" cy="956595"/>
+            </a:xfrm>
+            <a:prstGeom prst="curvedConnector3">
+              <a:avLst>
+                <a:gd name="adj1" fmla="val 46072"/>
+              </a:avLst>
+            </a:prstGeom>
+          </p:spPr>
+          <p:style>
+            <a:lnRef idx="2">
+              <a:schemeClr val="accent1"/>
+            </a:lnRef>
+            <a:fillRef idx="0">
+              <a:schemeClr val="accent1"/>
+            </a:fillRef>
+            <a:effectRef idx="1">
+              <a:schemeClr val="accent1"/>
+            </a:effectRef>
+            <a:fontRef idx="minor">
+              <a:schemeClr val="tx1"/>
+            </a:fontRef>
+          </p:style>
+        </p:cxnSp>
+        <p:cxnSp>
+          <p:nvCxnSpPr>
+            <p:cNvPr id="30" name="Straight Arrow Connector 29"/>
+            <p:cNvCxnSpPr/>
+            <p:nvPr/>
+          </p:nvCxnSpPr>
+          <p:spPr>
+            <a:xfrm>
+              <a:off x="1006149" y="6044688"/>
+              <a:ext cx="3907301" cy="1588"/>
+            </a:xfrm>
+            <a:prstGeom prst="straightConnector1">
+              <a:avLst/>
+            </a:prstGeom>
+            <a:ln>
+              <a:tailEnd type="arrow"/>
+            </a:ln>
+          </p:spPr>
+          <p:style>
+            <a:lnRef idx="2">
+              <a:schemeClr val="accent1"/>
+            </a:lnRef>
+            <a:fillRef idx="0">
+              <a:schemeClr val="accent1"/>
+            </a:fillRef>
+            <a:effectRef idx="1">
+              <a:schemeClr val="accent1"/>
+            </a:effectRef>
+            <a:fontRef idx="minor">
+              <a:schemeClr val="tx1"/>
+            </a:fontRef>
+          </p:style>
+        </p:cxnSp>
+        <p:sp>
+          <p:nvSpPr>
+            <p:cNvPr id="91" name="TextBox 90"/>
+            <p:cNvSpPr txBox="1"/>
+            <p:nvPr/>
+          </p:nvSpPr>
+          <p:spPr>
+            <a:xfrm>
+              <a:off x="1455888" y="4815959"/>
+              <a:ext cx="2626440" cy="369332"/>
+            </a:xfrm>
+            <a:prstGeom prst="rect">
+              <a:avLst/>
+            </a:prstGeom>
+            <a:noFill/>
+          </p:spPr>
+          <p:txBody>
+            <a:bodyPr wrap="none" rtlCol="0">
+              <a:spAutoFit/>
+            </a:bodyPr>
+            <a:lstStyle/>
+            <a:p>
+              <a:r>
+                <a:rPr lang="en-US" dirty="0" smtClean="0"/>
+                <a:t>Area under whole curve is</a:t>
+              </a:r>
+              <a:endParaRPr lang="en-US" dirty="0"/>
+            </a:p>
+          </p:txBody>
+        </p:sp>
+        <p:graphicFrame>
+          <p:nvGraphicFramePr>
+            <p:cNvPr id="92" name="Object 91"/>
+            <p:cNvGraphicFramePr>
+              <a:graphicFrameLocks noChangeAspect="1"/>
+            </p:cNvGraphicFramePr>
+            <p:nvPr/>
+          </p:nvGraphicFramePr>
+          <p:xfrm>
+            <a:off x="2229582" y="5185291"/>
+            <a:ext cx="1623665" cy="724067"/>
+          </p:xfrm>
+          <a:graphic>
+            <a:graphicData uri="http://schemas.openxmlformats.org/presentationml/2006/ole">
+              <p:oleObj spid="_x0000_s20485" name="Equation" r:id="rId7" imgW="939800" imgH="419100" progId="Equation.3">
+                <p:embed/>
+              </p:oleObj>
+            </a:graphicData>
+          </a:graphic>
+        </p:graphicFrame>
+      </p:grpSp>
+      <p:graphicFrame>
+        <p:nvGraphicFramePr>
+          <p:cNvPr id="93" name="Object 92"/>
+          <p:cNvGraphicFramePr>
+            <a:graphicFrameLocks noChangeAspect="1"/>
+          </p:cNvGraphicFramePr>
+          <p:nvPr/>
+        </p:nvGraphicFramePr>
+        <p:xfrm>
+          <a:off x="4521200" y="3340100"/>
+          <a:ext cx="101600" cy="177800"/>
+        </p:xfrm>
+        <a:graphic>
+          <a:graphicData uri="http://schemas.openxmlformats.org/presentationml/2006/ole">
+            <p:oleObj spid="_x0000_s20486" name="Equation" r:id="rId8" imgW="101600" imgH="177800" progId="Equation.3">
+              <p:embed/>
+            </p:oleObj>
+          </a:graphicData>
+        </a:graphic>
+      </p:graphicFrame>
+    </p:spTree>
+  </p:cSld>
+  <p:clrMapOvr>
+    <a:masterClrMapping/>
+  </p:clrMapOvr>
+  <p:timing>
+    <p:tnLst>
+      <p:par>
+        <p:cTn id="1" dur="indefinite" restart="never" nodeType="tmRoot"/>
+      </p:par>
+    </p:tnLst>
+  </p:timing>
+</p:sld>
+</file>
+
+<file path=ppt/slides/slide3.xml><?xml version="1.0" encoding="utf-8"?>
+<p:sld xmlns:a="http://schemas.openxmlformats.org/drawingml/2006/main" xmlns:r="http://schemas.openxmlformats.org/officeDocument/2006/relationships" xmlns:mc="http://schemas.openxmlformats.org/markup-compatibility/2006" xmlns:mv="urn:schemas-microsoft-com:mac:vml" xmlns:p="http://schemas.openxmlformats.org/presentationml/2006/main" mc:Ignorable="mv" mc:PreserveAttributes="mv:*">
+  <p:cSld>
+    <p:spTree>
+      <p:nvGrpSpPr>
+        <p:cNvPr id="1" name=""/>
+        <p:cNvGrpSpPr/>
+        <p:nvPr/>
+      </p:nvGrpSpPr>
+      <p:grpSpPr>
+        <a:xfrm>
+          <a:off x="0" y="0"/>
+          <a:ext cx="0" cy="0"/>
+          <a:chOff x="0" y="0"/>
+          <a:chExt cx="0" cy="0"/>
+        </a:xfrm>
+      </p:grpSpPr>
+      <p:sp>
+        <p:nvSpPr>
+          <p:cNvPr id="2" name="Title 1"/>
+          <p:cNvSpPr>
+            <a:spLocks noGrp="1"/>
+          </p:cNvSpPr>
+          <p:nvPr>
+            <p:ph type="title"/>
+          </p:nvPr>
+        </p:nvSpPr>
+        <p:spPr/>
+        <p:txBody>
+          <a:bodyPr/>
+          <a:lstStyle/>
+          <a:p>
+            <a:endParaRPr lang="en-US"/>
+          </a:p>
+        </p:txBody>
+      </p:sp>
+      <p:grpSp>
+        <p:nvGrpSpPr>
+          <p:cNvPr id="36" name="Group 35"/>
+          <p:cNvGrpSpPr/>
+          <p:nvPr/>
+        </p:nvGrpSpPr>
+        <p:grpSpPr>
+          <a:xfrm>
+            <a:off x="1131265" y="2308441"/>
+            <a:ext cx="5118838" cy="2782316"/>
+            <a:chOff x="1131265" y="2308441"/>
+            <a:chExt cx="5118838" cy="2782316"/>
+          </a:xfrm>
+        </p:grpSpPr>
+        <p:cxnSp>
+          <p:nvCxnSpPr>
+            <p:cNvPr id="5" name="Straight Arrow Connector 4"/>
+            <p:cNvCxnSpPr/>
+            <p:nvPr/>
+          </p:nvCxnSpPr>
+          <p:spPr>
+            <a:xfrm rot="16200000" flipV="1">
+              <a:off x="360877" y="3632898"/>
+              <a:ext cx="2605896" cy="16495"/>
+            </a:xfrm>
+            <a:prstGeom prst="straightConnector1">
+              <a:avLst/>
+            </a:prstGeom>
+            <a:ln>
+              <a:tailEnd type="arrow"/>
+            </a:ln>
+          </p:spPr>
+          <p:style>
+            <a:lnRef idx="2">
+              <a:schemeClr val="accent1"/>
+            </a:lnRef>
+            <a:fillRef idx="0">
+              <a:schemeClr val="accent1"/>
+            </a:fillRef>
+            <a:effectRef idx="1">
+              <a:schemeClr val="accent1"/>
+            </a:effectRef>
+            <a:fontRef idx="minor">
+              <a:schemeClr val="tx1"/>
+            </a:fontRef>
+          </p:style>
+        </p:cxnSp>
+        <p:sp>
+          <p:nvSpPr>
+            <p:cNvPr id="6" name="TextBox 5"/>
+            <p:cNvSpPr txBox="1"/>
+            <p:nvPr/>
+          </p:nvSpPr>
+          <p:spPr>
+            <a:xfrm>
+              <a:off x="1131265" y="2308441"/>
+              <a:ext cx="536654" cy="369332"/>
+            </a:xfrm>
+            <a:prstGeom prst="rect">
+              <a:avLst/>
+            </a:prstGeom>
+            <a:noFill/>
+          </p:spPr>
+          <p:txBody>
+            <a:bodyPr wrap="none" rtlCol="0">
+              <a:spAutoFit/>
+            </a:bodyPr>
+            <a:lstStyle/>
+            <a:p>
+              <a:r>
+                <a:rPr lang="en-US" i="1" dirty="0" err="1" smtClean="0">
+                  <a:latin typeface="Times New Roman"/>
+                </a:rPr>
+                <a:t>u</a:t>
+              </a:r>
+              <a:r>
+                <a:rPr lang="en-US" dirty="0" err="1" smtClean="0">
+                  <a:latin typeface="Times New Roman"/>
+                </a:rPr>
+                <a:t>(</a:t>
+              </a:r>
+              <a:r>
+                <a:rPr lang="en-US" i="1" dirty="0" err="1" smtClean="0">
+                  <a:latin typeface="Times New Roman"/>
+                </a:rPr>
+                <a:t>t</a:t>
+              </a:r>
+              <a:r>
+                <a:rPr lang="en-US" dirty="0" smtClean="0">
+                  <a:latin typeface="Times New Roman"/>
+                </a:rPr>
+                <a:t>)</a:t>
+              </a:r>
+              <a:endParaRPr lang="en-US" dirty="0">
+                <a:latin typeface="Times New Roman"/>
+              </a:endParaRPr>
+            </a:p>
+          </p:txBody>
+        </p:sp>
+        <p:sp>
+          <p:nvSpPr>
+            <p:cNvPr id="7" name="TextBox 6"/>
+            <p:cNvSpPr txBox="1"/>
+            <p:nvPr/>
+          </p:nvSpPr>
+          <p:spPr>
+            <a:xfrm>
+              <a:off x="5134610" y="4721425"/>
+              <a:ext cx="267500" cy="369332"/>
+            </a:xfrm>
+            <a:prstGeom prst="rect">
+              <a:avLst/>
+            </a:prstGeom>
+            <a:noFill/>
+          </p:spPr>
+          <p:txBody>
+            <a:bodyPr wrap="none" rtlCol="0">
+              <a:spAutoFit/>
+            </a:bodyPr>
+            <a:lstStyle/>
+            <a:p>
+              <a:r>
+                <a:rPr lang="en-US" i="1" dirty="0" err="1" smtClean="0">
+                  <a:latin typeface="Times New Roman"/>
+                </a:rPr>
+                <a:t>t</a:t>
+              </a:r>
+              <a:endParaRPr lang="en-US" dirty="0">
+                <a:latin typeface="Times New Roman"/>
+              </a:endParaRPr>
+            </a:p>
+          </p:txBody>
+        </p:sp>
+        <p:cxnSp>
+          <p:nvCxnSpPr>
+            <p:cNvPr id="8" name="Straight Connector 7"/>
+            <p:cNvCxnSpPr/>
+            <p:nvPr/>
+          </p:nvCxnSpPr>
+          <p:spPr>
+            <a:xfrm rot="5400000" flipH="1" flipV="1">
+              <a:off x="3630302" y="4610967"/>
+              <a:ext cx="181423" cy="121985"/>
+            </a:xfrm>
+            <a:prstGeom prst="line">
+              <a:avLst/>
+            </a:prstGeom>
+            <a:ln>
+              <a:solidFill>
+                <a:schemeClr val="accent6"/>
+              </a:solidFill>
+            </a:ln>
+            <a:effectLst/>
+          </p:spPr>
+          <p:style>
+            <a:lnRef idx="2">
+              <a:schemeClr val="accent1"/>
+            </a:lnRef>
+            <a:fillRef idx="0">
+              <a:schemeClr val="accent1"/>
+            </a:fillRef>
+            <a:effectRef idx="1">
+              <a:schemeClr val="accent1"/>
+            </a:effectRef>
+            <a:fontRef idx="minor">
+              <a:schemeClr val="tx1"/>
+            </a:fontRef>
+          </p:style>
+        </p:cxnSp>
+        <p:cxnSp>
+          <p:nvCxnSpPr>
+            <p:cNvPr id="9" name="Straight Connector 8"/>
+            <p:cNvCxnSpPr/>
+            <p:nvPr/>
+          </p:nvCxnSpPr>
+          <p:spPr>
+            <a:xfrm rot="5400000" flipH="1" flipV="1">
+              <a:off x="3485202" y="4465867"/>
+              <a:ext cx="346353" cy="247255"/>
+            </a:xfrm>
+            <a:prstGeom prst="line">
+              <a:avLst/>
+            </a:prstGeom>
+            <a:ln>
+              <a:solidFill>
+                <a:schemeClr val="accent6"/>
+              </a:solidFill>
+            </a:ln>
+            <a:effectLst/>
+          </p:spPr>
+          <p:style>
+            <a:lnRef idx="2">
+              <a:schemeClr val="accent1"/>
+            </a:lnRef>
+            <a:fillRef idx="0">
+              <a:schemeClr val="accent1"/>
+            </a:fillRef>
+            <a:effectRef idx="1">
+              <a:schemeClr val="accent1"/>
+            </a:effectRef>
+            <a:fontRef idx="minor">
+              <a:schemeClr val="tx1"/>
+            </a:fontRef>
+          </p:style>
+        </p:cxnSp>
+        <p:cxnSp>
+          <p:nvCxnSpPr>
+            <p:cNvPr id="10" name="Straight Connector 9"/>
+            <p:cNvCxnSpPr/>
+            <p:nvPr/>
+          </p:nvCxnSpPr>
+          <p:spPr>
+            <a:xfrm rot="5400000" flipH="1" flipV="1">
+              <a:off x="3349710" y="4330375"/>
+              <a:ext cx="503036" cy="361555"/>
+            </a:xfrm>
+            <a:prstGeom prst="line">
+              <a:avLst/>
+            </a:prstGeom>
+            <a:ln>
+              <a:solidFill>
+                <a:schemeClr val="accent6"/>
+              </a:solidFill>
+            </a:ln>
+            <a:effectLst/>
+          </p:spPr>
+          <p:style>
+            <a:lnRef idx="2">
+              <a:schemeClr val="accent1"/>
+            </a:lnRef>
+            <a:fillRef idx="0">
+              <a:schemeClr val="accent1"/>
+            </a:fillRef>
+            <a:effectRef idx="1">
+              <a:schemeClr val="accent1"/>
+            </a:effectRef>
+            <a:fontRef idx="minor">
+              <a:schemeClr val="tx1"/>
+            </a:fontRef>
+          </p:style>
+        </p:cxnSp>
+        <p:cxnSp>
+          <p:nvCxnSpPr>
+            <p:cNvPr id="11" name="Straight Connector 10"/>
+            <p:cNvCxnSpPr/>
+            <p:nvPr/>
+          </p:nvCxnSpPr>
+          <p:spPr>
+            <a:xfrm rot="5400000" flipH="1" flipV="1">
+              <a:off x="3211171" y="4190245"/>
+              <a:ext cx="659720" cy="485131"/>
+            </a:xfrm>
+            <a:prstGeom prst="line">
+              <a:avLst/>
+            </a:prstGeom>
+            <a:ln>
+              <a:solidFill>
+                <a:schemeClr val="accent6"/>
+              </a:solidFill>
+            </a:ln>
+            <a:effectLst/>
+          </p:spPr>
+          <p:style>
+            <a:lnRef idx="2">
+              <a:schemeClr val="accent1"/>
+            </a:lnRef>
+            <a:fillRef idx="0">
+              <a:schemeClr val="accent1"/>
+            </a:fillRef>
+            <a:effectRef idx="1">
+              <a:schemeClr val="accent1"/>
+            </a:effectRef>
+            <a:fontRef idx="minor">
+              <a:schemeClr val="tx1"/>
+            </a:fontRef>
+          </p:style>
+        </p:cxnSp>
+        <p:cxnSp>
+          <p:nvCxnSpPr>
+            <p:cNvPr id="12" name="Straight Connector 11"/>
+            <p:cNvCxnSpPr/>
+            <p:nvPr/>
+          </p:nvCxnSpPr>
+          <p:spPr>
+            <a:xfrm rot="5400000" flipH="1" flipV="1">
+              <a:off x="3070554" y="4053598"/>
+              <a:ext cx="818785" cy="604123"/>
+            </a:xfrm>
+            <a:prstGeom prst="line">
+              <a:avLst/>
+            </a:prstGeom>
+            <a:ln>
+              <a:solidFill>
+                <a:schemeClr val="accent6"/>
+              </a:solidFill>
+            </a:ln>
+            <a:effectLst/>
+          </p:spPr>
+          <p:style>
+            <a:lnRef idx="2">
+              <a:schemeClr val="accent1"/>
+            </a:lnRef>
+            <a:fillRef idx="0">
+              <a:schemeClr val="accent1"/>
+            </a:fillRef>
+            <a:effectRef idx="1">
+              <a:schemeClr val="accent1"/>
+            </a:effectRef>
+            <a:fontRef idx="minor">
+              <a:schemeClr val="tx1"/>
+            </a:fontRef>
+          </p:style>
+        </p:cxnSp>
+        <p:cxnSp>
+          <p:nvCxnSpPr>
+            <p:cNvPr id="13" name="Straight Connector 12"/>
+            <p:cNvCxnSpPr/>
+            <p:nvPr/>
+          </p:nvCxnSpPr>
+          <p:spPr>
+            <a:xfrm rot="5400000" flipH="1" flipV="1">
+              <a:off x="2923765" y="3905224"/>
+              <a:ext cx="991963" cy="727697"/>
+            </a:xfrm>
+            <a:prstGeom prst="line">
+              <a:avLst/>
+            </a:prstGeom>
+            <a:ln>
+              <a:solidFill>
+                <a:schemeClr val="accent6"/>
+              </a:solidFill>
+            </a:ln>
+            <a:effectLst/>
+          </p:spPr>
+          <p:style>
+            <a:lnRef idx="2">
+              <a:schemeClr val="accent1"/>
+            </a:lnRef>
+            <a:fillRef idx="0">
+              <a:schemeClr val="accent1"/>
+            </a:fillRef>
+            <a:effectRef idx="1">
+              <a:schemeClr val="accent1"/>
+            </a:effectRef>
+            <a:fontRef idx="minor">
+              <a:schemeClr val="tx1"/>
+            </a:fontRef>
+          </p:style>
+        </p:cxnSp>
+        <p:cxnSp>
+          <p:nvCxnSpPr>
+            <p:cNvPr id="14" name="Straight Connector 13"/>
+            <p:cNvCxnSpPr/>
+            <p:nvPr/>
+          </p:nvCxnSpPr>
+          <p:spPr>
+            <a:xfrm rot="5400000" flipH="1" flipV="1">
+              <a:off x="2792677" y="3774133"/>
+              <a:ext cx="1132154" cy="849686"/>
+            </a:xfrm>
+            <a:prstGeom prst="line">
+              <a:avLst/>
+            </a:prstGeom>
+            <a:ln>
+              <a:solidFill>
+                <a:schemeClr val="accent6"/>
+              </a:solidFill>
+            </a:ln>
+            <a:effectLst/>
+          </p:spPr>
+          <p:style>
+            <a:lnRef idx="2">
+              <a:schemeClr val="accent1"/>
+            </a:lnRef>
+            <a:fillRef idx="0">
+              <a:schemeClr val="accent1"/>
+            </a:fillRef>
+            <a:effectRef idx="1">
+              <a:schemeClr val="accent1"/>
+            </a:effectRef>
+            <a:fontRef idx="minor">
+              <a:schemeClr val="tx1"/>
+            </a:fontRef>
+          </p:style>
+        </p:cxnSp>
+        <p:cxnSp>
+          <p:nvCxnSpPr>
+            <p:cNvPr id="15" name="Straight Connector 14"/>
+            <p:cNvCxnSpPr/>
+            <p:nvPr/>
+          </p:nvCxnSpPr>
+          <p:spPr>
+            <a:xfrm rot="5400000" flipH="1" flipV="1">
+              <a:off x="2620356" y="3601815"/>
+              <a:ext cx="1354807" cy="971671"/>
+            </a:xfrm>
+            <a:prstGeom prst="line">
+              <a:avLst/>
+            </a:prstGeom>
+            <a:ln>
+              <a:solidFill>
+                <a:schemeClr val="accent6"/>
+              </a:solidFill>
+            </a:ln>
+            <a:effectLst/>
+          </p:spPr>
+          <p:style>
+            <a:lnRef idx="2">
+              <a:schemeClr val="accent1"/>
+            </a:lnRef>
+            <a:fillRef idx="0">
+              <a:schemeClr val="accent1"/>
+            </a:fillRef>
+            <a:effectRef idx="1">
+              <a:schemeClr val="accent1"/>
+            </a:effectRef>
+            <a:fontRef idx="minor">
+              <a:schemeClr val="tx1"/>
+            </a:fontRef>
+          </p:style>
+        </p:cxnSp>
+        <p:cxnSp>
+          <p:nvCxnSpPr>
+            <p:cNvPr id="16" name="Straight Connector 15"/>
+            <p:cNvCxnSpPr/>
+            <p:nvPr/>
+          </p:nvCxnSpPr>
+          <p:spPr>
+            <a:xfrm rot="5400000" flipH="1" flipV="1">
+              <a:off x="2464527" y="3445985"/>
+              <a:ext cx="1544479" cy="1093658"/>
+            </a:xfrm>
+            <a:prstGeom prst="line">
+              <a:avLst/>
+            </a:prstGeom>
+            <a:ln>
+              <a:solidFill>
+                <a:schemeClr val="accent6"/>
+              </a:solidFill>
+            </a:ln>
+            <a:effectLst/>
+          </p:spPr>
+          <p:style>
+            <a:lnRef idx="2">
+              <a:schemeClr val="accent1"/>
+            </a:lnRef>
+            <a:fillRef idx="0">
+              <a:schemeClr val="accent1"/>
+            </a:fillRef>
+            <a:effectRef idx="1">
+              <a:schemeClr val="accent1"/>
+            </a:effectRef>
+            <a:fontRef idx="minor">
+              <a:schemeClr val="tx1"/>
+            </a:fontRef>
+          </p:style>
+        </p:cxnSp>
+        <p:cxnSp>
+          <p:nvCxnSpPr>
+            <p:cNvPr id="17" name="Straight Connector 16"/>
+            <p:cNvCxnSpPr/>
+            <p:nvPr/>
+          </p:nvCxnSpPr>
+          <p:spPr>
+            <a:xfrm rot="5400000" flipH="1" flipV="1">
+              <a:off x="2465719" y="3263372"/>
+              <a:ext cx="1542096" cy="1093657"/>
+            </a:xfrm>
+            <a:prstGeom prst="line">
+              <a:avLst/>
+            </a:prstGeom>
+            <a:ln>
+              <a:solidFill>
+                <a:schemeClr val="accent6"/>
+              </a:solidFill>
+            </a:ln>
+            <a:effectLst/>
+          </p:spPr>
+          <p:style>
+            <a:lnRef idx="2">
+              <a:schemeClr val="accent1"/>
+            </a:lnRef>
+            <a:fillRef idx="0">
+              <a:schemeClr val="accent1"/>
+            </a:fillRef>
+            <a:effectRef idx="1">
+              <a:schemeClr val="accent1"/>
+            </a:effectRef>
+            <a:fontRef idx="minor">
+              <a:schemeClr val="tx1"/>
+            </a:fontRef>
+          </p:style>
+        </p:cxnSp>
+        <p:cxnSp>
+          <p:nvCxnSpPr>
+            <p:cNvPr id="18" name="Straight Connector 17"/>
+            <p:cNvCxnSpPr/>
+            <p:nvPr/>
+          </p:nvCxnSpPr>
+          <p:spPr>
+            <a:xfrm rot="5400000" flipH="1" flipV="1">
+              <a:off x="2457165" y="3089889"/>
+              <a:ext cx="1542097" cy="1110763"/>
+            </a:xfrm>
+            <a:prstGeom prst="line">
+              <a:avLst/>
+            </a:prstGeom>
+            <a:ln>
+              <a:solidFill>
+                <a:schemeClr val="accent6"/>
+              </a:solidFill>
+            </a:ln>
+            <a:effectLst/>
+          </p:spPr>
+          <p:style>
+            <a:lnRef idx="2">
+              <a:schemeClr val="accent1"/>
+            </a:lnRef>
+            <a:fillRef idx="0">
+              <a:schemeClr val="accent1"/>
+            </a:fillRef>
+            <a:effectRef idx="1">
+              <a:schemeClr val="accent1"/>
+            </a:effectRef>
+            <a:fontRef idx="minor">
+              <a:schemeClr val="tx1"/>
+            </a:fontRef>
+          </p:style>
+        </p:cxnSp>
+        <p:cxnSp>
+          <p:nvCxnSpPr>
+            <p:cNvPr id="19" name="Straight Connector 18"/>
+            <p:cNvCxnSpPr/>
+            <p:nvPr/>
+          </p:nvCxnSpPr>
+          <p:spPr>
+            <a:xfrm rot="5400000" flipH="1" flipV="1">
+              <a:off x="2456370" y="2933998"/>
+              <a:ext cx="1541303" cy="1109970"/>
+            </a:xfrm>
+            <a:prstGeom prst="line">
+              <a:avLst/>
+            </a:prstGeom>
+            <a:ln>
+              <a:solidFill>
+                <a:schemeClr val="accent6"/>
+              </a:solidFill>
+            </a:ln>
+            <a:effectLst/>
+          </p:spPr>
+          <p:style>
+            <a:lnRef idx="2">
+              <a:schemeClr val="accent1"/>
+            </a:lnRef>
+            <a:fillRef idx="0">
+              <a:schemeClr val="accent1"/>
+            </a:fillRef>
+            <a:effectRef idx="1">
+              <a:schemeClr val="accent1"/>
+            </a:effectRef>
+            <a:fontRef idx="minor">
+              <a:schemeClr val="tx1"/>
+            </a:fontRef>
+          </p:style>
+        </p:cxnSp>
+        <p:cxnSp>
+          <p:nvCxnSpPr>
+            <p:cNvPr id="20" name="Straight Connector 19"/>
+            <p:cNvCxnSpPr/>
+            <p:nvPr/>
+          </p:nvCxnSpPr>
+          <p:spPr>
+            <a:xfrm rot="5400000" flipH="1" flipV="1">
+              <a:off x="2489029" y="3057229"/>
+              <a:ext cx="1228729" cy="862715"/>
+            </a:xfrm>
+            <a:prstGeom prst="line">
+              <a:avLst/>
+            </a:prstGeom>
+            <a:ln>
+              <a:solidFill>
+                <a:schemeClr val="accent6"/>
+              </a:solidFill>
+            </a:ln>
+            <a:effectLst/>
+          </p:spPr>
+          <p:style>
+            <a:lnRef idx="2">
+              <a:schemeClr val="accent1"/>
+            </a:lnRef>
+            <a:fillRef idx="0">
+              <a:schemeClr val="accent1"/>
+            </a:fillRef>
+            <a:effectRef idx="1">
+              <a:schemeClr val="accent1"/>
+            </a:effectRef>
+            <a:fontRef idx="minor">
+              <a:schemeClr val="tx1"/>
+            </a:fontRef>
+          </p:style>
+        </p:cxnSp>
+        <p:cxnSp>
+          <p:nvCxnSpPr>
+            <p:cNvPr id="21" name="Straight Connector 20"/>
+            <p:cNvCxnSpPr/>
+            <p:nvPr/>
+          </p:nvCxnSpPr>
+          <p:spPr>
+            <a:xfrm rot="5400000" flipH="1" flipV="1">
+              <a:off x="2579067" y="3313544"/>
+              <a:ext cx="569803" cy="383864"/>
+            </a:xfrm>
+            <a:prstGeom prst="line">
+              <a:avLst/>
+            </a:prstGeom>
+            <a:ln>
+              <a:solidFill>
+                <a:schemeClr val="accent6"/>
+              </a:solidFill>
+            </a:ln>
+            <a:effectLst/>
+          </p:spPr>
+          <p:style>
+            <a:lnRef idx="2">
+              <a:schemeClr val="accent1"/>
+            </a:lnRef>
+            <a:fillRef idx="0">
+              <a:schemeClr val="accent1"/>
+            </a:fillRef>
+            <a:effectRef idx="1">
+              <a:schemeClr val="accent1"/>
+            </a:effectRef>
+            <a:fontRef idx="minor">
+              <a:schemeClr val="tx1"/>
+            </a:fontRef>
+          </p:style>
+        </p:cxnSp>
+        <p:cxnSp>
+          <p:nvCxnSpPr>
+            <p:cNvPr id="22" name="Straight Connector 21"/>
+            <p:cNvCxnSpPr/>
+            <p:nvPr/>
+          </p:nvCxnSpPr>
+          <p:spPr>
+            <a:xfrm rot="5400000" flipH="1" flipV="1">
+              <a:off x="2528122" y="3032546"/>
+              <a:ext cx="1072046" cy="748413"/>
+            </a:xfrm>
+            <a:prstGeom prst="line">
+              <a:avLst/>
+            </a:prstGeom>
+            <a:ln>
+              <a:solidFill>
+                <a:schemeClr val="accent6"/>
+              </a:solidFill>
+            </a:ln>
+            <a:effectLst/>
+          </p:spPr>
+          <p:style>
+            <a:lnRef idx="2">
+              <a:schemeClr val="accent1"/>
+            </a:lnRef>
+            <a:fillRef idx="0">
+              <a:schemeClr val="accent1"/>
+            </a:fillRef>
+            <a:effectRef idx="1">
+              <a:schemeClr val="accent1"/>
+            </a:effectRef>
+            <a:fontRef idx="minor">
+              <a:schemeClr val="tx1"/>
+            </a:fontRef>
+          </p:style>
+        </p:cxnSp>
+        <p:cxnSp>
+          <p:nvCxnSpPr>
+            <p:cNvPr id="23" name="Straight Connector 22"/>
+            <p:cNvCxnSpPr/>
+            <p:nvPr/>
+          </p:nvCxnSpPr>
+          <p:spPr>
+            <a:xfrm rot="5400000" flipH="1" flipV="1">
+              <a:off x="2622408" y="3459874"/>
+              <a:ext cx="239146" cy="139890"/>
+            </a:xfrm>
+            <a:prstGeom prst="line">
+              <a:avLst/>
+            </a:prstGeom>
+            <a:ln>
+              <a:solidFill>
+                <a:schemeClr val="accent6"/>
+              </a:solidFill>
+            </a:ln>
+            <a:effectLst/>
+          </p:spPr>
+          <p:style>
+            <a:lnRef idx="2">
+              <a:schemeClr val="accent1"/>
+            </a:lnRef>
+            <a:fillRef idx="0">
+              <a:schemeClr val="accent1"/>
+            </a:fillRef>
+            <a:effectRef idx="1">
+              <a:schemeClr val="accent1"/>
+            </a:effectRef>
+            <a:fontRef idx="minor">
+              <a:schemeClr val="tx1"/>
+            </a:fontRef>
+          </p:style>
+        </p:cxnSp>
+        <p:cxnSp>
+          <p:nvCxnSpPr>
+            <p:cNvPr id="24" name="Curved Connector 23"/>
+            <p:cNvCxnSpPr/>
+            <p:nvPr/>
+          </p:nvCxnSpPr>
+          <p:spPr>
+            <a:xfrm flipV="1">
+              <a:off x="1655577" y="2577346"/>
+              <a:ext cx="3359673" cy="956595"/>
+            </a:xfrm>
+            <a:prstGeom prst="curvedConnector3">
+              <a:avLst>
+                <a:gd name="adj1" fmla="val 46072"/>
+              </a:avLst>
+            </a:prstGeom>
+          </p:spPr>
+          <p:style>
+            <a:lnRef idx="2">
+              <a:schemeClr val="accent1"/>
+            </a:lnRef>
+            <a:fillRef idx="0">
+              <a:schemeClr val="accent1"/>
+            </a:fillRef>
+            <a:effectRef idx="1">
+              <a:schemeClr val="accent1"/>
+            </a:effectRef>
+            <a:fontRef idx="minor">
+              <a:schemeClr val="tx1"/>
+            </a:fontRef>
+          </p:style>
+        </p:cxnSp>
+        <p:cxnSp>
+          <p:nvCxnSpPr>
+            <p:cNvPr id="25" name="Straight Connector 24"/>
+            <p:cNvCxnSpPr/>
+            <p:nvPr/>
+          </p:nvCxnSpPr>
+          <p:spPr>
+            <a:xfrm rot="5400000" flipH="1" flipV="1">
+              <a:off x="2760234" y="3740104"/>
+              <a:ext cx="2045133" cy="1588"/>
+            </a:xfrm>
+            <a:prstGeom prst="line">
+              <a:avLst/>
+            </a:prstGeom>
+          </p:spPr>
+          <p:style>
+            <a:lnRef idx="2">
+              <a:schemeClr val="accent1"/>
+            </a:lnRef>
+            <a:fillRef idx="0">
+              <a:schemeClr val="accent1"/>
+            </a:fillRef>
+            <a:effectRef idx="1">
+              <a:schemeClr val="accent1"/>
+            </a:effectRef>
+            <a:fontRef idx="minor">
+              <a:schemeClr val="tx1"/>
+            </a:fontRef>
+          </p:style>
+        </p:cxnSp>
+        <p:cxnSp>
+          <p:nvCxnSpPr>
+            <p:cNvPr id="26" name="Straight Connector 25"/>
+            <p:cNvCxnSpPr/>
+            <p:nvPr/>
+          </p:nvCxnSpPr>
+          <p:spPr>
+            <a:xfrm rot="16200000" flipH="1">
+              <a:off x="1994636" y="4087648"/>
+              <a:ext cx="1354804" cy="1"/>
+            </a:xfrm>
+            <a:prstGeom prst="line">
+              <a:avLst/>
+            </a:prstGeom>
+          </p:spPr>
+          <p:style>
+            <a:lnRef idx="2">
+              <a:schemeClr val="accent1"/>
+            </a:lnRef>
+            <a:fillRef idx="0">
+              <a:schemeClr val="accent1"/>
+            </a:fillRef>
+            <a:effectRef idx="1">
+              <a:schemeClr val="accent1"/>
+            </a:effectRef>
+            <a:fontRef idx="minor">
+              <a:schemeClr val="tx1"/>
+            </a:fontRef>
+          </p:style>
+        </p:cxnSp>
+        <p:cxnSp>
+          <p:nvCxnSpPr>
+            <p:cNvPr id="27" name="Straight Arrow Connector 26"/>
+            <p:cNvCxnSpPr/>
+            <p:nvPr/>
+          </p:nvCxnSpPr>
+          <p:spPr>
+            <a:xfrm>
+              <a:off x="1449399" y="4762670"/>
+              <a:ext cx="3907301" cy="1588"/>
+            </a:xfrm>
+            <a:prstGeom prst="straightConnector1">
+              <a:avLst/>
+            </a:prstGeom>
+            <a:ln>
+              <a:tailEnd type="arrow"/>
+            </a:ln>
+          </p:spPr>
+          <p:style>
+            <a:lnRef idx="2">
+              <a:schemeClr val="accent1"/>
+            </a:lnRef>
+            <a:fillRef idx="0">
+              <a:schemeClr val="accent1"/>
+            </a:fillRef>
+            <a:effectRef idx="1">
+              <a:schemeClr val="accent1"/>
+            </a:effectRef>
+            <a:fontRef idx="minor">
+              <a:schemeClr val="tx1"/>
+            </a:fontRef>
+          </p:style>
+        </p:cxnSp>
+        <p:sp>
+          <p:nvSpPr>
+            <p:cNvPr id="28" name="TextBox 27"/>
+            <p:cNvSpPr txBox="1"/>
+            <p:nvPr/>
+          </p:nvSpPr>
+          <p:spPr>
+            <a:xfrm>
+              <a:off x="2243881" y="3101884"/>
+              <a:ext cx="663262" cy="276999"/>
+            </a:xfrm>
+            <a:prstGeom prst="rect">
+              <a:avLst/>
+            </a:prstGeom>
+            <a:noFill/>
+          </p:spPr>
+          <p:txBody>
+            <a:bodyPr wrap="none" rtlCol="0">
+              <a:spAutoFit/>
+            </a:bodyPr>
+            <a:lstStyle/>
+            <a:p>
+              <a:r>
+                <a:rPr lang="en-US" sz="1200" i="1" dirty="0" err="1" smtClean="0">
+                  <a:latin typeface="Times New Roman"/>
+                </a:rPr>
+                <a:t>u</a:t>
+              </a:r>
+              <a:r>
+                <a:rPr lang="en-US" sz="1200" dirty="0" err="1" smtClean="0">
+                  <a:latin typeface="Times New Roman"/>
+                </a:rPr>
+                <a:t>(</a:t>
+              </a:r>
+              <a:r>
+                <a:rPr lang="en-US" sz="1200" i="1" dirty="0" err="1" smtClean="0">
+                  <a:latin typeface="Times New Roman"/>
+                </a:rPr>
+                <a:t>nT</a:t>
+              </a:r>
+              <a:r>
+                <a:rPr lang="en-US" sz="1200" i="1" dirty="0" smtClean="0">
+                  <a:latin typeface="Times New Roman"/>
+                </a:rPr>
+                <a:t>-T</a:t>
+              </a:r>
+              <a:r>
+                <a:rPr lang="en-US" sz="1200" dirty="0" smtClean="0">
+                  <a:latin typeface="Times New Roman"/>
+                </a:rPr>
+                <a:t>)</a:t>
+              </a:r>
+              <a:endParaRPr lang="en-US" sz="1200" dirty="0">
+                <a:latin typeface="Times New Roman"/>
+              </a:endParaRPr>
+            </a:p>
+          </p:txBody>
+        </p:sp>
+        <p:sp>
+          <p:nvSpPr>
+            <p:cNvPr id="29" name="TextBox 28"/>
+            <p:cNvSpPr txBox="1"/>
+            <p:nvPr/>
+          </p:nvSpPr>
+          <p:spPr>
+            <a:xfrm>
+              <a:off x="2397257" y="4736571"/>
+              <a:ext cx="503664" cy="276999"/>
+            </a:xfrm>
+            <a:prstGeom prst="rect">
+              <a:avLst/>
+            </a:prstGeom>
+            <a:noFill/>
+          </p:spPr>
+          <p:txBody>
+            <a:bodyPr wrap="none" rtlCol="0">
+              <a:spAutoFit/>
+            </a:bodyPr>
+            <a:lstStyle/>
+            <a:p>
+              <a:r>
+                <a:rPr lang="en-US" sz="1200" i="1" dirty="0" err="1" smtClean="0">
+                  <a:latin typeface="Times New Roman"/>
+                </a:rPr>
+                <a:t>nT</a:t>
+              </a:r>
+              <a:r>
+                <a:rPr lang="en-US" sz="1200" i="1" dirty="0" smtClean="0">
+                  <a:latin typeface="Times New Roman"/>
+                </a:rPr>
+                <a:t>-T</a:t>
+              </a:r>
+              <a:endParaRPr lang="en-US" sz="1200" dirty="0">
+                <a:latin typeface="Times New Roman"/>
+              </a:endParaRPr>
+            </a:p>
+          </p:txBody>
+        </p:sp>
+        <p:sp>
+          <p:nvSpPr>
+            <p:cNvPr id="30" name="TextBox 29"/>
+            <p:cNvSpPr txBox="1"/>
+            <p:nvPr/>
+          </p:nvSpPr>
+          <p:spPr>
+            <a:xfrm>
+              <a:off x="3584233" y="4736571"/>
+              <a:ext cx="375423" cy="276999"/>
+            </a:xfrm>
+            <a:prstGeom prst="rect">
+              <a:avLst/>
+            </a:prstGeom>
+            <a:noFill/>
+          </p:spPr>
+          <p:txBody>
+            <a:bodyPr wrap="none" rtlCol="0">
+              <a:spAutoFit/>
+            </a:bodyPr>
+            <a:lstStyle/>
+            <a:p>
+              <a:r>
+                <a:rPr lang="en-US" sz="1200" i="1" dirty="0" err="1" smtClean="0">
+                  <a:latin typeface="Times New Roman"/>
+                </a:rPr>
+                <a:t>nT</a:t>
+              </a:r>
+              <a:endParaRPr lang="en-US" sz="1200" dirty="0">
+                <a:latin typeface="Times New Roman"/>
+              </a:endParaRPr>
+            </a:p>
+          </p:txBody>
+        </p:sp>
+        <p:sp>
+          <p:nvSpPr>
+            <p:cNvPr id="31" name="TextBox 30"/>
+            <p:cNvSpPr txBox="1"/>
+            <p:nvPr/>
+          </p:nvSpPr>
+          <p:spPr>
+            <a:xfrm>
+              <a:off x="3652002" y="2390911"/>
+              <a:ext cx="537853" cy="276999"/>
+            </a:xfrm>
+            <a:prstGeom prst="rect">
+              <a:avLst/>
+            </a:prstGeom>
+            <a:noFill/>
+          </p:spPr>
+          <p:txBody>
+            <a:bodyPr wrap="none" rtlCol="0">
+              <a:spAutoFit/>
+            </a:bodyPr>
+            <a:lstStyle/>
+            <a:p>
+              <a:r>
+                <a:rPr lang="en-US" sz="1200" i="1" dirty="0" err="1" smtClean="0">
+                  <a:latin typeface="Times New Roman"/>
+                </a:rPr>
+                <a:t>u</a:t>
+              </a:r>
+              <a:r>
+                <a:rPr lang="en-US" sz="1200" dirty="0" err="1" smtClean="0">
+                  <a:latin typeface="Times New Roman"/>
+                </a:rPr>
+                <a:t>(</a:t>
+              </a:r>
+              <a:r>
+                <a:rPr lang="en-US" sz="1200" i="1" dirty="0" err="1" smtClean="0">
+                  <a:latin typeface="Times New Roman"/>
+                </a:rPr>
+                <a:t>nT</a:t>
+              </a:r>
+              <a:r>
+                <a:rPr lang="en-US" sz="1200" dirty="0" smtClean="0">
+                  <a:latin typeface="Times New Roman"/>
+                </a:rPr>
+                <a:t>)</a:t>
+              </a:r>
+              <a:endParaRPr lang="en-US" sz="1200" dirty="0">
+                <a:latin typeface="Times New Roman"/>
+              </a:endParaRPr>
+            </a:p>
+          </p:txBody>
+        </p:sp>
+        <p:cxnSp>
+          <p:nvCxnSpPr>
+            <p:cNvPr id="32" name="Straight Arrow Connector 31"/>
+            <p:cNvCxnSpPr/>
+            <p:nvPr/>
+          </p:nvCxnSpPr>
+          <p:spPr>
+            <a:xfrm rot="10800000" flipV="1">
+              <a:off x="3298465" y="3378883"/>
+              <a:ext cx="1227114" cy="155058"/>
+            </a:xfrm>
+            <a:prstGeom prst="straightConnector1">
+              <a:avLst/>
+            </a:prstGeom>
+            <a:ln>
+              <a:tailEnd type="arrow"/>
+            </a:ln>
+          </p:spPr>
+          <p:style>
+            <a:lnRef idx="2">
+              <a:schemeClr val="accent1"/>
+            </a:lnRef>
+            <a:fillRef idx="0">
+              <a:schemeClr val="accent1"/>
+            </a:fillRef>
+            <a:effectRef idx="1">
+              <a:schemeClr val="accent1"/>
+            </a:effectRef>
+            <a:fontRef idx="minor">
+              <a:schemeClr val="tx1"/>
+            </a:fontRef>
+          </p:style>
+        </p:cxnSp>
+        <p:sp>
+          <p:nvSpPr>
+            <p:cNvPr id="33" name="TextBox 32"/>
+            <p:cNvSpPr txBox="1"/>
+            <p:nvPr/>
+          </p:nvSpPr>
+          <p:spPr>
+            <a:xfrm>
+              <a:off x="4525577" y="3009550"/>
+              <a:ext cx="1724526" cy="369332"/>
+            </a:xfrm>
+            <a:prstGeom prst="rect">
+              <a:avLst/>
+            </a:prstGeom>
+            <a:noFill/>
+          </p:spPr>
+          <p:txBody>
+            <a:bodyPr wrap="none" rtlCol="0">
+              <a:spAutoFit/>
+            </a:bodyPr>
+            <a:lstStyle/>
+            <a:p>
+              <a:r>
+                <a:rPr lang="en-US" dirty="0" smtClean="0"/>
+                <a:t>Shaded region is</a:t>
+              </a:r>
+              <a:endParaRPr lang="en-US" dirty="0"/>
+            </a:p>
+          </p:txBody>
+        </p:sp>
+        <p:graphicFrame>
+          <p:nvGraphicFramePr>
+            <p:cNvPr id="34" name="Object 33"/>
+            <p:cNvGraphicFramePr>
+              <a:graphicFrameLocks noChangeAspect="1"/>
+            </p:cNvGraphicFramePr>
+            <p:nvPr/>
+          </p:nvGraphicFramePr>
+          <p:xfrm>
+            <a:off x="4840762" y="3427634"/>
+            <a:ext cx="1031875" cy="725488"/>
+          </p:xfrm>
+          <a:graphic>
+            <a:graphicData uri="http://schemas.openxmlformats.org/presentationml/2006/ole">
+              <p:oleObj spid="_x0000_s21506" name="Equation" r:id="rId3" imgW="596900" imgH="419100" progId="Equation.3">
+                <p:embed/>
+              </p:oleObj>
+            </a:graphicData>
+          </a:graphic>
+        </p:graphicFrame>
+      </p:grpSp>
+    </p:spTree>
+  </p:cSld>
+  <p:clrMapOvr>
+    <a:masterClrMapping/>
+  </p:clrMapOvr>
+</p:sld>
+</file>
+
+<file path=ppt/slides/slide4.xml><?xml version="1.0" encoding="utf-8"?>
+<p:sld xmlns:a="http://schemas.openxmlformats.org/drawingml/2006/main" xmlns:r="http://schemas.openxmlformats.org/officeDocument/2006/relationships" xmlns:mc="http://schemas.openxmlformats.org/markup-compatibility/2006" xmlns:mv="urn:schemas-microsoft-com:mac:vml" xmlns:p="http://schemas.openxmlformats.org/presentationml/2006/main" mc:Ignorable="mv" mc:PreserveAttributes="mv:*">
+  <p:cSld>
+    <p:spTree>
+      <p:nvGrpSpPr>
+        <p:cNvPr id="1" name=""/>
+        <p:cNvGrpSpPr/>
+        <p:nvPr/>
+      </p:nvGrpSpPr>
+      <p:grpSpPr>
+        <a:xfrm>
+          <a:off x="0" y="0"/>
+          <a:ext cx="0" cy="0"/>
+          <a:chOff x="0" y="0"/>
+          <a:chExt cx="0" cy="0"/>
+        </a:xfrm>
+      </p:grpSpPr>
+      <p:sp>
+        <p:nvSpPr>
+          <p:cNvPr id="2" name="Title 1"/>
+          <p:cNvSpPr>
+            <a:spLocks noGrp="1"/>
+          </p:cNvSpPr>
+          <p:nvPr>
+            <p:ph type="title"/>
+          </p:nvPr>
+        </p:nvSpPr>
+        <p:spPr/>
+        <p:txBody>
+          <a:bodyPr/>
+          <a:lstStyle/>
+          <a:p>
+            <a:r>
+              <a:rPr lang="en-US" dirty="0" smtClean="0"/>
+              <a:t>Forward Rectangular</a:t>
+            </a:r>
+            <a:endParaRPr lang="en-US" dirty="0"/>
+          </a:p>
+        </p:txBody>
+      </p:sp>
+      <p:grpSp>
+        <p:nvGrpSpPr>
+          <p:cNvPr id="37" name="Group 36"/>
+          <p:cNvGrpSpPr/>
+          <p:nvPr/>
+        </p:nvGrpSpPr>
+        <p:grpSpPr>
+          <a:xfrm>
+            <a:off x="1131265" y="2308441"/>
+            <a:ext cx="5184661" cy="2782316"/>
+            <a:chOff x="1131265" y="2308441"/>
+            <a:chExt cx="5184661" cy="2782316"/>
+          </a:xfrm>
+        </p:grpSpPr>
+        <p:sp>
+          <p:nvSpPr>
+            <p:cNvPr id="35" name="Rectangle 34"/>
+            <p:cNvSpPr/>
+            <p:nvPr/>
+          </p:nvSpPr>
+          <p:spPr>
+            <a:xfrm>
+              <a:off x="2672036" y="3410246"/>
+              <a:ext cx="1109970" cy="1354808"/>
+            </a:xfrm>
+            <a:prstGeom prst="rect">
+              <a:avLst/>
+            </a:prstGeom>
+            <a:solidFill>
+              <a:schemeClr val="accent1"/>
+            </a:solidFill>
+          </p:spPr>
+          <p:style>
+            <a:lnRef idx="1">
+              <a:schemeClr val="accent1"/>
+            </a:lnRef>
+            <a:fillRef idx="3">
+              <a:schemeClr val="accent1"/>
+            </a:fillRef>
+            <a:effectRef idx="2">
+              <a:schemeClr val="accent1"/>
+            </a:effectRef>
+            <a:fontRef idx="minor">
+              <a:schemeClr val="lt1"/>
+            </a:fontRef>
+          </p:style>
+          <p:txBody>
+            <a:bodyPr rtlCol="0" anchor="ctr"/>
+            <a:lstStyle/>
+            <a:p>
+              <a:pPr algn="ctr"/>
+              <a:endParaRPr lang="en-US"/>
+            </a:p>
+          </p:txBody>
+        </p:sp>
+        <p:grpSp>
+          <p:nvGrpSpPr>
+            <p:cNvPr id="4" name="Group 3"/>
+            <p:cNvGrpSpPr/>
+            <p:nvPr/>
+          </p:nvGrpSpPr>
+          <p:grpSpPr>
+            <a:xfrm>
+              <a:off x="1131265" y="2308441"/>
+              <a:ext cx="5184661" cy="2782316"/>
+              <a:chOff x="1131265" y="2308441"/>
+              <a:chExt cx="5184661" cy="2782316"/>
+            </a:xfrm>
+          </p:grpSpPr>
+          <p:cxnSp>
+            <p:nvCxnSpPr>
+              <p:cNvPr id="5" name="Straight Arrow Connector 4"/>
+              <p:cNvCxnSpPr/>
+              <p:nvPr/>
+            </p:nvCxnSpPr>
+            <p:spPr>
+              <a:xfrm rot="16200000" flipV="1">
+                <a:off x="360877" y="3632898"/>
+                <a:ext cx="2605896" cy="16495"/>
+              </a:xfrm>
+              <a:prstGeom prst="straightConnector1">
+                <a:avLst/>
+              </a:prstGeom>
+              <a:ln>
+                <a:tailEnd type="arrow"/>
+              </a:ln>
+            </p:spPr>
+            <p:style>
+              <a:lnRef idx="2">
+                <a:schemeClr val="accent1"/>
+              </a:lnRef>
+              <a:fillRef idx="0">
+                <a:schemeClr val="accent1"/>
+              </a:fillRef>
+              <a:effectRef idx="1">
+                <a:schemeClr val="accent1"/>
+              </a:effectRef>
+              <a:fontRef idx="minor">
+                <a:schemeClr val="tx1"/>
+              </a:fontRef>
+            </p:style>
+          </p:cxnSp>
+          <p:sp>
+            <p:nvSpPr>
+              <p:cNvPr id="6" name="TextBox 5"/>
+              <p:cNvSpPr txBox="1"/>
+              <p:nvPr/>
+            </p:nvSpPr>
+            <p:spPr>
+              <a:xfrm>
+                <a:off x="1131265" y="2308441"/>
+                <a:ext cx="536654" cy="369332"/>
+              </a:xfrm>
+              <a:prstGeom prst="rect">
+                <a:avLst/>
+              </a:prstGeom>
+              <a:noFill/>
+            </p:spPr>
+            <p:txBody>
+              <a:bodyPr wrap="none" rtlCol="0">
+                <a:spAutoFit/>
+              </a:bodyPr>
+              <a:lstStyle/>
+              <a:p>
+                <a:r>
+                  <a:rPr lang="en-US" i="1" dirty="0" err="1" smtClean="0">
+                    <a:latin typeface="Times New Roman"/>
+                  </a:rPr>
+                  <a:t>u</a:t>
+                </a:r>
+                <a:r>
+                  <a:rPr lang="en-US" dirty="0" err="1" smtClean="0">
+                    <a:latin typeface="Times New Roman"/>
+                  </a:rPr>
+                  <a:t>(</a:t>
+                </a:r>
+                <a:r>
+                  <a:rPr lang="en-US" i="1" dirty="0" err="1" smtClean="0">
+                    <a:latin typeface="Times New Roman"/>
+                  </a:rPr>
+                  <a:t>t</a:t>
+                </a:r>
+                <a:r>
+                  <a:rPr lang="en-US" dirty="0" smtClean="0">
+                    <a:latin typeface="Times New Roman"/>
+                  </a:rPr>
+                  <a:t>)</a:t>
+                </a:r>
+                <a:endParaRPr lang="en-US" dirty="0">
+                  <a:latin typeface="Times New Roman"/>
+                </a:endParaRPr>
+              </a:p>
+            </p:txBody>
+          </p:sp>
+          <p:sp>
+            <p:nvSpPr>
+              <p:cNvPr id="7" name="TextBox 6"/>
+              <p:cNvSpPr txBox="1"/>
+              <p:nvPr/>
+            </p:nvSpPr>
+            <p:spPr>
+              <a:xfrm>
+                <a:off x="5134610" y="4721425"/>
+                <a:ext cx="267500" cy="369332"/>
+              </a:xfrm>
+              <a:prstGeom prst="rect">
+                <a:avLst/>
+              </a:prstGeom>
+              <a:noFill/>
+            </p:spPr>
+            <p:txBody>
+              <a:bodyPr wrap="none" rtlCol="0">
+                <a:spAutoFit/>
+              </a:bodyPr>
+              <a:lstStyle/>
+              <a:p>
+                <a:r>
+                  <a:rPr lang="en-US" i="1" dirty="0" err="1" smtClean="0">
+                    <a:latin typeface="Times New Roman"/>
+                  </a:rPr>
+                  <a:t>t</a:t>
+                </a:r>
+                <a:endParaRPr lang="en-US" dirty="0">
+                  <a:latin typeface="Times New Roman"/>
+                </a:endParaRPr>
+              </a:p>
+            </p:txBody>
+          </p:sp>
+          <p:cxnSp>
+            <p:nvCxnSpPr>
+              <p:cNvPr id="8" name="Straight Connector 7"/>
+              <p:cNvCxnSpPr/>
+              <p:nvPr/>
+            </p:nvCxnSpPr>
+            <p:spPr>
+              <a:xfrm rot="5400000" flipH="1" flipV="1">
+                <a:off x="3630302" y="4610967"/>
+                <a:ext cx="181423" cy="121985"/>
+              </a:xfrm>
+              <a:prstGeom prst="line">
+                <a:avLst/>
+              </a:prstGeom>
+              <a:ln>
+                <a:solidFill>
+                  <a:schemeClr val="accent6"/>
+                </a:solidFill>
+              </a:ln>
+              <a:effectLst/>
+            </p:spPr>
+            <p:style>
+              <a:lnRef idx="2">
+                <a:schemeClr val="accent1"/>
+              </a:lnRef>
+              <a:fillRef idx="0">
+                <a:schemeClr val="accent1"/>
+              </a:fillRef>
+              <a:effectRef idx="1">
+                <a:schemeClr val="accent1"/>
+              </a:effectRef>
+              <a:fontRef idx="minor">
+                <a:schemeClr val="tx1"/>
+              </a:fontRef>
+            </p:style>
+          </p:cxnSp>
+          <p:cxnSp>
+            <p:nvCxnSpPr>
+              <p:cNvPr id="9" name="Straight Connector 8"/>
+              <p:cNvCxnSpPr/>
+              <p:nvPr/>
+            </p:nvCxnSpPr>
+            <p:spPr>
+              <a:xfrm rot="5400000" flipH="1" flipV="1">
+                <a:off x="3485202" y="4465867"/>
+                <a:ext cx="346353" cy="247255"/>
+              </a:xfrm>
+              <a:prstGeom prst="line">
+                <a:avLst/>
+              </a:prstGeom>
+              <a:ln>
+                <a:solidFill>
+                  <a:schemeClr val="accent6"/>
+                </a:solidFill>
+              </a:ln>
+              <a:effectLst/>
+            </p:spPr>
+            <p:style>
+              <a:lnRef idx="2">
+                <a:schemeClr val="accent1"/>
+              </a:lnRef>
+              <a:fillRef idx="0">
+                <a:schemeClr val="accent1"/>
+              </a:fillRef>
+              <a:effectRef idx="1">
+                <a:schemeClr val="accent1"/>
+              </a:effectRef>
+              <a:fontRef idx="minor">
+                <a:schemeClr val="tx1"/>
+              </a:fontRef>
+            </p:style>
+          </p:cxnSp>
+          <p:cxnSp>
+            <p:nvCxnSpPr>
+              <p:cNvPr id="10" name="Straight Connector 9"/>
+              <p:cNvCxnSpPr/>
+              <p:nvPr/>
+            </p:nvCxnSpPr>
+            <p:spPr>
+              <a:xfrm rot="5400000" flipH="1" flipV="1">
+                <a:off x="3349710" y="4330375"/>
+                <a:ext cx="503036" cy="361555"/>
+              </a:xfrm>
+              <a:prstGeom prst="line">
+                <a:avLst/>
+              </a:prstGeom>
+              <a:ln>
+                <a:solidFill>
+                  <a:schemeClr val="accent6"/>
+                </a:solidFill>
+              </a:ln>
+              <a:effectLst/>
+            </p:spPr>
+            <p:style>
+              <a:lnRef idx="2">
+                <a:schemeClr val="accent1"/>
+              </a:lnRef>
+              <a:fillRef idx="0">
+                <a:schemeClr val="accent1"/>
+              </a:fillRef>
+              <a:effectRef idx="1">
+                <a:schemeClr val="accent1"/>
+              </a:effectRef>
+              <a:fontRef idx="minor">
+                <a:schemeClr val="tx1"/>
+              </a:fontRef>
+            </p:style>
+          </p:cxnSp>
+          <p:cxnSp>
+            <p:nvCxnSpPr>
+              <p:cNvPr id="11" name="Straight Connector 10"/>
+              <p:cNvCxnSpPr/>
+              <p:nvPr/>
+            </p:nvCxnSpPr>
+            <p:spPr>
+              <a:xfrm rot="5400000" flipH="1" flipV="1">
+                <a:off x="3211171" y="4190245"/>
+                <a:ext cx="659720" cy="485131"/>
+              </a:xfrm>
+              <a:prstGeom prst="line">
+                <a:avLst/>
+              </a:prstGeom>
+              <a:ln>
+                <a:solidFill>
+                  <a:schemeClr val="accent6"/>
+                </a:solidFill>
+              </a:ln>
+              <a:effectLst/>
+            </p:spPr>
+            <p:style>
+              <a:lnRef idx="2">
+                <a:schemeClr val="accent1"/>
+              </a:lnRef>
+              <a:fillRef idx="0">
+                <a:schemeClr val="accent1"/>
+              </a:fillRef>
+              <a:effectRef idx="1">
+                <a:schemeClr val="accent1"/>
+              </a:effectRef>
+              <a:fontRef idx="minor">
+                <a:schemeClr val="tx1"/>
+              </a:fontRef>
+            </p:style>
+          </p:cxnSp>
+          <p:cxnSp>
+            <p:nvCxnSpPr>
+              <p:cNvPr id="12" name="Straight Connector 11"/>
+              <p:cNvCxnSpPr/>
+              <p:nvPr/>
+            </p:nvCxnSpPr>
+            <p:spPr>
+              <a:xfrm rot="5400000" flipH="1" flipV="1">
+                <a:off x="3070554" y="4053598"/>
+                <a:ext cx="818785" cy="604123"/>
+              </a:xfrm>
+              <a:prstGeom prst="line">
+                <a:avLst/>
+              </a:prstGeom>
+              <a:ln>
+                <a:solidFill>
+                  <a:schemeClr val="accent6"/>
+                </a:solidFill>
+              </a:ln>
+              <a:effectLst/>
+            </p:spPr>
+            <p:style>
+              <a:lnRef idx="2">
+                <a:schemeClr val="accent1"/>
+              </a:lnRef>
+              <a:fillRef idx="0">
+                <a:schemeClr val="accent1"/>
+              </a:fillRef>
+              <a:effectRef idx="1">
+                <a:schemeClr val="accent1"/>
+              </a:effectRef>
+              <a:fontRef idx="minor">
+                <a:schemeClr val="tx1"/>
+              </a:fontRef>
+            </p:style>
+          </p:cxnSp>
+          <p:cxnSp>
+            <p:nvCxnSpPr>
+              <p:cNvPr id="13" name="Straight Connector 12"/>
+              <p:cNvCxnSpPr/>
+              <p:nvPr/>
+            </p:nvCxnSpPr>
+            <p:spPr>
+              <a:xfrm rot="5400000" flipH="1" flipV="1">
+                <a:off x="2923765" y="3905224"/>
+                <a:ext cx="991963" cy="727697"/>
+              </a:xfrm>
+              <a:prstGeom prst="line">
+                <a:avLst/>
+              </a:prstGeom>
+              <a:ln>
+                <a:solidFill>
+                  <a:schemeClr val="accent6"/>
+                </a:solidFill>
+              </a:ln>
+              <a:effectLst/>
+            </p:spPr>
+            <p:style>
+              <a:lnRef idx="2">
+                <a:schemeClr val="accent1"/>
+              </a:lnRef>
+              <a:fillRef idx="0">
+                <a:schemeClr val="accent1"/>
+              </a:fillRef>
+              <a:effectRef idx="1">
+                <a:schemeClr val="accent1"/>
+              </a:effectRef>
+              <a:fontRef idx="minor">
+                <a:schemeClr val="tx1"/>
+              </a:fontRef>
+            </p:style>
+          </p:cxnSp>
+          <p:cxnSp>
+            <p:nvCxnSpPr>
+              <p:cNvPr id="14" name="Straight Connector 13"/>
+              <p:cNvCxnSpPr/>
+              <p:nvPr/>
+            </p:nvCxnSpPr>
+            <p:spPr>
+              <a:xfrm rot="5400000" flipH="1" flipV="1">
+                <a:off x="2792677" y="3774133"/>
+                <a:ext cx="1132154" cy="849686"/>
+              </a:xfrm>
+              <a:prstGeom prst="line">
+                <a:avLst/>
+              </a:prstGeom>
+              <a:ln>
+                <a:solidFill>
+                  <a:schemeClr val="accent6"/>
+                </a:solidFill>
+              </a:ln>
+              <a:effectLst/>
+            </p:spPr>
+            <p:style>
+              <a:lnRef idx="2">
+                <a:schemeClr val="accent1"/>
+              </a:lnRef>
+              <a:fillRef idx="0">
+                <a:schemeClr val="accent1"/>
+              </a:fillRef>
+              <a:effectRef idx="1">
+                <a:schemeClr val="accent1"/>
+              </a:effectRef>
+              <a:fontRef idx="minor">
+                <a:schemeClr val="tx1"/>
+              </a:fontRef>
+            </p:style>
+          </p:cxnSp>
+          <p:cxnSp>
+            <p:nvCxnSpPr>
+              <p:cNvPr id="15" name="Straight Connector 14"/>
+              <p:cNvCxnSpPr/>
+              <p:nvPr/>
+            </p:nvCxnSpPr>
+            <p:spPr>
+              <a:xfrm rot="5400000" flipH="1" flipV="1">
+                <a:off x="2620356" y="3601815"/>
+                <a:ext cx="1354807" cy="971671"/>
+              </a:xfrm>
+              <a:prstGeom prst="line">
+                <a:avLst/>
+              </a:prstGeom>
+              <a:ln>
+                <a:solidFill>
+                  <a:schemeClr val="accent6"/>
+                </a:solidFill>
+              </a:ln>
+              <a:effectLst/>
+            </p:spPr>
+            <p:style>
+              <a:lnRef idx="2">
+                <a:schemeClr val="accent1"/>
+              </a:lnRef>
+              <a:fillRef idx="0">
+                <a:schemeClr val="accent1"/>
+              </a:fillRef>
+              <a:effectRef idx="1">
+                <a:schemeClr val="accent1"/>
+              </a:effectRef>
+              <a:fontRef idx="minor">
+                <a:schemeClr val="tx1"/>
+              </a:fontRef>
+            </p:style>
+          </p:cxnSp>
+          <p:cxnSp>
+            <p:nvCxnSpPr>
+              <p:cNvPr id="16" name="Straight Connector 15"/>
+              <p:cNvCxnSpPr/>
+              <p:nvPr/>
+            </p:nvCxnSpPr>
+            <p:spPr>
+              <a:xfrm rot="5400000" flipH="1" flipV="1">
+                <a:off x="2464527" y="3445985"/>
+                <a:ext cx="1544479" cy="1093658"/>
+              </a:xfrm>
+              <a:prstGeom prst="line">
+                <a:avLst/>
+              </a:prstGeom>
+              <a:ln>
+                <a:solidFill>
+                  <a:schemeClr val="accent6"/>
+                </a:solidFill>
+              </a:ln>
+              <a:effectLst/>
+            </p:spPr>
+            <p:style>
+              <a:lnRef idx="2">
+                <a:schemeClr val="accent1"/>
+              </a:lnRef>
+              <a:fillRef idx="0">
+                <a:schemeClr val="accent1"/>
+              </a:fillRef>
+              <a:effectRef idx="1">
+                <a:schemeClr val="accent1"/>
+              </a:effectRef>
+              <a:fontRef idx="minor">
+                <a:schemeClr val="tx1"/>
+              </a:fontRef>
+            </p:style>
+          </p:cxnSp>
+          <p:cxnSp>
+            <p:nvCxnSpPr>
+              <p:cNvPr id="17" name="Straight Connector 16"/>
+              <p:cNvCxnSpPr/>
+              <p:nvPr/>
+            </p:nvCxnSpPr>
+            <p:spPr>
+              <a:xfrm rot="5400000" flipH="1" flipV="1">
+                <a:off x="2465719" y="3263372"/>
+                <a:ext cx="1542096" cy="1093657"/>
+              </a:xfrm>
+              <a:prstGeom prst="line">
+                <a:avLst/>
+              </a:prstGeom>
+              <a:ln>
+                <a:solidFill>
+                  <a:schemeClr val="accent6"/>
+                </a:solidFill>
+              </a:ln>
+              <a:effectLst/>
+            </p:spPr>
+            <p:style>
+              <a:lnRef idx="2">
+                <a:schemeClr val="accent1"/>
+              </a:lnRef>
+              <a:fillRef idx="0">
+                <a:schemeClr val="accent1"/>
+              </a:fillRef>
+              <a:effectRef idx="1">
+                <a:schemeClr val="accent1"/>
+              </a:effectRef>
+              <a:fontRef idx="minor">
+                <a:schemeClr val="tx1"/>
+              </a:fontRef>
+            </p:style>
+          </p:cxnSp>
+          <p:cxnSp>
+            <p:nvCxnSpPr>
+              <p:cNvPr id="18" name="Straight Connector 17"/>
+              <p:cNvCxnSpPr/>
+              <p:nvPr/>
+            </p:nvCxnSpPr>
+            <p:spPr>
+              <a:xfrm rot="5400000" flipH="1" flipV="1">
+                <a:off x="2457165" y="3089889"/>
+                <a:ext cx="1542097" cy="1110763"/>
+              </a:xfrm>
+              <a:prstGeom prst="line">
+                <a:avLst/>
+              </a:prstGeom>
+              <a:ln>
+                <a:solidFill>
+                  <a:schemeClr val="accent6"/>
+                </a:solidFill>
+              </a:ln>
+              <a:effectLst/>
+            </p:spPr>
+            <p:style>
+              <a:lnRef idx="2">
+                <a:schemeClr val="accent1"/>
+              </a:lnRef>
+              <a:fillRef idx="0">
+                <a:schemeClr val="accent1"/>
+              </a:fillRef>
+              <a:effectRef idx="1">
+                <a:schemeClr val="accent1"/>
+              </a:effectRef>
+              <a:fontRef idx="minor">
+                <a:schemeClr val="tx1"/>
+              </a:fontRef>
+            </p:style>
+          </p:cxnSp>
+          <p:cxnSp>
+            <p:nvCxnSpPr>
+              <p:cNvPr id="19" name="Straight Connector 18"/>
+              <p:cNvCxnSpPr/>
+              <p:nvPr/>
+            </p:nvCxnSpPr>
+            <p:spPr>
+              <a:xfrm rot="5400000" flipH="1" flipV="1">
+                <a:off x="2456370" y="2933998"/>
+                <a:ext cx="1541303" cy="1109970"/>
+              </a:xfrm>
+              <a:prstGeom prst="line">
+                <a:avLst/>
+              </a:prstGeom>
+              <a:ln>
+                <a:solidFill>
+                  <a:schemeClr val="accent6"/>
+                </a:solidFill>
+              </a:ln>
+              <a:effectLst/>
+            </p:spPr>
+            <p:style>
+              <a:lnRef idx="2">
+                <a:schemeClr val="accent1"/>
+              </a:lnRef>
+              <a:fillRef idx="0">
+                <a:schemeClr val="accent1"/>
+              </a:fillRef>
+              <a:effectRef idx="1">
+                <a:schemeClr val="accent1"/>
+              </a:effectRef>
+              <a:fontRef idx="minor">
+                <a:schemeClr val="tx1"/>
+              </a:fontRef>
+            </p:style>
+          </p:cxnSp>
+          <p:cxnSp>
+            <p:nvCxnSpPr>
+              <p:cNvPr id="20" name="Straight Connector 19"/>
+              <p:cNvCxnSpPr/>
+              <p:nvPr/>
+            </p:nvCxnSpPr>
+            <p:spPr>
+              <a:xfrm rot="5400000" flipH="1" flipV="1">
+                <a:off x="2489029" y="3057229"/>
+                <a:ext cx="1228729" cy="862715"/>
+              </a:xfrm>
+              <a:prstGeom prst="line">
+                <a:avLst/>
+              </a:prstGeom>
+              <a:ln>
+                <a:solidFill>
+                  <a:schemeClr val="accent6"/>
+                </a:solidFill>
+              </a:ln>
+              <a:effectLst/>
+            </p:spPr>
+            <p:style>
+              <a:lnRef idx="2">
+                <a:schemeClr val="accent1"/>
+              </a:lnRef>
+              <a:fillRef idx="0">
+                <a:schemeClr val="accent1"/>
+              </a:fillRef>
+              <a:effectRef idx="1">
+                <a:schemeClr val="accent1"/>
+              </a:effectRef>
+              <a:fontRef idx="minor">
+                <a:schemeClr val="tx1"/>
+              </a:fontRef>
+            </p:style>
+          </p:cxnSp>
+          <p:cxnSp>
+            <p:nvCxnSpPr>
+              <p:cNvPr id="21" name="Straight Connector 20"/>
+              <p:cNvCxnSpPr/>
+              <p:nvPr/>
+            </p:nvCxnSpPr>
+            <p:spPr>
+              <a:xfrm rot="5400000" flipH="1" flipV="1">
+                <a:off x="2579067" y="3313544"/>
+                <a:ext cx="569803" cy="383864"/>
+              </a:xfrm>
+              <a:prstGeom prst="line">
+                <a:avLst/>
+              </a:prstGeom>
+              <a:ln>
+                <a:solidFill>
+                  <a:schemeClr val="accent6"/>
+                </a:solidFill>
+              </a:ln>
+              <a:effectLst/>
+            </p:spPr>
+            <p:style>
+              <a:lnRef idx="2">
+                <a:schemeClr val="accent1"/>
+              </a:lnRef>
+              <a:fillRef idx="0">
+                <a:schemeClr val="accent1"/>
+              </a:fillRef>
+              <a:effectRef idx="1">
+                <a:schemeClr val="accent1"/>
+              </a:effectRef>
+              <a:fontRef idx="minor">
+                <a:schemeClr val="tx1"/>
+              </a:fontRef>
+            </p:style>
+          </p:cxnSp>
+          <p:cxnSp>
+            <p:nvCxnSpPr>
+              <p:cNvPr id="22" name="Straight Connector 21"/>
+              <p:cNvCxnSpPr/>
+              <p:nvPr/>
+            </p:nvCxnSpPr>
+            <p:spPr>
+              <a:xfrm rot="5400000" flipH="1" flipV="1">
+                <a:off x="2528122" y="3032546"/>
+                <a:ext cx="1072046" cy="748413"/>
+              </a:xfrm>
+              <a:prstGeom prst="line">
+                <a:avLst/>
+              </a:prstGeom>
+              <a:ln>
+                <a:solidFill>
+                  <a:schemeClr val="accent6"/>
+                </a:solidFill>
+              </a:ln>
+              <a:effectLst/>
+            </p:spPr>
+            <p:style>
+              <a:lnRef idx="2">
+                <a:schemeClr val="accent1"/>
+              </a:lnRef>
+              <a:fillRef idx="0">
+                <a:schemeClr val="accent1"/>
+              </a:fillRef>
+              <a:effectRef idx="1">
+                <a:schemeClr val="accent1"/>
+              </a:effectRef>
+              <a:fontRef idx="minor">
+                <a:schemeClr val="tx1"/>
+              </a:fontRef>
+            </p:style>
+          </p:cxnSp>
+          <p:cxnSp>
+            <p:nvCxnSpPr>
+              <p:cNvPr id="23" name="Straight Connector 22"/>
+              <p:cNvCxnSpPr/>
+              <p:nvPr/>
+            </p:nvCxnSpPr>
+            <p:spPr>
+              <a:xfrm rot="5400000" flipH="1" flipV="1">
+                <a:off x="2622408" y="3459874"/>
+                <a:ext cx="239146" cy="139890"/>
+              </a:xfrm>
+              <a:prstGeom prst="line">
+                <a:avLst/>
+              </a:prstGeom>
+              <a:ln>
+                <a:solidFill>
+                  <a:schemeClr val="accent6"/>
+                </a:solidFill>
+              </a:ln>
+              <a:effectLst/>
+            </p:spPr>
+            <p:style>
+              <a:lnRef idx="2">
+                <a:schemeClr val="accent1"/>
+              </a:lnRef>
+              <a:fillRef idx="0">
+                <a:schemeClr val="accent1"/>
+              </a:fillRef>
+              <a:effectRef idx="1">
+                <a:schemeClr val="accent1"/>
+              </a:effectRef>
+              <a:fontRef idx="minor">
+                <a:schemeClr val="tx1"/>
+              </a:fontRef>
+            </p:style>
+          </p:cxnSp>
+          <p:cxnSp>
+            <p:nvCxnSpPr>
+              <p:cNvPr id="24" name="Curved Connector 23"/>
+              <p:cNvCxnSpPr/>
+              <p:nvPr/>
+            </p:nvCxnSpPr>
+            <p:spPr>
+              <a:xfrm flipV="1">
+                <a:off x="1655577" y="2577346"/>
+                <a:ext cx="3359673" cy="956595"/>
+              </a:xfrm>
+              <a:prstGeom prst="curvedConnector3">
+                <a:avLst>
+                  <a:gd name="adj1" fmla="val 46072"/>
+                </a:avLst>
+              </a:prstGeom>
+            </p:spPr>
+            <p:style>
+              <a:lnRef idx="2">
+                <a:schemeClr val="accent1"/>
+              </a:lnRef>
+              <a:fillRef idx="0">
+                <a:schemeClr val="accent1"/>
+              </a:fillRef>
+              <a:effectRef idx="1">
+                <a:schemeClr val="accent1"/>
+              </a:effectRef>
+              <a:fontRef idx="minor">
+                <a:schemeClr val="tx1"/>
+              </a:fontRef>
+            </p:style>
+          </p:cxnSp>
+          <p:cxnSp>
+            <p:nvCxnSpPr>
+              <p:cNvPr id="25" name="Straight Connector 24"/>
+              <p:cNvCxnSpPr/>
+              <p:nvPr/>
+            </p:nvCxnSpPr>
+            <p:spPr>
+              <a:xfrm rot="5400000" flipH="1" flipV="1">
+                <a:off x="2760234" y="3740104"/>
+                <a:ext cx="2045133" cy="1588"/>
+              </a:xfrm>
+              <a:prstGeom prst="line">
+                <a:avLst/>
+              </a:prstGeom>
+            </p:spPr>
+            <p:style>
+              <a:lnRef idx="2">
+                <a:schemeClr val="accent1"/>
+              </a:lnRef>
+              <a:fillRef idx="0">
+                <a:schemeClr val="accent1"/>
+              </a:fillRef>
+              <a:effectRef idx="1">
+                <a:schemeClr val="accent1"/>
+              </a:effectRef>
+              <a:fontRef idx="minor">
+                <a:schemeClr val="tx1"/>
+              </a:fontRef>
+            </p:style>
+          </p:cxnSp>
+          <p:cxnSp>
+            <p:nvCxnSpPr>
+              <p:cNvPr id="26" name="Straight Connector 25"/>
+              <p:cNvCxnSpPr/>
+              <p:nvPr/>
+            </p:nvCxnSpPr>
+            <p:spPr>
+              <a:xfrm rot="16200000" flipH="1">
+                <a:off x="1994636" y="4087648"/>
+                <a:ext cx="1354804" cy="1"/>
+              </a:xfrm>
+              <a:prstGeom prst="line">
+                <a:avLst/>
+              </a:prstGeom>
+            </p:spPr>
+            <p:style>
+              <a:lnRef idx="2">
+                <a:schemeClr val="accent1"/>
+              </a:lnRef>
+              <a:fillRef idx="0">
+                <a:schemeClr val="accent1"/>
+              </a:fillRef>
+              <a:effectRef idx="1">
+                <a:schemeClr val="accent1"/>
+              </a:effectRef>
+              <a:fontRef idx="minor">
+                <a:schemeClr val="tx1"/>
+              </a:fontRef>
+            </p:style>
+          </p:cxnSp>
+          <p:cxnSp>
+            <p:nvCxnSpPr>
+              <p:cNvPr id="27" name="Straight Arrow Connector 26"/>
+              <p:cNvCxnSpPr/>
+              <p:nvPr/>
+            </p:nvCxnSpPr>
+            <p:spPr>
+              <a:xfrm>
+                <a:off x="1449399" y="4762670"/>
+                <a:ext cx="3907301" cy="1588"/>
+              </a:xfrm>
+              <a:prstGeom prst="straightConnector1">
+                <a:avLst/>
+              </a:prstGeom>
+              <a:ln>
+                <a:tailEnd type="arrow"/>
+              </a:ln>
+            </p:spPr>
+            <p:style>
+              <a:lnRef idx="2">
+                <a:schemeClr val="accent1"/>
+              </a:lnRef>
+              <a:fillRef idx="0">
+                <a:schemeClr val="accent1"/>
+              </a:fillRef>
+              <a:effectRef idx="1">
+                <a:schemeClr val="accent1"/>
+              </a:effectRef>
+              <a:fontRef idx="minor">
+                <a:schemeClr val="tx1"/>
+              </a:fontRef>
+            </p:style>
+          </p:cxnSp>
+          <p:sp>
+            <p:nvSpPr>
+              <p:cNvPr id="28" name="TextBox 27"/>
+              <p:cNvSpPr txBox="1"/>
+              <p:nvPr/>
+            </p:nvSpPr>
+            <p:spPr>
+              <a:xfrm>
+                <a:off x="2243881" y="3101884"/>
+                <a:ext cx="663262" cy="276999"/>
+              </a:xfrm>
+              <a:prstGeom prst="rect">
+                <a:avLst/>
+              </a:prstGeom>
+              <a:noFill/>
+            </p:spPr>
+            <p:txBody>
+              <a:bodyPr wrap="none" rtlCol="0">
+                <a:spAutoFit/>
+              </a:bodyPr>
+              <a:lstStyle/>
+              <a:p>
+                <a:r>
+                  <a:rPr lang="en-US" sz="1200" i="1" dirty="0" err="1" smtClean="0">
+                    <a:latin typeface="Times New Roman"/>
+                  </a:rPr>
+                  <a:t>u</a:t>
+                </a:r>
+                <a:r>
+                  <a:rPr lang="en-US" sz="1200" dirty="0" err="1" smtClean="0">
+                    <a:latin typeface="Times New Roman"/>
+                  </a:rPr>
+                  <a:t>(</a:t>
+                </a:r>
+                <a:r>
+                  <a:rPr lang="en-US" sz="1200" i="1" dirty="0" err="1" smtClean="0">
+                    <a:latin typeface="Times New Roman"/>
+                  </a:rPr>
+                  <a:t>nT</a:t>
+                </a:r>
+                <a:r>
+                  <a:rPr lang="en-US" sz="1200" i="1" dirty="0" smtClean="0">
+                    <a:latin typeface="Times New Roman"/>
+                  </a:rPr>
+                  <a:t>-T</a:t>
+                </a:r>
+                <a:r>
+                  <a:rPr lang="en-US" sz="1200" dirty="0" smtClean="0">
+                    <a:latin typeface="Times New Roman"/>
+                  </a:rPr>
+                  <a:t>)</a:t>
+                </a:r>
+                <a:endParaRPr lang="en-US" sz="1200" dirty="0">
+                  <a:latin typeface="Times New Roman"/>
+                </a:endParaRPr>
+              </a:p>
+            </p:txBody>
+          </p:sp>
+          <p:sp>
+            <p:nvSpPr>
+              <p:cNvPr id="29" name="TextBox 28"/>
+              <p:cNvSpPr txBox="1"/>
+              <p:nvPr/>
+            </p:nvSpPr>
+            <p:spPr>
+              <a:xfrm>
+                <a:off x="2397257" y="4736571"/>
+                <a:ext cx="503664" cy="276999"/>
+              </a:xfrm>
+              <a:prstGeom prst="rect">
+                <a:avLst/>
+              </a:prstGeom>
+              <a:noFill/>
+            </p:spPr>
+            <p:txBody>
+              <a:bodyPr wrap="none" rtlCol="0">
+                <a:spAutoFit/>
+              </a:bodyPr>
+              <a:lstStyle/>
+              <a:p>
+                <a:r>
+                  <a:rPr lang="en-US" sz="1200" i="1" dirty="0" err="1" smtClean="0">
+                    <a:latin typeface="Times New Roman"/>
+                  </a:rPr>
+                  <a:t>nT</a:t>
+                </a:r>
+                <a:r>
+                  <a:rPr lang="en-US" sz="1200" i="1" dirty="0" smtClean="0">
+                    <a:latin typeface="Times New Roman"/>
+                  </a:rPr>
+                  <a:t>-T</a:t>
+                </a:r>
+                <a:endParaRPr lang="en-US" sz="1200" dirty="0">
+                  <a:latin typeface="Times New Roman"/>
+                </a:endParaRPr>
+              </a:p>
+            </p:txBody>
+          </p:sp>
+          <p:sp>
+            <p:nvSpPr>
+              <p:cNvPr id="30" name="TextBox 29"/>
+              <p:cNvSpPr txBox="1"/>
+              <p:nvPr/>
+            </p:nvSpPr>
+            <p:spPr>
+              <a:xfrm>
+                <a:off x="3584233" y="4736571"/>
+                <a:ext cx="375423" cy="276999"/>
+              </a:xfrm>
+              <a:prstGeom prst="rect">
+                <a:avLst/>
+              </a:prstGeom>
+              <a:noFill/>
+            </p:spPr>
+            <p:txBody>
+              <a:bodyPr wrap="none" rtlCol="0">
+                <a:spAutoFit/>
+              </a:bodyPr>
+              <a:lstStyle/>
+              <a:p>
+                <a:r>
+                  <a:rPr lang="en-US" sz="1200" i="1" dirty="0" err="1" smtClean="0">
+                    <a:latin typeface="Times New Roman"/>
+                  </a:rPr>
+                  <a:t>nT</a:t>
+                </a:r>
+                <a:endParaRPr lang="en-US" sz="1200" dirty="0">
+                  <a:latin typeface="Times New Roman"/>
+                </a:endParaRPr>
+              </a:p>
+            </p:txBody>
+          </p:sp>
+          <p:sp>
+            <p:nvSpPr>
+              <p:cNvPr id="31" name="TextBox 30"/>
+              <p:cNvSpPr txBox="1"/>
+              <p:nvPr/>
+            </p:nvSpPr>
+            <p:spPr>
+              <a:xfrm>
+                <a:off x="3652002" y="2390911"/>
+                <a:ext cx="537853" cy="276999"/>
+              </a:xfrm>
+              <a:prstGeom prst="rect">
+                <a:avLst/>
+              </a:prstGeom>
+              <a:noFill/>
+            </p:spPr>
+            <p:txBody>
+              <a:bodyPr wrap="none" rtlCol="0">
+                <a:spAutoFit/>
+              </a:bodyPr>
+              <a:lstStyle/>
+              <a:p>
+                <a:r>
+                  <a:rPr lang="en-US" sz="1200" i="1" dirty="0" err="1" smtClean="0">
+                    <a:latin typeface="Times New Roman"/>
+                  </a:rPr>
+                  <a:t>u</a:t>
+                </a:r>
+                <a:r>
+                  <a:rPr lang="en-US" sz="1200" dirty="0" err="1" smtClean="0">
+                    <a:latin typeface="Times New Roman"/>
+                  </a:rPr>
+                  <a:t>(</a:t>
+                </a:r>
+                <a:r>
+                  <a:rPr lang="en-US" sz="1200" i="1" dirty="0" err="1" smtClean="0">
+                    <a:latin typeface="Times New Roman"/>
+                  </a:rPr>
+                  <a:t>nT</a:t>
+                </a:r>
+                <a:r>
+                  <a:rPr lang="en-US" sz="1200" dirty="0" smtClean="0">
+                    <a:latin typeface="Times New Roman"/>
+                  </a:rPr>
+                  <a:t>)</a:t>
+                </a:r>
+                <a:endParaRPr lang="en-US" sz="1200" dirty="0">
+                  <a:latin typeface="Times New Roman"/>
+                </a:endParaRPr>
+              </a:p>
+            </p:txBody>
+          </p:sp>
+          <p:cxnSp>
+            <p:nvCxnSpPr>
+              <p:cNvPr id="32" name="Straight Arrow Connector 31"/>
+              <p:cNvCxnSpPr/>
+              <p:nvPr/>
+            </p:nvCxnSpPr>
+            <p:spPr>
+              <a:xfrm rot="10800000" flipV="1">
+                <a:off x="3783599" y="3378882"/>
+                <a:ext cx="741981" cy="155059"/>
+              </a:xfrm>
+              <a:prstGeom prst="straightConnector1">
+                <a:avLst/>
+              </a:prstGeom>
+              <a:ln>
+                <a:tailEnd type="arrow"/>
+              </a:ln>
+            </p:spPr>
+            <p:style>
+              <a:lnRef idx="2">
+                <a:schemeClr val="accent1"/>
+              </a:lnRef>
+              <a:fillRef idx="0">
+                <a:schemeClr val="accent1"/>
+              </a:fillRef>
+              <a:effectRef idx="1">
+                <a:schemeClr val="accent1"/>
+              </a:effectRef>
+              <a:fontRef idx="minor">
+                <a:schemeClr val="tx1"/>
+              </a:fontRef>
+            </p:style>
+          </p:cxnSp>
+          <p:sp>
+            <p:nvSpPr>
+              <p:cNvPr id="33" name="TextBox 32"/>
+              <p:cNvSpPr txBox="1"/>
+              <p:nvPr/>
+            </p:nvSpPr>
+            <p:spPr>
+              <a:xfrm>
+                <a:off x="4525577" y="3009550"/>
+                <a:ext cx="1790349" cy="369332"/>
+              </a:xfrm>
+              <a:prstGeom prst="rect">
+                <a:avLst/>
+              </a:prstGeom>
+              <a:noFill/>
+            </p:spPr>
+            <p:txBody>
+              <a:bodyPr wrap="none" rtlCol="0">
+                <a:spAutoFit/>
+              </a:bodyPr>
+              <a:lstStyle/>
+              <a:p>
+                <a:r>
+                  <a:rPr lang="en-US" dirty="0" smtClean="0"/>
+                  <a:t>Area of rectangle</a:t>
+                </a:r>
+                <a:endParaRPr lang="en-US" dirty="0"/>
+              </a:p>
+            </p:txBody>
+          </p:sp>
+          <p:graphicFrame>
+            <p:nvGraphicFramePr>
+              <p:cNvPr id="34" name="Object 33"/>
+              <p:cNvGraphicFramePr>
+                <a:graphicFrameLocks noChangeAspect="1"/>
+              </p:cNvGraphicFramePr>
+              <p:nvPr/>
+            </p:nvGraphicFramePr>
+            <p:xfrm>
+              <a:off x="4752656" y="3394075"/>
+              <a:ext cx="1208088" cy="263525"/>
+            </p:xfrm>
+            <a:graphic>
+              <a:graphicData uri="http://schemas.openxmlformats.org/presentationml/2006/ole">
+                <p:oleObj spid="_x0000_s22530" name="Equation" r:id="rId3" imgW="698500" imgH="152400" progId="Equation.3">
+                  <p:embed/>
+                </p:oleObj>
+              </a:graphicData>
+            </a:graphic>
+          </p:graphicFrame>
+        </p:grpSp>
+      </p:grpSp>
+    </p:spTree>
+  </p:cSld>
+  <p:clrMapOvr>
+    <a:masterClrMapping/>
+  </p:clrMapOvr>
+</p:sld>
+</file>
+
+<file path=ppt/slides/slide5.xml><?xml version="1.0" encoding="utf-8"?>
+<p:sld xmlns:a="http://schemas.openxmlformats.org/drawingml/2006/main" xmlns:r="http://schemas.openxmlformats.org/officeDocument/2006/relationships" xmlns:mc="http://schemas.openxmlformats.org/markup-compatibility/2006" xmlns:mv="urn:schemas-microsoft-com:mac:vml" xmlns:p="http://schemas.openxmlformats.org/presentationml/2006/main" mc:Ignorable="mv" mc:PreserveAttributes="mv:*">
+  <p:cSld>
+    <p:spTree>
+      <p:nvGrpSpPr>
+        <p:cNvPr id="1" name=""/>
+        <p:cNvGrpSpPr/>
+        <p:nvPr/>
+      </p:nvGrpSpPr>
+      <p:grpSpPr>
+        <a:xfrm>
+          <a:off x="0" y="0"/>
+          <a:ext cx="0" cy="0"/>
+          <a:chOff x="0" y="0"/>
+          <a:chExt cx="0" cy="0"/>
+        </a:xfrm>
+      </p:grpSpPr>
+      <p:sp>
+        <p:nvSpPr>
+          <p:cNvPr id="2" name="Title 1"/>
+          <p:cNvSpPr>
+            <a:spLocks noGrp="1"/>
+          </p:cNvSpPr>
+          <p:nvPr>
+            <p:ph type="title"/>
+          </p:nvPr>
+        </p:nvSpPr>
+        <p:spPr/>
+        <p:txBody>
+          <a:bodyPr/>
+          <a:lstStyle/>
+          <a:p>
+            <a:r>
+              <a:rPr lang="en-US" dirty="0" smtClean="0"/>
+              <a:t>Backward Rectangular</a:t>
+            </a:r>
+            <a:endParaRPr lang="en-US" dirty="0"/>
+          </a:p>
+        </p:txBody>
+      </p:sp>
+      <p:grpSp>
+        <p:nvGrpSpPr>
+          <p:cNvPr id="68" name="Group 67"/>
+          <p:cNvGrpSpPr/>
+          <p:nvPr/>
+        </p:nvGrpSpPr>
+        <p:grpSpPr>
+          <a:xfrm>
+            <a:off x="1131265" y="2308441"/>
+            <a:ext cx="5184661" cy="2782316"/>
+            <a:chOff x="1131265" y="2308441"/>
+            <a:chExt cx="5184661" cy="2782316"/>
+          </a:xfrm>
+        </p:grpSpPr>
+        <p:sp>
+          <p:nvSpPr>
+            <p:cNvPr id="36" name="Rectangle 35"/>
+            <p:cNvSpPr/>
+            <p:nvPr/>
+          </p:nvSpPr>
+          <p:spPr>
+            <a:xfrm>
+              <a:off x="2672036" y="2718331"/>
+              <a:ext cx="1109970" cy="2046723"/>
+            </a:xfrm>
+            <a:prstGeom prst="rect">
+              <a:avLst/>
+            </a:prstGeom>
+            <a:solidFill>
+              <a:schemeClr val="accent1"/>
+            </a:solidFill>
+          </p:spPr>
+          <p:style>
+            <a:lnRef idx="1">
+              <a:schemeClr val="accent1"/>
+            </a:lnRef>
+            <a:fillRef idx="3">
+              <a:schemeClr val="accent1"/>
+            </a:fillRef>
+            <a:effectRef idx="2">
+              <a:schemeClr val="accent1"/>
+            </a:effectRef>
+            <a:fontRef idx="minor">
+              <a:schemeClr val="lt1"/>
+            </a:fontRef>
+          </p:style>
+          <p:txBody>
+            <a:bodyPr rtlCol="0" anchor="ctr"/>
+            <a:lstStyle/>
+            <a:p>
+              <a:pPr algn="ctr"/>
+              <a:endParaRPr lang="en-US"/>
+            </a:p>
+          </p:txBody>
+        </p:sp>
+        <p:grpSp>
+          <p:nvGrpSpPr>
+            <p:cNvPr id="37" name="Group 36"/>
+            <p:cNvGrpSpPr/>
+            <p:nvPr/>
+          </p:nvGrpSpPr>
+          <p:grpSpPr>
+            <a:xfrm>
+              <a:off x="1131265" y="2308441"/>
+              <a:ext cx="5184661" cy="2782316"/>
+              <a:chOff x="1131265" y="2308441"/>
+              <a:chExt cx="5184661" cy="2782316"/>
+            </a:xfrm>
+          </p:grpSpPr>
+          <p:cxnSp>
+            <p:nvCxnSpPr>
+              <p:cNvPr id="38" name="Straight Arrow Connector 37"/>
+              <p:cNvCxnSpPr/>
+              <p:nvPr/>
+            </p:nvCxnSpPr>
+            <p:spPr>
+              <a:xfrm rot="16200000" flipV="1">
+                <a:off x="360877" y="3632898"/>
+                <a:ext cx="2605896" cy="16495"/>
+              </a:xfrm>
+              <a:prstGeom prst="straightConnector1">
+                <a:avLst/>
+              </a:prstGeom>
+              <a:ln>
+                <a:tailEnd type="arrow"/>
+              </a:ln>
+            </p:spPr>
+            <p:style>
+              <a:lnRef idx="2">
+                <a:schemeClr val="accent1"/>
+              </a:lnRef>
+              <a:fillRef idx="0">
+                <a:schemeClr val="accent1"/>
+              </a:fillRef>
+              <a:effectRef idx="1">
+                <a:schemeClr val="accent1"/>
+              </a:effectRef>
+              <a:fontRef idx="minor">
+                <a:schemeClr val="tx1"/>
+              </a:fontRef>
+            </p:style>
+          </p:cxnSp>
+          <p:sp>
+            <p:nvSpPr>
+              <p:cNvPr id="39" name="TextBox 38"/>
+              <p:cNvSpPr txBox="1"/>
+              <p:nvPr/>
+            </p:nvSpPr>
+            <p:spPr>
+              <a:xfrm>
+                <a:off x="1131265" y="2308441"/>
+                <a:ext cx="536654" cy="369332"/>
+              </a:xfrm>
+              <a:prstGeom prst="rect">
+                <a:avLst/>
+              </a:prstGeom>
+              <a:noFill/>
+            </p:spPr>
+            <p:txBody>
+              <a:bodyPr wrap="none" rtlCol="0">
+                <a:spAutoFit/>
+              </a:bodyPr>
+              <a:lstStyle/>
+              <a:p>
+                <a:r>
+                  <a:rPr lang="en-US" i="1" dirty="0" err="1" smtClean="0">
+                    <a:latin typeface="Times New Roman"/>
+                  </a:rPr>
+                  <a:t>u</a:t>
+                </a:r>
+                <a:r>
+                  <a:rPr lang="en-US" dirty="0" err="1" smtClean="0">
+                    <a:latin typeface="Times New Roman"/>
+                  </a:rPr>
+                  <a:t>(</a:t>
+                </a:r>
+                <a:r>
+                  <a:rPr lang="en-US" i="1" dirty="0" err="1" smtClean="0">
+                    <a:latin typeface="Times New Roman"/>
+                  </a:rPr>
+                  <a:t>t</a:t>
+                </a:r>
+                <a:r>
+                  <a:rPr lang="en-US" dirty="0" smtClean="0">
+                    <a:latin typeface="Times New Roman"/>
+                  </a:rPr>
+                  <a:t>)</a:t>
+                </a:r>
+                <a:endParaRPr lang="en-US" dirty="0">
+                  <a:latin typeface="Times New Roman"/>
+                </a:endParaRPr>
+              </a:p>
+            </p:txBody>
+          </p:sp>
+          <p:sp>
+            <p:nvSpPr>
+              <p:cNvPr id="40" name="TextBox 39"/>
+              <p:cNvSpPr txBox="1"/>
+              <p:nvPr/>
+            </p:nvSpPr>
+            <p:spPr>
+              <a:xfrm>
+                <a:off x="5134610" y="4721425"/>
+                <a:ext cx="267500" cy="369332"/>
+              </a:xfrm>
+              <a:prstGeom prst="rect">
+                <a:avLst/>
+              </a:prstGeom>
+              <a:noFill/>
+            </p:spPr>
+            <p:txBody>
+              <a:bodyPr wrap="none" rtlCol="0">
+                <a:spAutoFit/>
+              </a:bodyPr>
+              <a:lstStyle/>
+              <a:p>
+                <a:r>
+                  <a:rPr lang="en-US" i="1" dirty="0" err="1" smtClean="0">
+                    <a:latin typeface="Times New Roman"/>
+                  </a:rPr>
+                  <a:t>t</a:t>
+                </a:r>
+                <a:endParaRPr lang="en-US" dirty="0">
+                  <a:latin typeface="Times New Roman"/>
+                </a:endParaRPr>
+              </a:p>
+            </p:txBody>
+          </p:sp>
+          <p:cxnSp>
+            <p:nvCxnSpPr>
+              <p:cNvPr id="41" name="Straight Connector 40"/>
+              <p:cNvCxnSpPr/>
+              <p:nvPr/>
+            </p:nvCxnSpPr>
+            <p:spPr>
+              <a:xfrm rot="5400000" flipH="1" flipV="1">
+                <a:off x="3630302" y="4610967"/>
+                <a:ext cx="181423" cy="121985"/>
+              </a:xfrm>
+              <a:prstGeom prst="line">
+                <a:avLst/>
+              </a:prstGeom>
+              <a:ln>
+                <a:solidFill>
+                  <a:schemeClr val="accent6"/>
+                </a:solidFill>
+              </a:ln>
+              <a:effectLst/>
+            </p:spPr>
+            <p:style>
+              <a:lnRef idx="2">
+                <a:schemeClr val="accent1"/>
+              </a:lnRef>
+              <a:fillRef idx="0">
+                <a:schemeClr val="accent1"/>
+              </a:fillRef>
+              <a:effectRef idx="1">
+                <a:schemeClr val="accent1"/>
+              </a:effectRef>
+              <a:fontRef idx="minor">
+                <a:schemeClr val="tx1"/>
+              </a:fontRef>
+            </p:style>
+          </p:cxnSp>
+          <p:cxnSp>
+            <p:nvCxnSpPr>
+              <p:cNvPr id="42" name="Straight Connector 41"/>
+              <p:cNvCxnSpPr/>
+              <p:nvPr/>
+            </p:nvCxnSpPr>
+            <p:spPr>
+              <a:xfrm rot="5400000" flipH="1" flipV="1">
+                <a:off x="3485202" y="4465867"/>
+                <a:ext cx="346353" cy="247255"/>
+              </a:xfrm>
+              <a:prstGeom prst="line">
+                <a:avLst/>
+              </a:prstGeom>
+              <a:ln>
+                <a:solidFill>
+                  <a:schemeClr val="accent6"/>
+                </a:solidFill>
+              </a:ln>
+              <a:effectLst/>
+            </p:spPr>
+            <p:style>
+              <a:lnRef idx="2">
+                <a:schemeClr val="accent1"/>
+              </a:lnRef>
+              <a:fillRef idx="0">
+                <a:schemeClr val="accent1"/>
+              </a:fillRef>
+              <a:effectRef idx="1">
+                <a:schemeClr val="accent1"/>
+              </a:effectRef>
+              <a:fontRef idx="minor">
+                <a:schemeClr val="tx1"/>
+              </a:fontRef>
+            </p:style>
+          </p:cxnSp>
+          <p:cxnSp>
+            <p:nvCxnSpPr>
+              <p:cNvPr id="43" name="Straight Connector 42"/>
+              <p:cNvCxnSpPr/>
+              <p:nvPr/>
+            </p:nvCxnSpPr>
+            <p:spPr>
+              <a:xfrm rot="5400000" flipH="1" flipV="1">
+                <a:off x="3349710" y="4330375"/>
+                <a:ext cx="503036" cy="361555"/>
+              </a:xfrm>
+              <a:prstGeom prst="line">
+                <a:avLst/>
+              </a:prstGeom>
+              <a:ln>
+                <a:solidFill>
+                  <a:schemeClr val="accent6"/>
+                </a:solidFill>
+              </a:ln>
+              <a:effectLst/>
+            </p:spPr>
+            <p:style>
+              <a:lnRef idx="2">
+                <a:schemeClr val="accent1"/>
+              </a:lnRef>
+              <a:fillRef idx="0">
+                <a:schemeClr val="accent1"/>
+              </a:fillRef>
+              <a:effectRef idx="1">
+                <a:schemeClr val="accent1"/>
+              </a:effectRef>
+              <a:fontRef idx="minor">
+                <a:schemeClr val="tx1"/>
+              </a:fontRef>
+            </p:style>
+          </p:cxnSp>
+          <p:cxnSp>
+            <p:nvCxnSpPr>
+              <p:cNvPr id="44" name="Straight Connector 43"/>
+              <p:cNvCxnSpPr/>
+              <p:nvPr/>
+            </p:nvCxnSpPr>
+            <p:spPr>
+              <a:xfrm rot="5400000" flipH="1" flipV="1">
+                <a:off x="3211171" y="4190245"/>
+                <a:ext cx="659720" cy="485131"/>
+              </a:xfrm>
+              <a:prstGeom prst="line">
+                <a:avLst/>
+              </a:prstGeom>
+              <a:ln>
+                <a:solidFill>
+                  <a:schemeClr val="accent6"/>
+                </a:solidFill>
+              </a:ln>
+              <a:effectLst/>
+            </p:spPr>
+            <p:style>
+              <a:lnRef idx="2">
+                <a:schemeClr val="accent1"/>
+              </a:lnRef>
+              <a:fillRef idx="0">
+                <a:schemeClr val="accent1"/>
+              </a:fillRef>
+              <a:effectRef idx="1">
+                <a:schemeClr val="accent1"/>
+              </a:effectRef>
+              <a:fontRef idx="minor">
+                <a:schemeClr val="tx1"/>
+              </a:fontRef>
+            </p:style>
+          </p:cxnSp>
+          <p:cxnSp>
+            <p:nvCxnSpPr>
+              <p:cNvPr id="45" name="Straight Connector 44"/>
+              <p:cNvCxnSpPr/>
+              <p:nvPr/>
+            </p:nvCxnSpPr>
+            <p:spPr>
+              <a:xfrm rot="5400000" flipH="1" flipV="1">
+                <a:off x="3070554" y="4053598"/>
+                <a:ext cx="818785" cy="604123"/>
+              </a:xfrm>
+              <a:prstGeom prst="line">
+                <a:avLst/>
+              </a:prstGeom>
+              <a:ln>
+                <a:solidFill>
+                  <a:schemeClr val="accent6"/>
+                </a:solidFill>
+              </a:ln>
+              <a:effectLst/>
+            </p:spPr>
+            <p:style>
+              <a:lnRef idx="2">
+                <a:schemeClr val="accent1"/>
+              </a:lnRef>
+              <a:fillRef idx="0">
+                <a:schemeClr val="accent1"/>
+              </a:fillRef>
+              <a:effectRef idx="1">
+                <a:schemeClr val="accent1"/>
+              </a:effectRef>
+              <a:fontRef idx="minor">
+                <a:schemeClr val="tx1"/>
+              </a:fontRef>
+            </p:style>
+          </p:cxnSp>
+          <p:cxnSp>
+            <p:nvCxnSpPr>
+              <p:cNvPr id="46" name="Straight Connector 45"/>
+              <p:cNvCxnSpPr/>
+              <p:nvPr/>
+            </p:nvCxnSpPr>
+            <p:spPr>
+              <a:xfrm rot="5400000" flipH="1" flipV="1">
+                <a:off x="2923765" y="3905224"/>
+                <a:ext cx="991963" cy="727697"/>
+              </a:xfrm>
+              <a:prstGeom prst="line">
+                <a:avLst/>
+              </a:prstGeom>
+              <a:ln>
+                <a:solidFill>
+                  <a:schemeClr val="accent6"/>
+                </a:solidFill>
+              </a:ln>
+              <a:effectLst/>
+            </p:spPr>
+            <p:style>
+              <a:lnRef idx="2">
+                <a:schemeClr val="accent1"/>
+              </a:lnRef>
+              <a:fillRef idx="0">
+                <a:schemeClr val="accent1"/>
+              </a:fillRef>
+              <a:effectRef idx="1">
+                <a:schemeClr val="accent1"/>
+              </a:effectRef>
+              <a:fontRef idx="minor">
+                <a:schemeClr val="tx1"/>
+              </a:fontRef>
+            </p:style>
+          </p:cxnSp>
+          <p:cxnSp>
+            <p:nvCxnSpPr>
+              <p:cNvPr id="47" name="Straight Connector 46"/>
+              <p:cNvCxnSpPr/>
+              <p:nvPr/>
+            </p:nvCxnSpPr>
+            <p:spPr>
+              <a:xfrm rot="5400000" flipH="1" flipV="1">
+                <a:off x="2792677" y="3774133"/>
+                <a:ext cx="1132154" cy="849686"/>
+              </a:xfrm>
+              <a:prstGeom prst="line">
+                <a:avLst/>
+              </a:prstGeom>
+              <a:ln>
+                <a:solidFill>
+                  <a:schemeClr val="accent6"/>
+                </a:solidFill>
+              </a:ln>
+              <a:effectLst/>
+            </p:spPr>
+            <p:style>
+              <a:lnRef idx="2">
+                <a:schemeClr val="accent1"/>
+              </a:lnRef>
+              <a:fillRef idx="0">
+                <a:schemeClr val="accent1"/>
+              </a:fillRef>
+              <a:effectRef idx="1">
+                <a:schemeClr val="accent1"/>
+              </a:effectRef>
+              <a:fontRef idx="minor">
+                <a:schemeClr val="tx1"/>
+              </a:fontRef>
+            </p:style>
+          </p:cxnSp>
+          <p:cxnSp>
+            <p:nvCxnSpPr>
+              <p:cNvPr id="48" name="Straight Connector 47"/>
+              <p:cNvCxnSpPr/>
+              <p:nvPr/>
+            </p:nvCxnSpPr>
+            <p:spPr>
+              <a:xfrm rot="5400000" flipH="1" flipV="1">
+                <a:off x="2620356" y="3601815"/>
+                <a:ext cx="1354807" cy="971671"/>
+              </a:xfrm>
+              <a:prstGeom prst="line">
+                <a:avLst/>
+              </a:prstGeom>
+              <a:ln>
+                <a:solidFill>
+                  <a:schemeClr val="accent6"/>
+                </a:solidFill>
+              </a:ln>
+              <a:effectLst/>
+            </p:spPr>
+            <p:style>
+              <a:lnRef idx="2">
+                <a:schemeClr val="accent1"/>
+              </a:lnRef>
+              <a:fillRef idx="0">
+                <a:schemeClr val="accent1"/>
+              </a:fillRef>
+              <a:effectRef idx="1">
+                <a:schemeClr val="accent1"/>
+              </a:effectRef>
+              <a:fontRef idx="minor">
+                <a:schemeClr val="tx1"/>
+              </a:fontRef>
+            </p:style>
+          </p:cxnSp>
+          <p:cxnSp>
+            <p:nvCxnSpPr>
+              <p:cNvPr id="49" name="Straight Connector 48"/>
+              <p:cNvCxnSpPr/>
+              <p:nvPr/>
+            </p:nvCxnSpPr>
+            <p:spPr>
+              <a:xfrm rot="5400000" flipH="1" flipV="1">
+                <a:off x="2464527" y="3445985"/>
+                <a:ext cx="1544479" cy="1093658"/>
+              </a:xfrm>
+              <a:prstGeom prst="line">
+                <a:avLst/>
+              </a:prstGeom>
+              <a:ln>
+                <a:solidFill>
+                  <a:schemeClr val="accent6"/>
+                </a:solidFill>
+              </a:ln>
+              <a:effectLst/>
+            </p:spPr>
+            <p:style>
+              <a:lnRef idx="2">
+                <a:schemeClr val="accent1"/>
+              </a:lnRef>
+              <a:fillRef idx="0">
+                <a:schemeClr val="accent1"/>
+              </a:fillRef>
+              <a:effectRef idx="1">
+                <a:schemeClr val="accent1"/>
+              </a:effectRef>
+              <a:fontRef idx="minor">
+                <a:schemeClr val="tx1"/>
+              </a:fontRef>
+            </p:style>
+          </p:cxnSp>
+          <p:cxnSp>
+            <p:nvCxnSpPr>
+              <p:cNvPr id="50" name="Straight Connector 49"/>
+              <p:cNvCxnSpPr/>
+              <p:nvPr/>
+            </p:nvCxnSpPr>
+            <p:spPr>
+              <a:xfrm rot="5400000" flipH="1" flipV="1">
+                <a:off x="2465719" y="3263372"/>
+                <a:ext cx="1542096" cy="1093657"/>
+              </a:xfrm>
+              <a:prstGeom prst="line">
+                <a:avLst/>
+              </a:prstGeom>
+              <a:ln>
+                <a:solidFill>
+                  <a:schemeClr val="accent6"/>
+                </a:solidFill>
+              </a:ln>
+              <a:effectLst/>
+            </p:spPr>
+            <p:style>
+              <a:lnRef idx="2">
+                <a:schemeClr val="accent1"/>
+              </a:lnRef>
+              <a:fillRef idx="0">
+                <a:schemeClr val="accent1"/>
+              </a:fillRef>
+              <a:effectRef idx="1">
+                <a:schemeClr val="accent1"/>
+              </a:effectRef>
+              <a:fontRef idx="minor">
+                <a:schemeClr val="tx1"/>
+              </a:fontRef>
+            </p:style>
+          </p:cxnSp>
+          <p:cxnSp>
+            <p:nvCxnSpPr>
+              <p:cNvPr id="51" name="Straight Connector 50"/>
+              <p:cNvCxnSpPr/>
+              <p:nvPr/>
+            </p:nvCxnSpPr>
+            <p:spPr>
+              <a:xfrm rot="5400000" flipH="1" flipV="1">
+                <a:off x="2457165" y="3089889"/>
+                <a:ext cx="1542097" cy="1110763"/>
+              </a:xfrm>
+              <a:prstGeom prst="line">
+                <a:avLst/>
+              </a:prstGeom>
+              <a:ln>
+                <a:solidFill>
+                  <a:schemeClr val="accent6"/>
+                </a:solidFill>
+              </a:ln>
+              <a:effectLst/>
+            </p:spPr>
+            <p:style>
+              <a:lnRef idx="2">
+                <a:schemeClr val="accent1"/>
+              </a:lnRef>
+              <a:fillRef idx="0">
+                <a:schemeClr val="accent1"/>
+              </a:fillRef>
+              <a:effectRef idx="1">
+                <a:schemeClr val="accent1"/>
+              </a:effectRef>
+              <a:fontRef idx="minor">
+                <a:schemeClr val="tx1"/>
+              </a:fontRef>
+            </p:style>
+          </p:cxnSp>
+          <p:cxnSp>
+            <p:nvCxnSpPr>
+              <p:cNvPr id="52" name="Straight Connector 51"/>
+              <p:cNvCxnSpPr/>
+              <p:nvPr/>
+            </p:nvCxnSpPr>
+            <p:spPr>
+              <a:xfrm rot="5400000" flipH="1" flipV="1">
+                <a:off x="2456370" y="2933998"/>
+                <a:ext cx="1541303" cy="1109970"/>
+              </a:xfrm>
+              <a:prstGeom prst="line">
+                <a:avLst/>
+              </a:prstGeom>
+              <a:ln>
+                <a:solidFill>
+                  <a:schemeClr val="accent6"/>
+                </a:solidFill>
+              </a:ln>
+              <a:effectLst/>
+            </p:spPr>
+            <p:style>
+              <a:lnRef idx="2">
+                <a:schemeClr val="accent1"/>
+              </a:lnRef>
+              <a:fillRef idx="0">
+                <a:schemeClr val="accent1"/>
+              </a:fillRef>
+              <a:effectRef idx="1">
+                <a:schemeClr val="accent1"/>
+              </a:effectRef>
+              <a:fontRef idx="minor">
+                <a:schemeClr val="tx1"/>
+              </a:fontRef>
+            </p:style>
+          </p:cxnSp>
+          <p:cxnSp>
+            <p:nvCxnSpPr>
+              <p:cNvPr id="53" name="Straight Connector 52"/>
+              <p:cNvCxnSpPr/>
+              <p:nvPr/>
+            </p:nvCxnSpPr>
+            <p:spPr>
+              <a:xfrm rot="5400000" flipH="1" flipV="1">
+                <a:off x="2489029" y="3057229"/>
+                <a:ext cx="1228729" cy="862715"/>
+              </a:xfrm>
+              <a:prstGeom prst="line">
+                <a:avLst/>
+              </a:prstGeom>
+              <a:ln>
+                <a:solidFill>
+                  <a:schemeClr val="accent6"/>
+                </a:solidFill>
+              </a:ln>
+              <a:effectLst/>
+            </p:spPr>
+            <p:style>
+              <a:lnRef idx="2">
+                <a:schemeClr val="accent1"/>
+              </a:lnRef>
+              <a:fillRef idx="0">
+                <a:schemeClr val="accent1"/>
+              </a:fillRef>
+              <a:effectRef idx="1">
+                <a:schemeClr val="accent1"/>
+              </a:effectRef>
+              <a:fontRef idx="minor">
+                <a:schemeClr val="tx1"/>
+              </a:fontRef>
+            </p:style>
+          </p:cxnSp>
+          <p:cxnSp>
+            <p:nvCxnSpPr>
+              <p:cNvPr id="54" name="Straight Connector 53"/>
+              <p:cNvCxnSpPr/>
+              <p:nvPr/>
+            </p:nvCxnSpPr>
+            <p:spPr>
+              <a:xfrm rot="5400000" flipH="1" flipV="1">
+                <a:off x="2579067" y="3313544"/>
+                <a:ext cx="569803" cy="383864"/>
+              </a:xfrm>
+              <a:prstGeom prst="line">
+                <a:avLst/>
+              </a:prstGeom>
+              <a:ln>
+                <a:solidFill>
+                  <a:schemeClr val="accent6"/>
+                </a:solidFill>
+              </a:ln>
+              <a:effectLst/>
+            </p:spPr>
+            <p:style>
+              <a:lnRef idx="2">
+                <a:schemeClr val="accent1"/>
+              </a:lnRef>
+              <a:fillRef idx="0">
+                <a:schemeClr val="accent1"/>
+              </a:fillRef>
+              <a:effectRef idx="1">
+                <a:schemeClr val="accent1"/>
+              </a:effectRef>
+              <a:fontRef idx="minor">
+                <a:schemeClr val="tx1"/>
+              </a:fontRef>
+            </p:style>
+          </p:cxnSp>
+          <p:cxnSp>
+            <p:nvCxnSpPr>
+              <p:cNvPr id="55" name="Straight Connector 54"/>
+              <p:cNvCxnSpPr/>
+              <p:nvPr/>
+            </p:nvCxnSpPr>
+            <p:spPr>
+              <a:xfrm rot="5400000" flipH="1" flipV="1">
+                <a:off x="2528122" y="3032546"/>
+                <a:ext cx="1072046" cy="748413"/>
+              </a:xfrm>
+              <a:prstGeom prst="line">
+                <a:avLst/>
+              </a:prstGeom>
+              <a:ln>
+                <a:solidFill>
+                  <a:schemeClr val="accent6"/>
+                </a:solidFill>
+              </a:ln>
+              <a:effectLst/>
+            </p:spPr>
+            <p:style>
+              <a:lnRef idx="2">
+                <a:schemeClr val="accent1"/>
+              </a:lnRef>
+              <a:fillRef idx="0">
+                <a:schemeClr val="accent1"/>
+              </a:fillRef>
+              <a:effectRef idx="1">
+                <a:schemeClr val="accent1"/>
+              </a:effectRef>
+              <a:fontRef idx="minor">
+                <a:schemeClr val="tx1"/>
+              </a:fontRef>
+            </p:style>
+          </p:cxnSp>
+          <p:cxnSp>
+            <p:nvCxnSpPr>
+              <p:cNvPr id="56" name="Straight Connector 55"/>
+              <p:cNvCxnSpPr/>
+              <p:nvPr/>
+            </p:nvCxnSpPr>
+            <p:spPr>
+              <a:xfrm rot="5400000" flipH="1" flipV="1">
+                <a:off x="2622408" y="3459874"/>
+                <a:ext cx="239146" cy="139890"/>
+              </a:xfrm>
+              <a:prstGeom prst="line">
+                <a:avLst/>
+              </a:prstGeom>
+              <a:ln>
+                <a:solidFill>
+                  <a:schemeClr val="accent6"/>
+                </a:solidFill>
+              </a:ln>
+              <a:effectLst/>
+            </p:spPr>
+            <p:style>
+              <a:lnRef idx="2">
+                <a:schemeClr val="accent1"/>
+              </a:lnRef>
+              <a:fillRef idx="0">
+                <a:schemeClr val="accent1"/>
+              </a:fillRef>
+              <a:effectRef idx="1">
+                <a:schemeClr val="accent1"/>
+              </a:effectRef>
+              <a:fontRef idx="minor">
+                <a:schemeClr val="tx1"/>
+              </a:fontRef>
+            </p:style>
+          </p:cxnSp>
+          <p:cxnSp>
+            <p:nvCxnSpPr>
+              <p:cNvPr id="57" name="Curved Connector 56"/>
+              <p:cNvCxnSpPr/>
+              <p:nvPr/>
+            </p:nvCxnSpPr>
+            <p:spPr>
+              <a:xfrm flipV="1">
+                <a:off x="1655577" y="2577346"/>
+                <a:ext cx="3359673" cy="956595"/>
+              </a:xfrm>
+              <a:prstGeom prst="curvedConnector3">
+                <a:avLst>
+                  <a:gd name="adj1" fmla="val 46072"/>
+                </a:avLst>
+              </a:prstGeom>
+            </p:spPr>
+            <p:style>
+              <a:lnRef idx="2">
+                <a:schemeClr val="accent1"/>
+              </a:lnRef>
+              <a:fillRef idx="0">
+                <a:schemeClr val="accent1"/>
+              </a:fillRef>
+              <a:effectRef idx="1">
+                <a:schemeClr val="accent1"/>
+              </a:effectRef>
+              <a:fontRef idx="minor">
+                <a:schemeClr val="tx1"/>
+              </a:fontRef>
+            </p:style>
+          </p:cxnSp>
+          <p:cxnSp>
+            <p:nvCxnSpPr>
+              <p:cNvPr id="58" name="Straight Connector 57"/>
+              <p:cNvCxnSpPr/>
+              <p:nvPr/>
+            </p:nvCxnSpPr>
+            <p:spPr>
+              <a:xfrm rot="5400000" flipH="1" flipV="1">
+                <a:off x="2760234" y="3740104"/>
+                <a:ext cx="2045133" cy="1588"/>
+              </a:xfrm>
+              <a:prstGeom prst="line">
+                <a:avLst/>
+              </a:prstGeom>
+            </p:spPr>
+            <p:style>
+              <a:lnRef idx="2">
+                <a:schemeClr val="accent1"/>
+              </a:lnRef>
+              <a:fillRef idx="0">
+                <a:schemeClr val="accent1"/>
+              </a:fillRef>
+              <a:effectRef idx="1">
+                <a:schemeClr val="accent1"/>
+              </a:effectRef>
+              <a:fontRef idx="minor">
+                <a:schemeClr val="tx1"/>
+              </a:fontRef>
+            </p:style>
+          </p:cxnSp>
+          <p:cxnSp>
+            <p:nvCxnSpPr>
+              <p:cNvPr id="59" name="Straight Connector 58"/>
+              <p:cNvCxnSpPr/>
+              <p:nvPr/>
+            </p:nvCxnSpPr>
+            <p:spPr>
+              <a:xfrm rot="16200000" flipH="1">
+                <a:off x="1994636" y="4087648"/>
+                <a:ext cx="1354804" cy="1"/>
+              </a:xfrm>
+              <a:prstGeom prst="line">
+                <a:avLst/>
+              </a:prstGeom>
+            </p:spPr>
+            <p:style>
+              <a:lnRef idx="2">
+                <a:schemeClr val="accent1"/>
+              </a:lnRef>
+              <a:fillRef idx="0">
+                <a:schemeClr val="accent1"/>
+              </a:fillRef>
+              <a:effectRef idx="1">
+                <a:schemeClr val="accent1"/>
+              </a:effectRef>
+              <a:fontRef idx="minor">
+                <a:schemeClr val="tx1"/>
+              </a:fontRef>
+            </p:style>
+          </p:cxnSp>
+          <p:cxnSp>
+            <p:nvCxnSpPr>
+              <p:cNvPr id="60" name="Straight Arrow Connector 59"/>
+              <p:cNvCxnSpPr/>
+              <p:nvPr/>
+            </p:nvCxnSpPr>
+            <p:spPr>
+              <a:xfrm>
+                <a:off x="1449399" y="4762670"/>
+                <a:ext cx="3907301" cy="1588"/>
+              </a:xfrm>
+              <a:prstGeom prst="straightConnector1">
+                <a:avLst/>
+              </a:prstGeom>
+              <a:ln>
+                <a:tailEnd type="arrow"/>
+              </a:ln>
+            </p:spPr>
+            <p:style>
+              <a:lnRef idx="2">
+                <a:schemeClr val="accent1"/>
+              </a:lnRef>
+              <a:fillRef idx="0">
+                <a:schemeClr val="accent1"/>
+              </a:fillRef>
+              <a:effectRef idx="1">
+                <a:schemeClr val="accent1"/>
+              </a:effectRef>
+              <a:fontRef idx="minor">
+                <a:schemeClr val="tx1"/>
+              </a:fontRef>
+            </p:style>
+          </p:cxnSp>
+          <p:sp>
+            <p:nvSpPr>
+              <p:cNvPr id="61" name="TextBox 60"/>
+              <p:cNvSpPr txBox="1"/>
+              <p:nvPr/>
+            </p:nvSpPr>
+            <p:spPr>
+              <a:xfrm>
+                <a:off x="2243881" y="3101884"/>
+                <a:ext cx="663262" cy="276999"/>
+              </a:xfrm>
+              <a:prstGeom prst="rect">
+                <a:avLst/>
+              </a:prstGeom>
+              <a:noFill/>
+            </p:spPr>
+            <p:txBody>
+              <a:bodyPr wrap="none" rtlCol="0">
+                <a:spAutoFit/>
+              </a:bodyPr>
+              <a:lstStyle/>
+              <a:p>
+                <a:r>
+                  <a:rPr lang="en-US" sz="1200" i="1" dirty="0" err="1" smtClean="0">
+                    <a:latin typeface="Times New Roman"/>
+                  </a:rPr>
+                  <a:t>u</a:t>
+                </a:r>
+                <a:r>
+                  <a:rPr lang="en-US" sz="1200" dirty="0" err="1" smtClean="0">
+                    <a:latin typeface="Times New Roman"/>
+                  </a:rPr>
+                  <a:t>(</a:t>
+                </a:r>
+                <a:r>
+                  <a:rPr lang="en-US" sz="1200" i="1" dirty="0" err="1" smtClean="0">
+                    <a:latin typeface="Times New Roman"/>
+                  </a:rPr>
+                  <a:t>nT</a:t>
+                </a:r>
+                <a:r>
+                  <a:rPr lang="en-US" sz="1200" i="1" dirty="0" smtClean="0">
+                    <a:latin typeface="Times New Roman"/>
+                  </a:rPr>
+                  <a:t>-T</a:t>
+                </a:r>
+                <a:r>
+                  <a:rPr lang="en-US" sz="1200" dirty="0" smtClean="0">
+                    <a:latin typeface="Times New Roman"/>
+                  </a:rPr>
+                  <a:t>)</a:t>
+                </a:r>
+                <a:endParaRPr lang="en-US" sz="1200" dirty="0">
+                  <a:latin typeface="Times New Roman"/>
+                </a:endParaRPr>
+              </a:p>
+            </p:txBody>
+          </p:sp>
+          <p:sp>
+            <p:nvSpPr>
+              <p:cNvPr id="62" name="TextBox 61"/>
+              <p:cNvSpPr txBox="1"/>
+              <p:nvPr/>
+            </p:nvSpPr>
+            <p:spPr>
+              <a:xfrm>
+                <a:off x="2397257" y="4736571"/>
+                <a:ext cx="503664" cy="276999"/>
+              </a:xfrm>
+              <a:prstGeom prst="rect">
+                <a:avLst/>
+              </a:prstGeom>
+              <a:noFill/>
+            </p:spPr>
+            <p:txBody>
+              <a:bodyPr wrap="none" rtlCol="0">
+                <a:spAutoFit/>
+              </a:bodyPr>
+              <a:lstStyle/>
+              <a:p>
+                <a:r>
+                  <a:rPr lang="en-US" sz="1200" i="1" dirty="0" err="1" smtClean="0">
+                    <a:latin typeface="Times New Roman"/>
+                  </a:rPr>
+                  <a:t>nT</a:t>
+                </a:r>
+                <a:r>
+                  <a:rPr lang="en-US" sz="1200" i="1" dirty="0" smtClean="0">
+                    <a:latin typeface="Times New Roman"/>
+                  </a:rPr>
+                  <a:t>-T</a:t>
+                </a:r>
+                <a:endParaRPr lang="en-US" sz="1200" dirty="0">
+                  <a:latin typeface="Times New Roman"/>
+                </a:endParaRPr>
+              </a:p>
+            </p:txBody>
+          </p:sp>
+          <p:sp>
+            <p:nvSpPr>
+              <p:cNvPr id="63" name="TextBox 62"/>
+              <p:cNvSpPr txBox="1"/>
+              <p:nvPr/>
+            </p:nvSpPr>
+            <p:spPr>
+              <a:xfrm>
+                <a:off x="3584233" y="4736571"/>
+                <a:ext cx="375423" cy="276999"/>
+              </a:xfrm>
+              <a:prstGeom prst="rect">
+                <a:avLst/>
+              </a:prstGeom>
+              <a:noFill/>
+            </p:spPr>
+            <p:txBody>
+              <a:bodyPr wrap="none" rtlCol="0">
+                <a:spAutoFit/>
+              </a:bodyPr>
+              <a:lstStyle/>
+              <a:p>
+                <a:r>
+                  <a:rPr lang="en-US" sz="1200" i="1" dirty="0" err="1" smtClean="0">
+                    <a:latin typeface="Times New Roman"/>
+                  </a:rPr>
+                  <a:t>nT</a:t>
+                </a:r>
+                <a:endParaRPr lang="en-US" sz="1200" dirty="0">
+                  <a:latin typeface="Times New Roman"/>
+                </a:endParaRPr>
+              </a:p>
+            </p:txBody>
+          </p:sp>
+          <p:sp>
+            <p:nvSpPr>
+              <p:cNvPr id="64" name="TextBox 63"/>
+              <p:cNvSpPr txBox="1"/>
+              <p:nvPr/>
+            </p:nvSpPr>
+            <p:spPr>
+              <a:xfrm>
+                <a:off x="3652002" y="2390911"/>
+                <a:ext cx="537853" cy="276999"/>
+              </a:xfrm>
+              <a:prstGeom prst="rect">
+                <a:avLst/>
+              </a:prstGeom>
+              <a:noFill/>
+            </p:spPr>
+            <p:txBody>
+              <a:bodyPr wrap="none" rtlCol="0">
+                <a:spAutoFit/>
+              </a:bodyPr>
+              <a:lstStyle/>
+              <a:p>
+                <a:r>
+                  <a:rPr lang="en-US" sz="1200" i="1" dirty="0" err="1" smtClean="0">
+                    <a:latin typeface="Times New Roman"/>
+                  </a:rPr>
+                  <a:t>u</a:t>
+                </a:r>
+                <a:r>
+                  <a:rPr lang="en-US" sz="1200" dirty="0" err="1" smtClean="0">
+                    <a:latin typeface="Times New Roman"/>
+                  </a:rPr>
+                  <a:t>(</a:t>
+                </a:r>
+                <a:r>
+                  <a:rPr lang="en-US" sz="1200" i="1" dirty="0" err="1" smtClean="0">
+                    <a:latin typeface="Times New Roman"/>
+                  </a:rPr>
+                  <a:t>nT</a:t>
+                </a:r>
+                <a:r>
+                  <a:rPr lang="en-US" sz="1200" dirty="0" smtClean="0">
+                    <a:latin typeface="Times New Roman"/>
+                  </a:rPr>
+                  <a:t>)</a:t>
+                </a:r>
+                <a:endParaRPr lang="en-US" sz="1200" dirty="0">
+                  <a:latin typeface="Times New Roman"/>
+                </a:endParaRPr>
+              </a:p>
+            </p:txBody>
+          </p:sp>
+          <p:cxnSp>
+            <p:nvCxnSpPr>
+              <p:cNvPr id="65" name="Straight Arrow Connector 64"/>
+              <p:cNvCxnSpPr/>
+              <p:nvPr/>
+            </p:nvCxnSpPr>
+            <p:spPr>
+              <a:xfrm rot="10800000" flipV="1">
+                <a:off x="3783599" y="3378882"/>
+                <a:ext cx="741981" cy="155059"/>
+              </a:xfrm>
+              <a:prstGeom prst="straightConnector1">
+                <a:avLst/>
+              </a:prstGeom>
+              <a:ln>
+                <a:tailEnd type="arrow"/>
+              </a:ln>
+            </p:spPr>
+            <p:style>
+              <a:lnRef idx="2">
+                <a:schemeClr val="accent1"/>
+              </a:lnRef>
+              <a:fillRef idx="0">
+                <a:schemeClr val="accent1"/>
+              </a:fillRef>
+              <a:effectRef idx="1">
+                <a:schemeClr val="accent1"/>
+              </a:effectRef>
+              <a:fontRef idx="minor">
+                <a:schemeClr val="tx1"/>
+              </a:fontRef>
+            </p:style>
+          </p:cxnSp>
+          <p:sp>
+            <p:nvSpPr>
+              <p:cNvPr id="66" name="TextBox 65"/>
+              <p:cNvSpPr txBox="1"/>
+              <p:nvPr/>
+            </p:nvSpPr>
+            <p:spPr>
+              <a:xfrm>
+                <a:off x="4525577" y="3009550"/>
+                <a:ext cx="1790349" cy="369332"/>
+              </a:xfrm>
+              <a:prstGeom prst="rect">
+                <a:avLst/>
+              </a:prstGeom>
+              <a:noFill/>
+            </p:spPr>
+            <p:txBody>
+              <a:bodyPr wrap="none" rtlCol="0">
+                <a:spAutoFit/>
+              </a:bodyPr>
+              <a:lstStyle/>
+              <a:p>
+                <a:r>
+                  <a:rPr lang="en-US" dirty="0" smtClean="0"/>
+                  <a:t>Area of rectangle</a:t>
+                </a:r>
+                <a:endParaRPr lang="en-US" dirty="0"/>
+              </a:p>
+            </p:txBody>
+          </p:sp>
+          <p:graphicFrame>
+            <p:nvGraphicFramePr>
+              <p:cNvPr id="67" name="Object 66"/>
+              <p:cNvGraphicFramePr>
+                <a:graphicFrameLocks noChangeAspect="1"/>
+              </p:cNvGraphicFramePr>
+              <p:nvPr/>
+            </p:nvGraphicFramePr>
+            <p:xfrm>
+              <a:off x="4949825" y="3394075"/>
+              <a:ext cx="812800" cy="263525"/>
+            </p:xfrm>
+            <a:graphic>
+              <a:graphicData uri="http://schemas.openxmlformats.org/presentationml/2006/ole">
+                <p:oleObj spid="_x0000_s23555" name="Equation" r:id="rId3" imgW="469900" imgH="152400" progId="Equation.3">
+                  <p:embed/>
+                </p:oleObj>
+              </a:graphicData>
+            </a:graphic>
+          </p:graphicFrame>
+        </p:grpSp>
+      </p:grpSp>
+    </p:spTree>
+  </p:cSld>
+  <p:clrMapOvr>
+    <a:masterClrMapping/>
+  </p:clrMapOvr>
+</p:sld>
+</file>
+
+<file path=ppt/slides/slide6.xml><?xml version="1.0" encoding="utf-8"?>
+<p:sld xmlns:a="http://schemas.openxmlformats.org/drawingml/2006/main" xmlns:r="http://schemas.openxmlformats.org/officeDocument/2006/relationships" xmlns:mc="http://schemas.openxmlformats.org/markup-compatibility/2006" xmlns:mv="urn:schemas-microsoft-com:mac:vml" xmlns:p="http://schemas.openxmlformats.org/presentationml/2006/main" mc:Ignorable="mv" mc:PreserveAttributes="mv:*">
+  <p:cSld>
+    <p:spTree>
+      <p:nvGrpSpPr>
+        <p:cNvPr id="1" name=""/>
+        <p:cNvGrpSpPr/>
+        <p:nvPr/>
+      </p:nvGrpSpPr>
+      <p:grpSpPr>
+        <a:xfrm>
+          <a:off x="0" y="0"/>
+          <a:ext cx="0" cy="0"/>
+          <a:chOff x="0" y="0"/>
+          <a:chExt cx="0" cy="0"/>
+        </a:xfrm>
+      </p:grpSpPr>
+      <p:sp>
+        <p:nvSpPr>
+          <p:cNvPr id="2" name="Title 1"/>
+          <p:cNvSpPr>
+            <a:spLocks noGrp="1"/>
+          </p:cNvSpPr>
+          <p:nvPr>
+            <p:ph type="title"/>
+          </p:nvPr>
+        </p:nvSpPr>
+        <p:spPr/>
+        <p:txBody>
+          <a:bodyPr/>
+          <a:lstStyle/>
+          <a:p>
+            <a:r>
+              <a:rPr lang="en-US" dirty="0" smtClean="0"/>
+              <a:t>Trapezoidal (Tustin)</a:t>
+            </a:r>
+            <a:endParaRPr lang="en-US" dirty="0"/>
+          </a:p>
+        </p:txBody>
+      </p:sp>
+      <p:grpSp>
+        <p:nvGrpSpPr>
+          <p:cNvPr id="69" name="Group 68"/>
+          <p:cNvGrpSpPr/>
+          <p:nvPr/>
+        </p:nvGrpSpPr>
+        <p:grpSpPr>
+          <a:xfrm>
+            <a:off x="1265357" y="2258234"/>
+            <a:ext cx="5741368" cy="2782316"/>
+            <a:chOff x="1265357" y="2258234"/>
+            <a:chExt cx="5741368" cy="2782316"/>
+          </a:xfrm>
+        </p:grpSpPr>
+        <p:sp>
+          <p:nvSpPr>
+            <p:cNvPr id="68" name="Freeform 67"/>
+            <p:cNvSpPr/>
+            <p:nvPr/>
+          </p:nvSpPr>
+          <p:spPr>
+            <a:xfrm>
+              <a:off x="2775096" y="2680881"/>
+              <a:ext cx="1140611" cy="2045936"/>
+            </a:xfrm>
+            <a:custGeom>
+              <a:avLst/>
+              <a:gdLst>
+                <a:gd name="connsiteX0" fmla="*/ 11759 w 1140611"/>
+                <a:gd name="connsiteY0" fmla="*/ 2022419 h 2045936"/>
+                <a:gd name="connsiteX1" fmla="*/ 0 w 1140611"/>
+                <a:gd name="connsiteY1" fmla="*/ 681979 h 2045936"/>
+                <a:gd name="connsiteX2" fmla="*/ 0 w 1140611"/>
+                <a:gd name="connsiteY2" fmla="*/ 681979 h 2045936"/>
+                <a:gd name="connsiteX3" fmla="*/ 1128853 w 1140611"/>
+                <a:gd name="connsiteY3" fmla="*/ 0 h 2045936"/>
+                <a:gd name="connsiteX4" fmla="*/ 1128853 w 1140611"/>
+                <a:gd name="connsiteY4" fmla="*/ 0 h 2045936"/>
+                <a:gd name="connsiteX5" fmla="*/ 1140611 w 1140611"/>
+                <a:gd name="connsiteY5" fmla="*/ 2045936 h 2045936"/>
+                <a:gd name="connsiteX6" fmla="*/ 1140611 w 1140611"/>
+                <a:gd name="connsiteY6" fmla="*/ 2045936 h 2045936"/>
+                <a:gd name="connsiteX7" fmla="*/ 11759 w 1140611"/>
+                <a:gd name="connsiteY7" fmla="*/ 2022419 h 2045936"/>
+              </a:gdLst>
+              <a:ahLst/>
+              <a:cxnLst>
+                <a:cxn ang="0">
+                  <a:pos x="connsiteX0" y="connsiteY0"/>
+                </a:cxn>
+                <a:cxn ang="0">
+                  <a:pos x="connsiteX1" y="connsiteY1"/>
+                </a:cxn>
+                <a:cxn ang="0">
+                  <a:pos x="connsiteX2" y="connsiteY2"/>
+                </a:cxn>
+                <a:cxn ang="0">
+                  <a:pos x="connsiteX3" y="connsiteY3"/>
+                </a:cxn>
+                <a:cxn ang="0">
+                  <a:pos x="connsiteX4" y="connsiteY4"/>
+                </a:cxn>
+                <a:cxn ang="0">
+                  <a:pos x="connsiteX5" y="connsiteY5"/>
+                </a:cxn>
+                <a:cxn ang="0">
+                  <a:pos x="connsiteX6" y="connsiteY6"/>
+                </a:cxn>
+                <a:cxn ang="0">
+                  <a:pos x="connsiteX7" y="connsiteY7"/>
+                </a:cxn>
+              </a:cxnLst>
+              <a:rect l="l" t="t" r="r" b="b"/>
+              <a:pathLst>
+                <a:path w="1140611" h="2045936">
+                  <a:moveTo>
+                    <a:pt x="11759" y="2022419"/>
+                  </a:moveTo>
+                  <a:lnTo>
+                    <a:pt x="0" y="681979"/>
+                  </a:lnTo>
+                  <a:lnTo>
+                    <a:pt x="0" y="681979"/>
+                  </a:lnTo>
+                  <a:lnTo>
+                    <a:pt x="1128853" y="0"/>
+                  </a:lnTo>
+                  <a:lnTo>
+                    <a:pt x="1128853" y="0"/>
+                  </a:lnTo>
+                  <a:cubicBezTo>
+                    <a:pt x="1132772" y="681979"/>
+                    <a:pt x="1140611" y="2045936"/>
+                    <a:pt x="1140611" y="2045936"/>
+                  </a:cubicBezTo>
+                  <a:lnTo>
+                    <a:pt x="1140611" y="2045936"/>
+                  </a:lnTo>
+                  <a:lnTo>
+                    <a:pt x="11759" y="2022419"/>
+                  </a:lnTo>
+                  <a:close/>
+                </a:path>
+              </a:pathLst>
+            </a:custGeom>
+          </p:spPr>
+          <p:style>
+            <a:lnRef idx="1">
+              <a:schemeClr val="accent1"/>
+            </a:lnRef>
+            <a:fillRef idx="3">
+              <a:schemeClr val="accent1"/>
+            </a:fillRef>
+            <a:effectRef idx="2">
+              <a:schemeClr val="accent1"/>
+            </a:effectRef>
+            <a:fontRef idx="minor">
+              <a:schemeClr val="lt1"/>
+            </a:fontRef>
+          </p:style>
+          <p:txBody>
+            <a:bodyPr rtlCol="0" anchor="ctr"/>
+            <a:lstStyle/>
+            <a:p>
+              <a:pPr algn="ctr"/>
+              <a:endParaRPr lang="en-US"/>
+            </a:p>
+          </p:txBody>
+        </p:sp>
+        <p:grpSp>
+          <p:nvGrpSpPr>
+            <p:cNvPr id="37" name="Group 36"/>
+            <p:cNvGrpSpPr/>
+            <p:nvPr/>
+          </p:nvGrpSpPr>
+          <p:grpSpPr>
+            <a:xfrm>
+              <a:off x="1265357" y="2258234"/>
+              <a:ext cx="5741368" cy="2782316"/>
+              <a:chOff x="1131265" y="2308441"/>
+              <a:chExt cx="5741368" cy="2782316"/>
+            </a:xfrm>
+          </p:grpSpPr>
+          <p:cxnSp>
+            <p:nvCxnSpPr>
+              <p:cNvPr id="38" name="Straight Arrow Connector 37"/>
+              <p:cNvCxnSpPr/>
+              <p:nvPr/>
+            </p:nvCxnSpPr>
+            <p:spPr>
+              <a:xfrm rot="16200000" flipV="1">
+                <a:off x="360877" y="3632898"/>
+                <a:ext cx="2605896" cy="16495"/>
+              </a:xfrm>
+              <a:prstGeom prst="straightConnector1">
+                <a:avLst/>
+              </a:prstGeom>
+              <a:ln>
+                <a:tailEnd type="arrow"/>
+              </a:ln>
+            </p:spPr>
+            <p:style>
+              <a:lnRef idx="2">
+                <a:schemeClr val="accent1"/>
+              </a:lnRef>
+              <a:fillRef idx="0">
+                <a:schemeClr val="accent1"/>
+              </a:fillRef>
+              <a:effectRef idx="1">
+                <a:schemeClr val="accent1"/>
+              </a:effectRef>
+              <a:fontRef idx="minor">
+                <a:schemeClr val="tx1"/>
+              </a:fontRef>
+            </p:style>
+          </p:cxnSp>
+          <p:sp>
+            <p:nvSpPr>
+              <p:cNvPr id="39" name="TextBox 38"/>
+              <p:cNvSpPr txBox="1"/>
+              <p:nvPr/>
+            </p:nvSpPr>
+            <p:spPr>
+              <a:xfrm>
+                <a:off x="1131265" y="2308441"/>
+                <a:ext cx="536654" cy="369332"/>
+              </a:xfrm>
+              <a:prstGeom prst="rect">
+                <a:avLst/>
+              </a:prstGeom>
+              <a:noFill/>
+            </p:spPr>
+            <p:txBody>
+              <a:bodyPr wrap="none" rtlCol="0">
+                <a:spAutoFit/>
+              </a:bodyPr>
+              <a:lstStyle/>
+              <a:p>
+                <a:r>
+                  <a:rPr lang="en-US" i="1" dirty="0" err="1" smtClean="0">
+                    <a:latin typeface="Times New Roman"/>
+                  </a:rPr>
+                  <a:t>u</a:t>
+                </a:r>
+                <a:r>
+                  <a:rPr lang="en-US" dirty="0" err="1" smtClean="0">
+                    <a:latin typeface="Times New Roman"/>
+                  </a:rPr>
+                  <a:t>(</a:t>
+                </a:r>
+                <a:r>
+                  <a:rPr lang="en-US" i="1" dirty="0" err="1" smtClean="0">
+                    <a:latin typeface="Times New Roman"/>
+                  </a:rPr>
+                  <a:t>t</a:t>
+                </a:r>
+                <a:r>
+                  <a:rPr lang="en-US" dirty="0" smtClean="0">
+                    <a:latin typeface="Times New Roman"/>
+                  </a:rPr>
+                  <a:t>)</a:t>
+                </a:r>
+                <a:endParaRPr lang="en-US" dirty="0">
+                  <a:latin typeface="Times New Roman"/>
+                </a:endParaRPr>
+              </a:p>
+            </p:txBody>
+          </p:sp>
+          <p:sp>
+            <p:nvSpPr>
+              <p:cNvPr id="40" name="TextBox 39"/>
+              <p:cNvSpPr txBox="1"/>
+              <p:nvPr/>
+            </p:nvSpPr>
+            <p:spPr>
+              <a:xfrm>
+                <a:off x="5134610" y="4721425"/>
+                <a:ext cx="267500" cy="369332"/>
+              </a:xfrm>
+              <a:prstGeom prst="rect">
+                <a:avLst/>
+              </a:prstGeom>
+              <a:noFill/>
+            </p:spPr>
+            <p:txBody>
+              <a:bodyPr wrap="none" rtlCol="0">
+                <a:spAutoFit/>
+              </a:bodyPr>
+              <a:lstStyle/>
+              <a:p>
+                <a:r>
+                  <a:rPr lang="en-US" i="1" dirty="0" err="1" smtClean="0">
+                    <a:latin typeface="Times New Roman"/>
+                  </a:rPr>
+                  <a:t>t</a:t>
+                </a:r>
+                <a:endParaRPr lang="en-US" dirty="0">
+                  <a:latin typeface="Times New Roman"/>
+                </a:endParaRPr>
+              </a:p>
+            </p:txBody>
+          </p:sp>
+          <p:cxnSp>
+            <p:nvCxnSpPr>
+              <p:cNvPr id="41" name="Straight Connector 40"/>
+              <p:cNvCxnSpPr/>
+              <p:nvPr/>
+            </p:nvCxnSpPr>
+            <p:spPr>
+              <a:xfrm rot="5400000" flipH="1" flipV="1">
+                <a:off x="3630302" y="4610967"/>
+                <a:ext cx="181423" cy="121985"/>
+              </a:xfrm>
+              <a:prstGeom prst="line">
+                <a:avLst/>
+              </a:prstGeom>
+              <a:ln>
+                <a:solidFill>
+                  <a:schemeClr val="accent6"/>
+                </a:solidFill>
+              </a:ln>
+              <a:effectLst/>
+            </p:spPr>
+            <p:style>
+              <a:lnRef idx="2">
+                <a:schemeClr val="accent1"/>
+              </a:lnRef>
+              <a:fillRef idx="0">
+                <a:schemeClr val="accent1"/>
+              </a:fillRef>
+              <a:effectRef idx="1">
+                <a:schemeClr val="accent1"/>
+              </a:effectRef>
+              <a:fontRef idx="minor">
+                <a:schemeClr val="tx1"/>
+              </a:fontRef>
+            </p:style>
+          </p:cxnSp>
+          <p:cxnSp>
+            <p:nvCxnSpPr>
+              <p:cNvPr id="42" name="Straight Connector 41"/>
+              <p:cNvCxnSpPr/>
+              <p:nvPr/>
+            </p:nvCxnSpPr>
+            <p:spPr>
+              <a:xfrm rot="5400000" flipH="1" flipV="1">
+                <a:off x="3485202" y="4465867"/>
+                <a:ext cx="346353" cy="247255"/>
+              </a:xfrm>
+              <a:prstGeom prst="line">
+                <a:avLst/>
+              </a:prstGeom>
+              <a:ln>
+                <a:solidFill>
+                  <a:schemeClr val="accent6"/>
+                </a:solidFill>
+              </a:ln>
+              <a:effectLst/>
+            </p:spPr>
+            <p:style>
+              <a:lnRef idx="2">
+                <a:schemeClr val="accent1"/>
+              </a:lnRef>
+              <a:fillRef idx="0">
+                <a:schemeClr val="accent1"/>
+              </a:fillRef>
+              <a:effectRef idx="1">
+                <a:schemeClr val="accent1"/>
+              </a:effectRef>
+              <a:fontRef idx="minor">
+                <a:schemeClr val="tx1"/>
+              </a:fontRef>
+            </p:style>
+          </p:cxnSp>
+          <p:cxnSp>
+            <p:nvCxnSpPr>
+              <p:cNvPr id="43" name="Straight Connector 42"/>
+              <p:cNvCxnSpPr/>
+              <p:nvPr/>
+            </p:nvCxnSpPr>
+            <p:spPr>
+              <a:xfrm rot="5400000" flipH="1" flipV="1">
+                <a:off x="3349710" y="4330375"/>
+                <a:ext cx="503036" cy="361555"/>
+              </a:xfrm>
+              <a:prstGeom prst="line">
+                <a:avLst/>
+              </a:prstGeom>
+              <a:ln>
+                <a:solidFill>
+                  <a:schemeClr val="accent6"/>
+                </a:solidFill>
+              </a:ln>
+              <a:effectLst/>
+            </p:spPr>
+            <p:style>
+              <a:lnRef idx="2">
+                <a:schemeClr val="accent1"/>
+              </a:lnRef>
+              <a:fillRef idx="0">
+                <a:schemeClr val="accent1"/>
+              </a:fillRef>
+              <a:effectRef idx="1">
+                <a:schemeClr val="accent1"/>
+              </a:effectRef>
+              <a:fontRef idx="minor">
+                <a:schemeClr val="tx1"/>
+              </a:fontRef>
+            </p:style>
+          </p:cxnSp>
+          <p:cxnSp>
+            <p:nvCxnSpPr>
+              <p:cNvPr id="44" name="Straight Connector 43"/>
+              <p:cNvCxnSpPr/>
+              <p:nvPr/>
+            </p:nvCxnSpPr>
+            <p:spPr>
+              <a:xfrm rot="5400000" flipH="1" flipV="1">
+                <a:off x="3211171" y="4190245"/>
+                <a:ext cx="659720" cy="485131"/>
+              </a:xfrm>
+              <a:prstGeom prst="line">
+                <a:avLst/>
+              </a:prstGeom>
+              <a:ln>
+                <a:solidFill>
+                  <a:schemeClr val="accent6"/>
+                </a:solidFill>
+              </a:ln>
+              <a:effectLst/>
+            </p:spPr>
+            <p:style>
+              <a:lnRef idx="2">
+                <a:schemeClr val="accent1"/>
+              </a:lnRef>
+              <a:fillRef idx="0">
+                <a:schemeClr val="accent1"/>
+              </a:fillRef>
+              <a:effectRef idx="1">
+                <a:schemeClr val="accent1"/>
+              </a:effectRef>
+              <a:fontRef idx="minor">
+                <a:schemeClr val="tx1"/>
+              </a:fontRef>
+            </p:style>
+          </p:cxnSp>
+          <p:cxnSp>
+            <p:nvCxnSpPr>
+              <p:cNvPr id="45" name="Straight Connector 44"/>
+              <p:cNvCxnSpPr/>
+              <p:nvPr/>
+            </p:nvCxnSpPr>
+            <p:spPr>
+              <a:xfrm rot="5400000" flipH="1" flipV="1">
+                <a:off x="3070554" y="4053598"/>
+                <a:ext cx="818785" cy="604123"/>
+              </a:xfrm>
+              <a:prstGeom prst="line">
+                <a:avLst/>
+              </a:prstGeom>
+              <a:ln>
+                <a:solidFill>
+                  <a:schemeClr val="accent6"/>
+                </a:solidFill>
+              </a:ln>
+              <a:effectLst/>
+            </p:spPr>
+            <p:style>
+              <a:lnRef idx="2">
+                <a:schemeClr val="accent1"/>
+              </a:lnRef>
+              <a:fillRef idx="0">
+                <a:schemeClr val="accent1"/>
+              </a:fillRef>
+              <a:effectRef idx="1">
+                <a:schemeClr val="accent1"/>
+              </a:effectRef>
+              <a:fontRef idx="minor">
+                <a:schemeClr val="tx1"/>
+              </a:fontRef>
+            </p:style>
+          </p:cxnSp>
+          <p:cxnSp>
+            <p:nvCxnSpPr>
+              <p:cNvPr id="46" name="Straight Connector 45"/>
+              <p:cNvCxnSpPr/>
+              <p:nvPr/>
+            </p:nvCxnSpPr>
+            <p:spPr>
+              <a:xfrm rot="5400000" flipH="1" flipV="1">
+                <a:off x="2923765" y="3905224"/>
+                <a:ext cx="991963" cy="727697"/>
+              </a:xfrm>
+              <a:prstGeom prst="line">
+                <a:avLst/>
+              </a:prstGeom>
+              <a:ln>
+                <a:solidFill>
+                  <a:schemeClr val="accent6"/>
+                </a:solidFill>
+              </a:ln>
+              <a:effectLst/>
+            </p:spPr>
+            <p:style>
+              <a:lnRef idx="2">
+                <a:schemeClr val="accent1"/>
+              </a:lnRef>
+              <a:fillRef idx="0">
+                <a:schemeClr val="accent1"/>
+              </a:fillRef>
+              <a:effectRef idx="1">
+                <a:schemeClr val="accent1"/>
+              </a:effectRef>
+              <a:fontRef idx="minor">
+                <a:schemeClr val="tx1"/>
+              </a:fontRef>
+            </p:style>
+          </p:cxnSp>
+          <p:cxnSp>
+            <p:nvCxnSpPr>
+              <p:cNvPr id="47" name="Straight Connector 46"/>
+              <p:cNvCxnSpPr/>
+              <p:nvPr/>
+            </p:nvCxnSpPr>
+            <p:spPr>
+              <a:xfrm rot="5400000" flipH="1" flipV="1">
+                <a:off x="2792677" y="3774133"/>
+                <a:ext cx="1132154" cy="849686"/>
+              </a:xfrm>
+              <a:prstGeom prst="line">
+                <a:avLst/>
+              </a:prstGeom>
+              <a:ln>
+                <a:solidFill>
+                  <a:schemeClr val="accent6"/>
+                </a:solidFill>
+              </a:ln>
+              <a:effectLst/>
+            </p:spPr>
+            <p:style>
+              <a:lnRef idx="2">
+                <a:schemeClr val="accent1"/>
+              </a:lnRef>
+              <a:fillRef idx="0">
+                <a:schemeClr val="accent1"/>
+              </a:fillRef>
+              <a:effectRef idx="1">
+                <a:schemeClr val="accent1"/>
+              </a:effectRef>
+              <a:fontRef idx="minor">
+                <a:schemeClr val="tx1"/>
+              </a:fontRef>
+            </p:style>
+          </p:cxnSp>
+          <p:cxnSp>
+            <p:nvCxnSpPr>
+              <p:cNvPr id="48" name="Straight Connector 47"/>
+              <p:cNvCxnSpPr/>
+              <p:nvPr/>
+            </p:nvCxnSpPr>
+            <p:spPr>
+              <a:xfrm rot="5400000" flipH="1" flipV="1">
+                <a:off x="2620356" y="3601815"/>
+                <a:ext cx="1354807" cy="971671"/>
+              </a:xfrm>
+              <a:prstGeom prst="line">
+                <a:avLst/>
+              </a:prstGeom>
+              <a:ln>
+                <a:solidFill>
+                  <a:schemeClr val="accent6"/>
+                </a:solidFill>
+              </a:ln>
+              <a:effectLst/>
+            </p:spPr>
+            <p:style>
+              <a:lnRef idx="2">
+                <a:schemeClr val="accent1"/>
+              </a:lnRef>
+              <a:fillRef idx="0">
+                <a:schemeClr val="accent1"/>
+              </a:fillRef>
+              <a:effectRef idx="1">
+                <a:schemeClr val="accent1"/>
+              </a:effectRef>
+              <a:fontRef idx="minor">
+                <a:schemeClr val="tx1"/>
+              </a:fontRef>
+            </p:style>
+          </p:cxnSp>
+          <p:cxnSp>
+            <p:nvCxnSpPr>
+              <p:cNvPr id="49" name="Straight Connector 48"/>
+              <p:cNvCxnSpPr/>
+              <p:nvPr/>
+            </p:nvCxnSpPr>
+            <p:spPr>
+              <a:xfrm rot="5400000" flipH="1" flipV="1">
+                <a:off x="2464527" y="3445985"/>
+                <a:ext cx="1544479" cy="1093658"/>
+              </a:xfrm>
+              <a:prstGeom prst="line">
+                <a:avLst/>
+              </a:prstGeom>
+              <a:ln>
+                <a:solidFill>
+                  <a:schemeClr val="accent6"/>
+                </a:solidFill>
+              </a:ln>
+              <a:effectLst/>
+            </p:spPr>
+            <p:style>
+              <a:lnRef idx="2">
+                <a:schemeClr val="accent1"/>
+              </a:lnRef>
+              <a:fillRef idx="0">
+                <a:schemeClr val="accent1"/>
+              </a:fillRef>
+              <a:effectRef idx="1">
+                <a:schemeClr val="accent1"/>
+              </a:effectRef>
+              <a:fontRef idx="minor">
+                <a:schemeClr val="tx1"/>
+              </a:fontRef>
+            </p:style>
+          </p:cxnSp>
+          <p:cxnSp>
+            <p:nvCxnSpPr>
+              <p:cNvPr id="50" name="Straight Connector 49"/>
+              <p:cNvCxnSpPr/>
+              <p:nvPr/>
+            </p:nvCxnSpPr>
+            <p:spPr>
+              <a:xfrm rot="5400000" flipH="1" flipV="1">
+                <a:off x="2465719" y="3263372"/>
+                <a:ext cx="1542096" cy="1093657"/>
+              </a:xfrm>
+              <a:prstGeom prst="line">
+                <a:avLst/>
+              </a:prstGeom>
+              <a:ln>
+                <a:solidFill>
+                  <a:schemeClr val="accent6"/>
+                </a:solidFill>
+              </a:ln>
+              <a:effectLst/>
+            </p:spPr>
+            <p:style>
+              <a:lnRef idx="2">
+                <a:schemeClr val="accent1"/>
+              </a:lnRef>
+              <a:fillRef idx="0">
+                <a:schemeClr val="accent1"/>
+              </a:fillRef>
+              <a:effectRef idx="1">
+                <a:schemeClr val="accent1"/>
+              </a:effectRef>
+              <a:fontRef idx="minor">
+                <a:schemeClr val="tx1"/>
+              </a:fontRef>
+            </p:style>
+          </p:cxnSp>
+          <p:cxnSp>
+            <p:nvCxnSpPr>
+              <p:cNvPr id="51" name="Straight Connector 50"/>
+              <p:cNvCxnSpPr/>
+              <p:nvPr/>
+            </p:nvCxnSpPr>
+            <p:spPr>
+              <a:xfrm rot="5400000" flipH="1" flipV="1">
+                <a:off x="2457165" y="3089889"/>
+                <a:ext cx="1542097" cy="1110763"/>
+              </a:xfrm>
+              <a:prstGeom prst="line">
+                <a:avLst/>
+              </a:prstGeom>
+              <a:ln>
+                <a:solidFill>
+                  <a:schemeClr val="accent6"/>
+                </a:solidFill>
+              </a:ln>
+              <a:effectLst/>
+            </p:spPr>
+            <p:style>
+              <a:lnRef idx="2">
+                <a:schemeClr val="accent1"/>
+              </a:lnRef>
+              <a:fillRef idx="0">
+                <a:schemeClr val="accent1"/>
+              </a:fillRef>
+              <a:effectRef idx="1">
+                <a:schemeClr val="accent1"/>
+              </a:effectRef>
+              <a:fontRef idx="minor">
+                <a:schemeClr val="tx1"/>
+              </a:fontRef>
+            </p:style>
+          </p:cxnSp>
+          <p:cxnSp>
+            <p:nvCxnSpPr>
+              <p:cNvPr id="52" name="Straight Connector 51"/>
+              <p:cNvCxnSpPr/>
+              <p:nvPr/>
+            </p:nvCxnSpPr>
+            <p:spPr>
+              <a:xfrm rot="5400000" flipH="1" flipV="1">
+                <a:off x="2456370" y="2933998"/>
+                <a:ext cx="1541303" cy="1109970"/>
+              </a:xfrm>
+              <a:prstGeom prst="line">
+                <a:avLst/>
+              </a:prstGeom>
+              <a:ln>
+                <a:solidFill>
+                  <a:schemeClr val="accent6"/>
+                </a:solidFill>
+              </a:ln>
+              <a:effectLst/>
+            </p:spPr>
+            <p:style>
+              <a:lnRef idx="2">
+                <a:schemeClr val="accent1"/>
+              </a:lnRef>
+              <a:fillRef idx="0">
+                <a:schemeClr val="accent1"/>
+              </a:fillRef>
+              <a:effectRef idx="1">
+                <a:schemeClr val="accent1"/>
+              </a:effectRef>
+              <a:fontRef idx="minor">
+                <a:schemeClr val="tx1"/>
+              </a:fontRef>
+            </p:style>
+          </p:cxnSp>
+          <p:cxnSp>
+            <p:nvCxnSpPr>
+              <p:cNvPr id="53" name="Straight Connector 52"/>
+              <p:cNvCxnSpPr/>
+              <p:nvPr/>
+            </p:nvCxnSpPr>
+            <p:spPr>
+              <a:xfrm rot="5400000" flipH="1" flipV="1">
+                <a:off x="2489029" y="3057229"/>
+                <a:ext cx="1228729" cy="862715"/>
+              </a:xfrm>
+              <a:prstGeom prst="line">
+                <a:avLst/>
+              </a:prstGeom>
+              <a:ln>
+                <a:solidFill>
+                  <a:schemeClr val="accent6"/>
+                </a:solidFill>
+              </a:ln>
+              <a:effectLst/>
+            </p:spPr>
+            <p:style>
+              <a:lnRef idx="2">
+                <a:schemeClr val="accent1"/>
+              </a:lnRef>
+              <a:fillRef idx="0">
+                <a:schemeClr val="accent1"/>
+              </a:fillRef>
+              <a:effectRef idx="1">
+                <a:schemeClr val="accent1"/>
+              </a:effectRef>
+              <a:fontRef idx="minor">
+                <a:schemeClr val="tx1"/>
+              </a:fontRef>
+            </p:style>
+          </p:cxnSp>
+          <p:cxnSp>
+            <p:nvCxnSpPr>
+              <p:cNvPr id="54" name="Straight Connector 53"/>
+              <p:cNvCxnSpPr/>
+              <p:nvPr/>
+            </p:nvCxnSpPr>
+            <p:spPr>
+              <a:xfrm rot="5400000" flipH="1" flipV="1">
+                <a:off x="2579067" y="3313544"/>
+                <a:ext cx="569803" cy="383864"/>
+              </a:xfrm>
+              <a:prstGeom prst="line">
+                <a:avLst/>
+              </a:prstGeom>
+              <a:ln>
+                <a:solidFill>
+                  <a:schemeClr val="accent6"/>
+                </a:solidFill>
+              </a:ln>
+              <a:effectLst/>
+            </p:spPr>
+            <p:style>
+              <a:lnRef idx="2">
+                <a:schemeClr val="accent1"/>
+              </a:lnRef>
+              <a:fillRef idx="0">
+                <a:schemeClr val="accent1"/>
+              </a:fillRef>
+              <a:effectRef idx="1">
+                <a:schemeClr val="accent1"/>
+              </a:effectRef>
+              <a:fontRef idx="minor">
+                <a:schemeClr val="tx1"/>
+              </a:fontRef>
+            </p:style>
+          </p:cxnSp>
+          <p:cxnSp>
+            <p:nvCxnSpPr>
+              <p:cNvPr id="55" name="Straight Connector 54"/>
+              <p:cNvCxnSpPr/>
+              <p:nvPr/>
+            </p:nvCxnSpPr>
+            <p:spPr>
+              <a:xfrm rot="5400000" flipH="1" flipV="1">
+                <a:off x="2528122" y="3032546"/>
+                <a:ext cx="1072046" cy="748413"/>
+              </a:xfrm>
+              <a:prstGeom prst="line">
+                <a:avLst/>
+              </a:prstGeom>
+              <a:ln>
+                <a:solidFill>
+                  <a:schemeClr val="accent6"/>
+                </a:solidFill>
+              </a:ln>
+              <a:effectLst/>
+            </p:spPr>
+            <p:style>
+              <a:lnRef idx="2">
+                <a:schemeClr val="accent1"/>
+              </a:lnRef>
+              <a:fillRef idx="0">
+                <a:schemeClr val="accent1"/>
+              </a:fillRef>
+              <a:effectRef idx="1">
+                <a:schemeClr val="accent1"/>
+              </a:effectRef>
+              <a:fontRef idx="minor">
+                <a:schemeClr val="tx1"/>
+              </a:fontRef>
+            </p:style>
+          </p:cxnSp>
+          <p:cxnSp>
+            <p:nvCxnSpPr>
+              <p:cNvPr id="56" name="Straight Connector 55"/>
+              <p:cNvCxnSpPr/>
+              <p:nvPr/>
+            </p:nvCxnSpPr>
+            <p:spPr>
+              <a:xfrm rot="5400000" flipH="1" flipV="1">
+                <a:off x="2622408" y="3459874"/>
+                <a:ext cx="239146" cy="139890"/>
+              </a:xfrm>
+              <a:prstGeom prst="line">
+                <a:avLst/>
+              </a:prstGeom>
+              <a:ln>
+                <a:solidFill>
+                  <a:schemeClr val="accent6"/>
+                </a:solidFill>
+              </a:ln>
+              <a:effectLst/>
+            </p:spPr>
+            <p:style>
+              <a:lnRef idx="2">
+                <a:schemeClr val="accent1"/>
+              </a:lnRef>
+              <a:fillRef idx="0">
+                <a:schemeClr val="accent1"/>
+              </a:fillRef>
+              <a:effectRef idx="1">
+                <a:schemeClr val="accent1"/>
+              </a:effectRef>
+              <a:fontRef idx="minor">
+                <a:schemeClr val="tx1"/>
+              </a:fontRef>
+            </p:style>
+          </p:cxnSp>
+          <p:cxnSp>
+            <p:nvCxnSpPr>
+              <p:cNvPr id="57" name="Curved Connector 56"/>
+              <p:cNvCxnSpPr/>
+              <p:nvPr/>
+            </p:nvCxnSpPr>
+            <p:spPr>
+              <a:xfrm flipV="1">
+                <a:off x="1655577" y="2577346"/>
+                <a:ext cx="3359673" cy="956595"/>
+              </a:xfrm>
+              <a:prstGeom prst="curvedConnector3">
+                <a:avLst>
+                  <a:gd name="adj1" fmla="val 46072"/>
+                </a:avLst>
+              </a:prstGeom>
+            </p:spPr>
+            <p:style>
+              <a:lnRef idx="2">
+                <a:schemeClr val="accent1"/>
+              </a:lnRef>
+              <a:fillRef idx="0">
+                <a:schemeClr val="accent1"/>
+              </a:fillRef>
+              <a:effectRef idx="1">
+                <a:schemeClr val="accent1"/>
+              </a:effectRef>
+              <a:fontRef idx="minor">
+                <a:schemeClr val="tx1"/>
+              </a:fontRef>
+            </p:style>
+          </p:cxnSp>
+          <p:cxnSp>
+            <p:nvCxnSpPr>
+              <p:cNvPr id="58" name="Straight Connector 57"/>
+              <p:cNvCxnSpPr/>
+              <p:nvPr/>
+            </p:nvCxnSpPr>
+            <p:spPr>
+              <a:xfrm rot="5400000" flipH="1" flipV="1">
+                <a:off x="2760234" y="3740104"/>
+                <a:ext cx="2045133" cy="1588"/>
+              </a:xfrm>
+              <a:prstGeom prst="line">
+                <a:avLst/>
+              </a:prstGeom>
+            </p:spPr>
+            <p:style>
+              <a:lnRef idx="2">
+                <a:schemeClr val="accent1"/>
+              </a:lnRef>
+              <a:fillRef idx="0">
+                <a:schemeClr val="accent1"/>
+              </a:fillRef>
+              <a:effectRef idx="1">
+                <a:schemeClr val="accent1"/>
+              </a:effectRef>
+              <a:fontRef idx="minor">
+                <a:schemeClr val="tx1"/>
+              </a:fontRef>
+            </p:style>
+          </p:cxnSp>
+          <p:cxnSp>
+            <p:nvCxnSpPr>
+              <p:cNvPr id="59" name="Straight Connector 58"/>
+              <p:cNvCxnSpPr/>
+              <p:nvPr/>
+            </p:nvCxnSpPr>
+            <p:spPr>
+              <a:xfrm rot="16200000" flipH="1">
+                <a:off x="1994636" y="4087648"/>
+                <a:ext cx="1354804" cy="1"/>
+              </a:xfrm>
+              <a:prstGeom prst="line">
+                <a:avLst/>
+              </a:prstGeom>
+            </p:spPr>
+            <p:style>
+              <a:lnRef idx="2">
+                <a:schemeClr val="accent1"/>
+              </a:lnRef>
+              <a:fillRef idx="0">
+                <a:schemeClr val="accent1"/>
+              </a:fillRef>
+              <a:effectRef idx="1">
+                <a:schemeClr val="accent1"/>
+              </a:effectRef>
+              <a:fontRef idx="minor">
+                <a:schemeClr val="tx1"/>
+              </a:fontRef>
+            </p:style>
+          </p:cxnSp>
+          <p:cxnSp>
+            <p:nvCxnSpPr>
+              <p:cNvPr id="60" name="Straight Arrow Connector 59"/>
+              <p:cNvCxnSpPr/>
+              <p:nvPr/>
+            </p:nvCxnSpPr>
+            <p:spPr>
+              <a:xfrm>
+                <a:off x="1449399" y="4762670"/>
+                <a:ext cx="3907301" cy="1588"/>
+              </a:xfrm>
+              <a:prstGeom prst="straightConnector1">
+                <a:avLst/>
+              </a:prstGeom>
+              <a:ln>
+                <a:tailEnd type="arrow"/>
+              </a:ln>
+            </p:spPr>
+            <p:style>
+              <a:lnRef idx="2">
+                <a:schemeClr val="accent1"/>
+              </a:lnRef>
+              <a:fillRef idx="0">
+                <a:schemeClr val="accent1"/>
+              </a:fillRef>
+              <a:effectRef idx="1">
+                <a:schemeClr val="accent1"/>
+              </a:effectRef>
+              <a:fontRef idx="minor">
+                <a:schemeClr val="tx1"/>
+              </a:fontRef>
+            </p:style>
+          </p:cxnSp>
+          <p:sp>
+            <p:nvSpPr>
+              <p:cNvPr id="61" name="TextBox 60"/>
+              <p:cNvSpPr txBox="1"/>
+              <p:nvPr/>
+            </p:nvSpPr>
+            <p:spPr>
+              <a:xfrm>
+                <a:off x="2243881" y="3101884"/>
+                <a:ext cx="663262" cy="276999"/>
+              </a:xfrm>
+              <a:prstGeom prst="rect">
+                <a:avLst/>
+              </a:prstGeom>
+              <a:noFill/>
+            </p:spPr>
+            <p:txBody>
+              <a:bodyPr wrap="none" rtlCol="0">
+                <a:spAutoFit/>
+              </a:bodyPr>
+              <a:lstStyle/>
+              <a:p>
+                <a:r>
+                  <a:rPr lang="en-US" sz="1200" i="1" dirty="0" err="1" smtClean="0">
+                    <a:latin typeface="Times New Roman"/>
+                  </a:rPr>
+                  <a:t>u</a:t>
+                </a:r>
+                <a:r>
+                  <a:rPr lang="en-US" sz="1200" dirty="0" err="1" smtClean="0">
+                    <a:latin typeface="Times New Roman"/>
+                  </a:rPr>
+                  <a:t>(</a:t>
+                </a:r>
+                <a:r>
+                  <a:rPr lang="en-US" sz="1200" i="1" dirty="0" err="1" smtClean="0">
+                    <a:latin typeface="Times New Roman"/>
+                  </a:rPr>
+                  <a:t>nT</a:t>
+                </a:r>
+                <a:r>
+                  <a:rPr lang="en-US" sz="1200" i="1" dirty="0" smtClean="0">
+                    <a:latin typeface="Times New Roman"/>
+                  </a:rPr>
+                  <a:t>-T</a:t>
+                </a:r>
+                <a:r>
+                  <a:rPr lang="en-US" sz="1200" dirty="0" smtClean="0">
+                    <a:latin typeface="Times New Roman"/>
+                  </a:rPr>
+                  <a:t>)</a:t>
+                </a:r>
+                <a:endParaRPr lang="en-US" sz="1200" dirty="0">
+                  <a:latin typeface="Times New Roman"/>
+                </a:endParaRPr>
+              </a:p>
+            </p:txBody>
+          </p:sp>
+          <p:sp>
+            <p:nvSpPr>
+              <p:cNvPr id="62" name="TextBox 61"/>
+              <p:cNvSpPr txBox="1"/>
+              <p:nvPr/>
+            </p:nvSpPr>
+            <p:spPr>
+              <a:xfrm>
+                <a:off x="2397257" y="4736571"/>
+                <a:ext cx="503664" cy="276999"/>
+              </a:xfrm>
+              <a:prstGeom prst="rect">
+                <a:avLst/>
+              </a:prstGeom>
+              <a:noFill/>
+            </p:spPr>
+            <p:txBody>
+              <a:bodyPr wrap="none" rtlCol="0">
+                <a:spAutoFit/>
+              </a:bodyPr>
+              <a:lstStyle/>
+              <a:p>
+                <a:r>
+                  <a:rPr lang="en-US" sz="1200" i="1" dirty="0" err="1" smtClean="0">
+                    <a:latin typeface="Times New Roman"/>
+                  </a:rPr>
+                  <a:t>nT</a:t>
+                </a:r>
+                <a:r>
+                  <a:rPr lang="en-US" sz="1200" i="1" dirty="0" smtClean="0">
+                    <a:latin typeface="Times New Roman"/>
+                  </a:rPr>
+                  <a:t>-T</a:t>
+                </a:r>
+                <a:endParaRPr lang="en-US" sz="1200" dirty="0">
+                  <a:latin typeface="Times New Roman"/>
+                </a:endParaRPr>
+              </a:p>
+            </p:txBody>
+          </p:sp>
+          <p:sp>
+            <p:nvSpPr>
+              <p:cNvPr id="63" name="TextBox 62"/>
+              <p:cNvSpPr txBox="1"/>
+              <p:nvPr/>
+            </p:nvSpPr>
+            <p:spPr>
+              <a:xfrm>
+                <a:off x="3584233" y="4736571"/>
+                <a:ext cx="375423" cy="276999"/>
+              </a:xfrm>
+              <a:prstGeom prst="rect">
+                <a:avLst/>
+              </a:prstGeom>
+              <a:noFill/>
+            </p:spPr>
+            <p:txBody>
+              <a:bodyPr wrap="none" rtlCol="0">
+                <a:spAutoFit/>
+              </a:bodyPr>
+              <a:lstStyle/>
+              <a:p>
+                <a:r>
+                  <a:rPr lang="en-US" sz="1200" i="1" dirty="0" err="1" smtClean="0">
+                    <a:latin typeface="Times New Roman"/>
+                  </a:rPr>
+                  <a:t>nT</a:t>
+                </a:r>
+                <a:endParaRPr lang="en-US" sz="1200" dirty="0">
+                  <a:latin typeface="Times New Roman"/>
+                </a:endParaRPr>
+              </a:p>
+            </p:txBody>
+          </p:sp>
+          <p:sp>
+            <p:nvSpPr>
+              <p:cNvPr id="64" name="TextBox 63"/>
+              <p:cNvSpPr txBox="1"/>
+              <p:nvPr/>
+            </p:nvSpPr>
+            <p:spPr>
+              <a:xfrm>
+                <a:off x="3652002" y="2390911"/>
+                <a:ext cx="537853" cy="276999"/>
+              </a:xfrm>
+              <a:prstGeom prst="rect">
+                <a:avLst/>
+              </a:prstGeom>
+              <a:noFill/>
+            </p:spPr>
+            <p:txBody>
+              <a:bodyPr wrap="none" rtlCol="0">
+                <a:spAutoFit/>
+              </a:bodyPr>
+              <a:lstStyle/>
+              <a:p>
+                <a:r>
+                  <a:rPr lang="en-US" sz="1200" i="1" dirty="0" err="1" smtClean="0">
+                    <a:latin typeface="Times New Roman"/>
+                  </a:rPr>
+                  <a:t>u</a:t>
+                </a:r>
+                <a:r>
+                  <a:rPr lang="en-US" sz="1200" dirty="0" err="1" smtClean="0">
+                    <a:latin typeface="Times New Roman"/>
+                  </a:rPr>
+                  <a:t>(</a:t>
+                </a:r>
+                <a:r>
+                  <a:rPr lang="en-US" sz="1200" i="1" dirty="0" err="1" smtClean="0">
+                    <a:latin typeface="Times New Roman"/>
+                  </a:rPr>
+                  <a:t>nT</a:t>
+                </a:r>
+                <a:r>
+                  <a:rPr lang="en-US" sz="1200" dirty="0" smtClean="0">
+                    <a:latin typeface="Times New Roman"/>
+                  </a:rPr>
+                  <a:t>)</a:t>
+                </a:r>
+                <a:endParaRPr lang="en-US" sz="1200" dirty="0">
+                  <a:latin typeface="Times New Roman"/>
+                </a:endParaRPr>
+              </a:p>
+            </p:txBody>
+          </p:sp>
+          <p:cxnSp>
+            <p:nvCxnSpPr>
+              <p:cNvPr id="65" name="Straight Arrow Connector 64"/>
+              <p:cNvCxnSpPr/>
+              <p:nvPr/>
+            </p:nvCxnSpPr>
+            <p:spPr>
+              <a:xfrm rot="10800000" flipV="1">
+                <a:off x="3783599" y="3378882"/>
+                <a:ext cx="741981" cy="155059"/>
+              </a:xfrm>
+              <a:prstGeom prst="straightConnector1">
+                <a:avLst/>
+              </a:prstGeom>
+              <a:ln>
+                <a:tailEnd type="arrow"/>
+              </a:ln>
+            </p:spPr>
+            <p:style>
+              <a:lnRef idx="2">
+                <a:schemeClr val="accent1"/>
+              </a:lnRef>
+              <a:fillRef idx="0">
+                <a:schemeClr val="accent1"/>
+              </a:fillRef>
+              <a:effectRef idx="1">
+                <a:schemeClr val="accent1"/>
+              </a:effectRef>
+              <a:fontRef idx="minor">
+                <a:schemeClr val="tx1"/>
+              </a:fontRef>
+            </p:style>
+          </p:cxnSp>
+          <p:sp>
+            <p:nvSpPr>
+              <p:cNvPr id="66" name="TextBox 65"/>
+              <p:cNvSpPr txBox="1"/>
+              <p:nvPr/>
+            </p:nvSpPr>
+            <p:spPr>
+              <a:xfrm>
+                <a:off x="4525577" y="3009550"/>
+                <a:ext cx="1864964" cy="369332"/>
+              </a:xfrm>
+              <a:prstGeom prst="rect">
+                <a:avLst/>
+              </a:prstGeom>
+              <a:noFill/>
+            </p:spPr>
+            <p:txBody>
+              <a:bodyPr wrap="none" rtlCol="0">
+                <a:spAutoFit/>
+              </a:bodyPr>
+              <a:lstStyle/>
+              <a:p>
+                <a:r>
+                  <a:rPr lang="en-US" dirty="0" smtClean="0"/>
+                  <a:t>Area of trapezium</a:t>
+                </a:r>
+                <a:endParaRPr lang="en-US" dirty="0"/>
+              </a:p>
+            </p:txBody>
+          </p:sp>
+          <p:graphicFrame>
+            <p:nvGraphicFramePr>
+              <p:cNvPr id="67" name="Object 66"/>
+              <p:cNvGraphicFramePr>
+                <a:graphicFrameLocks noChangeAspect="1"/>
+              </p:cNvGraphicFramePr>
+              <p:nvPr/>
+            </p:nvGraphicFramePr>
+            <p:xfrm>
+              <a:off x="4545358" y="3337030"/>
+              <a:ext cx="2327275" cy="614363"/>
+            </p:xfrm>
+            <a:graphic>
+              <a:graphicData uri="http://schemas.openxmlformats.org/presentationml/2006/ole">
+                <p:oleObj spid="_x0000_s24579" name="Equation" r:id="rId3" imgW="1346200" imgH="355600" progId="Equation.3">
+                  <p:embed/>
+                </p:oleObj>
+              </a:graphicData>
+            </a:graphic>
+          </p:graphicFrame>
+        </p:grpSp>
+      </p:grpSp>
+    </p:spTree>
+  </p:cSld>
+  <p:clrMapOvr>
+    <a:masterClrMapping/>
+  </p:clrMapOvr>
+  <p:timing>
+    <p:tnLst>
+      <p:par>
+        <p:cTn id="1" dur="indefinite" restart="never" nodeType="tmRoot"/>
+      </p:par>
+    </p:tnLst>
+  </p:timing>
+</p:sld>
+</file>
+
+<file path=ppt/slides/slide7.xml><?xml version="1.0" encoding="utf-8"?>
 <p:sld xmlns:a="http://schemas.openxmlformats.org/drawingml/2006/main" xmlns:r="http://schemas.openxmlformats.org/officeDocument/2006/relationships" xmlns:mc="http://schemas.openxmlformats.org/markup-compatibility/2006" xmlns:mv="urn:schemas-microsoft-com:mac:vml" xmlns:p="http://schemas.openxmlformats.org/presentationml/2006/main" mc:Ignorable="mv" mc:PreserveAttributes="mv:*">
   <p:cSld>
     <p:spTree>
@@ -4199,7 +10551,7 @@
 </p:sld>
 </file>
 
-<file path=ppt/slides/slide3.xml><?xml version="1.0" encoding="utf-8"?>
+<file path=ppt/slides/slide8.xml><?xml version="1.0" encoding="utf-8"?>
 <p:sld xmlns:a="http://schemas.openxmlformats.org/drawingml/2006/main" xmlns:r="http://schemas.openxmlformats.org/officeDocument/2006/relationships" xmlns:mc="http://schemas.openxmlformats.org/markup-compatibility/2006" xmlns:mv="urn:schemas-microsoft-com:mac:vml" xmlns:p="http://schemas.openxmlformats.org/presentationml/2006/main" mc:Ignorable="mv" mc:PreserveAttributes="mv:*">
   <p:cSld>
     <p:spTree>
@@ -4355,7 +10707,7 @@
 </p:sld>
 </file>
 
-<file path=ppt/slides/slide4.xml><?xml version="1.0" encoding="utf-8"?>
+<file path=ppt/slides/slide9.xml><?xml version="1.0" encoding="utf-8"?>
 <p:sld xmlns:a="http://schemas.openxmlformats.org/drawingml/2006/main" xmlns:r="http://schemas.openxmlformats.org/officeDocument/2006/relationships" xmlns:mc="http://schemas.openxmlformats.org/markup-compatibility/2006" xmlns:mv="urn:schemas-microsoft-com:mac:vml" xmlns:p="http://schemas.openxmlformats.org/presentationml/2006/main" mc:Ignorable="mv" mc:PreserveAttributes="mv:*">
   <p:cSld>
     <p:spTree>
@@ -4497,485 +10849,6 @@
           <a:graphic>
             <a:graphicData uri="http://schemas.openxmlformats.org/presentationml/2006/ole">
               <p:oleObj spid="_x0000_s16389" name="Equation" r:id="rId8" imgW="228600" imgH="241300" progId="Equation.3">
-                <p:embed/>
-              </p:oleObj>
-            </a:graphicData>
-          </a:graphic>
-        </p:graphicFrame>
-      </p:grpSp>
-    </p:spTree>
-  </p:cSld>
-  <p:clrMapOvr>
-    <a:masterClrMapping/>
-  </p:clrMapOvr>
-</p:sld>
-</file>
-
-<file path=ppt/slides/slide5.xml><?xml version="1.0" encoding="utf-8"?>
-<p:sld xmlns:a="http://schemas.openxmlformats.org/drawingml/2006/main" xmlns:r="http://schemas.openxmlformats.org/officeDocument/2006/relationships" xmlns:mc="http://schemas.openxmlformats.org/markup-compatibility/2006" xmlns:mv="urn:schemas-microsoft-com:mac:vml" xmlns:p="http://schemas.openxmlformats.org/presentationml/2006/main" mc:Ignorable="mv" mc:PreserveAttributes="mv:*">
-  <p:cSld>
-    <p:spTree>
-      <p:nvGrpSpPr>
-        <p:cNvPr id="1" name=""/>
-        <p:cNvGrpSpPr/>
-        <p:nvPr/>
-      </p:nvGrpSpPr>
-      <p:grpSpPr>
-        <a:xfrm>
-          <a:off x="0" y="0"/>
-          <a:ext cx="0" cy="0"/>
-          <a:chOff x="0" y="0"/>
-          <a:chExt cx="0" cy="0"/>
-        </a:xfrm>
-      </p:grpSpPr>
-      <p:grpSp>
-        <p:nvGrpSpPr>
-          <p:cNvPr id="10" name="Group 9"/>
-          <p:cNvGrpSpPr/>
-          <p:nvPr/>
-        </p:nvGrpSpPr>
-        <p:grpSpPr>
-          <a:xfrm>
-            <a:off x="1123950" y="1974850"/>
-            <a:ext cx="6896100" cy="2908300"/>
-            <a:chOff x="1123950" y="1974850"/>
-            <a:chExt cx="6896100" cy="2908300"/>
-          </a:xfrm>
-        </p:grpSpPr>
-        <p:pic>
-          <p:nvPicPr>
-            <p:cNvPr id="4" name="Picture 3" descr="ocanon.pdf"/>
-            <p:cNvPicPr>
-              <a:picLocks noChangeAspect="1"/>
-            </p:cNvPicPr>
-            <p:nvPr/>
-          </p:nvPicPr>
-          <mc:AlternateContent>
-            <mc:Choice xmlns:ma="http://schemas.microsoft.com/office/mac/drawingml/2008/main" Requires="ma">
-              <p:blipFill>
-                <a:blip r:embed="rId3"/>
-                <a:stretch>
-                  <a:fillRect/>
-                </a:stretch>
-              </p:blipFill>
-            </mc:Choice>
-            <mc:Fallback>
-              <p:blipFill>
-                <a:blip r:embed="rId4"/>
-                <a:stretch>
-                  <a:fillRect/>
-                </a:stretch>
-              </p:blipFill>
-            </mc:Fallback>
-          </mc:AlternateContent>
-          <p:spPr>
-            <a:xfrm>
-              <a:off x="1123950" y="1974850"/>
-              <a:ext cx="6896100" cy="2908300"/>
-            </a:xfrm>
-            <a:prstGeom prst="rect">
-              <a:avLst/>
-            </a:prstGeom>
-          </p:spPr>
-        </p:pic>
-        <p:graphicFrame>
-          <p:nvGraphicFramePr>
-            <p:cNvPr id="17410" name="Object 2"/>
-            <p:cNvGraphicFramePr>
-              <a:graphicFrameLocks noChangeAspect="1"/>
-            </p:cNvGraphicFramePr>
-            <p:nvPr/>
-          </p:nvGraphicFramePr>
-          <p:xfrm>
-            <a:off x="2413666" y="3318669"/>
-            <a:ext cx="209550" cy="220662"/>
-          </p:xfrm>
-          <a:graphic>
-            <a:graphicData uri="http://schemas.openxmlformats.org/presentationml/2006/ole">
-              <p:oleObj spid="_x0000_s17410" name="Equation" r:id="rId5" imgW="228600" imgH="241300" progId="Equation.3">
-                <p:embed/>
-              </p:oleObj>
-            </a:graphicData>
-          </a:graphic>
-        </p:graphicFrame>
-        <p:graphicFrame>
-          <p:nvGraphicFramePr>
-            <p:cNvPr id="6" name="Object 2"/>
-            <p:cNvGraphicFramePr>
-              <a:graphicFrameLocks noChangeAspect="1"/>
-            </p:cNvGraphicFramePr>
-            <p:nvPr/>
-          </p:nvGraphicFramePr>
-          <p:xfrm>
-            <a:off x="3604574" y="3360738"/>
-            <a:ext cx="209550" cy="220662"/>
-          </p:xfrm>
-          <a:graphic>
-            <a:graphicData uri="http://schemas.openxmlformats.org/presentationml/2006/ole">
-              <p:oleObj spid="_x0000_s17411" name="Equation" r:id="rId6" imgW="228600" imgH="241300" progId="Equation.3">
-                <p:embed/>
-              </p:oleObj>
-            </a:graphicData>
-          </a:graphic>
-        </p:graphicFrame>
-        <p:graphicFrame>
-          <p:nvGraphicFramePr>
-            <p:cNvPr id="8" name="Object 2"/>
-            <p:cNvGraphicFramePr>
-              <a:graphicFrameLocks noChangeAspect="1"/>
-            </p:cNvGraphicFramePr>
-            <p:nvPr/>
-          </p:nvGraphicFramePr>
-          <p:xfrm>
-            <a:off x="5592131" y="3335163"/>
-            <a:ext cx="209550" cy="220662"/>
-          </p:xfrm>
-          <a:graphic>
-            <a:graphicData uri="http://schemas.openxmlformats.org/presentationml/2006/ole">
-              <p:oleObj spid="_x0000_s17413" name="Equation" r:id="rId7" imgW="228600" imgH="241300" progId="Equation.3">
-                <p:embed/>
-              </p:oleObj>
-            </a:graphicData>
-          </a:graphic>
-        </p:graphicFrame>
-        <p:graphicFrame>
-          <p:nvGraphicFramePr>
-            <p:cNvPr id="9" name="Object 2"/>
-            <p:cNvGraphicFramePr>
-              <a:graphicFrameLocks noChangeAspect="1"/>
-            </p:cNvGraphicFramePr>
-            <p:nvPr/>
-          </p:nvGraphicFramePr>
-          <p:xfrm>
-            <a:off x="6762643" y="3335163"/>
-            <a:ext cx="209550" cy="220662"/>
-          </p:xfrm>
-          <a:graphic>
-            <a:graphicData uri="http://schemas.openxmlformats.org/presentationml/2006/ole">
-              <p:oleObj spid="_x0000_s17414" name="Equation" r:id="rId8" imgW="228600" imgH="241300" progId="Equation.3">
-                <p:embed/>
-              </p:oleObj>
-            </a:graphicData>
-          </a:graphic>
-        </p:graphicFrame>
-      </p:grpSp>
-    </p:spTree>
-  </p:cSld>
-  <p:clrMapOvr>
-    <a:masterClrMapping/>
-  </p:clrMapOvr>
-</p:sld>
-</file>
-
-<file path=ppt/slides/slide6.xml><?xml version="1.0" encoding="utf-8"?>
-<p:sld xmlns:a="http://schemas.openxmlformats.org/drawingml/2006/main" xmlns:r="http://schemas.openxmlformats.org/officeDocument/2006/relationships" xmlns:mc="http://schemas.openxmlformats.org/markup-compatibility/2006" xmlns:mv="urn:schemas-microsoft-com:mac:vml" xmlns:p="http://schemas.openxmlformats.org/presentationml/2006/main" mc:Ignorable="mv" mc:PreserveAttributes="mv:*">
-  <p:cSld>
-    <p:spTree>
-      <p:nvGrpSpPr>
-        <p:cNvPr id="1" name=""/>
-        <p:cNvGrpSpPr/>
-        <p:nvPr/>
-      </p:nvGrpSpPr>
-      <p:grpSpPr>
-        <a:xfrm>
-          <a:off x="0" y="0"/>
-          <a:ext cx="0" cy="0"/>
-          <a:chOff x="0" y="0"/>
-          <a:chExt cx="0" cy="0"/>
-        </a:xfrm>
-      </p:grpSpPr>
-      <p:grpSp>
-        <p:nvGrpSpPr>
-          <p:cNvPr id="7" name="Group 6"/>
-          <p:cNvGrpSpPr/>
-          <p:nvPr/>
-        </p:nvGrpSpPr>
-        <p:grpSpPr>
-          <a:xfrm>
-            <a:off x="955543" y="785501"/>
-            <a:ext cx="5016500" cy="1651000"/>
-            <a:chOff x="2063750" y="2603500"/>
-            <a:chExt cx="5016500" cy="1651000"/>
-          </a:xfrm>
-        </p:grpSpPr>
-        <p:pic>
-          <p:nvPicPr>
-            <p:cNvPr id="4" name="Picture 3" descr="jordanblock.pdf"/>
-            <p:cNvPicPr>
-              <a:picLocks noChangeAspect="1"/>
-            </p:cNvPicPr>
-            <p:nvPr/>
-          </p:nvPicPr>
-          <mc:AlternateContent>
-            <mc:Choice xmlns:ma="http://schemas.microsoft.com/office/mac/drawingml/2008/main" Requires="ma">
-              <p:blipFill>
-                <a:blip r:embed="rId3"/>
-                <a:stretch>
-                  <a:fillRect/>
-                </a:stretch>
-              </p:blipFill>
-            </mc:Choice>
-            <mc:Fallback>
-              <p:blipFill>
-                <a:blip r:embed="rId4"/>
-                <a:stretch>
-                  <a:fillRect/>
-                </a:stretch>
-              </p:blipFill>
-            </mc:Fallback>
-          </mc:AlternateContent>
-          <p:spPr>
-            <a:xfrm>
-              <a:off x="2063750" y="2603500"/>
-              <a:ext cx="5016500" cy="1651000"/>
-            </a:xfrm>
-            <a:prstGeom prst="rect">
-              <a:avLst/>
-            </a:prstGeom>
-          </p:spPr>
-        </p:pic>
-        <p:graphicFrame>
-          <p:nvGraphicFramePr>
-            <p:cNvPr id="18434" name="Object 2"/>
-            <p:cNvGraphicFramePr>
-              <a:graphicFrameLocks noChangeAspect="1"/>
-            </p:cNvGraphicFramePr>
-            <p:nvPr/>
-          </p:nvGraphicFramePr>
-          <p:xfrm>
-            <a:off x="3463793" y="2725115"/>
-            <a:ext cx="209550" cy="220662"/>
-          </p:xfrm>
-          <a:graphic>
-            <a:graphicData uri="http://schemas.openxmlformats.org/presentationml/2006/ole">
-              <p:oleObj spid="_x0000_s18434" name="Equation" r:id="rId5" imgW="228600" imgH="241300" progId="Equation.3">
-                <p:embed/>
-              </p:oleObj>
-            </a:graphicData>
-          </a:graphic>
-        </p:graphicFrame>
-        <p:graphicFrame>
-          <p:nvGraphicFramePr>
-            <p:cNvPr id="6" name="Object 2"/>
-            <p:cNvGraphicFramePr>
-              <a:graphicFrameLocks noChangeAspect="1"/>
-            </p:cNvGraphicFramePr>
-            <p:nvPr/>
-          </p:nvGraphicFramePr>
-          <p:xfrm>
-            <a:off x="5212763" y="2725115"/>
-            <a:ext cx="209550" cy="220662"/>
-          </p:xfrm>
-          <a:graphic>
-            <a:graphicData uri="http://schemas.openxmlformats.org/presentationml/2006/ole">
-              <p:oleObj spid="_x0000_s18435" name="Equation" r:id="rId6" imgW="228600" imgH="241300" progId="Equation.3">
-                <p:embed/>
-              </p:oleObj>
-            </a:graphicData>
-          </a:graphic>
-        </p:graphicFrame>
-      </p:grpSp>
-      <p:grpSp>
-        <p:nvGrpSpPr>
-          <p:cNvPr id="12" name="Group 11"/>
-          <p:cNvGrpSpPr/>
-          <p:nvPr/>
-        </p:nvGrpSpPr>
-        <p:grpSpPr>
-          <a:xfrm>
-            <a:off x="805290" y="2614142"/>
-            <a:ext cx="7302500" cy="3619500"/>
-            <a:chOff x="805290" y="2614142"/>
-            <a:chExt cx="7302500" cy="3619500"/>
-          </a:xfrm>
-        </p:grpSpPr>
-        <p:pic>
-          <p:nvPicPr>
-            <p:cNvPr id="8" name="Picture 7" descr="normalcan.pdf"/>
-            <p:cNvPicPr>
-              <a:picLocks noChangeAspect="1"/>
-            </p:cNvPicPr>
-            <p:nvPr/>
-          </p:nvPicPr>
-          <mc:AlternateContent>
-            <mc:Choice xmlns:ma="http://schemas.microsoft.com/office/mac/drawingml/2008/main" Requires="ma">
-              <p:blipFill>
-                <a:blip r:embed="rId7"/>
-                <a:stretch>
-                  <a:fillRect/>
-                </a:stretch>
-              </p:blipFill>
-            </mc:Choice>
-            <mc:Fallback>
-              <p:blipFill>
-                <a:blip r:embed="rId8"/>
-                <a:stretch>
-                  <a:fillRect/>
-                </a:stretch>
-              </p:blipFill>
-            </mc:Fallback>
-          </mc:AlternateContent>
-          <p:spPr>
-            <a:xfrm>
-              <a:off x="805290" y="2614142"/>
-              <a:ext cx="7302500" cy="3619500"/>
-            </a:xfrm>
-            <a:prstGeom prst="rect">
-              <a:avLst/>
-            </a:prstGeom>
-          </p:spPr>
-        </p:pic>
-        <p:graphicFrame>
-          <p:nvGraphicFramePr>
-            <p:cNvPr id="18438" name="Object 6"/>
-            <p:cNvGraphicFramePr>
-              <a:graphicFrameLocks noChangeAspect="1"/>
-            </p:cNvGraphicFramePr>
-            <p:nvPr/>
-          </p:nvGraphicFramePr>
-          <p:xfrm>
-            <a:off x="2446303" y="3986832"/>
-            <a:ext cx="209550" cy="220662"/>
-          </p:xfrm>
-          <a:graphic>
-            <a:graphicData uri="http://schemas.openxmlformats.org/presentationml/2006/ole">
-              <p:oleObj spid="_x0000_s18438" name="Equation" r:id="rId9" imgW="228600" imgH="241300" progId="Equation.3">
-                <p:embed/>
-              </p:oleObj>
-            </a:graphicData>
-          </a:graphic>
-        </p:graphicFrame>
-        <p:graphicFrame>
-          <p:nvGraphicFramePr>
-            <p:cNvPr id="10" name="Object 6"/>
-            <p:cNvGraphicFramePr>
-              <a:graphicFrameLocks noChangeAspect="1"/>
-            </p:cNvGraphicFramePr>
-            <p:nvPr/>
-          </p:nvGraphicFramePr>
-          <p:xfrm>
-            <a:off x="4467225" y="3986832"/>
-            <a:ext cx="209550" cy="220662"/>
-          </p:xfrm>
-          <a:graphic>
-            <a:graphicData uri="http://schemas.openxmlformats.org/presentationml/2006/ole">
-              <p:oleObj spid="_x0000_s18439" name="Equation" r:id="rId10" imgW="228600" imgH="241300" progId="Equation.3">
-                <p:embed/>
-              </p:oleObj>
-            </a:graphicData>
-          </a:graphic>
-        </p:graphicFrame>
-        <p:graphicFrame>
-          <p:nvGraphicFramePr>
-            <p:cNvPr id="11" name="Object 6"/>
-            <p:cNvGraphicFramePr>
-              <a:graphicFrameLocks noChangeAspect="1"/>
-            </p:cNvGraphicFramePr>
-            <p:nvPr/>
-          </p:nvGraphicFramePr>
-          <p:xfrm>
-            <a:off x="6944079" y="3986832"/>
-            <a:ext cx="209550" cy="220662"/>
-          </p:xfrm>
-          <a:graphic>
-            <a:graphicData uri="http://schemas.openxmlformats.org/presentationml/2006/ole">
-              <p:oleObj spid="_x0000_s18440" name="Equation" r:id="rId11" imgW="228600" imgH="241300" progId="Equation.3">
-                <p:embed/>
-              </p:oleObj>
-            </a:graphicData>
-          </a:graphic>
-        </p:graphicFrame>
-      </p:grpSp>
-    </p:spTree>
-  </p:cSld>
-  <p:clrMapOvr>
-    <a:masterClrMapping/>
-  </p:clrMapOvr>
-</p:sld>
-</file>
-
-<file path=ppt/slides/slide7.xml><?xml version="1.0" encoding="utf-8"?>
-<p:sld xmlns:a="http://schemas.openxmlformats.org/drawingml/2006/main" xmlns:r="http://schemas.openxmlformats.org/officeDocument/2006/relationships" xmlns:mc="http://schemas.openxmlformats.org/markup-compatibility/2006" xmlns:mv="urn:schemas-microsoft-com:mac:vml" xmlns:p="http://schemas.openxmlformats.org/presentationml/2006/main" mc:Ignorable="mv" mc:PreserveAttributes="mv:*">
-  <p:cSld>
-    <p:spTree>
-      <p:nvGrpSpPr>
-        <p:cNvPr id="1" name=""/>
-        <p:cNvGrpSpPr/>
-        <p:nvPr/>
-      </p:nvGrpSpPr>
-      <p:grpSpPr>
-        <a:xfrm>
-          <a:off x="0" y="0"/>
-          <a:ext cx="0" cy="0"/>
-          <a:chOff x="0" y="0"/>
-          <a:chExt cx="0" cy="0"/>
-        </a:xfrm>
-      </p:grpSpPr>
-      <p:grpSp>
-        <p:nvGrpSpPr>
-          <p:cNvPr id="6" name="Group 5"/>
-          <p:cNvGrpSpPr/>
-          <p:nvPr/>
-        </p:nvGrpSpPr>
-        <p:grpSpPr>
-          <a:xfrm>
-            <a:off x="2546350" y="2952750"/>
-            <a:ext cx="4051300" cy="952500"/>
-            <a:chOff x="2546350" y="2952750"/>
-            <a:chExt cx="4051300" cy="952500"/>
-          </a:xfrm>
-        </p:grpSpPr>
-        <p:pic>
-          <p:nvPicPr>
-            <p:cNvPr id="4" name="Picture 3" descr="sspole.pdf"/>
-            <p:cNvPicPr>
-              <a:picLocks noChangeAspect="1"/>
-            </p:cNvPicPr>
-            <p:nvPr/>
-          </p:nvPicPr>
-          <mc:AlternateContent>
-            <mc:Choice xmlns:ma="http://schemas.microsoft.com/office/mac/drawingml/2008/main" Requires="ma">
-              <p:blipFill>
-                <a:blip r:embed="rId3"/>
-                <a:stretch>
-                  <a:fillRect/>
-                </a:stretch>
-              </p:blipFill>
-            </mc:Choice>
-            <mc:Fallback>
-              <p:blipFill>
-                <a:blip r:embed="rId4"/>
-                <a:stretch>
-                  <a:fillRect/>
-                </a:stretch>
-              </p:blipFill>
-            </mc:Fallback>
-          </mc:AlternateContent>
-          <p:spPr>
-            <a:xfrm>
-              <a:off x="2546350" y="2952750"/>
-              <a:ext cx="4051300" cy="952500"/>
-            </a:xfrm>
-            <a:prstGeom prst="rect">
-              <a:avLst/>
-            </a:prstGeom>
-          </p:spPr>
-        </p:pic>
-        <p:graphicFrame>
-          <p:nvGraphicFramePr>
-            <p:cNvPr id="19458" name="Object 2"/>
-            <p:cNvGraphicFramePr>
-              <a:graphicFrameLocks noChangeAspect="1"/>
-            </p:cNvGraphicFramePr>
-            <p:nvPr/>
-          </p:nvGraphicFramePr>
-          <p:xfrm>
-            <a:off x="4629729" y="2993985"/>
-            <a:ext cx="209550" cy="220662"/>
-          </p:xfrm>
-          <a:graphic>
-            <a:graphicData uri="http://schemas.openxmlformats.org/presentationml/2006/ole">
-              <p:oleObj spid="_x0000_s19458" name="Equation" r:id="rId5" imgW="228600" imgH="241300" progId="Equation.3">
                 <p:embed/>
               </p:oleObj>
             </a:graphicData>

--- a/DigitalSystems/Lecture11/pictures/pictures-converted.pptx
+++ b/DigitalSystems/Lecture11/pictures/pictures-converted.pptx
@@ -7,16 +7,18 @@
   <p:sldIdLst>
     <p:sldId id="256" r:id="rId2"/>
     <p:sldId id="263" r:id="rId3"/>
-    <p:sldId id="264" r:id="rId4"/>
-    <p:sldId id="265" r:id="rId5"/>
-    <p:sldId id="266" r:id="rId6"/>
-    <p:sldId id="267" r:id="rId7"/>
-    <p:sldId id="257" r:id="rId8"/>
-    <p:sldId id="258" r:id="rId9"/>
-    <p:sldId id="259" r:id="rId10"/>
-    <p:sldId id="260" r:id="rId11"/>
-    <p:sldId id="261" r:id="rId12"/>
-    <p:sldId id="262" r:id="rId13"/>
+    <p:sldId id="268" r:id="rId4"/>
+    <p:sldId id="269" r:id="rId5"/>
+    <p:sldId id="264" r:id="rId6"/>
+    <p:sldId id="265" r:id="rId7"/>
+    <p:sldId id="266" r:id="rId8"/>
+    <p:sldId id="267" r:id="rId9"/>
+    <p:sldId id="257" r:id="rId10"/>
+    <p:sldId id="258" r:id="rId11"/>
+    <p:sldId id="259" r:id="rId12"/>
+    <p:sldId id="260" r:id="rId13"/>
+    <p:sldId id="261" r:id="rId14"/>
+    <p:sldId id="262" r:id="rId15"/>
   </p:sldIdLst>
   <p:sldSz cx="9144000" cy="6858000" type="screen4x3"/>
   <p:notesSz cx="6858000" cy="9144000"/>
@@ -3127,7 +3129,7 @@
               </a:stretch>
             </p:blipFill>
           </mc:Choice>
-          <mc:Fallback xmlns:p="http://schemas.openxmlformats.org/presentationml/2006/main" xmlns:mv="urn:schemas-microsoft-com:mac:vml" xmlns:mc="http://schemas.openxmlformats.org/markup-compatibility/2006" xmlns:r="http://schemas.openxmlformats.org/officeDocument/2006/relationships" xmlns:a="http://schemas.openxmlformats.org/drawingml/2006/main" xmlns="">
+          <mc:Fallback xmlns:ma="http://schemas.microsoft.com/office/mac/drawingml/2008/main" xmlns="" xmlns:a="http://schemas.openxmlformats.org/drawingml/2006/main" xmlns:r="http://schemas.openxmlformats.org/officeDocument/2006/relationships" xmlns:mc="http://schemas.openxmlformats.org/markup-compatibility/2006" xmlns:mv="urn:schemas-microsoft-com:mac:vml" xmlns:p="http://schemas.openxmlformats.org/presentationml/2006/main">
             <p:blipFill>
               <a:blip r:embed="rId3"/>
               <a:stretch>
@@ -3231,7 +3233,7 @@
               </a:stretch>
             </p:blipFill>
           </mc:Choice>
-          <mc:Fallback xmlns:p="http://schemas.openxmlformats.org/presentationml/2006/main" xmlns:mv="urn:schemas-microsoft-com:mac:vml" xmlns:mc="http://schemas.openxmlformats.org/markup-compatibility/2006" xmlns:r="http://schemas.openxmlformats.org/officeDocument/2006/relationships" xmlns:a="http://schemas.openxmlformats.org/drawingml/2006/main" xmlns="">
+          <mc:Fallback xmlns:ma="http://schemas.microsoft.com/office/mac/drawingml/2008/main" xmlns="" xmlns:a="http://schemas.openxmlformats.org/drawingml/2006/main" xmlns:r="http://schemas.openxmlformats.org/officeDocument/2006/relationships" xmlns:mc="http://schemas.openxmlformats.org/markup-compatibility/2006" xmlns:mv="urn:schemas-microsoft-com:mac:vml" xmlns:p="http://schemas.openxmlformats.org/presentationml/2006/main">
             <p:blipFill>
               <a:blip r:embed="rId5"/>
               <a:stretch>
@@ -3301,7 +3303,7 @@
               </a:stretch>
             </p:blipFill>
           </mc:Choice>
-          <mc:Fallback xmlns:p="http://schemas.openxmlformats.org/presentationml/2006/main" xmlns:mv="urn:schemas-microsoft-com:mac:vml" xmlns:mc="http://schemas.openxmlformats.org/markup-compatibility/2006" xmlns:r="http://schemas.openxmlformats.org/officeDocument/2006/relationships" xmlns:a="http://schemas.openxmlformats.org/drawingml/2006/main" xmlns="">
+          <mc:Fallback xmlns:ma="http://schemas.microsoft.com/office/mac/drawingml/2008/main" xmlns="" xmlns:a="http://schemas.openxmlformats.org/drawingml/2006/main" xmlns:r="http://schemas.openxmlformats.org/officeDocument/2006/relationships" xmlns:mc="http://schemas.openxmlformats.org/markup-compatibility/2006" xmlns:mv="urn:schemas-microsoft-com:mac:vml" xmlns:p="http://schemas.openxmlformats.org/presentationml/2006/main">
             <p:blipFill>
               <a:blip r:embed="rId7"/>
               <a:stretch>
@@ -3405,7 +3407,7 @@
               </a:stretch>
             </p:blipFill>
           </mc:Choice>
-          <mc:Fallback xmlns:p="http://schemas.openxmlformats.org/presentationml/2006/main" xmlns:mv="urn:schemas-microsoft-com:mac:vml" xmlns:mc="http://schemas.openxmlformats.org/markup-compatibility/2006" xmlns:r="http://schemas.openxmlformats.org/officeDocument/2006/relationships" xmlns:a="http://schemas.openxmlformats.org/drawingml/2006/main" xmlns="">
+          <mc:Fallback xmlns:ma="http://schemas.microsoft.com/office/mac/drawingml/2008/main" xmlns="" xmlns:a="http://schemas.openxmlformats.org/drawingml/2006/main" xmlns:r="http://schemas.openxmlformats.org/officeDocument/2006/relationships" xmlns:mc="http://schemas.openxmlformats.org/markup-compatibility/2006" xmlns:mv="urn:schemas-microsoft-com:mac:vml" xmlns:p="http://schemas.openxmlformats.org/presentationml/2006/main">
             <p:blipFill>
               <a:blip r:embed="rId9"/>
               <a:stretch>
@@ -3543,7 +3545,7 @@
               </a:stretch>
             </p:blipFill>
           </mc:Choice>
-          <mc:Fallback xmlns:p="http://schemas.openxmlformats.org/presentationml/2006/main" xmlns:mv="urn:schemas-microsoft-com:mac:vml" xmlns:mc="http://schemas.openxmlformats.org/markup-compatibility/2006" xmlns:r="http://schemas.openxmlformats.org/officeDocument/2006/relationships" xmlns:a="http://schemas.openxmlformats.org/drawingml/2006/main" xmlns="">
+          <mc:Fallback xmlns:ma="http://schemas.microsoft.com/office/mac/drawingml/2008/main" xmlns="" xmlns:a="http://schemas.openxmlformats.org/drawingml/2006/main" xmlns:r="http://schemas.openxmlformats.org/officeDocument/2006/relationships" xmlns:mc="http://schemas.openxmlformats.org/markup-compatibility/2006" xmlns:mv="urn:schemas-microsoft-com:mac:vml" xmlns:p="http://schemas.openxmlformats.org/presentationml/2006/main">
             <p:blipFill>
               <a:blip r:embed="rId11"/>
               <a:stretch>
@@ -3789,7 +3791,7 @@
               </a:stretch>
             </p:blipFill>
           </mc:Choice>
-          <mc:Fallback xmlns:p="http://schemas.openxmlformats.org/presentationml/2006/main" xmlns:mv="urn:schemas-microsoft-com:mac:vml" xmlns:mc="http://schemas.openxmlformats.org/markup-compatibility/2006" xmlns:r="http://schemas.openxmlformats.org/officeDocument/2006/relationships" xmlns:a="http://schemas.openxmlformats.org/drawingml/2006/main" xmlns="">
+          <mc:Fallback xmlns:ma="http://schemas.microsoft.com/office/mac/drawingml/2008/main" xmlns="" xmlns:a="http://schemas.openxmlformats.org/drawingml/2006/main" xmlns:r="http://schemas.openxmlformats.org/officeDocument/2006/relationships" xmlns:mc="http://schemas.openxmlformats.org/markup-compatibility/2006" xmlns:mv="urn:schemas-microsoft-com:mac:vml" xmlns:p="http://schemas.openxmlformats.org/presentationml/2006/main">
             <p:blipFill>
               <a:blip r:embed="rId13"/>
               <a:stretch>
@@ -3869,6 +3871,318 @@
       </p:grpSpPr>
       <p:grpSp>
         <p:nvGrpSpPr>
+          <p:cNvPr id="9" name="Group 8"/>
+          <p:cNvGrpSpPr/>
+          <p:nvPr/>
+        </p:nvGrpSpPr>
+        <p:grpSpPr>
+          <a:xfrm>
+            <a:off x="660400" y="1898650"/>
+            <a:ext cx="7823200" cy="3060700"/>
+            <a:chOff x="660400" y="1898650"/>
+            <a:chExt cx="7823200" cy="3060700"/>
+          </a:xfrm>
+        </p:grpSpPr>
+        <p:pic>
+          <p:nvPicPr>
+            <p:cNvPr id="4" name="Picture 3" descr="companion2.pdf"/>
+            <p:cNvPicPr>
+              <a:picLocks noChangeAspect="1"/>
+            </p:cNvPicPr>
+            <p:nvPr/>
+          </p:nvPicPr>
+          <mc:AlternateContent>
+            <mc:Choice xmlns:ma="http://schemas.microsoft.com/office/mac/drawingml/2008/main" Requires="ma">
+              <p:blipFill>
+                <a:blip r:embed="rId3"/>
+                <a:stretch>
+                  <a:fillRect/>
+                </a:stretch>
+              </p:blipFill>
+            </mc:Choice>
+            <mc:Fallback>
+              <p:blipFill>
+                <a:blip r:embed="rId4"/>
+                <a:stretch>
+                  <a:fillRect/>
+                </a:stretch>
+              </p:blipFill>
+            </mc:Fallback>
+          </mc:AlternateContent>
+          <p:spPr>
+            <a:xfrm>
+              <a:off x="660400" y="1898650"/>
+              <a:ext cx="7823200" cy="3060700"/>
+            </a:xfrm>
+            <a:prstGeom prst="rect">
+              <a:avLst/>
+            </a:prstGeom>
+          </p:spPr>
+        </p:pic>
+        <p:graphicFrame>
+          <p:nvGraphicFramePr>
+            <p:cNvPr id="15362" name="Object 2"/>
+            <p:cNvGraphicFramePr>
+              <a:graphicFrameLocks noChangeAspect="1"/>
+            </p:cNvGraphicFramePr>
+            <p:nvPr/>
+          </p:nvGraphicFramePr>
+          <p:xfrm>
+            <a:off x="2878247" y="3318669"/>
+            <a:ext cx="209550" cy="220662"/>
+          </p:xfrm>
+          <a:graphic>
+            <a:graphicData uri="http://schemas.openxmlformats.org/presentationml/2006/ole">
+              <p:oleObj spid="_x0000_s15362" name="Equation" r:id="rId5" imgW="228600" imgH="241300" progId="Equation.3">
+                <p:embed/>
+              </p:oleObj>
+            </a:graphicData>
+          </a:graphic>
+        </p:graphicFrame>
+        <p:graphicFrame>
+          <p:nvGraphicFramePr>
+            <p:cNvPr id="6" name="Object 2"/>
+            <p:cNvGraphicFramePr>
+              <a:graphicFrameLocks noChangeAspect="1"/>
+            </p:cNvGraphicFramePr>
+            <p:nvPr/>
+          </p:nvGraphicFramePr>
+          <p:xfrm>
+            <a:off x="4058165" y="3318669"/>
+            <a:ext cx="209550" cy="220662"/>
+          </p:xfrm>
+          <a:graphic>
+            <a:graphicData uri="http://schemas.openxmlformats.org/presentationml/2006/ole">
+              <p:oleObj spid="_x0000_s15363" name="Equation" r:id="rId6" imgW="228600" imgH="241300" progId="Equation.3">
+                <p:embed/>
+              </p:oleObj>
+            </a:graphicData>
+          </a:graphic>
+        </p:graphicFrame>
+        <p:graphicFrame>
+          <p:nvGraphicFramePr>
+            <p:cNvPr id="7" name="Object 2"/>
+            <p:cNvGraphicFramePr>
+              <a:graphicFrameLocks noChangeAspect="1"/>
+            </p:cNvGraphicFramePr>
+            <p:nvPr/>
+          </p:nvGraphicFramePr>
+          <p:xfrm>
+            <a:off x="6053390" y="3318669"/>
+            <a:ext cx="209550" cy="220662"/>
+          </p:xfrm>
+          <a:graphic>
+            <a:graphicData uri="http://schemas.openxmlformats.org/presentationml/2006/ole">
+              <p:oleObj spid="_x0000_s15364" name="Equation" r:id="rId7" imgW="228600" imgH="241300" progId="Equation.3">
+                <p:embed/>
+              </p:oleObj>
+            </a:graphicData>
+          </a:graphic>
+        </p:graphicFrame>
+        <p:graphicFrame>
+          <p:nvGraphicFramePr>
+            <p:cNvPr id="8" name="Object 2"/>
+            <p:cNvGraphicFramePr>
+              <a:graphicFrameLocks noChangeAspect="1"/>
+            </p:cNvGraphicFramePr>
+            <p:nvPr/>
+          </p:nvGraphicFramePr>
+          <p:xfrm>
+            <a:off x="7199740" y="3318669"/>
+            <a:ext cx="209550" cy="220662"/>
+          </p:xfrm>
+          <a:graphic>
+            <a:graphicData uri="http://schemas.openxmlformats.org/presentationml/2006/ole">
+              <p:oleObj spid="_x0000_s15365" name="Equation" r:id="rId8" imgW="228600" imgH="241300" progId="Equation.3">
+                <p:embed/>
+              </p:oleObj>
+            </a:graphicData>
+          </a:graphic>
+        </p:graphicFrame>
+      </p:grpSp>
+    </p:spTree>
+  </p:cSld>
+  <p:clrMapOvr>
+    <a:masterClrMapping/>
+  </p:clrMapOvr>
+</p:sld>
+</file>
+
+<file path=ppt/slides/slide11.xml><?xml version="1.0" encoding="utf-8"?>
+<p:sld xmlns:a="http://schemas.openxmlformats.org/drawingml/2006/main" xmlns:r="http://schemas.openxmlformats.org/officeDocument/2006/relationships" xmlns:mc="http://schemas.openxmlformats.org/markup-compatibility/2006" xmlns:mv="urn:schemas-microsoft-com:mac:vml" xmlns:p="http://schemas.openxmlformats.org/presentationml/2006/main" mc:Ignorable="mv" mc:PreserveAttributes="mv:*">
+  <p:cSld>
+    <p:spTree>
+      <p:nvGrpSpPr>
+        <p:cNvPr id="1" name=""/>
+        <p:cNvGrpSpPr/>
+        <p:nvPr/>
+      </p:nvGrpSpPr>
+      <p:grpSpPr>
+        <a:xfrm>
+          <a:off x="0" y="0"/>
+          <a:ext cx="0" cy="0"/>
+          <a:chOff x="0" y="0"/>
+          <a:chExt cx="0" cy="0"/>
+        </a:xfrm>
+      </p:grpSpPr>
+      <p:grpSp>
+        <p:nvGrpSpPr>
+          <p:cNvPr id="9" name="Group 8"/>
+          <p:cNvGrpSpPr/>
+          <p:nvPr/>
+        </p:nvGrpSpPr>
+        <p:grpSpPr>
+          <a:xfrm>
+            <a:off x="660400" y="1898650"/>
+            <a:ext cx="7823200" cy="3060700"/>
+            <a:chOff x="660400" y="1898650"/>
+            <a:chExt cx="7823200" cy="3060700"/>
+          </a:xfrm>
+        </p:grpSpPr>
+        <p:pic>
+          <p:nvPicPr>
+            <p:cNvPr id="4" name="Picture 3" descr="companion3.pdf"/>
+            <p:cNvPicPr>
+              <a:picLocks noChangeAspect="1"/>
+            </p:cNvPicPr>
+            <p:nvPr/>
+          </p:nvPicPr>
+          <mc:AlternateContent>
+            <mc:Choice xmlns:ma="http://schemas.microsoft.com/office/mac/drawingml/2008/main" Requires="ma">
+              <p:blipFill>
+                <a:blip r:embed="rId3"/>
+                <a:stretch>
+                  <a:fillRect/>
+                </a:stretch>
+              </p:blipFill>
+            </mc:Choice>
+            <mc:Fallback>
+              <p:blipFill>
+                <a:blip r:embed="rId4"/>
+                <a:stretch>
+                  <a:fillRect/>
+                </a:stretch>
+              </p:blipFill>
+            </mc:Fallback>
+          </mc:AlternateContent>
+          <p:spPr>
+            <a:xfrm>
+              <a:off x="660400" y="1898650"/>
+              <a:ext cx="7823200" cy="3060700"/>
+            </a:xfrm>
+            <a:prstGeom prst="rect">
+              <a:avLst/>
+            </a:prstGeom>
+          </p:spPr>
+        </p:pic>
+        <p:graphicFrame>
+          <p:nvGraphicFramePr>
+            <p:cNvPr id="16386" name="Object 2"/>
+            <p:cNvGraphicFramePr>
+              <a:graphicFrameLocks noChangeAspect="1"/>
+            </p:cNvGraphicFramePr>
+            <p:nvPr/>
+          </p:nvGraphicFramePr>
+          <p:xfrm>
+            <a:off x="2902988" y="3318669"/>
+            <a:ext cx="209550" cy="220662"/>
+          </p:xfrm>
+          <a:graphic>
+            <a:graphicData uri="http://schemas.openxmlformats.org/presentationml/2006/ole">
+              <p:oleObj spid="_x0000_s16386" name="Equation" r:id="rId5" imgW="228600" imgH="241300" progId="Equation.3">
+                <p:embed/>
+              </p:oleObj>
+            </a:graphicData>
+          </a:graphic>
+        </p:graphicFrame>
+        <p:graphicFrame>
+          <p:nvGraphicFramePr>
+            <p:cNvPr id="6" name="Object 2"/>
+            <p:cNvGraphicFramePr>
+              <a:graphicFrameLocks noChangeAspect="1"/>
+            </p:cNvGraphicFramePr>
+            <p:nvPr/>
+          </p:nvGraphicFramePr>
+          <p:xfrm>
+            <a:off x="4058165" y="3318669"/>
+            <a:ext cx="209550" cy="220662"/>
+          </p:xfrm>
+          <a:graphic>
+            <a:graphicData uri="http://schemas.openxmlformats.org/presentationml/2006/ole">
+              <p:oleObj spid="_x0000_s16387" name="Equation" r:id="rId6" imgW="228600" imgH="241300" progId="Equation.3">
+                <p:embed/>
+              </p:oleObj>
+            </a:graphicData>
+          </a:graphic>
+        </p:graphicFrame>
+        <p:graphicFrame>
+          <p:nvGraphicFramePr>
+            <p:cNvPr id="7" name="Object 2"/>
+            <p:cNvGraphicFramePr>
+              <a:graphicFrameLocks noChangeAspect="1"/>
+            </p:cNvGraphicFramePr>
+            <p:nvPr/>
+          </p:nvGraphicFramePr>
+          <p:xfrm>
+            <a:off x="6061637" y="3318669"/>
+            <a:ext cx="209550" cy="220662"/>
+          </p:xfrm>
+          <a:graphic>
+            <a:graphicData uri="http://schemas.openxmlformats.org/presentationml/2006/ole">
+              <p:oleObj spid="_x0000_s16388" name="Equation" r:id="rId7" imgW="228600" imgH="241300" progId="Equation.3">
+                <p:embed/>
+              </p:oleObj>
+            </a:graphicData>
+          </a:graphic>
+        </p:graphicFrame>
+        <p:graphicFrame>
+          <p:nvGraphicFramePr>
+            <p:cNvPr id="8" name="Object 2"/>
+            <p:cNvGraphicFramePr>
+              <a:graphicFrameLocks noChangeAspect="1"/>
+            </p:cNvGraphicFramePr>
+            <p:nvPr/>
+          </p:nvGraphicFramePr>
+          <p:xfrm>
+            <a:off x="7224482" y="3318669"/>
+            <a:ext cx="209550" cy="220662"/>
+          </p:xfrm>
+          <a:graphic>
+            <a:graphicData uri="http://schemas.openxmlformats.org/presentationml/2006/ole">
+              <p:oleObj spid="_x0000_s16389" name="Equation" r:id="rId8" imgW="228600" imgH="241300" progId="Equation.3">
+                <p:embed/>
+              </p:oleObj>
+            </a:graphicData>
+          </a:graphic>
+        </p:graphicFrame>
+      </p:grpSp>
+    </p:spTree>
+  </p:cSld>
+  <p:clrMapOvr>
+    <a:masterClrMapping/>
+  </p:clrMapOvr>
+</p:sld>
+</file>
+
+<file path=ppt/slides/slide12.xml><?xml version="1.0" encoding="utf-8"?>
+<p:sld xmlns:a="http://schemas.openxmlformats.org/drawingml/2006/main" xmlns:r="http://schemas.openxmlformats.org/officeDocument/2006/relationships" xmlns:mc="http://schemas.openxmlformats.org/markup-compatibility/2006" xmlns:mv="urn:schemas-microsoft-com:mac:vml" xmlns:p="http://schemas.openxmlformats.org/presentationml/2006/main" mc:Ignorable="mv" mc:PreserveAttributes="mv:*">
+  <p:cSld>
+    <p:spTree>
+      <p:nvGrpSpPr>
+        <p:cNvPr id="1" name=""/>
+        <p:cNvGrpSpPr/>
+        <p:nvPr/>
+      </p:nvGrpSpPr>
+      <p:grpSpPr>
+        <a:xfrm>
+          <a:off x="0" y="0"/>
+          <a:ext cx="0" cy="0"/>
+          <a:chOff x="0" y="0"/>
+          <a:chExt cx="0" cy="0"/>
+        </a:xfrm>
+      </p:grpSpPr>
+      <p:grpSp>
+        <p:nvGrpSpPr>
           <p:cNvPr id="10" name="Group 9"/>
           <p:cNvGrpSpPr/>
           <p:nvPr/>
@@ -4006,7 +4320,7 @@
 </p:sld>
 </file>
 
-<file path=ppt/slides/slide11.xml><?xml version="1.0" encoding="utf-8"?>
+<file path=ppt/slides/slide13.xml><?xml version="1.0" encoding="utf-8"?>
 <p:sld xmlns:a="http://schemas.openxmlformats.org/drawingml/2006/main" xmlns:r="http://schemas.openxmlformats.org/officeDocument/2006/relationships" xmlns:mc="http://schemas.openxmlformats.org/markup-compatibility/2006" xmlns:mv="urn:schemas-microsoft-com:mac:vml" xmlns:p="http://schemas.openxmlformats.org/presentationml/2006/main" mc:Ignorable="mv" mc:PreserveAttributes="mv:*">
   <p:cSld>
     <p:spTree>
@@ -4233,7 +4547,7 @@
 </p:sld>
 </file>
 
-<file path=ppt/slides/slide12.xml><?xml version="1.0" encoding="utf-8"?>
+<file path=ppt/slides/slide14.xml><?xml version="1.0" encoding="utf-8"?>
 <p:sld xmlns:a="http://schemas.openxmlformats.org/drawingml/2006/main" xmlns:r="http://schemas.openxmlformats.org/officeDocument/2006/relationships" xmlns:mc="http://schemas.openxmlformats.org/markup-compatibility/2006" xmlns:mv="urn:schemas-microsoft-com:mac:vml" xmlns:p="http://schemas.openxmlformats.org/presentationml/2006/main" mc:Ignorable="mv" mc:PreserveAttributes="mv:*">
   <p:cSld>
     <p:spTree>
@@ -4373,8 +4687,8 @@
           </p:cNvPicPr>
           <p:nvPr/>
         </p:nvPicPr>
-        <mc:AlternateContent xmlns:ma="http://schemas.microsoft.com/office/mac/drawingml/2008/main">
-          <mc:Choice Requires="ma">
+        <mc:AlternateContent>
+          <mc:Choice xmlns:ma="http://schemas.microsoft.com/office/mac/drawingml/2008/main" Requires="ma">
             <p:blipFill>
               <a:blip r:embed="rId3"/>
               <a:stretch>
@@ -4382,9 +4696,9 @@
               </a:stretch>
             </p:blipFill>
           </mc:Choice>
-          <mc:Fallback xmlns:p="http://schemas.openxmlformats.org/presentationml/2006/main" xmlns:mv="urn:schemas-microsoft-com:mac:vml" xmlns:mc="http://schemas.openxmlformats.org/markup-compatibility/2006" xmlns:r="http://schemas.openxmlformats.org/officeDocument/2006/relationships" xmlns:a="http://schemas.openxmlformats.org/drawingml/2006/main" xmlns="">
+          <mc:Fallback>
             <p:blipFill>
-              <a:blip r:embed="rId5"/>
+              <a:blip r:embed="rId4"/>
               <a:stretch>
                 <a:fillRect/>
               </a:stretch>
@@ -5006,7 +5320,7 @@
           </p:xfrm>
           <a:graphic>
             <a:graphicData uri="http://schemas.openxmlformats.org/presentationml/2006/ole">
-              <p:oleObj spid="_x0000_s20483" name="Equation" r:id="rId6" imgW="114300" imgH="355600" progId="Equation.3">
+              <p:oleObj spid="_x0000_s20483" name="Equation" r:id="rId5" imgW="114300" imgH="355600" progId="Equation.3">
                 <p:embed/>
               </p:oleObj>
             </a:graphicData>
@@ -5286,7 +5600,7 @@
           </p:xfrm>
           <a:graphic>
             <a:graphicData uri="http://schemas.openxmlformats.org/presentationml/2006/ole">
-              <p:oleObj spid="_x0000_s20485" name="Equation" r:id="rId7" imgW="939800" imgH="419100" progId="Equation.3">
+              <p:oleObj spid="_x0000_s20485" name="Equation" r:id="rId6" imgW="939800" imgH="419100" progId="Equation.3">
                 <p:embed/>
               </p:oleObj>
             </a:graphicData>
@@ -5307,7 +5621,7 @@
         </p:xfrm>
         <a:graphic>
           <a:graphicData uri="http://schemas.openxmlformats.org/presentationml/2006/ole">
-            <p:oleObj spid="_x0000_s20486" name="Equation" r:id="rId8" imgW="101600" imgH="177800" progId="Equation.3">
+            <p:oleObj spid="_x0000_s20486" name="Equation" r:id="rId7" imgW="101600" imgH="177800" progId="Equation.3">
               <p:embed/>
             </p:oleObj>
           </a:graphicData>
@@ -5329,6 +5643,4920 @@
 </file>
 
 <file path=ppt/slides/slide3.xml><?xml version="1.0" encoding="utf-8"?>
+<p:sld xmlns:a="http://schemas.openxmlformats.org/drawingml/2006/main" xmlns:r="http://schemas.openxmlformats.org/officeDocument/2006/relationships" xmlns:mc="http://schemas.openxmlformats.org/markup-compatibility/2006" xmlns:mv="urn:schemas-microsoft-com:mac:vml" xmlns:p="http://schemas.openxmlformats.org/presentationml/2006/main" mc:Ignorable="mv" mc:PreserveAttributes="mv:*">
+  <p:cSld>
+    <p:spTree>
+      <p:nvGrpSpPr>
+        <p:cNvPr id="1" name=""/>
+        <p:cNvGrpSpPr/>
+        <p:nvPr/>
+      </p:nvGrpSpPr>
+      <p:grpSpPr>
+        <a:xfrm>
+          <a:off x="0" y="0"/>
+          <a:ext cx="0" cy="0"/>
+          <a:chOff x="0" y="0"/>
+          <a:chExt cx="0" cy="0"/>
+        </a:xfrm>
+      </p:grpSpPr>
+      <p:grpSp>
+        <p:nvGrpSpPr>
+          <p:cNvPr id="79" name="Group 78"/>
+          <p:cNvGrpSpPr/>
+          <p:nvPr/>
+        </p:nvGrpSpPr>
+        <p:grpSpPr>
+          <a:xfrm>
+            <a:off x="1440885" y="1852765"/>
+            <a:ext cx="5851648" cy="3005108"/>
+            <a:chOff x="985219" y="3355319"/>
+            <a:chExt cx="5851648" cy="3005108"/>
+          </a:xfrm>
+        </p:grpSpPr>
+        <p:sp>
+          <p:nvSpPr>
+            <p:cNvPr id="71" name="Rectangle 70"/>
+            <p:cNvSpPr/>
+            <p:nvPr/>
+          </p:nvSpPr>
+          <p:spPr>
+            <a:xfrm>
+              <a:off x="985219" y="3990880"/>
+              <a:ext cx="3051436" cy="1690962"/>
+            </a:xfrm>
+            <a:prstGeom prst="rect">
+              <a:avLst/>
+            </a:prstGeom>
+          </p:spPr>
+          <p:style>
+            <a:lnRef idx="1">
+              <a:schemeClr val="accent1"/>
+            </a:lnRef>
+            <a:fillRef idx="3">
+              <a:schemeClr val="accent1"/>
+            </a:fillRef>
+            <a:effectRef idx="2">
+              <a:schemeClr val="accent1"/>
+            </a:effectRef>
+            <a:fontRef idx="minor">
+              <a:schemeClr val="lt1"/>
+            </a:fontRef>
+          </p:style>
+          <p:txBody>
+            <a:bodyPr rtlCol="0" anchor="ctr"/>
+            <a:lstStyle/>
+            <a:p>
+              <a:pPr algn="ctr"/>
+              <a:endParaRPr lang="en-US"/>
+            </a:p>
+          </p:txBody>
+        </p:sp>
+        <p:cxnSp>
+          <p:nvCxnSpPr>
+            <p:cNvPr id="10" name="Straight Arrow Connector 9"/>
+            <p:cNvCxnSpPr/>
+            <p:nvPr/>
+          </p:nvCxnSpPr>
+          <p:spPr>
+            <a:xfrm>
+              <a:off x="3867614" y="4493864"/>
+              <a:ext cx="424699" cy="1588"/>
+            </a:xfrm>
+            <a:prstGeom prst="straightConnector1">
+              <a:avLst/>
+            </a:prstGeom>
+            <a:ln w="12700">
+              <a:solidFill>
+                <a:schemeClr val="tx1"/>
+              </a:solidFill>
+              <a:tailEnd type="triangle"/>
+            </a:ln>
+            <a:effectLst/>
+          </p:spPr>
+          <p:style>
+            <a:lnRef idx="2">
+              <a:schemeClr val="accent1"/>
+            </a:lnRef>
+            <a:fillRef idx="0">
+              <a:schemeClr val="accent1"/>
+            </a:fillRef>
+            <a:effectRef idx="1">
+              <a:schemeClr val="accent1"/>
+            </a:effectRef>
+            <a:fontRef idx="minor">
+              <a:schemeClr val="tx1"/>
+            </a:fontRef>
+          </p:style>
+        </p:cxnSp>
+        <p:cxnSp>
+          <p:nvCxnSpPr>
+            <p:cNvPr id="11" name="Straight Arrow Connector 10"/>
+            <p:cNvCxnSpPr/>
+            <p:nvPr/>
+          </p:nvCxnSpPr>
+          <p:spPr>
+            <a:xfrm>
+              <a:off x="4923246" y="4493864"/>
+              <a:ext cx="424699" cy="1588"/>
+            </a:xfrm>
+            <a:prstGeom prst="straightConnector1">
+              <a:avLst/>
+            </a:prstGeom>
+            <a:ln w="12700">
+              <a:solidFill>
+                <a:schemeClr val="tx1"/>
+              </a:solidFill>
+              <a:tailEnd type="triangle"/>
+            </a:ln>
+            <a:effectLst/>
+          </p:spPr>
+          <p:style>
+            <a:lnRef idx="2">
+              <a:schemeClr val="accent1"/>
+            </a:lnRef>
+            <a:fillRef idx="0">
+              <a:schemeClr val="accent1"/>
+            </a:fillRef>
+            <a:effectRef idx="1">
+              <a:schemeClr val="accent1"/>
+            </a:effectRef>
+            <a:fontRef idx="minor">
+              <a:schemeClr val="tx1"/>
+            </a:fontRef>
+          </p:style>
+        </p:cxnSp>
+        <p:sp>
+          <p:nvSpPr>
+            <p:cNvPr id="6" name="TextBox 5"/>
+            <p:cNvSpPr txBox="1"/>
+            <p:nvPr/>
+          </p:nvSpPr>
+          <p:spPr>
+            <a:xfrm>
+              <a:off x="1006596" y="3355319"/>
+              <a:ext cx="512154" cy="276999"/>
+            </a:xfrm>
+            <a:prstGeom prst="rect">
+              <a:avLst/>
+            </a:prstGeom>
+            <a:noFill/>
+          </p:spPr>
+          <p:txBody>
+            <a:bodyPr wrap="none" rtlCol="0">
+              <a:spAutoFit/>
+            </a:bodyPr>
+            <a:lstStyle/>
+            <a:p>
+              <a:r>
+                <a:rPr lang="en-US" sz="1200" i="1" dirty="0" err="1" smtClean="0">
+                  <a:latin typeface="Times New Roman"/>
+                </a:rPr>
+                <a:t>r</a:t>
+              </a:r>
+              <a:r>
+                <a:rPr lang="en-US" sz="1200" dirty="0" err="1" smtClean="0">
+                  <a:latin typeface="Times New Roman"/>
+                </a:rPr>
+                <a:t>(</a:t>
+              </a:r>
+              <a:r>
+                <a:rPr lang="en-US" sz="1200" i="1" dirty="0" err="1" smtClean="0">
+                  <a:latin typeface="Times New Roman"/>
+                </a:rPr>
+                <a:t>kT</a:t>
+              </a:r>
+              <a:r>
+                <a:rPr lang="en-US" sz="1200" dirty="0" smtClean="0">
+                  <a:latin typeface="Times New Roman"/>
+                </a:rPr>
+                <a:t>)</a:t>
+              </a:r>
+              <a:endParaRPr lang="en-US" sz="1200" dirty="0">
+                <a:latin typeface="Times New Roman"/>
+              </a:endParaRPr>
+            </a:p>
+          </p:txBody>
+        </p:sp>
+        <p:sp>
+          <p:nvSpPr>
+            <p:cNvPr id="7" name="TextBox 6"/>
+            <p:cNvSpPr txBox="1"/>
+            <p:nvPr/>
+          </p:nvSpPr>
+          <p:spPr>
+            <a:xfrm>
+              <a:off x="6427430" y="4232353"/>
+              <a:ext cx="409437" cy="276999"/>
+            </a:xfrm>
+            <a:prstGeom prst="rect">
+              <a:avLst/>
+            </a:prstGeom>
+            <a:noFill/>
+          </p:spPr>
+          <p:txBody>
+            <a:bodyPr wrap="none" rtlCol="0">
+              <a:spAutoFit/>
+            </a:bodyPr>
+            <a:lstStyle/>
+            <a:p>
+              <a:r>
+                <a:rPr lang="en-US" sz="1200" i="1" dirty="0" err="1" smtClean="0">
+                  <a:latin typeface="Times New Roman"/>
+                </a:rPr>
+                <a:t>c</a:t>
+              </a:r>
+              <a:r>
+                <a:rPr lang="en-US" sz="1200" dirty="0" err="1" smtClean="0">
+                  <a:latin typeface="Times New Roman"/>
+                </a:rPr>
+                <a:t>(</a:t>
+              </a:r>
+              <a:r>
+                <a:rPr lang="en-US" sz="1200" i="1" dirty="0" err="1" smtClean="0">
+                  <a:latin typeface="Times New Roman"/>
+                </a:rPr>
+                <a:t>t</a:t>
+              </a:r>
+              <a:r>
+                <a:rPr lang="en-US" sz="1200" dirty="0" smtClean="0">
+                  <a:latin typeface="Times New Roman"/>
+                </a:rPr>
+                <a:t>)</a:t>
+              </a:r>
+              <a:endParaRPr lang="en-US" sz="1200" dirty="0">
+                <a:latin typeface="Times New Roman"/>
+              </a:endParaRPr>
+            </a:p>
+          </p:txBody>
+        </p:sp>
+        <p:sp>
+          <p:nvSpPr>
+            <p:cNvPr id="16" name="Rectangle 15"/>
+            <p:cNvSpPr/>
+            <p:nvPr/>
+          </p:nvSpPr>
+          <p:spPr>
+            <a:xfrm>
+              <a:off x="2181049" y="5071601"/>
+              <a:ext cx="630933" cy="453558"/>
+            </a:xfrm>
+            <a:prstGeom prst="rect">
+              <a:avLst/>
+            </a:prstGeom>
+            <a:noFill/>
+            <a:ln>
+              <a:solidFill>
+                <a:schemeClr val="tx1"/>
+              </a:solidFill>
+            </a:ln>
+            <a:effectLst/>
+          </p:spPr>
+          <p:style>
+            <a:lnRef idx="1">
+              <a:schemeClr val="accent1"/>
+            </a:lnRef>
+            <a:fillRef idx="3">
+              <a:schemeClr val="accent1"/>
+            </a:fillRef>
+            <a:effectRef idx="2">
+              <a:schemeClr val="accent1"/>
+            </a:effectRef>
+            <a:fontRef idx="minor">
+              <a:schemeClr val="lt1"/>
+            </a:fontRef>
+          </p:style>
+          <p:txBody>
+            <a:bodyPr rtlCol="0" anchor="ctr"/>
+            <a:lstStyle/>
+            <a:p>
+              <a:pPr algn="ctr"/>
+              <a:endParaRPr lang="en-US"/>
+            </a:p>
+          </p:txBody>
+        </p:sp>
+        <p:sp>
+          <p:nvSpPr>
+            <p:cNvPr id="19" name="Rectangle 18"/>
+            <p:cNvSpPr/>
+            <p:nvPr/>
+          </p:nvSpPr>
+          <p:spPr>
+            <a:xfrm>
+              <a:off x="1125417" y="4266291"/>
+              <a:ext cx="630933" cy="453558"/>
+            </a:xfrm>
+            <a:prstGeom prst="rect">
+              <a:avLst/>
+            </a:prstGeom>
+            <a:noFill/>
+            <a:ln>
+              <a:solidFill>
+                <a:schemeClr val="tx1"/>
+              </a:solidFill>
+            </a:ln>
+            <a:effectLst/>
+          </p:spPr>
+          <p:style>
+            <a:lnRef idx="1">
+              <a:schemeClr val="accent1"/>
+            </a:lnRef>
+            <a:fillRef idx="3">
+              <a:schemeClr val="accent1"/>
+            </a:fillRef>
+            <a:effectRef idx="2">
+              <a:schemeClr val="accent1"/>
+            </a:effectRef>
+            <a:fontRef idx="minor">
+              <a:schemeClr val="lt1"/>
+            </a:fontRef>
+          </p:style>
+          <p:txBody>
+            <a:bodyPr rtlCol="0" anchor="ctr"/>
+            <a:lstStyle/>
+            <a:p>
+              <a:pPr algn="ctr"/>
+              <a:endParaRPr lang="en-US"/>
+            </a:p>
+          </p:txBody>
+        </p:sp>
+        <p:cxnSp>
+          <p:nvCxnSpPr>
+            <p:cNvPr id="20" name="Straight Arrow Connector 19"/>
+            <p:cNvCxnSpPr/>
+            <p:nvPr/>
+          </p:nvCxnSpPr>
+          <p:spPr>
+            <a:xfrm>
+              <a:off x="1756350" y="4492276"/>
+              <a:ext cx="424699" cy="1588"/>
+            </a:xfrm>
+            <a:prstGeom prst="straightConnector1">
+              <a:avLst/>
+            </a:prstGeom>
+            <a:ln w="12700">
+              <a:solidFill>
+                <a:schemeClr val="tx1"/>
+              </a:solidFill>
+              <a:tailEnd type="triangle"/>
+            </a:ln>
+            <a:effectLst/>
+          </p:spPr>
+          <p:style>
+            <a:lnRef idx="2">
+              <a:schemeClr val="accent1"/>
+            </a:lnRef>
+            <a:fillRef idx="0">
+              <a:schemeClr val="accent1"/>
+            </a:fillRef>
+            <a:effectRef idx="1">
+              <a:schemeClr val="accent1"/>
+            </a:effectRef>
+            <a:fontRef idx="minor">
+              <a:schemeClr val="tx1"/>
+            </a:fontRef>
+          </p:style>
+        </p:cxnSp>
+        <p:sp>
+          <p:nvSpPr>
+            <p:cNvPr id="22" name="Rectangle 21"/>
+            <p:cNvSpPr/>
+            <p:nvPr/>
+          </p:nvSpPr>
+          <p:spPr>
+            <a:xfrm>
+              <a:off x="2181049" y="4267085"/>
+              <a:ext cx="630933" cy="453558"/>
+            </a:xfrm>
+            <a:prstGeom prst="rect">
+              <a:avLst/>
+            </a:prstGeom>
+            <a:noFill/>
+            <a:ln>
+              <a:solidFill>
+                <a:schemeClr val="tx1"/>
+              </a:solidFill>
+            </a:ln>
+            <a:effectLst/>
+          </p:spPr>
+          <p:style>
+            <a:lnRef idx="1">
+              <a:schemeClr val="accent1"/>
+            </a:lnRef>
+            <a:fillRef idx="3">
+              <a:schemeClr val="accent1"/>
+            </a:fillRef>
+            <a:effectRef idx="2">
+              <a:schemeClr val="accent1"/>
+            </a:effectRef>
+            <a:fontRef idx="minor">
+              <a:schemeClr val="lt1"/>
+            </a:fontRef>
+          </p:style>
+          <p:txBody>
+            <a:bodyPr rtlCol="0" anchor="ctr"/>
+            <a:lstStyle/>
+            <a:p>
+              <a:pPr algn="ctr"/>
+              <a:endParaRPr lang="en-US"/>
+            </a:p>
+          </p:txBody>
+        </p:sp>
+        <p:cxnSp>
+          <p:nvCxnSpPr>
+            <p:cNvPr id="23" name="Straight Arrow Connector 22"/>
+            <p:cNvCxnSpPr/>
+            <p:nvPr/>
+          </p:nvCxnSpPr>
+          <p:spPr>
+            <a:xfrm>
+              <a:off x="2811982" y="4493070"/>
+              <a:ext cx="424699" cy="1588"/>
+            </a:xfrm>
+            <a:prstGeom prst="straightConnector1">
+              <a:avLst/>
+            </a:prstGeom>
+            <a:ln w="12700">
+              <a:solidFill>
+                <a:schemeClr val="tx1"/>
+              </a:solidFill>
+              <a:tailEnd type="triangle"/>
+            </a:ln>
+            <a:effectLst/>
+          </p:spPr>
+          <p:style>
+            <a:lnRef idx="2">
+              <a:schemeClr val="accent1"/>
+            </a:lnRef>
+            <a:fillRef idx="0">
+              <a:schemeClr val="accent1"/>
+            </a:fillRef>
+            <a:effectRef idx="1">
+              <a:schemeClr val="accent1"/>
+            </a:effectRef>
+            <a:fontRef idx="minor">
+              <a:schemeClr val="tx1"/>
+            </a:fontRef>
+          </p:style>
+        </p:cxnSp>
+        <p:sp>
+          <p:nvSpPr>
+            <p:cNvPr id="25" name="Rectangle 24"/>
+            <p:cNvSpPr/>
+            <p:nvPr/>
+          </p:nvSpPr>
+          <p:spPr>
+            <a:xfrm>
+              <a:off x="3236681" y="4271521"/>
+              <a:ext cx="630933" cy="453558"/>
+            </a:xfrm>
+            <a:prstGeom prst="rect">
+              <a:avLst/>
+            </a:prstGeom>
+            <a:noFill/>
+            <a:ln>
+              <a:solidFill>
+                <a:schemeClr val="tx1"/>
+              </a:solidFill>
+            </a:ln>
+            <a:effectLst/>
+          </p:spPr>
+          <p:style>
+            <a:lnRef idx="1">
+              <a:schemeClr val="accent1"/>
+            </a:lnRef>
+            <a:fillRef idx="3">
+              <a:schemeClr val="accent1"/>
+            </a:fillRef>
+            <a:effectRef idx="2">
+              <a:schemeClr val="accent1"/>
+            </a:effectRef>
+            <a:fontRef idx="minor">
+              <a:schemeClr val="lt1"/>
+            </a:fontRef>
+          </p:style>
+          <p:txBody>
+            <a:bodyPr rtlCol="0" anchor="ctr"/>
+            <a:lstStyle/>
+            <a:p>
+              <a:pPr algn="ctr"/>
+              <a:endParaRPr lang="en-US" dirty="0"/>
+            </a:p>
+          </p:txBody>
+        </p:sp>
+        <p:sp>
+          <p:nvSpPr>
+            <p:cNvPr id="28" name="Rectangle 27"/>
+            <p:cNvSpPr/>
+            <p:nvPr/>
+          </p:nvSpPr>
+          <p:spPr>
+            <a:xfrm>
+              <a:off x="5347945" y="4267879"/>
+              <a:ext cx="630933" cy="453558"/>
+            </a:xfrm>
+            <a:prstGeom prst="rect">
+              <a:avLst/>
+            </a:prstGeom>
+            <a:noFill/>
+            <a:ln>
+              <a:solidFill>
+                <a:schemeClr val="tx1"/>
+              </a:solidFill>
+            </a:ln>
+            <a:effectLst/>
+          </p:spPr>
+          <p:style>
+            <a:lnRef idx="1">
+              <a:schemeClr val="accent1"/>
+            </a:lnRef>
+            <a:fillRef idx="3">
+              <a:schemeClr val="accent1"/>
+            </a:fillRef>
+            <a:effectRef idx="2">
+              <a:schemeClr val="accent1"/>
+            </a:effectRef>
+            <a:fontRef idx="minor">
+              <a:schemeClr val="lt1"/>
+            </a:fontRef>
+          </p:style>
+          <p:txBody>
+            <a:bodyPr rtlCol="0" anchor="ctr"/>
+            <a:lstStyle/>
+            <a:p>
+              <a:pPr algn="ctr"/>
+              <a:endParaRPr lang="en-US"/>
+            </a:p>
+          </p:txBody>
+        </p:sp>
+        <p:cxnSp>
+          <p:nvCxnSpPr>
+            <p:cNvPr id="29" name="Straight Arrow Connector 28"/>
+            <p:cNvCxnSpPr/>
+            <p:nvPr/>
+          </p:nvCxnSpPr>
+          <p:spPr>
+            <a:xfrm>
+              <a:off x="5978878" y="4493864"/>
+              <a:ext cx="857989" cy="1588"/>
+            </a:xfrm>
+            <a:prstGeom prst="straightConnector1">
+              <a:avLst/>
+            </a:prstGeom>
+            <a:ln w="12700">
+              <a:solidFill>
+                <a:schemeClr val="tx1"/>
+              </a:solidFill>
+              <a:tailEnd type="triangle"/>
+            </a:ln>
+            <a:effectLst/>
+          </p:spPr>
+          <p:style>
+            <a:lnRef idx="2">
+              <a:schemeClr val="accent1"/>
+            </a:lnRef>
+            <a:fillRef idx="0">
+              <a:schemeClr val="accent1"/>
+            </a:fillRef>
+            <a:effectRef idx="1">
+              <a:schemeClr val="accent1"/>
+            </a:effectRef>
+            <a:fontRef idx="minor">
+              <a:schemeClr val="tx1"/>
+            </a:fontRef>
+          </p:style>
+        </p:cxnSp>
+        <p:sp>
+          <p:nvSpPr>
+            <p:cNvPr id="30" name="TextBox 29"/>
+            <p:cNvSpPr txBox="1"/>
+            <p:nvPr/>
+          </p:nvSpPr>
+          <p:spPr>
+            <a:xfrm>
+              <a:off x="1215664" y="4354571"/>
+              <a:ext cx="450439" cy="276999"/>
+            </a:xfrm>
+            <a:prstGeom prst="rect">
+              <a:avLst/>
+            </a:prstGeom>
+            <a:noFill/>
+          </p:spPr>
+          <p:txBody>
+            <a:bodyPr wrap="none" rtlCol="0">
+              <a:spAutoFit/>
+            </a:bodyPr>
+            <a:lstStyle/>
+            <a:p>
+              <a:r>
+                <a:rPr lang="en-US" sz="1200" dirty="0" smtClean="0"/>
+                <a:t>ADC</a:t>
+              </a:r>
+              <a:endParaRPr lang="en-US" sz="1200" dirty="0"/>
+            </a:p>
+          </p:txBody>
+        </p:sp>
+        <p:sp>
+          <p:nvSpPr>
+            <p:cNvPr id="31" name="TextBox 30"/>
+            <p:cNvSpPr txBox="1"/>
+            <p:nvPr/>
+          </p:nvSpPr>
+          <p:spPr>
+            <a:xfrm>
+              <a:off x="2274038" y="4355365"/>
+              <a:ext cx="444954" cy="276999"/>
+            </a:xfrm>
+            <a:prstGeom prst="rect">
+              <a:avLst/>
+            </a:prstGeom>
+            <a:noFill/>
+          </p:spPr>
+          <p:txBody>
+            <a:bodyPr wrap="none" rtlCol="0">
+              <a:spAutoFit/>
+            </a:bodyPr>
+            <a:lstStyle/>
+            <a:p>
+              <a:r>
+                <a:rPr lang="en-US" sz="1200" dirty="0" smtClean="0"/>
+                <a:t>CPU</a:t>
+              </a:r>
+              <a:endParaRPr lang="en-US" sz="1200" dirty="0"/>
+            </a:p>
+          </p:txBody>
+        </p:sp>
+        <p:sp>
+          <p:nvSpPr>
+            <p:cNvPr id="32" name="TextBox 31"/>
+            <p:cNvSpPr txBox="1"/>
+            <p:nvPr/>
+          </p:nvSpPr>
+          <p:spPr>
+            <a:xfrm>
+              <a:off x="3328619" y="4356952"/>
+              <a:ext cx="447057" cy="276999"/>
+            </a:xfrm>
+            <a:prstGeom prst="rect">
+              <a:avLst/>
+            </a:prstGeom>
+            <a:noFill/>
+          </p:spPr>
+          <p:txBody>
+            <a:bodyPr wrap="none" rtlCol="0">
+              <a:spAutoFit/>
+            </a:bodyPr>
+            <a:lstStyle/>
+            <a:p>
+              <a:r>
+                <a:rPr lang="en-US" sz="1200" dirty="0" smtClean="0"/>
+                <a:t>DAC</a:t>
+              </a:r>
+              <a:endParaRPr lang="en-US" sz="1200" dirty="0"/>
+            </a:p>
+          </p:txBody>
+        </p:sp>
+        <p:grpSp>
+          <p:nvGrpSpPr>
+            <p:cNvPr id="62" name="Group 61"/>
+            <p:cNvGrpSpPr/>
+            <p:nvPr/>
+          </p:nvGrpSpPr>
+          <p:grpSpPr>
+            <a:xfrm>
+              <a:off x="1084394" y="3712293"/>
+              <a:ext cx="3871840" cy="1009144"/>
+              <a:chOff x="1051406" y="3712293"/>
+              <a:chExt cx="3871840" cy="1009144"/>
+            </a:xfrm>
+          </p:grpSpPr>
+          <p:sp>
+            <p:nvSpPr>
+              <p:cNvPr id="9" name="Rectangle 8"/>
+              <p:cNvSpPr/>
+              <p:nvPr/>
+            </p:nvSpPr>
+            <p:spPr>
+              <a:xfrm>
+                <a:off x="4251289" y="4267879"/>
+                <a:ext cx="630933" cy="453558"/>
+              </a:xfrm>
+              <a:prstGeom prst="rect">
+                <a:avLst/>
+              </a:prstGeom>
+              <a:noFill/>
+              <a:ln>
+                <a:solidFill>
+                  <a:schemeClr val="tx1"/>
+                </a:solidFill>
+              </a:ln>
+              <a:effectLst/>
+            </p:spPr>
+            <p:style>
+              <a:lnRef idx="1">
+                <a:schemeClr val="accent1"/>
+              </a:lnRef>
+              <a:fillRef idx="3">
+                <a:schemeClr val="accent1"/>
+              </a:fillRef>
+              <a:effectRef idx="2">
+                <a:schemeClr val="accent1"/>
+              </a:effectRef>
+              <a:fontRef idx="minor">
+                <a:schemeClr val="lt1"/>
+              </a:fontRef>
+            </p:style>
+            <p:txBody>
+              <a:bodyPr rtlCol="0" anchor="ctr"/>
+              <a:lstStyle/>
+              <a:p>
+                <a:pPr algn="ctr"/>
+                <a:endParaRPr lang="en-US"/>
+              </a:p>
+            </p:txBody>
+          </p:sp>
+          <p:sp>
+            <p:nvSpPr>
+              <p:cNvPr id="35" name="TextBox 34"/>
+              <p:cNvSpPr txBox="1"/>
+              <p:nvPr/>
+            </p:nvSpPr>
+            <p:spPr>
+              <a:xfrm>
+                <a:off x="4210265" y="4314924"/>
+                <a:ext cx="712981" cy="276999"/>
+              </a:xfrm>
+              <a:prstGeom prst="rect">
+                <a:avLst/>
+              </a:prstGeom>
+              <a:noFill/>
+            </p:spPr>
+            <p:txBody>
+              <a:bodyPr wrap="none" rtlCol="0">
+                <a:spAutoFit/>
+              </a:bodyPr>
+              <a:lstStyle/>
+              <a:p>
+                <a:r>
+                  <a:rPr lang="en-US" sz="1200" dirty="0" smtClean="0"/>
+                  <a:t>actuator</a:t>
+                </a:r>
+                <a:endParaRPr lang="en-US" sz="1200" dirty="0"/>
+              </a:p>
+            </p:txBody>
+          </p:sp>
+          <p:sp>
+            <p:nvSpPr>
+              <p:cNvPr id="80" name="TextBox 79"/>
+              <p:cNvSpPr txBox="1"/>
+              <p:nvPr/>
+            </p:nvSpPr>
+            <p:spPr>
+              <a:xfrm>
+                <a:off x="1051406" y="3712293"/>
+                <a:ext cx="1441420" cy="276999"/>
+              </a:xfrm>
+              <a:prstGeom prst="rect">
+                <a:avLst/>
+              </a:prstGeom>
+              <a:noFill/>
+            </p:spPr>
+            <p:txBody>
+              <a:bodyPr wrap="none" rtlCol="0">
+                <a:spAutoFit/>
+              </a:bodyPr>
+              <a:lstStyle/>
+              <a:p>
+                <a:r>
+                  <a:rPr lang="en-US" sz="1200" dirty="0" smtClean="0"/>
+                  <a:t>Digital compensator</a:t>
+                </a:r>
+                <a:endParaRPr lang="en-US" sz="1200" dirty="0"/>
+              </a:p>
+            </p:txBody>
+          </p:sp>
+        </p:grpSp>
+        <p:sp>
+          <p:nvSpPr>
+            <p:cNvPr id="36" name="TextBox 35"/>
+            <p:cNvSpPr txBox="1"/>
+            <p:nvPr/>
+          </p:nvSpPr>
+          <p:spPr>
+            <a:xfrm>
+              <a:off x="5410653" y="4312541"/>
+              <a:ext cx="505517" cy="276999"/>
+            </a:xfrm>
+            <a:prstGeom prst="rect">
+              <a:avLst/>
+            </a:prstGeom>
+            <a:noFill/>
+          </p:spPr>
+          <p:txBody>
+            <a:bodyPr wrap="none" rtlCol="0">
+              <a:spAutoFit/>
+            </a:bodyPr>
+            <a:lstStyle/>
+            <a:p>
+              <a:r>
+                <a:rPr lang="en-US" sz="1200" dirty="0" smtClean="0"/>
+                <a:t>plant</a:t>
+              </a:r>
+              <a:endParaRPr lang="en-US" sz="1200" dirty="0"/>
+            </a:p>
+          </p:txBody>
+        </p:sp>
+        <p:cxnSp>
+          <p:nvCxnSpPr>
+            <p:cNvPr id="40" name="Elbow Connector 39"/>
+            <p:cNvCxnSpPr>
+              <a:stCxn id="47" idx="1"/>
+              <a:endCxn id="19" idx="1"/>
+            </p:cNvCxnSpPr>
+            <p:nvPr/>
+          </p:nvCxnSpPr>
+          <p:spPr>
+            <a:xfrm rot="10800000">
+              <a:off x="1125418" y="4493071"/>
+              <a:ext cx="940493" cy="1636525"/>
+            </a:xfrm>
+            <a:prstGeom prst="bentConnector3">
+              <a:avLst>
+                <a:gd name="adj1" fmla="val 124306"/>
+              </a:avLst>
+            </a:prstGeom>
+            <a:ln w="12700">
+              <a:solidFill>
+                <a:schemeClr val="tx1"/>
+              </a:solidFill>
+              <a:tailEnd type="triangle"/>
+            </a:ln>
+            <a:effectLst/>
+          </p:spPr>
+          <p:style>
+            <a:lnRef idx="2">
+              <a:schemeClr val="accent1"/>
+            </a:lnRef>
+            <a:fillRef idx="0">
+              <a:schemeClr val="accent1"/>
+            </a:fillRef>
+            <a:effectRef idx="1">
+              <a:schemeClr val="accent1"/>
+            </a:effectRef>
+            <a:fontRef idx="minor">
+              <a:schemeClr val="tx1"/>
+            </a:fontRef>
+          </p:style>
+        </p:cxnSp>
+        <p:grpSp>
+          <p:nvGrpSpPr>
+            <p:cNvPr id="60" name="Group 59"/>
+            <p:cNvGrpSpPr/>
+            <p:nvPr/>
+          </p:nvGrpSpPr>
+          <p:grpSpPr>
+            <a:xfrm>
+              <a:off x="2065910" y="5898762"/>
+              <a:ext cx="774596" cy="461665"/>
+              <a:chOff x="2115392" y="5898762"/>
+              <a:chExt cx="774596" cy="461665"/>
+            </a:xfrm>
+          </p:grpSpPr>
+          <p:sp>
+            <p:nvSpPr>
+              <p:cNvPr id="43" name="Rectangle 42"/>
+              <p:cNvSpPr/>
+              <p:nvPr/>
+            </p:nvSpPr>
+            <p:spPr>
+              <a:xfrm>
+                <a:off x="2172802" y="5902815"/>
+                <a:ext cx="630933" cy="453558"/>
+              </a:xfrm>
+              <a:prstGeom prst="rect">
+                <a:avLst/>
+              </a:prstGeom>
+              <a:noFill/>
+              <a:ln>
+                <a:solidFill>
+                  <a:schemeClr val="tx1"/>
+                </a:solidFill>
+              </a:ln>
+              <a:effectLst/>
+            </p:spPr>
+            <p:style>
+              <a:lnRef idx="1">
+                <a:schemeClr val="accent1"/>
+              </a:lnRef>
+              <a:fillRef idx="3">
+                <a:schemeClr val="accent1"/>
+              </a:fillRef>
+              <a:effectRef idx="2">
+                <a:schemeClr val="accent1"/>
+              </a:effectRef>
+              <a:fontRef idx="minor">
+                <a:schemeClr val="lt1"/>
+              </a:fontRef>
+            </p:style>
+            <p:txBody>
+              <a:bodyPr rtlCol="0" anchor="ctr"/>
+              <a:lstStyle/>
+              <a:p>
+                <a:pPr algn="ctr"/>
+                <a:endParaRPr lang="en-US"/>
+              </a:p>
+            </p:txBody>
+          </p:sp>
+          <p:sp>
+            <p:nvSpPr>
+              <p:cNvPr id="47" name="TextBox 46"/>
+              <p:cNvSpPr txBox="1"/>
+              <p:nvPr/>
+            </p:nvSpPr>
+            <p:spPr>
+              <a:xfrm>
+                <a:off x="2115392" y="5898762"/>
+                <a:ext cx="774596" cy="461665"/>
+              </a:xfrm>
+              <a:prstGeom prst="rect">
+                <a:avLst/>
+              </a:prstGeom>
+              <a:noFill/>
+            </p:spPr>
+            <p:txBody>
+              <a:bodyPr wrap="none" rtlCol="0">
+                <a:spAutoFit/>
+              </a:bodyPr>
+              <a:lstStyle/>
+              <a:p>
+                <a:r>
+                  <a:rPr lang="en-US" sz="1200" dirty="0" smtClean="0"/>
+                  <a:t>analogue</a:t>
+                </a:r>
+              </a:p>
+              <a:p>
+                <a:r>
+                  <a:rPr lang="en-US" sz="1200" dirty="0" smtClean="0"/>
+                  <a:t>pre-filter</a:t>
+                </a:r>
+                <a:endParaRPr lang="en-US" sz="1200" dirty="0"/>
+              </a:p>
+            </p:txBody>
+          </p:sp>
+        </p:grpSp>
+        <p:cxnSp>
+          <p:nvCxnSpPr>
+            <p:cNvPr id="53" name="Straight Arrow Connector 52"/>
+            <p:cNvCxnSpPr>
+              <a:stCxn id="16" idx="0"/>
+              <a:endCxn id="22" idx="2"/>
+            </p:cNvCxnSpPr>
+            <p:nvPr/>
+          </p:nvCxnSpPr>
+          <p:spPr>
+            <a:xfrm rot="5400000" flipH="1" flipV="1">
+              <a:off x="2321037" y="4896122"/>
+              <a:ext cx="350958" cy="1588"/>
+            </a:xfrm>
+            <a:prstGeom prst="straightConnector1">
+              <a:avLst/>
+            </a:prstGeom>
+            <a:ln w="12700">
+              <a:solidFill>
+                <a:schemeClr val="tx1"/>
+              </a:solidFill>
+              <a:tailEnd type="triangle"/>
+            </a:ln>
+            <a:effectLst/>
+          </p:spPr>
+          <p:style>
+            <a:lnRef idx="2">
+              <a:schemeClr val="accent1"/>
+            </a:lnRef>
+            <a:fillRef idx="0">
+              <a:schemeClr val="accent1"/>
+            </a:fillRef>
+            <a:effectRef idx="1">
+              <a:schemeClr val="accent1"/>
+            </a:effectRef>
+            <a:fontRef idx="minor">
+              <a:schemeClr val="tx1"/>
+            </a:fontRef>
+          </p:style>
+        </p:cxnSp>
+        <p:cxnSp>
+          <p:nvCxnSpPr>
+            <p:cNvPr id="55" name="Shape 54"/>
+            <p:cNvCxnSpPr>
+              <a:stCxn id="16" idx="3"/>
+              <a:endCxn id="25" idx="2"/>
+            </p:cNvCxnSpPr>
+            <p:nvPr/>
+          </p:nvCxnSpPr>
+          <p:spPr>
+            <a:xfrm flipV="1">
+              <a:off x="2811982" y="4725079"/>
+              <a:ext cx="740166" cy="573301"/>
+            </a:xfrm>
+            <a:prstGeom prst="bentConnector2">
+              <a:avLst/>
+            </a:prstGeom>
+            <a:ln w="12700">
+              <a:solidFill>
+                <a:schemeClr val="tx1"/>
+              </a:solidFill>
+              <a:tailEnd type="triangle"/>
+            </a:ln>
+            <a:effectLst/>
+          </p:spPr>
+          <p:style>
+            <a:lnRef idx="2">
+              <a:schemeClr val="accent1"/>
+            </a:lnRef>
+            <a:fillRef idx="0">
+              <a:schemeClr val="accent1"/>
+            </a:fillRef>
+            <a:effectRef idx="1">
+              <a:schemeClr val="accent1"/>
+            </a:effectRef>
+            <a:fontRef idx="minor">
+              <a:schemeClr val="tx1"/>
+            </a:fontRef>
+          </p:style>
+        </p:cxnSp>
+        <p:cxnSp>
+          <p:nvCxnSpPr>
+            <p:cNvPr id="57" name="Shape 56"/>
+            <p:cNvCxnSpPr>
+              <a:stCxn id="16" idx="1"/>
+              <a:endCxn id="19" idx="2"/>
+            </p:cNvCxnSpPr>
+            <p:nvPr/>
+          </p:nvCxnSpPr>
+          <p:spPr>
+            <a:xfrm rot="10800000">
+              <a:off x="1440885" y="4719850"/>
+              <a:ext cx="740165" cy="578531"/>
+            </a:xfrm>
+            <a:prstGeom prst="bentConnector2">
+              <a:avLst/>
+            </a:prstGeom>
+            <a:ln w="12700">
+              <a:solidFill>
+                <a:schemeClr val="tx1"/>
+              </a:solidFill>
+              <a:tailEnd type="triangle"/>
+            </a:ln>
+            <a:effectLst/>
+          </p:spPr>
+          <p:style>
+            <a:lnRef idx="2">
+              <a:schemeClr val="accent1"/>
+            </a:lnRef>
+            <a:fillRef idx="0">
+              <a:schemeClr val="accent1"/>
+            </a:fillRef>
+            <a:effectRef idx="1">
+              <a:schemeClr val="accent1"/>
+            </a:effectRef>
+            <a:fontRef idx="minor">
+              <a:schemeClr val="tx1"/>
+            </a:fontRef>
+          </p:style>
+        </p:cxnSp>
+        <p:sp>
+          <p:nvSpPr>
+            <p:cNvPr id="58" name="TextBox 57"/>
+            <p:cNvSpPr txBox="1"/>
+            <p:nvPr/>
+          </p:nvSpPr>
+          <p:spPr>
+            <a:xfrm>
+              <a:off x="2245898" y="5159881"/>
+              <a:ext cx="501234" cy="276999"/>
+            </a:xfrm>
+            <a:prstGeom prst="rect">
+              <a:avLst/>
+            </a:prstGeom>
+            <a:noFill/>
+          </p:spPr>
+          <p:txBody>
+            <a:bodyPr wrap="none" rtlCol="0">
+              <a:spAutoFit/>
+            </a:bodyPr>
+            <a:lstStyle/>
+            <a:p>
+              <a:r>
+                <a:rPr lang="en-US" sz="1200" dirty="0" smtClean="0"/>
+                <a:t>clock</a:t>
+              </a:r>
+              <a:endParaRPr lang="en-US" sz="1200" dirty="0"/>
+            </a:p>
+          </p:txBody>
+        </p:sp>
+        <p:sp>
+          <p:nvSpPr>
+            <p:cNvPr id="64" name="Rectangle 63"/>
+            <p:cNvSpPr/>
+            <p:nvPr/>
+          </p:nvSpPr>
+          <p:spPr>
+            <a:xfrm>
+              <a:off x="4696283" y="5896734"/>
+              <a:ext cx="630933" cy="453558"/>
+            </a:xfrm>
+            <a:prstGeom prst="rect">
+              <a:avLst/>
+            </a:prstGeom>
+            <a:noFill/>
+            <a:ln>
+              <a:solidFill>
+                <a:schemeClr val="tx1"/>
+              </a:solidFill>
+            </a:ln>
+            <a:effectLst/>
+          </p:spPr>
+          <p:style>
+            <a:lnRef idx="1">
+              <a:schemeClr val="accent1"/>
+            </a:lnRef>
+            <a:fillRef idx="3">
+              <a:schemeClr val="accent1"/>
+            </a:fillRef>
+            <a:effectRef idx="2">
+              <a:schemeClr val="accent1"/>
+            </a:effectRef>
+            <a:fontRef idx="minor">
+              <a:schemeClr val="lt1"/>
+            </a:fontRef>
+          </p:style>
+          <p:txBody>
+            <a:bodyPr rtlCol="0" anchor="ctr"/>
+            <a:lstStyle/>
+            <a:p>
+              <a:pPr algn="ctr"/>
+              <a:endParaRPr lang="en-US"/>
+            </a:p>
+          </p:txBody>
+        </p:sp>
+        <p:sp>
+          <p:nvSpPr>
+            <p:cNvPr id="65" name="TextBox 64"/>
+            <p:cNvSpPr txBox="1"/>
+            <p:nvPr/>
+          </p:nvSpPr>
+          <p:spPr>
+            <a:xfrm>
+              <a:off x="4713117" y="5985014"/>
+              <a:ext cx="597264" cy="276999"/>
+            </a:xfrm>
+            <a:prstGeom prst="rect">
+              <a:avLst/>
+            </a:prstGeom>
+            <a:noFill/>
+          </p:spPr>
+          <p:txBody>
+            <a:bodyPr wrap="none" rtlCol="0">
+              <a:spAutoFit/>
+            </a:bodyPr>
+            <a:lstStyle/>
+            <a:p>
+              <a:r>
+                <a:rPr lang="en-US" sz="1200" dirty="0" smtClean="0"/>
+                <a:t>sensor</a:t>
+              </a:r>
+              <a:endParaRPr lang="en-US" sz="1200" dirty="0"/>
+            </a:p>
+          </p:txBody>
+        </p:sp>
+        <p:cxnSp>
+          <p:nvCxnSpPr>
+            <p:cNvPr id="67" name="Straight Arrow Connector 66"/>
+            <p:cNvCxnSpPr>
+              <a:stCxn id="64" idx="1"/>
+              <a:endCxn id="47" idx="3"/>
+            </p:cNvCxnSpPr>
+            <p:nvPr/>
+          </p:nvCxnSpPr>
+          <p:spPr>
+            <a:xfrm rot="10800000" flipV="1">
+              <a:off x="2840507" y="6123513"/>
+              <a:ext cx="1855777" cy="6082"/>
+            </a:xfrm>
+            <a:prstGeom prst="straightConnector1">
+              <a:avLst/>
+            </a:prstGeom>
+            <a:ln w="12700">
+              <a:solidFill>
+                <a:schemeClr val="tx1"/>
+              </a:solidFill>
+              <a:tailEnd type="triangle"/>
+            </a:ln>
+            <a:effectLst/>
+          </p:spPr>
+          <p:style>
+            <a:lnRef idx="2">
+              <a:schemeClr val="accent1"/>
+            </a:lnRef>
+            <a:fillRef idx="0">
+              <a:schemeClr val="accent1"/>
+            </a:fillRef>
+            <a:effectRef idx="1">
+              <a:schemeClr val="accent1"/>
+            </a:effectRef>
+            <a:fontRef idx="minor">
+              <a:schemeClr val="tx1"/>
+            </a:fontRef>
+          </p:style>
+        </p:cxnSp>
+        <p:cxnSp>
+          <p:nvCxnSpPr>
+            <p:cNvPr id="70" name="Shape 69"/>
+            <p:cNvCxnSpPr>
+              <a:endCxn id="64" idx="3"/>
+            </p:cNvCxnSpPr>
+            <p:nvPr/>
+          </p:nvCxnSpPr>
+          <p:spPr>
+            <a:xfrm rot="5400000">
+              <a:off x="5020598" y="4802071"/>
+              <a:ext cx="1628061" cy="1014823"/>
+            </a:xfrm>
+            <a:prstGeom prst="bentConnector2">
+              <a:avLst/>
+            </a:prstGeom>
+            <a:ln w="12700">
+              <a:solidFill>
+                <a:schemeClr val="tx1"/>
+              </a:solidFill>
+              <a:tailEnd type="triangle"/>
+            </a:ln>
+            <a:effectLst/>
+          </p:spPr>
+          <p:style>
+            <a:lnRef idx="2">
+              <a:schemeClr val="accent1"/>
+            </a:lnRef>
+            <a:fillRef idx="0">
+              <a:schemeClr val="accent1"/>
+            </a:fillRef>
+            <a:effectRef idx="1">
+              <a:schemeClr val="accent1"/>
+            </a:effectRef>
+            <a:fontRef idx="minor">
+              <a:schemeClr val="tx1"/>
+            </a:fontRef>
+          </p:style>
+        </p:cxnSp>
+        <p:cxnSp>
+          <p:nvCxnSpPr>
+            <p:cNvPr id="73" name="Elbow Connector 72"/>
+            <p:cNvCxnSpPr/>
+            <p:nvPr/>
+          </p:nvCxnSpPr>
+          <p:spPr>
+            <a:xfrm>
+              <a:off x="1440885" y="3529504"/>
+              <a:ext cx="1056425" cy="736787"/>
+            </a:xfrm>
+            <a:prstGeom prst="bentConnector3">
+              <a:avLst>
+                <a:gd name="adj1" fmla="val 101524"/>
+              </a:avLst>
+            </a:prstGeom>
+            <a:ln w="12700">
+              <a:solidFill>
+                <a:schemeClr val="tx1"/>
+              </a:solidFill>
+              <a:tailEnd type="triangle"/>
+            </a:ln>
+            <a:effectLst/>
+          </p:spPr>
+          <p:style>
+            <a:lnRef idx="2">
+              <a:schemeClr val="accent1"/>
+            </a:lnRef>
+            <a:fillRef idx="0">
+              <a:schemeClr val="accent1"/>
+            </a:fillRef>
+            <a:effectRef idx="1">
+              <a:schemeClr val="accent1"/>
+            </a:effectRef>
+            <a:fontRef idx="minor">
+              <a:schemeClr val="tx1"/>
+            </a:fontRef>
+          </p:style>
+        </p:cxnSp>
+        <p:sp>
+          <p:nvSpPr>
+            <p:cNvPr id="75" name="TextBox 74"/>
+            <p:cNvSpPr txBox="1"/>
+            <p:nvPr/>
+          </p:nvSpPr>
+          <p:spPr>
+            <a:xfrm>
+              <a:off x="1729048" y="4215276"/>
+              <a:ext cx="520570" cy="276999"/>
+            </a:xfrm>
+            <a:prstGeom prst="rect">
+              <a:avLst/>
+            </a:prstGeom>
+            <a:noFill/>
+          </p:spPr>
+          <p:txBody>
+            <a:bodyPr wrap="none" rtlCol="0">
+              <a:spAutoFit/>
+            </a:bodyPr>
+            <a:lstStyle/>
+            <a:p>
+              <a:r>
+                <a:rPr lang="en-US" sz="1200" i="1" dirty="0" err="1" smtClean="0">
+                  <a:latin typeface="Times New Roman"/>
+                </a:rPr>
+                <a:t>e</a:t>
+              </a:r>
+              <a:r>
+                <a:rPr lang="en-US" sz="1200" dirty="0" err="1" smtClean="0">
+                  <a:latin typeface="Times New Roman"/>
+                </a:rPr>
+                <a:t>(</a:t>
+              </a:r>
+              <a:r>
+                <a:rPr lang="en-US" sz="1200" i="1" dirty="0" err="1" smtClean="0">
+                  <a:latin typeface="Times New Roman"/>
+                </a:rPr>
+                <a:t>kT</a:t>
+              </a:r>
+              <a:r>
+                <a:rPr lang="en-US" sz="1200" dirty="0" smtClean="0">
+                  <a:latin typeface="Times New Roman"/>
+                </a:rPr>
+                <a:t>)</a:t>
+              </a:r>
+              <a:endParaRPr lang="en-US" sz="1200" dirty="0">
+                <a:latin typeface="Times New Roman"/>
+              </a:endParaRPr>
+            </a:p>
+          </p:txBody>
+        </p:sp>
+        <p:sp>
+          <p:nvSpPr>
+            <p:cNvPr id="76" name="TextBox 75"/>
+            <p:cNvSpPr txBox="1"/>
+            <p:nvPr/>
+          </p:nvSpPr>
+          <p:spPr>
+            <a:xfrm>
+              <a:off x="2766814" y="4218453"/>
+              <a:ext cx="529211" cy="276999"/>
+            </a:xfrm>
+            <a:prstGeom prst="rect">
+              <a:avLst/>
+            </a:prstGeom>
+            <a:noFill/>
+          </p:spPr>
+          <p:txBody>
+            <a:bodyPr wrap="none" rtlCol="0">
+              <a:spAutoFit/>
+            </a:bodyPr>
+            <a:lstStyle/>
+            <a:p>
+              <a:r>
+                <a:rPr lang="en-US" sz="1200" i="1" dirty="0" err="1" smtClean="0">
+                  <a:latin typeface="Times New Roman"/>
+                </a:rPr>
+                <a:t>u</a:t>
+              </a:r>
+              <a:r>
+                <a:rPr lang="en-US" sz="1200" dirty="0" err="1" smtClean="0">
+                  <a:latin typeface="Times New Roman"/>
+                </a:rPr>
+                <a:t>(</a:t>
+              </a:r>
+              <a:r>
+                <a:rPr lang="en-US" sz="1200" i="1" dirty="0" err="1" smtClean="0">
+                  <a:latin typeface="Times New Roman"/>
+                </a:rPr>
+                <a:t>kT</a:t>
+              </a:r>
+              <a:r>
+                <a:rPr lang="en-US" sz="1200" dirty="0" smtClean="0">
+                  <a:latin typeface="Times New Roman"/>
+                </a:rPr>
+                <a:t>)</a:t>
+              </a:r>
+              <a:endParaRPr lang="en-US" sz="1200" dirty="0">
+                <a:latin typeface="Times New Roman"/>
+              </a:endParaRPr>
+            </a:p>
+          </p:txBody>
+        </p:sp>
+        <p:sp>
+          <p:nvSpPr>
+            <p:cNvPr id="77" name="TextBox 76"/>
+            <p:cNvSpPr txBox="1"/>
+            <p:nvPr/>
+          </p:nvSpPr>
+          <p:spPr>
+            <a:xfrm>
+              <a:off x="3867614" y="4232353"/>
+              <a:ext cx="418078" cy="276999"/>
+            </a:xfrm>
+            <a:prstGeom prst="rect">
+              <a:avLst/>
+            </a:prstGeom>
+            <a:noFill/>
+          </p:spPr>
+          <p:txBody>
+            <a:bodyPr wrap="none" rtlCol="0">
+              <a:spAutoFit/>
+            </a:bodyPr>
+            <a:lstStyle/>
+            <a:p>
+              <a:r>
+                <a:rPr lang="en-US" sz="1200" i="1" dirty="0" err="1" smtClean="0">
+                  <a:latin typeface="Times New Roman"/>
+                </a:rPr>
+                <a:t>u</a:t>
+              </a:r>
+              <a:r>
+                <a:rPr lang="en-US" sz="1200" dirty="0" err="1" smtClean="0">
+                  <a:latin typeface="Times New Roman"/>
+                </a:rPr>
+                <a:t>(</a:t>
+              </a:r>
+              <a:r>
+                <a:rPr lang="en-US" sz="1200" i="1" dirty="0" err="1" smtClean="0">
+                  <a:latin typeface="Times New Roman"/>
+                </a:rPr>
+                <a:t>t</a:t>
+              </a:r>
+              <a:r>
+                <a:rPr lang="en-US" sz="1200" dirty="0" smtClean="0">
+                  <a:latin typeface="Times New Roman"/>
+                </a:rPr>
+                <a:t>)</a:t>
+              </a:r>
+              <a:endParaRPr lang="en-US" sz="1200" dirty="0">
+                <a:latin typeface="Times New Roman"/>
+              </a:endParaRPr>
+            </a:p>
+          </p:txBody>
+        </p:sp>
+        <p:sp>
+          <p:nvSpPr>
+            <p:cNvPr id="78" name="TextBox 77"/>
+            <p:cNvSpPr txBox="1"/>
+            <p:nvPr/>
+          </p:nvSpPr>
+          <p:spPr>
+            <a:xfrm>
+              <a:off x="1215664" y="5846514"/>
+              <a:ext cx="418078" cy="276999"/>
+            </a:xfrm>
+            <a:prstGeom prst="rect">
+              <a:avLst/>
+            </a:prstGeom>
+            <a:noFill/>
+          </p:spPr>
+          <p:txBody>
+            <a:bodyPr wrap="none" rtlCol="0">
+              <a:spAutoFit/>
+            </a:bodyPr>
+            <a:lstStyle/>
+            <a:p>
+              <a:r>
+                <a:rPr lang="en-US" sz="1200" i="1" dirty="0" err="1" smtClean="0">
+                  <a:latin typeface="Times New Roman"/>
+                </a:rPr>
+                <a:t>e</a:t>
+              </a:r>
+              <a:r>
+                <a:rPr lang="en-US" sz="1200" dirty="0" err="1" smtClean="0">
+                  <a:latin typeface="Times New Roman"/>
+                </a:rPr>
+                <a:t>(</a:t>
+              </a:r>
+              <a:r>
+                <a:rPr lang="en-US" sz="1200" i="1" dirty="0" err="1" smtClean="0">
+                  <a:latin typeface="Times New Roman"/>
+                </a:rPr>
+                <a:t>t</a:t>
+              </a:r>
+              <a:r>
+                <a:rPr lang="en-US" sz="1200" dirty="0" smtClean="0">
+                  <a:latin typeface="Times New Roman"/>
+                </a:rPr>
+                <a:t>)</a:t>
+              </a:r>
+              <a:endParaRPr lang="en-US" sz="1200" dirty="0">
+                <a:latin typeface="Times New Roman"/>
+              </a:endParaRPr>
+            </a:p>
+          </p:txBody>
+        </p:sp>
+      </p:grpSp>
+    </p:spTree>
+  </p:cSld>
+  <p:clrMapOvr>
+    <a:masterClrMapping/>
+  </p:clrMapOvr>
+</p:sld>
+</file>
+
+<file path=ppt/slides/slide4.xml><?xml version="1.0" encoding="utf-8"?>
+<p:sld xmlns:a="http://schemas.openxmlformats.org/drawingml/2006/main" xmlns:r="http://schemas.openxmlformats.org/officeDocument/2006/relationships" xmlns:mc="http://schemas.openxmlformats.org/markup-compatibility/2006" xmlns:mv="urn:schemas-microsoft-com:mac:vml" xmlns:p="http://schemas.openxmlformats.org/presentationml/2006/main" mc:Ignorable="mv" mc:PreserveAttributes="mv:*">
+  <p:cSld>
+    <p:spTree>
+      <p:nvGrpSpPr>
+        <p:cNvPr id="1" name=""/>
+        <p:cNvGrpSpPr/>
+        <p:nvPr/>
+      </p:nvGrpSpPr>
+      <p:grpSpPr>
+        <a:xfrm>
+          <a:off x="0" y="0"/>
+          <a:ext cx="0" cy="0"/>
+          <a:chOff x="0" y="0"/>
+          <a:chExt cx="0" cy="0"/>
+        </a:xfrm>
+      </p:grpSpPr>
+      <p:grpSp>
+        <p:nvGrpSpPr>
+          <p:cNvPr id="136" name="Group 135"/>
+          <p:cNvGrpSpPr/>
+          <p:nvPr/>
+        </p:nvGrpSpPr>
+        <p:grpSpPr>
+          <a:xfrm>
+            <a:off x="2735787" y="2539924"/>
+            <a:ext cx="4843320" cy="3334760"/>
+            <a:chOff x="2735787" y="2539924"/>
+            <a:chExt cx="4843320" cy="3334760"/>
+          </a:xfrm>
+        </p:grpSpPr>
+        <p:sp>
+          <p:nvSpPr>
+            <p:cNvPr id="135" name="Freeform 134"/>
+            <p:cNvSpPr/>
+            <p:nvPr/>
+          </p:nvSpPr>
+          <p:spPr>
+            <a:xfrm>
+              <a:off x="2735787" y="2539924"/>
+              <a:ext cx="4843320" cy="3334760"/>
+            </a:xfrm>
+            <a:custGeom>
+              <a:avLst/>
+              <a:gdLst>
+                <a:gd name="connsiteX0" fmla="*/ 1940331 w 4843320"/>
+                <a:gd name="connsiteY0" fmla="*/ 82465 h 3334760"/>
+                <a:gd name="connsiteX1" fmla="*/ 1857860 w 4843320"/>
+                <a:gd name="connsiteY1" fmla="*/ 263888 h 3334760"/>
+                <a:gd name="connsiteX2" fmla="*/ 1758895 w 4843320"/>
+                <a:gd name="connsiteY2" fmla="*/ 486543 h 3334760"/>
+                <a:gd name="connsiteX3" fmla="*/ 1602199 w 4843320"/>
+                <a:gd name="connsiteY3" fmla="*/ 799911 h 3334760"/>
+                <a:gd name="connsiteX4" fmla="*/ 1552717 w 4843320"/>
+                <a:gd name="connsiteY4" fmla="*/ 907115 h 3334760"/>
+                <a:gd name="connsiteX5" fmla="*/ 1519728 w 4843320"/>
+                <a:gd name="connsiteY5" fmla="*/ 973087 h 3334760"/>
+                <a:gd name="connsiteX6" fmla="*/ 1470245 w 4843320"/>
+                <a:gd name="connsiteY6" fmla="*/ 1030813 h 3334760"/>
+                <a:gd name="connsiteX7" fmla="*/ 1181596 w 4843320"/>
+                <a:gd name="connsiteY7" fmla="*/ 1162757 h 3334760"/>
+                <a:gd name="connsiteX8" fmla="*/ 686768 w 4843320"/>
+                <a:gd name="connsiteY8" fmla="*/ 1360673 h 3334760"/>
+                <a:gd name="connsiteX9" fmla="*/ 480590 w 4843320"/>
+                <a:gd name="connsiteY9" fmla="*/ 1418399 h 3334760"/>
+                <a:gd name="connsiteX10" fmla="*/ 307401 w 4843320"/>
+                <a:gd name="connsiteY10" fmla="*/ 1476124 h 3334760"/>
+                <a:gd name="connsiteX11" fmla="*/ 216682 w 4843320"/>
+                <a:gd name="connsiteY11" fmla="*/ 1517357 h 3334760"/>
+                <a:gd name="connsiteX12" fmla="*/ 183694 w 4843320"/>
+                <a:gd name="connsiteY12" fmla="*/ 1525603 h 3334760"/>
+                <a:gd name="connsiteX13" fmla="*/ 117717 w 4843320"/>
+                <a:gd name="connsiteY13" fmla="*/ 1591575 h 3334760"/>
+                <a:gd name="connsiteX14" fmla="*/ 51740 w 4843320"/>
+                <a:gd name="connsiteY14" fmla="*/ 1641054 h 3334760"/>
+                <a:gd name="connsiteX15" fmla="*/ 43493 w 4843320"/>
+                <a:gd name="connsiteY15" fmla="*/ 2045133 h 3334760"/>
+                <a:gd name="connsiteX16" fmla="*/ 2257 w 4843320"/>
+                <a:gd name="connsiteY16" fmla="*/ 2292528 h 3334760"/>
+                <a:gd name="connsiteX17" fmla="*/ 10504 w 4843320"/>
+                <a:gd name="connsiteY17" fmla="*/ 2515184 h 3334760"/>
+                <a:gd name="connsiteX18" fmla="*/ 43493 w 4843320"/>
+                <a:gd name="connsiteY18" fmla="*/ 2581156 h 3334760"/>
+                <a:gd name="connsiteX19" fmla="*/ 51740 w 4843320"/>
+                <a:gd name="connsiteY19" fmla="*/ 2630635 h 3334760"/>
+                <a:gd name="connsiteX20" fmla="*/ 59987 w 4843320"/>
+                <a:gd name="connsiteY20" fmla="*/ 3042960 h 3334760"/>
+                <a:gd name="connsiteX21" fmla="*/ 101223 w 4843320"/>
+                <a:gd name="connsiteY21" fmla="*/ 3084193 h 3334760"/>
+                <a:gd name="connsiteX22" fmla="*/ 134211 w 4843320"/>
+                <a:gd name="connsiteY22" fmla="*/ 3059453 h 3334760"/>
+                <a:gd name="connsiteX23" fmla="*/ 406366 w 4843320"/>
+                <a:gd name="connsiteY23" fmla="*/ 3166658 h 3334760"/>
+                <a:gd name="connsiteX24" fmla="*/ 579556 w 4843320"/>
+                <a:gd name="connsiteY24" fmla="*/ 3216137 h 3334760"/>
+                <a:gd name="connsiteX25" fmla="*/ 728004 w 4843320"/>
+                <a:gd name="connsiteY25" fmla="*/ 3240876 h 3334760"/>
+                <a:gd name="connsiteX26" fmla="*/ 991912 w 4843320"/>
+                <a:gd name="connsiteY26" fmla="*/ 3323341 h 3334760"/>
+                <a:gd name="connsiteX27" fmla="*/ 1041395 w 4843320"/>
+                <a:gd name="connsiteY27" fmla="*/ 3273862 h 3334760"/>
+                <a:gd name="connsiteX28" fmla="*/ 1066136 w 4843320"/>
+                <a:gd name="connsiteY28" fmla="*/ 3265616 h 3334760"/>
+                <a:gd name="connsiteX29" fmla="*/ 1206337 w 4843320"/>
+                <a:gd name="connsiteY29" fmla="*/ 3257369 h 3334760"/>
+                <a:gd name="connsiteX30" fmla="*/ 1874354 w 4843320"/>
+                <a:gd name="connsiteY30" fmla="*/ 3158411 h 3334760"/>
+                <a:gd name="connsiteX31" fmla="*/ 2195992 w 4843320"/>
+                <a:gd name="connsiteY31" fmla="*/ 3092439 h 3334760"/>
+                <a:gd name="connsiteX32" fmla="*/ 2814527 w 4843320"/>
+                <a:gd name="connsiteY32" fmla="*/ 3084193 h 3334760"/>
+                <a:gd name="connsiteX33" fmla="*/ 3193894 w 4843320"/>
+                <a:gd name="connsiteY33" fmla="*/ 3067700 h 3334760"/>
+                <a:gd name="connsiteX34" fmla="*/ 3523779 w 4843320"/>
+                <a:gd name="connsiteY34" fmla="*/ 2993481 h 3334760"/>
+                <a:gd name="connsiteX35" fmla="*/ 3985618 w 4843320"/>
+                <a:gd name="connsiteY35" fmla="*/ 3018221 h 3334760"/>
+                <a:gd name="connsiteX36" fmla="*/ 4340245 w 4843320"/>
+                <a:gd name="connsiteY36" fmla="*/ 3034714 h 3334760"/>
+                <a:gd name="connsiteX37" fmla="*/ 4488693 w 4843320"/>
+                <a:gd name="connsiteY37" fmla="*/ 3009974 h 3334760"/>
+                <a:gd name="connsiteX38" fmla="*/ 4719613 w 4843320"/>
+                <a:gd name="connsiteY38" fmla="*/ 2993481 h 3334760"/>
+                <a:gd name="connsiteX39" fmla="*/ 4777343 w 4843320"/>
+                <a:gd name="connsiteY39" fmla="*/ 2976988 h 3334760"/>
+                <a:gd name="connsiteX40" fmla="*/ 4810331 w 4843320"/>
+                <a:gd name="connsiteY40" fmla="*/ 2952249 h 3334760"/>
+                <a:gd name="connsiteX41" fmla="*/ 4843320 w 4843320"/>
+                <a:gd name="connsiteY41" fmla="*/ 2869784 h 3334760"/>
+                <a:gd name="connsiteX42" fmla="*/ 4826825 w 4843320"/>
+                <a:gd name="connsiteY42" fmla="*/ 2515184 h 3334760"/>
+                <a:gd name="connsiteX43" fmla="*/ 4802084 w 4843320"/>
+                <a:gd name="connsiteY43" fmla="*/ 2317268 h 3334760"/>
+                <a:gd name="connsiteX44" fmla="*/ 4752601 w 4843320"/>
+                <a:gd name="connsiteY44" fmla="*/ 2111105 h 3334760"/>
+                <a:gd name="connsiteX45" fmla="*/ 4719613 w 4843320"/>
+                <a:gd name="connsiteY45" fmla="*/ 2053379 h 3334760"/>
+                <a:gd name="connsiteX46" fmla="*/ 4711366 w 4843320"/>
+                <a:gd name="connsiteY46" fmla="*/ 2028640 h 3334760"/>
+                <a:gd name="connsiteX47" fmla="*/ 4529929 w 4843320"/>
+                <a:gd name="connsiteY47" fmla="*/ 1863710 h 3334760"/>
+                <a:gd name="connsiteX48" fmla="*/ 4389728 w 4843320"/>
+                <a:gd name="connsiteY48" fmla="*/ 1690533 h 3334760"/>
+                <a:gd name="connsiteX49" fmla="*/ 4323751 w 4843320"/>
+                <a:gd name="connsiteY49" fmla="*/ 1632808 h 3334760"/>
+                <a:gd name="connsiteX50" fmla="*/ 4266021 w 4843320"/>
+                <a:gd name="connsiteY50" fmla="*/ 1566836 h 3334760"/>
+                <a:gd name="connsiteX51" fmla="*/ 4241279 w 4843320"/>
+                <a:gd name="connsiteY51" fmla="*/ 1525603 h 3334760"/>
+                <a:gd name="connsiteX52" fmla="*/ 4183549 w 4843320"/>
+                <a:gd name="connsiteY52" fmla="*/ 1492617 h 3334760"/>
+                <a:gd name="connsiteX53" fmla="*/ 4117572 w 4843320"/>
+                <a:gd name="connsiteY53" fmla="*/ 1484371 h 3334760"/>
+                <a:gd name="connsiteX54" fmla="*/ 3911394 w 4843320"/>
+                <a:gd name="connsiteY54" fmla="*/ 1467878 h 3334760"/>
+                <a:gd name="connsiteX55" fmla="*/ 3795935 w 4843320"/>
+                <a:gd name="connsiteY55" fmla="*/ 1393659 h 3334760"/>
+                <a:gd name="connsiteX56" fmla="*/ 3705216 w 4843320"/>
+                <a:gd name="connsiteY56" fmla="*/ 1311194 h 3334760"/>
+                <a:gd name="connsiteX57" fmla="*/ 3449555 w 4843320"/>
+                <a:gd name="connsiteY57" fmla="*/ 1179250 h 3334760"/>
+                <a:gd name="connsiteX58" fmla="*/ 3259871 w 4843320"/>
+                <a:gd name="connsiteY58" fmla="*/ 1113278 h 3334760"/>
+                <a:gd name="connsiteX59" fmla="*/ 3053693 w 4843320"/>
+                <a:gd name="connsiteY59" fmla="*/ 857636 h 3334760"/>
+                <a:gd name="connsiteX60" fmla="*/ 2905245 w 4843320"/>
+                <a:gd name="connsiteY60" fmla="*/ 593748 h 3334760"/>
+                <a:gd name="connsiteX61" fmla="*/ 2864009 w 4843320"/>
+                <a:gd name="connsiteY61" fmla="*/ 560762 h 3334760"/>
+                <a:gd name="connsiteX62" fmla="*/ 2798032 w 4843320"/>
+                <a:gd name="connsiteY62" fmla="*/ 478297 h 3334760"/>
+                <a:gd name="connsiteX63" fmla="*/ 2789785 w 4843320"/>
+                <a:gd name="connsiteY63" fmla="*/ 412325 h 3334760"/>
+                <a:gd name="connsiteX64" fmla="*/ 2732055 w 4843320"/>
+                <a:gd name="connsiteY64" fmla="*/ 131944 h 3334760"/>
+                <a:gd name="connsiteX65" fmla="*/ 2723808 w 4843320"/>
+                <a:gd name="connsiteY65" fmla="*/ 90711 h 3334760"/>
+                <a:gd name="connsiteX66" fmla="*/ 2715561 w 4843320"/>
+                <a:gd name="connsiteY66" fmla="*/ 41232 h 3334760"/>
+                <a:gd name="connsiteX67" fmla="*/ 2682573 w 4843320"/>
+                <a:gd name="connsiteY67" fmla="*/ 8246 h 3334760"/>
+                <a:gd name="connsiteX68" fmla="*/ 2649584 w 4843320"/>
+                <a:gd name="connsiteY68" fmla="*/ 0 h 3334760"/>
+                <a:gd name="connsiteX69" fmla="*/ 2344441 w 4843320"/>
+                <a:gd name="connsiteY69" fmla="*/ 8246 h 3334760"/>
+                <a:gd name="connsiteX70" fmla="*/ 2237228 w 4843320"/>
+                <a:gd name="connsiteY70" fmla="*/ 24739 h 3334760"/>
+                <a:gd name="connsiteX71" fmla="*/ 2105274 w 4843320"/>
+                <a:gd name="connsiteY71" fmla="*/ 32986 h 3334760"/>
+                <a:gd name="connsiteX72" fmla="*/ 2072285 w 4843320"/>
+                <a:gd name="connsiteY72" fmla="*/ 41232 h 3334760"/>
+                <a:gd name="connsiteX73" fmla="*/ 2022803 w 4843320"/>
+                <a:gd name="connsiteY73" fmla="*/ 57725 h 3334760"/>
+                <a:gd name="connsiteX74" fmla="*/ 1940331 w 4843320"/>
+                <a:gd name="connsiteY74" fmla="*/ 82465 h 3334760"/>
+              </a:gdLst>
+              <a:ahLst/>
+              <a:cxnLst>
+                <a:cxn ang="0">
+                  <a:pos x="connsiteX0" y="connsiteY0"/>
+                </a:cxn>
+                <a:cxn ang="0">
+                  <a:pos x="connsiteX1" y="connsiteY1"/>
+                </a:cxn>
+                <a:cxn ang="0">
+                  <a:pos x="connsiteX2" y="connsiteY2"/>
+                </a:cxn>
+                <a:cxn ang="0">
+                  <a:pos x="connsiteX3" y="connsiteY3"/>
+                </a:cxn>
+                <a:cxn ang="0">
+                  <a:pos x="connsiteX4" y="connsiteY4"/>
+                </a:cxn>
+                <a:cxn ang="0">
+                  <a:pos x="connsiteX5" y="connsiteY5"/>
+                </a:cxn>
+                <a:cxn ang="0">
+                  <a:pos x="connsiteX6" y="connsiteY6"/>
+                </a:cxn>
+                <a:cxn ang="0">
+                  <a:pos x="connsiteX7" y="connsiteY7"/>
+                </a:cxn>
+                <a:cxn ang="0">
+                  <a:pos x="connsiteX8" y="connsiteY8"/>
+                </a:cxn>
+                <a:cxn ang="0">
+                  <a:pos x="connsiteX9" y="connsiteY9"/>
+                </a:cxn>
+                <a:cxn ang="0">
+                  <a:pos x="connsiteX10" y="connsiteY10"/>
+                </a:cxn>
+                <a:cxn ang="0">
+                  <a:pos x="connsiteX11" y="connsiteY11"/>
+                </a:cxn>
+                <a:cxn ang="0">
+                  <a:pos x="connsiteX12" y="connsiteY12"/>
+                </a:cxn>
+                <a:cxn ang="0">
+                  <a:pos x="connsiteX13" y="connsiteY13"/>
+                </a:cxn>
+                <a:cxn ang="0">
+                  <a:pos x="connsiteX14" y="connsiteY14"/>
+                </a:cxn>
+                <a:cxn ang="0">
+                  <a:pos x="connsiteX15" y="connsiteY15"/>
+                </a:cxn>
+                <a:cxn ang="0">
+                  <a:pos x="connsiteX16" y="connsiteY16"/>
+                </a:cxn>
+                <a:cxn ang="0">
+                  <a:pos x="connsiteX17" y="connsiteY17"/>
+                </a:cxn>
+                <a:cxn ang="0">
+                  <a:pos x="connsiteX18" y="connsiteY18"/>
+                </a:cxn>
+                <a:cxn ang="0">
+                  <a:pos x="connsiteX19" y="connsiteY19"/>
+                </a:cxn>
+                <a:cxn ang="0">
+                  <a:pos x="connsiteX20" y="connsiteY20"/>
+                </a:cxn>
+                <a:cxn ang="0">
+                  <a:pos x="connsiteX21" y="connsiteY21"/>
+                </a:cxn>
+                <a:cxn ang="0">
+                  <a:pos x="connsiteX22" y="connsiteY22"/>
+                </a:cxn>
+                <a:cxn ang="0">
+                  <a:pos x="connsiteX23" y="connsiteY23"/>
+                </a:cxn>
+                <a:cxn ang="0">
+                  <a:pos x="connsiteX24" y="connsiteY24"/>
+                </a:cxn>
+                <a:cxn ang="0">
+                  <a:pos x="connsiteX25" y="connsiteY25"/>
+                </a:cxn>
+                <a:cxn ang="0">
+                  <a:pos x="connsiteX26" y="connsiteY26"/>
+                </a:cxn>
+                <a:cxn ang="0">
+                  <a:pos x="connsiteX27" y="connsiteY27"/>
+                </a:cxn>
+                <a:cxn ang="0">
+                  <a:pos x="connsiteX28" y="connsiteY28"/>
+                </a:cxn>
+                <a:cxn ang="0">
+                  <a:pos x="connsiteX29" y="connsiteY29"/>
+                </a:cxn>
+                <a:cxn ang="0">
+                  <a:pos x="connsiteX30" y="connsiteY30"/>
+                </a:cxn>
+                <a:cxn ang="0">
+                  <a:pos x="connsiteX31" y="connsiteY31"/>
+                </a:cxn>
+                <a:cxn ang="0">
+                  <a:pos x="connsiteX32" y="connsiteY32"/>
+                </a:cxn>
+                <a:cxn ang="0">
+                  <a:pos x="connsiteX33" y="connsiteY33"/>
+                </a:cxn>
+                <a:cxn ang="0">
+                  <a:pos x="connsiteX34" y="connsiteY34"/>
+                </a:cxn>
+                <a:cxn ang="0">
+                  <a:pos x="connsiteX35" y="connsiteY35"/>
+                </a:cxn>
+                <a:cxn ang="0">
+                  <a:pos x="connsiteX36" y="connsiteY36"/>
+                </a:cxn>
+                <a:cxn ang="0">
+                  <a:pos x="connsiteX37" y="connsiteY37"/>
+                </a:cxn>
+                <a:cxn ang="0">
+                  <a:pos x="connsiteX38" y="connsiteY38"/>
+                </a:cxn>
+                <a:cxn ang="0">
+                  <a:pos x="connsiteX39" y="connsiteY39"/>
+                </a:cxn>
+                <a:cxn ang="0">
+                  <a:pos x="connsiteX40" y="connsiteY40"/>
+                </a:cxn>
+                <a:cxn ang="0">
+                  <a:pos x="connsiteX41" y="connsiteY41"/>
+                </a:cxn>
+                <a:cxn ang="0">
+                  <a:pos x="connsiteX42" y="connsiteY42"/>
+                </a:cxn>
+                <a:cxn ang="0">
+                  <a:pos x="connsiteX43" y="connsiteY43"/>
+                </a:cxn>
+                <a:cxn ang="0">
+                  <a:pos x="connsiteX44" y="connsiteY44"/>
+                </a:cxn>
+                <a:cxn ang="0">
+                  <a:pos x="connsiteX45" y="connsiteY45"/>
+                </a:cxn>
+                <a:cxn ang="0">
+                  <a:pos x="connsiteX46" y="connsiteY46"/>
+                </a:cxn>
+                <a:cxn ang="0">
+                  <a:pos x="connsiteX47" y="connsiteY47"/>
+                </a:cxn>
+                <a:cxn ang="0">
+                  <a:pos x="connsiteX48" y="connsiteY48"/>
+                </a:cxn>
+                <a:cxn ang="0">
+                  <a:pos x="connsiteX49" y="connsiteY49"/>
+                </a:cxn>
+                <a:cxn ang="0">
+                  <a:pos x="connsiteX50" y="connsiteY50"/>
+                </a:cxn>
+                <a:cxn ang="0">
+                  <a:pos x="connsiteX51" y="connsiteY51"/>
+                </a:cxn>
+                <a:cxn ang="0">
+                  <a:pos x="connsiteX52" y="connsiteY52"/>
+                </a:cxn>
+                <a:cxn ang="0">
+                  <a:pos x="connsiteX53" y="connsiteY53"/>
+                </a:cxn>
+                <a:cxn ang="0">
+                  <a:pos x="connsiteX54" y="connsiteY54"/>
+                </a:cxn>
+                <a:cxn ang="0">
+                  <a:pos x="connsiteX55" y="connsiteY55"/>
+                </a:cxn>
+                <a:cxn ang="0">
+                  <a:pos x="connsiteX56" y="connsiteY56"/>
+                </a:cxn>
+                <a:cxn ang="0">
+                  <a:pos x="connsiteX57" y="connsiteY57"/>
+                </a:cxn>
+                <a:cxn ang="0">
+                  <a:pos x="connsiteX58" y="connsiteY58"/>
+                </a:cxn>
+                <a:cxn ang="0">
+                  <a:pos x="connsiteX59" y="connsiteY59"/>
+                </a:cxn>
+                <a:cxn ang="0">
+                  <a:pos x="connsiteX60" y="connsiteY60"/>
+                </a:cxn>
+                <a:cxn ang="0">
+                  <a:pos x="connsiteX61" y="connsiteY61"/>
+                </a:cxn>
+                <a:cxn ang="0">
+                  <a:pos x="connsiteX62" y="connsiteY62"/>
+                </a:cxn>
+                <a:cxn ang="0">
+                  <a:pos x="connsiteX63" y="connsiteY63"/>
+                </a:cxn>
+                <a:cxn ang="0">
+                  <a:pos x="connsiteX64" y="connsiteY64"/>
+                </a:cxn>
+                <a:cxn ang="0">
+                  <a:pos x="connsiteX65" y="connsiteY65"/>
+                </a:cxn>
+                <a:cxn ang="0">
+                  <a:pos x="connsiteX66" y="connsiteY66"/>
+                </a:cxn>
+                <a:cxn ang="0">
+                  <a:pos x="connsiteX67" y="connsiteY67"/>
+                </a:cxn>
+                <a:cxn ang="0">
+                  <a:pos x="connsiteX68" y="connsiteY68"/>
+                </a:cxn>
+                <a:cxn ang="0">
+                  <a:pos x="connsiteX69" y="connsiteY69"/>
+                </a:cxn>
+                <a:cxn ang="0">
+                  <a:pos x="connsiteX70" y="connsiteY70"/>
+                </a:cxn>
+                <a:cxn ang="0">
+                  <a:pos x="connsiteX71" y="connsiteY71"/>
+                </a:cxn>
+                <a:cxn ang="0">
+                  <a:pos x="connsiteX72" y="connsiteY72"/>
+                </a:cxn>
+                <a:cxn ang="0">
+                  <a:pos x="connsiteX73" y="connsiteY73"/>
+                </a:cxn>
+                <a:cxn ang="0">
+                  <a:pos x="connsiteX74" y="connsiteY74"/>
+                </a:cxn>
+              </a:cxnLst>
+              <a:rect l="l" t="t" r="r" b="b"/>
+              <a:pathLst>
+                <a:path w="4843320" h="3334760">
+                  <a:moveTo>
+                    <a:pt x="1940331" y="82465"/>
+                  </a:moveTo>
+                  <a:cubicBezTo>
+                    <a:pt x="1912841" y="116826"/>
+                    <a:pt x="1944627" y="77352"/>
+                    <a:pt x="1857860" y="263888"/>
+                  </a:cubicBezTo>
+                  <a:cubicBezTo>
+                    <a:pt x="1823605" y="337530"/>
+                    <a:pt x="1793860" y="413235"/>
+                    <a:pt x="1758895" y="486543"/>
+                  </a:cubicBezTo>
+                  <a:cubicBezTo>
+                    <a:pt x="1708618" y="591954"/>
+                    <a:pt x="1653607" y="695047"/>
+                    <a:pt x="1602199" y="799911"/>
+                  </a:cubicBezTo>
+                  <a:cubicBezTo>
+                    <a:pt x="1584874" y="835250"/>
+                    <a:pt x="1569639" y="871581"/>
+                    <a:pt x="1552717" y="907115"/>
+                  </a:cubicBezTo>
+                  <a:cubicBezTo>
+                    <a:pt x="1542146" y="929313"/>
+                    <a:pt x="1535730" y="954420"/>
+                    <a:pt x="1519728" y="973087"/>
+                  </a:cubicBezTo>
+                  <a:cubicBezTo>
+                    <a:pt x="1503234" y="992329"/>
+                    <a:pt x="1488166" y="1012893"/>
+                    <a:pt x="1470245" y="1030813"/>
+                  </a:cubicBezTo>
+                  <a:cubicBezTo>
+                    <a:pt x="1395166" y="1105888"/>
+                    <a:pt x="1266127" y="1124867"/>
+                    <a:pt x="1181596" y="1162757"/>
+                  </a:cubicBezTo>
+                  <a:cubicBezTo>
+                    <a:pt x="945927" y="1268393"/>
+                    <a:pt x="935738" y="1280653"/>
+                    <a:pt x="686768" y="1360673"/>
+                  </a:cubicBezTo>
+                  <a:cubicBezTo>
+                    <a:pt x="618822" y="1382511"/>
+                    <a:pt x="548621" y="1396830"/>
+                    <a:pt x="480590" y="1418399"/>
+                  </a:cubicBezTo>
+                  <a:cubicBezTo>
+                    <a:pt x="263736" y="1487153"/>
+                    <a:pt x="416117" y="1454384"/>
+                    <a:pt x="307401" y="1476124"/>
+                  </a:cubicBezTo>
+                  <a:cubicBezTo>
+                    <a:pt x="274992" y="1492327"/>
+                    <a:pt x="252835" y="1504211"/>
+                    <a:pt x="216682" y="1517357"/>
+                  </a:cubicBezTo>
+                  <a:cubicBezTo>
+                    <a:pt x="206030" y="1521230"/>
+                    <a:pt x="194690" y="1522854"/>
+                    <a:pt x="183694" y="1525603"/>
+                  </a:cubicBezTo>
+                  <a:cubicBezTo>
+                    <a:pt x="161702" y="1547594"/>
+                    <a:pt x="142003" y="1572148"/>
+                    <a:pt x="117717" y="1591575"/>
+                  </a:cubicBezTo>
+                  <a:cubicBezTo>
+                    <a:pt x="68741" y="1630752"/>
+                    <a:pt x="91127" y="1614798"/>
+                    <a:pt x="51740" y="1641054"/>
+                  </a:cubicBezTo>
+                  <a:cubicBezTo>
+                    <a:pt x="48991" y="1775747"/>
+                    <a:pt x="51405" y="1910644"/>
+                    <a:pt x="43493" y="2045133"/>
+                  </a:cubicBezTo>
+                  <a:cubicBezTo>
+                    <a:pt x="41353" y="2081507"/>
+                    <a:pt x="12287" y="2237367"/>
+                    <a:pt x="2257" y="2292528"/>
+                  </a:cubicBezTo>
+                  <a:cubicBezTo>
+                    <a:pt x="5006" y="2366747"/>
+                    <a:pt x="0" y="2441661"/>
+                    <a:pt x="10504" y="2515184"/>
+                  </a:cubicBezTo>
+                  <a:cubicBezTo>
+                    <a:pt x="13981" y="2539524"/>
+                    <a:pt x="35223" y="2558002"/>
+                    <a:pt x="43493" y="2581156"/>
+                  </a:cubicBezTo>
+                  <a:cubicBezTo>
+                    <a:pt x="49117" y="2596902"/>
+                    <a:pt x="48991" y="2614142"/>
+                    <a:pt x="51740" y="2630635"/>
+                  </a:cubicBezTo>
+                  <a:cubicBezTo>
+                    <a:pt x="54489" y="2768077"/>
+                    <a:pt x="52361" y="2905703"/>
+                    <a:pt x="59987" y="3042960"/>
+                  </a:cubicBezTo>
+                  <a:cubicBezTo>
+                    <a:pt x="61910" y="3077569"/>
+                    <a:pt x="77872" y="3076410"/>
+                    <a:pt x="101223" y="3084193"/>
+                  </a:cubicBezTo>
+                  <a:cubicBezTo>
+                    <a:pt x="112219" y="3075946"/>
+                    <a:pt x="121917" y="3065599"/>
+                    <a:pt x="134211" y="3059453"/>
+                  </a:cubicBezTo>
+                  <a:cubicBezTo>
+                    <a:pt x="223264" y="3014930"/>
+                    <a:pt x="389873" y="3161946"/>
+                    <a:pt x="406366" y="3166658"/>
+                  </a:cubicBezTo>
+                  <a:cubicBezTo>
+                    <a:pt x="464096" y="3183151"/>
+                    <a:pt x="521054" y="3202638"/>
+                    <a:pt x="579556" y="3216137"/>
+                  </a:cubicBezTo>
+                  <a:cubicBezTo>
+                    <a:pt x="628437" y="3227416"/>
+                    <a:pt x="678972" y="3230275"/>
+                    <a:pt x="728004" y="3240876"/>
+                  </a:cubicBezTo>
+                  <a:cubicBezTo>
+                    <a:pt x="867721" y="3271083"/>
+                    <a:pt x="872576" y="3277447"/>
+                    <a:pt x="991912" y="3323341"/>
+                  </a:cubicBezTo>
+                  <a:cubicBezTo>
+                    <a:pt x="1076500" y="3306426"/>
+                    <a:pt x="1000794" y="3334760"/>
+                    <a:pt x="1041395" y="3273862"/>
+                  </a:cubicBezTo>
+                  <a:cubicBezTo>
+                    <a:pt x="1046217" y="3266629"/>
+                    <a:pt x="1057486" y="3266481"/>
+                    <a:pt x="1066136" y="3265616"/>
+                  </a:cubicBezTo>
+                  <a:cubicBezTo>
+                    <a:pt x="1112718" y="3260958"/>
+                    <a:pt x="1159603" y="3260118"/>
+                    <a:pt x="1206337" y="3257369"/>
+                  </a:cubicBezTo>
+                  <a:cubicBezTo>
+                    <a:pt x="1344425" y="3238102"/>
+                    <a:pt x="1727752" y="3186784"/>
+                    <a:pt x="1874354" y="3158411"/>
+                  </a:cubicBezTo>
+                  <a:cubicBezTo>
+                    <a:pt x="2001595" y="3133785"/>
+                    <a:pt x="2072803" y="3096545"/>
+                    <a:pt x="2195992" y="3092439"/>
+                  </a:cubicBezTo>
+                  <a:cubicBezTo>
+                    <a:pt x="2402074" y="3085570"/>
+                    <a:pt x="2608349" y="3086942"/>
+                    <a:pt x="2814527" y="3084193"/>
+                  </a:cubicBezTo>
+                  <a:cubicBezTo>
+                    <a:pt x="2940983" y="3078695"/>
+                    <a:pt x="3068342" y="3083758"/>
+                    <a:pt x="3193894" y="3067700"/>
+                  </a:cubicBezTo>
+                  <a:cubicBezTo>
+                    <a:pt x="3305694" y="3053401"/>
+                    <a:pt x="3523779" y="2993481"/>
+                    <a:pt x="3523779" y="2993481"/>
+                  </a:cubicBezTo>
+                  <a:cubicBezTo>
+                    <a:pt x="3735500" y="3008604"/>
+                    <a:pt x="3657726" y="3003966"/>
+                    <a:pt x="3985618" y="3018221"/>
+                  </a:cubicBezTo>
+                  <a:cubicBezTo>
+                    <a:pt x="4342645" y="3033742"/>
+                    <a:pt x="4080574" y="3018485"/>
+                    <a:pt x="4340245" y="3034714"/>
+                  </a:cubicBezTo>
+                  <a:cubicBezTo>
+                    <a:pt x="4389728" y="3026467"/>
+                    <a:pt x="4438822" y="3015394"/>
+                    <a:pt x="4488693" y="3009974"/>
+                  </a:cubicBezTo>
+                  <a:cubicBezTo>
+                    <a:pt x="4565411" y="3001636"/>
+                    <a:pt x="4642780" y="3000683"/>
+                    <a:pt x="4719613" y="2993481"/>
+                  </a:cubicBezTo>
+                  <a:cubicBezTo>
+                    <a:pt x="4734024" y="2992130"/>
+                    <a:pt x="4762566" y="2981914"/>
+                    <a:pt x="4777343" y="2976988"/>
+                  </a:cubicBezTo>
+                  <a:cubicBezTo>
+                    <a:pt x="4788339" y="2968742"/>
+                    <a:pt x="4801892" y="2963098"/>
+                    <a:pt x="4810331" y="2952249"/>
+                  </a:cubicBezTo>
+                  <a:cubicBezTo>
+                    <a:pt x="4832295" y="2924012"/>
+                    <a:pt x="4835421" y="2901373"/>
+                    <a:pt x="4843320" y="2869784"/>
+                  </a:cubicBezTo>
+                  <a:cubicBezTo>
+                    <a:pt x="4837822" y="2751584"/>
+                    <a:pt x="4833156" y="2633342"/>
+                    <a:pt x="4826825" y="2515184"/>
+                  </a:cubicBezTo>
+                  <a:cubicBezTo>
+                    <a:pt x="4822348" y="2431619"/>
+                    <a:pt x="4819736" y="2396696"/>
+                    <a:pt x="4802084" y="2317268"/>
+                  </a:cubicBezTo>
+                  <a:cubicBezTo>
+                    <a:pt x="4786752" y="2248278"/>
+                    <a:pt x="4787666" y="2172465"/>
+                    <a:pt x="4752601" y="2111105"/>
+                  </a:cubicBezTo>
+                  <a:cubicBezTo>
+                    <a:pt x="4741605" y="2091863"/>
+                    <a:pt x="4729525" y="2073201"/>
+                    <a:pt x="4719613" y="2053379"/>
+                  </a:cubicBezTo>
+                  <a:cubicBezTo>
+                    <a:pt x="4715725" y="2045604"/>
+                    <a:pt x="4717827" y="2034455"/>
+                    <a:pt x="4711366" y="2028640"/>
+                  </a:cubicBezTo>
+                  <a:cubicBezTo>
+                    <a:pt x="4514551" y="1851523"/>
+                    <a:pt x="4796713" y="2174935"/>
+                    <a:pt x="4529929" y="1863710"/>
+                  </a:cubicBezTo>
+                  <a:cubicBezTo>
+                    <a:pt x="4481592" y="1807320"/>
+                    <a:pt x="4445625" y="1739439"/>
+                    <a:pt x="4389728" y="1690533"/>
+                  </a:cubicBezTo>
+                  <a:cubicBezTo>
+                    <a:pt x="4367736" y="1671291"/>
+                    <a:pt x="4344415" y="1653470"/>
+                    <a:pt x="4323751" y="1632808"/>
+                  </a:cubicBezTo>
+                  <a:cubicBezTo>
+                    <a:pt x="4303087" y="1612146"/>
+                    <a:pt x="4283839" y="1589997"/>
+                    <a:pt x="4266021" y="1566836"/>
+                  </a:cubicBezTo>
+                  <a:cubicBezTo>
+                    <a:pt x="4256248" y="1554131"/>
+                    <a:pt x="4251711" y="1537773"/>
+                    <a:pt x="4241279" y="1525603"/>
+                  </a:cubicBezTo>
+                  <a:cubicBezTo>
+                    <a:pt x="4234585" y="1517794"/>
+                    <a:pt x="4190329" y="1494312"/>
+                    <a:pt x="4183549" y="1492617"/>
+                  </a:cubicBezTo>
+                  <a:cubicBezTo>
+                    <a:pt x="4162047" y="1487242"/>
+                    <a:pt x="4139644" y="1486377"/>
+                    <a:pt x="4117572" y="1484371"/>
+                  </a:cubicBezTo>
+                  <a:cubicBezTo>
+                    <a:pt x="4048910" y="1478130"/>
+                    <a:pt x="3980120" y="1473376"/>
+                    <a:pt x="3911394" y="1467878"/>
+                  </a:cubicBezTo>
+                  <a:cubicBezTo>
+                    <a:pt x="3872908" y="1443138"/>
+                    <a:pt x="3832362" y="1421342"/>
+                    <a:pt x="3795935" y="1393659"/>
+                  </a:cubicBezTo>
+                  <a:cubicBezTo>
+                    <a:pt x="3763398" y="1368933"/>
+                    <a:pt x="3739964" y="1332703"/>
+                    <a:pt x="3705216" y="1311194"/>
+                  </a:cubicBezTo>
+                  <a:cubicBezTo>
+                    <a:pt x="3623674" y="1260719"/>
+                    <a:pt x="3538233" y="1215762"/>
+                    <a:pt x="3449555" y="1179250"/>
+                  </a:cubicBezTo>
+                  <a:cubicBezTo>
+                    <a:pt x="3293892" y="1115158"/>
+                    <a:pt x="3359207" y="1129832"/>
+                    <a:pt x="3259871" y="1113278"/>
+                  </a:cubicBezTo>
+                  <a:cubicBezTo>
+                    <a:pt x="3163972" y="1031084"/>
+                    <a:pt x="3129650" y="1009541"/>
+                    <a:pt x="3053693" y="857636"/>
+                  </a:cubicBezTo>
+                  <a:cubicBezTo>
+                    <a:pt x="3024532" y="799318"/>
+                    <a:pt x="2938009" y="619957"/>
+                    <a:pt x="2905245" y="593748"/>
+                  </a:cubicBezTo>
+                  <a:cubicBezTo>
+                    <a:pt x="2891500" y="582753"/>
+                    <a:pt x="2875904" y="573737"/>
+                    <a:pt x="2864009" y="560762"/>
+                  </a:cubicBezTo>
+                  <a:cubicBezTo>
+                    <a:pt x="2665539" y="344264"/>
+                    <a:pt x="2874788" y="555044"/>
+                    <a:pt x="2798032" y="478297"/>
+                  </a:cubicBezTo>
+                  <a:cubicBezTo>
+                    <a:pt x="2795283" y="456306"/>
+                    <a:pt x="2793155" y="434229"/>
+                    <a:pt x="2789785" y="412325"/>
+                  </a:cubicBezTo>
+                  <a:cubicBezTo>
+                    <a:pt x="2749540" y="150751"/>
+                    <a:pt x="2796139" y="228056"/>
+                    <a:pt x="2732055" y="131944"/>
+                  </a:cubicBezTo>
+                  <a:cubicBezTo>
+                    <a:pt x="2729306" y="118200"/>
+                    <a:pt x="2726315" y="104501"/>
+                    <a:pt x="2723808" y="90711"/>
+                  </a:cubicBezTo>
+                  <a:cubicBezTo>
+                    <a:pt x="2720817" y="74260"/>
+                    <a:pt x="2723039" y="56187"/>
+                    <a:pt x="2715561" y="41232"/>
+                  </a:cubicBezTo>
+                  <a:cubicBezTo>
+                    <a:pt x="2708606" y="27324"/>
+                    <a:pt x="2695760" y="16487"/>
+                    <a:pt x="2682573" y="8246"/>
+                  </a:cubicBezTo>
+                  <a:cubicBezTo>
+                    <a:pt x="2672961" y="2239"/>
+                    <a:pt x="2660580" y="2749"/>
+                    <a:pt x="2649584" y="0"/>
+                  </a:cubicBezTo>
+                  <a:lnTo>
+                    <a:pt x="2344441" y="8246"/>
+                  </a:lnTo>
+                  <a:cubicBezTo>
+                    <a:pt x="2028236" y="21993"/>
+                    <a:pt x="2399412" y="8522"/>
+                    <a:pt x="2237228" y="24739"/>
+                  </a:cubicBezTo>
+                  <a:cubicBezTo>
+                    <a:pt x="2193376" y="29124"/>
+                    <a:pt x="2149259" y="30237"/>
+                    <a:pt x="2105274" y="32986"/>
+                  </a:cubicBezTo>
+                  <a:cubicBezTo>
+                    <a:pt x="2094278" y="35735"/>
+                    <a:pt x="2083350" y="38773"/>
+                    <a:pt x="2072285" y="41232"/>
+                  </a:cubicBezTo>
+                  <a:cubicBezTo>
+                    <a:pt x="2025952" y="51528"/>
+                    <a:pt x="2041319" y="39211"/>
+                    <a:pt x="2022803" y="57725"/>
+                  </a:cubicBezTo>
+                  <a:cubicBezTo>
+                    <a:pt x="1970861" y="83694"/>
+                    <a:pt x="1967822" y="48105"/>
+                    <a:pt x="1940331" y="82465"/>
+                  </a:cubicBezTo>
+                  <a:close/>
+                </a:path>
+              </a:pathLst>
+            </a:custGeom>
+          </p:spPr>
+          <p:style>
+            <a:lnRef idx="1">
+              <a:schemeClr val="accent1"/>
+            </a:lnRef>
+            <a:fillRef idx="3">
+              <a:schemeClr val="accent1"/>
+            </a:fillRef>
+            <a:effectRef idx="2">
+              <a:schemeClr val="accent1"/>
+            </a:effectRef>
+            <a:fontRef idx="minor">
+              <a:schemeClr val="lt1"/>
+            </a:fontRef>
+          </p:style>
+          <p:txBody>
+            <a:bodyPr rtlCol="0" anchor="ctr"/>
+            <a:lstStyle/>
+            <a:p>
+              <a:pPr algn="ctr"/>
+              <a:endParaRPr lang="en-US"/>
+            </a:p>
+          </p:txBody>
+        </p:sp>
+        <p:cxnSp>
+          <p:nvCxnSpPr>
+            <p:cNvPr id="6" name="Straight Arrow Connector 5"/>
+            <p:cNvCxnSpPr/>
+            <p:nvPr/>
+          </p:nvCxnSpPr>
+          <p:spPr>
+            <a:xfrm>
+              <a:off x="4323280" y="2991310"/>
+              <a:ext cx="424699" cy="1588"/>
+            </a:xfrm>
+            <a:prstGeom prst="straightConnector1">
+              <a:avLst/>
+            </a:prstGeom>
+            <a:ln w="12700">
+              <a:solidFill>
+                <a:schemeClr val="tx1"/>
+              </a:solidFill>
+              <a:tailEnd type="triangle"/>
+            </a:ln>
+            <a:effectLst/>
+          </p:spPr>
+          <p:style>
+            <a:lnRef idx="2">
+              <a:schemeClr val="accent1"/>
+            </a:lnRef>
+            <a:fillRef idx="0">
+              <a:schemeClr val="accent1"/>
+            </a:fillRef>
+            <a:effectRef idx="1">
+              <a:schemeClr val="accent1"/>
+            </a:effectRef>
+            <a:fontRef idx="minor">
+              <a:schemeClr val="tx1"/>
+            </a:fontRef>
+          </p:style>
+        </p:cxnSp>
+        <p:cxnSp>
+          <p:nvCxnSpPr>
+            <p:cNvPr id="7" name="Straight Arrow Connector 6"/>
+            <p:cNvCxnSpPr/>
+            <p:nvPr/>
+          </p:nvCxnSpPr>
+          <p:spPr>
+            <a:xfrm>
+              <a:off x="5378912" y="2991310"/>
+              <a:ext cx="424699" cy="1588"/>
+            </a:xfrm>
+            <a:prstGeom prst="straightConnector1">
+              <a:avLst/>
+            </a:prstGeom>
+            <a:ln w="12700">
+              <a:solidFill>
+                <a:schemeClr val="tx1"/>
+              </a:solidFill>
+              <a:tailEnd type="triangle"/>
+            </a:ln>
+            <a:effectLst/>
+          </p:spPr>
+          <p:style>
+            <a:lnRef idx="2">
+              <a:schemeClr val="accent1"/>
+            </a:lnRef>
+            <a:fillRef idx="0">
+              <a:schemeClr val="accent1"/>
+            </a:fillRef>
+            <a:effectRef idx="1">
+              <a:schemeClr val="accent1"/>
+            </a:effectRef>
+            <a:fontRef idx="minor">
+              <a:schemeClr val="tx1"/>
+            </a:fontRef>
+          </p:style>
+        </p:cxnSp>
+        <p:sp>
+          <p:nvSpPr>
+            <p:cNvPr id="9" name="TextBox 8"/>
+            <p:cNvSpPr txBox="1"/>
+            <p:nvPr/>
+          </p:nvSpPr>
+          <p:spPr>
+            <a:xfrm>
+              <a:off x="6883096" y="2729799"/>
+              <a:ext cx="401021" cy="276999"/>
+            </a:xfrm>
+            <a:prstGeom prst="rect">
+              <a:avLst/>
+            </a:prstGeom>
+            <a:noFill/>
+          </p:spPr>
+          <p:txBody>
+            <a:bodyPr wrap="none" rtlCol="0">
+              <a:spAutoFit/>
+            </a:bodyPr>
+            <a:lstStyle/>
+            <a:p>
+              <a:r>
+                <a:rPr lang="en-US" sz="1200" i="1" dirty="0" err="1" smtClean="0">
+                  <a:latin typeface="Times New Roman"/>
+                </a:rPr>
+                <a:t>r</a:t>
+              </a:r>
+              <a:r>
+                <a:rPr lang="en-US" sz="1200" dirty="0" err="1" smtClean="0">
+                  <a:latin typeface="Times New Roman"/>
+                </a:rPr>
+                <a:t>(</a:t>
+              </a:r>
+              <a:r>
+                <a:rPr lang="en-US" sz="1200" i="1" dirty="0" err="1" smtClean="0">
+                  <a:latin typeface="Times New Roman"/>
+                </a:rPr>
+                <a:t>t</a:t>
+              </a:r>
+              <a:r>
+                <a:rPr lang="en-US" sz="1200" dirty="0" smtClean="0">
+                  <a:latin typeface="Times New Roman"/>
+                </a:rPr>
+                <a:t>)</a:t>
+              </a:r>
+              <a:endParaRPr lang="en-US" sz="1200" dirty="0">
+                <a:latin typeface="Times New Roman"/>
+              </a:endParaRPr>
+            </a:p>
+          </p:txBody>
+        </p:sp>
+        <p:sp>
+          <p:nvSpPr>
+            <p:cNvPr id="16" name="Rectangle 15"/>
+            <p:cNvSpPr/>
+            <p:nvPr/>
+          </p:nvSpPr>
+          <p:spPr>
+            <a:xfrm>
+              <a:off x="5803611" y="2765325"/>
+              <a:ext cx="630933" cy="453558"/>
+            </a:xfrm>
+            <a:prstGeom prst="rect">
+              <a:avLst/>
+            </a:prstGeom>
+            <a:noFill/>
+            <a:ln>
+              <a:solidFill>
+                <a:schemeClr val="tx1"/>
+              </a:solidFill>
+            </a:ln>
+            <a:effectLst/>
+          </p:spPr>
+          <p:style>
+            <a:lnRef idx="1">
+              <a:schemeClr val="accent1"/>
+            </a:lnRef>
+            <a:fillRef idx="3">
+              <a:schemeClr val="accent1"/>
+            </a:fillRef>
+            <a:effectRef idx="2">
+              <a:schemeClr val="accent1"/>
+            </a:effectRef>
+            <a:fontRef idx="minor">
+              <a:schemeClr val="lt1"/>
+            </a:fontRef>
+          </p:style>
+          <p:txBody>
+            <a:bodyPr rtlCol="0" anchor="ctr"/>
+            <a:lstStyle/>
+            <a:p>
+              <a:pPr algn="ctr"/>
+              <a:endParaRPr lang="en-US"/>
+            </a:p>
+          </p:txBody>
+        </p:sp>
+        <p:cxnSp>
+          <p:nvCxnSpPr>
+            <p:cNvPr id="17" name="Straight Arrow Connector 16"/>
+            <p:cNvCxnSpPr/>
+            <p:nvPr/>
+          </p:nvCxnSpPr>
+          <p:spPr>
+            <a:xfrm>
+              <a:off x="6434544" y="2991310"/>
+              <a:ext cx="857989" cy="1588"/>
+            </a:xfrm>
+            <a:prstGeom prst="straightConnector1">
+              <a:avLst/>
+            </a:prstGeom>
+            <a:ln w="12700">
+              <a:solidFill>
+                <a:schemeClr val="tx1"/>
+              </a:solidFill>
+              <a:tailEnd type="triangle"/>
+            </a:ln>
+            <a:effectLst/>
+          </p:spPr>
+          <p:style>
+            <a:lnRef idx="2">
+              <a:schemeClr val="accent1"/>
+            </a:lnRef>
+            <a:fillRef idx="0">
+              <a:schemeClr val="accent1"/>
+            </a:fillRef>
+            <a:effectRef idx="1">
+              <a:schemeClr val="accent1"/>
+            </a:effectRef>
+            <a:fontRef idx="minor">
+              <a:schemeClr val="tx1"/>
+            </a:fontRef>
+          </p:style>
+        </p:cxnSp>
+        <p:sp>
+          <p:nvSpPr>
+            <p:cNvPr id="40" name="Rectangle 39"/>
+            <p:cNvSpPr/>
+            <p:nvPr/>
+          </p:nvSpPr>
+          <p:spPr>
+            <a:xfrm>
+              <a:off x="4740154" y="2757078"/>
+              <a:ext cx="630933" cy="453558"/>
+            </a:xfrm>
+            <a:prstGeom prst="rect">
+              <a:avLst/>
+            </a:prstGeom>
+            <a:noFill/>
+            <a:ln>
+              <a:solidFill>
+                <a:schemeClr val="tx1"/>
+              </a:solidFill>
+            </a:ln>
+            <a:effectLst/>
+          </p:spPr>
+          <p:style>
+            <a:lnRef idx="1">
+              <a:schemeClr val="accent1"/>
+            </a:lnRef>
+            <a:fillRef idx="3">
+              <a:schemeClr val="accent1"/>
+            </a:fillRef>
+            <a:effectRef idx="2">
+              <a:schemeClr val="accent1"/>
+            </a:effectRef>
+            <a:fontRef idx="minor">
+              <a:schemeClr val="lt1"/>
+            </a:fontRef>
+          </p:style>
+          <p:txBody>
+            <a:bodyPr rtlCol="0" anchor="ctr"/>
+            <a:lstStyle/>
+            <a:p>
+              <a:pPr algn="ctr"/>
+              <a:endParaRPr lang="en-US"/>
+            </a:p>
+          </p:txBody>
+        </p:sp>
+        <p:sp>
+          <p:nvSpPr>
+            <p:cNvPr id="41" name="TextBox 40"/>
+            <p:cNvSpPr txBox="1"/>
+            <p:nvPr/>
+          </p:nvSpPr>
+          <p:spPr>
+            <a:xfrm>
+              <a:off x="4812674" y="2812370"/>
+              <a:ext cx="469399" cy="276999"/>
+            </a:xfrm>
+            <a:prstGeom prst="rect">
+              <a:avLst/>
+            </a:prstGeom>
+            <a:noFill/>
+          </p:spPr>
+          <p:txBody>
+            <a:bodyPr wrap="none" rtlCol="0">
+              <a:spAutoFit/>
+            </a:bodyPr>
+            <a:lstStyle/>
+            <a:p>
+              <a:r>
+                <a:rPr lang="en-US" sz="1200" i="1" dirty="0" err="1" smtClean="0">
+                  <a:latin typeface="Times New Roman"/>
+                </a:rPr>
+                <a:t>D</a:t>
+              </a:r>
+              <a:r>
+                <a:rPr lang="en-US" sz="1200" dirty="0" err="1" smtClean="0">
+                  <a:latin typeface="Times New Roman"/>
+                </a:rPr>
+                <a:t>(</a:t>
+              </a:r>
+              <a:r>
+                <a:rPr lang="en-US" sz="1200" i="1" dirty="0" err="1" smtClean="0">
+                  <a:latin typeface="Times New Roman"/>
+                </a:rPr>
+                <a:t>s</a:t>
+              </a:r>
+              <a:r>
+                <a:rPr lang="en-US" sz="1200" dirty="0" smtClean="0">
+                  <a:latin typeface="Times New Roman"/>
+                </a:rPr>
+                <a:t>)</a:t>
+              </a:r>
+              <a:endParaRPr lang="en-US" sz="1200" dirty="0">
+                <a:latin typeface="Times New Roman"/>
+              </a:endParaRPr>
+            </a:p>
+          </p:txBody>
+        </p:sp>
+        <p:cxnSp>
+          <p:nvCxnSpPr>
+            <p:cNvPr id="32" name="Shape 31"/>
+            <p:cNvCxnSpPr>
+              <a:endCxn id="45" idx="4"/>
+            </p:cNvCxnSpPr>
+            <p:nvPr/>
+          </p:nvCxnSpPr>
+          <p:spPr>
+            <a:xfrm rot="10800000" flipV="1">
+              <a:off x="4158339" y="2992897"/>
+              <a:ext cx="2639369" cy="149357"/>
+            </a:xfrm>
+            <a:prstGeom prst="bentConnector4">
+              <a:avLst>
+                <a:gd name="adj1" fmla="val -307"/>
+                <a:gd name="adj2" fmla="val 512559"/>
+              </a:avLst>
+            </a:prstGeom>
+            <a:ln w="12700">
+              <a:solidFill>
+                <a:schemeClr val="tx1"/>
+              </a:solidFill>
+              <a:tailEnd type="triangle"/>
+            </a:ln>
+            <a:effectLst/>
+          </p:spPr>
+          <p:style>
+            <a:lnRef idx="2">
+              <a:schemeClr val="accent1"/>
+            </a:lnRef>
+            <a:fillRef idx="0">
+              <a:schemeClr val="accent1"/>
+            </a:fillRef>
+            <a:effectRef idx="1">
+              <a:schemeClr val="accent1"/>
+            </a:effectRef>
+            <a:fontRef idx="minor">
+              <a:schemeClr val="tx1"/>
+            </a:fontRef>
+          </p:style>
+        </p:cxnSp>
+        <p:sp>
+          <p:nvSpPr>
+            <p:cNvPr id="36" name="TextBox 35"/>
+            <p:cNvSpPr txBox="1"/>
+            <p:nvPr/>
+          </p:nvSpPr>
+          <p:spPr>
+            <a:xfrm>
+              <a:off x="5354155" y="2729799"/>
+              <a:ext cx="418078" cy="276999"/>
+            </a:xfrm>
+            <a:prstGeom prst="rect">
+              <a:avLst/>
+            </a:prstGeom>
+            <a:noFill/>
+          </p:spPr>
+          <p:txBody>
+            <a:bodyPr wrap="none" rtlCol="0">
+              <a:spAutoFit/>
+            </a:bodyPr>
+            <a:lstStyle/>
+            <a:p>
+              <a:r>
+                <a:rPr lang="en-US" sz="1200" i="1" dirty="0" err="1" smtClean="0">
+                  <a:latin typeface="Times New Roman"/>
+                </a:rPr>
+                <a:t>u</a:t>
+              </a:r>
+              <a:r>
+                <a:rPr lang="en-US" sz="1200" dirty="0" err="1" smtClean="0">
+                  <a:latin typeface="Times New Roman"/>
+                </a:rPr>
+                <a:t>(</a:t>
+              </a:r>
+              <a:r>
+                <a:rPr lang="en-US" sz="1200" i="1" dirty="0" err="1" smtClean="0">
+                  <a:latin typeface="Times New Roman"/>
+                </a:rPr>
+                <a:t>t</a:t>
+              </a:r>
+              <a:r>
+                <a:rPr lang="en-US" sz="1200" dirty="0" smtClean="0">
+                  <a:latin typeface="Times New Roman"/>
+                </a:rPr>
+                <a:t>)</a:t>
+              </a:r>
+              <a:endParaRPr lang="en-US" sz="1200" dirty="0">
+                <a:latin typeface="Times New Roman"/>
+              </a:endParaRPr>
+            </a:p>
+          </p:txBody>
+        </p:sp>
+        <p:sp>
+          <p:nvSpPr>
+            <p:cNvPr id="37" name="TextBox 36"/>
+            <p:cNvSpPr txBox="1"/>
+            <p:nvPr/>
+          </p:nvSpPr>
+          <p:spPr>
+            <a:xfrm>
+              <a:off x="3749012" y="2907834"/>
+              <a:ext cx="269124" cy="276999"/>
+            </a:xfrm>
+            <a:prstGeom prst="rect">
+              <a:avLst/>
+            </a:prstGeom>
+            <a:noFill/>
+          </p:spPr>
+          <p:txBody>
+            <a:bodyPr wrap="none" rtlCol="0">
+              <a:spAutoFit/>
+            </a:bodyPr>
+            <a:lstStyle/>
+            <a:p>
+              <a:r>
+                <a:rPr lang="en-US" sz="1200" dirty="0" smtClean="0">
+                  <a:latin typeface="Symbol"/>
+                </a:rPr>
+                <a:t>+</a:t>
+              </a:r>
+              <a:endParaRPr lang="en-US" sz="1200" dirty="0">
+                <a:latin typeface="Symbol"/>
+              </a:endParaRPr>
+            </a:p>
+          </p:txBody>
+        </p:sp>
+        <p:sp>
+          <p:nvSpPr>
+            <p:cNvPr id="43" name="TextBox 42"/>
+            <p:cNvSpPr txBox="1"/>
+            <p:nvPr/>
+          </p:nvSpPr>
+          <p:spPr>
+            <a:xfrm>
+              <a:off x="5884378" y="2826270"/>
+              <a:ext cx="469399" cy="276999"/>
+            </a:xfrm>
+            <a:prstGeom prst="rect">
+              <a:avLst/>
+            </a:prstGeom>
+            <a:noFill/>
+          </p:spPr>
+          <p:txBody>
+            <a:bodyPr wrap="none" rtlCol="0">
+              <a:spAutoFit/>
+            </a:bodyPr>
+            <a:lstStyle/>
+            <a:p>
+              <a:r>
+                <a:rPr lang="en-US" sz="1200" i="1" dirty="0" err="1" smtClean="0">
+                  <a:latin typeface="Times New Roman"/>
+                </a:rPr>
+                <a:t>G</a:t>
+              </a:r>
+              <a:r>
+                <a:rPr lang="en-US" sz="1200" dirty="0" err="1" smtClean="0">
+                  <a:latin typeface="Times New Roman"/>
+                </a:rPr>
+                <a:t>(</a:t>
+              </a:r>
+              <a:r>
+                <a:rPr lang="en-US" sz="1200" i="1" dirty="0" err="1" smtClean="0">
+                  <a:latin typeface="Times New Roman"/>
+                </a:rPr>
+                <a:t>s</a:t>
+              </a:r>
+              <a:r>
+                <a:rPr lang="en-US" sz="1200" dirty="0" smtClean="0">
+                  <a:latin typeface="Times New Roman"/>
+                </a:rPr>
+                <a:t>)</a:t>
+              </a:r>
+              <a:endParaRPr lang="en-US" sz="1200" dirty="0">
+                <a:latin typeface="Times New Roman"/>
+              </a:endParaRPr>
+            </a:p>
+          </p:txBody>
+        </p:sp>
+        <p:sp>
+          <p:nvSpPr>
+            <p:cNvPr id="45" name="Oval 44"/>
+            <p:cNvSpPr/>
+            <p:nvPr/>
+          </p:nvSpPr>
+          <p:spPr>
+            <a:xfrm>
+              <a:off x="3993395" y="2812370"/>
+              <a:ext cx="329885" cy="329885"/>
+            </a:xfrm>
+            <a:prstGeom prst="ellipse">
+              <a:avLst/>
+            </a:prstGeom>
+            <a:noFill/>
+            <a:ln>
+              <a:solidFill>
+                <a:schemeClr val="tx1"/>
+              </a:solidFill>
+            </a:ln>
+            <a:effectLst/>
+          </p:spPr>
+          <p:style>
+            <a:lnRef idx="1">
+              <a:schemeClr val="accent1"/>
+            </a:lnRef>
+            <a:fillRef idx="2">
+              <a:schemeClr val="accent1"/>
+            </a:fillRef>
+            <a:effectRef idx="1">
+              <a:schemeClr val="accent1"/>
+            </a:effectRef>
+            <a:fontRef idx="minor">
+              <a:schemeClr val="dk1"/>
+            </a:fontRef>
+          </p:style>
+          <p:txBody>
+            <a:bodyPr rtlCol="0" anchor="ctr"/>
+            <a:lstStyle/>
+            <a:p>
+              <a:pPr algn="ctr"/>
+              <a:endParaRPr lang="en-US"/>
+            </a:p>
+          </p:txBody>
+        </p:sp>
+        <p:cxnSp>
+          <p:nvCxnSpPr>
+            <p:cNvPr id="49" name="Straight Arrow Connector 48"/>
+            <p:cNvCxnSpPr/>
+            <p:nvPr/>
+          </p:nvCxnSpPr>
+          <p:spPr>
+            <a:xfrm>
+              <a:off x="3568696" y="2989722"/>
+              <a:ext cx="424699" cy="1588"/>
+            </a:xfrm>
+            <a:prstGeom prst="straightConnector1">
+              <a:avLst/>
+            </a:prstGeom>
+            <a:ln w="12700">
+              <a:solidFill>
+                <a:schemeClr val="tx1"/>
+              </a:solidFill>
+              <a:tailEnd type="triangle"/>
+            </a:ln>
+            <a:effectLst/>
+          </p:spPr>
+          <p:style>
+            <a:lnRef idx="2">
+              <a:schemeClr val="accent1"/>
+            </a:lnRef>
+            <a:fillRef idx="0">
+              <a:schemeClr val="accent1"/>
+            </a:fillRef>
+            <a:effectRef idx="1">
+              <a:schemeClr val="accent1"/>
+            </a:effectRef>
+            <a:fontRef idx="minor">
+              <a:schemeClr val="tx1"/>
+            </a:fontRef>
+          </p:style>
+        </p:cxnSp>
+        <p:sp>
+          <p:nvSpPr>
+            <p:cNvPr id="50" name="TextBox 49"/>
+            <p:cNvSpPr txBox="1"/>
+            <p:nvPr/>
+          </p:nvSpPr>
+          <p:spPr>
+            <a:xfrm>
+              <a:off x="3523996" y="2729799"/>
+              <a:ext cx="401021" cy="276999"/>
+            </a:xfrm>
+            <a:prstGeom prst="rect">
+              <a:avLst/>
+            </a:prstGeom>
+            <a:noFill/>
+          </p:spPr>
+          <p:txBody>
+            <a:bodyPr wrap="none" rtlCol="0">
+              <a:spAutoFit/>
+            </a:bodyPr>
+            <a:lstStyle/>
+            <a:p>
+              <a:r>
+                <a:rPr lang="en-US" sz="1200" i="1" dirty="0" err="1" smtClean="0">
+                  <a:latin typeface="Times New Roman"/>
+                </a:rPr>
+                <a:t>r</a:t>
+              </a:r>
+              <a:r>
+                <a:rPr lang="en-US" sz="1200" dirty="0" err="1" smtClean="0">
+                  <a:latin typeface="Times New Roman"/>
+                </a:rPr>
+                <a:t>(</a:t>
+              </a:r>
+              <a:r>
+                <a:rPr lang="en-US" sz="1200" i="1" dirty="0" err="1" smtClean="0">
+                  <a:latin typeface="Times New Roman"/>
+                </a:rPr>
+                <a:t>t</a:t>
+              </a:r>
+              <a:r>
+                <a:rPr lang="en-US" sz="1200" dirty="0" smtClean="0">
+                  <a:latin typeface="Times New Roman"/>
+                </a:rPr>
+                <a:t>)</a:t>
+              </a:r>
+              <a:endParaRPr lang="en-US" sz="1200" dirty="0">
+                <a:latin typeface="Times New Roman"/>
+              </a:endParaRPr>
+            </a:p>
+          </p:txBody>
+        </p:sp>
+        <p:sp>
+          <p:nvSpPr>
+            <p:cNvPr id="51" name="TextBox 50"/>
+            <p:cNvSpPr txBox="1"/>
+            <p:nvPr/>
+          </p:nvSpPr>
+          <p:spPr>
+            <a:xfrm>
+              <a:off x="4310287" y="2729799"/>
+              <a:ext cx="409437" cy="276999"/>
+            </a:xfrm>
+            <a:prstGeom prst="rect">
+              <a:avLst/>
+            </a:prstGeom>
+            <a:noFill/>
+          </p:spPr>
+          <p:txBody>
+            <a:bodyPr wrap="none" rtlCol="0">
+              <a:spAutoFit/>
+            </a:bodyPr>
+            <a:lstStyle/>
+            <a:p>
+              <a:r>
+                <a:rPr lang="en-US" sz="1200" i="1" dirty="0" err="1" smtClean="0">
+                  <a:latin typeface="Times New Roman"/>
+                </a:rPr>
+                <a:t>e</a:t>
+              </a:r>
+              <a:r>
+                <a:rPr lang="en-US" sz="1200" dirty="0" err="1" smtClean="0">
+                  <a:latin typeface="Times New Roman"/>
+                </a:rPr>
+                <a:t>(</a:t>
+              </a:r>
+              <a:r>
+                <a:rPr lang="en-US" sz="1200" i="1" dirty="0" err="1" smtClean="0">
+                  <a:latin typeface="Times New Roman"/>
+                </a:rPr>
+                <a:t>t</a:t>
+              </a:r>
+              <a:r>
+                <a:rPr lang="en-US" sz="1200" dirty="0" smtClean="0">
+                  <a:latin typeface="Times New Roman"/>
+                </a:rPr>
+                <a:t>)</a:t>
+              </a:r>
+              <a:endParaRPr lang="en-US" sz="1200" dirty="0">
+                <a:latin typeface="Times New Roman"/>
+              </a:endParaRPr>
+            </a:p>
+          </p:txBody>
+        </p:sp>
+        <p:sp>
+          <p:nvSpPr>
+            <p:cNvPr id="52" name="TextBox 51"/>
+            <p:cNvSpPr txBox="1"/>
+            <p:nvPr/>
+          </p:nvSpPr>
+          <p:spPr>
+            <a:xfrm>
+              <a:off x="3858833" y="3060234"/>
+              <a:ext cx="269124" cy="276999"/>
+            </a:xfrm>
+            <a:prstGeom prst="rect">
+              <a:avLst/>
+            </a:prstGeom>
+            <a:noFill/>
+          </p:spPr>
+          <p:txBody>
+            <a:bodyPr wrap="none" rtlCol="0">
+              <a:spAutoFit/>
+            </a:bodyPr>
+            <a:lstStyle/>
+            <a:p>
+              <a:r>
+                <a:rPr lang="en-US" sz="1200" dirty="0" smtClean="0">
+                  <a:latin typeface="Symbol"/>
+                </a:rPr>
+                <a:t>-</a:t>
+              </a:r>
+              <a:endParaRPr lang="en-US" sz="1200" dirty="0">
+                <a:latin typeface="Symbol"/>
+              </a:endParaRPr>
+            </a:p>
+          </p:txBody>
+        </p:sp>
+        <p:cxnSp>
+          <p:nvCxnSpPr>
+            <p:cNvPr id="53" name="Straight Arrow Connector 52"/>
+            <p:cNvCxnSpPr/>
+            <p:nvPr/>
+          </p:nvCxnSpPr>
+          <p:spPr>
+            <a:xfrm>
+              <a:off x="4129306" y="4380760"/>
+              <a:ext cx="424699" cy="1588"/>
+            </a:xfrm>
+            <a:prstGeom prst="straightConnector1">
+              <a:avLst/>
+            </a:prstGeom>
+            <a:ln w="12700">
+              <a:solidFill>
+                <a:schemeClr val="tx1"/>
+              </a:solidFill>
+              <a:tailEnd type="triangle"/>
+            </a:ln>
+            <a:effectLst/>
+          </p:spPr>
+          <p:style>
+            <a:lnRef idx="2">
+              <a:schemeClr val="accent1"/>
+            </a:lnRef>
+            <a:fillRef idx="0">
+              <a:schemeClr val="accent1"/>
+            </a:fillRef>
+            <a:effectRef idx="1">
+              <a:schemeClr val="accent1"/>
+            </a:effectRef>
+            <a:fontRef idx="minor">
+              <a:schemeClr val="tx1"/>
+            </a:fontRef>
+          </p:style>
+        </p:cxnSp>
+        <p:cxnSp>
+          <p:nvCxnSpPr>
+            <p:cNvPr id="54" name="Straight Arrow Connector 53"/>
+            <p:cNvCxnSpPr/>
+            <p:nvPr/>
+          </p:nvCxnSpPr>
+          <p:spPr>
+            <a:xfrm>
+              <a:off x="5184938" y="4380760"/>
+              <a:ext cx="424699" cy="1588"/>
+            </a:xfrm>
+            <a:prstGeom prst="straightConnector1">
+              <a:avLst/>
+            </a:prstGeom>
+            <a:ln w="12700">
+              <a:solidFill>
+                <a:schemeClr val="tx1"/>
+              </a:solidFill>
+              <a:tailEnd type="triangle"/>
+            </a:ln>
+            <a:effectLst/>
+          </p:spPr>
+          <p:style>
+            <a:lnRef idx="2">
+              <a:schemeClr val="accent1"/>
+            </a:lnRef>
+            <a:fillRef idx="0">
+              <a:schemeClr val="accent1"/>
+            </a:fillRef>
+            <a:effectRef idx="1">
+              <a:schemeClr val="accent1"/>
+            </a:effectRef>
+            <a:fontRef idx="minor">
+              <a:schemeClr val="tx1"/>
+            </a:fontRef>
+          </p:style>
+        </p:cxnSp>
+        <p:sp>
+          <p:nvSpPr>
+            <p:cNvPr id="55" name="Rectangle 54"/>
+            <p:cNvSpPr/>
+            <p:nvPr/>
+          </p:nvSpPr>
+          <p:spPr>
+            <a:xfrm>
+              <a:off x="5609637" y="4154775"/>
+              <a:ext cx="630933" cy="453558"/>
+            </a:xfrm>
+            <a:prstGeom prst="rect">
+              <a:avLst/>
+            </a:prstGeom>
+            <a:noFill/>
+            <a:ln>
+              <a:solidFill>
+                <a:schemeClr val="tx1"/>
+              </a:solidFill>
+            </a:ln>
+            <a:effectLst/>
+          </p:spPr>
+          <p:style>
+            <a:lnRef idx="1">
+              <a:schemeClr val="accent1"/>
+            </a:lnRef>
+            <a:fillRef idx="3">
+              <a:schemeClr val="accent1"/>
+            </a:fillRef>
+            <a:effectRef idx="2">
+              <a:schemeClr val="accent1"/>
+            </a:effectRef>
+            <a:fontRef idx="minor">
+              <a:schemeClr val="lt1"/>
+            </a:fontRef>
+          </p:style>
+          <p:txBody>
+            <a:bodyPr rtlCol="0" anchor="ctr"/>
+            <a:lstStyle/>
+            <a:p>
+              <a:pPr algn="ctr"/>
+              <a:endParaRPr lang="en-US"/>
+            </a:p>
+          </p:txBody>
+        </p:sp>
+        <p:cxnSp>
+          <p:nvCxnSpPr>
+            <p:cNvPr id="56" name="Straight Arrow Connector 55"/>
+            <p:cNvCxnSpPr/>
+            <p:nvPr/>
+          </p:nvCxnSpPr>
+          <p:spPr>
+            <a:xfrm>
+              <a:off x="6240570" y="4380760"/>
+              <a:ext cx="557138" cy="1588"/>
+            </a:xfrm>
+            <a:prstGeom prst="straightConnector1">
+              <a:avLst/>
+            </a:prstGeom>
+            <a:ln w="12700">
+              <a:solidFill>
+                <a:schemeClr val="tx1"/>
+              </a:solidFill>
+              <a:tailEnd type="triangle"/>
+            </a:ln>
+            <a:effectLst/>
+          </p:spPr>
+          <p:style>
+            <a:lnRef idx="2">
+              <a:schemeClr val="accent1"/>
+            </a:lnRef>
+            <a:fillRef idx="0">
+              <a:schemeClr val="accent1"/>
+            </a:fillRef>
+            <a:effectRef idx="1">
+              <a:schemeClr val="accent1"/>
+            </a:effectRef>
+            <a:fontRef idx="minor">
+              <a:schemeClr val="tx1"/>
+            </a:fontRef>
+          </p:style>
+        </p:cxnSp>
+        <p:sp>
+          <p:nvSpPr>
+            <p:cNvPr id="57" name="Rectangle 56"/>
+            <p:cNvSpPr/>
+            <p:nvPr/>
+          </p:nvSpPr>
+          <p:spPr>
+            <a:xfrm>
+              <a:off x="4546180" y="4146528"/>
+              <a:ext cx="630933" cy="453558"/>
+            </a:xfrm>
+            <a:prstGeom prst="rect">
+              <a:avLst/>
+            </a:prstGeom>
+            <a:noFill/>
+            <a:ln>
+              <a:solidFill>
+                <a:schemeClr val="tx1"/>
+              </a:solidFill>
+            </a:ln>
+            <a:effectLst/>
+          </p:spPr>
+          <p:style>
+            <a:lnRef idx="1">
+              <a:schemeClr val="accent1"/>
+            </a:lnRef>
+            <a:fillRef idx="3">
+              <a:schemeClr val="accent1"/>
+            </a:fillRef>
+            <a:effectRef idx="2">
+              <a:schemeClr val="accent1"/>
+            </a:effectRef>
+            <a:fontRef idx="minor">
+              <a:schemeClr val="lt1"/>
+            </a:fontRef>
+          </p:style>
+          <p:txBody>
+            <a:bodyPr rtlCol="0" anchor="ctr"/>
+            <a:lstStyle/>
+            <a:p>
+              <a:pPr algn="ctr"/>
+              <a:endParaRPr lang="en-US"/>
+            </a:p>
+          </p:txBody>
+        </p:sp>
+        <p:sp>
+          <p:nvSpPr>
+            <p:cNvPr id="58" name="TextBox 57"/>
+            <p:cNvSpPr txBox="1"/>
+            <p:nvPr/>
+          </p:nvSpPr>
+          <p:spPr>
+            <a:xfrm>
+              <a:off x="4618700" y="4201820"/>
+              <a:ext cx="469399" cy="276999"/>
+            </a:xfrm>
+            <a:prstGeom prst="rect">
+              <a:avLst/>
+            </a:prstGeom>
+            <a:noFill/>
+          </p:spPr>
+          <p:txBody>
+            <a:bodyPr wrap="none" rtlCol="0">
+              <a:spAutoFit/>
+            </a:bodyPr>
+            <a:lstStyle/>
+            <a:p>
+              <a:r>
+                <a:rPr lang="en-US" sz="1200" i="1" dirty="0" err="1" smtClean="0">
+                  <a:latin typeface="Times New Roman"/>
+                </a:rPr>
+                <a:t>D</a:t>
+              </a:r>
+              <a:r>
+                <a:rPr lang="en-US" sz="1200" dirty="0" err="1" smtClean="0">
+                  <a:latin typeface="Times New Roman"/>
+                </a:rPr>
+                <a:t>(</a:t>
+              </a:r>
+              <a:r>
+                <a:rPr lang="en-US" sz="1200" i="1" dirty="0" err="1" smtClean="0">
+                  <a:latin typeface="Times New Roman"/>
+                </a:rPr>
+                <a:t>z</a:t>
+              </a:r>
+              <a:r>
+                <a:rPr lang="en-US" sz="1200" dirty="0" smtClean="0">
+                  <a:latin typeface="Times New Roman"/>
+                </a:rPr>
+                <a:t>)</a:t>
+              </a:r>
+              <a:endParaRPr lang="en-US" sz="1200" dirty="0">
+                <a:latin typeface="Times New Roman"/>
+              </a:endParaRPr>
+            </a:p>
+          </p:txBody>
+        </p:sp>
+        <p:sp>
+          <p:nvSpPr>
+            <p:cNvPr id="59" name="TextBox 58"/>
+            <p:cNvSpPr txBox="1"/>
+            <p:nvPr/>
+          </p:nvSpPr>
+          <p:spPr>
+            <a:xfrm>
+              <a:off x="6353777" y="4123262"/>
+              <a:ext cx="418078" cy="276999"/>
+            </a:xfrm>
+            <a:prstGeom prst="rect">
+              <a:avLst/>
+            </a:prstGeom>
+            <a:noFill/>
+          </p:spPr>
+          <p:txBody>
+            <a:bodyPr wrap="square" rtlCol="0">
+              <a:spAutoFit/>
+            </a:bodyPr>
+            <a:lstStyle/>
+            <a:p>
+              <a:r>
+                <a:rPr lang="en-US" sz="1200" i="1" dirty="0" err="1" smtClean="0">
+                  <a:latin typeface="Times New Roman"/>
+                </a:rPr>
+                <a:t>u</a:t>
+              </a:r>
+              <a:r>
+                <a:rPr lang="en-US" sz="1200" dirty="0" err="1" smtClean="0">
+                  <a:latin typeface="Times New Roman"/>
+                </a:rPr>
+                <a:t>(</a:t>
+              </a:r>
+              <a:r>
+                <a:rPr lang="en-US" sz="1200" i="1" dirty="0" err="1" smtClean="0">
+                  <a:latin typeface="Times New Roman"/>
+                </a:rPr>
+                <a:t>t</a:t>
+              </a:r>
+              <a:r>
+                <a:rPr lang="en-US" sz="1200" dirty="0" smtClean="0">
+                  <a:latin typeface="Times New Roman"/>
+                </a:rPr>
+                <a:t>)</a:t>
+              </a:r>
+              <a:endParaRPr lang="en-US" sz="1200" dirty="0">
+                <a:latin typeface="Times New Roman"/>
+              </a:endParaRPr>
+            </a:p>
+          </p:txBody>
+        </p:sp>
+        <p:sp>
+          <p:nvSpPr>
+            <p:cNvPr id="60" name="TextBox 59"/>
+            <p:cNvSpPr txBox="1"/>
+            <p:nvPr/>
+          </p:nvSpPr>
+          <p:spPr>
+            <a:xfrm>
+              <a:off x="5690404" y="4215720"/>
+              <a:ext cx="516488" cy="276999"/>
+            </a:xfrm>
+            <a:prstGeom prst="rect">
+              <a:avLst/>
+            </a:prstGeom>
+            <a:noFill/>
+          </p:spPr>
+          <p:txBody>
+            <a:bodyPr wrap="none" rtlCol="0">
+              <a:spAutoFit/>
+            </a:bodyPr>
+            <a:lstStyle/>
+            <a:p>
+              <a:r>
+                <a:rPr lang="en-US" sz="1200" dirty="0" smtClean="0">
+                  <a:latin typeface="Times New Roman"/>
+                </a:rPr>
+                <a:t>ZOH</a:t>
+              </a:r>
+              <a:endParaRPr lang="en-US" sz="1200" dirty="0">
+                <a:latin typeface="Times New Roman"/>
+              </a:endParaRPr>
+            </a:p>
+          </p:txBody>
+        </p:sp>
+        <p:cxnSp>
+          <p:nvCxnSpPr>
+            <p:cNvPr id="66" name="Straight Connector 65"/>
+            <p:cNvCxnSpPr/>
+            <p:nvPr/>
+          </p:nvCxnSpPr>
+          <p:spPr>
+            <a:xfrm>
+              <a:off x="3146412" y="4380760"/>
+              <a:ext cx="602600" cy="1588"/>
+            </a:xfrm>
+            <a:prstGeom prst="line">
+              <a:avLst/>
+            </a:prstGeom>
+            <a:ln w="12700">
+              <a:solidFill>
+                <a:schemeClr val="tx1"/>
+              </a:solidFill>
+            </a:ln>
+            <a:effectLst/>
+          </p:spPr>
+          <p:style>
+            <a:lnRef idx="2">
+              <a:schemeClr val="accent1"/>
+            </a:lnRef>
+            <a:fillRef idx="0">
+              <a:schemeClr val="accent1"/>
+            </a:fillRef>
+            <a:effectRef idx="1">
+              <a:schemeClr val="accent1"/>
+            </a:effectRef>
+            <a:fontRef idx="minor">
+              <a:schemeClr val="tx1"/>
+            </a:fontRef>
+          </p:style>
+        </p:cxnSp>
+        <p:cxnSp>
+          <p:nvCxnSpPr>
+            <p:cNvPr id="68" name="Straight Connector 67"/>
+            <p:cNvCxnSpPr/>
+            <p:nvPr/>
+          </p:nvCxnSpPr>
+          <p:spPr>
+            <a:xfrm flipV="1">
+              <a:off x="3749012" y="4146528"/>
+              <a:ext cx="378945" cy="234232"/>
+            </a:xfrm>
+            <a:prstGeom prst="line">
+              <a:avLst/>
+            </a:prstGeom>
+            <a:ln w="12700">
+              <a:solidFill>
+                <a:schemeClr val="tx1"/>
+              </a:solidFill>
+            </a:ln>
+            <a:effectLst/>
+          </p:spPr>
+          <p:style>
+            <a:lnRef idx="2">
+              <a:schemeClr val="accent1"/>
+            </a:lnRef>
+            <a:fillRef idx="0">
+              <a:schemeClr val="accent1"/>
+            </a:fillRef>
+            <a:effectRef idx="1">
+              <a:schemeClr val="accent1"/>
+            </a:effectRef>
+            <a:fontRef idx="minor">
+              <a:schemeClr val="tx1"/>
+            </a:fontRef>
+          </p:style>
+        </p:cxnSp>
+        <p:sp>
+          <p:nvSpPr>
+            <p:cNvPr id="69" name="TextBox 68"/>
+            <p:cNvSpPr txBox="1"/>
+            <p:nvPr/>
+          </p:nvSpPr>
+          <p:spPr>
+            <a:xfrm>
+              <a:off x="3146412" y="4103761"/>
+              <a:ext cx="409437" cy="276999"/>
+            </a:xfrm>
+            <a:prstGeom prst="rect">
+              <a:avLst/>
+            </a:prstGeom>
+            <a:noFill/>
+          </p:spPr>
+          <p:txBody>
+            <a:bodyPr wrap="none" rtlCol="0">
+              <a:spAutoFit/>
+            </a:bodyPr>
+            <a:lstStyle/>
+            <a:p>
+              <a:r>
+                <a:rPr lang="en-US" sz="1200" i="1" dirty="0" err="1" smtClean="0">
+                  <a:latin typeface="Times New Roman"/>
+                </a:rPr>
+                <a:t>e</a:t>
+              </a:r>
+              <a:r>
+                <a:rPr lang="en-US" sz="1200" dirty="0" err="1" smtClean="0">
+                  <a:latin typeface="Times New Roman"/>
+                </a:rPr>
+                <a:t>(</a:t>
+              </a:r>
+              <a:r>
+                <a:rPr lang="en-US" sz="1200" i="1" dirty="0" err="1" smtClean="0">
+                  <a:latin typeface="Times New Roman"/>
+                </a:rPr>
+                <a:t>t</a:t>
+              </a:r>
+              <a:r>
+                <a:rPr lang="en-US" sz="1200" dirty="0" smtClean="0">
+                  <a:latin typeface="Times New Roman"/>
+                </a:rPr>
+                <a:t>)</a:t>
+              </a:r>
+              <a:endParaRPr lang="en-US" sz="1200" dirty="0">
+                <a:latin typeface="Times New Roman"/>
+              </a:endParaRPr>
+            </a:p>
+          </p:txBody>
+        </p:sp>
+        <p:sp>
+          <p:nvSpPr>
+            <p:cNvPr id="70" name="TextBox 69"/>
+            <p:cNvSpPr txBox="1"/>
+            <p:nvPr/>
+          </p:nvSpPr>
+          <p:spPr>
+            <a:xfrm>
+              <a:off x="4084116" y="4117661"/>
+              <a:ext cx="520570" cy="276999"/>
+            </a:xfrm>
+            <a:prstGeom prst="rect">
+              <a:avLst/>
+            </a:prstGeom>
+            <a:noFill/>
+          </p:spPr>
+          <p:txBody>
+            <a:bodyPr wrap="none" rtlCol="0">
+              <a:spAutoFit/>
+            </a:bodyPr>
+            <a:lstStyle/>
+            <a:p>
+              <a:r>
+                <a:rPr lang="en-US" sz="1200" i="1" dirty="0" err="1" smtClean="0">
+                  <a:latin typeface="Times New Roman"/>
+                </a:rPr>
+                <a:t>e</a:t>
+              </a:r>
+              <a:r>
+                <a:rPr lang="en-US" sz="1200" dirty="0" err="1" smtClean="0">
+                  <a:latin typeface="Times New Roman"/>
+                </a:rPr>
+                <a:t>(</a:t>
+              </a:r>
+              <a:r>
+                <a:rPr lang="en-US" sz="1200" i="1" dirty="0" err="1" smtClean="0">
+                  <a:latin typeface="Times New Roman"/>
+                </a:rPr>
+                <a:t>kT</a:t>
+              </a:r>
+              <a:r>
+                <a:rPr lang="en-US" sz="1200" dirty="0" smtClean="0">
+                  <a:latin typeface="Times New Roman"/>
+                </a:rPr>
+                <a:t>)</a:t>
+              </a:r>
+              <a:endParaRPr lang="en-US" sz="1200" dirty="0">
+                <a:latin typeface="Times New Roman"/>
+              </a:endParaRPr>
+            </a:p>
+          </p:txBody>
+        </p:sp>
+        <p:cxnSp>
+          <p:nvCxnSpPr>
+            <p:cNvPr id="72" name="Straight Connector 71"/>
+            <p:cNvCxnSpPr/>
+            <p:nvPr/>
+          </p:nvCxnSpPr>
+          <p:spPr>
+            <a:xfrm>
+              <a:off x="4158339" y="4492719"/>
+              <a:ext cx="395666" cy="1588"/>
+            </a:xfrm>
+            <a:prstGeom prst="line">
+              <a:avLst/>
+            </a:prstGeom>
+            <a:ln w="12700">
+              <a:solidFill>
+                <a:schemeClr val="tx1"/>
+              </a:solidFill>
+              <a:prstDash val="sysDash"/>
+            </a:ln>
+            <a:effectLst/>
+          </p:spPr>
+          <p:style>
+            <a:lnRef idx="2">
+              <a:schemeClr val="accent1"/>
+            </a:lnRef>
+            <a:fillRef idx="0">
+              <a:schemeClr val="accent1"/>
+            </a:fillRef>
+            <a:effectRef idx="1">
+              <a:schemeClr val="accent1"/>
+            </a:effectRef>
+            <a:fontRef idx="minor">
+              <a:schemeClr val="tx1"/>
+            </a:fontRef>
+          </p:style>
+        </p:cxnSp>
+        <p:cxnSp>
+          <p:nvCxnSpPr>
+            <p:cNvPr id="75" name="Straight Connector 74"/>
+            <p:cNvCxnSpPr/>
+            <p:nvPr/>
+          </p:nvCxnSpPr>
+          <p:spPr>
+            <a:xfrm>
+              <a:off x="5173254" y="4477231"/>
+              <a:ext cx="395666" cy="1588"/>
+            </a:xfrm>
+            <a:prstGeom prst="line">
+              <a:avLst/>
+            </a:prstGeom>
+            <a:ln w="12700">
+              <a:solidFill>
+                <a:schemeClr val="tx1"/>
+              </a:solidFill>
+              <a:prstDash val="sysDash"/>
+            </a:ln>
+            <a:effectLst/>
+          </p:spPr>
+          <p:style>
+            <a:lnRef idx="2">
+              <a:schemeClr val="accent1"/>
+            </a:lnRef>
+            <a:fillRef idx="0">
+              <a:schemeClr val="accent1"/>
+            </a:fillRef>
+            <a:effectRef idx="1">
+              <a:schemeClr val="accent1"/>
+            </a:effectRef>
+            <a:fontRef idx="minor">
+              <a:schemeClr val="tx1"/>
+            </a:fontRef>
+          </p:style>
+        </p:cxnSp>
+        <p:grpSp>
+          <p:nvGrpSpPr>
+            <p:cNvPr id="82" name="Group 81"/>
+            <p:cNvGrpSpPr/>
+            <p:nvPr/>
+          </p:nvGrpSpPr>
+          <p:grpSpPr>
+            <a:xfrm>
+              <a:off x="3026695" y="4742535"/>
+              <a:ext cx="722317" cy="470672"/>
+              <a:chOff x="3026695" y="4478025"/>
+              <a:chExt cx="722317" cy="470672"/>
+            </a:xfrm>
+          </p:grpSpPr>
+          <p:cxnSp>
+            <p:nvCxnSpPr>
+              <p:cNvPr id="77" name="Straight Arrow Connector 76"/>
+              <p:cNvCxnSpPr/>
+              <p:nvPr/>
+            </p:nvCxnSpPr>
+            <p:spPr>
+              <a:xfrm>
+                <a:off x="3026695" y="4842287"/>
+                <a:ext cx="722317" cy="1588"/>
+              </a:xfrm>
+              <a:prstGeom prst="straightConnector1">
+                <a:avLst/>
+              </a:prstGeom>
+              <a:ln>
+                <a:solidFill>
+                  <a:schemeClr val="accent2"/>
+                </a:solidFill>
+                <a:tailEnd type="arrow"/>
+              </a:ln>
+            </p:spPr>
+            <p:style>
+              <a:lnRef idx="2">
+                <a:schemeClr val="accent1"/>
+              </a:lnRef>
+              <a:fillRef idx="0">
+                <a:schemeClr val="accent1"/>
+              </a:fillRef>
+              <a:effectRef idx="1">
+                <a:schemeClr val="accent1"/>
+              </a:effectRef>
+              <a:fontRef idx="minor">
+                <a:schemeClr val="tx1"/>
+              </a:fontRef>
+            </p:style>
+          </p:cxnSp>
+          <p:cxnSp>
+            <p:nvCxnSpPr>
+              <p:cNvPr id="79" name="Straight Arrow Connector 78"/>
+              <p:cNvCxnSpPr/>
+              <p:nvPr/>
+            </p:nvCxnSpPr>
+            <p:spPr>
+              <a:xfrm rot="5400000" flipH="1" flipV="1">
+                <a:off x="2911076" y="4712567"/>
+                <a:ext cx="470672" cy="1588"/>
+              </a:xfrm>
+              <a:prstGeom prst="straightConnector1">
+                <a:avLst/>
+              </a:prstGeom>
+              <a:ln>
+                <a:solidFill>
+                  <a:schemeClr val="accent2"/>
+                </a:solidFill>
+                <a:tailEnd type="arrow"/>
+              </a:ln>
+            </p:spPr>
+            <p:style>
+              <a:lnRef idx="2">
+                <a:schemeClr val="accent1"/>
+              </a:lnRef>
+              <a:fillRef idx="0">
+                <a:schemeClr val="accent1"/>
+              </a:fillRef>
+              <a:effectRef idx="1">
+                <a:schemeClr val="accent1"/>
+              </a:effectRef>
+              <a:fontRef idx="minor">
+                <a:schemeClr val="tx1"/>
+              </a:fontRef>
+            </p:style>
+          </p:cxnSp>
+          <p:sp>
+            <p:nvSpPr>
+              <p:cNvPr id="81" name="Freeform 80"/>
+              <p:cNvSpPr/>
+              <p:nvPr/>
+            </p:nvSpPr>
+            <p:spPr>
+              <a:xfrm>
+                <a:off x="3150402" y="4543824"/>
+                <a:ext cx="527816" cy="305121"/>
+              </a:xfrm>
+              <a:custGeom>
+                <a:avLst/>
+                <a:gdLst>
+                  <a:gd name="connsiteX0" fmla="*/ 0 w 527816"/>
+                  <a:gd name="connsiteY0" fmla="*/ 305121 h 305121"/>
+                  <a:gd name="connsiteX1" fmla="*/ 8247 w 527816"/>
+                  <a:gd name="connsiteY1" fmla="*/ 255642 h 305121"/>
+                  <a:gd name="connsiteX2" fmla="*/ 16494 w 527816"/>
+                  <a:gd name="connsiteY2" fmla="*/ 230903 h 305121"/>
+                  <a:gd name="connsiteX3" fmla="*/ 24741 w 527816"/>
+                  <a:gd name="connsiteY3" fmla="*/ 148438 h 305121"/>
+                  <a:gd name="connsiteX4" fmla="*/ 32988 w 527816"/>
+                  <a:gd name="connsiteY4" fmla="*/ 115452 h 305121"/>
+                  <a:gd name="connsiteX5" fmla="*/ 41235 w 527816"/>
+                  <a:gd name="connsiteY5" fmla="*/ 90712 h 305121"/>
+                  <a:gd name="connsiteX6" fmla="*/ 82471 w 527816"/>
+                  <a:gd name="connsiteY6" fmla="*/ 74219 h 305121"/>
+                  <a:gd name="connsiteX7" fmla="*/ 123707 w 527816"/>
+                  <a:gd name="connsiteY7" fmla="*/ 41233 h 305121"/>
+                  <a:gd name="connsiteX8" fmla="*/ 148448 w 527816"/>
+                  <a:gd name="connsiteY8" fmla="*/ 32986 h 305121"/>
+                  <a:gd name="connsiteX9" fmla="*/ 214425 w 527816"/>
+                  <a:gd name="connsiteY9" fmla="*/ 0 h 305121"/>
+                  <a:gd name="connsiteX10" fmla="*/ 230919 w 527816"/>
+                  <a:gd name="connsiteY10" fmla="*/ 24740 h 305121"/>
+                  <a:gd name="connsiteX11" fmla="*/ 247414 w 527816"/>
+                  <a:gd name="connsiteY11" fmla="*/ 41233 h 305121"/>
+                  <a:gd name="connsiteX12" fmla="*/ 255661 w 527816"/>
+                  <a:gd name="connsiteY12" fmla="*/ 65972 h 305121"/>
+                  <a:gd name="connsiteX13" fmla="*/ 272155 w 527816"/>
+                  <a:gd name="connsiteY13" fmla="*/ 90712 h 305121"/>
+                  <a:gd name="connsiteX14" fmla="*/ 321638 w 527816"/>
+                  <a:gd name="connsiteY14" fmla="*/ 115452 h 305121"/>
+                  <a:gd name="connsiteX15" fmla="*/ 362873 w 527816"/>
+                  <a:gd name="connsiteY15" fmla="*/ 82465 h 305121"/>
+                  <a:gd name="connsiteX16" fmla="*/ 387615 w 527816"/>
+                  <a:gd name="connsiteY16" fmla="*/ 41233 h 305121"/>
+                  <a:gd name="connsiteX17" fmla="*/ 527816 w 527816"/>
+                  <a:gd name="connsiteY17" fmla="*/ 41233 h 305121"/>
+                </a:gdLst>
+                <a:ahLst/>
+                <a:cxnLst>
+                  <a:cxn ang="0">
+                    <a:pos x="connsiteX0" y="connsiteY0"/>
+                  </a:cxn>
+                  <a:cxn ang="0">
+                    <a:pos x="connsiteX1" y="connsiteY1"/>
+                  </a:cxn>
+                  <a:cxn ang="0">
+                    <a:pos x="connsiteX2" y="connsiteY2"/>
+                  </a:cxn>
+                  <a:cxn ang="0">
+                    <a:pos x="connsiteX3" y="connsiteY3"/>
+                  </a:cxn>
+                  <a:cxn ang="0">
+                    <a:pos x="connsiteX4" y="connsiteY4"/>
+                  </a:cxn>
+                  <a:cxn ang="0">
+                    <a:pos x="connsiteX5" y="connsiteY5"/>
+                  </a:cxn>
+                  <a:cxn ang="0">
+                    <a:pos x="connsiteX6" y="connsiteY6"/>
+                  </a:cxn>
+                  <a:cxn ang="0">
+                    <a:pos x="connsiteX7" y="connsiteY7"/>
+                  </a:cxn>
+                  <a:cxn ang="0">
+                    <a:pos x="connsiteX8" y="connsiteY8"/>
+                  </a:cxn>
+                  <a:cxn ang="0">
+                    <a:pos x="connsiteX9" y="connsiteY9"/>
+                  </a:cxn>
+                  <a:cxn ang="0">
+                    <a:pos x="connsiteX10" y="connsiteY10"/>
+                  </a:cxn>
+                  <a:cxn ang="0">
+                    <a:pos x="connsiteX11" y="connsiteY11"/>
+                  </a:cxn>
+                  <a:cxn ang="0">
+                    <a:pos x="connsiteX12" y="connsiteY12"/>
+                  </a:cxn>
+                  <a:cxn ang="0">
+                    <a:pos x="connsiteX13" y="connsiteY13"/>
+                  </a:cxn>
+                  <a:cxn ang="0">
+                    <a:pos x="connsiteX14" y="connsiteY14"/>
+                  </a:cxn>
+                  <a:cxn ang="0">
+                    <a:pos x="connsiteX15" y="connsiteY15"/>
+                  </a:cxn>
+                  <a:cxn ang="0">
+                    <a:pos x="connsiteX16" y="connsiteY16"/>
+                  </a:cxn>
+                  <a:cxn ang="0">
+                    <a:pos x="connsiteX17" y="connsiteY17"/>
+                  </a:cxn>
+                </a:cxnLst>
+                <a:rect l="l" t="t" r="r" b="b"/>
+                <a:pathLst>
+                  <a:path w="527816" h="305121">
+                    <a:moveTo>
+                      <a:pt x="0" y="305121"/>
+                    </a:moveTo>
+                    <a:cubicBezTo>
+                      <a:pt x="2749" y="288628"/>
+                      <a:pt x="4620" y="271964"/>
+                      <a:pt x="8247" y="255642"/>
+                    </a:cubicBezTo>
+                    <a:cubicBezTo>
+                      <a:pt x="10133" y="247157"/>
+                      <a:pt x="15172" y="239494"/>
+                      <a:pt x="16494" y="230903"/>
+                    </a:cubicBezTo>
+                    <a:cubicBezTo>
+                      <a:pt x="20695" y="203599"/>
+                      <a:pt x="20834" y="175786"/>
+                      <a:pt x="24741" y="148438"/>
+                    </a:cubicBezTo>
+                    <a:cubicBezTo>
+                      <a:pt x="26344" y="137218"/>
+                      <a:pt x="29874" y="126350"/>
+                      <a:pt x="32988" y="115452"/>
+                    </a:cubicBezTo>
+                    <a:cubicBezTo>
+                      <a:pt x="35376" y="107094"/>
+                      <a:pt x="34557" y="96277"/>
+                      <a:pt x="41235" y="90712"/>
+                    </a:cubicBezTo>
+                    <a:cubicBezTo>
+                      <a:pt x="52608" y="81235"/>
+                      <a:pt x="69776" y="81835"/>
+                      <a:pt x="82471" y="74219"/>
+                    </a:cubicBezTo>
+                    <a:cubicBezTo>
+                      <a:pt x="97565" y="65163"/>
+                      <a:pt x="108780" y="50562"/>
+                      <a:pt x="123707" y="41233"/>
+                    </a:cubicBezTo>
+                    <a:cubicBezTo>
+                      <a:pt x="131079" y="36626"/>
+                      <a:pt x="140534" y="36583"/>
+                      <a:pt x="148448" y="32986"/>
+                    </a:cubicBezTo>
+                    <a:cubicBezTo>
+                      <a:pt x="170832" y="22812"/>
+                      <a:pt x="214425" y="0"/>
+                      <a:pt x="214425" y="0"/>
+                    </a:cubicBezTo>
+                    <a:cubicBezTo>
+                      <a:pt x="219923" y="8247"/>
+                      <a:pt x="224727" y="17001"/>
+                      <a:pt x="230919" y="24740"/>
+                    </a:cubicBezTo>
+                    <a:cubicBezTo>
+                      <a:pt x="235776" y="30811"/>
+                      <a:pt x="243413" y="34566"/>
+                      <a:pt x="247414" y="41233"/>
+                    </a:cubicBezTo>
+                    <a:cubicBezTo>
+                      <a:pt x="251887" y="48687"/>
+                      <a:pt x="251773" y="58197"/>
+                      <a:pt x="255661" y="65972"/>
+                    </a:cubicBezTo>
+                    <a:cubicBezTo>
+                      <a:pt x="260094" y="74837"/>
+                      <a:pt x="265146" y="83704"/>
+                      <a:pt x="272155" y="90712"/>
+                    </a:cubicBezTo>
+                    <a:cubicBezTo>
+                      <a:pt x="288142" y="106698"/>
+                      <a:pt x="301516" y="108745"/>
+                      <a:pt x="321638" y="115452"/>
+                    </a:cubicBezTo>
+                    <a:cubicBezTo>
+                      <a:pt x="350173" y="105940"/>
+                      <a:pt x="347951" y="112306"/>
+                      <a:pt x="362873" y="82465"/>
+                    </a:cubicBezTo>
+                    <a:cubicBezTo>
+                      <a:pt x="367277" y="73658"/>
+                      <a:pt x="370611" y="43023"/>
+                      <a:pt x="387615" y="41233"/>
+                    </a:cubicBezTo>
+                    <a:cubicBezTo>
+                      <a:pt x="434092" y="36341"/>
+                      <a:pt x="481082" y="41233"/>
+                      <a:pt x="527816" y="41233"/>
+                    </a:cubicBezTo>
+                  </a:path>
+                </a:pathLst>
+              </a:custGeom>
+              <a:ln>
+                <a:solidFill>
+                  <a:schemeClr val="accent2"/>
+                </a:solidFill>
+              </a:ln>
+            </p:spPr>
+            <p:style>
+              <a:lnRef idx="2">
+                <a:schemeClr val="accent1"/>
+              </a:lnRef>
+              <a:fillRef idx="0">
+                <a:schemeClr val="accent1"/>
+              </a:fillRef>
+              <a:effectRef idx="1">
+                <a:schemeClr val="accent1"/>
+              </a:effectRef>
+              <a:fontRef idx="minor">
+                <a:schemeClr val="tx1"/>
+              </a:fontRef>
+            </p:style>
+            <p:txBody>
+              <a:bodyPr rtlCol="0" anchor="ctr"/>
+              <a:lstStyle/>
+              <a:p>
+                <a:pPr algn="ctr"/>
+                <a:endParaRPr lang="en-US"/>
+              </a:p>
+            </p:txBody>
+          </p:sp>
+        </p:grpSp>
+        <p:cxnSp>
+          <p:nvCxnSpPr>
+            <p:cNvPr id="84" name="Straight Arrow Connector 83"/>
+            <p:cNvCxnSpPr/>
+            <p:nvPr/>
+          </p:nvCxnSpPr>
+          <p:spPr>
+            <a:xfrm>
+              <a:off x="3962121" y="5106797"/>
+              <a:ext cx="722317" cy="1588"/>
+            </a:xfrm>
+            <a:prstGeom prst="straightConnector1">
+              <a:avLst/>
+            </a:prstGeom>
+            <a:ln>
+              <a:solidFill>
+                <a:schemeClr val="accent2"/>
+              </a:solidFill>
+              <a:tailEnd type="arrow"/>
+            </a:ln>
+          </p:spPr>
+          <p:style>
+            <a:lnRef idx="2">
+              <a:schemeClr val="accent1"/>
+            </a:lnRef>
+            <a:fillRef idx="0">
+              <a:schemeClr val="accent1"/>
+            </a:fillRef>
+            <a:effectRef idx="1">
+              <a:schemeClr val="accent1"/>
+            </a:effectRef>
+            <a:fontRef idx="minor">
+              <a:schemeClr val="tx1"/>
+            </a:fontRef>
+          </p:style>
+        </p:cxnSp>
+        <p:cxnSp>
+          <p:nvCxnSpPr>
+            <p:cNvPr id="85" name="Straight Arrow Connector 84"/>
+            <p:cNvCxnSpPr/>
+            <p:nvPr/>
+          </p:nvCxnSpPr>
+          <p:spPr>
+            <a:xfrm rot="5400000" flipH="1" flipV="1">
+              <a:off x="3846502" y="4977077"/>
+              <a:ext cx="470672" cy="1588"/>
+            </a:xfrm>
+            <a:prstGeom prst="straightConnector1">
+              <a:avLst/>
+            </a:prstGeom>
+            <a:ln>
+              <a:solidFill>
+                <a:schemeClr val="accent2"/>
+              </a:solidFill>
+              <a:tailEnd type="arrow"/>
+            </a:ln>
+          </p:spPr>
+          <p:style>
+            <a:lnRef idx="2">
+              <a:schemeClr val="accent1"/>
+            </a:lnRef>
+            <a:fillRef idx="0">
+              <a:schemeClr val="accent1"/>
+            </a:fillRef>
+            <a:effectRef idx="1">
+              <a:schemeClr val="accent1"/>
+            </a:effectRef>
+            <a:fontRef idx="minor">
+              <a:schemeClr val="tx1"/>
+            </a:fontRef>
+          </p:style>
+        </p:cxnSp>
+        <p:grpSp>
+          <p:nvGrpSpPr>
+            <p:cNvPr id="87" name="Group 86"/>
+            <p:cNvGrpSpPr/>
+            <p:nvPr/>
+          </p:nvGrpSpPr>
+          <p:grpSpPr>
+            <a:xfrm>
+              <a:off x="5049916" y="4742535"/>
+              <a:ext cx="722317" cy="470672"/>
+              <a:chOff x="3026695" y="4478025"/>
+              <a:chExt cx="722317" cy="470672"/>
+            </a:xfrm>
+          </p:grpSpPr>
+          <p:cxnSp>
+            <p:nvCxnSpPr>
+              <p:cNvPr id="88" name="Straight Arrow Connector 87"/>
+              <p:cNvCxnSpPr/>
+              <p:nvPr/>
+            </p:nvCxnSpPr>
+            <p:spPr>
+              <a:xfrm>
+                <a:off x="3026695" y="4842287"/>
+                <a:ext cx="722317" cy="1588"/>
+              </a:xfrm>
+              <a:prstGeom prst="straightConnector1">
+                <a:avLst/>
+              </a:prstGeom>
+              <a:ln>
+                <a:solidFill>
+                  <a:schemeClr val="accent2"/>
+                </a:solidFill>
+                <a:tailEnd type="arrow"/>
+              </a:ln>
+            </p:spPr>
+            <p:style>
+              <a:lnRef idx="2">
+                <a:schemeClr val="accent1"/>
+              </a:lnRef>
+              <a:fillRef idx="0">
+                <a:schemeClr val="accent1"/>
+              </a:fillRef>
+              <a:effectRef idx="1">
+                <a:schemeClr val="accent1"/>
+              </a:effectRef>
+              <a:fontRef idx="minor">
+                <a:schemeClr val="tx1"/>
+              </a:fontRef>
+            </p:style>
+          </p:cxnSp>
+          <p:cxnSp>
+            <p:nvCxnSpPr>
+              <p:cNvPr id="89" name="Straight Arrow Connector 88"/>
+              <p:cNvCxnSpPr/>
+              <p:nvPr/>
+            </p:nvCxnSpPr>
+            <p:spPr>
+              <a:xfrm rot="5400000" flipH="1" flipV="1">
+                <a:off x="2911076" y="4712567"/>
+                <a:ext cx="470672" cy="1588"/>
+              </a:xfrm>
+              <a:prstGeom prst="straightConnector1">
+                <a:avLst/>
+              </a:prstGeom>
+              <a:ln>
+                <a:solidFill>
+                  <a:schemeClr val="accent2"/>
+                </a:solidFill>
+                <a:tailEnd type="arrow"/>
+              </a:ln>
+            </p:spPr>
+            <p:style>
+              <a:lnRef idx="2">
+                <a:schemeClr val="accent1"/>
+              </a:lnRef>
+              <a:fillRef idx="0">
+                <a:schemeClr val="accent1"/>
+              </a:fillRef>
+              <a:effectRef idx="1">
+                <a:schemeClr val="accent1"/>
+              </a:effectRef>
+              <a:fontRef idx="minor">
+                <a:schemeClr val="tx1"/>
+              </a:fontRef>
+            </p:style>
+          </p:cxnSp>
+        </p:grpSp>
+        <p:cxnSp>
+          <p:nvCxnSpPr>
+            <p:cNvPr id="92" name="Straight Connector 91"/>
+            <p:cNvCxnSpPr/>
+            <p:nvPr/>
+          </p:nvCxnSpPr>
+          <p:spPr>
+            <a:xfrm rot="5400000" flipH="1" flipV="1">
+              <a:off x="4051197" y="4989695"/>
+              <a:ext cx="224244" cy="9960"/>
+            </a:xfrm>
+            <a:prstGeom prst="line">
+              <a:avLst/>
+            </a:prstGeom>
+            <a:ln>
+              <a:solidFill>
+                <a:schemeClr val="accent2"/>
+              </a:solidFill>
+            </a:ln>
+          </p:spPr>
+          <p:style>
+            <a:lnRef idx="2">
+              <a:schemeClr val="accent1"/>
+            </a:lnRef>
+            <a:fillRef idx="0">
+              <a:schemeClr val="accent1"/>
+            </a:fillRef>
+            <a:effectRef idx="1">
+              <a:schemeClr val="accent1"/>
+            </a:effectRef>
+            <a:fontRef idx="minor">
+              <a:schemeClr val="tx1"/>
+            </a:fontRef>
+          </p:style>
+        </p:cxnSp>
+        <p:cxnSp>
+          <p:nvCxnSpPr>
+            <p:cNvPr id="94" name="Straight Connector 93"/>
+            <p:cNvCxnSpPr/>
+            <p:nvPr/>
+          </p:nvCxnSpPr>
+          <p:spPr>
+            <a:xfrm rot="5400000" flipH="1" flipV="1">
+              <a:off x="4112197" y="4970035"/>
+              <a:ext cx="280381" cy="6460"/>
+            </a:xfrm>
+            <a:prstGeom prst="line">
+              <a:avLst/>
+            </a:prstGeom>
+            <a:ln>
+              <a:solidFill>
+                <a:schemeClr val="accent2"/>
+              </a:solidFill>
+            </a:ln>
+          </p:spPr>
+          <p:style>
+            <a:lnRef idx="2">
+              <a:schemeClr val="accent1"/>
+            </a:lnRef>
+            <a:fillRef idx="0">
+              <a:schemeClr val="accent1"/>
+            </a:fillRef>
+            <a:effectRef idx="1">
+              <a:schemeClr val="accent1"/>
+            </a:effectRef>
+            <a:fontRef idx="minor">
+              <a:schemeClr val="tx1"/>
+            </a:fontRef>
+          </p:style>
+        </p:cxnSp>
+        <p:cxnSp>
+          <p:nvCxnSpPr>
+            <p:cNvPr id="96" name="Straight Connector 95"/>
+            <p:cNvCxnSpPr/>
+            <p:nvPr/>
+          </p:nvCxnSpPr>
+          <p:spPr>
+            <a:xfrm rot="5400000" flipH="1" flipV="1">
+              <a:off x="4204593" y="4966706"/>
+              <a:ext cx="273723" cy="6460"/>
+            </a:xfrm>
+            <a:prstGeom prst="line">
+              <a:avLst/>
+            </a:prstGeom>
+            <a:ln>
+              <a:solidFill>
+                <a:schemeClr val="accent2"/>
+              </a:solidFill>
+            </a:ln>
+          </p:spPr>
+          <p:style>
+            <a:lnRef idx="2">
+              <a:schemeClr val="accent1"/>
+            </a:lnRef>
+            <a:fillRef idx="0">
+              <a:schemeClr val="accent1"/>
+            </a:fillRef>
+            <a:effectRef idx="1">
+              <a:schemeClr val="accent1"/>
+            </a:effectRef>
+            <a:fontRef idx="minor">
+              <a:schemeClr val="tx1"/>
+            </a:fontRef>
+          </p:style>
+        </p:cxnSp>
+        <p:cxnSp>
+          <p:nvCxnSpPr>
+            <p:cNvPr id="98" name="Straight Connector 97"/>
+            <p:cNvCxnSpPr/>
+            <p:nvPr/>
+          </p:nvCxnSpPr>
+          <p:spPr>
+            <a:xfrm rot="16200000" flipV="1">
+              <a:off x="4331566" y="5018619"/>
+              <a:ext cx="189670" cy="3"/>
+            </a:xfrm>
+            <a:prstGeom prst="line">
+              <a:avLst/>
+            </a:prstGeom>
+            <a:ln>
+              <a:solidFill>
+                <a:schemeClr val="accent2"/>
+              </a:solidFill>
+            </a:ln>
+          </p:spPr>
+          <p:style>
+            <a:lnRef idx="2">
+              <a:schemeClr val="accent1"/>
+            </a:lnRef>
+            <a:fillRef idx="0">
+              <a:schemeClr val="accent1"/>
+            </a:fillRef>
+            <a:effectRef idx="1">
+              <a:schemeClr val="accent1"/>
+            </a:effectRef>
+            <a:fontRef idx="minor">
+              <a:schemeClr val="tx1"/>
+            </a:fontRef>
+          </p:style>
+        </p:cxnSp>
+        <p:cxnSp>
+          <p:nvCxnSpPr>
+            <p:cNvPr id="101" name="Straight Connector 100"/>
+            <p:cNvCxnSpPr/>
+            <p:nvPr/>
+          </p:nvCxnSpPr>
+          <p:spPr>
+            <a:xfrm rot="5400000" flipH="1" flipV="1">
+              <a:off x="4366240" y="4981512"/>
+              <a:ext cx="263889" cy="1588"/>
+            </a:xfrm>
+            <a:prstGeom prst="line">
+              <a:avLst/>
+            </a:prstGeom>
+            <a:ln>
+              <a:solidFill>
+                <a:schemeClr val="accent2"/>
+              </a:solidFill>
+            </a:ln>
+          </p:spPr>
+          <p:style>
+            <a:lnRef idx="2">
+              <a:schemeClr val="accent1"/>
+            </a:lnRef>
+            <a:fillRef idx="0">
+              <a:schemeClr val="accent1"/>
+            </a:fillRef>
+            <a:effectRef idx="1">
+              <a:schemeClr val="accent1"/>
+            </a:effectRef>
+            <a:fontRef idx="minor">
+              <a:schemeClr val="tx1"/>
+            </a:fontRef>
+          </p:style>
+        </p:cxnSp>
+        <p:cxnSp>
+          <p:nvCxnSpPr>
+            <p:cNvPr id="104" name="Straight Connector 103"/>
+            <p:cNvCxnSpPr/>
+            <p:nvPr/>
+          </p:nvCxnSpPr>
+          <p:spPr>
+            <a:xfrm rot="5400000" flipH="1" flipV="1">
+              <a:off x="5182075" y="5010707"/>
+              <a:ext cx="183804" cy="9960"/>
+            </a:xfrm>
+            <a:prstGeom prst="line">
+              <a:avLst/>
+            </a:prstGeom>
+            <a:ln>
+              <a:solidFill>
+                <a:schemeClr val="accent2"/>
+              </a:solidFill>
+            </a:ln>
+          </p:spPr>
+          <p:style>
+            <a:lnRef idx="2">
+              <a:schemeClr val="accent1"/>
+            </a:lnRef>
+            <a:fillRef idx="0">
+              <a:schemeClr val="accent1"/>
+            </a:fillRef>
+            <a:effectRef idx="1">
+              <a:schemeClr val="accent1"/>
+            </a:effectRef>
+            <a:fontRef idx="minor">
+              <a:schemeClr val="tx1"/>
+            </a:fontRef>
+          </p:style>
+        </p:cxnSp>
+        <p:cxnSp>
+          <p:nvCxnSpPr>
+            <p:cNvPr id="105" name="Straight Connector 104"/>
+            <p:cNvCxnSpPr/>
+            <p:nvPr/>
+          </p:nvCxnSpPr>
+          <p:spPr>
+            <a:xfrm rot="16200000" flipV="1">
+              <a:off x="5304720" y="5065167"/>
+              <a:ext cx="132736" cy="3"/>
+            </a:xfrm>
+            <a:prstGeom prst="line">
+              <a:avLst/>
+            </a:prstGeom>
+            <a:ln>
+              <a:solidFill>
+                <a:schemeClr val="accent2"/>
+              </a:solidFill>
+            </a:ln>
+          </p:spPr>
+          <p:style>
+            <a:lnRef idx="2">
+              <a:schemeClr val="accent1"/>
+            </a:lnRef>
+            <a:fillRef idx="0">
+              <a:schemeClr val="accent1"/>
+            </a:fillRef>
+            <a:effectRef idx="1">
+              <a:schemeClr val="accent1"/>
+            </a:effectRef>
+            <a:fontRef idx="minor">
+              <a:schemeClr val="tx1"/>
+            </a:fontRef>
+          </p:style>
+        </p:cxnSp>
+        <p:cxnSp>
+          <p:nvCxnSpPr>
+            <p:cNvPr id="106" name="Straight Connector 105"/>
+            <p:cNvCxnSpPr/>
+            <p:nvPr/>
+          </p:nvCxnSpPr>
+          <p:spPr>
+            <a:xfrm rot="5400000" flipH="1" flipV="1">
+              <a:off x="5389963" y="5172375"/>
+              <a:ext cx="117840" cy="1"/>
+            </a:xfrm>
+            <a:prstGeom prst="line">
+              <a:avLst/>
+            </a:prstGeom>
+            <a:ln>
+              <a:solidFill>
+                <a:schemeClr val="accent2"/>
+              </a:solidFill>
+            </a:ln>
+          </p:spPr>
+          <p:style>
+            <a:lnRef idx="2">
+              <a:schemeClr val="accent1"/>
+            </a:lnRef>
+            <a:fillRef idx="0">
+              <a:schemeClr val="accent1"/>
+            </a:fillRef>
+            <a:effectRef idx="1">
+              <a:schemeClr val="accent1"/>
+            </a:effectRef>
+            <a:fontRef idx="minor">
+              <a:schemeClr val="tx1"/>
+            </a:fontRef>
+          </p:style>
+        </p:cxnSp>
+        <p:cxnSp>
+          <p:nvCxnSpPr>
+            <p:cNvPr id="107" name="Straight Connector 106"/>
+            <p:cNvCxnSpPr/>
+            <p:nvPr/>
+          </p:nvCxnSpPr>
+          <p:spPr>
+            <a:xfrm rot="16200000" flipV="1">
+              <a:off x="5491710" y="5167855"/>
+              <a:ext cx="90701" cy="3"/>
+            </a:xfrm>
+            <a:prstGeom prst="line">
+              <a:avLst/>
+            </a:prstGeom>
+            <a:ln>
+              <a:solidFill>
+                <a:schemeClr val="accent2"/>
+              </a:solidFill>
+            </a:ln>
+          </p:spPr>
+          <p:style>
+            <a:lnRef idx="2">
+              <a:schemeClr val="accent1"/>
+            </a:lnRef>
+            <a:fillRef idx="0">
+              <a:schemeClr val="accent1"/>
+            </a:fillRef>
+            <a:effectRef idx="1">
+              <a:schemeClr val="accent1"/>
+            </a:effectRef>
+            <a:fontRef idx="minor">
+              <a:schemeClr val="tx1"/>
+            </a:fontRef>
+          </p:style>
+        </p:cxnSp>
+        <p:cxnSp>
+          <p:nvCxnSpPr>
+            <p:cNvPr id="108" name="Straight Connector 107"/>
+            <p:cNvCxnSpPr/>
+            <p:nvPr/>
+          </p:nvCxnSpPr>
+          <p:spPr>
+            <a:xfrm rot="5400000" flipH="1" flipV="1">
+              <a:off x="5541681" y="5040428"/>
+              <a:ext cx="132737" cy="1"/>
+            </a:xfrm>
+            <a:prstGeom prst="line">
+              <a:avLst/>
+            </a:prstGeom>
+            <a:ln>
+              <a:solidFill>
+                <a:schemeClr val="accent2"/>
+              </a:solidFill>
+            </a:ln>
+          </p:spPr>
+          <p:style>
+            <a:lnRef idx="2">
+              <a:schemeClr val="accent1"/>
+            </a:lnRef>
+            <a:fillRef idx="0">
+              <a:schemeClr val="accent1"/>
+            </a:fillRef>
+            <a:effectRef idx="1">
+              <a:schemeClr val="accent1"/>
+            </a:effectRef>
+            <a:fontRef idx="minor">
+              <a:schemeClr val="tx1"/>
+            </a:fontRef>
+          </p:style>
+        </p:cxnSp>
+        <p:grpSp>
+          <p:nvGrpSpPr>
+            <p:cNvPr id="116" name="Group 115"/>
+            <p:cNvGrpSpPr/>
+            <p:nvPr/>
+          </p:nvGrpSpPr>
+          <p:grpSpPr>
+            <a:xfrm>
+              <a:off x="6160779" y="4738724"/>
+              <a:ext cx="722317" cy="470672"/>
+              <a:chOff x="3026695" y="4478025"/>
+              <a:chExt cx="722317" cy="470672"/>
+            </a:xfrm>
+          </p:grpSpPr>
+          <p:cxnSp>
+            <p:nvCxnSpPr>
+              <p:cNvPr id="117" name="Straight Arrow Connector 116"/>
+              <p:cNvCxnSpPr/>
+              <p:nvPr/>
+            </p:nvCxnSpPr>
+            <p:spPr>
+              <a:xfrm>
+                <a:off x="3026695" y="4842287"/>
+                <a:ext cx="722317" cy="1588"/>
+              </a:xfrm>
+              <a:prstGeom prst="straightConnector1">
+                <a:avLst/>
+              </a:prstGeom>
+              <a:ln>
+                <a:solidFill>
+                  <a:schemeClr val="accent2"/>
+                </a:solidFill>
+                <a:tailEnd type="arrow"/>
+              </a:ln>
+            </p:spPr>
+            <p:style>
+              <a:lnRef idx="2">
+                <a:schemeClr val="accent1"/>
+              </a:lnRef>
+              <a:fillRef idx="0">
+                <a:schemeClr val="accent1"/>
+              </a:fillRef>
+              <a:effectRef idx="1">
+                <a:schemeClr val="accent1"/>
+              </a:effectRef>
+              <a:fontRef idx="minor">
+                <a:schemeClr val="tx1"/>
+              </a:fontRef>
+            </p:style>
+          </p:cxnSp>
+          <p:cxnSp>
+            <p:nvCxnSpPr>
+              <p:cNvPr id="118" name="Straight Arrow Connector 117"/>
+              <p:cNvCxnSpPr/>
+              <p:nvPr/>
+            </p:nvCxnSpPr>
+            <p:spPr>
+              <a:xfrm rot="5400000" flipH="1" flipV="1">
+                <a:off x="2911076" y="4712567"/>
+                <a:ext cx="470672" cy="1588"/>
+              </a:xfrm>
+              <a:prstGeom prst="straightConnector1">
+                <a:avLst/>
+              </a:prstGeom>
+              <a:ln>
+                <a:solidFill>
+                  <a:schemeClr val="accent2"/>
+                </a:solidFill>
+                <a:tailEnd type="arrow"/>
+              </a:ln>
+            </p:spPr>
+            <p:style>
+              <a:lnRef idx="2">
+                <a:schemeClr val="accent1"/>
+              </a:lnRef>
+              <a:fillRef idx="0">
+                <a:schemeClr val="accent1"/>
+              </a:fillRef>
+              <a:effectRef idx="1">
+                <a:schemeClr val="accent1"/>
+              </a:effectRef>
+              <a:fontRef idx="minor">
+                <a:schemeClr val="tx1"/>
+              </a:fontRef>
+            </p:style>
+          </p:cxnSp>
+        </p:grpSp>
+        <p:cxnSp>
+          <p:nvCxnSpPr>
+            <p:cNvPr id="119" name="Straight Connector 118"/>
+            <p:cNvCxnSpPr/>
+            <p:nvPr/>
+          </p:nvCxnSpPr>
+          <p:spPr>
+            <a:xfrm rot="5400000" flipH="1" flipV="1">
+              <a:off x="6347333" y="4952502"/>
+              <a:ext cx="75015" cy="9960"/>
+            </a:xfrm>
+            <a:prstGeom prst="line">
+              <a:avLst/>
+            </a:prstGeom>
+            <a:ln>
+              <a:solidFill>
+                <a:schemeClr val="accent2"/>
+              </a:solidFill>
+            </a:ln>
+          </p:spPr>
+          <p:style>
+            <a:lnRef idx="2">
+              <a:schemeClr val="accent1"/>
+            </a:lnRef>
+            <a:fillRef idx="0">
+              <a:schemeClr val="accent1"/>
+            </a:fillRef>
+            <a:effectRef idx="1">
+              <a:schemeClr val="accent1"/>
+            </a:effectRef>
+            <a:fontRef idx="minor">
+              <a:schemeClr val="tx1"/>
+            </a:fontRef>
+          </p:style>
+        </p:cxnSp>
+        <p:cxnSp>
+          <p:nvCxnSpPr>
+            <p:cNvPr id="120" name="Straight Connector 119"/>
+            <p:cNvCxnSpPr/>
+            <p:nvPr/>
+          </p:nvCxnSpPr>
+          <p:spPr>
+            <a:xfrm rot="16200000" flipV="1">
+              <a:off x="6415583" y="5061356"/>
+              <a:ext cx="132736" cy="3"/>
+            </a:xfrm>
+            <a:prstGeom prst="line">
+              <a:avLst/>
+            </a:prstGeom>
+            <a:ln>
+              <a:solidFill>
+                <a:schemeClr val="accent2"/>
+              </a:solidFill>
+            </a:ln>
+          </p:spPr>
+          <p:style>
+            <a:lnRef idx="2">
+              <a:schemeClr val="accent1"/>
+            </a:lnRef>
+            <a:fillRef idx="0">
+              <a:schemeClr val="accent1"/>
+            </a:fillRef>
+            <a:effectRef idx="1">
+              <a:schemeClr val="accent1"/>
+            </a:effectRef>
+            <a:fontRef idx="minor">
+              <a:schemeClr val="tx1"/>
+            </a:fontRef>
+          </p:style>
+        </p:cxnSp>
+        <p:cxnSp>
+          <p:nvCxnSpPr>
+            <p:cNvPr id="121" name="Straight Connector 120"/>
+            <p:cNvCxnSpPr/>
+            <p:nvPr/>
+          </p:nvCxnSpPr>
+          <p:spPr>
+            <a:xfrm rot="5400000" flipH="1" flipV="1">
+              <a:off x="6500826" y="5168564"/>
+              <a:ext cx="117840" cy="1"/>
+            </a:xfrm>
+            <a:prstGeom prst="line">
+              <a:avLst/>
+            </a:prstGeom>
+            <a:ln>
+              <a:solidFill>
+                <a:schemeClr val="accent2"/>
+              </a:solidFill>
+            </a:ln>
+          </p:spPr>
+          <p:style>
+            <a:lnRef idx="2">
+              <a:schemeClr val="accent1"/>
+            </a:lnRef>
+            <a:fillRef idx="0">
+              <a:schemeClr val="accent1"/>
+            </a:fillRef>
+            <a:effectRef idx="1">
+              <a:schemeClr val="accent1"/>
+            </a:effectRef>
+            <a:fontRef idx="minor">
+              <a:schemeClr val="tx1"/>
+            </a:fontRef>
+          </p:style>
+        </p:cxnSp>
+        <p:cxnSp>
+          <p:nvCxnSpPr>
+            <p:cNvPr id="122" name="Straight Connector 121"/>
+            <p:cNvCxnSpPr/>
+            <p:nvPr/>
+          </p:nvCxnSpPr>
+          <p:spPr>
+            <a:xfrm rot="16200000" flipV="1">
+              <a:off x="6602573" y="5164044"/>
+              <a:ext cx="90701" cy="3"/>
+            </a:xfrm>
+            <a:prstGeom prst="line">
+              <a:avLst/>
+            </a:prstGeom>
+            <a:ln>
+              <a:solidFill>
+                <a:schemeClr val="accent2"/>
+              </a:solidFill>
+            </a:ln>
+          </p:spPr>
+          <p:style>
+            <a:lnRef idx="2">
+              <a:schemeClr val="accent1"/>
+            </a:lnRef>
+            <a:fillRef idx="0">
+              <a:schemeClr val="accent1"/>
+            </a:fillRef>
+            <a:effectRef idx="1">
+              <a:schemeClr val="accent1"/>
+            </a:effectRef>
+            <a:fontRef idx="minor">
+              <a:schemeClr val="tx1"/>
+            </a:fontRef>
+          </p:style>
+        </p:cxnSp>
+        <p:cxnSp>
+          <p:nvCxnSpPr>
+            <p:cNvPr id="123" name="Straight Connector 122"/>
+            <p:cNvCxnSpPr/>
+            <p:nvPr/>
+          </p:nvCxnSpPr>
+          <p:spPr>
+            <a:xfrm rot="5400000" flipH="1" flipV="1">
+              <a:off x="6652544" y="5036617"/>
+              <a:ext cx="132737" cy="1"/>
+            </a:xfrm>
+            <a:prstGeom prst="line">
+              <a:avLst/>
+            </a:prstGeom>
+            <a:ln>
+              <a:solidFill>
+                <a:schemeClr val="accent2"/>
+              </a:solidFill>
+            </a:ln>
+          </p:spPr>
+          <p:style>
+            <a:lnRef idx="2">
+              <a:schemeClr val="accent1"/>
+            </a:lnRef>
+            <a:fillRef idx="0">
+              <a:schemeClr val="accent1"/>
+            </a:fillRef>
+            <a:effectRef idx="1">
+              <a:schemeClr val="accent1"/>
+            </a:effectRef>
+            <a:fontRef idx="minor">
+              <a:schemeClr val="tx1"/>
+            </a:fontRef>
+          </p:style>
+        </p:cxnSp>
+        <p:cxnSp>
+          <p:nvCxnSpPr>
+            <p:cNvPr id="125" name="Straight Connector 124"/>
+            <p:cNvCxnSpPr/>
+            <p:nvPr/>
+          </p:nvCxnSpPr>
+          <p:spPr>
+            <a:xfrm>
+              <a:off x="6279702" y="4923785"/>
+              <a:ext cx="100158" cy="1588"/>
+            </a:xfrm>
+            <a:prstGeom prst="line">
+              <a:avLst/>
+            </a:prstGeom>
+            <a:ln>
+              <a:solidFill>
+                <a:schemeClr val="accent2"/>
+              </a:solidFill>
+            </a:ln>
+          </p:spPr>
+          <p:style>
+            <a:lnRef idx="2">
+              <a:schemeClr val="accent1"/>
+            </a:lnRef>
+            <a:fillRef idx="0">
+              <a:schemeClr val="accent1"/>
+            </a:fillRef>
+            <a:effectRef idx="1">
+              <a:schemeClr val="accent1"/>
+            </a:effectRef>
+            <a:fontRef idx="minor">
+              <a:schemeClr val="tx1"/>
+            </a:fontRef>
+          </p:style>
+        </p:cxnSp>
+        <p:cxnSp>
+          <p:nvCxnSpPr>
+            <p:cNvPr id="127" name="Straight Connector 126"/>
+            <p:cNvCxnSpPr/>
+            <p:nvPr/>
+          </p:nvCxnSpPr>
+          <p:spPr>
+            <a:xfrm>
+              <a:off x="6389820" y="4998800"/>
+              <a:ext cx="92133" cy="1588"/>
+            </a:xfrm>
+            <a:prstGeom prst="line">
+              <a:avLst/>
+            </a:prstGeom>
+            <a:ln>
+              <a:solidFill>
+                <a:schemeClr val="accent2"/>
+              </a:solidFill>
+            </a:ln>
+          </p:spPr>
+          <p:style>
+            <a:lnRef idx="2">
+              <a:schemeClr val="accent1"/>
+            </a:lnRef>
+            <a:fillRef idx="0">
+              <a:schemeClr val="accent1"/>
+            </a:fillRef>
+            <a:effectRef idx="1">
+              <a:schemeClr val="accent1"/>
+            </a:effectRef>
+            <a:fontRef idx="minor">
+              <a:schemeClr val="tx1"/>
+            </a:fontRef>
+          </p:style>
+        </p:cxnSp>
+        <p:cxnSp>
+          <p:nvCxnSpPr>
+            <p:cNvPr id="129" name="Straight Connector 128"/>
+            <p:cNvCxnSpPr/>
+            <p:nvPr/>
+          </p:nvCxnSpPr>
+          <p:spPr>
+            <a:xfrm>
+              <a:off x="6481953" y="5131537"/>
+              <a:ext cx="77794" cy="1588"/>
+            </a:xfrm>
+            <a:prstGeom prst="line">
+              <a:avLst/>
+            </a:prstGeom>
+            <a:ln>
+              <a:solidFill>
+                <a:schemeClr val="accent2"/>
+              </a:solidFill>
+            </a:ln>
+          </p:spPr>
+          <p:style>
+            <a:lnRef idx="2">
+              <a:schemeClr val="accent1"/>
+            </a:lnRef>
+            <a:fillRef idx="0">
+              <a:schemeClr val="accent1"/>
+            </a:fillRef>
+            <a:effectRef idx="1">
+              <a:schemeClr val="accent1"/>
+            </a:effectRef>
+            <a:fontRef idx="minor">
+              <a:schemeClr val="tx1"/>
+            </a:fontRef>
+          </p:style>
+        </p:cxnSp>
+        <p:cxnSp>
+          <p:nvCxnSpPr>
+            <p:cNvPr id="131" name="Straight Connector 130"/>
+            <p:cNvCxnSpPr/>
+            <p:nvPr/>
+          </p:nvCxnSpPr>
+          <p:spPr>
+            <a:xfrm>
+              <a:off x="6559747" y="5231296"/>
+              <a:ext cx="88178" cy="1588"/>
+            </a:xfrm>
+            <a:prstGeom prst="line">
+              <a:avLst/>
+            </a:prstGeom>
+            <a:ln>
+              <a:solidFill>
+                <a:schemeClr val="accent2"/>
+              </a:solidFill>
+            </a:ln>
+          </p:spPr>
+          <p:style>
+            <a:lnRef idx="2">
+              <a:schemeClr val="accent1"/>
+            </a:lnRef>
+            <a:fillRef idx="0">
+              <a:schemeClr val="accent1"/>
+            </a:fillRef>
+            <a:effectRef idx="1">
+              <a:schemeClr val="accent1"/>
+            </a:effectRef>
+            <a:fontRef idx="minor">
+              <a:schemeClr val="tx1"/>
+            </a:fontRef>
+          </p:style>
+        </p:cxnSp>
+        <p:cxnSp>
+          <p:nvCxnSpPr>
+            <p:cNvPr id="133" name="Straight Connector 132"/>
+            <p:cNvCxnSpPr/>
+            <p:nvPr/>
+          </p:nvCxnSpPr>
+          <p:spPr>
+            <a:xfrm flipV="1">
+              <a:off x="6718913" y="4970249"/>
+              <a:ext cx="78795" cy="3811"/>
+            </a:xfrm>
+            <a:prstGeom prst="line">
+              <a:avLst/>
+            </a:prstGeom>
+            <a:ln>
+              <a:solidFill>
+                <a:schemeClr val="accent2"/>
+              </a:solidFill>
+            </a:ln>
+          </p:spPr>
+          <p:style>
+            <a:lnRef idx="2">
+              <a:schemeClr val="accent1"/>
+            </a:lnRef>
+            <a:fillRef idx="0">
+              <a:schemeClr val="accent1"/>
+            </a:fillRef>
+            <a:effectRef idx="1">
+              <a:schemeClr val="accent1"/>
+            </a:effectRef>
+            <a:fontRef idx="minor">
+              <a:schemeClr val="tx1"/>
+            </a:fontRef>
+          </p:style>
+        </p:cxnSp>
+      </p:grpSp>
+    </p:spTree>
+  </p:cSld>
+  <p:clrMapOvr>
+    <a:masterClrMapping/>
+  </p:clrMapOvr>
+</p:sld>
+</file>
+
+<file path=ppt/slides/slide5.xml><?xml version="1.0" encoding="utf-8"?>
 <p:sld xmlns:a="http://schemas.openxmlformats.org/drawingml/2006/main" xmlns:r="http://schemas.openxmlformats.org/officeDocument/2006/relationships" xmlns:mc="http://schemas.openxmlformats.org/markup-compatibility/2006" xmlns:mv="urn:schemas-microsoft-com:mac:vml" xmlns:p="http://schemas.openxmlformats.org/presentationml/2006/main" mc:Ignorable="mv" mc:PreserveAttributes="mv:*">
   <p:cSld>
     <p:spTree>
@@ -6474,7 +11702,7 @@
 </p:sld>
 </file>
 
-<file path=ppt/slides/slide4.xml><?xml version="1.0" encoding="utf-8"?>
+<file path=ppt/slides/slide6.xml><?xml version="1.0" encoding="utf-8"?>
 <p:sld xmlns:a="http://schemas.openxmlformats.org/drawingml/2006/main" xmlns:r="http://schemas.openxmlformats.org/officeDocument/2006/relationships" xmlns:mc="http://schemas.openxmlformats.org/markup-compatibility/2006" xmlns:mv="urn:schemas-microsoft-com:mac:vml" xmlns:p="http://schemas.openxmlformats.org/presentationml/2006/main" mc:Ignorable="mv" mc:PreserveAttributes="mv:*">
   <p:cSld>
     <p:spTree>
@@ -7680,7 +12908,7 @@
 </p:sld>
 </file>
 
-<file path=ppt/slides/slide5.xml><?xml version="1.0" encoding="utf-8"?>
+<file path=ppt/slides/slide7.xml><?xml version="1.0" encoding="utf-8"?>
 <p:sld xmlns:a="http://schemas.openxmlformats.org/drawingml/2006/main" xmlns:r="http://schemas.openxmlformats.org/officeDocument/2006/relationships" xmlns:mc="http://schemas.openxmlformats.org/markup-compatibility/2006" xmlns:mv="urn:schemas-microsoft-com:mac:vml" xmlns:p="http://schemas.openxmlformats.org/presentationml/2006/main" mc:Ignorable="mv" mc:PreserveAttributes="mv:*">
   <p:cSld>
     <p:spTree>
@@ -8886,7 +14114,7 @@
 </p:sld>
 </file>
 
-<file path=ppt/slides/slide6.xml><?xml version="1.0" encoding="utf-8"?>
+<file path=ppt/slides/slide8.xml><?xml version="1.0" encoding="utf-8"?>
 <p:sld xmlns:a="http://schemas.openxmlformats.org/drawingml/2006/main" xmlns:r="http://schemas.openxmlformats.org/officeDocument/2006/relationships" xmlns:mc="http://schemas.openxmlformats.org/markup-compatibility/2006" xmlns:mv="urn:schemas-microsoft-com:mac:vml" xmlns:p="http://schemas.openxmlformats.org/presentationml/2006/main" mc:Ignorable="mv" mc:PreserveAttributes="mv:*">
   <p:cSld>
     <p:spTree>
@@ -10173,7 +15401,7 @@
 </p:sld>
 </file>
 
-<file path=ppt/slides/slide7.xml><?xml version="1.0" encoding="utf-8"?>
+<file path=ppt/slides/slide9.xml><?xml version="1.0" encoding="utf-8"?>
 <p:sld xmlns:a="http://schemas.openxmlformats.org/drawingml/2006/main" xmlns:r="http://schemas.openxmlformats.org/officeDocument/2006/relationships" xmlns:mc="http://schemas.openxmlformats.org/markup-compatibility/2006" xmlns:mv="urn:schemas-microsoft-com:mac:vml" xmlns:p="http://schemas.openxmlformats.org/presentationml/2006/main" mc:Ignorable="mv" mc:PreserveAttributes="mv:*">
   <p:cSld>
     <p:spTree>
@@ -10543,318 +15771,6 @@
           </a:graphicData>
         </a:graphic>
       </p:graphicFrame>
-    </p:spTree>
-  </p:cSld>
-  <p:clrMapOvr>
-    <a:masterClrMapping/>
-  </p:clrMapOvr>
-</p:sld>
-</file>
-
-<file path=ppt/slides/slide8.xml><?xml version="1.0" encoding="utf-8"?>
-<p:sld xmlns:a="http://schemas.openxmlformats.org/drawingml/2006/main" xmlns:r="http://schemas.openxmlformats.org/officeDocument/2006/relationships" xmlns:mc="http://schemas.openxmlformats.org/markup-compatibility/2006" xmlns:mv="urn:schemas-microsoft-com:mac:vml" xmlns:p="http://schemas.openxmlformats.org/presentationml/2006/main" mc:Ignorable="mv" mc:PreserveAttributes="mv:*">
-  <p:cSld>
-    <p:spTree>
-      <p:nvGrpSpPr>
-        <p:cNvPr id="1" name=""/>
-        <p:cNvGrpSpPr/>
-        <p:nvPr/>
-      </p:nvGrpSpPr>
-      <p:grpSpPr>
-        <a:xfrm>
-          <a:off x="0" y="0"/>
-          <a:ext cx="0" cy="0"/>
-          <a:chOff x="0" y="0"/>
-          <a:chExt cx="0" cy="0"/>
-        </a:xfrm>
-      </p:grpSpPr>
-      <p:grpSp>
-        <p:nvGrpSpPr>
-          <p:cNvPr id="9" name="Group 8"/>
-          <p:cNvGrpSpPr/>
-          <p:nvPr/>
-        </p:nvGrpSpPr>
-        <p:grpSpPr>
-          <a:xfrm>
-            <a:off x="660400" y="1898650"/>
-            <a:ext cx="7823200" cy="3060700"/>
-            <a:chOff x="660400" y="1898650"/>
-            <a:chExt cx="7823200" cy="3060700"/>
-          </a:xfrm>
-        </p:grpSpPr>
-        <p:pic>
-          <p:nvPicPr>
-            <p:cNvPr id="4" name="Picture 3" descr="companion2.pdf"/>
-            <p:cNvPicPr>
-              <a:picLocks noChangeAspect="1"/>
-            </p:cNvPicPr>
-            <p:nvPr/>
-          </p:nvPicPr>
-          <mc:AlternateContent>
-            <mc:Choice xmlns:ma="http://schemas.microsoft.com/office/mac/drawingml/2008/main" Requires="ma">
-              <p:blipFill>
-                <a:blip r:embed="rId3"/>
-                <a:stretch>
-                  <a:fillRect/>
-                </a:stretch>
-              </p:blipFill>
-            </mc:Choice>
-            <mc:Fallback>
-              <p:blipFill>
-                <a:blip r:embed="rId4"/>
-                <a:stretch>
-                  <a:fillRect/>
-                </a:stretch>
-              </p:blipFill>
-            </mc:Fallback>
-          </mc:AlternateContent>
-          <p:spPr>
-            <a:xfrm>
-              <a:off x="660400" y="1898650"/>
-              <a:ext cx="7823200" cy="3060700"/>
-            </a:xfrm>
-            <a:prstGeom prst="rect">
-              <a:avLst/>
-            </a:prstGeom>
-          </p:spPr>
-        </p:pic>
-        <p:graphicFrame>
-          <p:nvGraphicFramePr>
-            <p:cNvPr id="15362" name="Object 2"/>
-            <p:cNvGraphicFramePr>
-              <a:graphicFrameLocks noChangeAspect="1"/>
-            </p:cNvGraphicFramePr>
-            <p:nvPr/>
-          </p:nvGraphicFramePr>
-          <p:xfrm>
-            <a:off x="2878247" y="3318669"/>
-            <a:ext cx="209550" cy="220662"/>
-          </p:xfrm>
-          <a:graphic>
-            <a:graphicData uri="http://schemas.openxmlformats.org/presentationml/2006/ole">
-              <p:oleObj spid="_x0000_s15362" name="Equation" r:id="rId5" imgW="228600" imgH="241300" progId="Equation.3">
-                <p:embed/>
-              </p:oleObj>
-            </a:graphicData>
-          </a:graphic>
-        </p:graphicFrame>
-        <p:graphicFrame>
-          <p:nvGraphicFramePr>
-            <p:cNvPr id="6" name="Object 2"/>
-            <p:cNvGraphicFramePr>
-              <a:graphicFrameLocks noChangeAspect="1"/>
-            </p:cNvGraphicFramePr>
-            <p:nvPr/>
-          </p:nvGraphicFramePr>
-          <p:xfrm>
-            <a:off x="4058165" y="3318669"/>
-            <a:ext cx="209550" cy="220662"/>
-          </p:xfrm>
-          <a:graphic>
-            <a:graphicData uri="http://schemas.openxmlformats.org/presentationml/2006/ole">
-              <p:oleObj spid="_x0000_s15363" name="Equation" r:id="rId6" imgW="228600" imgH="241300" progId="Equation.3">
-                <p:embed/>
-              </p:oleObj>
-            </a:graphicData>
-          </a:graphic>
-        </p:graphicFrame>
-        <p:graphicFrame>
-          <p:nvGraphicFramePr>
-            <p:cNvPr id="7" name="Object 2"/>
-            <p:cNvGraphicFramePr>
-              <a:graphicFrameLocks noChangeAspect="1"/>
-            </p:cNvGraphicFramePr>
-            <p:nvPr/>
-          </p:nvGraphicFramePr>
-          <p:xfrm>
-            <a:off x="6053390" y="3318669"/>
-            <a:ext cx="209550" cy="220662"/>
-          </p:xfrm>
-          <a:graphic>
-            <a:graphicData uri="http://schemas.openxmlformats.org/presentationml/2006/ole">
-              <p:oleObj spid="_x0000_s15364" name="Equation" r:id="rId7" imgW="228600" imgH="241300" progId="Equation.3">
-                <p:embed/>
-              </p:oleObj>
-            </a:graphicData>
-          </a:graphic>
-        </p:graphicFrame>
-        <p:graphicFrame>
-          <p:nvGraphicFramePr>
-            <p:cNvPr id="8" name="Object 2"/>
-            <p:cNvGraphicFramePr>
-              <a:graphicFrameLocks noChangeAspect="1"/>
-            </p:cNvGraphicFramePr>
-            <p:nvPr/>
-          </p:nvGraphicFramePr>
-          <p:xfrm>
-            <a:off x="7199740" y="3318669"/>
-            <a:ext cx="209550" cy="220662"/>
-          </p:xfrm>
-          <a:graphic>
-            <a:graphicData uri="http://schemas.openxmlformats.org/presentationml/2006/ole">
-              <p:oleObj spid="_x0000_s15365" name="Equation" r:id="rId8" imgW="228600" imgH="241300" progId="Equation.3">
-                <p:embed/>
-              </p:oleObj>
-            </a:graphicData>
-          </a:graphic>
-        </p:graphicFrame>
-      </p:grpSp>
-    </p:spTree>
-  </p:cSld>
-  <p:clrMapOvr>
-    <a:masterClrMapping/>
-  </p:clrMapOvr>
-</p:sld>
-</file>
-
-<file path=ppt/slides/slide9.xml><?xml version="1.0" encoding="utf-8"?>
-<p:sld xmlns:a="http://schemas.openxmlformats.org/drawingml/2006/main" xmlns:r="http://schemas.openxmlformats.org/officeDocument/2006/relationships" xmlns:mc="http://schemas.openxmlformats.org/markup-compatibility/2006" xmlns:mv="urn:schemas-microsoft-com:mac:vml" xmlns:p="http://schemas.openxmlformats.org/presentationml/2006/main" mc:Ignorable="mv" mc:PreserveAttributes="mv:*">
-  <p:cSld>
-    <p:spTree>
-      <p:nvGrpSpPr>
-        <p:cNvPr id="1" name=""/>
-        <p:cNvGrpSpPr/>
-        <p:nvPr/>
-      </p:nvGrpSpPr>
-      <p:grpSpPr>
-        <a:xfrm>
-          <a:off x="0" y="0"/>
-          <a:ext cx="0" cy="0"/>
-          <a:chOff x="0" y="0"/>
-          <a:chExt cx="0" cy="0"/>
-        </a:xfrm>
-      </p:grpSpPr>
-      <p:grpSp>
-        <p:nvGrpSpPr>
-          <p:cNvPr id="9" name="Group 8"/>
-          <p:cNvGrpSpPr/>
-          <p:nvPr/>
-        </p:nvGrpSpPr>
-        <p:grpSpPr>
-          <a:xfrm>
-            <a:off x="660400" y="1898650"/>
-            <a:ext cx="7823200" cy="3060700"/>
-            <a:chOff x="660400" y="1898650"/>
-            <a:chExt cx="7823200" cy="3060700"/>
-          </a:xfrm>
-        </p:grpSpPr>
-        <p:pic>
-          <p:nvPicPr>
-            <p:cNvPr id="4" name="Picture 3" descr="companion3.pdf"/>
-            <p:cNvPicPr>
-              <a:picLocks noChangeAspect="1"/>
-            </p:cNvPicPr>
-            <p:nvPr/>
-          </p:nvPicPr>
-          <mc:AlternateContent>
-            <mc:Choice xmlns:ma="http://schemas.microsoft.com/office/mac/drawingml/2008/main" Requires="ma">
-              <p:blipFill>
-                <a:blip r:embed="rId3"/>
-                <a:stretch>
-                  <a:fillRect/>
-                </a:stretch>
-              </p:blipFill>
-            </mc:Choice>
-            <mc:Fallback>
-              <p:blipFill>
-                <a:blip r:embed="rId4"/>
-                <a:stretch>
-                  <a:fillRect/>
-                </a:stretch>
-              </p:blipFill>
-            </mc:Fallback>
-          </mc:AlternateContent>
-          <p:spPr>
-            <a:xfrm>
-              <a:off x="660400" y="1898650"/>
-              <a:ext cx="7823200" cy="3060700"/>
-            </a:xfrm>
-            <a:prstGeom prst="rect">
-              <a:avLst/>
-            </a:prstGeom>
-          </p:spPr>
-        </p:pic>
-        <p:graphicFrame>
-          <p:nvGraphicFramePr>
-            <p:cNvPr id="16386" name="Object 2"/>
-            <p:cNvGraphicFramePr>
-              <a:graphicFrameLocks noChangeAspect="1"/>
-            </p:cNvGraphicFramePr>
-            <p:nvPr/>
-          </p:nvGraphicFramePr>
-          <p:xfrm>
-            <a:off x="2902988" y="3318669"/>
-            <a:ext cx="209550" cy="220662"/>
-          </p:xfrm>
-          <a:graphic>
-            <a:graphicData uri="http://schemas.openxmlformats.org/presentationml/2006/ole">
-              <p:oleObj spid="_x0000_s16386" name="Equation" r:id="rId5" imgW="228600" imgH="241300" progId="Equation.3">
-                <p:embed/>
-              </p:oleObj>
-            </a:graphicData>
-          </a:graphic>
-        </p:graphicFrame>
-        <p:graphicFrame>
-          <p:nvGraphicFramePr>
-            <p:cNvPr id="6" name="Object 2"/>
-            <p:cNvGraphicFramePr>
-              <a:graphicFrameLocks noChangeAspect="1"/>
-            </p:cNvGraphicFramePr>
-            <p:nvPr/>
-          </p:nvGraphicFramePr>
-          <p:xfrm>
-            <a:off x="4058165" y="3318669"/>
-            <a:ext cx="209550" cy="220662"/>
-          </p:xfrm>
-          <a:graphic>
-            <a:graphicData uri="http://schemas.openxmlformats.org/presentationml/2006/ole">
-              <p:oleObj spid="_x0000_s16387" name="Equation" r:id="rId6" imgW="228600" imgH="241300" progId="Equation.3">
-                <p:embed/>
-              </p:oleObj>
-            </a:graphicData>
-          </a:graphic>
-        </p:graphicFrame>
-        <p:graphicFrame>
-          <p:nvGraphicFramePr>
-            <p:cNvPr id="7" name="Object 2"/>
-            <p:cNvGraphicFramePr>
-              <a:graphicFrameLocks noChangeAspect="1"/>
-            </p:cNvGraphicFramePr>
-            <p:nvPr/>
-          </p:nvGraphicFramePr>
-          <p:xfrm>
-            <a:off x="6061637" y="3318669"/>
-            <a:ext cx="209550" cy="220662"/>
-          </p:xfrm>
-          <a:graphic>
-            <a:graphicData uri="http://schemas.openxmlformats.org/presentationml/2006/ole">
-              <p:oleObj spid="_x0000_s16388" name="Equation" r:id="rId7" imgW="228600" imgH="241300" progId="Equation.3">
-                <p:embed/>
-              </p:oleObj>
-            </a:graphicData>
-          </a:graphic>
-        </p:graphicFrame>
-        <p:graphicFrame>
-          <p:nvGraphicFramePr>
-            <p:cNvPr id="8" name="Object 2"/>
-            <p:cNvGraphicFramePr>
-              <a:graphicFrameLocks noChangeAspect="1"/>
-            </p:cNvGraphicFramePr>
-            <p:nvPr/>
-          </p:nvGraphicFramePr>
-          <p:xfrm>
-            <a:off x="7224482" y="3318669"/>
-            <a:ext cx="209550" cy="220662"/>
-          </p:xfrm>
-          <a:graphic>
-            <a:graphicData uri="http://schemas.openxmlformats.org/presentationml/2006/ole">
-              <p:oleObj spid="_x0000_s16389" name="Equation" r:id="rId8" imgW="228600" imgH="241300" progId="Equation.3">
-                <p:embed/>
-              </p:oleObj>
-            </a:graphicData>
-          </a:graphic>
-        </p:graphicFrame>
-      </p:grpSp>
     </p:spTree>
   </p:cSld>
   <p:clrMapOvr>

--- a/DigitalSystems/Lecture11/pictures/pictures-converted.pptx
+++ b/DigitalSystems/Lecture11/pictures/pictures-converted.pptx
@@ -4,22 +4,27 @@
   <p:sldMasterIdLst>
     <p:sldMasterId id="2147483648" r:id="rId1"/>
   </p:sldMasterIdLst>
+  <p:notesMasterIdLst>
+    <p:notesMasterId r:id="rId19"/>
+  </p:notesMasterIdLst>
   <p:sldIdLst>
     <p:sldId id="256" r:id="rId2"/>
     <p:sldId id="263" r:id="rId3"/>
     <p:sldId id="268" r:id="rId4"/>
     <p:sldId id="269" r:id="rId5"/>
     <p:sldId id="270" r:id="rId6"/>
-    <p:sldId id="264" r:id="rId7"/>
-    <p:sldId id="265" r:id="rId8"/>
-    <p:sldId id="266" r:id="rId9"/>
-    <p:sldId id="267" r:id="rId10"/>
-    <p:sldId id="257" r:id="rId11"/>
-    <p:sldId id="258" r:id="rId12"/>
-    <p:sldId id="259" r:id="rId13"/>
-    <p:sldId id="260" r:id="rId14"/>
-    <p:sldId id="261" r:id="rId15"/>
-    <p:sldId id="262" r:id="rId16"/>
+    <p:sldId id="271" r:id="rId7"/>
+    <p:sldId id="272" r:id="rId8"/>
+    <p:sldId id="264" r:id="rId9"/>
+    <p:sldId id="265" r:id="rId10"/>
+    <p:sldId id="266" r:id="rId11"/>
+    <p:sldId id="267" r:id="rId12"/>
+    <p:sldId id="257" r:id="rId13"/>
+    <p:sldId id="258" r:id="rId14"/>
+    <p:sldId id="259" r:id="rId15"/>
+    <p:sldId id="260" r:id="rId16"/>
+    <p:sldId id="261" r:id="rId17"/>
+    <p:sldId id="262" r:id="rId18"/>
   </p:sldIdLst>
   <p:sldSz cx="9144000" cy="6858000" type="screen4x3"/>
   <p:notesSz cx="6858000" cy="9144000"/>
@@ -119,6 +124,434 @@
     </a:lvl9pPr>
   </p:defaultTextStyle>
 </p:presentation>
+</file>
+
+<file path=ppt/notesMasters/notesMaster1.xml><?xml version="1.0" encoding="utf-8"?>
+<p:notesMaster xmlns:a="http://schemas.openxmlformats.org/drawingml/2006/main" xmlns:r="http://schemas.openxmlformats.org/officeDocument/2006/relationships" xmlns:mc="http://schemas.openxmlformats.org/markup-compatibility/2006" xmlns:mv="urn:schemas-microsoft-com:mac:vml" xmlns:p="http://schemas.openxmlformats.org/presentationml/2006/main" mc:Ignorable="mv" mc:PreserveAttributes="mv:*">
+  <p:cSld>
+    <p:bg>
+      <p:bgRef idx="1001">
+        <a:schemeClr val="bg1"/>
+      </p:bgRef>
+    </p:bg>
+    <p:spTree>
+      <p:nvGrpSpPr>
+        <p:cNvPr id="1" name=""/>
+        <p:cNvGrpSpPr/>
+        <p:nvPr/>
+      </p:nvGrpSpPr>
+      <p:grpSpPr>
+        <a:xfrm>
+          <a:off x="0" y="0"/>
+          <a:ext cx="0" cy="0"/>
+          <a:chOff x="0" y="0"/>
+          <a:chExt cx="0" cy="0"/>
+        </a:xfrm>
+      </p:grpSpPr>
+      <p:sp>
+        <p:nvSpPr>
+          <p:cNvPr id="2" name="Header Placeholder 1"/>
+          <p:cNvSpPr>
+            <a:spLocks noGrp="1"/>
+          </p:cNvSpPr>
+          <p:nvPr>
+            <p:ph type="hdr" sz="quarter"/>
+          </p:nvPr>
+        </p:nvSpPr>
+        <p:spPr>
+          <a:xfrm>
+            <a:off x="0" y="0"/>
+            <a:ext cx="2971800" cy="457200"/>
+          </a:xfrm>
+          <a:prstGeom prst="rect">
+            <a:avLst/>
+          </a:prstGeom>
+        </p:spPr>
+        <p:txBody>
+          <a:bodyPr vert="horz" lIns="91440" tIns="45720" rIns="91440" bIns="45720" rtlCol="0"/>
+          <a:lstStyle>
+            <a:lvl1pPr algn="l">
+              <a:defRPr sz="1200"/>
+            </a:lvl1pPr>
+          </a:lstStyle>
+          <a:p>
+            <a:endParaRPr lang="en-US"/>
+          </a:p>
+        </p:txBody>
+      </p:sp>
+      <p:sp>
+        <p:nvSpPr>
+          <p:cNvPr id="3" name="Date Placeholder 2"/>
+          <p:cNvSpPr>
+            <a:spLocks noGrp="1"/>
+          </p:cNvSpPr>
+          <p:nvPr>
+            <p:ph type="dt" idx="1"/>
+          </p:nvPr>
+        </p:nvSpPr>
+        <p:spPr>
+          <a:xfrm>
+            <a:off x="3884613" y="0"/>
+            <a:ext cx="2971800" cy="457200"/>
+          </a:xfrm>
+          <a:prstGeom prst="rect">
+            <a:avLst/>
+          </a:prstGeom>
+        </p:spPr>
+        <p:txBody>
+          <a:bodyPr vert="horz" lIns="91440" tIns="45720" rIns="91440" bIns="45720" rtlCol="0"/>
+          <a:lstStyle>
+            <a:lvl1pPr algn="r">
+              <a:defRPr sz="1200"/>
+            </a:lvl1pPr>
+          </a:lstStyle>
+          <a:p>
+            <a:fld id="{57664937-CC7E-1147-954A-F42817EF7E06}" type="datetimeFigureOut">
+              <a:rPr lang="en-US" smtClean="0"/>
+              <a:t>1/29/10</a:t>
+            </a:fld>
+            <a:endParaRPr lang="en-US"/>
+          </a:p>
+        </p:txBody>
+      </p:sp>
+      <p:sp>
+        <p:nvSpPr>
+          <p:cNvPr id="4" name="Slide Image Placeholder 3"/>
+          <p:cNvSpPr>
+            <a:spLocks noGrp="1" noRot="1" noChangeAspect="1"/>
+          </p:cNvSpPr>
+          <p:nvPr>
+            <p:ph type="sldImg" idx="2"/>
+          </p:nvPr>
+        </p:nvSpPr>
+        <p:spPr>
+          <a:xfrm>
+            <a:off x="1143000" y="685800"/>
+            <a:ext cx="4572000" cy="3429000"/>
+          </a:xfrm>
+          <a:prstGeom prst="rect">
+            <a:avLst/>
+          </a:prstGeom>
+          <a:noFill/>
+          <a:ln w="12700">
+            <a:solidFill>
+              <a:prstClr val="black"/>
+            </a:solidFill>
+          </a:ln>
+        </p:spPr>
+        <p:txBody>
+          <a:bodyPr vert="horz" lIns="91440" tIns="45720" rIns="91440" bIns="45720" rtlCol="0" anchor="ctr"/>
+          <a:lstStyle/>
+          <a:p>
+            <a:endParaRPr lang="en-US"/>
+          </a:p>
+        </p:txBody>
+      </p:sp>
+      <p:sp>
+        <p:nvSpPr>
+          <p:cNvPr id="5" name="Notes Placeholder 4"/>
+          <p:cNvSpPr>
+            <a:spLocks noGrp="1"/>
+          </p:cNvSpPr>
+          <p:nvPr>
+            <p:ph type="body" sz="quarter" idx="3"/>
+          </p:nvPr>
+        </p:nvSpPr>
+        <p:spPr>
+          <a:xfrm>
+            <a:off x="685800" y="4343400"/>
+            <a:ext cx="5486400" cy="4114800"/>
+          </a:xfrm>
+          <a:prstGeom prst="rect">
+            <a:avLst/>
+          </a:prstGeom>
+        </p:spPr>
+        <p:txBody>
+          <a:bodyPr vert="horz" lIns="91440" tIns="45720" rIns="91440" bIns="45720" rtlCol="0">
+            <a:normAutofit/>
+          </a:bodyPr>
+          <a:lstStyle/>
+          <a:p>
+            <a:pPr lvl="0"/>
+            <a:r>
+              <a:rPr lang="en-GB" smtClean="0"/>
+              <a:t>Click to edit Master text styles</a:t>
+            </a:r>
+          </a:p>
+          <a:p>
+            <a:pPr lvl="1"/>
+            <a:r>
+              <a:rPr lang="en-GB" smtClean="0"/>
+              <a:t>Second level</a:t>
+            </a:r>
+          </a:p>
+          <a:p>
+            <a:pPr lvl="2"/>
+            <a:r>
+              <a:rPr lang="en-GB" smtClean="0"/>
+              <a:t>Third level</a:t>
+            </a:r>
+          </a:p>
+          <a:p>
+            <a:pPr lvl="3"/>
+            <a:r>
+              <a:rPr lang="en-GB" smtClean="0"/>
+              <a:t>Fourth level</a:t>
+            </a:r>
+          </a:p>
+          <a:p>
+            <a:pPr lvl="4"/>
+            <a:r>
+              <a:rPr lang="en-GB" smtClean="0"/>
+              <a:t>Fifth level</a:t>
+            </a:r>
+            <a:endParaRPr lang="en-US"/>
+          </a:p>
+        </p:txBody>
+      </p:sp>
+      <p:sp>
+        <p:nvSpPr>
+          <p:cNvPr id="6" name="Footer Placeholder 5"/>
+          <p:cNvSpPr>
+            <a:spLocks noGrp="1"/>
+          </p:cNvSpPr>
+          <p:nvPr>
+            <p:ph type="ftr" sz="quarter" idx="4"/>
+          </p:nvPr>
+        </p:nvSpPr>
+        <p:spPr>
+          <a:xfrm>
+            <a:off x="0" y="8685213"/>
+            <a:ext cx="2971800" cy="457200"/>
+          </a:xfrm>
+          <a:prstGeom prst="rect">
+            <a:avLst/>
+          </a:prstGeom>
+        </p:spPr>
+        <p:txBody>
+          <a:bodyPr vert="horz" lIns="91440" tIns="45720" rIns="91440" bIns="45720" rtlCol="0" anchor="b"/>
+          <a:lstStyle>
+            <a:lvl1pPr algn="l">
+              <a:defRPr sz="1200"/>
+            </a:lvl1pPr>
+          </a:lstStyle>
+          <a:p>
+            <a:endParaRPr lang="en-US"/>
+          </a:p>
+        </p:txBody>
+      </p:sp>
+      <p:sp>
+        <p:nvSpPr>
+          <p:cNvPr id="7" name="Slide Number Placeholder 6"/>
+          <p:cNvSpPr>
+            <a:spLocks noGrp="1"/>
+          </p:cNvSpPr>
+          <p:nvPr>
+            <p:ph type="sldNum" sz="quarter" idx="5"/>
+          </p:nvPr>
+        </p:nvSpPr>
+        <p:spPr>
+          <a:xfrm>
+            <a:off x="3884613" y="8685213"/>
+            <a:ext cx="2971800" cy="457200"/>
+          </a:xfrm>
+          <a:prstGeom prst="rect">
+            <a:avLst/>
+          </a:prstGeom>
+        </p:spPr>
+        <p:txBody>
+          <a:bodyPr vert="horz" lIns="91440" tIns="45720" rIns="91440" bIns="45720" rtlCol="0" anchor="b"/>
+          <a:lstStyle>
+            <a:lvl1pPr algn="r">
+              <a:defRPr sz="1200"/>
+            </a:lvl1pPr>
+          </a:lstStyle>
+          <a:p>
+            <a:fld id="{4AF9A930-A89B-7A49-8A28-09611638964E}" type="slidenum">
+              <a:rPr lang="en-US" smtClean="0"/>
+              <a:t>‹#›</a:t>
+            </a:fld>
+            <a:endParaRPr lang="en-US"/>
+          </a:p>
+        </p:txBody>
+      </p:sp>
+    </p:spTree>
+  </p:cSld>
+  <p:clrMap bg1="lt1" tx1="dk1" bg2="lt2" tx2="dk2" accent1="accent1" accent2="accent2" accent3="accent3" accent4="accent4" accent5="accent5" accent6="accent6" hlink="hlink" folHlink="folHlink"/>
+  <p:notesStyle>
+    <a:lvl1pPr marL="0" algn="l" defTabSz="457200" rtl="0" eaLnBrk="1" latinLnBrk="0" hangingPunct="1">
+      <a:defRPr sz="1200" kern="1200">
+        <a:solidFill>
+          <a:schemeClr val="tx1"/>
+        </a:solidFill>
+        <a:latin typeface="+mn-lt"/>
+        <a:ea typeface="+mn-ea"/>
+        <a:cs typeface="+mn-cs"/>
+      </a:defRPr>
+    </a:lvl1pPr>
+    <a:lvl2pPr marL="457200" algn="l" defTabSz="457200" rtl="0" eaLnBrk="1" latinLnBrk="0" hangingPunct="1">
+      <a:defRPr sz="1200" kern="1200">
+        <a:solidFill>
+          <a:schemeClr val="tx1"/>
+        </a:solidFill>
+        <a:latin typeface="+mn-lt"/>
+        <a:ea typeface="+mn-ea"/>
+        <a:cs typeface="+mn-cs"/>
+      </a:defRPr>
+    </a:lvl2pPr>
+    <a:lvl3pPr marL="914400" algn="l" defTabSz="457200" rtl="0" eaLnBrk="1" latinLnBrk="0" hangingPunct="1">
+      <a:defRPr sz="1200" kern="1200">
+        <a:solidFill>
+          <a:schemeClr val="tx1"/>
+        </a:solidFill>
+        <a:latin typeface="+mn-lt"/>
+        <a:ea typeface="+mn-ea"/>
+        <a:cs typeface="+mn-cs"/>
+      </a:defRPr>
+    </a:lvl3pPr>
+    <a:lvl4pPr marL="1371600" algn="l" defTabSz="457200" rtl="0" eaLnBrk="1" latinLnBrk="0" hangingPunct="1">
+      <a:defRPr sz="1200" kern="1200">
+        <a:solidFill>
+          <a:schemeClr val="tx1"/>
+        </a:solidFill>
+        <a:latin typeface="+mn-lt"/>
+        <a:ea typeface="+mn-ea"/>
+        <a:cs typeface="+mn-cs"/>
+      </a:defRPr>
+    </a:lvl4pPr>
+    <a:lvl5pPr marL="1828800" algn="l" defTabSz="457200" rtl="0" eaLnBrk="1" latinLnBrk="0" hangingPunct="1">
+      <a:defRPr sz="1200" kern="1200">
+        <a:solidFill>
+          <a:schemeClr val="tx1"/>
+        </a:solidFill>
+        <a:latin typeface="+mn-lt"/>
+        <a:ea typeface="+mn-ea"/>
+        <a:cs typeface="+mn-cs"/>
+      </a:defRPr>
+    </a:lvl5pPr>
+    <a:lvl6pPr marL="2286000" algn="l" defTabSz="457200" rtl="0" eaLnBrk="1" latinLnBrk="0" hangingPunct="1">
+      <a:defRPr sz="1200" kern="1200">
+        <a:solidFill>
+          <a:schemeClr val="tx1"/>
+        </a:solidFill>
+        <a:latin typeface="+mn-lt"/>
+        <a:ea typeface="+mn-ea"/>
+        <a:cs typeface="+mn-cs"/>
+      </a:defRPr>
+    </a:lvl6pPr>
+    <a:lvl7pPr marL="2743200" algn="l" defTabSz="457200" rtl="0" eaLnBrk="1" latinLnBrk="0" hangingPunct="1">
+      <a:defRPr sz="1200" kern="1200">
+        <a:solidFill>
+          <a:schemeClr val="tx1"/>
+        </a:solidFill>
+        <a:latin typeface="+mn-lt"/>
+        <a:ea typeface="+mn-ea"/>
+        <a:cs typeface="+mn-cs"/>
+      </a:defRPr>
+    </a:lvl7pPr>
+    <a:lvl8pPr marL="3200400" algn="l" defTabSz="457200" rtl="0" eaLnBrk="1" latinLnBrk="0" hangingPunct="1">
+      <a:defRPr sz="1200" kern="1200">
+        <a:solidFill>
+          <a:schemeClr val="tx1"/>
+        </a:solidFill>
+        <a:latin typeface="+mn-lt"/>
+        <a:ea typeface="+mn-ea"/>
+        <a:cs typeface="+mn-cs"/>
+      </a:defRPr>
+    </a:lvl8pPr>
+    <a:lvl9pPr marL="3657600" algn="l" defTabSz="457200" rtl="0" eaLnBrk="1" latinLnBrk="0" hangingPunct="1">
+      <a:defRPr sz="1200" kern="1200">
+        <a:solidFill>
+          <a:schemeClr val="tx1"/>
+        </a:solidFill>
+        <a:latin typeface="+mn-lt"/>
+        <a:ea typeface="+mn-ea"/>
+        <a:cs typeface="+mn-cs"/>
+      </a:defRPr>
+    </a:lvl9pPr>
+  </p:notesStyle>
+</p:notesMaster>
+</file>
+
+<file path=ppt/notesSlides/notesSlide1.xml><?xml version="1.0" encoding="utf-8"?>
+<p:notes xmlns:a="http://schemas.openxmlformats.org/drawingml/2006/main" xmlns:r="http://schemas.openxmlformats.org/officeDocument/2006/relationships" xmlns:mc="http://schemas.openxmlformats.org/markup-compatibility/2006" xmlns:mv="urn:schemas-microsoft-com:mac:vml" xmlns:p="http://schemas.openxmlformats.org/presentationml/2006/main" mc:Ignorable="mv" mc:PreserveAttributes="mv:*">
+  <p:cSld>
+    <p:spTree>
+      <p:nvGrpSpPr>
+        <p:cNvPr id="1" name=""/>
+        <p:cNvGrpSpPr/>
+        <p:nvPr/>
+      </p:nvGrpSpPr>
+      <p:grpSpPr>
+        <a:xfrm>
+          <a:off x="0" y="0"/>
+          <a:ext cx="0" cy="0"/>
+          <a:chOff x="0" y="0"/>
+          <a:chExt cx="0" cy="0"/>
+        </a:xfrm>
+      </p:grpSpPr>
+      <p:sp>
+        <p:nvSpPr>
+          <p:cNvPr id="2" name="Slide Image Placeholder 1"/>
+          <p:cNvSpPr>
+            <a:spLocks noGrp="1" noRot="1" noChangeAspect="1"/>
+          </p:cNvSpPr>
+          <p:nvPr>
+            <p:ph type="sldImg"/>
+          </p:nvPr>
+        </p:nvSpPr>
+        <p:spPr/>
+      </p:sp>
+      <p:sp>
+        <p:nvSpPr>
+          <p:cNvPr id="3" name="Notes Placeholder 2"/>
+          <p:cNvSpPr>
+            <a:spLocks noGrp="1"/>
+          </p:cNvSpPr>
+          <p:nvPr>
+            <p:ph type="body" idx="1"/>
+          </p:nvPr>
+        </p:nvSpPr>
+        <p:spPr/>
+        <p:txBody>
+          <a:bodyPr>
+            <a:normAutofit/>
+          </a:bodyPr>
+          <a:lstStyle/>
+          <a:p>
+            <a:endParaRPr lang="en-US" dirty="0"/>
+          </a:p>
+        </p:txBody>
+      </p:sp>
+      <p:sp>
+        <p:nvSpPr>
+          <p:cNvPr id="4" name="Slide Number Placeholder 3"/>
+          <p:cNvSpPr>
+            <a:spLocks noGrp="1"/>
+          </p:cNvSpPr>
+          <p:nvPr>
+            <p:ph type="sldNum" sz="quarter" idx="10"/>
+          </p:nvPr>
+        </p:nvSpPr>
+        <p:spPr/>
+        <p:txBody>
+          <a:bodyPr/>
+          <a:lstStyle/>
+          <a:p>
+            <a:fld id="{4AF9A930-A89B-7A49-8A28-09611638964E}" type="slidenum">
+              <a:rPr lang="en-US" smtClean="0"/>
+              <a:t>7</a:t>
+            </a:fld>
+            <a:endParaRPr lang="en-US"/>
+          </a:p>
+        </p:txBody>
+      </p:sp>
+    </p:spTree>
+  </p:cSld>
+  <p:clrMapOvr>
+    <a:masterClrMapping/>
+  </p:clrMapOvr>
+</p:notes>
 </file>
 
 <file path=ppt/slideLayouts/slideLayout1.xml><?xml version="1.0" encoding="utf-8"?>
@@ -3870,6 +4303,2499 @@
           <a:chExt cx="0" cy="0"/>
         </a:xfrm>
       </p:grpSpPr>
+      <p:sp>
+        <p:nvSpPr>
+          <p:cNvPr id="2" name="Title 1"/>
+          <p:cNvSpPr>
+            <a:spLocks noGrp="1"/>
+          </p:cNvSpPr>
+          <p:nvPr>
+            <p:ph type="title"/>
+          </p:nvPr>
+        </p:nvSpPr>
+        <p:spPr/>
+        <p:txBody>
+          <a:bodyPr/>
+          <a:lstStyle/>
+          <a:p>
+            <a:r>
+              <a:rPr lang="en-US" dirty="0" smtClean="0"/>
+              <a:t>Backward Rectangular</a:t>
+            </a:r>
+            <a:endParaRPr lang="en-US" dirty="0"/>
+          </a:p>
+        </p:txBody>
+      </p:sp>
+      <p:grpSp>
+        <p:nvGrpSpPr>
+          <p:cNvPr id="68" name="Group 67"/>
+          <p:cNvGrpSpPr/>
+          <p:nvPr/>
+        </p:nvGrpSpPr>
+        <p:grpSpPr>
+          <a:xfrm>
+            <a:off x="1131265" y="2308441"/>
+            <a:ext cx="5184661" cy="2782316"/>
+            <a:chOff x="1131265" y="2308441"/>
+            <a:chExt cx="5184661" cy="2782316"/>
+          </a:xfrm>
+        </p:grpSpPr>
+        <p:sp>
+          <p:nvSpPr>
+            <p:cNvPr id="36" name="Rectangle 35"/>
+            <p:cNvSpPr/>
+            <p:nvPr/>
+          </p:nvSpPr>
+          <p:spPr>
+            <a:xfrm>
+              <a:off x="2672036" y="2718331"/>
+              <a:ext cx="1109970" cy="2046723"/>
+            </a:xfrm>
+            <a:prstGeom prst="rect">
+              <a:avLst/>
+            </a:prstGeom>
+            <a:solidFill>
+              <a:schemeClr val="accent1"/>
+            </a:solidFill>
+          </p:spPr>
+          <p:style>
+            <a:lnRef idx="1">
+              <a:schemeClr val="accent1"/>
+            </a:lnRef>
+            <a:fillRef idx="3">
+              <a:schemeClr val="accent1"/>
+            </a:fillRef>
+            <a:effectRef idx="2">
+              <a:schemeClr val="accent1"/>
+            </a:effectRef>
+            <a:fontRef idx="minor">
+              <a:schemeClr val="lt1"/>
+            </a:fontRef>
+          </p:style>
+          <p:txBody>
+            <a:bodyPr rtlCol="0" anchor="ctr"/>
+            <a:lstStyle/>
+            <a:p>
+              <a:pPr algn="ctr"/>
+              <a:endParaRPr lang="en-US"/>
+            </a:p>
+          </p:txBody>
+        </p:sp>
+        <p:grpSp>
+          <p:nvGrpSpPr>
+            <p:cNvPr id="37" name="Group 36"/>
+            <p:cNvGrpSpPr/>
+            <p:nvPr/>
+          </p:nvGrpSpPr>
+          <p:grpSpPr>
+            <a:xfrm>
+              <a:off x="1131265" y="2308441"/>
+              <a:ext cx="5184661" cy="2782316"/>
+              <a:chOff x="1131265" y="2308441"/>
+              <a:chExt cx="5184661" cy="2782316"/>
+            </a:xfrm>
+          </p:grpSpPr>
+          <p:cxnSp>
+            <p:nvCxnSpPr>
+              <p:cNvPr id="38" name="Straight Arrow Connector 37"/>
+              <p:cNvCxnSpPr/>
+              <p:nvPr/>
+            </p:nvCxnSpPr>
+            <p:spPr>
+              <a:xfrm rot="16200000" flipV="1">
+                <a:off x="360877" y="3632898"/>
+                <a:ext cx="2605896" cy="16495"/>
+              </a:xfrm>
+              <a:prstGeom prst="straightConnector1">
+                <a:avLst/>
+              </a:prstGeom>
+              <a:ln>
+                <a:tailEnd type="arrow"/>
+              </a:ln>
+            </p:spPr>
+            <p:style>
+              <a:lnRef idx="2">
+                <a:schemeClr val="accent1"/>
+              </a:lnRef>
+              <a:fillRef idx="0">
+                <a:schemeClr val="accent1"/>
+              </a:fillRef>
+              <a:effectRef idx="1">
+                <a:schemeClr val="accent1"/>
+              </a:effectRef>
+              <a:fontRef idx="minor">
+                <a:schemeClr val="tx1"/>
+              </a:fontRef>
+            </p:style>
+          </p:cxnSp>
+          <p:sp>
+            <p:nvSpPr>
+              <p:cNvPr id="39" name="TextBox 38"/>
+              <p:cNvSpPr txBox="1"/>
+              <p:nvPr/>
+            </p:nvSpPr>
+            <p:spPr>
+              <a:xfrm>
+                <a:off x="1131265" y="2308441"/>
+                <a:ext cx="536654" cy="369332"/>
+              </a:xfrm>
+              <a:prstGeom prst="rect">
+                <a:avLst/>
+              </a:prstGeom>
+              <a:noFill/>
+            </p:spPr>
+            <p:txBody>
+              <a:bodyPr wrap="none" rtlCol="0">
+                <a:spAutoFit/>
+              </a:bodyPr>
+              <a:lstStyle/>
+              <a:p>
+                <a:r>
+                  <a:rPr lang="en-US" i="1" dirty="0" err="1" smtClean="0">
+                    <a:latin typeface="Times New Roman"/>
+                  </a:rPr>
+                  <a:t>u</a:t>
+                </a:r>
+                <a:r>
+                  <a:rPr lang="en-US" dirty="0" err="1" smtClean="0">
+                    <a:latin typeface="Times New Roman"/>
+                  </a:rPr>
+                  <a:t>(</a:t>
+                </a:r>
+                <a:r>
+                  <a:rPr lang="en-US" i="1" dirty="0" err="1" smtClean="0">
+                    <a:latin typeface="Times New Roman"/>
+                  </a:rPr>
+                  <a:t>t</a:t>
+                </a:r>
+                <a:r>
+                  <a:rPr lang="en-US" dirty="0" smtClean="0">
+                    <a:latin typeface="Times New Roman"/>
+                  </a:rPr>
+                  <a:t>)</a:t>
+                </a:r>
+                <a:endParaRPr lang="en-US" dirty="0">
+                  <a:latin typeface="Times New Roman"/>
+                </a:endParaRPr>
+              </a:p>
+            </p:txBody>
+          </p:sp>
+          <p:sp>
+            <p:nvSpPr>
+              <p:cNvPr id="40" name="TextBox 39"/>
+              <p:cNvSpPr txBox="1"/>
+              <p:nvPr/>
+            </p:nvSpPr>
+            <p:spPr>
+              <a:xfrm>
+                <a:off x="5134610" y="4721425"/>
+                <a:ext cx="267500" cy="369332"/>
+              </a:xfrm>
+              <a:prstGeom prst="rect">
+                <a:avLst/>
+              </a:prstGeom>
+              <a:noFill/>
+            </p:spPr>
+            <p:txBody>
+              <a:bodyPr wrap="none" rtlCol="0">
+                <a:spAutoFit/>
+              </a:bodyPr>
+              <a:lstStyle/>
+              <a:p>
+                <a:r>
+                  <a:rPr lang="en-US" i="1" dirty="0" err="1" smtClean="0">
+                    <a:latin typeface="Times New Roman"/>
+                  </a:rPr>
+                  <a:t>t</a:t>
+                </a:r>
+                <a:endParaRPr lang="en-US" dirty="0">
+                  <a:latin typeface="Times New Roman"/>
+                </a:endParaRPr>
+              </a:p>
+            </p:txBody>
+          </p:sp>
+          <p:cxnSp>
+            <p:nvCxnSpPr>
+              <p:cNvPr id="41" name="Straight Connector 40"/>
+              <p:cNvCxnSpPr/>
+              <p:nvPr/>
+            </p:nvCxnSpPr>
+            <p:spPr>
+              <a:xfrm rot="5400000" flipH="1" flipV="1">
+                <a:off x="3630302" y="4610967"/>
+                <a:ext cx="181423" cy="121985"/>
+              </a:xfrm>
+              <a:prstGeom prst="line">
+                <a:avLst/>
+              </a:prstGeom>
+              <a:ln>
+                <a:solidFill>
+                  <a:schemeClr val="accent6"/>
+                </a:solidFill>
+              </a:ln>
+              <a:effectLst/>
+            </p:spPr>
+            <p:style>
+              <a:lnRef idx="2">
+                <a:schemeClr val="accent1"/>
+              </a:lnRef>
+              <a:fillRef idx="0">
+                <a:schemeClr val="accent1"/>
+              </a:fillRef>
+              <a:effectRef idx="1">
+                <a:schemeClr val="accent1"/>
+              </a:effectRef>
+              <a:fontRef idx="minor">
+                <a:schemeClr val="tx1"/>
+              </a:fontRef>
+            </p:style>
+          </p:cxnSp>
+          <p:cxnSp>
+            <p:nvCxnSpPr>
+              <p:cNvPr id="42" name="Straight Connector 41"/>
+              <p:cNvCxnSpPr/>
+              <p:nvPr/>
+            </p:nvCxnSpPr>
+            <p:spPr>
+              <a:xfrm rot="5400000" flipH="1" flipV="1">
+                <a:off x="3485202" y="4465867"/>
+                <a:ext cx="346353" cy="247255"/>
+              </a:xfrm>
+              <a:prstGeom prst="line">
+                <a:avLst/>
+              </a:prstGeom>
+              <a:ln>
+                <a:solidFill>
+                  <a:schemeClr val="accent6"/>
+                </a:solidFill>
+              </a:ln>
+              <a:effectLst/>
+            </p:spPr>
+            <p:style>
+              <a:lnRef idx="2">
+                <a:schemeClr val="accent1"/>
+              </a:lnRef>
+              <a:fillRef idx="0">
+                <a:schemeClr val="accent1"/>
+              </a:fillRef>
+              <a:effectRef idx="1">
+                <a:schemeClr val="accent1"/>
+              </a:effectRef>
+              <a:fontRef idx="minor">
+                <a:schemeClr val="tx1"/>
+              </a:fontRef>
+            </p:style>
+          </p:cxnSp>
+          <p:cxnSp>
+            <p:nvCxnSpPr>
+              <p:cNvPr id="43" name="Straight Connector 42"/>
+              <p:cNvCxnSpPr/>
+              <p:nvPr/>
+            </p:nvCxnSpPr>
+            <p:spPr>
+              <a:xfrm rot="5400000" flipH="1" flipV="1">
+                <a:off x="3349710" y="4330375"/>
+                <a:ext cx="503036" cy="361555"/>
+              </a:xfrm>
+              <a:prstGeom prst="line">
+                <a:avLst/>
+              </a:prstGeom>
+              <a:ln>
+                <a:solidFill>
+                  <a:schemeClr val="accent6"/>
+                </a:solidFill>
+              </a:ln>
+              <a:effectLst/>
+            </p:spPr>
+            <p:style>
+              <a:lnRef idx="2">
+                <a:schemeClr val="accent1"/>
+              </a:lnRef>
+              <a:fillRef idx="0">
+                <a:schemeClr val="accent1"/>
+              </a:fillRef>
+              <a:effectRef idx="1">
+                <a:schemeClr val="accent1"/>
+              </a:effectRef>
+              <a:fontRef idx="minor">
+                <a:schemeClr val="tx1"/>
+              </a:fontRef>
+            </p:style>
+          </p:cxnSp>
+          <p:cxnSp>
+            <p:nvCxnSpPr>
+              <p:cNvPr id="44" name="Straight Connector 43"/>
+              <p:cNvCxnSpPr/>
+              <p:nvPr/>
+            </p:nvCxnSpPr>
+            <p:spPr>
+              <a:xfrm rot="5400000" flipH="1" flipV="1">
+                <a:off x="3211171" y="4190245"/>
+                <a:ext cx="659720" cy="485131"/>
+              </a:xfrm>
+              <a:prstGeom prst="line">
+                <a:avLst/>
+              </a:prstGeom>
+              <a:ln>
+                <a:solidFill>
+                  <a:schemeClr val="accent6"/>
+                </a:solidFill>
+              </a:ln>
+              <a:effectLst/>
+            </p:spPr>
+            <p:style>
+              <a:lnRef idx="2">
+                <a:schemeClr val="accent1"/>
+              </a:lnRef>
+              <a:fillRef idx="0">
+                <a:schemeClr val="accent1"/>
+              </a:fillRef>
+              <a:effectRef idx="1">
+                <a:schemeClr val="accent1"/>
+              </a:effectRef>
+              <a:fontRef idx="minor">
+                <a:schemeClr val="tx1"/>
+              </a:fontRef>
+            </p:style>
+          </p:cxnSp>
+          <p:cxnSp>
+            <p:nvCxnSpPr>
+              <p:cNvPr id="45" name="Straight Connector 44"/>
+              <p:cNvCxnSpPr/>
+              <p:nvPr/>
+            </p:nvCxnSpPr>
+            <p:spPr>
+              <a:xfrm rot="5400000" flipH="1" flipV="1">
+                <a:off x="3070554" y="4053598"/>
+                <a:ext cx="818785" cy="604123"/>
+              </a:xfrm>
+              <a:prstGeom prst="line">
+                <a:avLst/>
+              </a:prstGeom>
+              <a:ln>
+                <a:solidFill>
+                  <a:schemeClr val="accent6"/>
+                </a:solidFill>
+              </a:ln>
+              <a:effectLst/>
+            </p:spPr>
+            <p:style>
+              <a:lnRef idx="2">
+                <a:schemeClr val="accent1"/>
+              </a:lnRef>
+              <a:fillRef idx="0">
+                <a:schemeClr val="accent1"/>
+              </a:fillRef>
+              <a:effectRef idx="1">
+                <a:schemeClr val="accent1"/>
+              </a:effectRef>
+              <a:fontRef idx="minor">
+                <a:schemeClr val="tx1"/>
+              </a:fontRef>
+            </p:style>
+          </p:cxnSp>
+          <p:cxnSp>
+            <p:nvCxnSpPr>
+              <p:cNvPr id="46" name="Straight Connector 45"/>
+              <p:cNvCxnSpPr/>
+              <p:nvPr/>
+            </p:nvCxnSpPr>
+            <p:spPr>
+              <a:xfrm rot="5400000" flipH="1" flipV="1">
+                <a:off x="2923765" y="3905224"/>
+                <a:ext cx="991963" cy="727697"/>
+              </a:xfrm>
+              <a:prstGeom prst="line">
+                <a:avLst/>
+              </a:prstGeom>
+              <a:ln>
+                <a:solidFill>
+                  <a:schemeClr val="accent6"/>
+                </a:solidFill>
+              </a:ln>
+              <a:effectLst/>
+            </p:spPr>
+            <p:style>
+              <a:lnRef idx="2">
+                <a:schemeClr val="accent1"/>
+              </a:lnRef>
+              <a:fillRef idx="0">
+                <a:schemeClr val="accent1"/>
+              </a:fillRef>
+              <a:effectRef idx="1">
+                <a:schemeClr val="accent1"/>
+              </a:effectRef>
+              <a:fontRef idx="minor">
+                <a:schemeClr val="tx1"/>
+              </a:fontRef>
+            </p:style>
+          </p:cxnSp>
+          <p:cxnSp>
+            <p:nvCxnSpPr>
+              <p:cNvPr id="47" name="Straight Connector 46"/>
+              <p:cNvCxnSpPr/>
+              <p:nvPr/>
+            </p:nvCxnSpPr>
+            <p:spPr>
+              <a:xfrm rot="5400000" flipH="1" flipV="1">
+                <a:off x="2792677" y="3774133"/>
+                <a:ext cx="1132154" cy="849686"/>
+              </a:xfrm>
+              <a:prstGeom prst="line">
+                <a:avLst/>
+              </a:prstGeom>
+              <a:ln>
+                <a:solidFill>
+                  <a:schemeClr val="accent6"/>
+                </a:solidFill>
+              </a:ln>
+              <a:effectLst/>
+            </p:spPr>
+            <p:style>
+              <a:lnRef idx="2">
+                <a:schemeClr val="accent1"/>
+              </a:lnRef>
+              <a:fillRef idx="0">
+                <a:schemeClr val="accent1"/>
+              </a:fillRef>
+              <a:effectRef idx="1">
+                <a:schemeClr val="accent1"/>
+              </a:effectRef>
+              <a:fontRef idx="minor">
+                <a:schemeClr val="tx1"/>
+              </a:fontRef>
+            </p:style>
+          </p:cxnSp>
+          <p:cxnSp>
+            <p:nvCxnSpPr>
+              <p:cNvPr id="48" name="Straight Connector 47"/>
+              <p:cNvCxnSpPr/>
+              <p:nvPr/>
+            </p:nvCxnSpPr>
+            <p:spPr>
+              <a:xfrm rot="5400000" flipH="1" flipV="1">
+                <a:off x="2620356" y="3601815"/>
+                <a:ext cx="1354807" cy="971671"/>
+              </a:xfrm>
+              <a:prstGeom prst="line">
+                <a:avLst/>
+              </a:prstGeom>
+              <a:ln>
+                <a:solidFill>
+                  <a:schemeClr val="accent6"/>
+                </a:solidFill>
+              </a:ln>
+              <a:effectLst/>
+            </p:spPr>
+            <p:style>
+              <a:lnRef idx="2">
+                <a:schemeClr val="accent1"/>
+              </a:lnRef>
+              <a:fillRef idx="0">
+                <a:schemeClr val="accent1"/>
+              </a:fillRef>
+              <a:effectRef idx="1">
+                <a:schemeClr val="accent1"/>
+              </a:effectRef>
+              <a:fontRef idx="minor">
+                <a:schemeClr val="tx1"/>
+              </a:fontRef>
+            </p:style>
+          </p:cxnSp>
+          <p:cxnSp>
+            <p:nvCxnSpPr>
+              <p:cNvPr id="49" name="Straight Connector 48"/>
+              <p:cNvCxnSpPr/>
+              <p:nvPr/>
+            </p:nvCxnSpPr>
+            <p:spPr>
+              <a:xfrm rot="5400000" flipH="1" flipV="1">
+                <a:off x="2464527" y="3445985"/>
+                <a:ext cx="1544479" cy="1093658"/>
+              </a:xfrm>
+              <a:prstGeom prst="line">
+                <a:avLst/>
+              </a:prstGeom>
+              <a:ln>
+                <a:solidFill>
+                  <a:schemeClr val="accent6"/>
+                </a:solidFill>
+              </a:ln>
+              <a:effectLst/>
+            </p:spPr>
+            <p:style>
+              <a:lnRef idx="2">
+                <a:schemeClr val="accent1"/>
+              </a:lnRef>
+              <a:fillRef idx="0">
+                <a:schemeClr val="accent1"/>
+              </a:fillRef>
+              <a:effectRef idx="1">
+                <a:schemeClr val="accent1"/>
+              </a:effectRef>
+              <a:fontRef idx="minor">
+                <a:schemeClr val="tx1"/>
+              </a:fontRef>
+            </p:style>
+          </p:cxnSp>
+          <p:cxnSp>
+            <p:nvCxnSpPr>
+              <p:cNvPr id="50" name="Straight Connector 49"/>
+              <p:cNvCxnSpPr/>
+              <p:nvPr/>
+            </p:nvCxnSpPr>
+            <p:spPr>
+              <a:xfrm rot="5400000" flipH="1" flipV="1">
+                <a:off x="2465719" y="3263372"/>
+                <a:ext cx="1542096" cy="1093657"/>
+              </a:xfrm>
+              <a:prstGeom prst="line">
+                <a:avLst/>
+              </a:prstGeom>
+              <a:ln>
+                <a:solidFill>
+                  <a:schemeClr val="accent6"/>
+                </a:solidFill>
+              </a:ln>
+              <a:effectLst/>
+            </p:spPr>
+            <p:style>
+              <a:lnRef idx="2">
+                <a:schemeClr val="accent1"/>
+              </a:lnRef>
+              <a:fillRef idx="0">
+                <a:schemeClr val="accent1"/>
+              </a:fillRef>
+              <a:effectRef idx="1">
+                <a:schemeClr val="accent1"/>
+              </a:effectRef>
+              <a:fontRef idx="minor">
+                <a:schemeClr val="tx1"/>
+              </a:fontRef>
+            </p:style>
+          </p:cxnSp>
+          <p:cxnSp>
+            <p:nvCxnSpPr>
+              <p:cNvPr id="51" name="Straight Connector 50"/>
+              <p:cNvCxnSpPr/>
+              <p:nvPr/>
+            </p:nvCxnSpPr>
+            <p:spPr>
+              <a:xfrm rot="5400000" flipH="1" flipV="1">
+                <a:off x="2457165" y="3089889"/>
+                <a:ext cx="1542097" cy="1110763"/>
+              </a:xfrm>
+              <a:prstGeom prst="line">
+                <a:avLst/>
+              </a:prstGeom>
+              <a:ln>
+                <a:solidFill>
+                  <a:schemeClr val="accent6"/>
+                </a:solidFill>
+              </a:ln>
+              <a:effectLst/>
+            </p:spPr>
+            <p:style>
+              <a:lnRef idx="2">
+                <a:schemeClr val="accent1"/>
+              </a:lnRef>
+              <a:fillRef idx="0">
+                <a:schemeClr val="accent1"/>
+              </a:fillRef>
+              <a:effectRef idx="1">
+                <a:schemeClr val="accent1"/>
+              </a:effectRef>
+              <a:fontRef idx="minor">
+                <a:schemeClr val="tx1"/>
+              </a:fontRef>
+            </p:style>
+          </p:cxnSp>
+          <p:cxnSp>
+            <p:nvCxnSpPr>
+              <p:cNvPr id="52" name="Straight Connector 51"/>
+              <p:cNvCxnSpPr/>
+              <p:nvPr/>
+            </p:nvCxnSpPr>
+            <p:spPr>
+              <a:xfrm rot="5400000" flipH="1" flipV="1">
+                <a:off x="2456370" y="2933998"/>
+                <a:ext cx="1541303" cy="1109970"/>
+              </a:xfrm>
+              <a:prstGeom prst="line">
+                <a:avLst/>
+              </a:prstGeom>
+              <a:ln>
+                <a:solidFill>
+                  <a:schemeClr val="accent6"/>
+                </a:solidFill>
+              </a:ln>
+              <a:effectLst/>
+            </p:spPr>
+            <p:style>
+              <a:lnRef idx="2">
+                <a:schemeClr val="accent1"/>
+              </a:lnRef>
+              <a:fillRef idx="0">
+                <a:schemeClr val="accent1"/>
+              </a:fillRef>
+              <a:effectRef idx="1">
+                <a:schemeClr val="accent1"/>
+              </a:effectRef>
+              <a:fontRef idx="minor">
+                <a:schemeClr val="tx1"/>
+              </a:fontRef>
+            </p:style>
+          </p:cxnSp>
+          <p:cxnSp>
+            <p:nvCxnSpPr>
+              <p:cNvPr id="53" name="Straight Connector 52"/>
+              <p:cNvCxnSpPr/>
+              <p:nvPr/>
+            </p:nvCxnSpPr>
+            <p:spPr>
+              <a:xfrm rot="5400000" flipH="1" flipV="1">
+                <a:off x="2489029" y="3057229"/>
+                <a:ext cx="1228729" cy="862715"/>
+              </a:xfrm>
+              <a:prstGeom prst="line">
+                <a:avLst/>
+              </a:prstGeom>
+              <a:ln>
+                <a:solidFill>
+                  <a:schemeClr val="accent6"/>
+                </a:solidFill>
+              </a:ln>
+              <a:effectLst/>
+            </p:spPr>
+            <p:style>
+              <a:lnRef idx="2">
+                <a:schemeClr val="accent1"/>
+              </a:lnRef>
+              <a:fillRef idx="0">
+                <a:schemeClr val="accent1"/>
+              </a:fillRef>
+              <a:effectRef idx="1">
+                <a:schemeClr val="accent1"/>
+              </a:effectRef>
+              <a:fontRef idx="minor">
+                <a:schemeClr val="tx1"/>
+              </a:fontRef>
+            </p:style>
+          </p:cxnSp>
+          <p:cxnSp>
+            <p:nvCxnSpPr>
+              <p:cNvPr id="54" name="Straight Connector 53"/>
+              <p:cNvCxnSpPr/>
+              <p:nvPr/>
+            </p:nvCxnSpPr>
+            <p:spPr>
+              <a:xfrm rot="5400000" flipH="1" flipV="1">
+                <a:off x="2579067" y="3313544"/>
+                <a:ext cx="569803" cy="383864"/>
+              </a:xfrm>
+              <a:prstGeom prst="line">
+                <a:avLst/>
+              </a:prstGeom>
+              <a:ln>
+                <a:solidFill>
+                  <a:schemeClr val="accent6"/>
+                </a:solidFill>
+              </a:ln>
+              <a:effectLst/>
+            </p:spPr>
+            <p:style>
+              <a:lnRef idx="2">
+                <a:schemeClr val="accent1"/>
+              </a:lnRef>
+              <a:fillRef idx="0">
+                <a:schemeClr val="accent1"/>
+              </a:fillRef>
+              <a:effectRef idx="1">
+                <a:schemeClr val="accent1"/>
+              </a:effectRef>
+              <a:fontRef idx="minor">
+                <a:schemeClr val="tx1"/>
+              </a:fontRef>
+            </p:style>
+          </p:cxnSp>
+          <p:cxnSp>
+            <p:nvCxnSpPr>
+              <p:cNvPr id="55" name="Straight Connector 54"/>
+              <p:cNvCxnSpPr/>
+              <p:nvPr/>
+            </p:nvCxnSpPr>
+            <p:spPr>
+              <a:xfrm rot="5400000" flipH="1" flipV="1">
+                <a:off x="2528122" y="3032546"/>
+                <a:ext cx="1072046" cy="748413"/>
+              </a:xfrm>
+              <a:prstGeom prst="line">
+                <a:avLst/>
+              </a:prstGeom>
+              <a:ln>
+                <a:solidFill>
+                  <a:schemeClr val="accent6"/>
+                </a:solidFill>
+              </a:ln>
+              <a:effectLst/>
+            </p:spPr>
+            <p:style>
+              <a:lnRef idx="2">
+                <a:schemeClr val="accent1"/>
+              </a:lnRef>
+              <a:fillRef idx="0">
+                <a:schemeClr val="accent1"/>
+              </a:fillRef>
+              <a:effectRef idx="1">
+                <a:schemeClr val="accent1"/>
+              </a:effectRef>
+              <a:fontRef idx="minor">
+                <a:schemeClr val="tx1"/>
+              </a:fontRef>
+            </p:style>
+          </p:cxnSp>
+          <p:cxnSp>
+            <p:nvCxnSpPr>
+              <p:cNvPr id="56" name="Straight Connector 55"/>
+              <p:cNvCxnSpPr/>
+              <p:nvPr/>
+            </p:nvCxnSpPr>
+            <p:spPr>
+              <a:xfrm rot="5400000" flipH="1" flipV="1">
+                <a:off x="2622408" y="3459874"/>
+                <a:ext cx="239146" cy="139890"/>
+              </a:xfrm>
+              <a:prstGeom prst="line">
+                <a:avLst/>
+              </a:prstGeom>
+              <a:ln>
+                <a:solidFill>
+                  <a:schemeClr val="accent6"/>
+                </a:solidFill>
+              </a:ln>
+              <a:effectLst/>
+            </p:spPr>
+            <p:style>
+              <a:lnRef idx="2">
+                <a:schemeClr val="accent1"/>
+              </a:lnRef>
+              <a:fillRef idx="0">
+                <a:schemeClr val="accent1"/>
+              </a:fillRef>
+              <a:effectRef idx="1">
+                <a:schemeClr val="accent1"/>
+              </a:effectRef>
+              <a:fontRef idx="minor">
+                <a:schemeClr val="tx1"/>
+              </a:fontRef>
+            </p:style>
+          </p:cxnSp>
+          <p:cxnSp>
+            <p:nvCxnSpPr>
+              <p:cNvPr id="57" name="Curved Connector 56"/>
+              <p:cNvCxnSpPr/>
+              <p:nvPr/>
+            </p:nvCxnSpPr>
+            <p:spPr>
+              <a:xfrm flipV="1">
+                <a:off x="1655577" y="2577346"/>
+                <a:ext cx="3359673" cy="956595"/>
+              </a:xfrm>
+              <a:prstGeom prst="curvedConnector3">
+                <a:avLst>
+                  <a:gd name="adj1" fmla="val 46072"/>
+                </a:avLst>
+              </a:prstGeom>
+            </p:spPr>
+            <p:style>
+              <a:lnRef idx="2">
+                <a:schemeClr val="accent1"/>
+              </a:lnRef>
+              <a:fillRef idx="0">
+                <a:schemeClr val="accent1"/>
+              </a:fillRef>
+              <a:effectRef idx="1">
+                <a:schemeClr val="accent1"/>
+              </a:effectRef>
+              <a:fontRef idx="minor">
+                <a:schemeClr val="tx1"/>
+              </a:fontRef>
+            </p:style>
+          </p:cxnSp>
+          <p:cxnSp>
+            <p:nvCxnSpPr>
+              <p:cNvPr id="58" name="Straight Connector 57"/>
+              <p:cNvCxnSpPr/>
+              <p:nvPr/>
+            </p:nvCxnSpPr>
+            <p:spPr>
+              <a:xfrm rot="5400000" flipH="1" flipV="1">
+                <a:off x="2760234" y="3740104"/>
+                <a:ext cx="2045133" cy="1588"/>
+              </a:xfrm>
+              <a:prstGeom prst="line">
+                <a:avLst/>
+              </a:prstGeom>
+            </p:spPr>
+            <p:style>
+              <a:lnRef idx="2">
+                <a:schemeClr val="accent1"/>
+              </a:lnRef>
+              <a:fillRef idx="0">
+                <a:schemeClr val="accent1"/>
+              </a:fillRef>
+              <a:effectRef idx="1">
+                <a:schemeClr val="accent1"/>
+              </a:effectRef>
+              <a:fontRef idx="minor">
+                <a:schemeClr val="tx1"/>
+              </a:fontRef>
+            </p:style>
+          </p:cxnSp>
+          <p:cxnSp>
+            <p:nvCxnSpPr>
+              <p:cNvPr id="59" name="Straight Connector 58"/>
+              <p:cNvCxnSpPr/>
+              <p:nvPr/>
+            </p:nvCxnSpPr>
+            <p:spPr>
+              <a:xfrm rot="16200000" flipH="1">
+                <a:off x="1994636" y="4087648"/>
+                <a:ext cx="1354804" cy="1"/>
+              </a:xfrm>
+              <a:prstGeom prst="line">
+                <a:avLst/>
+              </a:prstGeom>
+            </p:spPr>
+            <p:style>
+              <a:lnRef idx="2">
+                <a:schemeClr val="accent1"/>
+              </a:lnRef>
+              <a:fillRef idx="0">
+                <a:schemeClr val="accent1"/>
+              </a:fillRef>
+              <a:effectRef idx="1">
+                <a:schemeClr val="accent1"/>
+              </a:effectRef>
+              <a:fontRef idx="minor">
+                <a:schemeClr val="tx1"/>
+              </a:fontRef>
+            </p:style>
+          </p:cxnSp>
+          <p:cxnSp>
+            <p:nvCxnSpPr>
+              <p:cNvPr id="60" name="Straight Arrow Connector 59"/>
+              <p:cNvCxnSpPr/>
+              <p:nvPr/>
+            </p:nvCxnSpPr>
+            <p:spPr>
+              <a:xfrm>
+                <a:off x="1449399" y="4762670"/>
+                <a:ext cx="3907301" cy="1588"/>
+              </a:xfrm>
+              <a:prstGeom prst="straightConnector1">
+                <a:avLst/>
+              </a:prstGeom>
+              <a:ln>
+                <a:tailEnd type="arrow"/>
+              </a:ln>
+            </p:spPr>
+            <p:style>
+              <a:lnRef idx="2">
+                <a:schemeClr val="accent1"/>
+              </a:lnRef>
+              <a:fillRef idx="0">
+                <a:schemeClr val="accent1"/>
+              </a:fillRef>
+              <a:effectRef idx="1">
+                <a:schemeClr val="accent1"/>
+              </a:effectRef>
+              <a:fontRef idx="minor">
+                <a:schemeClr val="tx1"/>
+              </a:fontRef>
+            </p:style>
+          </p:cxnSp>
+          <p:sp>
+            <p:nvSpPr>
+              <p:cNvPr id="61" name="TextBox 60"/>
+              <p:cNvSpPr txBox="1"/>
+              <p:nvPr/>
+            </p:nvSpPr>
+            <p:spPr>
+              <a:xfrm>
+                <a:off x="2243881" y="3101884"/>
+                <a:ext cx="663262" cy="276999"/>
+              </a:xfrm>
+              <a:prstGeom prst="rect">
+                <a:avLst/>
+              </a:prstGeom>
+              <a:noFill/>
+            </p:spPr>
+            <p:txBody>
+              <a:bodyPr wrap="none" rtlCol="0">
+                <a:spAutoFit/>
+              </a:bodyPr>
+              <a:lstStyle/>
+              <a:p>
+                <a:r>
+                  <a:rPr lang="en-US" sz="1200" i="1" dirty="0" err="1" smtClean="0">
+                    <a:latin typeface="Times New Roman"/>
+                  </a:rPr>
+                  <a:t>u</a:t>
+                </a:r>
+                <a:r>
+                  <a:rPr lang="en-US" sz="1200" dirty="0" err="1" smtClean="0">
+                    <a:latin typeface="Times New Roman"/>
+                  </a:rPr>
+                  <a:t>(</a:t>
+                </a:r>
+                <a:r>
+                  <a:rPr lang="en-US" sz="1200" i="1" dirty="0" err="1" smtClean="0">
+                    <a:latin typeface="Times New Roman"/>
+                  </a:rPr>
+                  <a:t>nT</a:t>
+                </a:r>
+                <a:r>
+                  <a:rPr lang="en-US" sz="1200" i="1" dirty="0" smtClean="0">
+                    <a:latin typeface="Times New Roman"/>
+                  </a:rPr>
+                  <a:t>-T</a:t>
+                </a:r>
+                <a:r>
+                  <a:rPr lang="en-US" sz="1200" dirty="0" smtClean="0">
+                    <a:latin typeface="Times New Roman"/>
+                  </a:rPr>
+                  <a:t>)</a:t>
+                </a:r>
+                <a:endParaRPr lang="en-US" sz="1200" dirty="0">
+                  <a:latin typeface="Times New Roman"/>
+                </a:endParaRPr>
+              </a:p>
+            </p:txBody>
+          </p:sp>
+          <p:sp>
+            <p:nvSpPr>
+              <p:cNvPr id="62" name="TextBox 61"/>
+              <p:cNvSpPr txBox="1"/>
+              <p:nvPr/>
+            </p:nvSpPr>
+            <p:spPr>
+              <a:xfrm>
+                <a:off x="2397257" y="4736571"/>
+                <a:ext cx="503664" cy="276999"/>
+              </a:xfrm>
+              <a:prstGeom prst="rect">
+                <a:avLst/>
+              </a:prstGeom>
+              <a:noFill/>
+            </p:spPr>
+            <p:txBody>
+              <a:bodyPr wrap="none" rtlCol="0">
+                <a:spAutoFit/>
+              </a:bodyPr>
+              <a:lstStyle/>
+              <a:p>
+                <a:r>
+                  <a:rPr lang="en-US" sz="1200" i="1" dirty="0" err="1" smtClean="0">
+                    <a:latin typeface="Times New Roman"/>
+                  </a:rPr>
+                  <a:t>nT</a:t>
+                </a:r>
+                <a:r>
+                  <a:rPr lang="en-US" sz="1200" i="1" dirty="0" smtClean="0">
+                    <a:latin typeface="Times New Roman"/>
+                  </a:rPr>
+                  <a:t>-T</a:t>
+                </a:r>
+                <a:endParaRPr lang="en-US" sz="1200" dirty="0">
+                  <a:latin typeface="Times New Roman"/>
+                </a:endParaRPr>
+              </a:p>
+            </p:txBody>
+          </p:sp>
+          <p:sp>
+            <p:nvSpPr>
+              <p:cNvPr id="63" name="TextBox 62"/>
+              <p:cNvSpPr txBox="1"/>
+              <p:nvPr/>
+            </p:nvSpPr>
+            <p:spPr>
+              <a:xfrm>
+                <a:off x="3584233" y="4736571"/>
+                <a:ext cx="375423" cy="276999"/>
+              </a:xfrm>
+              <a:prstGeom prst="rect">
+                <a:avLst/>
+              </a:prstGeom>
+              <a:noFill/>
+            </p:spPr>
+            <p:txBody>
+              <a:bodyPr wrap="none" rtlCol="0">
+                <a:spAutoFit/>
+              </a:bodyPr>
+              <a:lstStyle/>
+              <a:p>
+                <a:r>
+                  <a:rPr lang="en-US" sz="1200" i="1" dirty="0" err="1" smtClean="0">
+                    <a:latin typeface="Times New Roman"/>
+                  </a:rPr>
+                  <a:t>nT</a:t>
+                </a:r>
+                <a:endParaRPr lang="en-US" sz="1200" dirty="0">
+                  <a:latin typeface="Times New Roman"/>
+                </a:endParaRPr>
+              </a:p>
+            </p:txBody>
+          </p:sp>
+          <p:sp>
+            <p:nvSpPr>
+              <p:cNvPr id="64" name="TextBox 63"/>
+              <p:cNvSpPr txBox="1"/>
+              <p:nvPr/>
+            </p:nvSpPr>
+            <p:spPr>
+              <a:xfrm>
+                <a:off x="3652002" y="2390911"/>
+                <a:ext cx="537853" cy="276999"/>
+              </a:xfrm>
+              <a:prstGeom prst="rect">
+                <a:avLst/>
+              </a:prstGeom>
+              <a:noFill/>
+            </p:spPr>
+            <p:txBody>
+              <a:bodyPr wrap="none" rtlCol="0">
+                <a:spAutoFit/>
+              </a:bodyPr>
+              <a:lstStyle/>
+              <a:p>
+                <a:r>
+                  <a:rPr lang="en-US" sz="1200" i="1" dirty="0" err="1" smtClean="0">
+                    <a:latin typeface="Times New Roman"/>
+                  </a:rPr>
+                  <a:t>u</a:t>
+                </a:r>
+                <a:r>
+                  <a:rPr lang="en-US" sz="1200" dirty="0" err="1" smtClean="0">
+                    <a:latin typeface="Times New Roman"/>
+                  </a:rPr>
+                  <a:t>(</a:t>
+                </a:r>
+                <a:r>
+                  <a:rPr lang="en-US" sz="1200" i="1" dirty="0" err="1" smtClean="0">
+                    <a:latin typeface="Times New Roman"/>
+                  </a:rPr>
+                  <a:t>nT</a:t>
+                </a:r>
+                <a:r>
+                  <a:rPr lang="en-US" sz="1200" dirty="0" smtClean="0">
+                    <a:latin typeface="Times New Roman"/>
+                  </a:rPr>
+                  <a:t>)</a:t>
+                </a:r>
+                <a:endParaRPr lang="en-US" sz="1200" dirty="0">
+                  <a:latin typeface="Times New Roman"/>
+                </a:endParaRPr>
+              </a:p>
+            </p:txBody>
+          </p:sp>
+          <p:cxnSp>
+            <p:nvCxnSpPr>
+              <p:cNvPr id="65" name="Straight Arrow Connector 64"/>
+              <p:cNvCxnSpPr/>
+              <p:nvPr/>
+            </p:nvCxnSpPr>
+            <p:spPr>
+              <a:xfrm rot="10800000" flipV="1">
+                <a:off x="3783599" y="3378882"/>
+                <a:ext cx="741981" cy="155059"/>
+              </a:xfrm>
+              <a:prstGeom prst="straightConnector1">
+                <a:avLst/>
+              </a:prstGeom>
+              <a:ln>
+                <a:tailEnd type="arrow"/>
+              </a:ln>
+            </p:spPr>
+            <p:style>
+              <a:lnRef idx="2">
+                <a:schemeClr val="accent1"/>
+              </a:lnRef>
+              <a:fillRef idx="0">
+                <a:schemeClr val="accent1"/>
+              </a:fillRef>
+              <a:effectRef idx="1">
+                <a:schemeClr val="accent1"/>
+              </a:effectRef>
+              <a:fontRef idx="minor">
+                <a:schemeClr val="tx1"/>
+              </a:fontRef>
+            </p:style>
+          </p:cxnSp>
+          <p:sp>
+            <p:nvSpPr>
+              <p:cNvPr id="66" name="TextBox 65"/>
+              <p:cNvSpPr txBox="1"/>
+              <p:nvPr/>
+            </p:nvSpPr>
+            <p:spPr>
+              <a:xfrm>
+                <a:off x="4525577" y="3009550"/>
+                <a:ext cx="1790349" cy="369332"/>
+              </a:xfrm>
+              <a:prstGeom prst="rect">
+                <a:avLst/>
+              </a:prstGeom>
+              <a:noFill/>
+            </p:spPr>
+            <p:txBody>
+              <a:bodyPr wrap="none" rtlCol="0">
+                <a:spAutoFit/>
+              </a:bodyPr>
+              <a:lstStyle/>
+              <a:p>
+                <a:r>
+                  <a:rPr lang="en-US" dirty="0" smtClean="0"/>
+                  <a:t>Area of rectangle</a:t>
+                </a:r>
+                <a:endParaRPr lang="en-US" dirty="0"/>
+              </a:p>
+            </p:txBody>
+          </p:sp>
+          <p:graphicFrame>
+            <p:nvGraphicFramePr>
+              <p:cNvPr id="67" name="Object 66"/>
+              <p:cNvGraphicFramePr>
+                <a:graphicFrameLocks noChangeAspect="1"/>
+              </p:cNvGraphicFramePr>
+              <p:nvPr/>
+            </p:nvGraphicFramePr>
+            <p:xfrm>
+              <a:off x="4949825" y="3394075"/>
+              <a:ext cx="812800" cy="263525"/>
+            </p:xfrm>
+            <a:graphic>
+              <a:graphicData uri="http://schemas.openxmlformats.org/presentationml/2006/ole">
+                <p:oleObj spid="_x0000_s23555" name="Equation" r:id="rId3" imgW="469900" imgH="152400" progId="Equation.3">
+                  <p:embed/>
+                </p:oleObj>
+              </a:graphicData>
+            </a:graphic>
+          </p:graphicFrame>
+        </p:grpSp>
+      </p:grpSp>
+    </p:spTree>
+  </p:cSld>
+  <p:clrMapOvr>
+    <a:masterClrMapping/>
+  </p:clrMapOvr>
+</p:sld>
+</file>
+
+<file path=ppt/slides/slide11.xml><?xml version="1.0" encoding="utf-8"?>
+<p:sld xmlns:a="http://schemas.openxmlformats.org/drawingml/2006/main" xmlns:r="http://schemas.openxmlformats.org/officeDocument/2006/relationships" xmlns:mc="http://schemas.openxmlformats.org/markup-compatibility/2006" xmlns:mv="urn:schemas-microsoft-com:mac:vml" xmlns:p="http://schemas.openxmlformats.org/presentationml/2006/main" mc:Ignorable="mv" mc:PreserveAttributes="mv:*">
+  <p:cSld>
+    <p:spTree>
+      <p:nvGrpSpPr>
+        <p:cNvPr id="1" name=""/>
+        <p:cNvGrpSpPr/>
+        <p:nvPr/>
+      </p:nvGrpSpPr>
+      <p:grpSpPr>
+        <a:xfrm>
+          <a:off x="0" y="0"/>
+          <a:ext cx="0" cy="0"/>
+          <a:chOff x="0" y="0"/>
+          <a:chExt cx="0" cy="0"/>
+        </a:xfrm>
+      </p:grpSpPr>
+      <p:sp>
+        <p:nvSpPr>
+          <p:cNvPr id="2" name="Title 1"/>
+          <p:cNvSpPr>
+            <a:spLocks noGrp="1"/>
+          </p:cNvSpPr>
+          <p:nvPr>
+            <p:ph type="title"/>
+          </p:nvPr>
+        </p:nvSpPr>
+        <p:spPr/>
+        <p:txBody>
+          <a:bodyPr/>
+          <a:lstStyle/>
+          <a:p>
+            <a:r>
+              <a:rPr lang="en-US" dirty="0" smtClean="0"/>
+              <a:t>Trapezoidal (Tustin)</a:t>
+            </a:r>
+            <a:endParaRPr lang="en-US" dirty="0"/>
+          </a:p>
+        </p:txBody>
+      </p:sp>
+      <p:grpSp>
+        <p:nvGrpSpPr>
+          <p:cNvPr id="69" name="Group 68"/>
+          <p:cNvGrpSpPr/>
+          <p:nvPr/>
+        </p:nvGrpSpPr>
+        <p:grpSpPr>
+          <a:xfrm>
+            <a:off x="1265357" y="2258234"/>
+            <a:ext cx="5741368" cy="2782316"/>
+            <a:chOff x="1265357" y="2258234"/>
+            <a:chExt cx="5741368" cy="2782316"/>
+          </a:xfrm>
+        </p:grpSpPr>
+        <p:sp>
+          <p:nvSpPr>
+            <p:cNvPr id="68" name="Freeform 67"/>
+            <p:cNvSpPr/>
+            <p:nvPr/>
+          </p:nvSpPr>
+          <p:spPr>
+            <a:xfrm>
+              <a:off x="2775096" y="2680881"/>
+              <a:ext cx="1140611" cy="2045936"/>
+            </a:xfrm>
+            <a:custGeom>
+              <a:avLst/>
+              <a:gdLst>
+                <a:gd name="connsiteX0" fmla="*/ 11759 w 1140611"/>
+                <a:gd name="connsiteY0" fmla="*/ 2022419 h 2045936"/>
+                <a:gd name="connsiteX1" fmla="*/ 0 w 1140611"/>
+                <a:gd name="connsiteY1" fmla="*/ 681979 h 2045936"/>
+                <a:gd name="connsiteX2" fmla="*/ 0 w 1140611"/>
+                <a:gd name="connsiteY2" fmla="*/ 681979 h 2045936"/>
+                <a:gd name="connsiteX3" fmla="*/ 1128853 w 1140611"/>
+                <a:gd name="connsiteY3" fmla="*/ 0 h 2045936"/>
+                <a:gd name="connsiteX4" fmla="*/ 1128853 w 1140611"/>
+                <a:gd name="connsiteY4" fmla="*/ 0 h 2045936"/>
+                <a:gd name="connsiteX5" fmla="*/ 1140611 w 1140611"/>
+                <a:gd name="connsiteY5" fmla="*/ 2045936 h 2045936"/>
+                <a:gd name="connsiteX6" fmla="*/ 1140611 w 1140611"/>
+                <a:gd name="connsiteY6" fmla="*/ 2045936 h 2045936"/>
+                <a:gd name="connsiteX7" fmla="*/ 11759 w 1140611"/>
+                <a:gd name="connsiteY7" fmla="*/ 2022419 h 2045936"/>
+              </a:gdLst>
+              <a:ahLst/>
+              <a:cxnLst>
+                <a:cxn ang="0">
+                  <a:pos x="connsiteX0" y="connsiteY0"/>
+                </a:cxn>
+                <a:cxn ang="0">
+                  <a:pos x="connsiteX1" y="connsiteY1"/>
+                </a:cxn>
+                <a:cxn ang="0">
+                  <a:pos x="connsiteX2" y="connsiteY2"/>
+                </a:cxn>
+                <a:cxn ang="0">
+                  <a:pos x="connsiteX3" y="connsiteY3"/>
+                </a:cxn>
+                <a:cxn ang="0">
+                  <a:pos x="connsiteX4" y="connsiteY4"/>
+                </a:cxn>
+                <a:cxn ang="0">
+                  <a:pos x="connsiteX5" y="connsiteY5"/>
+                </a:cxn>
+                <a:cxn ang="0">
+                  <a:pos x="connsiteX6" y="connsiteY6"/>
+                </a:cxn>
+                <a:cxn ang="0">
+                  <a:pos x="connsiteX7" y="connsiteY7"/>
+                </a:cxn>
+              </a:cxnLst>
+              <a:rect l="l" t="t" r="r" b="b"/>
+              <a:pathLst>
+                <a:path w="1140611" h="2045936">
+                  <a:moveTo>
+                    <a:pt x="11759" y="2022419"/>
+                  </a:moveTo>
+                  <a:lnTo>
+                    <a:pt x="0" y="681979"/>
+                  </a:lnTo>
+                  <a:lnTo>
+                    <a:pt x="0" y="681979"/>
+                  </a:lnTo>
+                  <a:lnTo>
+                    <a:pt x="1128853" y="0"/>
+                  </a:lnTo>
+                  <a:lnTo>
+                    <a:pt x="1128853" y="0"/>
+                  </a:lnTo>
+                  <a:cubicBezTo>
+                    <a:pt x="1132772" y="681979"/>
+                    <a:pt x="1140611" y="2045936"/>
+                    <a:pt x="1140611" y="2045936"/>
+                  </a:cubicBezTo>
+                  <a:lnTo>
+                    <a:pt x="1140611" y="2045936"/>
+                  </a:lnTo>
+                  <a:lnTo>
+                    <a:pt x="11759" y="2022419"/>
+                  </a:lnTo>
+                  <a:close/>
+                </a:path>
+              </a:pathLst>
+            </a:custGeom>
+          </p:spPr>
+          <p:style>
+            <a:lnRef idx="1">
+              <a:schemeClr val="accent1"/>
+            </a:lnRef>
+            <a:fillRef idx="3">
+              <a:schemeClr val="accent1"/>
+            </a:fillRef>
+            <a:effectRef idx="2">
+              <a:schemeClr val="accent1"/>
+            </a:effectRef>
+            <a:fontRef idx="minor">
+              <a:schemeClr val="lt1"/>
+            </a:fontRef>
+          </p:style>
+          <p:txBody>
+            <a:bodyPr rtlCol="0" anchor="ctr"/>
+            <a:lstStyle/>
+            <a:p>
+              <a:pPr algn="ctr"/>
+              <a:endParaRPr lang="en-US"/>
+            </a:p>
+          </p:txBody>
+        </p:sp>
+        <p:grpSp>
+          <p:nvGrpSpPr>
+            <p:cNvPr id="37" name="Group 36"/>
+            <p:cNvGrpSpPr/>
+            <p:nvPr/>
+          </p:nvGrpSpPr>
+          <p:grpSpPr>
+            <a:xfrm>
+              <a:off x="1265357" y="2258234"/>
+              <a:ext cx="5741368" cy="2782316"/>
+              <a:chOff x="1131265" y="2308441"/>
+              <a:chExt cx="5741368" cy="2782316"/>
+            </a:xfrm>
+          </p:grpSpPr>
+          <p:cxnSp>
+            <p:nvCxnSpPr>
+              <p:cNvPr id="38" name="Straight Arrow Connector 37"/>
+              <p:cNvCxnSpPr/>
+              <p:nvPr/>
+            </p:nvCxnSpPr>
+            <p:spPr>
+              <a:xfrm rot="16200000" flipV="1">
+                <a:off x="360877" y="3632898"/>
+                <a:ext cx="2605896" cy="16495"/>
+              </a:xfrm>
+              <a:prstGeom prst="straightConnector1">
+                <a:avLst/>
+              </a:prstGeom>
+              <a:ln>
+                <a:tailEnd type="arrow"/>
+              </a:ln>
+            </p:spPr>
+            <p:style>
+              <a:lnRef idx="2">
+                <a:schemeClr val="accent1"/>
+              </a:lnRef>
+              <a:fillRef idx="0">
+                <a:schemeClr val="accent1"/>
+              </a:fillRef>
+              <a:effectRef idx="1">
+                <a:schemeClr val="accent1"/>
+              </a:effectRef>
+              <a:fontRef idx="minor">
+                <a:schemeClr val="tx1"/>
+              </a:fontRef>
+            </p:style>
+          </p:cxnSp>
+          <p:sp>
+            <p:nvSpPr>
+              <p:cNvPr id="39" name="TextBox 38"/>
+              <p:cNvSpPr txBox="1"/>
+              <p:nvPr/>
+            </p:nvSpPr>
+            <p:spPr>
+              <a:xfrm>
+                <a:off x="1131265" y="2308441"/>
+                <a:ext cx="536654" cy="369332"/>
+              </a:xfrm>
+              <a:prstGeom prst="rect">
+                <a:avLst/>
+              </a:prstGeom>
+              <a:noFill/>
+            </p:spPr>
+            <p:txBody>
+              <a:bodyPr wrap="none" rtlCol="0">
+                <a:spAutoFit/>
+              </a:bodyPr>
+              <a:lstStyle/>
+              <a:p>
+                <a:r>
+                  <a:rPr lang="en-US" i="1" dirty="0" err="1" smtClean="0">
+                    <a:latin typeface="Times New Roman"/>
+                  </a:rPr>
+                  <a:t>u</a:t>
+                </a:r>
+                <a:r>
+                  <a:rPr lang="en-US" dirty="0" err="1" smtClean="0">
+                    <a:latin typeface="Times New Roman"/>
+                  </a:rPr>
+                  <a:t>(</a:t>
+                </a:r>
+                <a:r>
+                  <a:rPr lang="en-US" i="1" dirty="0" err="1" smtClean="0">
+                    <a:latin typeface="Times New Roman"/>
+                  </a:rPr>
+                  <a:t>t</a:t>
+                </a:r>
+                <a:r>
+                  <a:rPr lang="en-US" dirty="0" smtClean="0">
+                    <a:latin typeface="Times New Roman"/>
+                  </a:rPr>
+                  <a:t>)</a:t>
+                </a:r>
+                <a:endParaRPr lang="en-US" dirty="0">
+                  <a:latin typeface="Times New Roman"/>
+                </a:endParaRPr>
+              </a:p>
+            </p:txBody>
+          </p:sp>
+          <p:sp>
+            <p:nvSpPr>
+              <p:cNvPr id="40" name="TextBox 39"/>
+              <p:cNvSpPr txBox="1"/>
+              <p:nvPr/>
+            </p:nvSpPr>
+            <p:spPr>
+              <a:xfrm>
+                <a:off x="5134610" y="4721425"/>
+                <a:ext cx="267500" cy="369332"/>
+              </a:xfrm>
+              <a:prstGeom prst="rect">
+                <a:avLst/>
+              </a:prstGeom>
+              <a:noFill/>
+            </p:spPr>
+            <p:txBody>
+              <a:bodyPr wrap="none" rtlCol="0">
+                <a:spAutoFit/>
+              </a:bodyPr>
+              <a:lstStyle/>
+              <a:p>
+                <a:r>
+                  <a:rPr lang="en-US" i="1" dirty="0" err="1" smtClean="0">
+                    <a:latin typeface="Times New Roman"/>
+                  </a:rPr>
+                  <a:t>t</a:t>
+                </a:r>
+                <a:endParaRPr lang="en-US" dirty="0">
+                  <a:latin typeface="Times New Roman"/>
+                </a:endParaRPr>
+              </a:p>
+            </p:txBody>
+          </p:sp>
+          <p:cxnSp>
+            <p:nvCxnSpPr>
+              <p:cNvPr id="41" name="Straight Connector 40"/>
+              <p:cNvCxnSpPr/>
+              <p:nvPr/>
+            </p:nvCxnSpPr>
+            <p:spPr>
+              <a:xfrm rot="5400000" flipH="1" flipV="1">
+                <a:off x="3630302" y="4610967"/>
+                <a:ext cx="181423" cy="121985"/>
+              </a:xfrm>
+              <a:prstGeom prst="line">
+                <a:avLst/>
+              </a:prstGeom>
+              <a:ln>
+                <a:solidFill>
+                  <a:schemeClr val="accent6"/>
+                </a:solidFill>
+              </a:ln>
+              <a:effectLst/>
+            </p:spPr>
+            <p:style>
+              <a:lnRef idx="2">
+                <a:schemeClr val="accent1"/>
+              </a:lnRef>
+              <a:fillRef idx="0">
+                <a:schemeClr val="accent1"/>
+              </a:fillRef>
+              <a:effectRef idx="1">
+                <a:schemeClr val="accent1"/>
+              </a:effectRef>
+              <a:fontRef idx="minor">
+                <a:schemeClr val="tx1"/>
+              </a:fontRef>
+            </p:style>
+          </p:cxnSp>
+          <p:cxnSp>
+            <p:nvCxnSpPr>
+              <p:cNvPr id="42" name="Straight Connector 41"/>
+              <p:cNvCxnSpPr/>
+              <p:nvPr/>
+            </p:nvCxnSpPr>
+            <p:spPr>
+              <a:xfrm rot="5400000" flipH="1" flipV="1">
+                <a:off x="3485202" y="4465867"/>
+                <a:ext cx="346353" cy="247255"/>
+              </a:xfrm>
+              <a:prstGeom prst="line">
+                <a:avLst/>
+              </a:prstGeom>
+              <a:ln>
+                <a:solidFill>
+                  <a:schemeClr val="accent6"/>
+                </a:solidFill>
+              </a:ln>
+              <a:effectLst/>
+            </p:spPr>
+            <p:style>
+              <a:lnRef idx="2">
+                <a:schemeClr val="accent1"/>
+              </a:lnRef>
+              <a:fillRef idx="0">
+                <a:schemeClr val="accent1"/>
+              </a:fillRef>
+              <a:effectRef idx="1">
+                <a:schemeClr val="accent1"/>
+              </a:effectRef>
+              <a:fontRef idx="minor">
+                <a:schemeClr val="tx1"/>
+              </a:fontRef>
+            </p:style>
+          </p:cxnSp>
+          <p:cxnSp>
+            <p:nvCxnSpPr>
+              <p:cNvPr id="43" name="Straight Connector 42"/>
+              <p:cNvCxnSpPr/>
+              <p:nvPr/>
+            </p:nvCxnSpPr>
+            <p:spPr>
+              <a:xfrm rot="5400000" flipH="1" flipV="1">
+                <a:off x="3349710" y="4330375"/>
+                <a:ext cx="503036" cy="361555"/>
+              </a:xfrm>
+              <a:prstGeom prst="line">
+                <a:avLst/>
+              </a:prstGeom>
+              <a:ln>
+                <a:solidFill>
+                  <a:schemeClr val="accent6"/>
+                </a:solidFill>
+              </a:ln>
+              <a:effectLst/>
+            </p:spPr>
+            <p:style>
+              <a:lnRef idx="2">
+                <a:schemeClr val="accent1"/>
+              </a:lnRef>
+              <a:fillRef idx="0">
+                <a:schemeClr val="accent1"/>
+              </a:fillRef>
+              <a:effectRef idx="1">
+                <a:schemeClr val="accent1"/>
+              </a:effectRef>
+              <a:fontRef idx="minor">
+                <a:schemeClr val="tx1"/>
+              </a:fontRef>
+            </p:style>
+          </p:cxnSp>
+          <p:cxnSp>
+            <p:nvCxnSpPr>
+              <p:cNvPr id="44" name="Straight Connector 43"/>
+              <p:cNvCxnSpPr/>
+              <p:nvPr/>
+            </p:nvCxnSpPr>
+            <p:spPr>
+              <a:xfrm rot="5400000" flipH="1" flipV="1">
+                <a:off x="3211171" y="4190245"/>
+                <a:ext cx="659720" cy="485131"/>
+              </a:xfrm>
+              <a:prstGeom prst="line">
+                <a:avLst/>
+              </a:prstGeom>
+              <a:ln>
+                <a:solidFill>
+                  <a:schemeClr val="accent6"/>
+                </a:solidFill>
+              </a:ln>
+              <a:effectLst/>
+            </p:spPr>
+            <p:style>
+              <a:lnRef idx="2">
+                <a:schemeClr val="accent1"/>
+              </a:lnRef>
+              <a:fillRef idx="0">
+                <a:schemeClr val="accent1"/>
+              </a:fillRef>
+              <a:effectRef idx="1">
+                <a:schemeClr val="accent1"/>
+              </a:effectRef>
+              <a:fontRef idx="minor">
+                <a:schemeClr val="tx1"/>
+              </a:fontRef>
+            </p:style>
+          </p:cxnSp>
+          <p:cxnSp>
+            <p:nvCxnSpPr>
+              <p:cNvPr id="45" name="Straight Connector 44"/>
+              <p:cNvCxnSpPr/>
+              <p:nvPr/>
+            </p:nvCxnSpPr>
+            <p:spPr>
+              <a:xfrm rot="5400000" flipH="1" flipV="1">
+                <a:off x="3070554" y="4053598"/>
+                <a:ext cx="818785" cy="604123"/>
+              </a:xfrm>
+              <a:prstGeom prst="line">
+                <a:avLst/>
+              </a:prstGeom>
+              <a:ln>
+                <a:solidFill>
+                  <a:schemeClr val="accent6"/>
+                </a:solidFill>
+              </a:ln>
+              <a:effectLst/>
+            </p:spPr>
+            <p:style>
+              <a:lnRef idx="2">
+                <a:schemeClr val="accent1"/>
+              </a:lnRef>
+              <a:fillRef idx="0">
+                <a:schemeClr val="accent1"/>
+              </a:fillRef>
+              <a:effectRef idx="1">
+                <a:schemeClr val="accent1"/>
+              </a:effectRef>
+              <a:fontRef idx="minor">
+                <a:schemeClr val="tx1"/>
+              </a:fontRef>
+            </p:style>
+          </p:cxnSp>
+          <p:cxnSp>
+            <p:nvCxnSpPr>
+              <p:cNvPr id="46" name="Straight Connector 45"/>
+              <p:cNvCxnSpPr/>
+              <p:nvPr/>
+            </p:nvCxnSpPr>
+            <p:spPr>
+              <a:xfrm rot="5400000" flipH="1" flipV="1">
+                <a:off x="2923765" y="3905224"/>
+                <a:ext cx="991963" cy="727697"/>
+              </a:xfrm>
+              <a:prstGeom prst="line">
+                <a:avLst/>
+              </a:prstGeom>
+              <a:ln>
+                <a:solidFill>
+                  <a:schemeClr val="accent6"/>
+                </a:solidFill>
+              </a:ln>
+              <a:effectLst/>
+            </p:spPr>
+            <p:style>
+              <a:lnRef idx="2">
+                <a:schemeClr val="accent1"/>
+              </a:lnRef>
+              <a:fillRef idx="0">
+                <a:schemeClr val="accent1"/>
+              </a:fillRef>
+              <a:effectRef idx="1">
+                <a:schemeClr val="accent1"/>
+              </a:effectRef>
+              <a:fontRef idx="minor">
+                <a:schemeClr val="tx1"/>
+              </a:fontRef>
+            </p:style>
+          </p:cxnSp>
+          <p:cxnSp>
+            <p:nvCxnSpPr>
+              <p:cNvPr id="47" name="Straight Connector 46"/>
+              <p:cNvCxnSpPr/>
+              <p:nvPr/>
+            </p:nvCxnSpPr>
+            <p:spPr>
+              <a:xfrm rot="5400000" flipH="1" flipV="1">
+                <a:off x="2792677" y="3774133"/>
+                <a:ext cx="1132154" cy="849686"/>
+              </a:xfrm>
+              <a:prstGeom prst="line">
+                <a:avLst/>
+              </a:prstGeom>
+              <a:ln>
+                <a:solidFill>
+                  <a:schemeClr val="accent6"/>
+                </a:solidFill>
+              </a:ln>
+              <a:effectLst/>
+            </p:spPr>
+            <p:style>
+              <a:lnRef idx="2">
+                <a:schemeClr val="accent1"/>
+              </a:lnRef>
+              <a:fillRef idx="0">
+                <a:schemeClr val="accent1"/>
+              </a:fillRef>
+              <a:effectRef idx="1">
+                <a:schemeClr val="accent1"/>
+              </a:effectRef>
+              <a:fontRef idx="minor">
+                <a:schemeClr val="tx1"/>
+              </a:fontRef>
+            </p:style>
+          </p:cxnSp>
+          <p:cxnSp>
+            <p:nvCxnSpPr>
+              <p:cNvPr id="48" name="Straight Connector 47"/>
+              <p:cNvCxnSpPr/>
+              <p:nvPr/>
+            </p:nvCxnSpPr>
+            <p:spPr>
+              <a:xfrm rot="5400000" flipH="1" flipV="1">
+                <a:off x="2620356" y="3601815"/>
+                <a:ext cx="1354807" cy="971671"/>
+              </a:xfrm>
+              <a:prstGeom prst="line">
+                <a:avLst/>
+              </a:prstGeom>
+              <a:ln>
+                <a:solidFill>
+                  <a:schemeClr val="accent6"/>
+                </a:solidFill>
+              </a:ln>
+              <a:effectLst/>
+            </p:spPr>
+            <p:style>
+              <a:lnRef idx="2">
+                <a:schemeClr val="accent1"/>
+              </a:lnRef>
+              <a:fillRef idx="0">
+                <a:schemeClr val="accent1"/>
+              </a:fillRef>
+              <a:effectRef idx="1">
+                <a:schemeClr val="accent1"/>
+              </a:effectRef>
+              <a:fontRef idx="minor">
+                <a:schemeClr val="tx1"/>
+              </a:fontRef>
+            </p:style>
+          </p:cxnSp>
+          <p:cxnSp>
+            <p:nvCxnSpPr>
+              <p:cNvPr id="49" name="Straight Connector 48"/>
+              <p:cNvCxnSpPr/>
+              <p:nvPr/>
+            </p:nvCxnSpPr>
+            <p:spPr>
+              <a:xfrm rot="5400000" flipH="1" flipV="1">
+                <a:off x="2464527" y="3445985"/>
+                <a:ext cx="1544479" cy="1093658"/>
+              </a:xfrm>
+              <a:prstGeom prst="line">
+                <a:avLst/>
+              </a:prstGeom>
+              <a:ln>
+                <a:solidFill>
+                  <a:schemeClr val="accent6"/>
+                </a:solidFill>
+              </a:ln>
+              <a:effectLst/>
+            </p:spPr>
+            <p:style>
+              <a:lnRef idx="2">
+                <a:schemeClr val="accent1"/>
+              </a:lnRef>
+              <a:fillRef idx="0">
+                <a:schemeClr val="accent1"/>
+              </a:fillRef>
+              <a:effectRef idx="1">
+                <a:schemeClr val="accent1"/>
+              </a:effectRef>
+              <a:fontRef idx="minor">
+                <a:schemeClr val="tx1"/>
+              </a:fontRef>
+            </p:style>
+          </p:cxnSp>
+          <p:cxnSp>
+            <p:nvCxnSpPr>
+              <p:cNvPr id="50" name="Straight Connector 49"/>
+              <p:cNvCxnSpPr/>
+              <p:nvPr/>
+            </p:nvCxnSpPr>
+            <p:spPr>
+              <a:xfrm rot="5400000" flipH="1" flipV="1">
+                <a:off x="2465719" y="3263372"/>
+                <a:ext cx="1542096" cy="1093657"/>
+              </a:xfrm>
+              <a:prstGeom prst="line">
+                <a:avLst/>
+              </a:prstGeom>
+              <a:ln>
+                <a:solidFill>
+                  <a:schemeClr val="accent6"/>
+                </a:solidFill>
+              </a:ln>
+              <a:effectLst/>
+            </p:spPr>
+            <p:style>
+              <a:lnRef idx="2">
+                <a:schemeClr val="accent1"/>
+              </a:lnRef>
+              <a:fillRef idx="0">
+                <a:schemeClr val="accent1"/>
+              </a:fillRef>
+              <a:effectRef idx="1">
+                <a:schemeClr val="accent1"/>
+              </a:effectRef>
+              <a:fontRef idx="minor">
+                <a:schemeClr val="tx1"/>
+              </a:fontRef>
+            </p:style>
+          </p:cxnSp>
+          <p:cxnSp>
+            <p:nvCxnSpPr>
+              <p:cNvPr id="51" name="Straight Connector 50"/>
+              <p:cNvCxnSpPr/>
+              <p:nvPr/>
+            </p:nvCxnSpPr>
+            <p:spPr>
+              <a:xfrm rot="5400000" flipH="1" flipV="1">
+                <a:off x="2457165" y="3089889"/>
+                <a:ext cx="1542097" cy="1110763"/>
+              </a:xfrm>
+              <a:prstGeom prst="line">
+                <a:avLst/>
+              </a:prstGeom>
+              <a:ln>
+                <a:solidFill>
+                  <a:schemeClr val="accent6"/>
+                </a:solidFill>
+              </a:ln>
+              <a:effectLst/>
+            </p:spPr>
+            <p:style>
+              <a:lnRef idx="2">
+                <a:schemeClr val="accent1"/>
+              </a:lnRef>
+              <a:fillRef idx="0">
+                <a:schemeClr val="accent1"/>
+              </a:fillRef>
+              <a:effectRef idx="1">
+                <a:schemeClr val="accent1"/>
+              </a:effectRef>
+              <a:fontRef idx="minor">
+                <a:schemeClr val="tx1"/>
+              </a:fontRef>
+            </p:style>
+          </p:cxnSp>
+          <p:cxnSp>
+            <p:nvCxnSpPr>
+              <p:cNvPr id="52" name="Straight Connector 51"/>
+              <p:cNvCxnSpPr/>
+              <p:nvPr/>
+            </p:nvCxnSpPr>
+            <p:spPr>
+              <a:xfrm rot="5400000" flipH="1" flipV="1">
+                <a:off x="2456370" y="2933998"/>
+                <a:ext cx="1541303" cy="1109970"/>
+              </a:xfrm>
+              <a:prstGeom prst="line">
+                <a:avLst/>
+              </a:prstGeom>
+              <a:ln>
+                <a:solidFill>
+                  <a:schemeClr val="accent6"/>
+                </a:solidFill>
+              </a:ln>
+              <a:effectLst/>
+            </p:spPr>
+            <p:style>
+              <a:lnRef idx="2">
+                <a:schemeClr val="accent1"/>
+              </a:lnRef>
+              <a:fillRef idx="0">
+                <a:schemeClr val="accent1"/>
+              </a:fillRef>
+              <a:effectRef idx="1">
+                <a:schemeClr val="accent1"/>
+              </a:effectRef>
+              <a:fontRef idx="minor">
+                <a:schemeClr val="tx1"/>
+              </a:fontRef>
+            </p:style>
+          </p:cxnSp>
+          <p:cxnSp>
+            <p:nvCxnSpPr>
+              <p:cNvPr id="53" name="Straight Connector 52"/>
+              <p:cNvCxnSpPr/>
+              <p:nvPr/>
+            </p:nvCxnSpPr>
+            <p:spPr>
+              <a:xfrm rot="5400000" flipH="1" flipV="1">
+                <a:off x="2489029" y="3057229"/>
+                <a:ext cx="1228729" cy="862715"/>
+              </a:xfrm>
+              <a:prstGeom prst="line">
+                <a:avLst/>
+              </a:prstGeom>
+              <a:ln>
+                <a:solidFill>
+                  <a:schemeClr val="accent6"/>
+                </a:solidFill>
+              </a:ln>
+              <a:effectLst/>
+            </p:spPr>
+            <p:style>
+              <a:lnRef idx="2">
+                <a:schemeClr val="accent1"/>
+              </a:lnRef>
+              <a:fillRef idx="0">
+                <a:schemeClr val="accent1"/>
+              </a:fillRef>
+              <a:effectRef idx="1">
+                <a:schemeClr val="accent1"/>
+              </a:effectRef>
+              <a:fontRef idx="minor">
+                <a:schemeClr val="tx1"/>
+              </a:fontRef>
+            </p:style>
+          </p:cxnSp>
+          <p:cxnSp>
+            <p:nvCxnSpPr>
+              <p:cNvPr id="54" name="Straight Connector 53"/>
+              <p:cNvCxnSpPr/>
+              <p:nvPr/>
+            </p:nvCxnSpPr>
+            <p:spPr>
+              <a:xfrm rot="5400000" flipH="1" flipV="1">
+                <a:off x="2579067" y="3313544"/>
+                <a:ext cx="569803" cy="383864"/>
+              </a:xfrm>
+              <a:prstGeom prst="line">
+                <a:avLst/>
+              </a:prstGeom>
+              <a:ln>
+                <a:solidFill>
+                  <a:schemeClr val="accent6"/>
+                </a:solidFill>
+              </a:ln>
+              <a:effectLst/>
+            </p:spPr>
+            <p:style>
+              <a:lnRef idx="2">
+                <a:schemeClr val="accent1"/>
+              </a:lnRef>
+              <a:fillRef idx="0">
+                <a:schemeClr val="accent1"/>
+              </a:fillRef>
+              <a:effectRef idx="1">
+                <a:schemeClr val="accent1"/>
+              </a:effectRef>
+              <a:fontRef idx="minor">
+                <a:schemeClr val="tx1"/>
+              </a:fontRef>
+            </p:style>
+          </p:cxnSp>
+          <p:cxnSp>
+            <p:nvCxnSpPr>
+              <p:cNvPr id="55" name="Straight Connector 54"/>
+              <p:cNvCxnSpPr/>
+              <p:nvPr/>
+            </p:nvCxnSpPr>
+            <p:spPr>
+              <a:xfrm rot="5400000" flipH="1" flipV="1">
+                <a:off x="2528122" y="3032546"/>
+                <a:ext cx="1072046" cy="748413"/>
+              </a:xfrm>
+              <a:prstGeom prst="line">
+                <a:avLst/>
+              </a:prstGeom>
+              <a:ln>
+                <a:solidFill>
+                  <a:schemeClr val="accent6"/>
+                </a:solidFill>
+              </a:ln>
+              <a:effectLst/>
+            </p:spPr>
+            <p:style>
+              <a:lnRef idx="2">
+                <a:schemeClr val="accent1"/>
+              </a:lnRef>
+              <a:fillRef idx="0">
+                <a:schemeClr val="accent1"/>
+              </a:fillRef>
+              <a:effectRef idx="1">
+                <a:schemeClr val="accent1"/>
+              </a:effectRef>
+              <a:fontRef idx="minor">
+                <a:schemeClr val="tx1"/>
+              </a:fontRef>
+            </p:style>
+          </p:cxnSp>
+          <p:cxnSp>
+            <p:nvCxnSpPr>
+              <p:cNvPr id="56" name="Straight Connector 55"/>
+              <p:cNvCxnSpPr/>
+              <p:nvPr/>
+            </p:nvCxnSpPr>
+            <p:spPr>
+              <a:xfrm rot="5400000" flipH="1" flipV="1">
+                <a:off x="2622408" y="3459874"/>
+                <a:ext cx="239146" cy="139890"/>
+              </a:xfrm>
+              <a:prstGeom prst="line">
+                <a:avLst/>
+              </a:prstGeom>
+              <a:ln>
+                <a:solidFill>
+                  <a:schemeClr val="accent6"/>
+                </a:solidFill>
+              </a:ln>
+              <a:effectLst/>
+            </p:spPr>
+            <p:style>
+              <a:lnRef idx="2">
+                <a:schemeClr val="accent1"/>
+              </a:lnRef>
+              <a:fillRef idx="0">
+                <a:schemeClr val="accent1"/>
+              </a:fillRef>
+              <a:effectRef idx="1">
+                <a:schemeClr val="accent1"/>
+              </a:effectRef>
+              <a:fontRef idx="minor">
+                <a:schemeClr val="tx1"/>
+              </a:fontRef>
+            </p:style>
+          </p:cxnSp>
+          <p:cxnSp>
+            <p:nvCxnSpPr>
+              <p:cNvPr id="57" name="Curved Connector 56"/>
+              <p:cNvCxnSpPr/>
+              <p:nvPr/>
+            </p:nvCxnSpPr>
+            <p:spPr>
+              <a:xfrm flipV="1">
+                <a:off x="1655577" y="2577346"/>
+                <a:ext cx="3359673" cy="956595"/>
+              </a:xfrm>
+              <a:prstGeom prst="curvedConnector3">
+                <a:avLst>
+                  <a:gd name="adj1" fmla="val 46072"/>
+                </a:avLst>
+              </a:prstGeom>
+            </p:spPr>
+            <p:style>
+              <a:lnRef idx="2">
+                <a:schemeClr val="accent1"/>
+              </a:lnRef>
+              <a:fillRef idx="0">
+                <a:schemeClr val="accent1"/>
+              </a:fillRef>
+              <a:effectRef idx="1">
+                <a:schemeClr val="accent1"/>
+              </a:effectRef>
+              <a:fontRef idx="minor">
+                <a:schemeClr val="tx1"/>
+              </a:fontRef>
+            </p:style>
+          </p:cxnSp>
+          <p:cxnSp>
+            <p:nvCxnSpPr>
+              <p:cNvPr id="58" name="Straight Connector 57"/>
+              <p:cNvCxnSpPr/>
+              <p:nvPr/>
+            </p:nvCxnSpPr>
+            <p:spPr>
+              <a:xfrm rot="5400000" flipH="1" flipV="1">
+                <a:off x="2760234" y="3740104"/>
+                <a:ext cx="2045133" cy="1588"/>
+              </a:xfrm>
+              <a:prstGeom prst="line">
+                <a:avLst/>
+              </a:prstGeom>
+            </p:spPr>
+            <p:style>
+              <a:lnRef idx="2">
+                <a:schemeClr val="accent1"/>
+              </a:lnRef>
+              <a:fillRef idx="0">
+                <a:schemeClr val="accent1"/>
+              </a:fillRef>
+              <a:effectRef idx="1">
+                <a:schemeClr val="accent1"/>
+              </a:effectRef>
+              <a:fontRef idx="minor">
+                <a:schemeClr val="tx1"/>
+              </a:fontRef>
+            </p:style>
+          </p:cxnSp>
+          <p:cxnSp>
+            <p:nvCxnSpPr>
+              <p:cNvPr id="59" name="Straight Connector 58"/>
+              <p:cNvCxnSpPr/>
+              <p:nvPr/>
+            </p:nvCxnSpPr>
+            <p:spPr>
+              <a:xfrm rot="16200000" flipH="1">
+                <a:off x="1994636" y="4087648"/>
+                <a:ext cx="1354804" cy="1"/>
+              </a:xfrm>
+              <a:prstGeom prst="line">
+                <a:avLst/>
+              </a:prstGeom>
+            </p:spPr>
+            <p:style>
+              <a:lnRef idx="2">
+                <a:schemeClr val="accent1"/>
+              </a:lnRef>
+              <a:fillRef idx="0">
+                <a:schemeClr val="accent1"/>
+              </a:fillRef>
+              <a:effectRef idx="1">
+                <a:schemeClr val="accent1"/>
+              </a:effectRef>
+              <a:fontRef idx="minor">
+                <a:schemeClr val="tx1"/>
+              </a:fontRef>
+            </p:style>
+          </p:cxnSp>
+          <p:cxnSp>
+            <p:nvCxnSpPr>
+              <p:cNvPr id="60" name="Straight Arrow Connector 59"/>
+              <p:cNvCxnSpPr/>
+              <p:nvPr/>
+            </p:nvCxnSpPr>
+            <p:spPr>
+              <a:xfrm>
+                <a:off x="1449399" y="4762670"/>
+                <a:ext cx="3907301" cy="1588"/>
+              </a:xfrm>
+              <a:prstGeom prst="straightConnector1">
+                <a:avLst/>
+              </a:prstGeom>
+              <a:ln>
+                <a:tailEnd type="arrow"/>
+              </a:ln>
+            </p:spPr>
+            <p:style>
+              <a:lnRef idx="2">
+                <a:schemeClr val="accent1"/>
+              </a:lnRef>
+              <a:fillRef idx="0">
+                <a:schemeClr val="accent1"/>
+              </a:fillRef>
+              <a:effectRef idx="1">
+                <a:schemeClr val="accent1"/>
+              </a:effectRef>
+              <a:fontRef idx="minor">
+                <a:schemeClr val="tx1"/>
+              </a:fontRef>
+            </p:style>
+          </p:cxnSp>
+          <p:sp>
+            <p:nvSpPr>
+              <p:cNvPr id="61" name="TextBox 60"/>
+              <p:cNvSpPr txBox="1"/>
+              <p:nvPr/>
+            </p:nvSpPr>
+            <p:spPr>
+              <a:xfrm>
+                <a:off x="2243881" y="3101884"/>
+                <a:ext cx="663262" cy="276999"/>
+              </a:xfrm>
+              <a:prstGeom prst="rect">
+                <a:avLst/>
+              </a:prstGeom>
+              <a:noFill/>
+            </p:spPr>
+            <p:txBody>
+              <a:bodyPr wrap="none" rtlCol="0">
+                <a:spAutoFit/>
+              </a:bodyPr>
+              <a:lstStyle/>
+              <a:p>
+                <a:r>
+                  <a:rPr lang="en-US" sz="1200" i="1" dirty="0" err="1" smtClean="0">
+                    <a:latin typeface="Times New Roman"/>
+                  </a:rPr>
+                  <a:t>u</a:t>
+                </a:r>
+                <a:r>
+                  <a:rPr lang="en-US" sz="1200" dirty="0" err="1" smtClean="0">
+                    <a:latin typeface="Times New Roman"/>
+                  </a:rPr>
+                  <a:t>(</a:t>
+                </a:r>
+                <a:r>
+                  <a:rPr lang="en-US" sz="1200" i="1" dirty="0" err="1" smtClean="0">
+                    <a:latin typeface="Times New Roman"/>
+                  </a:rPr>
+                  <a:t>nT</a:t>
+                </a:r>
+                <a:r>
+                  <a:rPr lang="en-US" sz="1200" i="1" dirty="0" smtClean="0">
+                    <a:latin typeface="Times New Roman"/>
+                  </a:rPr>
+                  <a:t>-T</a:t>
+                </a:r>
+                <a:r>
+                  <a:rPr lang="en-US" sz="1200" dirty="0" smtClean="0">
+                    <a:latin typeface="Times New Roman"/>
+                  </a:rPr>
+                  <a:t>)</a:t>
+                </a:r>
+                <a:endParaRPr lang="en-US" sz="1200" dirty="0">
+                  <a:latin typeface="Times New Roman"/>
+                </a:endParaRPr>
+              </a:p>
+            </p:txBody>
+          </p:sp>
+          <p:sp>
+            <p:nvSpPr>
+              <p:cNvPr id="62" name="TextBox 61"/>
+              <p:cNvSpPr txBox="1"/>
+              <p:nvPr/>
+            </p:nvSpPr>
+            <p:spPr>
+              <a:xfrm>
+                <a:off x="2397257" y="4736571"/>
+                <a:ext cx="503664" cy="276999"/>
+              </a:xfrm>
+              <a:prstGeom prst="rect">
+                <a:avLst/>
+              </a:prstGeom>
+              <a:noFill/>
+            </p:spPr>
+            <p:txBody>
+              <a:bodyPr wrap="none" rtlCol="0">
+                <a:spAutoFit/>
+              </a:bodyPr>
+              <a:lstStyle/>
+              <a:p>
+                <a:r>
+                  <a:rPr lang="en-US" sz="1200" i="1" dirty="0" err="1" smtClean="0">
+                    <a:latin typeface="Times New Roman"/>
+                  </a:rPr>
+                  <a:t>nT</a:t>
+                </a:r>
+                <a:r>
+                  <a:rPr lang="en-US" sz="1200" i="1" dirty="0" smtClean="0">
+                    <a:latin typeface="Times New Roman"/>
+                  </a:rPr>
+                  <a:t>-T</a:t>
+                </a:r>
+                <a:endParaRPr lang="en-US" sz="1200" dirty="0">
+                  <a:latin typeface="Times New Roman"/>
+                </a:endParaRPr>
+              </a:p>
+            </p:txBody>
+          </p:sp>
+          <p:sp>
+            <p:nvSpPr>
+              <p:cNvPr id="63" name="TextBox 62"/>
+              <p:cNvSpPr txBox="1"/>
+              <p:nvPr/>
+            </p:nvSpPr>
+            <p:spPr>
+              <a:xfrm>
+                <a:off x="3584233" y="4736571"/>
+                <a:ext cx="375423" cy="276999"/>
+              </a:xfrm>
+              <a:prstGeom prst="rect">
+                <a:avLst/>
+              </a:prstGeom>
+              <a:noFill/>
+            </p:spPr>
+            <p:txBody>
+              <a:bodyPr wrap="none" rtlCol="0">
+                <a:spAutoFit/>
+              </a:bodyPr>
+              <a:lstStyle/>
+              <a:p>
+                <a:r>
+                  <a:rPr lang="en-US" sz="1200" i="1" dirty="0" err="1" smtClean="0">
+                    <a:latin typeface="Times New Roman"/>
+                  </a:rPr>
+                  <a:t>nT</a:t>
+                </a:r>
+                <a:endParaRPr lang="en-US" sz="1200" dirty="0">
+                  <a:latin typeface="Times New Roman"/>
+                </a:endParaRPr>
+              </a:p>
+            </p:txBody>
+          </p:sp>
+          <p:sp>
+            <p:nvSpPr>
+              <p:cNvPr id="64" name="TextBox 63"/>
+              <p:cNvSpPr txBox="1"/>
+              <p:nvPr/>
+            </p:nvSpPr>
+            <p:spPr>
+              <a:xfrm>
+                <a:off x="3652002" y="2390911"/>
+                <a:ext cx="537853" cy="276999"/>
+              </a:xfrm>
+              <a:prstGeom prst="rect">
+                <a:avLst/>
+              </a:prstGeom>
+              <a:noFill/>
+            </p:spPr>
+            <p:txBody>
+              <a:bodyPr wrap="none" rtlCol="0">
+                <a:spAutoFit/>
+              </a:bodyPr>
+              <a:lstStyle/>
+              <a:p>
+                <a:r>
+                  <a:rPr lang="en-US" sz="1200" i="1" dirty="0" err="1" smtClean="0">
+                    <a:latin typeface="Times New Roman"/>
+                  </a:rPr>
+                  <a:t>u</a:t>
+                </a:r>
+                <a:r>
+                  <a:rPr lang="en-US" sz="1200" dirty="0" err="1" smtClean="0">
+                    <a:latin typeface="Times New Roman"/>
+                  </a:rPr>
+                  <a:t>(</a:t>
+                </a:r>
+                <a:r>
+                  <a:rPr lang="en-US" sz="1200" i="1" dirty="0" err="1" smtClean="0">
+                    <a:latin typeface="Times New Roman"/>
+                  </a:rPr>
+                  <a:t>nT</a:t>
+                </a:r>
+                <a:r>
+                  <a:rPr lang="en-US" sz="1200" dirty="0" smtClean="0">
+                    <a:latin typeface="Times New Roman"/>
+                  </a:rPr>
+                  <a:t>)</a:t>
+                </a:r>
+                <a:endParaRPr lang="en-US" sz="1200" dirty="0">
+                  <a:latin typeface="Times New Roman"/>
+                </a:endParaRPr>
+              </a:p>
+            </p:txBody>
+          </p:sp>
+          <p:cxnSp>
+            <p:nvCxnSpPr>
+              <p:cNvPr id="65" name="Straight Arrow Connector 64"/>
+              <p:cNvCxnSpPr/>
+              <p:nvPr/>
+            </p:nvCxnSpPr>
+            <p:spPr>
+              <a:xfrm rot="10800000" flipV="1">
+                <a:off x="3783599" y="3378882"/>
+                <a:ext cx="741981" cy="155059"/>
+              </a:xfrm>
+              <a:prstGeom prst="straightConnector1">
+                <a:avLst/>
+              </a:prstGeom>
+              <a:ln>
+                <a:tailEnd type="arrow"/>
+              </a:ln>
+            </p:spPr>
+            <p:style>
+              <a:lnRef idx="2">
+                <a:schemeClr val="accent1"/>
+              </a:lnRef>
+              <a:fillRef idx="0">
+                <a:schemeClr val="accent1"/>
+              </a:fillRef>
+              <a:effectRef idx="1">
+                <a:schemeClr val="accent1"/>
+              </a:effectRef>
+              <a:fontRef idx="minor">
+                <a:schemeClr val="tx1"/>
+              </a:fontRef>
+            </p:style>
+          </p:cxnSp>
+          <p:sp>
+            <p:nvSpPr>
+              <p:cNvPr id="66" name="TextBox 65"/>
+              <p:cNvSpPr txBox="1"/>
+              <p:nvPr/>
+            </p:nvSpPr>
+            <p:spPr>
+              <a:xfrm>
+                <a:off x="4525577" y="3009550"/>
+                <a:ext cx="1864964" cy="369332"/>
+              </a:xfrm>
+              <a:prstGeom prst="rect">
+                <a:avLst/>
+              </a:prstGeom>
+              <a:noFill/>
+            </p:spPr>
+            <p:txBody>
+              <a:bodyPr wrap="none" rtlCol="0">
+                <a:spAutoFit/>
+              </a:bodyPr>
+              <a:lstStyle/>
+              <a:p>
+                <a:r>
+                  <a:rPr lang="en-US" dirty="0" smtClean="0"/>
+                  <a:t>Area of trapezium</a:t>
+                </a:r>
+                <a:endParaRPr lang="en-US" dirty="0"/>
+              </a:p>
+            </p:txBody>
+          </p:sp>
+          <p:graphicFrame>
+            <p:nvGraphicFramePr>
+              <p:cNvPr id="67" name="Object 66"/>
+              <p:cNvGraphicFramePr>
+                <a:graphicFrameLocks noChangeAspect="1"/>
+              </p:cNvGraphicFramePr>
+              <p:nvPr/>
+            </p:nvGraphicFramePr>
+            <p:xfrm>
+              <a:off x="4545358" y="3337030"/>
+              <a:ext cx="2327275" cy="614363"/>
+            </p:xfrm>
+            <a:graphic>
+              <a:graphicData uri="http://schemas.openxmlformats.org/presentationml/2006/ole">
+                <p:oleObj spid="_x0000_s24579" name="Equation" r:id="rId3" imgW="1346200" imgH="355600" progId="Equation.3">
+                  <p:embed/>
+                </p:oleObj>
+              </a:graphicData>
+            </a:graphic>
+          </p:graphicFrame>
+        </p:grpSp>
+      </p:grpSp>
+    </p:spTree>
+  </p:cSld>
+  <p:clrMapOvr>
+    <a:masterClrMapping/>
+  </p:clrMapOvr>
+  <p:timing>
+    <p:tnLst>
+      <p:par>
+        <p:cTn id="1" dur="indefinite" restart="never" nodeType="tmRoot"/>
+      </p:par>
+    </p:tnLst>
+  </p:timing>
+</p:sld>
+</file>
+
+<file path=ppt/slides/slide12.xml><?xml version="1.0" encoding="utf-8"?>
+<p:sld xmlns:a="http://schemas.openxmlformats.org/drawingml/2006/main" xmlns:r="http://schemas.openxmlformats.org/officeDocument/2006/relationships" xmlns:mc="http://schemas.openxmlformats.org/markup-compatibility/2006" xmlns:mv="urn:schemas-microsoft-com:mac:vml" xmlns:p="http://schemas.openxmlformats.org/presentationml/2006/main" mc:Ignorable="mv" mc:PreserveAttributes="mv:*">
+  <p:cSld>
+    <p:spTree>
+      <p:nvGrpSpPr>
+        <p:cNvPr id="1" name=""/>
+        <p:cNvGrpSpPr/>
+        <p:nvPr/>
+      </p:nvGrpSpPr>
+      <p:grpSpPr>
+        <a:xfrm>
+          <a:off x="0" y="0"/>
+          <a:ext cx="0" cy="0"/>
+          <a:chOff x="0" y="0"/>
+          <a:chExt cx="0" cy="0"/>
+        </a:xfrm>
+      </p:grpSpPr>
       <p:grpSp>
         <p:nvGrpSpPr>
           <p:cNvPr id="10" name="Group 9"/>
@@ -4231,7 +7157,7 @@
 </p:sld>
 </file>
 
-<file path=ppt/slides/slide11.xml><?xml version="1.0" encoding="utf-8"?>
+<file path=ppt/slides/slide13.xml><?xml version="1.0" encoding="utf-8"?>
 <p:sld xmlns:a="http://schemas.openxmlformats.org/drawingml/2006/main" xmlns:r="http://schemas.openxmlformats.org/officeDocument/2006/relationships" xmlns:mc="http://schemas.openxmlformats.org/markup-compatibility/2006" xmlns:mv="urn:schemas-microsoft-com:mac:vml" xmlns:p="http://schemas.openxmlformats.org/presentationml/2006/main" mc:Ignorable="mv" mc:PreserveAttributes="mv:*">
   <p:cSld>
     <p:spTree>
@@ -4387,7 +7313,7 @@
 </p:sld>
 </file>
 
-<file path=ppt/slides/slide12.xml><?xml version="1.0" encoding="utf-8"?>
+<file path=ppt/slides/slide14.xml><?xml version="1.0" encoding="utf-8"?>
 <p:sld xmlns:a="http://schemas.openxmlformats.org/drawingml/2006/main" xmlns:r="http://schemas.openxmlformats.org/officeDocument/2006/relationships" xmlns:mc="http://schemas.openxmlformats.org/markup-compatibility/2006" xmlns:mv="urn:schemas-microsoft-com:mac:vml" xmlns:p="http://schemas.openxmlformats.org/presentationml/2006/main" mc:Ignorable="mv" mc:PreserveAttributes="mv:*">
   <p:cSld>
     <p:spTree>
@@ -4543,7 +7469,7 @@
 </p:sld>
 </file>
 
-<file path=ppt/slides/slide13.xml><?xml version="1.0" encoding="utf-8"?>
+<file path=ppt/slides/slide15.xml><?xml version="1.0" encoding="utf-8"?>
 <p:sld xmlns:a="http://schemas.openxmlformats.org/drawingml/2006/main" xmlns:r="http://schemas.openxmlformats.org/officeDocument/2006/relationships" xmlns:mc="http://schemas.openxmlformats.org/markup-compatibility/2006" xmlns:mv="urn:schemas-microsoft-com:mac:vml" xmlns:p="http://schemas.openxmlformats.org/presentationml/2006/main" mc:Ignorable="mv" mc:PreserveAttributes="mv:*">
   <p:cSld>
     <p:spTree>
@@ -4699,7 +7625,7 @@
 </p:sld>
 </file>
 
-<file path=ppt/slides/slide14.xml><?xml version="1.0" encoding="utf-8"?>
+<file path=ppt/slides/slide16.xml><?xml version="1.0" encoding="utf-8"?>
 <p:sld xmlns:a="http://schemas.openxmlformats.org/drawingml/2006/main" xmlns:r="http://schemas.openxmlformats.org/officeDocument/2006/relationships" xmlns:mc="http://schemas.openxmlformats.org/markup-compatibility/2006" xmlns:mv="urn:schemas-microsoft-com:mac:vml" xmlns:p="http://schemas.openxmlformats.org/presentationml/2006/main" mc:Ignorable="mv" mc:PreserveAttributes="mv:*">
   <p:cSld>
     <p:spTree>
@@ -4926,7 +7852,7 @@
 </p:sld>
 </file>
 
-<file path=ppt/slides/slide15.xml><?xml version="1.0" encoding="utf-8"?>
+<file path=ppt/slides/slide17.xml><?xml version="1.0" encoding="utf-8"?>
 <p:sld xmlns:a="http://schemas.openxmlformats.org/drawingml/2006/main" xmlns:r="http://schemas.openxmlformats.org/officeDocument/2006/relationships" xmlns:mc="http://schemas.openxmlformats.org/markup-compatibility/2006" xmlns:mv="urn:schemas-microsoft-com:mac:vml" xmlns:p="http://schemas.openxmlformats.org/presentationml/2006/main" mc:Ignorable="mv" mc:PreserveAttributes="mv:*">
   <p:cSld>
     <p:spTree>
@@ -11303,7 +14229,7 @@
             <p:spPr>
               <a:xfrm>
                 <a:off x="6883096" y="2729799"/>
-                <a:ext cx="401021" cy="276999"/>
+                <a:ext cx="409437" cy="276999"/>
               </a:xfrm>
               <a:prstGeom prst="rect">
                 <a:avLst/>
@@ -11320,7 +14246,7 @@
                   <a:rPr lang="en-US" sz="1200" i="1" dirty="0" err="1" smtClean="0">
                     <a:latin typeface="Times New Roman"/>
                   </a:rPr>
-                  <a:t>r</a:t>
+                  <a:t>c</a:t>
                 </a:r>
                 <a:r>
                   <a:rPr lang="en-US" sz="1200" dirty="0" err="1" smtClean="0">
@@ -12541,6 +15467,2609 @@
 </file>
 
 <file path=ppt/slides/slide6.xml><?xml version="1.0" encoding="utf-8"?>
+<p:sld xmlns:a="http://schemas.openxmlformats.org/drawingml/2006/main" xmlns:r="http://schemas.openxmlformats.org/officeDocument/2006/relationships" xmlns:mc="http://schemas.openxmlformats.org/markup-compatibility/2006" xmlns:mv="urn:schemas-microsoft-com:mac:vml" xmlns:p="http://schemas.openxmlformats.org/presentationml/2006/main" mc:Ignorable="mv" mc:PreserveAttributes="mv:*">
+  <p:cSld>
+    <p:spTree>
+      <p:nvGrpSpPr>
+        <p:cNvPr id="1" name=""/>
+        <p:cNvGrpSpPr/>
+        <p:nvPr/>
+      </p:nvGrpSpPr>
+      <p:grpSpPr>
+        <a:xfrm>
+          <a:off x="0" y="0"/>
+          <a:ext cx="0" cy="0"/>
+          <a:chOff x="0" y="0"/>
+          <a:chExt cx="0" cy="0"/>
+        </a:xfrm>
+      </p:grpSpPr>
+      <p:sp>
+        <p:nvSpPr>
+          <p:cNvPr id="2" name="Title 1"/>
+          <p:cNvSpPr>
+            <a:spLocks noGrp="1"/>
+          </p:cNvSpPr>
+          <p:nvPr>
+            <p:ph type="title"/>
+          </p:nvPr>
+        </p:nvSpPr>
+        <p:spPr/>
+        <p:txBody>
+          <a:bodyPr/>
+          <a:lstStyle/>
+          <a:p>
+            <a:endParaRPr lang="en-US"/>
+          </a:p>
+        </p:txBody>
+      </p:sp>
+      <p:grpSp>
+        <p:nvGrpSpPr>
+          <p:cNvPr id="4" name="Group 3"/>
+          <p:cNvGrpSpPr/>
+          <p:nvPr/>
+        </p:nvGrpSpPr>
+        <p:grpSpPr>
+          <a:xfrm>
+            <a:off x="3270185" y="2308443"/>
+            <a:ext cx="3820008" cy="689455"/>
+            <a:chOff x="2762344" y="2240715"/>
+            <a:chExt cx="3820008" cy="689455"/>
+          </a:xfrm>
+        </p:grpSpPr>
+        <p:cxnSp>
+          <p:nvCxnSpPr>
+            <p:cNvPr id="5" name="Shape 4"/>
+            <p:cNvCxnSpPr>
+              <a:endCxn id="18" idx="4"/>
+            </p:cNvCxnSpPr>
+            <p:nvPr/>
+          </p:nvCxnSpPr>
+          <p:spPr>
+            <a:xfrm rot="10800000" flipV="1">
+              <a:off x="3396687" y="2503813"/>
+              <a:ext cx="2639369" cy="149357"/>
+            </a:xfrm>
+            <a:prstGeom prst="bentConnector4">
+              <a:avLst>
+                <a:gd name="adj1" fmla="val -307"/>
+                <a:gd name="adj2" fmla="val 512559"/>
+              </a:avLst>
+            </a:prstGeom>
+            <a:ln w="12700">
+              <a:solidFill>
+                <a:schemeClr val="tx1"/>
+              </a:solidFill>
+              <a:tailEnd type="triangle"/>
+            </a:ln>
+            <a:effectLst/>
+          </p:spPr>
+          <p:style>
+            <a:lnRef idx="2">
+              <a:schemeClr val="accent1"/>
+            </a:lnRef>
+            <a:fillRef idx="0">
+              <a:schemeClr val="accent1"/>
+            </a:fillRef>
+            <a:effectRef idx="1">
+              <a:schemeClr val="accent1"/>
+            </a:effectRef>
+            <a:fontRef idx="minor">
+              <a:schemeClr val="tx1"/>
+            </a:fontRef>
+          </p:style>
+        </p:cxnSp>
+        <p:sp>
+          <p:nvSpPr>
+            <p:cNvPr id="6" name="TextBox 5"/>
+            <p:cNvSpPr txBox="1"/>
+            <p:nvPr/>
+          </p:nvSpPr>
+          <p:spPr>
+            <a:xfrm>
+              <a:off x="3427066" y="2653171"/>
+              <a:ext cx="269124" cy="276999"/>
+            </a:xfrm>
+            <a:prstGeom prst="rect">
+              <a:avLst/>
+            </a:prstGeom>
+            <a:noFill/>
+          </p:spPr>
+          <p:txBody>
+            <a:bodyPr wrap="none" rtlCol="0">
+              <a:spAutoFit/>
+            </a:bodyPr>
+            <a:lstStyle/>
+            <a:p>
+              <a:r>
+                <a:rPr lang="en-US" sz="1200" dirty="0" smtClean="0">
+                  <a:latin typeface="Symbol"/>
+                </a:rPr>
+                <a:t>-</a:t>
+              </a:r>
+              <a:endParaRPr lang="en-US" sz="1200" dirty="0">
+                <a:latin typeface="Symbol"/>
+              </a:endParaRPr>
+            </a:p>
+          </p:txBody>
+        </p:sp>
+        <p:grpSp>
+          <p:nvGrpSpPr>
+            <p:cNvPr id="7" name="Group 61"/>
+            <p:cNvGrpSpPr/>
+            <p:nvPr/>
+          </p:nvGrpSpPr>
+          <p:grpSpPr>
+            <a:xfrm>
+              <a:off x="2762344" y="2240715"/>
+              <a:ext cx="3820008" cy="489084"/>
+              <a:chOff x="3523996" y="2729799"/>
+              <a:chExt cx="3820008" cy="489084"/>
+            </a:xfrm>
+          </p:grpSpPr>
+          <p:cxnSp>
+            <p:nvCxnSpPr>
+              <p:cNvPr id="8" name="Shape 7"/>
+              <p:cNvCxnSpPr/>
+              <p:nvPr/>
+            </p:nvCxnSpPr>
+            <p:spPr>
+              <a:xfrm rot="10800000" flipV="1">
+                <a:off x="4158339" y="2992897"/>
+                <a:ext cx="2639369" cy="149357"/>
+              </a:xfrm>
+              <a:prstGeom prst="bentConnector4">
+                <a:avLst>
+                  <a:gd name="adj1" fmla="val -307"/>
+                  <a:gd name="adj2" fmla="val 512559"/>
+                </a:avLst>
+              </a:prstGeom>
+              <a:ln w="12700">
+                <a:solidFill>
+                  <a:schemeClr val="tx1"/>
+                </a:solidFill>
+                <a:tailEnd type="triangle"/>
+              </a:ln>
+              <a:effectLst/>
+            </p:spPr>
+            <p:style>
+              <a:lnRef idx="2">
+                <a:schemeClr val="accent1"/>
+              </a:lnRef>
+              <a:fillRef idx="0">
+                <a:schemeClr val="accent1"/>
+              </a:fillRef>
+              <a:effectRef idx="1">
+                <a:schemeClr val="accent1"/>
+              </a:effectRef>
+              <a:fontRef idx="minor">
+                <a:schemeClr val="tx1"/>
+              </a:fontRef>
+            </p:style>
+          </p:cxnSp>
+          <p:cxnSp>
+            <p:nvCxnSpPr>
+              <p:cNvPr id="9" name="Straight Arrow Connector 8"/>
+              <p:cNvCxnSpPr/>
+              <p:nvPr/>
+            </p:nvCxnSpPr>
+            <p:spPr>
+              <a:xfrm>
+                <a:off x="4323280" y="2991310"/>
+                <a:ext cx="424699" cy="1588"/>
+              </a:xfrm>
+              <a:prstGeom prst="straightConnector1">
+                <a:avLst/>
+              </a:prstGeom>
+              <a:ln w="12700">
+                <a:solidFill>
+                  <a:schemeClr val="tx1"/>
+                </a:solidFill>
+                <a:tailEnd type="triangle"/>
+              </a:ln>
+              <a:effectLst/>
+            </p:spPr>
+            <p:style>
+              <a:lnRef idx="2">
+                <a:schemeClr val="accent1"/>
+              </a:lnRef>
+              <a:fillRef idx="0">
+                <a:schemeClr val="accent1"/>
+              </a:fillRef>
+              <a:effectRef idx="1">
+                <a:schemeClr val="accent1"/>
+              </a:effectRef>
+              <a:fontRef idx="minor">
+                <a:schemeClr val="tx1"/>
+              </a:fontRef>
+            </p:style>
+          </p:cxnSp>
+          <p:cxnSp>
+            <p:nvCxnSpPr>
+              <p:cNvPr id="10" name="Straight Arrow Connector 9"/>
+              <p:cNvCxnSpPr/>
+              <p:nvPr/>
+            </p:nvCxnSpPr>
+            <p:spPr>
+              <a:xfrm>
+                <a:off x="5378912" y="2991310"/>
+                <a:ext cx="424699" cy="1588"/>
+              </a:xfrm>
+              <a:prstGeom prst="straightConnector1">
+                <a:avLst/>
+              </a:prstGeom>
+              <a:ln w="12700">
+                <a:solidFill>
+                  <a:schemeClr val="tx1"/>
+                </a:solidFill>
+                <a:tailEnd type="triangle"/>
+              </a:ln>
+              <a:effectLst/>
+            </p:spPr>
+            <p:style>
+              <a:lnRef idx="2">
+                <a:schemeClr val="accent1"/>
+              </a:lnRef>
+              <a:fillRef idx="0">
+                <a:schemeClr val="accent1"/>
+              </a:fillRef>
+              <a:effectRef idx="1">
+                <a:schemeClr val="accent1"/>
+              </a:effectRef>
+              <a:fontRef idx="minor">
+                <a:schemeClr val="tx1"/>
+              </a:fontRef>
+            </p:style>
+          </p:cxnSp>
+          <p:sp>
+            <p:nvSpPr>
+              <p:cNvPr id="11" name="TextBox 10"/>
+              <p:cNvSpPr txBox="1"/>
+              <p:nvPr/>
+            </p:nvSpPr>
+            <p:spPr>
+              <a:xfrm>
+                <a:off x="6883096" y="2729799"/>
+                <a:ext cx="460908" cy="276999"/>
+              </a:xfrm>
+              <a:prstGeom prst="rect">
+                <a:avLst/>
+              </a:prstGeom>
+              <a:noFill/>
+            </p:spPr>
+            <p:txBody>
+              <a:bodyPr wrap="none" rtlCol="0">
+                <a:spAutoFit/>
+              </a:bodyPr>
+              <a:lstStyle/>
+              <a:p>
+                <a:r>
+                  <a:rPr lang="en-US" sz="1200" i="1" dirty="0" err="1" smtClean="0">
+                    <a:latin typeface="Times New Roman"/>
+                  </a:rPr>
+                  <a:t>C</a:t>
+                </a:r>
+                <a:r>
+                  <a:rPr lang="en-US" sz="1200" dirty="0" err="1" smtClean="0">
+                    <a:latin typeface="Times New Roman"/>
+                  </a:rPr>
+                  <a:t>(</a:t>
+                </a:r>
+                <a:r>
+                  <a:rPr lang="en-US" sz="1200" i="1" dirty="0" err="1" smtClean="0">
+                    <a:latin typeface="Times New Roman"/>
+                  </a:rPr>
+                  <a:t>z</a:t>
+                </a:r>
+                <a:r>
+                  <a:rPr lang="en-US" sz="1200" dirty="0" smtClean="0">
+                    <a:latin typeface="Times New Roman"/>
+                  </a:rPr>
+                  <a:t>)</a:t>
+                </a:r>
+                <a:endParaRPr lang="en-US" sz="1200" dirty="0">
+                  <a:latin typeface="Times New Roman"/>
+                </a:endParaRPr>
+              </a:p>
+            </p:txBody>
+          </p:sp>
+          <p:sp>
+            <p:nvSpPr>
+              <p:cNvPr id="12" name="Rectangle 11"/>
+              <p:cNvSpPr/>
+              <p:nvPr/>
+            </p:nvSpPr>
+            <p:spPr>
+              <a:xfrm>
+                <a:off x="5803611" y="2765325"/>
+                <a:ext cx="630933" cy="453558"/>
+              </a:xfrm>
+              <a:prstGeom prst="rect">
+                <a:avLst/>
+              </a:prstGeom>
+              <a:noFill/>
+              <a:ln>
+                <a:solidFill>
+                  <a:schemeClr val="tx1"/>
+                </a:solidFill>
+              </a:ln>
+              <a:effectLst/>
+            </p:spPr>
+            <p:style>
+              <a:lnRef idx="1">
+                <a:schemeClr val="accent1"/>
+              </a:lnRef>
+              <a:fillRef idx="3">
+                <a:schemeClr val="accent1"/>
+              </a:fillRef>
+              <a:effectRef idx="2">
+                <a:schemeClr val="accent1"/>
+              </a:effectRef>
+              <a:fontRef idx="minor">
+                <a:schemeClr val="lt1"/>
+              </a:fontRef>
+            </p:style>
+            <p:txBody>
+              <a:bodyPr rtlCol="0" anchor="ctr"/>
+              <a:lstStyle/>
+              <a:p>
+                <a:pPr algn="ctr"/>
+                <a:endParaRPr lang="en-US"/>
+              </a:p>
+            </p:txBody>
+          </p:sp>
+          <p:cxnSp>
+            <p:nvCxnSpPr>
+              <p:cNvPr id="13" name="Straight Arrow Connector 12"/>
+              <p:cNvCxnSpPr/>
+              <p:nvPr/>
+            </p:nvCxnSpPr>
+            <p:spPr>
+              <a:xfrm>
+                <a:off x="6434544" y="2991310"/>
+                <a:ext cx="857989" cy="1588"/>
+              </a:xfrm>
+              <a:prstGeom prst="straightConnector1">
+                <a:avLst/>
+              </a:prstGeom>
+              <a:ln w="12700">
+                <a:solidFill>
+                  <a:schemeClr val="tx1"/>
+                </a:solidFill>
+                <a:tailEnd type="triangle"/>
+              </a:ln>
+              <a:effectLst/>
+            </p:spPr>
+            <p:style>
+              <a:lnRef idx="2">
+                <a:schemeClr val="accent1"/>
+              </a:lnRef>
+              <a:fillRef idx="0">
+                <a:schemeClr val="accent1"/>
+              </a:fillRef>
+              <a:effectRef idx="1">
+                <a:schemeClr val="accent1"/>
+              </a:effectRef>
+              <a:fontRef idx="minor">
+                <a:schemeClr val="tx1"/>
+              </a:fontRef>
+            </p:style>
+          </p:cxnSp>
+          <p:sp>
+            <p:nvSpPr>
+              <p:cNvPr id="14" name="Rectangle 13"/>
+              <p:cNvSpPr/>
+              <p:nvPr/>
+            </p:nvSpPr>
+            <p:spPr>
+              <a:xfrm>
+                <a:off x="4740154" y="2757078"/>
+                <a:ext cx="630933" cy="453558"/>
+              </a:xfrm>
+              <a:prstGeom prst="rect">
+                <a:avLst/>
+              </a:prstGeom>
+              <a:noFill/>
+              <a:ln>
+                <a:solidFill>
+                  <a:schemeClr val="tx1"/>
+                </a:solidFill>
+              </a:ln>
+              <a:effectLst/>
+            </p:spPr>
+            <p:style>
+              <a:lnRef idx="1">
+                <a:schemeClr val="accent1"/>
+              </a:lnRef>
+              <a:fillRef idx="3">
+                <a:schemeClr val="accent1"/>
+              </a:fillRef>
+              <a:effectRef idx="2">
+                <a:schemeClr val="accent1"/>
+              </a:effectRef>
+              <a:fontRef idx="minor">
+                <a:schemeClr val="lt1"/>
+              </a:fontRef>
+            </p:style>
+            <p:txBody>
+              <a:bodyPr rtlCol="0" anchor="ctr"/>
+              <a:lstStyle/>
+              <a:p>
+                <a:pPr algn="ctr"/>
+                <a:endParaRPr lang="en-US"/>
+              </a:p>
+            </p:txBody>
+          </p:sp>
+          <p:sp>
+            <p:nvSpPr>
+              <p:cNvPr id="15" name="TextBox 14"/>
+              <p:cNvSpPr txBox="1"/>
+              <p:nvPr/>
+            </p:nvSpPr>
+            <p:spPr>
+              <a:xfrm>
+                <a:off x="4812674" y="2812370"/>
+                <a:ext cx="469399" cy="276999"/>
+              </a:xfrm>
+              <a:prstGeom prst="rect">
+                <a:avLst/>
+              </a:prstGeom>
+              <a:noFill/>
+            </p:spPr>
+            <p:txBody>
+              <a:bodyPr wrap="none" rtlCol="0">
+                <a:spAutoFit/>
+              </a:bodyPr>
+              <a:lstStyle/>
+              <a:p>
+                <a:r>
+                  <a:rPr lang="en-US" sz="1200" i="1" dirty="0" err="1" smtClean="0">
+                    <a:latin typeface="Times New Roman"/>
+                  </a:rPr>
+                  <a:t>D</a:t>
+                </a:r>
+                <a:r>
+                  <a:rPr lang="en-US" sz="1200" dirty="0" err="1" smtClean="0">
+                    <a:latin typeface="Times New Roman"/>
+                  </a:rPr>
+                  <a:t>(</a:t>
+                </a:r>
+                <a:r>
+                  <a:rPr lang="en-US" sz="1200" i="1" dirty="0" err="1" smtClean="0">
+                    <a:latin typeface="Times New Roman"/>
+                  </a:rPr>
+                  <a:t>z</a:t>
+                </a:r>
+                <a:r>
+                  <a:rPr lang="en-US" sz="1200" dirty="0" smtClean="0">
+                    <a:latin typeface="Times New Roman"/>
+                  </a:rPr>
+                  <a:t>)</a:t>
+                </a:r>
+                <a:endParaRPr lang="en-US" sz="1200" dirty="0">
+                  <a:latin typeface="Times New Roman"/>
+                </a:endParaRPr>
+              </a:p>
+            </p:txBody>
+          </p:sp>
+          <p:sp>
+            <p:nvSpPr>
+              <p:cNvPr id="16" name="TextBox 15"/>
+              <p:cNvSpPr txBox="1"/>
+              <p:nvPr/>
+            </p:nvSpPr>
+            <p:spPr>
+              <a:xfrm>
+                <a:off x="5354155" y="2729799"/>
+                <a:ext cx="477815" cy="276999"/>
+              </a:xfrm>
+              <a:prstGeom prst="rect">
+                <a:avLst/>
+              </a:prstGeom>
+              <a:noFill/>
+            </p:spPr>
+            <p:txBody>
+              <a:bodyPr wrap="none" rtlCol="0">
+                <a:spAutoFit/>
+              </a:bodyPr>
+              <a:lstStyle/>
+              <a:p>
+                <a:r>
+                  <a:rPr lang="en-US" sz="1200" i="1" dirty="0" err="1" smtClean="0">
+                    <a:latin typeface="Times New Roman"/>
+                  </a:rPr>
+                  <a:t>U</a:t>
+                </a:r>
+                <a:r>
+                  <a:rPr lang="en-US" sz="1200" dirty="0" err="1" smtClean="0">
+                    <a:latin typeface="Times New Roman"/>
+                  </a:rPr>
+                  <a:t>(</a:t>
+                </a:r>
+                <a:r>
+                  <a:rPr lang="en-US" sz="1200" i="1" dirty="0" err="1" smtClean="0">
+                    <a:latin typeface="Times New Roman"/>
+                  </a:rPr>
+                  <a:t>z</a:t>
+                </a:r>
+                <a:r>
+                  <a:rPr lang="en-US" sz="1200" dirty="0" smtClean="0">
+                    <a:latin typeface="Times New Roman"/>
+                  </a:rPr>
+                  <a:t>)</a:t>
+                </a:r>
+                <a:endParaRPr lang="en-US" sz="1200" dirty="0">
+                  <a:latin typeface="Times New Roman"/>
+                </a:endParaRPr>
+              </a:p>
+            </p:txBody>
+          </p:sp>
+          <p:sp>
+            <p:nvSpPr>
+              <p:cNvPr id="17" name="TextBox 16"/>
+              <p:cNvSpPr txBox="1"/>
+              <p:nvPr/>
+            </p:nvSpPr>
+            <p:spPr>
+              <a:xfrm>
+                <a:off x="3749012" y="2907834"/>
+                <a:ext cx="269124" cy="276999"/>
+              </a:xfrm>
+              <a:prstGeom prst="rect">
+                <a:avLst/>
+              </a:prstGeom>
+              <a:noFill/>
+            </p:spPr>
+            <p:txBody>
+              <a:bodyPr wrap="none" rtlCol="0">
+                <a:spAutoFit/>
+              </a:bodyPr>
+              <a:lstStyle/>
+              <a:p>
+                <a:r>
+                  <a:rPr lang="en-US" sz="1200" dirty="0" smtClean="0">
+                    <a:latin typeface="Symbol"/>
+                  </a:rPr>
+                  <a:t>+</a:t>
+                </a:r>
+                <a:endParaRPr lang="en-US" sz="1200" dirty="0">
+                  <a:latin typeface="Symbol"/>
+                </a:endParaRPr>
+              </a:p>
+            </p:txBody>
+          </p:sp>
+          <p:sp>
+            <p:nvSpPr>
+              <p:cNvPr id="18" name="Oval 17"/>
+              <p:cNvSpPr/>
+              <p:nvPr/>
+            </p:nvSpPr>
+            <p:spPr>
+              <a:xfrm>
+                <a:off x="3993395" y="2812370"/>
+                <a:ext cx="329885" cy="329885"/>
+              </a:xfrm>
+              <a:prstGeom prst="ellipse">
+                <a:avLst/>
+              </a:prstGeom>
+              <a:noFill/>
+              <a:ln>
+                <a:solidFill>
+                  <a:schemeClr val="tx1"/>
+                </a:solidFill>
+              </a:ln>
+              <a:effectLst/>
+            </p:spPr>
+            <p:style>
+              <a:lnRef idx="1">
+                <a:schemeClr val="accent1"/>
+              </a:lnRef>
+              <a:fillRef idx="2">
+                <a:schemeClr val="accent1"/>
+              </a:fillRef>
+              <a:effectRef idx="1">
+                <a:schemeClr val="accent1"/>
+              </a:effectRef>
+              <a:fontRef idx="minor">
+                <a:schemeClr val="dk1"/>
+              </a:fontRef>
+            </p:style>
+            <p:txBody>
+              <a:bodyPr rtlCol="0" anchor="ctr"/>
+              <a:lstStyle/>
+              <a:p>
+                <a:pPr algn="ctr"/>
+                <a:endParaRPr lang="en-US"/>
+              </a:p>
+            </p:txBody>
+          </p:sp>
+          <p:cxnSp>
+            <p:nvCxnSpPr>
+              <p:cNvPr id="19" name="Straight Arrow Connector 18"/>
+              <p:cNvCxnSpPr/>
+              <p:nvPr/>
+            </p:nvCxnSpPr>
+            <p:spPr>
+              <a:xfrm>
+                <a:off x="3568696" y="2989722"/>
+                <a:ext cx="424699" cy="1588"/>
+              </a:xfrm>
+              <a:prstGeom prst="straightConnector1">
+                <a:avLst/>
+              </a:prstGeom>
+              <a:ln w="12700">
+                <a:solidFill>
+                  <a:schemeClr val="tx1"/>
+                </a:solidFill>
+                <a:tailEnd type="triangle"/>
+              </a:ln>
+              <a:effectLst/>
+            </p:spPr>
+            <p:style>
+              <a:lnRef idx="2">
+                <a:schemeClr val="accent1"/>
+              </a:lnRef>
+              <a:fillRef idx="0">
+                <a:schemeClr val="accent1"/>
+              </a:fillRef>
+              <a:effectRef idx="1">
+                <a:schemeClr val="accent1"/>
+              </a:effectRef>
+              <a:fontRef idx="minor">
+                <a:schemeClr val="tx1"/>
+              </a:fontRef>
+            </p:style>
+          </p:cxnSp>
+          <p:sp>
+            <p:nvSpPr>
+              <p:cNvPr id="20" name="TextBox 19"/>
+              <p:cNvSpPr txBox="1"/>
+              <p:nvPr/>
+            </p:nvSpPr>
+            <p:spPr>
+              <a:xfrm>
+                <a:off x="3523996" y="2729799"/>
+                <a:ext cx="452267" cy="276999"/>
+              </a:xfrm>
+              <a:prstGeom prst="rect">
+                <a:avLst/>
+              </a:prstGeom>
+              <a:noFill/>
+            </p:spPr>
+            <p:txBody>
+              <a:bodyPr wrap="none" rtlCol="0">
+                <a:spAutoFit/>
+              </a:bodyPr>
+              <a:lstStyle/>
+              <a:p>
+                <a:r>
+                  <a:rPr lang="en-US" sz="1200" i="1" dirty="0" err="1" smtClean="0">
+                    <a:latin typeface="Times New Roman"/>
+                  </a:rPr>
+                  <a:t>R</a:t>
+                </a:r>
+                <a:r>
+                  <a:rPr lang="en-US" sz="1200" dirty="0" err="1" smtClean="0">
+                    <a:latin typeface="Times New Roman"/>
+                  </a:rPr>
+                  <a:t>(</a:t>
+                </a:r>
+                <a:r>
+                  <a:rPr lang="en-US" sz="1200" i="1" dirty="0" err="1" smtClean="0">
+                    <a:latin typeface="Times New Roman"/>
+                  </a:rPr>
+                  <a:t>z</a:t>
+                </a:r>
+                <a:r>
+                  <a:rPr lang="en-US" sz="1200" dirty="0" smtClean="0">
+                    <a:latin typeface="Times New Roman"/>
+                  </a:rPr>
+                  <a:t>)</a:t>
+                </a:r>
+                <a:endParaRPr lang="en-US" sz="1200" dirty="0">
+                  <a:latin typeface="Times New Roman"/>
+                </a:endParaRPr>
+              </a:p>
+            </p:txBody>
+          </p:sp>
+          <p:sp>
+            <p:nvSpPr>
+              <p:cNvPr id="21" name="TextBox 20"/>
+              <p:cNvSpPr txBox="1"/>
+              <p:nvPr/>
+            </p:nvSpPr>
+            <p:spPr>
+              <a:xfrm>
+                <a:off x="4310287" y="2729799"/>
+                <a:ext cx="452267" cy="276999"/>
+              </a:xfrm>
+              <a:prstGeom prst="rect">
+                <a:avLst/>
+              </a:prstGeom>
+              <a:noFill/>
+            </p:spPr>
+            <p:txBody>
+              <a:bodyPr wrap="none" rtlCol="0">
+                <a:spAutoFit/>
+              </a:bodyPr>
+              <a:lstStyle/>
+              <a:p>
+                <a:r>
+                  <a:rPr lang="en-US" sz="1200" i="1" dirty="0" err="1" smtClean="0">
+                    <a:latin typeface="Times New Roman"/>
+                  </a:rPr>
+                  <a:t>E</a:t>
+                </a:r>
+                <a:r>
+                  <a:rPr lang="en-US" sz="1200" dirty="0" err="1" smtClean="0">
+                    <a:latin typeface="Times New Roman"/>
+                  </a:rPr>
+                  <a:t>(</a:t>
+                </a:r>
+                <a:r>
+                  <a:rPr lang="en-US" sz="1200" i="1" dirty="0" err="1" smtClean="0">
+                    <a:latin typeface="Times New Roman"/>
+                  </a:rPr>
+                  <a:t>z</a:t>
+                </a:r>
+                <a:r>
+                  <a:rPr lang="en-US" sz="1200" dirty="0" smtClean="0">
+                    <a:latin typeface="Times New Roman"/>
+                  </a:rPr>
+                  <a:t>)</a:t>
+                </a:r>
+                <a:endParaRPr lang="en-US" sz="1200" dirty="0">
+                  <a:latin typeface="Times New Roman"/>
+                </a:endParaRPr>
+              </a:p>
+            </p:txBody>
+          </p:sp>
+        </p:grpSp>
+      </p:grpSp>
+      <p:sp>
+        <p:nvSpPr>
+          <p:cNvPr id="23" name="TextBox 22"/>
+          <p:cNvSpPr txBox="1"/>
+          <p:nvPr/>
+        </p:nvSpPr>
+        <p:spPr>
+          <a:xfrm>
+            <a:off x="5648764" y="2391806"/>
+            <a:ext cx="469399" cy="276999"/>
+          </a:xfrm>
+          <a:prstGeom prst="rect">
+            <a:avLst/>
+          </a:prstGeom>
+          <a:noFill/>
+        </p:spPr>
+        <p:txBody>
+          <a:bodyPr wrap="none" rtlCol="0">
+            <a:spAutoFit/>
+          </a:bodyPr>
+          <a:lstStyle/>
+          <a:p>
+            <a:r>
+              <a:rPr lang="en-US" sz="1200" i="1" dirty="0" err="1" smtClean="0">
+                <a:latin typeface="Times New Roman"/>
+              </a:rPr>
+              <a:t>G</a:t>
+            </a:r>
+            <a:r>
+              <a:rPr lang="en-US" sz="1200" dirty="0" err="1" smtClean="0">
+                <a:latin typeface="Times New Roman"/>
+              </a:rPr>
+              <a:t>(</a:t>
+            </a:r>
+            <a:r>
+              <a:rPr lang="en-US" sz="1200" i="1" dirty="0" err="1" smtClean="0">
+                <a:latin typeface="Times New Roman"/>
+              </a:rPr>
+              <a:t>z</a:t>
+            </a:r>
+            <a:r>
+              <a:rPr lang="en-US" sz="1200" dirty="0" smtClean="0">
+                <a:latin typeface="Times New Roman"/>
+              </a:rPr>
+              <a:t>)</a:t>
+            </a:r>
+            <a:endParaRPr lang="en-US" sz="1200" dirty="0">
+              <a:latin typeface="Times New Roman"/>
+            </a:endParaRPr>
+          </a:p>
+        </p:txBody>
+      </p:sp>
+      <p:cxnSp>
+        <p:nvCxnSpPr>
+          <p:cNvPr id="25" name="Shape 24"/>
+          <p:cNvCxnSpPr>
+            <a:endCxn id="38" idx="4"/>
+          </p:cNvCxnSpPr>
+          <p:nvPr/>
+        </p:nvCxnSpPr>
+        <p:spPr>
+          <a:xfrm rot="10800000" flipV="1">
+            <a:off x="1823483" y="4732704"/>
+            <a:ext cx="4294681" cy="149357"/>
+          </a:xfrm>
+          <a:prstGeom prst="bentConnector4">
+            <a:avLst>
+              <a:gd name="adj1" fmla="val -120"/>
+              <a:gd name="adj2" fmla="val 424217"/>
+            </a:avLst>
+          </a:prstGeom>
+          <a:ln w="12700">
+            <a:solidFill>
+              <a:schemeClr val="tx1"/>
+            </a:solidFill>
+            <a:tailEnd type="triangle"/>
+          </a:ln>
+          <a:effectLst/>
+        </p:spPr>
+        <p:style>
+          <a:lnRef idx="2">
+            <a:schemeClr val="accent1"/>
+          </a:lnRef>
+          <a:fillRef idx="0">
+            <a:schemeClr val="accent1"/>
+          </a:fillRef>
+          <a:effectRef idx="1">
+            <a:schemeClr val="accent1"/>
+          </a:effectRef>
+          <a:fontRef idx="minor">
+            <a:schemeClr val="tx1"/>
+          </a:fontRef>
+        </p:style>
+      </p:cxnSp>
+      <p:sp>
+        <p:nvSpPr>
+          <p:cNvPr id="26" name="TextBox 25"/>
+          <p:cNvSpPr txBox="1"/>
+          <p:nvPr/>
+        </p:nvSpPr>
+        <p:spPr>
+          <a:xfrm>
+            <a:off x="1853862" y="4882062"/>
+            <a:ext cx="269124" cy="276999"/>
+          </a:xfrm>
+          <a:prstGeom prst="rect">
+            <a:avLst/>
+          </a:prstGeom>
+          <a:noFill/>
+        </p:spPr>
+        <p:txBody>
+          <a:bodyPr wrap="none" rtlCol="0">
+            <a:spAutoFit/>
+          </a:bodyPr>
+          <a:lstStyle/>
+          <a:p>
+            <a:r>
+              <a:rPr lang="en-US" sz="1200" dirty="0" smtClean="0">
+                <a:latin typeface="Symbol"/>
+              </a:rPr>
+              <a:t>-</a:t>
+            </a:r>
+            <a:endParaRPr lang="en-US" sz="1200" dirty="0">
+              <a:latin typeface="Symbol"/>
+            </a:endParaRPr>
+          </a:p>
+        </p:txBody>
+      </p:sp>
+      <p:cxnSp>
+        <p:nvCxnSpPr>
+          <p:cNvPr id="29" name="Straight Arrow Connector 28"/>
+          <p:cNvCxnSpPr/>
+          <p:nvPr/>
+        </p:nvCxnSpPr>
+        <p:spPr>
+          <a:xfrm>
+            <a:off x="2598702" y="4731117"/>
+            <a:ext cx="424699" cy="1588"/>
+          </a:xfrm>
+          <a:prstGeom prst="straightConnector1">
+            <a:avLst/>
+          </a:prstGeom>
+          <a:ln w="12700">
+            <a:solidFill>
+              <a:schemeClr val="tx1"/>
+            </a:solidFill>
+            <a:tailEnd type="triangle"/>
+          </a:ln>
+          <a:effectLst/>
+        </p:spPr>
+        <p:style>
+          <a:lnRef idx="2">
+            <a:schemeClr val="accent1"/>
+          </a:lnRef>
+          <a:fillRef idx="0">
+            <a:schemeClr val="accent1"/>
+          </a:fillRef>
+          <a:effectRef idx="1">
+            <a:schemeClr val="accent1"/>
+          </a:effectRef>
+          <a:fontRef idx="minor">
+            <a:schemeClr val="tx1"/>
+          </a:fontRef>
+        </p:style>
+      </p:cxnSp>
+      <p:cxnSp>
+        <p:nvCxnSpPr>
+          <p:cNvPr id="30" name="Straight Arrow Connector 29"/>
+          <p:cNvCxnSpPr/>
+          <p:nvPr/>
+        </p:nvCxnSpPr>
+        <p:spPr>
+          <a:xfrm>
+            <a:off x="4726444" y="4731117"/>
+            <a:ext cx="424699" cy="1588"/>
+          </a:xfrm>
+          <a:prstGeom prst="straightConnector1">
+            <a:avLst/>
+          </a:prstGeom>
+          <a:ln w="12700">
+            <a:solidFill>
+              <a:schemeClr val="tx1"/>
+            </a:solidFill>
+            <a:tailEnd type="triangle"/>
+          </a:ln>
+          <a:effectLst/>
+        </p:spPr>
+        <p:style>
+          <a:lnRef idx="2">
+            <a:schemeClr val="accent1"/>
+          </a:lnRef>
+          <a:fillRef idx="0">
+            <a:schemeClr val="accent1"/>
+          </a:fillRef>
+          <a:effectRef idx="1">
+            <a:schemeClr val="accent1"/>
+          </a:effectRef>
+          <a:fontRef idx="minor">
+            <a:schemeClr val="tx1"/>
+          </a:fontRef>
+        </p:style>
+      </p:cxnSp>
+      <p:sp>
+        <p:nvSpPr>
+          <p:cNvPr id="31" name="TextBox 30"/>
+          <p:cNvSpPr txBox="1"/>
+          <p:nvPr/>
+        </p:nvSpPr>
+        <p:spPr>
+          <a:xfrm>
+            <a:off x="6230628" y="4469606"/>
+            <a:ext cx="460908" cy="276999"/>
+          </a:xfrm>
+          <a:prstGeom prst="rect">
+            <a:avLst/>
+          </a:prstGeom>
+          <a:noFill/>
+        </p:spPr>
+        <p:txBody>
+          <a:bodyPr wrap="none" rtlCol="0">
+            <a:spAutoFit/>
+          </a:bodyPr>
+          <a:lstStyle/>
+          <a:p>
+            <a:r>
+              <a:rPr lang="en-US" sz="1200" i="1" dirty="0" err="1" smtClean="0">
+                <a:latin typeface="Times New Roman"/>
+              </a:rPr>
+              <a:t>C</a:t>
+            </a:r>
+            <a:r>
+              <a:rPr lang="en-US" sz="1200" dirty="0" err="1" smtClean="0">
+                <a:latin typeface="Times New Roman"/>
+              </a:rPr>
+              <a:t>(</a:t>
+            </a:r>
+            <a:r>
+              <a:rPr lang="en-US" sz="1200" i="1" dirty="0" err="1" smtClean="0">
+                <a:latin typeface="Times New Roman"/>
+              </a:rPr>
+              <a:t>z</a:t>
+            </a:r>
+            <a:r>
+              <a:rPr lang="en-US" sz="1200" dirty="0" smtClean="0">
+                <a:latin typeface="Times New Roman"/>
+              </a:rPr>
+              <a:t>)</a:t>
+            </a:r>
+            <a:endParaRPr lang="en-US" sz="1200" dirty="0">
+              <a:latin typeface="Times New Roman"/>
+            </a:endParaRPr>
+          </a:p>
+        </p:txBody>
+      </p:sp>
+      <p:sp>
+        <p:nvSpPr>
+          <p:cNvPr id="32" name="Rectangle 31"/>
+          <p:cNvSpPr/>
+          <p:nvPr/>
+        </p:nvSpPr>
+        <p:spPr>
+          <a:xfrm>
+            <a:off x="5151143" y="4505132"/>
+            <a:ext cx="630933" cy="453558"/>
+          </a:xfrm>
+          <a:prstGeom prst="rect">
+            <a:avLst/>
+          </a:prstGeom>
+          <a:noFill/>
+          <a:ln>
+            <a:solidFill>
+              <a:schemeClr val="tx1"/>
+            </a:solidFill>
+          </a:ln>
+          <a:effectLst/>
+        </p:spPr>
+        <p:style>
+          <a:lnRef idx="1">
+            <a:schemeClr val="accent1"/>
+          </a:lnRef>
+          <a:fillRef idx="3">
+            <a:schemeClr val="accent1"/>
+          </a:fillRef>
+          <a:effectRef idx="2">
+            <a:schemeClr val="accent1"/>
+          </a:effectRef>
+          <a:fontRef idx="minor">
+            <a:schemeClr val="lt1"/>
+          </a:fontRef>
+        </p:style>
+        <p:txBody>
+          <a:bodyPr rtlCol="0" anchor="ctr"/>
+          <a:lstStyle/>
+          <a:p>
+            <a:pPr algn="ctr"/>
+            <a:endParaRPr lang="en-US"/>
+          </a:p>
+        </p:txBody>
+      </p:sp>
+      <p:cxnSp>
+        <p:nvCxnSpPr>
+          <p:cNvPr id="33" name="Straight Arrow Connector 32"/>
+          <p:cNvCxnSpPr/>
+          <p:nvPr/>
+        </p:nvCxnSpPr>
+        <p:spPr>
+          <a:xfrm>
+            <a:off x="5782076" y="4731117"/>
+            <a:ext cx="857989" cy="1588"/>
+          </a:xfrm>
+          <a:prstGeom prst="straightConnector1">
+            <a:avLst/>
+          </a:prstGeom>
+          <a:ln w="12700">
+            <a:solidFill>
+              <a:schemeClr val="tx1"/>
+            </a:solidFill>
+            <a:tailEnd type="triangle"/>
+          </a:ln>
+          <a:effectLst/>
+        </p:spPr>
+        <p:style>
+          <a:lnRef idx="2">
+            <a:schemeClr val="accent1"/>
+          </a:lnRef>
+          <a:fillRef idx="0">
+            <a:schemeClr val="accent1"/>
+          </a:fillRef>
+          <a:effectRef idx="1">
+            <a:schemeClr val="accent1"/>
+          </a:effectRef>
+          <a:fontRef idx="minor">
+            <a:schemeClr val="tx1"/>
+          </a:fontRef>
+        </p:style>
+      </p:cxnSp>
+      <p:sp>
+        <p:nvSpPr>
+          <p:cNvPr id="34" name="Rectangle 33"/>
+          <p:cNvSpPr/>
+          <p:nvPr/>
+        </p:nvSpPr>
+        <p:spPr>
+          <a:xfrm>
+            <a:off x="3015576" y="4496885"/>
+            <a:ext cx="630933" cy="453558"/>
+          </a:xfrm>
+          <a:prstGeom prst="rect">
+            <a:avLst/>
+          </a:prstGeom>
+          <a:noFill/>
+          <a:ln>
+            <a:solidFill>
+              <a:schemeClr val="tx1"/>
+            </a:solidFill>
+          </a:ln>
+          <a:effectLst/>
+        </p:spPr>
+        <p:style>
+          <a:lnRef idx="1">
+            <a:schemeClr val="accent1"/>
+          </a:lnRef>
+          <a:fillRef idx="3">
+            <a:schemeClr val="accent1"/>
+          </a:fillRef>
+          <a:effectRef idx="2">
+            <a:schemeClr val="accent1"/>
+          </a:effectRef>
+          <a:fontRef idx="minor">
+            <a:schemeClr val="lt1"/>
+          </a:fontRef>
+        </p:style>
+        <p:txBody>
+          <a:bodyPr rtlCol="0" anchor="ctr"/>
+          <a:lstStyle/>
+          <a:p>
+            <a:pPr algn="ctr"/>
+            <a:endParaRPr lang="en-US"/>
+          </a:p>
+        </p:txBody>
+      </p:sp>
+      <p:sp>
+        <p:nvSpPr>
+          <p:cNvPr id="35" name="TextBox 34"/>
+          <p:cNvSpPr txBox="1"/>
+          <p:nvPr/>
+        </p:nvSpPr>
+        <p:spPr>
+          <a:xfrm>
+            <a:off x="3088096" y="4552177"/>
+            <a:ext cx="469399" cy="276999"/>
+          </a:xfrm>
+          <a:prstGeom prst="rect">
+            <a:avLst/>
+          </a:prstGeom>
+          <a:noFill/>
+        </p:spPr>
+        <p:txBody>
+          <a:bodyPr wrap="none" rtlCol="0">
+            <a:spAutoFit/>
+          </a:bodyPr>
+          <a:lstStyle/>
+          <a:p>
+            <a:r>
+              <a:rPr lang="en-US" sz="1200" i="1" dirty="0" err="1" smtClean="0">
+                <a:latin typeface="Times New Roman"/>
+              </a:rPr>
+              <a:t>D</a:t>
+            </a:r>
+            <a:r>
+              <a:rPr lang="en-US" sz="1200" dirty="0" err="1" smtClean="0">
+                <a:latin typeface="Times New Roman"/>
+              </a:rPr>
+              <a:t>(</a:t>
+            </a:r>
+            <a:r>
+              <a:rPr lang="en-US" sz="1200" i="1" dirty="0" err="1" smtClean="0">
+                <a:latin typeface="Times New Roman"/>
+              </a:rPr>
+              <a:t>z</a:t>
+            </a:r>
+            <a:r>
+              <a:rPr lang="en-US" sz="1200" dirty="0" smtClean="0">
+                <a:latin typeface="Times New Roman"/>
+              </a:rPr>
+              <a:t>)</a:t>
+            </a:r>
+            <a:endParaRPr lang="en-US" sz="1200" dirty="0">
+              <a:latin typeface="Times New Roman"/>
+            </a:endParaRPr>
+          </a:p>
+        </p:txBody>
+      </p:sp>
+      <p:sp>
+        <p:nvSpPr>
+          <p:cNvPr id="36" name="TextBox 35"/>
+          <p:cNvSpPr txBox="1"/>
+          <p:nvPr/>
+        </p:nvSpPr>
+        <p:spPr>
+          <a:xfrm>
+            <a:off x="4701687" y="4469606"/>
+            <a:ext cx="477815" cy="276999"/>
+          </a:xfrm>
+          <a:prstGeom prst="rect">
+            <a:avLst/>
+          </a:prstGeom>
+          <a:noFill/>
+        </p:spPr>
+        <p:txBody>
+          <a:bodyPr wrap="none" rtlCol="0">
+            <a:spAutoFit/>
+          </a:bodyPr>
+          <a:lstStyle/>
+          <a:p>
+            <a:r>
+              <a:rPr lang="en-US" sz="1200" i="1" dirty="0" err="1" smtClean="0">
+                <a:latin typeface="Times New Roman"/>
+              </a:rPr>
+              <a:t>U</a:t>
+            </a:r>
+            <a:r>
+              <a:rPr lang="en-US" sz="1200" dirty="0" err="1" smtClean="0">
+                <a:latin typeface="Times New Roman"/>
+              </a:rPr>
+              <a:t>(</a:t>
+            </a:r>
+            <a:r>
+              <a:rPr lang="en-US" sz="1200" i="1" dirty="0" err="1" smtClean="0">
+                <a:latin typeface="Times New Roman"/>
+              </a:rPr>
+              <a:t>s</a:t>
+            </a:r>
+            <a:r>
+              <a:rPr lang="en-US" sz="1200" dirty="0" smtClean="0">
+                <a:latin typeface="Times New Roman"/>
+              </a:rPr>
+              <a:t>)</a:t>
+            </a:r>
+            <a:endParaRPr lang="en-US" sz="1200" dirty="0">
+              <a:latin typeface="Times New Roman"/>
+            </a:endParaRPr>
+          </a:p>
+        </p:txBody>
+      </p:sp>
+      <p:sp>
+        <p:nvSpPr>
+          <p:cNvPr id="37" name="TextBox 36"/>
+          <p:cNvSpPr txBox="1"/>
+          <p:nvPr/>
+        </p:nvSpPr>
+        <p:spPr>
+          <a:xfrm>
+            <a:off x="1414156" y="4647641"/>
+            <a:ext cx="269124" cy="276999"/>
+          </a:xfrm>
+          <a:prstGeom prst="rect">
+            <a:avLst/>
+          </a:prstGeom>
+          <a:noFill/>
+        </p:spPr>
+        <p:txBody>
+          <a:bodyPr wrap="none" rtlCol="0">
+            <a:spAutoFit/>
+          </a:bodyPr>
+          <a:lstStyle/>
+          <a:p>
+            <a:r>
+              <a:rPr lang="en-US" sz="1200" dirty="0" smtClean="0">
+                <a:latin typeface="Symbol"/>
+              </a:rPr>
+              <a:t>+</a:t>
+            </a:r>
+            <a:endParaRPr lang="en-US" sz="1200" dirty="0">
+              <a:latin typeface="Symbol"/>
+            </a:endParaRPr>
+          </a:p>
+        </p:txBody>
+      </p:sp>
+      <p:sp>
+        <p:nvSpPr>
+          <p:cNvPr id="38" name="Oval 37"/>
+          <p:cNvSpPr/>
+          <p:nvPr/>
+        </p:nvSpPr>
+        <p:spPr>
+          <a:xfrm>
+            <a:off x="1658539" y="4552177"/>
+            <a:ext cx="329885" cy="329885"/>
+          </a:xfrm>
+          <a:prstGeom prst="ellipse">
+            <a:avLst/>
+          </a:prstGeom>
+          <a:noFill/>
+          <a:ln>
+            <a:solidFill>
+              <a:schemeClr val="tx1"/>
+            </a:solidFill>
+          </a:ln>
+          <a:effectLst/>
+        </p:spPr>
+        <p:style>
+          <a:lnRef idx="1">
+            <a:schemeClr val="accent1"/>
+          </a:lnRef>
+          <a:fillRef idx="2">
+            <a:schemeClr val="accent1"/>
+          </a:fillRef>
+          <a:effectRef idx="1">
+            <a:schemeClr val="accent1"/>
+          </a:effectRef>
+          <a:fontRef idx="minor">
+            <a:schemeClr val="dk1"/>
+          </a:fontRef>
+        </p:style>
+        <p:txBody>
+          <a:bodyPr rtlCol="0" anchor="ctr"/>
+          <a:lstStyle/>
+          <a:p>
+            <a:pPr algn="ctr"/>
+            <a:endParaRPr lang="en-US"/>
+          </a:p>
+        </p:txBody>
+      </p:sp>
+      <p:cxnSp>
+        <p:nvCxnSpPr>
+          <p:cNvPr id="39" name="Straight Arrow Connector 38"/>
+          <p:cNvCxnSpPr/>
+          <p:nvPr/>
+        </p:nvCxnSpPr>
+        <p:spPr>
+          <a:xfrm>
+            <a:off x="1233840" y="4729529"/>
+            <a:ext cx="424699" cy="1588"/>
+          </a:xfrm>
+          <a:prstGeom prst="straightConnector1">
+            <a:avLst/>
+          </a:prstGeom>
+          <a:ln w="12700">
+            <a:solidFill>
+              <a:schemeClr val="tx1"/>
+            </a:solidFill>
+            <a:tailEnd type="triangle"/>
+          </a:ln>
+          <a:effectLst/>
+        </p:spPr>
+        <p:style>
+          <a:lnRef idx="2">
+            <a:schemeClr val="accent1"/>
+          </a:lnRef>
+          <a:fillRef idx="0">
+            <a:schemeClr val="accent1"/>
+          </a:fillRef>
+          <a:effectRef idx="1">
+            <a:schemeClr val="accent1"/>
+          </a:effectRef>
+          <a:fontRef idx="minor">
+            <a:schemeClr val="tx1"/>
+          </a:fontRef>
+        </p:style>
+      </p:cxnSp>
+      <p:sp>
+        <p:nvSpPr>
+          <p:cNvPr id="40" name="TextBox 39"/>
+          <p:cNvSpPr txBox="1"/>
+          <p:nvPr/>
+        </p:nvSpPr>
+        <p:spPr>
+          <a:xfrm>
+            <a:off x="1189140" y="4469606"/>
+            <a:ext cx="452267" cy="276999"/>
+          </a:xfrm>
+          <a:prstGeom prst="rect">
+            <a:avLst/>
+          </a:prstGeom>
+          <a:noFill/>
+        </p:spPr>
+        <p:txBody>
+          <a:bodyPr wrap="none" rtlCol="0">
+            <a:spAutoFit/>
+          </a:bodyPr>
+          <a:lstStyle/>
+          <a:p>
+            <a:r>
+              <a:rPr lang="en-US" sz="1200" i="1" dirty="0" err="1" smtClean="0">
+                <a:latin typeface="Times New Roman"/>
+              </a:rPr>
+              <a:t>R</a:t>
+            </a:r>
+            <a:r>
+              <a:rPr lang="en-US" sz="1200" dirty="0" err="1" smtClean="0">
+                <a:latin typeface="Times New Roman"/>
+              </a:rPr>
+              <a:t>(</a:t>
+            </a:r>
+            <a:r>
+              <a:rPr lang="en-US" sz="1200" i="1" dirty="0" err="1" smtClean="0">
+                <a:latin typeface="Times New Roman"/>
+              </a:rPr>
+              <a:t>z</a:t>
+            </a:r>
+            <a:r>
+              <a:rPr lang="en-US" sz="1200" dirty="0" smtClean="0">
+                <a:latin typeface="Times New Roman"/>
+              </a:rPr>
+              <a:t>)</a:t>
+            </a:r>
+            <a:endParaRPr lang="en-US" sz="1200" dirty="0">
+              <a:latin typeface="Times New Roman"/>
+            </a:endParaRPr>
+          </a:p>
+        </p:txBody>
+      </p:sp>
+      <p:sp>
+        <p:nvSpPr>
+          <p:cNvPr id="41" name="TextBox 40"/>
+          <p:cNvSpPr txBox="1"/>
+          <p:nvPr/>
+        </p:nvSpPr>
+        <p:spPr>
+          <a:xfrm>
+            <a:off x="2585709" y="4469606"/>
+            <a:ext cx="452267" cy="276999"/>
+          </a:xfrm>
+          <a:prstGeom prst="rect">
+            <a:avLst/>
+          </a:prstGeom>
+          <a:noFill/>
+        </p:spPr>
+        <p:txBody>
+          <a:bodyPr wrap="none" rtlCol="0">
+            <a:spAutoFit/>
+          </a:bodyPr>
+          <a:lstStyle/>
+          <a:p>
+            <a:r>
+              <a:rPr lang="en-US" sz="1200" i="1" dirty="0" err="1" smtClean="0">
+                <a:latin typeface="Times New Roman"/>
+              </a:rPr>
+              <a:t>E</a:t>
+            </a:r>
+            <a:r>
+              <a:rPr lang="en-US" sz="1200" dirty="0" err="1" smtClean="0">
+                <a:latin typeface="Times New Roman"/>
+              </a:rPr>
+              <a:t>(</a:t>
+            </a:r>
+            <a:r>
+              <a:rPr lang="en-US" sz="1200" i="1" dirty="0" err="1" smtClean="0">
+                <a:latin typeface="Times New Roman"/>
+              </a:rPr>
+              <a:t>z</a:t>
+            </a:r>
+            <a:r>
+              <a:rPr lang="en-US" sz="1200" dirty="0" smtClean="0">
+                <a:latin typeface="Times New Roman"/>
+              </a:rPr>
+              <a:t>)</a:t>
+            </a:r>
+            <a:endParaRPr lang="en-US" sz="1200" dirty="0">
+              <a:latin typeface="Times New Roman"/>
+            </a:endParaRPr>
+          </a:p>
+        </p:txBody>
+      </p:sp>
+      <p:sp>
+        <p:nvSpPr>
+          <p:cNvPr id="42" name="TextBox 41"/>
+          <p:cNvSpPr txBox="1"/>
+          <p:nvPr/>
+        </p:nvSpPr>
+        <p:spPr>
+          <a:xfrm>
+            <a:off x="5231910" y="4568671"/>
+            <a:ext cx="469399" cy="276999"/>
+          </a:xfrm>
+          <a:prstGeom prst="rect">
+            <a:avLst/>
+          </a:prstGeom>
+          <a:noFill/>
+        </p:spPr>
+        <p:txBody>
+          <a:bodyPr wrap="none" rtlCol="0">
+            <a:spAutoFit/>
+          </a:bodyPr>
+          <a:lstStyle/>
+          <a:p>
+            <a:r>
+              <a:rPr lang="en-US" sz="1200" i="1" dirty="0" err="1" smtClean="0">
+                <a:latin typeface="Times New Roman"/>
+              </a:rPr>
+              <a:t>G</a:t>
+            </a:r>
+            <a:r>
+              <a:rPr lang="en-US" sz="1200" dirty="0" err="1" smtClean="0">
+                <a:latin typeface="Times New Roman"/>
+              </a:rPr>
+              <a:t>(</a:t>
+            </a:r>
+            <a:r>
+              <a:rPr lang="en-US" sz="1200" i="1" dirty="0" err="1" smtClean="0">
+                <a:latin typeface="Times New Roman"/>
+              </a:rPr>
+              <a:t>s</a:t>
+            </a:r>
+            <a:r>
+              <a:rPr lang="en-US" sz="1200" dirty="0" smtClean="0">
+                <a:latin typeface="Times New Roman"/>
+              </a:rPr>
+              <a:t>)</a:t>
+            </a:r>
+            <a:endParaRPr lang="en-US" sz="1200" dirty="0">
+              <a:latin typeface="Times New Roman"/>
+            </a:endParaRPr>
+          </a:p>
+        </p:txBody>
+      </p:sp>
+      <p:cxnSp>
+        <p:nvCxnSpPr>
+          <p:cNvPr id="43" name="Straight Arrow Connector 42"/>
+          <p:cNvCxnSpPr/>
+          <p:nvPr/>
+        </p:nvCxnSpPr>
+        <p:spPr>
+          <a:xfrm>
+            <a:off x="3659502" y="4754058"/>
+            <a:ext cx="424699" cy="1588"/>
+          </a:xfrm>
+          <a:prstGeom prst="straightConnector1">
+            <a:avLst/>
+          </a:prstGeom>
+          <a:ln w="12700">
+            <a:solidFill>
+              <a:schemeClr val="tx1"/>
+            </a:solidFill>
+            <a:tailEnd type="triangle"/>
+          </a:ln>
+          <a:effectLst/>
+        </p:spPr>
+        <p:style>
+          <a:lnRef idx="2">
+            <a:schemeClr val="accent1"/>
+          </a:lnRef>
+          <a:fillRef idx="0">
+            <a:schemeClr val="accent1"/>
+          </a:fillRef>
+          <a:effectRef idx="1">
+            <a:schemeClr val="accent1"/>
+          </a:effectRef>
+          <a:fontRef idx="minor">
+            <a:schemeClr val="tx1"/>
+          </a:fontRef>
+        </p:style>
+      </p:cxnSp>
+      <p:sp>
+        <p:nvSpPr>
+          <p:cNvPr id="44" name="Rectangle 43"/>
+          <p:cNvSpPr/>
+          <p:nvPr/>
+        </p:nvSpPr>
+        <p:spPr>
+          <a:xfrm>
+            <a:off x="4076376" y="4519826"/>
+            <a:ext cx="630933" cy="453558"/>
+          </a:xfrm>
+          <a:prstGeom prst="rect">
+            <a:avLst/>
+          </a:prstGeom>
+          <a:noFill/>
+          <a:ln>
+            <a:solidFill>
+              <a:schemeClr val="tx1"/>
+            </a:solidFill>
+          </a:ln>
+          <a:effectLst/>
+        </p:spPr>
+        <p:style>
+          <a:lnRef idx="1">
+            <a:schemeClr val="accent1"/>
+          </a:lnRef>
+          <a:fillRef idx="3">
+            <a:schemeClr val="accent1"/>
+          </a:fillRef>
+          <a:effectRef idx="2">
+            <a:schemeClr val="accent1"/>
+          </a:effectRef>
+          <a:fontRef idx="minor">
+            <a:schemeClr val="lt1"/>
+          </a:fontRef>
+        </p:style>
+        <p:txBody>
+          <a:bodyPr rtlCol="0" anchor="ctr"/>
+          <a:lstStyle/>
+          <a:p>
+            <a:pPr algn="ctr"/>
+            <a:endParaRPr lang="en-US"/>
+          </a:p>
+        </p:txBody>
+      </p:sp>
+      <p:sp>
+        <p:nvSpPr>
+          <p:cNvPr id="45" name="TextBox 44"/>
+          <p:cNvSpPr txBox="1"/>
+          <p:nvPr/>
+        </p:nvSpPr>
+        <p:spPr>
+          <a:xfrm>
+            <a:off x="4148896" y="4575118"/>
+            <a:ext cx="516488" cy="276999"/>
+          </a:xfrm>
+          <a:prstGeom prst="rect">
+            <a:avLst/>
+          </a:prstGeom>
+          <a:noFill/>
+        </p:spPr>
+        <p:txBody>
+          <a:bodyPr wrap="none" rtlCol="0">
+            <a:spAutoFit/>
+          </a:bodyPr>
+          <a:lstStyle/>
+          <a:p>
+            <a:r>
+              <a:rPr lang="en-US" sz="1200" dirty="0" smtClean="0">
+                <a:latin typeface="Times New Roman"/>
+              </a:rPr>
+              <a:t>ZOH</a:t>
+            </a:r>
+            <a:endParaRPr lang="en-US" sz="1200" dirty="0">
+              <a:latin typeface="Times New Roman"/>
+            </a:endParaRPr>
+          </a:p>
+        </p:txBody>
+      </p:sp>
+      <p:sp>
+        <p:nvSpPr>
+          <p:cNvPr id="46" name="TextBox 45"/>
+          <p:cNvSpPr txBox="1"/>
+          <p:nvPr/>
+        </p:nvSpPr>
+        <p:spPr>
+          <a:xfrm>
+            <a:off x="3646509" y="4492547"/>
+            <a:ext cx="469399" cy="276999"/>
+          </a:xfrm>
+          <a:prstGeom prst="rect">
+            <a:avLst/>
+          </a:prstGeom>
+          <a:noFill/>
+        </p:spPr>
+        <p:txBody>
+          <a:bodyPr wrap="none" rtlCol="0">
+            <a:spAutoFit/>
+          </a:bodyPr>
+          <a:lstStyle/>
+          <a:p>
+            <a:r>
+              <a:rPr lang="en-US" sz="1200" i="1" dirty="0" err="1" smtClean="0">
+                <a:latin typeface="Times New Roman"/>
+              </a:rPr>
+              <a:t>U</a:t>
+            </a:r>
+            <a:r>
+              <a:rPr lang="en-US" sz="1200" dirty="0" err="1" smtClean="0">
+                <a:latin typeface="Times New Roman"/>
+              </a:rPr>
+              <a:t>(</a:t>
+            </a:r>
+            <a:r>
+              <a:rPr lang="en-US" sz="1200" i="1" dirty="0" err="1" smtClean="0">
+                <a:latin typeface="Times New Roman"/>
+              </a:rPr>
+              <a:t>z</a:t>
+            </a:r>
+            <a:r>
+              <a:rPr lang="en-US" sz="1200" dirty="0" smtClean="0">
+                <a:latin typeface="Times New Roman"/>
+              </a:rPr>
+              <a:t>)</a:t>
+            </a:r>
+            <a:endParaRPr lang="en-US" sz="1200" dirty="0">
+              <a:latin typeface="Times New Roman"/>
+            </a:endParaRPr>
+          </a:p>
+        </p:txBody>
+      </p:sp>
+      <p:cxnSp>
+        <p:nvCxnSpPr>
+          <p:cNvPr id="47" name="Straight Arrow Connector 46"/>
+          <p:cNvCxnSpPr/>
+          <p:nvPr/>
+        </p:nvCxnSpPr>
+        <p:spPr>
+          <a:xfrm>
+            <a:off x="1988424" y="4727941"/>
+            <a:ext cx="312524" cy="4764"/>
+          </a:xfrm>
+          <a:prstGeom prst="straightConnector1">
+            <a:avLst/>
+          </a:prstGeom>
+          <a:ln w="12700">
+            <a:solidFill>
+              <a:schemeClr val="tx1"/>
+            </a:solidFill>
+            <a:tailEnd type="none"/>
+          </a:ln>
+          <a:effectLst/>
+        </p:spPr>
+        <p:style>
+          <a:lnRef idx="2">
+            <a:schemeClr val="accent1"/>
+          </a:lnRef>
+          <a:fillRef idx="0">
+            <a:schemeClr val="accent1"/>
+          </a:fillRef>
+          <a:effectRef idx="1">
+            <a:schemeClr val="accent1"/>
+          </a:effectRef>
+          <a:fontRef idx="minor">
+            <a:schemeClr val="tx1"/>
+          </a:fontRef>
+        </p:style>
+      </p:cxnSp>
+      <p:cxnSp>
+        <p:nvCxnSpPr>
+          <p:cNvPr id="49" name="Straight Arrow Connector 48"/>
+          <p:cNvCxnSpPr/>
+          <p:nvPr/>
+        </p:nvCxnSpPr>
+        <p:spPr>
+          <a:xfrm flipV="1">
+            <a:off x="2294425" y="4552177"/>
+            <a:ext cx="299531" cy="180528"/>
+          </a:xfrm>
+          <a:prstGeom prst="straightConnector1">
+            <a:avLst/>
+          </a:prstGeom>
+          <a:ln w="12700">
+            <a:solidFill>
+              <a:schemeClr val="tx1"/>
+            </a:solidFill>
+            <a:tailEnd type="none"/>
+          </a:ln>
+          <a:effectLst/>
+        </p:spPr>
+        <p:style>
+          <a:lnRef idx="2">
+            <a:schemeClr val="accent1"/>
+          </a:lnRef>
+          <a:fillRef idx="0">
+            <a:schemeClr val="accent1"/>
+          </a:fillRef>
+          <a:effectRef idx="1">
+            <a:schemeClr val="accent1"/>
+          </a:effectRef>
+          <a:fontRef idx="minor">
+            <a:schemeClr val="tx1"/>
+          </a:fontRef>
+        </p:style>
+      </p:cxnSp>
+      <p:sp>
+        <p:nvSpPr>
+          <p:cNvPr id="51" name="TextBox 50"/>
+          <p:cNvSpPr txBox="1"/>
+          <p:nvPr/>
+        </p:nvSpPr>
+        <p:spPr>
+          <a:xfrm>
+            <a:off x="1988424" y="4467806"/>
+            <a:ext cx="452267" cy="276999"/>
+          </a:xfrm>
+          <a:prstGeom prst="rect">
+            <a:avLst/>
+          </a:prstGeom>
+          <a:noFill/>
+        </p:spPr>
+        <p:txBody>
+          <a:bodyPr wrap="none" rtlCol="0">
+            <a:spAutoFit/>
+          </a:bodyPr>
+          <a:lstStyle/>
+          <a:p>
+            <a:r>
+              <a:rPr lang="en-US" sz="1200" i="1" dirty="0" err="1" smtClean="0">
+                <a:latin typeface="Times New Roman"/>
+              </a:rPr>
+              <a:t>E</a:t>
+            </a:r>
+            <a:r>
+              <a:rPr lang="en-US" sz="1200" dirty="0" err="1" smtClean="0">
+                <a:latin typeface="Times New Roman"/>
+              </a:rPr>
+              <a:t>(</a:t>
+            </a:r>
+            <a:r>
+              <a:rPr lang="en-US" sz="1200" i="1" dirty="0" err="1" smtClean="0">
+                <a:latin typeface="Times New Roman"/>
+              </a:rPr>
+              <a:t>s</a:t>
+            </a:r>
+            <a:r>
+              <a:rPr lang="en-US" sz="1200" dirty="0" smtClean="0">
+                <a:latin typeface="Times New Roman"/>
+              </a:rPr>
+              <a:t>)</a:t>
+            </a:r>
+            <a:endParaRPr lang="en-US" sz="1200" dirty="0">
+              <a:latin typeface="Times New Roman"/>
+            </a:endParaRPr>
+          </a:p>
+        </p:txBody>
+      </p:sp>
+    </p:spTree>
+  </p:cSld>
+  <p:clrMapOvr>
+    <a:masterClrMapping/>
+  </p:clrMapOvr>
+</p:sld>
+</file>
+
+<file path=ppt/slides/slide7.xml><?xml version="1.0" encoding="utf-8"?>
+<p:sld xmlns:a="http://schemas.openxmlformats.org/drawingml/2006/main" xmlns:r="http://schemas.openxmlformats.org/officeDocument/2006/relationships" xmlns:mc="http://schemas.openxmlformats.org/markup-compatibility/2006" xmlns:mv="urn:schemas-microsoft-com:mac:vml" xmlns:p="http://schemas.openxmlformats.org/presentationml/2006/main" mc:Ignorable="mv" mc:PreserveAttributes="mv:*">
+  <p:cSld>
+    <p:spTree>
+      <p:nvGrpSpPr>
+        <p:cNvPr id="1" name=""/>
+        <p:cNvGrpSpPr/>
+        <p:nvPr/>
+      </p:nvGrpSpPr>
+      <p:grpSpPr>
+        <a:xfrm>
+          <a:off x="0" y="0"/>
+          <a:ext cx="0" cy="0"/>
+          <a:chOff x="0" y="0"/>
+          <a:chExt cx="0" cy="0"/>
+        </a:xfrm>
+      </p:grpSpPr>
+      <p:sp>
+        <p:nvSpPr>
+          <p:cNvPr id="32" name="Oval 31"/>
+          <p:cNvSpPr/>
+          <p:nvPr/>
+        </p:nvSpPr>
+        <p:spPr>
+          <a:xfrm>
+            <a:off x="4240090" y="3283002"/>
+            <a:ext cx="2283441" cy="2283441"/>
+          </a:xfrm>
+          <a:prstGeom prst="ellipse">
+            <a:avLst/>
+          </a:prstGeom>
+          <a:noFill/>
+          <a:ln w="50800">
+            <a:solidFill>
+              <a:schemeClr val="accent2"/>
+            </a:solidFill>
+          </a:ln>
+        </p:spPr>
+        <p:style>
+          <a:lnRef idx="1">
+            <a:schemeClr val="accent1"/>
+          </a:lnRef>
+          <a:fillRef idx="3">
+            <a:schemeClr val="accent1"/>
+          </a:fillRef>
+          <a:effectRef idx="2">
+            <a:schemeClr val="accent1"/>
+          </a:effectRef>
+          <a:fontRef idx="minor">
+            <a:schemeClr val="lt1"/>
+          </a:fontRef>
+        </p:style>
+        <p:txBody>
+          <a:bodyPr rtlCol="0" anchor="ctr"/>
+          <a:lstStyle/>
+          <a:p>
+            <a:pPr algn="ctr"/>
+            <a:endParaRPr lang="en-US"/>
+          </a:p>
+        </p:txBody>
+      </p:sp>
+      <p:cxnSp>
+        <p:nvCxnSpPr>
+          <p:cNvPr id="5" name="Straight Arrow Connector 4"/>
+          <p:cNvCxnSpPr/>
+          <p:nvPr/>
+        </p:nvCxnSpPr>
+        <p:spPr>
+          <a:xfrm rot="5400000" flipH="1" flipV="1">
+            <a:off x="1447445" y="1661671"/>
+            <a:ext cx="1987408" cy="1588"/>
+          </a:xfrm>
+          <a:prstGeom prst="straightConnector1">
+            <a:avLst/>
+          </a:prstGeom>
+          <a:ln>
+            <a:tailEnd type="arrow"/>
+          </a:ln>
+        </p:spPr>
+        <p:style>
+          <a:lnRef idx="2">
+            <a:schemeClr val="accent1"/>
+          </a:lnRef>
+          <a:fillRef idx="0">
+            <a:schemeClr val="accent1"/>
+          </a:fillRef>
+          <a:effectRef idx="1">
+            <a:schemeClr val="accent1"/>
+          </a:effectRef>
+          <a:fontRef idx="minor">
+            <a:schemeClr val="tx1"/>
+          </a:fontRef>
+        </p:style>
+      </p:cxnSp>
+      <p:cxnSp>
+        <p:nvCxnSpPr>
+          <p:cNvPr id="7" name="Straight Arrow Connector 6"/>
+          <p:cNvCxnSpPr/>
+          <p:nvPr/>
+        </p:nvCxnSpPr>
+        <p:spPr>
+          <a:xfrm>
+            <a:off x="1162845" y="1661671"/>
+            <a:ext cx="2556608" cy="1588"/>
+          </a:xfrm>
+          <a:prstGeom prst="straightConnector1">
+            <a:avLst/>
+          </a:prstGeom>
+          <a:ln>
+            <a:tailEnd type="arrow"/>
+          </a:ln>
+        </p:spPr>
+        <p:style>
+          <a:lnRef idx="2">
+            <a:schemeClr val="accent1"/>
+          </a:lnRef>
+          <a:fillRef idx="0">
+            <a:schemeClr val="accent1"/>
+          </a:fillRef>
+          <a:effectRef idx="1">
+            <a:schemeClr val="accent1"/>
+          </a:effectRef>
+          <a:fontRef idx="minor">
+            <a:schemeClr val="tx1"/>
+          </a:fontRef>
+        </p:style>
+      </p:cxnSp>
+      <p:cxnSp>
+        <p:nvCxnSpPr>
+          <p:cNvPr id="10" name="Straight Connector 9"/>
+          <p:cNvCxnSpPr/>
+          <p:nvPr/>
+        </p:nvCxnSpPr>
+        <p:spPr>
+          <a:xfrm rot="10800000">
+            <a:off x="725747" y="1661671"/>
+            <a:ext cx="1245317" cy="1588"/>
+          </a:xfrm>
+          <a:prstGeom prst="line">
+            <a:avLst/>
+          </a:prstGeom>
+          <a:ln w="50800">
+            <a:solidFill>
+              <a:schemeClr val="accent2"/>
+            </a:solidFill>
+          </a:ln>
+          <a:effectLst/>
+        </p:spPr>
+        <p:style>
+          <a:lnRef idx="2">
+            <a:schemeClr val="accent1"/>
+          </a:lnRef>
+          <a:fillRef idx="0">
+            <a:schemeClr val="accent1"/>
+          </a:fillRef>
+          <a:effectRef idx="1">
+            <a:schemeClr val="accent1"/>
+          </a:effectRef>
+          <a:fontRef idx="minor">
+            <a:schemeClr val="tx1"/>
+          </a:fontRef>
+        </p:style>
+      </p:cxnSp>
+      <p:sp>
+        <p:nvSpPr>
+          <p:cNvPr id="8" name="TextBox 7"/>
+          <p:cNvSpPr txBox="1"/>
+          <p:nvPr/>
+        </p:nvSpPr>
+        <p:spPr>
+          <a:xfrm>
+            <a:off x="1830862" y="1460511"/>
+            <a:ext cx="304478" cy="369332"/>
+          </a:xfrm>
+          <a:prstGeom prst="rect">
+            <a:avLst/>
+          </a:prstGeom>
+          <a:noFill/>
+        </p:spPr>
+        <p:txBody>
+          <a:bodyPr wrap="none" rtlCol="0">
+            <a:spAutoFit/>
+          </a:bodyPr>
+          <a:lstStyle/>
+          <a:p>
+            <a:r>
+              <a:rPr lang="en-US" dirty="0" smtClean="0"/>
+              <a:t>X</a:t>
+            </a:r>
+            <a:endParaRPr lang="en-US" dirty="0"/>
+          </a:p>
+        </p:txBody>
+      </p:sp>
+      <p:graphicFrame>
+        <p:nvGraphicFramePr>
+          <p:cNvPr id="12" name="Object 11"/>
+          <p:cNvGraphicFramePr>
+            <a:graphicFrameLocks noChangeAspect="1"/>
+          </p:cNvGraphicFramePr>
+          <p:nvPr/>
+        </p:nvGraphicFramePr>
+        <p:xfrm>
+          <a:off x="1869464" y="1829843"/>
+          <a:ext cx="203200" cy="101600"/>
+        </p:xfrm>
+        <a:graphic>
+          <a:graphicData uri="http://schemas.openxmlformats.org/presentationml/2006/ole">
+            <p:oleObj spid="_x0000_s35842" name="Equation" r:id="rId4" imgW="203200" imgH="101600" progId="Equation.3">
+              <p:embed/>
+            </p:oleObj>
+          </a:graphicData>
+        </a:graphic>
+      </p:graphicFrame>
+      <p:cxnSp>
+        <p:nvCxnSpPr>
+          <p:cNvPr id="13" name="Straight Arrow Connector 12"/>
+          <p:cNvCxnSpPr/>
+          <p:nvPr/>
+        </p:nvCxnSpPr>
+        <p:spPr>
+          <a:xfrm rot="5400000" flipH="1" flipV="1">
+            <a:off x="4755336" y="1663260"/>
+            <a:ext cx="1987408" cy="1588"/>
+          </a:xfrm>
+          <a:prstGeom prst="straightConnector1">
+            <a:avLst/>
+          </a:prstGeom>
+          <a:ln>
+            <a:tailEnd type="arrow"/>
+          </a:ln>
+        </p:spPr>
+        <p:style>
+          <a:lnRef idx="2">
+            <a:schemeClr val="accent1"/>
+          </a:lnRef>
+          <a:fillRef idx="0">
+            <a:schemeClr val="accent1"/>
+          </a:fillRef>
+          <a:effectRef idx="1">
+            <a:schemeClr val="accent1"/>
+          </a:effectRef>
+          <a:fontRef idx="minor">
+            <a:schemeClr val="tx1"/>
+          </a:fontRef>
+        </p:style>
+      </p:cxnSp>
+      <p:cxnSp>
+        <p:nvCxnSpPr>
+          <p:cNvPr id="14" name="Straight Arrow Connector 13"/>
+          <p:cNvCxnSpPr/>
+          <p:nvPr/>
+        </p:nvCxnSpPr>
+        <p:spPr>
+          <a:xfrm>
+            <a:off x="4470736" y="1663260"/>
+            <a:ext cx="2556608" cy="1588"/>
+          </a:xfrm>
+          <a:prstGeom prst="straightConnector1">
+            <a:avLst/>
+          </a:prstGeom>
+          <a:ln>
+            <a:tailEnd type="arrow"/>
+          </a:ln>
+        </p:spPr>
+        <p:style>
+          <a:lnRef idx="2">
+            <a:schemeClr val="accent1"/>
+          </a:lnRef>
+          <a:fillRef idx="0">
+            <a:schemeClr val="accent1"/>
+          </a:fillRef>
+          <a:effectRef idx="1">
+            <a:schemeClr val="accent1"/>
+          </a:effectRef>
+          <a:fontRef idx="minor">
+            <a:schemeClr val="tx1"/>
+          </a:fontRef>
+        </p:style>
+      </p:cxnSp>
+      <p:cxnSp>
+        <p:nvCxnSpPr>
+          <p:cNvPr id="15" name="Straight Connector 14"/>
+          <p:cNvCxnSpPr/>
+          <p:nvPr/>
+        </p:nvCxnSpPr>
+        <p:spPr>
+          <a:xfrm rot="10800000">
+            <a:off x="4470736" y="1664848"/>
+            <a:ext cx="1583438" cy="1588"/>
+          </a:xfrm>
+          <a:prstGeom prst="line">
+            <a:avLst/>
+          </a:prstGeom>
+          <a:ln w="50800">
+            <a:solidFill>
+              <a:schemeClr val="accent2"/>
+            </a:solidFill>
+          </a:ln>
+          <a:effectLst/>
+        </p:spPr>
+        <p:style>
+          <a:lnRef idx="2">
+            <a:schemeClr val="accent1"/>
+          </a:lnRef>
+          <a:fillRef idx="0">
+            <a:schemeClr val="accent1"/>
+          </a:fillRef>
+          <a:effectRef idx="1">
+            <a:schemeClr val="accent1"/>
+          </a:effectRef>
+          <a:fontRef idx="minor">
+            <a:schemeClr val="tx1"/>
+          </a:fontRef>
+        </p:style>
+      </p:cxnSp>
+      <p:sp>
+        <p:nvSpPr>
+          <p:cNvPr id="16" name="TextBox 15"/>
+          <p:cNvSpPr txBox="1"/>
+          <p:nvPr/>
+        </p:nvSpPr>
+        <p:spPr>
+          <a:xfrm>
+            <a:off x="5913971" y="1462100"/>
+            <a:ext cx="304478" cy="369332"/>
+          </a:xfrm>
+          <a:prstGeom prst="rect">
+            <a:avLst/>
+          </a:prstGeom>
+          <a:noFill/>
+        </p:spPr>
+        <p:txBody>
+          <a:bodyPr wrap="none" rtlCol="0">
+            <a:spAutoFit/>
+          </a:bodyPr>
+          <a:lstStyle/>
+          <a:p>
+            <a:r>
+              <a:rPr lang="en-US" dirty="0" smtClean="0"/>
+              <a:t>X</a:t>
+            </a:r>
+            <a:endParaRPr lang="en-US" dirty="0"/>
+          </a:p>
+        </p:txBody>
+      </p:sp>
+      <p:graphicFrame>
+        <p:nvGraphicFramePr>
+          <p:cNvPr id="17" name="Object 16"/>
+          <p:cNvGraphicFramePr>
+            <a:graphicFrameLocks noChangeAspect="1"/>
+          </p:cNvGraphicFramePr>
+          <p:nvPr/>
+        </p:nvGraphicFramePr>
+        <p:xfrm>
+          <a:off x="5984875" y="1780596"/>
+          <a:ext cx="139700" cy="88900"/>
+        </p:xfrm>
+        <a:graphic>
+          <a:graphicData uri="http://schemas.openxmlformats.org/presentationml/2006/ole">
+            <p:oleObj spid="_x0000_s35844" name="Equation" r:id="rId5" imgW="139700" imgH="88900" progId="Equation.3">
+              <p:embed/>
+            </p:oleObj>
+          </a:graphicData>
+        </a:graphic>
+      </p:graphicFrame>
+      <p:sp>
+        <p:nvSpPr>
+          <p:cNvPr id="19" name="Oval 18"/>
+          <p:cNvSpPr/>
+          <p:nvPr/>
+        </p:nvSpPr>
+        <p:spPr>
+          <a:xfrm>
+            <a:off x="5056061" y="1018925"/>
+            <a:ext cx="1384369" cy="1285492"/>
+          </a:xfrm>
+          <a:prstGeom prst="ellipse">
+            <a:avLst/>
+          </a:prstGeom>
+          <a:noFill/>
+        </p:spPr>
+        <p:style>
+          <a:lnRef idx="1">
+            <a:schemeClr val="accent1"/>
+          </a:lnRef>
+          <a:fillRef idx="3">
+            <a:schemeClr val="accent1"/>
+          </a:fillRef>
+          <a:effectRef idx="2">
+            <a:schemeClr val="accent1"/>
+          </a:effectRef>
+          <a:fontRef idx="minor">
+            <a:schemeClr val="lt1"/>
+          </a:fontRef>
+        </p:style>
+        <p:txBody>
+          <a:bodyPr rtlCol="0" anchor="ctr"/>
+          <a:lstStyle/>
+          <a:p>
+            <a:pPr algn="ctr"/>
+            <a:endParaRPr lang="en-US"/>
+          </a:p>
+        </p:txBody>
+      </p:sp>
+      <p:graphicFrame>
+        <p:nvGraphicFramePr>
+          <p:cNvPr id="20" name="Object 19"/>
+          <p:cNvGraphicFramePr>
+            <a:graphicFrameLocks noChangeAspect="1"/>
+          </p:cNvGraphicFramePr>
+          <p:nvPr/>
+        </p:nvGraphicFramePr>
+        <p:xfrm>
+          <a:off x="4649661" y="1462100"/>
+          <a:ext cx="406400" cy="139700"/>
+        </p:xfrm>
+        <a:graphic>
+          <a:graphicData uri="http://schemas.openxmlformats.org/presentationml/2006/ole">
+            <p:oleObj spid="_x0000_s35845" name="Equation" r:id="rId6" imgW="406400" imgH="139700" progId="Equation.3">
+              <p:embed/>
+            </p:oleObj>
+          </a:graphicData>
+        </a:graphic>
+      </p:graphicFrame>
+      <p:sp>
+        <p:nvSpPr>
+          <p:cNvPr id="21" name="TextBox 20"/>
+          <p:cNvSpPr txBox="1"/>
+          <p:nvPr/>
+        </p:nvSpPr>
+        <p:spPr>
+          <a:xfrm>
+            <a:off x="6389880" y="668761"/>
+            <a:ext cx="637464" cy="276999"/>
+          </a:xfrm>
+          <a:prstGeom prst="rect">
+            <a:avLst/>
+          </a:prstGeom>
+          <a:noFill/>
+        </p:spPr>
+        <p:txBody>
+          <a:bodyPr wrap="none" rtlCol="0">
+            <a:spAutoFit/>
+          </a:bodyPr>
+          <a:lstStyle/>
+          <a:p>
+            <a:r>
+              <a:rPr lang="en-US" sz="1200" i="1" dirty="0" err="1" smtClean="0">
+                <a:latin typeface="Times New Roman"/>
+              </a:rPr>
+              <a:t>z</a:t>
+            </a:r>
+            <a:r>
+              <a:rPr lang="en-US" sz="1200" dirty="0" smtClean="0">
+                <a:latin typeface="Times New Roman"/>
+              </a:rPr>
+              <a:t>-plane</a:t>
+            </a:r>
+            <a:endParaRPr lang="en-US" sz="1200" dirty="0">
+              <a:latin typeface="Times New Roman"/>
+            </a:endParaRPr>
+          </a:p>
+        </p:txBody>
+      </p:sp>
+      <p:sp>
+        <p:nvSpPr>
+          <p:cNvPr id="22" name="TextBox 21"/>
+          <p:cNvSpPr txBox="1"/>
+          <p:nvPr/>
+        </p:nvSpPr>
+        <p:spPr>
+          <a:xfrm>
+            <a:off x="3081989" y="670350"/>
+            <a:ext cx="637464" cy="276999"/>
+          </a:xfrm>
+          <a:prstGeom prst="rect">
+            <a:avLst/>
+          </a:prstGeom>
+          <a:noFill/>
+        </p:spPr>
+        <p:txBody>
+          <a:bodyPr wrap="none" rtlCol="0">
+            <a:spAutoFit/>
+          </a:bodyPr>
+          <a:lstStyle/>
+          <a:p>
+            <a:r>
+              <a:rPr lang="en-US" sz="1200" i="1" dirty="0" err="1" smtClean="0">
+                <a:latin typeface="Times New Roman"/>
+              </a:rPr>
+              <a:t>s</a:t>
+            </a:r>
+            <a:r>
+              <a:rPr lang="en-US" sz="1200" dirty="0" smtClean="0">
+                <a:latin typeface="Times New Roman"/>
+              </a:rPr>
+              <a:t>-plane</a:t>
+            </a:r>
+            <a:endParaRPr lang="en-US" sz="1200" dirty="0">
+              <a:latin typeface="Times New Roman"/>
+            </a:endParaRPr>
+          </a:p>
+        </p:txBody>
+      </p:sp>
+      <p:cxnSp>
+        <p:nvCxnSpPr>
+          <p:cNvPr id="23" name="Straight Arrow Connector 22"/>
+          <p:cNvCxnSpPr/>
+          <p:nvPr/>
+        </p:nvCxnSpPr>
+        <p:spPr>
+          <a:xfrm rot="5400000" flipH="1" flipV="1">
+            <a:off x="4463223" y="4345116"/>
+            <a:ext cx="2737839" cy="1587"/>
+          </a:xfrm>
+          <a:prstGeom prst="straightConnector1">
+            <a:avLst/>
+          </a:prstGeom>
+          <a:ln>
+            <a:tailEnd type="arrow"/>
+          </a:ln>
+        </p:spPr>
+        <p:style>
+          <a:lnRef idx="2">
+            <a:schemeClr val="accent1"/>
+          </a:lnRef>
+          <a:fillRef idx="0">
+            <a:schemeClr val="accent1"/>
+          </a:fillRef>
+          <a:effectRef idx="1">
+            <a:schemeClr val="accent1"/>
+          </a:effectRef>
+          <a:fontRef idx="minor">
+            <a:schemeClr val="tx1"/>
+          </a:fontRef>
+        </p:style>
+      </p:cxnSp>
+      <p:cxnSp>
+        <p:nvCxnSpPr>
+          <p:cNvPr id="24" name="Straight Arrow Connector 23"/>
+          <p:cNvCxnSpPr/>
+          <p:nvPr/>
+        </p:nvCxnSpPr>
+        <p:spPr>
+          <a:xfrm>
+            <a:off x="4553837" y="4423499"/>
+            <a:ext cx="2556608" cy="1588"/>
+          </a:xfrm>
+          <a:prstGeom prst="straightConnector1">
+            <a:avLst/>
+          </a:prstGeom>
+          <a:ln>
+            <a:tailEnd type="arrow"/>
+          </a:ln>
+        </p:spPr>
+        <p:style>
+          <a:lnRef idx="2">
+            <a:schemeClr val="accent1"/>
+          </a:lnRef>
+          <a:fillRef idx="0">
+            <a:schemeClr val="accent1"/>
+          </a:fillRef>
+          <a:effectRef idx="1">
+            <a:schemeClr val="accent1"/>
+          </a:effectRef>
+          <a:fontRef idx="minor">
+            <a:schemeClr val="tx1"/>
+          </a:fontRef>
+        </p:style>
+      </p:cxnSp>
+      <p:cxnSp>
+        <p:nvCxnSpPr>
+          <p:cNvPr id="25" name="Straight Connector 24"/>
+          <p:cNvCxnSpPr>
+            <a:stCxn id="28" idx="2"/>
+          </p:cNvCxnSpPr>
+          <p:nvPr/>
+        </p:nvCxnSpPr>
+        <p:spPr>
+          <a:xfrm rot="10800000" flipV="1">
+            <a:off x="3719454" y="4421909"/>
+            <a:ext cx="1419709" cy="4765"/>
+          </a:xfrm>
+          <a:prstGeom prst="line">
+            <a:avLst/>
+          </a:prstGeom>
+          <a:ln w="50800">
+            <a:solidFill>
+              <a:schemeClr val="accent2"/>
+            </a:solidFill>
+          </a:ln>
+          <a:effectLst/>
+        </p:spPr>
+        <p:style>
+          <a:lnRef idx="2">
+            <a:schemeClr val="accent1"/>
+          </a:lnRef>
+          <a:fillRef idx="0">
+            <a:schemeClr val="accent1"/>
+          </a:fillRef>
+          <a:effectRef idx="1">
+            <a:schemeClr val="accent1"/>
+          </a:effectRef>
+          <a:fontRef idx="minor">
+            <a:schemeClr val="tx1"/>
+          </a:fontRef>
+        </p:style>
+      </p:cxnSp>
+      <p:sp>
+        <p:nvSpPr>
+          <p:cNvPr id="26" name="TextBox 25"/>
+          <p:cNvSpPr txBox="1"/>
+          <p:nvPr/>
+        </p:nvSpPr>
+        <p:spPr>
+          <a:xfrm>
+            <a:off x="6326952" y="4224316"/>
+            <a:ext cx="304478" cy="369332"/>
+          </a:xfrm>
+          <a:prstGeom prst="rect">
+            <a:avLst/>
+          </a:prstGeom>
+          <a:noFill/>
+        </p:spPr>
+        <p:txBody>
+          <a:bodyPr wrap="none" rtlCol="0">
+            <a:spAutoFit/>
+          </a:bodyPr>
+          <a:lstStyle/>
+          <a:p>
+            <a:r>
+              <a:rPr lang="en-US" dirty="0" smtClean="0"/>
+              <a:t>X</a:t>
+            </a:r>
+            <a:endParaRPr lang="en-US" dirty="0"/>
+          </a:p>
+        </p:txBody>
+      </p:sp>
+      <p:sp>
+        <p:nvSpPr>
+          <p:cNvPr id="28" name="Oval 27"/>
+          <p:cNvSpPr/>
+          <p:nvPr/>
+        </p:nvSpPr>
+        <p:spPr>
+          <a:xfrm>
+            <a:off x="5139162" y="3779164"/>
+            <a:ext cx="1384369" cy="1285492"/>
+          </a:xfrm>
+          <a:prstGeom prst="ellipse">
+            <a:avLst/>
+          </a:prstGeom>
+          <a:noFill/>
+        </p:spPr>
+        <p:style>
+          <a:lnRef idx="1">
+            <a:schemeClr val="accent1"/>
+          </a:lnRef>
+          <a:fillRef idx="3">
+            <a:schemeClr val="accent1"/>
+          </a:fillRef>
+          <a:effectRef idx="2">
+            <a:schemeClr val="accent1"/>
+          </a:effectRef>
+          <a:fontRef idx="minor">
+            <a:schemeClr val="lt1"/>
+          </a:fontRef>
+        </p:style>
+        <p:txBody>
+          <a:bodyPr rtlCol="0" anchor="ctr"/>
+          <a:lstStyle/>
+          <a:p>
+            <a:pPr algn="ctr"/>
+            <a:endParaRPr lang="en-US"/>
+          </a:p>
+        </p:txBody>
+      </p:sp>
+      <p:graphicFrame>
+        <p:nvGraphicFramePr>
+          <p:cNvPr id="29" name="Object 28"/>
+          <p:cNvGraphicFramePr>
+            <a:graphicFrameLocks noChangeAspect="1"/>
+          </p:cNvGraphicFramePr>
+          <p:nvPr/>
+        </p:nvGraphicFramePr>
+        <p:xfrm>
+          <a:off x="4732762" y="4222339"/>
+          <a:ext cx="406400" cy="139700"/>
+        </p:xfrm>
+        <a:graphic>
+          <a:graphicData uri="http://schemas.openxmlformats.org/presentationml/2006/ole">
+            <p:oleObj spid="_x0000_s35852" name="Equation" r:id="rId7" imgW="406400" imgH="139700" progId="Equation.3">
+              <p:embed/>
+            </p:oleObj>
+          </a:graphicData>
+        </a:graphic>
+      </p:graphicFrame>
+      <p:sp>
+        <p:nvSpPr>
+          <p:cNvPr id="31" name="TextBox 30"/>
+          <p:cNvSpPr txBox="1"/>
+          <p:nvPr/>
+        </p:nvSpPr>
+        <p:spPr>
+          <a:xfrm>
+            <a:off x="6372141" y="4224316"/>
+            <a:ext cx="304478" cy="369332"/>
+          </a:xfrm>
+          <a:prstGeom prst="rect">
+            <a:avLst/>
+          </a:prstGeom>
+          <a:noFill/>
+        </p:spPr>
+        <p:txBody>
+          <a:bodyPr wrap="none" rtlCol="0">
+            <a:spAutoFit/>
+          </a:bodyPr>
+          <a:lstStyle/>
+          <a:p>
+            <a:r>
+              <a:rPr lang="en-US" dirty="0" smtClean="0"/>
+              <a:t>X</a:t>
+            </a:r>
+            <a:endParaRPr lang="en-US" dirty="0"/>
+          </a:p>
+        </p:txBody>
+      </p:sp>
+      <p:sp>
+        <p:nvSpPr>
+          <p:cNvPr id="37" name="TextBox 36"/>
+          <p:cNvSpPr txBox="1"/>
+          <p:nvPr/>
+        </p:nvSpPr>
+        <p:spPr>
+          <a:xfrm>
+            <a:off x="4970412" y="4227415"/>
+            <a:ext cx="337502" cy="369332"/>
+          </a:xfrm>
+          <a:prstGeom prst="rect">
+            <a:avLst/>
+          </a:prstGeom>
+          <a:noFill/>
+        </p:spPr>
+        <p:txBody>
+          <a:bodyPr wrap="none" rtlCol="0">
+            <a:spAutoFit/>
+          </a:bodyPr>
+          <a:lstStyle/>
+          <a:p>
+            <a:r>
+              <a:rPr lang="en-US" dirty="0" smtClean="0"/>
+              <a:t>O</a:t>
+            </a:r>
+            <a:endParaRPr lang="en-US" dirty="0"/>
+          </a:p>
+        </p:txBody>
+      </p:sp>
+      <p:graphicFrame>
+        <p:nvGraphicFramePr>
+          <p:cNvPr id="38" name="Object 37"/>
+          <p:cNvGraphicFramePr>
+            <a:graphicFrameLocks noChangeAspect="1"/>
+          </p:cNvGraphicFramePr>
+          <p:nvPr/>
+        </p:nvGraphicFramePr>
+        <p:xfrm>
+          <a:off x="6598040" y="4235450"/>
+          <a:ext cx="304800" cy="139700"/>
+        </p:xfrm>
+        <a:graphic>
+          <a:graphicData uri="http://schemas.openxmlformats.org/presentationml/2006/ole">
+            <p:oleObj spid="_x0000_s35853" name="Equation" r:id="rId8" imgW="304800" imgH="139700" progId="Equation.3">
+              <p:embed/>
+            </p:oleObj>
+          </a:graphicData>
+        </a:graphic>
+      </p:graphicFrame>
+    </p:spTree>
+  </p:cSld>
+  <p:clrMapOvr>
+    <a:masterClrMapping/>
+  </p:clrMapOvr>
+</p:sld>
+</file>
+
+<file path=ppt/slides/slide8.xml><?xml version="1.0" encoding="utf-8"?>
 <p:sld xmlns:a="http://schemas.openxmlformats.org/drawingml/2006/main" xmlns:r="http://schemas.openxmlformats.org/officeDocument/2006/relationships" xmlns:mc="http://schemas.openxmlformats.org/markup-compatibility/2006" xmlns:mv="urn:schemas-microsoft-com:mac:vml" xmlns:p="http://schemas.openxmlformats.org/presentationml/2006/main" mc:Ignorable="mv" mc:PreserveAttributes="mv:*">
   <p:cSld>
     <p:spTree>
@@ -13686,7 +19215,7 @@
 </p:sld>
 </file>
 
-<file path=ppt/slides/slide7.xml><?xml version="1.0" encoding="utf-8"?>
+<file path=ppt/slides/slide9.xml><?xml version="1.0" encoding="utf-8"?>
 <p:sld xmlns:a="http://schemas.openxmlformats.org/drawingml/2006/main" xmlns:r="http://schemas.openxmlformats.org/officeDocument/2006/relationships" xmlns:mc="http://schemas.openxmlformats.org/markup-compatibility/2006" xmlns:mv="urn:schemas-microsoft-com:mac:vml" xmlns:p="http://schemas.openxmlformats.org/presentationml/2006/main" mc:Ignorable="mv" mc:PreserveAttributes="mv:*">
   <p:cSld>
     <p:spTree>
@@ -14889,2499 +20418,6 @@
   <p:clrMapOvr>
     <a:masterClrMapping/>
   </p:clrMapOvr>
-</p:sld>
-</file>
-
-<file path=ppt/slides/slide8.xml><?xml version="1.0" encoding="utf-8"?>
-<p:sld xmlns:a="http://schemas.openxmlformats.org/drawingml/2006/main" xmlns:r="http://schemas.openxmlformats.org/officeDocument/2006/relationships" xmlns:mc="http://schemas.openxmlformats.org/markup-compatibility/2006" xmlns:mv="urn:schemas-microsoft-com:mac:vml" xmlns:p="http://schemas.openxmlformats.org/presentationml/2006/main" mc:Ignorable="mv" mc:PreserveAttributes="mv:*">
-  <p:cSld>
-    <p:spTree>
-      <p:nvGrpSpPr>
-        <p:cNvPr id="1" name=""/>
-        <p:cNvGrpSpPr/>
-        <p:nvPr/>
-      </p:nvGrpSpPr>
-      <p:grpSpPr>
-        <a:xfrm>
-          <a:off x="0" y="0"/>
-          <a:ext cx="0" cy="0"/>
-          <a:chOff x="0" y="0"/>
-          <a:chExt cx="0" cy="0"/>
-        </a:xfrm>
-      </p:grpSpPr>
-      <p:sp>
-        <p:nvSpPr>
-          <p:cNvPr id="2" name="Title 1"/>
-          <p:cNvSpPr>
-            <a:spLocks noGrp="1"/>
-          </p:cNvSpPr>
-          <p:nvPr>
-            <p:ph type="title"/>
-          </p:nvPr>
-        </p:nvSpPr>
-        <p:spPr/>
-        <p:txBody>
-          <a:bodyPr/>
-          <a:lstStyle/>
-          <a:p>
-            <a:r>
-              <a:rPr lang="en-US" dirty="0" smtClean="0"/>
-              <a:t>Backward Rectangular</a:t>
-            </a:r>
-            <a:endParaRPr lang="en-US" dirty="0"/>
-          </a:p>
-        </p:txBody>
-      </p:sp>
-      <p:grpSp>
-        <p:nvGrpSpPr>
-          <p:cNvPr id="68" name="Group 67"/>
-          <p:cNvGrpSpPr/>
-          <p:nvPr/>
-        </p:nvGrpSpPr>
-        <p:grpSpPr>
-          <a:xfrm>
-            <a:off x="1131265" y="2308441"/>
-            <a:ext cx="5184661" cy="2782316"/>
-            <a:chOff x="1131265" y="2308441"/>
-            <a:chExt cx="5184661" cy="2782316"/>
-          </a:xfrm>
-        </p:grpSpPr>
-        <p:sp>
-          <p:nvSpPr>
-            <p:cNvPr id="36" name="Rectangle 35"/>
-            <p:cNvSpPr/>
-            <p:nvPr/>
-          </p:nvSpPr>
-          <p:spPr>
-            <a:xfrm>
-              <a:off x="2672036" y="2718331"/>
-              <a:ext cx="1109970" cy="2046723"/>
-            </a:xfrm>
-            <a:prstGeom prst="rect">
-              <a:avLst/>
-            </a:prstGeom>
-            <a:solidFill>
-              <a:schemeClr val="accent1"/>
-            </a:solidFill>
-          </p:spPr>
-          <p:style>
-            <a:lnRef idx="1">
-              <a:schemeClr val="accent1"/>
-            </a:lnRef>
-            <a:fillRef idx="3">
-              <a:schemeClr val="accent1"/>
-            </a:fillRef>
-            <a:effectRef idx="2">
-              <a:schemeClr val="accent1"/>
-            </a:effectRef>
-            <a:fontRef idx="minor">
-              <a:schemeClr val="lt1"/>
-            </a:fontRef>
-          </p:style>
-          <p:txBody>
-            <a:bodyPr rtlCol="0" anchor="ctr"/>
-            <a:lstStyle/>
-            <a:p>
-              <a:pPr algn="ctr"/>
-              <a:endParaRPr lang="en-US"/>
-            </a:p>
-          </p:txBody>
-        </p:sp>
-        <p:grpSp>
-          <p:nvGrpSpPr>
-            <p:cNvPr id="37" name="Group 36"/>
-            <p:cNvGrpSpPr/>
-            <p:nvPr/>
-          </p:nvGrpSpPr>
-          <p:grpSpPr>
-            <a:xfrm>
-              <a:off x="1131265" y="2308441"/>
-              <a:ext cx="5184661" cy="2782316"/>
-              <a:chOff x="1131265" y="2308441"/>
-              <a:chExt cx="5184661" cy="2782316"/>
-            </a:xfrm>
-          </p:grpSpPr>
-          <p:cxnSp>
-            <p:nvCxnSpPr>
-              <p:cNvPr id="38" name="Straight Arrow Connector 37"/>
-              <p:cNvCxnSpPr/>
-              <p:nvPr/>
-            </p:nvCxnSpPr>
-            <p:spPr>
-              <a:xfrm rot="16200000" flipV="1">
-                <a:off x="360877" y="3632898"/>
-                <a:ext cx="2605896" cy="16495"/>
-              </a:xfrm>
-              <a:prstGeom prst="straightConnector1">
-                <a:avLst/>
-              </a:prstGeom>
-              <a:ln>
-                <a:tailEnd type="arrow"/>
-              </a:ln>
-            </p:spPr>
-            <p:style>
-              <a:lnRef idx="2">
-                <a:schemeClr val="accent1"/>
-              </a:lnRef>
-              <a:fillRef idx="0">
-                <a:schemeClr val="accent1"/>
-              </a:fillRef>
-              <a:effectRef idx="1">
-                <a:schemeClr val="accent1"/>
-              </a:effectRef>
-              <a:fontRef idx="minor">
-                <a:schemeClr val="tx1"/>
-              </a:fontRef>
-            </p:style>
-          </p:cxnSp>
-          <p:sp>
-            <p:nvSpPr>
-              <p:cNvPr id="39" name="TextBox 38"/>
-              <p:cNvSpPr txBox="1"/>
-              <p:nvPr/>
-            </p:nvSpPr>
-            <p:spPr>
-              <a:xfrm>
-                <a:off x="1131265" y="2308441"/>
-                <a:ext cx="536654" cy="369332"/>
-              </a:xfrm>
-              <a:prstGeom prst="rect">
-                <a:avLst/>
-              </a:prstGeom>
-              <a:noFill/>
-            </p:spPr>
-            <p:txBody>
-              <a:bodyPr wrap="none" rtlCol="0">
-                <a:spAutoFit/>
-              </a:bodyPr>
-              <a:lstStyle/>
-              <a:p>
-                <a:r>
-                  <a:rPr lang="en-US" i="1" dirty="0" err="1" smtClean="0">
-                    <a:latin typeface="Times New Roman"/>
-                  </a:rPr>
-                  <a:t>u</a:t>
-                </a:r>
-                <a:r>
-                  <a:rPr lang="en-US" dirty="0" err="1" smtClean="0">
-                    <a:latin typeface="Times New Roman"/>
-                  </a:rPr>
-                  <a:t>(</a:t>
-                </a:r>
-                <a:r>
-                  <a:rPr lang="en-US" i="1" dirty="0" err="1" smtClean="0">
-                    <a:latin typeface="Times New Roman"/>
-                  </a:rPr>
-                  <a:t>t</a:t>
-                </a:r>
-                <a:r>
-                  <a:rPr lang="en-US" dirty="0" smtClean="0">
-                    <a:latin typeface="Times New Roman"/>
-                  </a:rPr>
-                  <a:t>)</a:t>
-                </a:r>
-                <a:endParaRPr lang="en-US" dirty="0">
-                  <a:latin typeface="Times New Roman"/>
-                </a:endParaRPr>
-              </a:p>
-            </p:txBody>
-          </p:sp>
-          <p:sp>
-            <p:nvSpPr>
-              <p:cNvPr id="40" name="TextBox 39"/>
-              <p:cNvSpPr txBox="1"/>
-              <p:nvPr/>
-            </p:nvSpPr>
-            <p:spPr>
-              <a:xfrm>
-                <a:off x="5134610" y="4721425"/>
-                <a:ext cx="267500" cy="369332"/>
-              </a:xfrm>
-              <a:prstGeom prst="rect">
-                <a:avLst/>
-              </a:prstGeom>
-              <a:noFill/>
-            </p:spPr>
-            <p:txBody>
-              <a:bodyPr wrap="none" rtlCol="0">
-                <a:spAutoFit/>
-              </a:bodyPr>
-              <a:lstStyle/>
-              <a:p>
-                <a:r>
-                  <a:rPr lang="en-US" i="1" dirty="0" err="1" smtClean="0">
-                    <a:latin typeface="Times New Roman"/>
-                  </a:rPr>
-                  <a:t>t</a:t>
-                </a:r>
-                <a:endParaRPr lang="en-US" dirty="0">
-                  <a:latin typeface="Times New Roman"/>
-                </a:endParaRPr>
-              </a:p>
-            </p:txBody>
-          </p:sp>
-          <p:cxnSp>
-            <p:nvCxnSpPr>
-              <p:cNvPr id="41" name="Straight Connector 40"/>
-              <p:cNvCxnSpPr/>
-              <p:nvPr/>
-            </p:nvCxnSpPr>
-            <p:spPr>
-              <a:xfrm rot="5400000" flipH="1" flipV="1">
-                <a:off x="3630302" y="4610967"/>
-                <a:ext cx="181423" cy="121985"/>
-              </a:xfrm>
-              <a:prstGeom prst="line">
-                <a:avLst/>
-              </a:prstGeom>
-              <a:ln>
-                <a:solidFill>
-                  <a:schemeClr val="accent6"/>
-                </a:solidFill>
-              </a:ln>
-              <a:effectLst/>
-            </p:spPr>
-            <p:style>
-              <a:lnRef idx="2">
-                <a:schemeClr val="accent1"/>
-              </a:lnRef>
-              <a:fillRef idx="0">
-                <a:schemeClr val="accent1"/>
-              </a:fillRef>
-              <a:effectRef idx="1">
-                <a:schemeClr val="accent1"/>
-              </a:effectRef>
-              <a:fontRef idx="minor">
-                <a:schemeClr val="tx1"/>
-              </a:fontRef>
-            </p:style>
-          </p:cxnSp>
-          <p:cxnSp>
-            <p:nvCxnSpPr>
-              <p:cNvPr id="42" name="Straight Connector 41"/>
-              <p:cNvCxnSpPr/>
-              <p:nvPr/>
-            </p:nvCxnSpPr>
-            <p:spPr>
-              <a:xfrm rot="5400000" flipH="1" flipV="1">
-                <a:off x="3485202" y="4465867"/>
-                <a:ext cx="346353" cy="247255"/>
-              </a:xfrm>
-              <a:prstGeom prst="line">
-                <a:avLst/>
-              </a:prstGeom>
-              <a:ln>
-                <a:solidFill>
-                  <a:schemeClr val="accent6"/>
-                </a:solidFill>
-              </a:ln>
-              <a:effectLst/>
-            </p:spPr>
-            <p:style>
-              <a:lnRef idx="2">
-                <a:schemeClr val="accent1"/>
-              </a:lnRef>
-              <a:fillRef idx="0">
-                <a:schemeClr val="accent1"/>
-              </a:fillRef>
-              <a:effectRef idx="1">
-                <a:schemeClr val="accent1"/>
-              </a:effectRef>
-              <a:fontRef idx="minor">
-                <a:schemeClr val="tx1"/>
-              </a:fontRef>
-            </p:style>
-          </p:cxnSp>
-          <p:cxnSp>
-            <p:nvCxnSpPr>
-              <p:cNvPr id="43" name="Straight Connector 42"/>
-              <p:cNvCxnSpPr/>
-              <p:nvPr/>
-            </p:nvCxnSpPr>
-            <p:spPr>
-              <a:xfrm rot="5400000" flipH="1" flipV="1">
-                <a:off x="3349710" y="4330375"/>
-                <a:ext cx="503036" cy="361555"/>
-              </a:xfrm>
-              <a:prstGeom prst="line">
-                <a:avLst/>
-              </a:prstGeom>
-              <a:ln>
-                <a:solidFill>
-                  <a:schemeClr val="accent6"/>
-                </a:solidFill>
-              </a:ln>
-              <a:effectLst/>
-            </p:spPr>
-            <p:style>
-              <a:lnRef idx="2">
-                <a:schemeClr val="accent1"/>
-              </a:lnRef>
-              <a:fillRef idx="0">
-                <a:schemeClr val="accent1"/>
-              </a:fillRef>
-              <a:effectRef idx="1">
-                <a:schemeClr val="accent1"/>
-              </a:effectRef>
-              <a:fontRef idx="minor">
-                <a:schemeClr val="tx1"/>
-              </a:fontRef>
-            </p:style>
-          </p:cxnSp>
-          <p:cxnSp>
-            <p:nvCxnSpPr>
-              <p:cNvPr id="44" name="Straight Connector 43"/>
-              <p:cNvCxnSpPr/>
-              <p:nvPr/>
-            </p:nvCxnSpPr>
-            <p:spPr>
-              <a:xfrm rot="5400000" flipH="1" flipV="1">
-                <a:off x="3211171" y="4190245"/>
-                <a:ext cx="659720" cy="485131"/>
-              </a:xfrm>
-              <a:prstGeom prst="line">
-                <a:avLst/>
-              </a:prstGeom>
-              <a:ln>
-                <a:solidFill>
-                  <a:schemeClr val="accent6"/>
-                </a:solidFill>
-              </a:ln>
-              <a:effectLst/>
-            </p:spPr>
-            <p:style>
-              <a:lnRef idx="2">
-                <a:schemeClr val="accent1"/>
-              </a:lnRef>
-              <a:fillRef idx="0">
-                <a:schemeClr val="accent1"/>
-              </a:fillRef>
-              <a:effectRef idx="1">
-                <a:schemeClr val="accent1"/>
-              </a:effectRef>
-              <a:fontRef idx="minor">
-                <a:schemeClr val="tx1"/>
-              </a:fontRef>
-            </p:style>
-          </p:cxnSp>
-          <p:cxnSp>
-            <p:nvCxnSpPr>
-              <p:cNvPr id="45" name="Straight Connector 44"/>
-              <p:cNvCxnSpPr/>
-              <p:nvPr/>
-            </p:nvCxnSpPr>
-            <p:spPr>
-              <a:xfrm rot="5400000" flipH="1" flipV="1">
-                <a:off x="3070554" y="4053598"/>
-                <a:ext cx="818785" cy="604123"/>
-              </a:xfrm>
-              <a:prstGeom prst="line">
-                <a:avLst/>
-              </a:prstGeom>
-              <a:ln>
-                <a:solidFill>
-                  <a:schemeClr val="accent6"/>
-                </a:solidFill>
-              </a:ln>
-              <a:effectLst/>
-            </p:spPr>
-            <p:style>
-              <a:lnRef idx="2">
-                <a:schemeClr val="accent1"/>
-              </a:lnRef>
-              <a:fillRef idx="0">
-                <a:schemeClr val="accent1"/>
-              </a:fillRef>
-              <a:effectRef idx="1">
-                <a:schemeClr val="accent1"/>
-              </a:effectRef>
-              <a:fontRef idx="minor">
-                <a:schemeClr val="tx1"/>
-              </a:fontRef>
-            </p:style>
-          </p:cxnSp>
-          <p:cxnSp>
-            <p:nvCxnSpPr>
-              <p:cNvPr id="46" name="Straight Connector 45"/>
-              <p:cNvCxnSpPr/>
-              <p:nvPr/>
-            </p:nvCxnSpPr>
-            <p:spPr>
-              <a:xfrm rot="5400000" flipH="1" flipV="1">
-                <a:off x="2923765" y="3905224"/>
-                <a:ext cx="991963" cy="727697"/>
-              </a:xfrm>
-              <a:prstGeom prst="line">
-                <a:avLst/>
-              </a:prstGeom>
-              <a:ln>
-                <a:solidFill>
-                  <a:schemeClr val="accent6"/>
-                </a:solidFill>
-              </a:ln>
-              <a:effectLst/>
-            </p:spPr>
-            <p:style>
-              <a:lnRef idx="2">
-                <a:schemeClr val="accent1"/>
-              </a:lnRef>
-              <a:fillRef idx="0">
-                <a:schemeClr val="accent1"/>
-              </a:fillRef>
-              <a:effectRef idx="1">
-                <a:schemeClr val="accent1"/>
-              </a:effectRef>
-              <a:fontRef idx="minor">
-                <a:schemeClr val="tx1"/>
-              </a:fontRef>
-            </p:style>
-          </p:cxnSp>
-          <p:cxnSp>
-            <p:nvCxnSpPr>
-              <p:cNvPr id="47" name="Straight Connector 46"/>
-              <p:cNvCxnSpPr/>
-              <p:nvPr/>
-            </p:nvCxnSpPr>
-            <p:spPr>
-              <a:xfrm rot="5400000" flipH="1" flipV="1">
-                <a:off x="2792677" y="3774133"/>
-                <a:ext cx="1132154" cy="849686"/>
-              </a:xfrm>
-              <a:prstGeom prst="line">
-                <a:avLst/>
-              </a:prstGeom>
-              <a:ln>
-                <a:solidFill>
-                  <a:schemeClr val="accent6"/>
-                </a:solidFill>
-              </a:ln>
-              <a:effectLst/>
-            </p:spPr>
-            <p:style>
-              <a:lnRef idx="2">
-                <a:schemeClr val="accent1"/>
-              </a:lnRef>
-              <a:fillRef idx="0">
-                <a:schemeClr val="accent1"/>
-              </a:fillRef>
-              <a:effectRef idx="1">
-                <a:schemeClr val="accent1"/>
-              </a:effectRef>
-              <a:fontRef idx="minor">
-                <a:schemeClr val="tx1"/>
-              </a:fontRef>
-            </p:style>
-          </p:cxnSp>
-          <p:cxnSp>
-            <p:nvCxnSpPr>
-              <p:cNvPr id="48" name="Straight Connector 47"/>
-              <p:cNvCxnSpPr/>
-              <p:nvPr/>
-            </p:nvCxnSpPr>
-            <p:spPr>
-              <a:xfrm rot="5400000" flipH="1" flipV="1">
-                <a:off x="2620356" y="3601815"/>
-                <a:ext cx="1354807" cy="971671"/>
-              </a:xfrm>
-              <a:prstGeom prst="line">
-                <a:avLst/>
-              </a:prstGeom>
-              <a:ln>
-                <a:solidFill>
-                  <a:schemeClr val="accent6"/>
-                </a:solidFill>
-              </a:ln>
-              <a:effectLst/>
-            </p:spPr>
-            <p:style>
-              <a:lnRef idx="2">
-                <a:schemeClr val="accent1"/>
-              </a:lnRef>
-              <a:fillRef idx="0">
-                <a:schemeClr val="accent1"/>
-              </a:fillRef>
-              <a:effectRef idx="1">
-                <a:schemeClr val="accent1"/>
-              </a:effectRef>
-              <a:fontRef idx="minor">
-                <a:schemeClr val="tx1"/>
-              </a:fontRef>
-            </p:style>
-          </p:cxnSp>
-          <p:cxnSp>
-            <p:nvCxnSpPr>
-              <p:cNvPr id="49" name="Straight Connector 48"/>
-              <p:cNvCxnSpPr/>
-              <p:nvPr/>
-            </p:nvCxnSpPr>
-            <p:spPr>
-              <a:xfrm rot="5400000" flipH="1" flipV="1">
-                <a:off x="2464527" y="3445985"/>
-                <a:ext cx="1544479" cy="1093658"/>
-              </a:xfrm>
-              <a:prstGeom prst="line">
-                <a:avLst/>
-              </a:prstGeom>
-              <a:ln>
-                <a:solidFill>
-                  <a:schemeClr val="accent6"/>
-                </a:solidFill>
-              </a:ln>
-              <a:effectLst/>
-            </p:spPr>
-            <p:style>
-              <a:lnRef idx="2">
-                <a:schemeClr val="accent1"/>
-              </a:lnRef>
-              <a:fillRef idx="0">
-                <a:schemeClr val="accent1"/>
-              </a:fillRef>
-              <a:effectRef idx="1">
-                <a:schemeClr val="accent1"/>
-              </a:effectRef>
-              <a:fontRef idx="minor">
-                <a:schemeClr val="tx1"/>
-              </a:fontRef>
-            </p:style>
-          </p:cxnSp>
-          <p:cxnSp>
-            <p:nvCxnSpPr>
-              <p:cNvPr id="50" name="Straight Connector 49"/>
-              <p:cNvCxnSpPr/>
-              <p:nvPr/>
-            </p:nvCxnSpPr>
-            <p:spPr>
-              <a:xfrm rot="5400000" flipH="1" flipV="1">
-                <a:off x="2465719" y="3263372"/>
-                <a:ext cx="1542096" cy="1093657"/>
-              </a:xfrm>
-              <a:prstGeom prst="line">
-                <a:avLst/>
-              </a:prstGeom>
-              <a:ln>
-                <a:solidFill>
-                  <a:schemeClr val="accent6"/>
-                </a:solidFill>
-              </a:ln>
-              <a:effectLst/>
-            </p:spPr>
-            <p:style>
-              <a:lnRef idx="2">
-                <a:schemeClr val="accent1"/>
-              </a:lnRef>
-              <a:fillRef idx="0">
-                <a:schemeClr val="accent1"/>
-              </a:fillRef>
-              <a:effectRef idx="1">
-                <a:schemeClr val="accent1"/>
-              </a:effectRef>
-              <a:fontRef idx="minor">
-                <a:schemeClr val="tx1"/>
-              </a:fontRef>
-            </p:style>
-          </p:cxnSp>
-          <p:cxnSp>
-            <p:nvCxnSpPr>
-              <p:cNvPr id="51" name="Straight Connector 50"/>
-              <p:cNvCxnSpPr/>
-              <p:nvPr/>
-            </p:nvCxnSpPr>
-            <p:spPr>
-              <a:xfrm rot="5400000" flipH="1" flipV="1">
-                <a:off x="2457165" y="3089889"/>
-                <a:ext cx="1542097" cy="1110763"/>
-              </a:xfrm>
-              <a:prstGeom prst="line">
-                <a:avLst/>
-              </a:prstGeom>
-              <a:ln>
-                <a:solidFill>
-                  <a:schemeClr val="accent6"/>
-                </a:solidFill>
-              </a:ln>
-              <a:effectLst/>
-            </p:spPr>
-            <p:style>
-              <a:lnRef idx="2">
-                <a:schemeClr val="accent1"/>
-              </a:lnRef>
-              <a:fillRef idx="0">
-                <a:schemeClr val="accent1"/>
-              </a:fillRef>
-              <a:effectRef idx="1">
-                <a:schemeClr val="accent1"/>
-              </a:effectRef>
-              <a:fontRef idx="minor">
-                <a:schemeClr val="tx1"/>
-              </a:fontRef>
-            </p:style>
-          </p:cxnSp>
-          <p:cxnSp>
-            <p:nvCxnSpPr>
-              <p:cNvPr id="52" name="Straight Connector 51"/>
-              <p:cNvCxnSpPr/>
-              <p:nvPr/>
-            </p:nvCxnSpPr>
-            <p:spPr>
-              <a:xfrm rot="5400000" flipH="1" flipV="1">
-                <a:off x="2456370" y="2933998"/>
-                <a:ext cx="1541303" cy="1109970"/>
-              </a:xfrm>
-              <a:prstGeom prst="line">
-                <a:avLst/>
-              </a:prstGeom>
-              <a:ln>
-                <a:solidFill>
-                  <a:schemeClr val="accent6"/>
-                </a:solidFill>
-              </a:ln>
-              <a:effectLst/>
-            </p:spPr>
-            <p:style>
-              <a:lnRef idx="2">
-                <a:schemeClr val="accent1"/>
-              </a:lnRef>
-              <a:fillRef idx="0">
-                <a:schemeClr val="accent1"/>
-              </a:fillRef>
-              <a:effectRef idx="1">
-                <a:schemeClr val="accent1"/>
-              </a:effectRef>
-              <a:fontRef idx="minor">
-                <a:schemeClr val="tx1"/>
-              </a:fontRef>
-            </p:style>
-          </p:cxnSp>
-          <p:cxnSp>
-            <p:nvCxnSpPr>
-              <p:cNvPr id="53" name="Straight Connector 52"/>
-              <p:cNvCxnSpPr/>
-              <p:nvPr/>
-            </p:nvCxnSpPr>
-            <p:spPr>
-              <a:xfrm rot="5400000" flipH="1" flipV="1">
-                <a:off x="2489029" y="3057229"/>
-                <a:ext cx="1228729" cy="862715"/>
-              </a:xfrm>
-              <a:prstGeom prst="line">
-                <a:avLst/>
-              </a:prstGeom>
-              <a:ln>
-                <a:solidFill>
-                  <a:schemeClr val="accent6"/>
-                </a:solidFill>
-              </a:ln>
-              <a:effectLst/>
-            </p:spPr>
-            <p:style>
-              <a:lnRef idx="2">
-                <a:schemeClr val="accent1"/>
-              </a:lnRef>
-              <a:fillRef idx="0">
-                <a:schemeClr val="accent1"/>
-              </a:fillRef>
-              <a:effectRef idx="1">
-                <a:schemeClr val="accent1"/>
-              </a:effectRef>
-              <a:fontRef idx="minor">
-                <a:schemeClr val="tx1"/>
-              </a:fontRef>
-            </p:style>
-          </p:cxnSp>
-          <p:cxnSp>
-            <p:nvCxnSpPr>
-              <p:cNvPr id="54" name="Straight Connector 53"/>
-              <p:cNvCxnSpPr/>
-              <p:nvPr/>
-            </p:nvCxnSpPr>
-            <p:spPr>
-              <a:xfrm rot="5400000" flipH="1" flipV="1">
-                <a:off x="2579067" y="3313544"/>
-                <a:ext cx="569803" cy="383864"/>
-              </a:xfrm>
-              <a:prstGeom prst="line">
-                <a:avLst/>
-              </a:prstGeom>
-              <a:ln>
-                <a:solidFill>
-                  <a:schemeClr val="accent6"/>
-                </a:solidFill>
-              </a:ln>
-              <a:effectLst/>
-            </p:spPr>
-            <p:style>
-              <a:lnRef idx="2">
-                <a:schemeClr val="accent1"/>
-              </a:lnRef>
-              <a:fillRef idx="0">
-                <a:schemeClr val="accent1"/>
-              </a:fillRef>
-              <a:effectRef idx="1">
-                <a:schemeClr val="accent1"/>
-              </a:effectRef>
-              <a:fontRef idx="minor">
-                <a:schemeClr val="tx1"/>
-              </a:fontRef>
-            </p:style>
-          </p:cxnSp>
-          <p:cxnSp>
-            <p:nvCxnSpPr>
-              <p:cNvPr id="55" name="Straight Connector 54"/>
-              <p:cNvCxnSpPr/>
-              <p:nvPr/>
-            </p:nvCxnSpPr>
-            <p:spPr>
-              <a:xfrm rot="5400000" flipH="1" flipV="1">
-                <a:off x="2528122" y="3032546"/>
-                <a:ext cx="1072046" cy="748413"/>
-              </a:xfrm>
-              <a:prstGeom prst="line">
-                <a:avLst/>
-              </a:prstGeom>
-              <a:ln>
-                <a:solidFill>
-                  <a:schemeClr val="accent6"/>
-                </a:solidFill>
-              </a:ln>
-              <a:effectLst/>
-            </p:spPr>
-            <p:style>
-              <a:lnRef idx="2">
-                <a:schemeClr val="accent1"/>
-              </a:lnRef>
-              <a:fillRef idx="0">
-                <a:schemeClr val="accent1"/>
-              </a:fillRef>
-              <a:effectRef idx="1">
-                <a:schemeClr val="accent1"/>
-              </a:effectRef>
-              <a:fontRef idx="minor">
-                <a:schemeClr val="tx1"/>
-              </a:fontRef>
-            </p:style>
-          </p:cxnSp>
-          <p:cxnSp>
-            <p:nvCxnSpPr>
-              <p:cNvPr id="56" name="Straight Connector 55"/>
-              <p:cNvCxnSpPr/>
-              <p:nvPr/>
-            </p:nvCxnSpPr>
-            <p:spPr>
-              <a:xfrm rot="5400000" flipH="1" flipV="1">
-                <a:off x="2622408" y="3459874"/>
-                <a:ext cx="239146" cy="139890"/>
-              </a:xfrm>
-              <a:prstGeom prst="line">
-                <a:avLst/>
-              </a:prstGeom>
-              <a:ln>
-                <a:solidFill>
-                  <a:schemeClr val="accent6"/>
-                </a:solidFill>
-              </a:ln>
-              <a:effectLst/>
-            </p:spPr>
-            <p:style>
-              <a:lnRef idx="2">
-                <a:schemeClr val="accent1"/>
-              </a:lnRef>
-              <a:fillRef idx="0">
-                <a:schemeClr val="accent1"/>
-              </a:fillRef>
-              <a:effectRef idx="1">
-                <a:schemeClr val="accent1"/>
-              </a:effectRef>
-              <a:fontRef idx="minor">
-                <a:schemeClr val="tx1"/>
-              </a:fontRef>
-            </p:style>
-          </p:cxnSp>
-          <p:cxnSp>
-            <p:nvCxnSpPr>
-              <p:cNvPr id="57" name="Curved Connector 56"/>
-              <p:cNvCxnSpPr/>
-              <p:nvPr/>
-            </p:nvCxnSpPr>
-            <p:spPr>
-              <a:xfrm flipV="1">
-                <a:off x="1655577" y="2577346"/>
-                <a:ext cx="3359673" cy="956595"/>
-              </a:xfrm>
-              <a:prstGeom prst="curvedConnector3">
-                <a:avLst>
-                  <a:gd name="adj1" fmla="val 46072"/>
-                </a:avLst>
-              </a:prstGeom>
-            </p:spPr>
-            <p:style>
-              <a:lnRef idx="2">
-                <a:schemeClr val="accent1"/>
-              </a:lnRef>
-              <a:fillRef idx="0">
-                <a:schemeClr val="accent1"/>
-              </a:fillRef>
-              <a:effectRef idx="1">
-                <a:schemeClr val="accent1"/>
-              </a:effectRef>
-              <a:fontRef idx="minor">
-                <a:schemeClr val="tx1"/>
-              </a:fontRef>
-            </p:style>
-          </p:cxnSp>
-          <p:cxnSp>
-            <p:nvCxnSpPr>
-              <p:cNvPr id="58" name="Straight Connector 57"/>
-              <p:cNvCxnSpPr/>
-              <p:nvPr/>
-            </p:nvCxnSpPr>
-            <p:spPr>
-              <a:xfrm rot="5400000" flipH="1" flipV="1">
-                <a:off x="2760234" y="3740104"/>
-                <a:ext cx="2045133" cy="1588"/>
-              </a:xfrm>
-              <a:prstGeom prst="line">
-                <a:avLst/>
-              </a:prstGeom>
-            </p:spPr>
-            <p:style>
-              <a:lnRef idx="2">
-                <a:schemeClr val="accent1"/>
-              </a:lnRef>
-              <a:fillRef idx="0">
-                <a:schemeClr val="accent1"/>
-              </a:fillRef>
-              <a:effectRef idx="1">
-                <a:schemeClr val="accent1"/>
-              </a:effectRef>
-              <a:fontRef idx="minor">
-                <a:schemeClr val="tx1"/>
-              </a:fontRef>
-            </p:style>
-          </p:cxnSp>
-          <p:cxnSp>
-            <p:nvCxnSpPr>
-              <p:cNvPr id="59" name="Straight Connector 58"/>
-              <p:cNvCxnSpPr/>
-              <p:nvPr/>
-            </p:nvCxnSpPr>
-            <p:spPr>
-              <a:xfrm rot="16200000" flipH="1">
-                <a:off x="1994636" y="4087648"/>
-                <a:ext cx="1354804" cy="1"/>
-              </a:xfrm>
-              <a:prstGeom prst="line">
-                <a:avLst/>
-              </a:prstGeom>
-            </p:spPr>
-            <p:style>
-              <a:lnRef idx="2">
-                <a:schemeClr val="accent1"/>
-              </a:lnRef>
-              <a:fillRef idx="0">
-                <a:schemeClr val="accent1"/>
-              </a:fillRef>
-              <a:effectRef idx="1">
-                <a:schemeClr val="accent1"/>
-              </a:effectRef>
-              <a:fontRef idx="minor">
-                <a:schemeClr val="tx1"/>
-              </a:fontRef>
-            </p:style>
-          </p:cxnSp>
-          <p:cxnSp>
-            <p:nvCxnSpPr>
-              <p:cNvPr id="60" name="Straight Arrow Connector 59"/>
-              <p:cNvCxnSpPr/>
-              <p:nvPr/>
-            </p:nvCxnSpPr>
-            <p:spPr>
-              <a:xfrm>
-                <a:off x="1449399" y="4762670"/>
-                <a:ext cx="3907301" cy="1588"/>
-              </a:xfrm>
-              <a:prstGeom prst="straightConnector1">
-                <a:avLst/>
-              </a:prstGeom>
-              <a:ln>
-                <a:tailEnd type="arrow"/>
-              </a:ln>
-            </p:spPr>
-            <p:style>
-              <a:lnRef idx="2">
-                <a:schemeClr val="accent1"/>
-              </a:lnRef>
-              <a:fillRef idx="0">
-                <a:schemeClr val="accent1"/>
-              </a:fillRef>
-              <a:effectRef idx="1">
-                <a:schemeClr val="accent1"/>
-              </a:effectRef>
-              <a:fontRef idx="minor">
-                <a:schemeClr val="tx1"/>
-              </a:fontRef>
-            </p:style>
-          </p:cxnSp>
-          <p:sp>
-            <p:nvSpPr>
-              <p:cNvPr id="61" name="TextBox 60"/>
-              <p:cNvSpPr txBox="1"/>
-              <p:nvPr/>
-            </p:nvSpPr>
-            <p:spPr>
-              <a:xfrm>
-                <a:off x="2243881" y="3101884"/>
-                <a:ext cx="663262" cy="276999"/>
-              </a:xfrm>
-              <a:prstGeom prst="rect">
-                <a:avLst/>
-              </a:prstGeom>
-              <a:noFill/>
-            </p:spPr>
-            <p:txBody>
-              <a:bodyPr wrap="none" rtlCol="0">
-                <a:spAutoFit/>
-              </a:bodyPr>
-              <a:lstStyle/>
-              <a:p>
-                <a:r>
-                  <a:rPr lang="en-US" sz="1200" i="1" dirty="0" err="1" smtClean="0">
-                    <a:latin typeface="Times New Roman"/>
-                  </a:rPr>
-                  <a:t>u</a:t>
-                </a:r>
-                <a:r>
-                  <a:rPr lang="en-US" sz="1200" dirty="0" err="1" smtClean="0">
-                    <a:latin typeface="Times New Roman"/>
-                  </a:rPr>
-                  <a:t>(</a:t>
-                </a:r>
-                <a:r>
-                  <a:rPr lang="en-US" sz="1200" i="1" dirty="0" err="1" smtClean="0">
-                    <a:latin typeface="Times New Roman"/>
-                  </a:rPr>
-                  <a:t>nT</a:t>
-                </a:r>
-                <a:r>
-                  <a:rPr lang="en-US" sz="1200" i="1" dirty="0" smtClean="0">
-                    <a:latin typeface="Times New Roman"/>
-                  </a:rPr>
-                  <a:t>-T</a:t>
-                </a:r>
-                <a:r>
-                  <a:rPr lang="en-US" sz="1200" dirty="0" smtClean="0">
-                    <a:latin typeface="Times New Roman"/>
-                  </a:rPr>
-                  <a:t>)</a:t>
-                </a:r>
-                <a:endParaRPr lang="en-US" sz="1200" dirty="0">
-                  <a:latin typeface="Times New Roman"/>
-                </a:endParaRPr>
-              </a:p>
-            </p:txBody>
-          </p:sp>
-          <p:sp>
-            <p:nvSpPr>
-              <p:cNvPr id="62" name="TextBox 61"/>
-              <p:cNvSpPr txBox="1"/>
-              <p:nvPr/>
-            </p:nvSpPr>
-            <p:spPr>
-              <a:xfrm>
-                <a:off x="2397257" y="4736571"/>
-                <a:ext cx="503664" cy="276999"/>
-              </a:xfrm>
-              <a:prstGeom prst="rect">
-                <a:avLst/>
-              </a:prstGeom>
-              <a:noFill/>
-            </p:spPr>
-            <p:txBody>
-              <a:bodyPr wrap="none" rtlCol="0">
-                <a:spAutoFit/>
-              </a:bodyPr>
-              <a:lstStyle/>
-              <a:p>
-                <a:r>
-                  <a:rPr lang="en-US" sz="1200" i="1" dirty="0" err="1" smtClean="0">
-                    <a:latin typeface="Times New Roman"/>
-                  </a:rPr>
-                  <a:t>nT</a:t>
-                </a:r>
-                <a:r>
-                  <a:rPr lang="en-US" sz="1200" i="1" dirty="0" smtClean="0">
-                    <a:latin typeface="Times New Roman"/>
-                  </a:rPr>
-                  <a:t>-T</a:t>
-                </a:r>
-                <a:endParaRPr lang="en-US" sz="1200" dirty="0">
-                  <a:latin typeface="Times New Roman"/>
-                </a:endParaRPr>
-              </a:p>
-            </p:txBody>
-          </p:sp>
-          <p:sp>
-            <p:nvSpPr>
-              <p:cNvPr id="63" name="TextBox 62"/>
-              <p:cNvSpPr txBox="1"/>
-              <p:nvPr/>
-            </p:nvSpPr>
-            <p:spPr>
-              <a:xfrm>
-                <a:off x="3584233" y="4736571"/>
-                <a:ext cx="375423" cy="276999"/>
-              </a:xfrm>
-              <a:prstGeom prst="rect">
-                <a:avLst/>
-              </a:prstGeom>
-              <a:noFill/>
-            </p:spPr>
-            <p:txBody>
-              <a:bodyPr wrap="none" rtlCol="0">
-                <a:spAutoFit/>
-              </a:bodyPr>
-              <a:lstStyle/>
-              <a:p>
-                <a:r>
-                  <a:rPr lang="en-US" sz="1200" i="1" dirty="0" err="1" smtClean="0">
-                    <a:latin typeface="Times New Roman"/>
-                  </a:rPr>
-                  <a:t>nT</a:t>
-                </a:r>
-                <a:endParaRPr lang="en-US" sz="1200" dirty="0">
-                  <a:latin typeface="Times New Roman"/>
-                </a:endParaRPr>
-              </a:p>
-            </p:txBody>
-          </p:sp>
-          <p:sp>
-            <p:nvSpPr>
-              <p:cNvPr id="64" name="TextBox 63"/>
-              <p:cNvSpPr txBox="1"/>
-              <p:nvPr/>
-            </p:nvSpPr>
-            <p:spPr>
-              <a:xfrm>
-                <a:off x="3652002" y="2390911"/>
-                <a:ext cx="537853" cy="276999"/>
-              </a:xfrm>
-              <a:prstGeom prst="rect">
-                <a:avLst/>
-              </a:prstGeom>
-              <a:noFill/>
-            </p:spPr>
-            <p:txBody>
-              <a:bodyPr wrap="none" rtlCol="0">
-                <a:spAutoFit/>
-              </a:bodyPr>
-              <a:lstStyle/>
-              <a:p>
-                <a:r>
-                  <a:rPr lang="en-US" sz="1200" i="1" dirty="0" err="1" smtClean="0">
-                    <a:latin typeface="Times New Roman"/>
-                  </a:rPr>
-                  <a:t>u</a:t>
-                </a:r>
-                <a:r>
-                  <a:rPr lang="en-US" sz="1200" dirty="0" err="1" smtClean="0">
-                    <a:latin typeface="Times New Roman"/>
-                  </a:rPr>
-                  <a:t>(</a:t>
-                </a:r>
-                <a:r>
-                  <a:rPr lang="en-US" sz="1200" i="1" dirty="0" err="1" smtClean="0">
-                    <a:latin typeface="Times New Roman"/>
-                  </a:rPr>
-                  <a:t>nT</a:t>
-                </a:r>
-                <a:r>
-                  <a:rPr lang="en-US" sz="1200" dirty="0" smtClean="0">
-                    <a:latin typeface="Times New Roman"/>
-                  </a:rPr>
-                  <a:t>)</a:t>
-                </a:r>
-                <a:endParaRPr lang="en-US" sz="1200" dirty="0">
-                  <a:latin typeface="Times New Roman"/>
-                </a:endParaRPr>
-              </a:p>
-            </p:txBody>
-          </p:sp>
-          <p:cxnSp>
-            <p:nvCxnSpPr>
-              <p:cNvPr id="65" name="Straight Arrow Connector 64"/>
-              <p:cNvCxnSpPr/>
-              <p:nvPr/>
-            </p:nvCxnSpPr>
-            <p:spPr>
-              <a:xfrm rot="10800000" flipV="1">
-                <a:off x="3783599" y="3378882"/>
-                <a:ext cx="741981" cy="155059"/>
-              </a:xfrm>
-              <a:prstGeom prst="straightConnector1">
-                <a:avLst/>
-              </a:prstGeom>
-              <a:ln>
-                <a:tailEnd type="arrow"/>
-              </a:ln>
-            </p:spPr>
-            <p:style>
-              <a:lnRef idx="2">
-                <a:schemeClr val="accent1"/>
-              </a:lnRef>
-              <a:fillRef idx="0">
-                <a:schemeClr val="accent1"/>
-              </a:fillRef>
-              <a:effectRef idx="1">
-                <a:schemeClr val="accent1"/>
-              </a:effectRef>
-              <a:fontRef idx="minor">
-                <a:schemeClr val="tx1"/>
-              </a:fontRef>
-            </p:style>
-          </p:cxnSp>
-          <p:sp>
-            <p:nvSpPr>
-              <p:cNvPr id="66" name="TextBox 65"/>
-              <p:cNvSpPr txBox="1"/>
-              <p:nvPr/>
-            </p:nvSpPr>
-            <p:spPr>
-              <a:xfrm>
-                <a:off x="4525577" y="3009550"/>
-                <a:ext cx="1790349" cy="369332"/>
-              </a:xfrm>
-              <a:prstGeom prst="rect">
-                <a:avLst/>
-              </a:prstGeom>
-              <a:noFill/>
-            </p:spPr>
-            <p:txBody>
-              <a:bodyPr wrap="none" rtlCol="0">
-                <a:spAutoFit/>
-              </a:bodyPr>
-              <a:lstStyle/>
-              <a:p>
-                <a:r>
-                  <a:rPr lang="en-US" dirty="0" smtClean="0"/>
-                  <a:t>Area of rectangle</a:t>
-                </a:r>
-                <a:endParaRPr lang="en-US" dirty="0"/>
-              </a:p>
-            </p:txBody>
-          </p:sp>
-          <p:graphicFrame>
-            <p:nvGraphicFramePr>
-              <p:cNvPr id="67" name="Object 66"/>
-              <p:cNvGraphicFramePr>
-                <a:graphicFrameLocks noChangeAspect="1"/>
-              </p:cNvGraphicFramePr>
-              <p:nvPr/>
-            </p:nvGraphicFramePr>
-            <p:xfrm>
-              <a:off x="4949825" y="3394075"/>
-              <a:ext cx="812800" cy="263525"/>
-            </p:xfrm>
-            <a:graphic>
-              <a:graphicData uri="http://schemas.openxmlformats.org/presentationml/2006/ole">
-                <p:oleObj spid="_x0000_s23555" name="Equation" r:id="rId3" imgW="469900" imgH="152400" progId="Equation.3">
-                  <p:embed/>
-                </p:oleObj>
-              </a:graphicData>
-            </a:graphic>
-          </p:graphicFrame>
-        </p:grpSp>
-      </p:grpSp>
-    </p:spTree>
-  </p:cSld>
-  <p:clrMapOvr>
-    <a:masterClrMapping/>
-  </p:clrMapOvr>
-</p:sld>
-</file>
-
-<file path=ppt/slides/slide9.xml><?xml version="1.0" encoding="utf-8"?>
-<p:sld xmlns:a="http://schemas.openxmlformats.org/drawingml/2006/main" xmlns:r="http://schemas.openxmlformats.org/officeDocument/2006/relationships" xmlns:mc="http://schemas.openxmlformats.org/markup-compatibility/2006" xmlns:mv="urn:schemas-microsoft-com:mac:vml" xmlns:p="http://schemas.openxmlformats.org/presentationml/2006/main" mc:Ignorable="mv" mc:PreserveAttributes="mv:*">
-  <p:cSld>
-    <p:spTree>
-      <p:nvGrpSpPr>
-        <p:cNvPr id="1" name=""/>
-        <p:cNvGrpSpPr/>
-        <p:nvPr/>
-      </p:nvGrpSpPr>
-      <p:grpSpPr>
-        <a:xfrm>
-          <a:off x="0" y="0"/>
-          <a:ext cx="0" cy="0"/>
-          <a:chOff x="0" y="0"/>
-          <a:chExt cx="0" cy="0"/>
-        </a:xfrm>
-      </p:grpSpPr>
-      <p:sp>
-        <p:nvSpPr>
-          <p:cNvPr id="2" name="Title 1"/>
-          <p:cNvSpPr>
-            <a:spLocks noGrp="1"/>
-          </p:cNvSpPr>
-          <p:nvPr>
-            <p:ph type="title"/>
-          </p:nvPr>
-        </p:nvSpPr>
-        <p:spPr/>
-        <p:txBody>
-          <a:bodyPr/>
-          <a:lstStyle/>
-          <a:p>
-            <a:r>
-              <a:rPr lang="en-US" dirty="0" smtClean="0"/>
-              <a:t>Trapezoidal (Tustin)</a:t>
-            </a:r>
-            <a:endParaRPr lang="en-US" dirty="0"/>
-          </a:p>
-        </p:txBody>
-      </p:sp>
-      <p:grpSp>
-        <p:nvGrpSpPr>
-          <p:cNvPr id="69" name="Group 68"/>
-          <p:cNvGrpSpPr/>
-          <p:nvPr/>
-        </p:nvGrpSpPr>
-        <p:grpSpPr>
-          <a:xfrm>
-            <a:off x="1265357" y="2258234"/>
-            <a:ext cx="5741368" cy="2782316"/>
-            <a:chOff x="1265357" y="2258234"/>
-            <a:chExt cx="5741368" cy="2782316"/>
-          </a:xfrm>
-        </p:grpSpPr>
-        <p:sp>
-          <p:nvSpPr>
-            <p:cNvPr id="68" name="Freeform 67"/>
-            <p:cNvSpPr/>
-            <p:nvPr/>
-          </p:nvSpPr>
-          <p:spPr>
-            <a:xfrm>
-              <a:off x="2775096" y="2680881"/>
-              <a:ext cx="1140611" cy="2045936"/>
-            </a:xfrm>
-            <a:custGeom>
-              <a:avLst/>
-              <a:gdLst>
-                <a:gd name="connsiteX0" fmla="*/ 11759 w 1140611"/>
-                <a:gd name="connsiteY0" fmla="*/ 2022419 h 2045936"/>
-                <a:gd name="connsiteX1" fmla="*/ 0 w 1140611"/>
-                <a:gd name="connsiteY1" fmla="*/ 681979 h 2045936"/>
-                <a:gd name="connsiteX2" fmla="*/ 0 w 1140611"/>
-                <a:gd name="connsiteY2" fmla="*/ 681979 h 2045936"/>
-                <a:gd name="connsiteX3" fmla="*/ 1128853 w 1140611"/>
-                <a:gd name="connsiteY3" fmla="*/ 0 h 2045936"/>
-                <a:gd name="connsiteX4" fmla="*/ 1128853 w 1140611"/>
-                <a:gd name="connsiteY4" fmla="*/ 0 h 2045936"/>
-                <a:gd name="connsiteX5" fmla="*/ 1140611 w 1140611"/>
-                <a:gd name="connsiteY5" fmla="*/ 2045936 h 2045936"/>
-                <a:gd name="connsiteX6" fmla="*/ 1140611 w 1140611"/>
-                <a:gd name="connsiteY6" fmla="*/ 2045936 h 2045936"/>
-                <a:gd name="connsiteX7" fmla="*/ 11759 w 1140611"/>
-                <a:gd name="connsiteY7" fmla="*/ 2022419 h 2045936"/>
-              </a:gdLst>
-              <a:ahLst/>
-              <a:cxnLst>
-                <a:cxn ang="0">
-                  <a:pos x="connsiteX0" y="connsiteY0"/>
-                </a:cxn>
-                <a:cxn ang="0">
-                  <a:pos x="connsiteX1" y="connsiteY1"/>
-                </a:cxn>
-                <a:cxn ang="0">
-                  <a:pos x="connsiteX2" y="connsiteY2"/>
-                </a:cxn>
-                <a:cxn ang="0">
-                  <a:pos x="connsiteX3" y="connsiteY3"/>
-                </a:cxn>
-                <a:cxn ang="0">
-                  <a:pos x="connsiteX4" y="connsiteY4"/>
-                </a:cxn>
-                <a:cxn ang="0">
-                  <a:pos x="connsiteX5" y="connsiteY5"/>
-                </a:cxn>
-                <a:cxn ang="0">
-                  <a:pos x="connsiteX6" y="connsiteY6"/>
-                </a:cxn>
-                <a:cxn ang="0">
-                  <a:pos x="connsiteX7" y="connsiteY7"/>
-                </a:cxn>
-              </a:cxnLst>
-              <a:rect l="l" t="t" r="r" b="b"/>
-              <a:pathLst>
-                <a:path w="1140611" h="2045936">
-                  <a:moveTo>
-                    <a:pt x="11759" y="2022419"/>
-                  </a:moveTo>
-                  <a:lnTo>
-                    <a:pt x="0" y="681979"/>
-                  </a:lnTo>
-                  <a:lnTo>
-                    <a:pt x="0" y="681979"/>
-                  </a:lnTo>
-                  <a:lnTo>
-                    <a:pt x="1128853" y="0"/>
-                  </a:lnTo>
-                  <a:lnTo>
-                    <a:pt x="1128853" y="0"/>
-                  </a:lnTo>
-                  <a:cubicBezTo>
-                    <a:pt x="1132772" y="681979"/>
-                    <a:pt x="1140611" y="2045936"/>
-                    <a:pt x="1140611" y="2045936"/>
-                  </a:cubicBezTo>
-                  <a:lnTo>
-                    <a:pt x="1140611" y="2045936"/>
-                  </a:lnTo>
-                  <a:lnTo>
-                    <a:pt x="11759" y="2022419"/>
-                  </a:lnTo>
-                  <a:close/>
-                </a:path>
-              </a:pathLst>
-            </a:custGeom>
-          </p:spPr>
-          <p:style>
-            <a:lnRef idx="1">
-              <a:schemeClr val="accent1"/>
-            </a:lnRef>
-            <a:fillRef idx="3">
-              <a:schemeClr val="accent1"/>
-            </a:fillRef>
-            <a:effectRef idx="2">
-              <a:schemeClr val="accent1"/>
-            </a:effectRef>
-            <a:fontRef idx="minor">
-              <a:schemeClr val="lt1"/>
-            </a:fontRef>
-          </p:style>
-          <p:txBody>
-            <a:bodyPr rtlCol="0" anchor="ctr"/>
-            <a:lstStyle/>
-            <a:p>
-              <a:pPr algn="ctr"/>
-              <a:endParaRPr lang="en-US"/>
-            </a:p>
-          </p:txBody>
-        </p:sp>
-        <p:grpSp>
-          <p:nvGrpSpPr>
-            <p:cNvPr id="37" name="Group 36"/>
-            <p:cNvGrpSpPr/>
-            <p:nvPr/>
-          </p:nvGrpSpPr>
-          <p:grpSpPr>
-            <a:xfrm>
-              <a:off x="1265357" y="2258234"/>
-              <a:ext cx="5741368" cy="2782316"/>
-              <a:chOff x="1131265" y="2308441"/>
-              <a:chExt cx="5741368" cy="2782316"/>
-            </a:xfrm>
-          </p:grpSpPr>
-          <p:cxnSp>
-            <p:nvCxnSpPr>
-              <p:cNvPr id="38" name="Straight Arrow Connector 37"/>
-              <p:cNvCxnSpPr/>
-              <p:nvPr/>
-            </p:nvCxnSpPr>
-            <p:spPr>
-              <a:xfrm rot="16200000" flipV="1">
-                <a:off x="360877" y="3632898"/>
-                <a:ext cx="2605896" cy="16495"/>
-              </a:xfrm>
-              <a:prstGeom prst="straightConnector1">
-                <a:avLst/>
-              </a:prstGeom>
-              <a:ln>
-                <a:tailEnd type="arrow"/>
-              </a:ln>
-            </p:spPr>
-            <p:style>
-              <a:lnRef idx="2">
-                <a:schemeClr val="accent1"/>
-              </a:lnRef>
-              <a:fillRef idx="0">
-                <a:schemeClr val="accent1"/>
-              </a:fillRef>
-              <a:effectRef idx="1">
-                <a:schemeClr val="accent1"/>
-              </a:effectRef>
-              <a:fontRef idx="minor">
-                <a:schemeClr val="tx1"/>
-              </a:fontRef>
-            </p:style>
-          </p:cxnSp>
-          <p:sp>
-            <p:nvSpPr>
-              <p:cNvPr id="39" name="TextBox 38"/>
-              <p:cNvSpPr txBox="1"/>
-              <p:nvPr/>
-            </p:nvSpPr>
-            <p:spPr>
-              <a:xfrm>
-                <a:off x="1131265" y="2308441"/>
-                <a:ext cx="536654" cy="369332"/>
-              </a:xfrm>
-              <a:prstGeom prst="rect">
-                <a:avLst/>
-              </a:prstGeom>
-              <a:noFill/>
-            </p:spPr>
-            <p:txBody>
-              <a:bodyPr wrap="none" rtlCol="0">
-                <a:spAutoFit/>
-              </a:bodyPr>
-              <a:lstStyle/>
-              <a:p>
-                <a:r>
-                  <a:rPr lang="en-US" i="1" dirty="0" err="1" smtClean="0">
-                    <a:latin typeface="Times New Roman"/>
-                  </a:rPr>
-                  <a:t>u</a:t>
-                </a:r>
-                <a:r>
-                  <a:rPr lang="en-US" dirty="0" err="1" smtClean="0">
-                    <a:latin typeface="Times New Roman"/>
-                  </a:rPr>
-                  <a:t>(</a:t>
-                </a:r>
-                <a:r>
-                  <a:rPr lang="en-US" i="1" dirty="0" err="1" smtClean="0">
-                    <a:latin typeface="Times New Roman"/>
-                  </a:rPr>
-                  <a:t>t</a:t>
-                </a:r>
-                <a:r>
-                  <a:rPr lang="en-US" dirty="0" smtClean="0">
-                    <a:latin typeface="Times New Roman"/>
-                  </a:rPr>
-                  <a:t>)</a:t>
-                </a:r>
-                <a:endParaRPr lang="en-US" dirty="0">
-                  <a:latin typeface="Times New Roman"/>
-                </a:endParaRPr>
-              </a:p>
-            </p:txBody>
-          </p:sp>
-          <p:sp>
-            <p:nvSpPr>
-              <p:cNvPr id="40" name="TextBox 39"/>
-              <p:cNvSpPr txBox="1"/>
-              <p:nvPr/>
-            </p:nvSpPr>
-            <p:spPr>
-              <a:xfrm>
-                <a:off x="5134610" y="4721425"/>
-                <a:ext cx="267500" cy="369332"/>
-              </a:xfrm>
-              <a:prstGeom prst="rect">
-                <a:avLst/>
-              </a:prstGeom>
-              <a:noFill/>
-            </p:spPr>
-            <p:txBody>
-              <a:bodyPr wrap="none" rtlCol="0">
-                <a:spAutoFit/>
-              </a:bodyPr>
-              <a:lstStyle/>
-              <a:p>
-                <a:r>
-                  <a:rPr lang="en-US" i="1" dirty="0" err="1" smtClean="0">
-                    <a:latin typeface="Times New Roman"/>
-                  </a:rPr>
-                  <a:t>t</a:t>
-                </a:r>
-                <a:endParaRPr lang="en-US" dirty="0">
-                  <a:latin typeface="Times New Roman"/>
-                </a:endParaRPr>
-              </a:p>
-            </p:txBody>
-          </p:sp>
-          <p:cxnSp>
-            <p:nvCxnSpPr>
-              <p:cNvPr id="41" name="Straight Connector 40"/>
-              <p:cNvCxnSpPr/>
-              <p:nvPr/>
-            </p:nvCxnSpPr>
-            <p:spPr>
-              <a:xfrm rot="5400000" flipH="1" flipV="1">
-                <a:off x="3630302" y="4610967"/>
-                <a:ext cx="181423" cy="121985"/>
-              </a:xfrm>
-              <a:prstGeom prst="line">
-                <a:avLst/>
-              </a:prstGeom>
-              <a:ln>
-                <a:solidFill>
-                  <a:schemeClr val="accent6"/>
-                </a:solidFill>
-              </a:ln>
-              <a:effectLst/>
-            </p:spPr>
-            <p:style>
-              <a:lnRef idx="2">
-                <a:schemeClr val="accent1"/>
-              </a:lnRef>
-              <a:fillRef idx="0">
-                <a:schemeClr val="accent1"/>
-              </a:fillRef>
-              <a:effectRef idx="1">
-                <a:schemeClr val="accent1"/>
-              </a:effectRef>
-              <a:fontRef idx="minor">
-                <a:schemeClr val="tx1"/>
-              </a:fontRef>
-            </p:style>
-          </p:cxnSp>
-          <p:cxnSp>
-            <p:nvCxnSpPr>
-              <p:cNvPr id="42" name="Straight Connector 41"/>
-              <p:cNvCxnSpPr/>
-              <p:nvPr/>
-            </p:nvCxnSpPr>
-            <p:spPr>
-              <a:xfrm rot="5400000" flipH="1" flipV="1">
-                <a:off x="3485202" y="4465867"/>
-                <a:ext cx="346353" cy="247255"/>
-              </a:xfrm>
-              <a:prstGeom prst="line">
-                <a:avLst/>
-              </a:prstGeom>
-              <a:ln>
-                <a:solidFill>
-                  <a:schemeClr val="accent6"/>
-                </a:solidFill>
-              </a:ln>
-              <a:effectLst/>
-            </p:spPr>
-            <p:style>
-              <a:lnRef idx="2">
-                <a:schemeClr val="accent1"/>
-              </a:lnRef>
-              <a:fillRef idx="0">
-                <a:schemeClr val="accent1"/>
-              </a:fillRef>
-              <a:effectRef idx="1">
-                <a:schemeClr val="accent1"/>
-              </a:effectRef>
-              <a:fontRef idx="minor">
-                <a:schemeClr val="tx1"/>
-              </a:fontRef>
-            </p:style>
-          </p:cxnSp>
-          <p:cxnSp>
-            <p:nvCxnSpPr>
-              <p:cNvPr id="43" name="Straight Connector 42"/>
-              <p:cNvCxnSpPr/>
-              <p:nvPr/>
-            </p:nvCxnSpPr>
-            <p:spPr>
-              <a:xfrm rot="5400000" flipH="1" flipV="1">
-                <a:off x="3349710" y="4330375"/>
-                <a:ext cx="503036" cy="361555"/>
-              </a:xfrm>
-              <a:prstGeom prst="line">
-                <a:avLst/>
-              </a:prstGeom>
-              <a:ln>
-                <a:solidFill>
-                  <a:schemeClr val="accent6"/>
-                </a:solidFill>
-              </a:ln>
-              <a:effectLst/>
-            </p:spPr>
-            <p:style>
-              <a:lnRef idx="2">
-                <a:schemeClr val="accent1"/>
-              </a:lnRef>
-              <a:fillRef idx="0">
-                <a:schemeClr val="accent1"/>
-              </a:fillRef>
-              <a:effectRef idx="1">
-                <a:schemeClr val="accent1"/>
-              </a:effectRef>
-              <a:fontRef idx="minor">
-                <a:schemeClr val="tx1"/>
-              </a:fontRef>
-            </p:style>
-          </p:cxnSp>
-          <p:cxnSp>
-            <p:nvCxnSpPr>
-              <p:cNvPr id="44" name="Straight Connector 43"/>
-              <p:cNvCxnSpPr/>
-              <p:nvPr/>
-            </p:nvCxnSpPr>
-            <p:spPr>
-              <a:xfrm rot="5400000" flipH="1" flipV="1">
-                <a:off x="3211171" y="4190245"/>
-                <a:ext cx="659720" cy="485131"/>
-              </a:xfrm>
-              <a:prstGeom prst="line">
-                <a:avLst/>
-              </a:prstGeom>
-              <a:ln>
-                <a:solidFill>
-                  <a:schemeClr val="accent6"/>
-                </a:solidFill>
-              </a:ln>
-              <a:effectLst/>
-            </p:spPr>
-            <p:style>
-              <a:lnRef idx="2">
-                <a:schemeClr val="accent1"/>
-              </a:lnRef>
-              <a:fillRef idx="0">
-                <a:schemeClr val="accent1"/>
-              </a:fillRef>
-              <a:effectRef idx="1">
-                <a:schemeClr val="accent1"/>
-              </a:effectRef>
-              <a:fontRef idx="minor">
-                <a:schemeClr val="tx1"/>
-              </a:fontRef>
-            </p:style>
-          </p:cxnSp>
-          <p:cxnSp>
-            <p:nvCxnSpPr>
-              <p:cNvPr id="45" name="Straight Connector 44"/>
-              <p:cNvCxnSpPr/>
-              <p:nvPr/>
-            </p:nvCxnSpPr>
-            <p:spPr>
-              <a:xfrm rot="5400000" flipH="1" flipV="1">
-                <a:off x="3070554" y="4053598"/>
-                <a:ext cx="818785" cy="604123"/>
-              </a:xfrm>
-              <a:prstGeom prst="line">
-                <a:avLst/>
-              </a:prstGeom>
-              <a:ln>
-                <a:solidFill>
-                  <a:schemeClr val="accent6"/>
-                </a:solidFill>
-              </a:ln>
-              <a:effectLst/>
-            </p:spPr>
-            <p:style>
-              <a:lnRef idx="2">
-                <a:schemeClr val="accent1"/>
-              </a:lnRef>
-              <a:fillRef idx="0">
-                <a:schemeClr val="accent1"/>
-              </a:fillRef>
-              <a:effectRef idx="1">
-                <a:schemeClr val="accent1"/>
-              </a:effectRef>
-              <a:fontRef idx="minor">
-                <a:schemeClr val="tx1"/>
-              </a:fontRef>
-            </p:style>
-          </p:cxnSp>
-          <p:cxnSp>
-            <p:nvCxnSpPr>
-              <p:cNvPr id="46" name="Straight Connector 45"/>
-              <p:cNvCxnSpPr/>
-              <p:nvPr/>
-            </p:nvCxnSpPr>
-            <p:spPr>
-              <a:xfrm rot="5400000" flipH="1" flipV="1">
-                <a:off x="2923765" y="3905224"/>
-                <a:ext cx="991963" cy="727697"/>
-              </a:xfrm>
-              <a:prstGeom prst="line">
-                <a:avLst/>
-              </a:prstGeom>
-              <a:ln>
-                <a:solidFill>
-                  <a:schemeClr val="accent6"/>
-                </a:solidFill>
-              </a:ln>
-              <a:effectLst/>
-            </p:spPr>
-            <p:style>
-              <a:lnRef idx="2">
-                <a:schemeClr val="accent1"/>
-              </a:lnRef>
-              <a:fillRef idx="0">
-                <a:schemeClr val="accent1"/>
-              </a:fillRef>
-              <a:effectRef idx="1">
-                <a:schemeClr val="accent1"/>
-              </a:effectRef>
-              <a:fontRef idx="minor">
-                <a:schemeClr val="tx1"/>
-              </a:fontRef>
-            </p:style>
-          </p:cxnSp>
-          <p:cxnSp>
-            <p:nvCxnSpPr>
-              <p:cNvPr id="47" name="Straight Connector 46"/>
-              <p:cNvCxnSpPr/>
-              <p:nvPr/>
-            </p:nvCxnSpPr>
-            <p:spPr>
-              <a:xfrm rot="5400000" flipH="1" flipV="1">
-                <a:off x="2792677" y="3774133"/>
-                <a:ext cx="1132154" cy="849686"/>
-              </a:xfrm>
-              <a:prstGeom prst="line">
-                <a:avLst/>
-              </a:prstGeom>
-              <a:ln>
-                <a:solidFill>
-                  <a:schemeClr val="accent6"/>
-                </a:solidFill>
-              </a:ln>
-              <a:effectLst/>
-            </p:spPr>
-            <p:style>
-              <a:lnRef idx="2">
-                <a:schemeClr val="accent1"/>
-              </a:lnRef>
-              <a:fillRef idx="0">
-                <a:schemeClr val="accent1"/>
-              </a:fillRef>
-              <a:effectRef idx="1">
-                <a:schemeClr val="accent1"/>
-              </a:effectRef>
-              <a:fontRef idx="minor">
-                <a:schemeClr val="tx1"/>
-              </a:fontRef>
-            </p:style>
-          </p:cxnSp>
-          <p:cxnSp>
-            <p:nvCxnSpPr>
-              <p:cNvPr id="48" name="Straight Connector 47"/>
-              <p:cNvCxnSpPr/>
-              <p:nvPr/>
-            </p:nvCxnSpPr>
-            <p:spPr>
-              <a:xfrm rot="5400000" flipH="1" flipV="1">
-                <a:off x="2620356" y="3601815"/>
-                <a:ext cx="1354807" cy="971671"/>
-              </a:xfrm>
-              <a:prstGeom prst="line">
-                <a:avLst/>
-              </a:prstGeom>
-              <a:ln>
-                <a:solidFill>
-                  <a:schemeClr val="accent6"/>
-                </a:solidFill>
-              </a:ln>
-              <a:effectLst/>
-            </p:spPr>
-            <p:style>
-              <a:lnRef idx="2">
-                <a:schemeClr val="accent1"/>
-              </a:lnRef>
-              <a:fillRef idx="0">
-                <a:schemeClr val="accent1"/>
-              </a:fillRef>
-              <a:effectRef idx="1">
-                <a:schemeClr val="accent1"/>
-              </a:effectRef>
-              <a:fontRef idx="minor">
-                <a:schemeClr val="tx1"/>
-              </a:fontRef>
-            </p:style>
-          </p:cxnSp>
-          <p:cxnSp>
-            <p:nvCxnSpPr>
-              <p:cNvPr id="49" name="Straight Connector 48"/>
-              <p:cNvCxnSpPr/>
-              <p:nvPr/>
-            </p:nvCxnSpPr>
-            <p:spPr>
-              <a:xfrm rot="5400000" flipH="1" flipV="1">
-                <a:off x="2464527" y="3445985"/>
-                <a:ext cx="1544479" cy="1093658"/>
-              </a:xfrm>
-              <a:prstGeom prst="line">
-                <a:avLst/>
-              </a:prstGeom>
-              <a:ln>
-                <a:solidFill>
-                  <a:schemeClr val="accent6"/>
-                </a:solidFill>
-              </a:ln>
-              <a:effectLst/>
-            </p:spPr>
-            <p:style>
-              <a:lnRef idx="2">
-                <a:schemeClr val="accent1"/>
-              </a:lnRef>
-              <a:fillRef idx="0">
-                <a:schemeClr val="accent1"/>
-              </a:fillRef>
-              <a:effectRef idx="1">
-                <a:schemeClr val="accent1"/>
-              </a:effectRef>
-              <a:fontRef idx="minor">
-                <a:schemeClr val="tx1"/>
-              </a:fontRef>
-            </p:style>
-          </p:cxnSp>
-          <p:cxnSp>
-            <p:nvCxnSpPr>
-              <p:cNvPr id="50" name="Straight Connector 49"/>
-              <p:cNvCxnSpPr/>
-              <p:nvPr/>
-            </p:nvCxnSpPr>
-            <p:spPr>
-              <a:xfrm rot="5400000" flipH="1" flipV="1">
-                <a:off x="2465719" y="3263372"/>
-                <a:ext cx="1542096" cy="1093657"/>
-              </a:xfrm>
-              <a:prstGeom prst="line">
-                <a:avLst/>
-              </a:prstGeom>
-              <a:ln>
-                <a:solidFill>
-                  <a:schemeClr val="accent6"/>
-                </a:solidFill>
-              </a:ln>
-              <a:effectLst/>
-            </p:spPr>
-            <p:style>
-              <a:lnRef idx="2">
-                <a:schemeClr val="accent1"/>
-              </a:lnRef>
-              <a:fillRef idx="0">
-                <a:schemeClr val="accent1"/>
-              </a:fillRef>
-              <a:effectRef idx="1">
-                <a:schemeClr val="accent1"/>
-              </a:effectRef>
-              <a:fontRef idx="minor">
-                <a:schemeClr val="tx1"/>
-              </a:fontRef>
-            </p:style>
-          </p:cxnSp>
-          <p:cxnSp>
-            <p:nvCxnSpPr>
-              <p:cNvPr id="51" name="Straight Connector 50"/>
-              <p:cNvCxnSpPr/>
-              <p:nvPr/>
-            </p:nvCxnSpPr>
-            <p:spPr>
-              <a:xfrm rot="5400000" flipH="1" flipV="1">
-                <a:off x="2457165" y="3089889"/>
-                <a:ext cx="1542097" cy="1110763"/>
-              </a:xfrm>
-              <a:prstGeom prst="line">
-                <a:avLst/>
-              </a:prstGeom>
-              <a:ln>
-                <a:solidFill>
-                  <a:schemeClr val="accent6"/>
-                </a:solidFill>
-              </a:ln>
-              <a:effectLst/>
-            </p:spPr>
-            <p:style>
-              <a:lnRef idx="2">
-                <a:schemeClr val="accent1"/>
-              </a:lnRef>
-              <a:fillRef idx="0">
-                <a:schemeClr val="accent1"/>
-              </a:fillRef>
-              <a:effectRef idx="1">
-                <a:schemeClr val="accent1"/>
-              </a:effectRef>
-              <a:fontRef idx="minor">
-                <a:schemeClr val="tx1"/>
-              </a:fontRef>
-            </p:style>
-          </p:cxnSp>
-          <p:cxnSp>
-            <p:nvCxnSpPr>
-              <p:cNvPr id="52" name="Straight Connector 51"/>
-              <p:cNvCxnSpPr/>
-              <p:nvPr/>
-            </p:nvCxnSpPr>
-            <p:spPr>
-              <a:xfrm rot="5400000" flipH="1" flipV="1">
-                <a:off x="2456370" y="2933998"/>
-                <a:ext cx="1541303" cy="1109970"/>
-              </a:xfrm>
-              <a:prstGeom prst="line">
-                <a:avLst/>
-              </a:prstGeom>
-              <a:ln>
-                <a:solidFill>
-                  <a:schemeClr val="accent6"/>
-                </a:solidFill>
-              </a:ln>
-              <a:effectLst/>
-            </p:spPr>
-            <p:style>
-              <a:lnRef idx="2">
-                <a:schemeClr val="accent1"/>
-              </a:lnRef>
-              <a:fillRef idx="0">
-                <a:schemeClr val="accent1"/>
-              </a:fillRef>
-              <a:effectRef idx="1">
-                <a:schemeClr val="accent1"/>
-              </a:effectRef>
-              <a:fontRef idx="minor">
-                <a:schemeClr val="tx1"/>
-              </a:fontRef>
-            </p:style>
-          </p:cxnSp>
-          <p:cxnSp>
-            <p:nvCxnSpPr>
-              <p:cNvPr id="53" name="Straight Connector 52"/>
-              <p:cNvCxnSpPr/>
-              <p:nvPr/>
-            </p:nvCxnSpPr>
-            <p:spPr>
-              <a:xfrm rot="5400000" flipH="1" flipV="1">
-                <a:off x="2489029" y="3057229"/>
-                <a:ext cx="1228729" cy="862715"/>
-              </a:xfrm>
-              <a:prstGeom prst="line">
-                <a:avLst/>
-              </a:prstGeom>
-              <a:ln>
-                <a:solidFill>
-                  <a:schemeClr val="accent6"/>
-                </a:solidFill>
-              </a:ln>
-              <a:effectLst/>
-            </p:spPr>
-            <p:style>
-              <a:lnRef idx="2">
-                <a:schemeClr val="accent1"/>
-              </a:lnRef>
-              <a:fillRef idx="0">
-                <a:schemeClr val="accent1"/>
-              </a:fillRef>
-              <a:effectRef idx="1">
-                <a:schemeClr val="accent1"/>
-              </a:effectRef>
-              <a:fontRef idx="minor">
-                <a:schemeClr val="tx1"/>
-              </a:fontRef>
-            </p:style>
-          </p:cxnSp>
-          <p:cxnSp>
-            <p:nvCxnSpPr>
-              <p:cNvPr id="54" name="Straight Connector 53"/>
-              <p:cNvCxnSpPr/>
-              <p:nvPr/>
-            </p:nvCxnSpPr>
-            <p:spPr>
-              <a:xfrm rot="5400000" flipH="1" flipV="1">
-                <a:off x="2579067" y="3313544"/>
-                <a:ext cx="569803" cy="383864"/>
-              </a:xfrm>
-              <a:prstGeom prst="line">
-                <a:avLst/>
-              </a:prstGeom>
-              <a:ln>
-                <a:solidFill>
-                  <a:schemeClr val="accent6"/>
-                </a:solidFill>
-              </a:ln>
-              <a:effectLst/>
-            </p:spPr>
-            <p:style>
-              <a:lnRef idx="2">
-                <a:schemeClr val="accent1"/>
-              </a:lnRef>
-              <a:fillRef idx="0">
-                <a:schemeClr val="accent1"/>
-              </a:fillRef>
-              <a:effectRef idx="1">
-                <a:schemeClr val="accent1"/>
-              </a:effectRef>
-              <a:fontRef idx="minor">
-                <a:schemeClr val="tx1"/>
-              </a:fontRef>
-            </p:style>
-          </p:cxnSp>
-          <p:cxnSp>
-            <p:nvCxnSpPr>
-              <p:cNvPr id="55" name="Straight Connector 54"/>
-              <p:cNvCxnSpPr/>
-              <p:nvPr/>
-            </p:nvCxnSpPr>
-            <p:spPr>
-              <a:xfrm rot="5400000" flipH="1" flipV="1">
-                <a:off x="2528122" y="3032546"/>
-                <a:ext cx="1072046" cy="748413"/>
-              </a:xfrm>
-              <a:prstGeom prst="line">
-                <a:avLst/>
-              </a:prstGeom>
-              <a:ln>
-                <a:solidFill>
-                  <a:schemeClr val="accent6"/>
-                </a:solidFill>
-              </a:ln>
-              <a:effectLst/>
-            </p:spPr>
-            <p:style>
-              <a:lnRef idx="2">
-                <a:schemeClr val="accent1"/>
-              </a:lnRef>
-              <a:fillRef idx="0">
-                <a:schemeClr val="accent1"/>
-              </a:fillRef>
-              <a:effectRef idx="1">
-                <a:schemeClr val="accent1"/>
-              </a:effectRef>
-              <a:fontRef idx="minor">
-                <a:schemeClr val="tx1"/>
-              </a:fontRef>
-            </p:style>
-          </p:cxnSp>
-          <p:cxnSp>
-            <p:nvCxnSpPr>
-              <p:cNvPr id="56" name="Straight Connector 55"/>
-              <p:cNvCxnSpPr/>
-              <p:nvPr/>
-            </p:nvCxnSpPr>
-            <p:spPr>
-              <a:xfrm rot="5400000" flipH="1" flipV="1">
-                <a:off x="2622408" y="3459874"/>
-                <a:ext cx="239146" cy="139890"/>
-              </a:xfrm>
-              <a:prstGeom prst="line">
-                <a:avLst/>
-              </a:prstGeom>
-              <a:ln>
-                <a:solidFill>
-                  <a:schemeClr val="accent6"/>
-                </a:solidFill>
-              </a:ln>
-              <a:effectLst/>
-            </p:spPr>
-            <p:style>
-              <a:lnRef idx="2">
-                <a:schemeClr val="accent1"/>
-              </a:lnRef>
-              <a:fillRef idx="0">
-                <a:schemeClr val="accent1"/>
-              </a:fillRef>
-              <a:effectRef idx="1">
-                <a:schemeClr val="accent1"/>
-              </a:effectRef>
-              <a:fontRef idx="minor">
-                <a:schemeClr val="tx1"/>
-              </a:fontRef>
-            </p:style>
-          </p:cxnSp>
-          <p:cxnSp>
-            <p:nvCxnSpPr>
-              <p:cNvPr id="57" name="Curved Connector 56"/>
-              <p:cNvCxnSpPr/>
-              <p:nvPr/>
-            </p:nvCxnSpPr>
-            <p:spPr>
-              <a:xfrm flipV="1">
-                <a:off x="1655577" y="2577346"/>
-                <a:ext cx="3359673" cy="956595"/>
-              </a:xfrm>
-              <a:prstGeom prst="curvedConnector3">
-                <a:avLst>
-                  <a:gd name="adj1" fmla="val 46072"/>
-                </a:avLst>
-              </a:prstGeom>
-            </p:spPr>
-            <p:style>
-              <a:lnRef idx="2">
-                <a:schemeClr val="accent1"/>
-              </a:lnRef>
-              <a:fillRef idx="0">
-                <a:schemeClr val="accent1"/>
-              </a:fillRef>
-              <a:effectRef idx="1">
-                <a:schemeClr val="accent1"/>
-              </a:effectRef>
-              <a:fontRef idx="minor">
-                <a:schemeClr val="tx1"/>
-              </a:fontRef>
-            </p:style>
-          </p:cxnSp>
-          <p:cxnSp>
-            <p:nvCxnSpPr>
-              <p:cNvPr id="58" name="Straight Connector 57"/>
-              <p:cNvCxnSpPr/>
-              <p:nvPr/>
-            </p:nvCxnSpPr>
-            <p:spPr>
-              <a:xfrm rot="5400000" flipH="1" flipV="1">
-                <a:off x="2760234" y="3740104"/>
-                <a:ext cx="2045133" cy="1588"/>
-              </a:xfrm>
-              <a:prstGeom prst="line">
-                <a:avLst/>
-              </a:prstGeom>
-            </p:spPr>
-            <p:style>
-              <a:lnRef idx="2">
-                <a:schemeClr val="accent1"/>
-              </a:lnRef>
-              <a:fillRef idx="0">
-                <a:schemeClr val="accent1"/>
-              </a:fillRef>
-              <a:effectRef idx="1">
-                <a:schemeClr val="accent1"/>
-              </a:effectRef>
-              <a:fontRef idx="minor">
-                <a:schemeClr val="tx1"/>
-              </a:fontRef>
-            </p:style>
-          </p:cxnSp>
-          <p:cxnSp>
-            <p:nvCxnSpPr>
-              <p:cNvPr id="59" name="Straight Connector 58"/>
-              <p:cNvCxnSpPr/>
-              <p:nvPr/>
-            </p:nvCxnSpPr>
-            <p:spPr>
-              <a:xfrm rot="16200000" flipH="1">
-                <a:off x="1994636" y="4087648"/>
-                <a:ext cx="1354804" cy="1"/>
-              </a:xfrm>
-              <a:prstGeom prst="line">
-                <a:avLst/>
-              </a:prstGeom>
-            </p:spPr>
-            <p:style>
-              <a:lnRef idx="2">
-                <a:schemeClr val="accent1"/>
-              </a:lnRef>
-              <a:fillRef idx="0">
-                <a:schemeClr val="accent1"/>
-              </a:fillRef>
-              <a:effectRef idx="1">
-                <a:schemeClr val="accent1"/>
-              </a:effectRef>
-              <a:fontRef idx="minor">
-                <a:schemeClr val="tx1"/>
-              </a:fontRef>
-            </p:style>
-          </p:cxnSp>
-          <p:cxnSp>
-            <p:nvCxnSpPr>
-              <p:cNvPr id="60" name="Straight Arrow Connector 59"/>
-              <p:cNvCxnSpPr/>
-              <p:nvPr/>
-            </p:nvCxnSpPr>
-            <p:spPr>
-              <a:xfrm>
-                <a:off x="1449399" y="4762670"/>
-                <a:ext cx="3907301" cy="1588"/>
-              </a:xfrm>
-              <a:prstGeom prst="straightConnector1">
-                <a:avLst/>
-              </a:prstGeom>
-              <a:ln>
-                <a:tailEnd type="arrow"/>
-              </a:ln>
-            </p:spPr>
-            <p:style>
-              <a:lnRef idx="2">
-                <a:schemeClr val="accent1"/>
-              </a:lnRef>
-              <a:fillRef idx="0">
-                <a:schemeClr val="accent1"/>
-              </a:fillRef>
-              <a:effectRef idx="1">
-                <a:schemeClr val="accent1"/>
-              </a:effectRef>
-              <a:fontRef idx="minor">
-                <a:schemeClr val="tx1"/>
-              </a:fontRef>
-            </p:style>
-          </p:cxnSp>
-          <p:sp>
-            <p:nvSpPr>
-              <p:cNvPr id="61" name="TextBox 60"/>
-              <p:cNvSpPr txBox="1"/>
-              <p:nvPr/>
-            </p:nvSpPr>
-            <p:spPr>
-              <a:xfrm>
-                <a:off x="2243881" y="3101884"/>
-                <a:ext cx="663262" cy="276999"/>
-              </a:xfrm>
-              <a:prstGeom prst="rect">
-                <a:avLst/>
-              </a:prstGeom>
-              <a:noFill/>
-            </p:spPr>
-            <p:txBody>
-              <a:bodyPr wrap="none" rtlCol="0">
-                <a:spAutoFit/>
-              </a:bodyPr>
-              <a:lstStyle/>
-              <a:p>
-                <a:r>
-                  <a:rPr lang="en-US" sz="1200" i="1" dirty="0" err="1" smtClean="0">
-                    <a:latin typeface="Times New Roman"/>
-                  </a:rPr>
-                  <a:t>u</a:t>
-                </a:r>
-                <a:r>
-                  <a:rPr lang="en-US" sz="1200" dirty="0" err="1" smtClean="0">
-                    <a:latin typeface="Times New Roman"/>
-                  </a:rPr>
-                  <a:t>(</a:t>
-                </a:r>
-                <a:r>
-                  <a:rPr lang="en-US" sz="1200" i="1" dirty="0" err="1" smtClean="0">
-                    <a:latin typeface="Times New Roman"/>
-                  </a:rPr>
-                  <a:t>nT</a:t>
-                </a:r>
-                <a:r>
-                  <a:rPr lang="en-US" sz="1200" i="1" dirty="0" smtClean="0">
-                    <a:latin typeface="Times New Roman"/>
-                  </a:rPr>
-                  <a:t>-T</a:t>
-                </a:r>
-                <a:r>
-                  <a:rPr lang="en-US" sz="1200" dirty="0" smtClean="0">
-                    <a:latin typeface="Times New Roman"/>
-                  </a:rPr>
-                  <a:t>)</a:t>
-                </a:r>
-                <a:endParaRPr lang="en-US" sz="1200" dirty="0">
-                  <a:latin typeface="Times New Roman"/>
-                </a:endParaRPr>
-              </a:p>
-            </p:txBody>
-          </p:sp>
-          <p:sp>
-            <p:nvSpPr>
-              <p:cNvPr id="62" name="TextBox 61"/>
-              <p:cNvSpPr txBox="1"/>
-              <p:nvPr/>
-            </p:nvSpPr>
-            <p:spPr>
-              <a:xfrm>
-                <a:off x="2397257" y="4736571"/>
-                <a:ext cx="503664" cy="276999"/>
-              </a:xfrm>
-              <a:prstGeom prst="rect">
-                <a:avLst/>
-              </a:prstGeom>
-              <a:noFill/>
-            </p:spPr>
-            <p:txBody>
-              <a:bodyPr wrap="none" rtlCol="0">
-                <a:spAutoFit/>
-              </a:bodyPr>
-              <a:lstStyle/>
-              <a:p>
-                <a:r>
-                  <a:rPr lang="en-US" sz="1200" i="1" dirty="0" err="1" smtClean="0">
-                    <a:latin typeface="Times New Roman"/>
-                  </a:rPr>
-                  <a:t>nT</a:t>
-                </a:r>
-                <a:r>
-                  <a:rPr lang="en-US" sz="1200" i="1" dirty="0" smtClean="0">
-                    <a:latin typeface="Times New Roman"/>
-                  </a:rPr>
-                  <a:t>-T</a:t>
-                </a:r>
-                <a:endParaRPr lang="en-US" sz="1200" dirty="0">
-                  <a:latin typeface="Times New Roman"/>
-                </a:endParaRPr>
-              </a:p>
-            </p:txBody>
-          </p:sp>
-          <p:sp>
-            <p:nvSpPr>
-              <p:cNvPr id="63" name="TextBox 62"/>
-              <p:cNvSpPr txBox="1"/>
-              <p:nvPr/>
-            </p:nvSpPr>
-            <p:spPr>
-              <a:xfrm>
-                <a:off x="3584233" y="4736571"/>
-                <a:ext cx="375423" cy="276999"/>
-              </a:xfrm>
-              <a:prstGeom prst="rect">
-                <a:avLst/>
-              </a:prstGeom>
-              <a:noFill/>
-            </p:spPr>
-            <p:txBody>
-              <a:bodyPr wrap="none" rtlCol="0">
-                <a:spAutoFit/>
-              </a:bodyPr>
-              <a:lstStyle/>
-              <a:p>
-                <a:r>
-                  <a:rPr lang="en-US" sz="1200" i="1" dirty="0" err="1" smtClean="0">
-                    <a:latin typeface="Times New Roman"/>
-                  </a:rPr>
-                  <a:t>nT</a:t>
-                </a:r>
-                <a:endParaRPr lang="en-US" sz="1200" dirty="0">
-                  <a:latin typeface="Times New Roman"/>
-                </a:endParaRPr>
-              </a:p>
-            </p:txBody>
-          </p:sp>
-          <p:sp>
-            <p:nvSpPr>
-              <p:cNvPr id="64" name="TextBox 63"/>
-              <p:cNvSpPr txBox="1"/>
-              <p:nvPr/>
-            </p:nvSpPr>
-            <p:spPr>
-              <a:xfrm>
-                <a:off x="3652002" y="2390911"/>
-                <a:ext cx="537853" cy="276999"/>
-              </a:xfrm>
-              <a:prstGeom prst="rect">
-                <a:avLst/>
-              </a:prstGeom>
-              <a:noFill/>
-            </p:spPr>
-            <p:txBody>
-              <a:bodyPr wrap="none" rtlCol="0">
-                <a:spAutoFit/>
-              </a:bodyPr>
-              <a:lstStyle/>
-              <a:p>
-                <a:r>
-                  <a:rPr lang="en-US" sz="1200" i="1" dirty="0" err="1" smtClean="0">
-                    <a:latin typeface="Times New Roman"/>
-                  </a:rPr>
-                  <a:t>u</a:t>
-                </a:r>
-                <a:r>
-                  <a:rPr lang="en-US" sz="1200" dirty="0" err="1" smtClean="0">
-                    <a:latin typeface="Times New Roman"/>
-                  </a:rPr>
-                  <a:t>(</a:t>
-                </a:r>
-                <a:r>
-                  <a:rPr lang="en-US" sz="1200" i="1" dirty="0" err="1" smtClean="0">
-                    <a:latin typeface="Times New Roman"/>
-                  </a:rPr>
-                  <a:t>nT</a:t>
-                </a:r>
-                <a:r>
-                  <a:rPr lang="en-US" sz="1200" dirty="0" smtClean="0">
-                    <a:latin typeface="Times New Roman"/>
-                  </a:rPr>
-                  <a:t>)</a:t>
-                </a:r>
-                <a:endParaRPr lang="en-US" sz="1200" dirty="0">
-                  <a:latin typeface="Times New Roman"/>
-                </a:endParaRPr>
-              </a:p>
-            </p:txBody>
-          </p:sp>
-          <p:cxnSp>
-            <p:nvCxnSpPr>
-              <p:cNvPr id="65" name="Straight Arrow Connector 64"/>
-              <p:cNvCxnSpPr/>
-              <p:nvPr/>
-            </p:nvCxnSpPr>
-            <p:spPr>
-              <a:xfrm rot="10800000" flipV="1">
-                <a:off x="3783599" y="3378882"/>
-                <a:ext cx="741981" cy="155059"/>
-              </a:xfrm>
-              <a:prstGeom prst="straightConnector1">
-                <a:avLst/>
-              </a:prstGeom>
-              <a:ln>
-                <a:tailEnd type="arrow"/>
-              </a:ln>
-            </p:spPr>
-            <p:style>
-              <a:lnRef idx="2">
-                <a:schemeClr val="accent1"/>
-              </a:lnRef>
-              <a:fillRef idx="0">
-                <a:schemeClr val="accent1"/>
-              </a:fillRef>
-              <a:effectRef idx="1">
-                <a:schemeClr val="accent1"/>
-              </a:effectRef>
-              <a:fontRef idx="minor">
-                <a:schemeClr val="tx1"/>
-              </a:fontRef>
-            </p:style>
-          </p:cxnSp>
-          <p:sp>
-            <p:nvSpPr>
-              <p:cNvPr id="66" name="TextBox 65"/>
-              <p:cNvSpPr txBox="1"/>
-              <p:nvPr/>
-            </p:nvSpPr>
-            <p:spPr>
-              <a:xfrm>
-                <a:off x="4525577" y="3009550"/>
-                <a:ext cx="1864964" cy="369332"/>
-              </a:xfrm>
-              <a:prstGeom prst="rect">
-                <a:avLst/>
-              </a:prstGeom>
-              <a:noFill/>
-            </p:spPr>
-            <p:txBody>
-              <a:bodyPr wrap="none" rtlCol="0">
-                <a:spAutoFit/>
-              </a:bodyPr>
-              <a:lstStyle/>
-              <a:p>
-                <a:r>
-                  <a:rPr lang="en-US" dirty="0" smtClean="0"/>
-                  <a:t>Area of trapezium</a:t>
-                </a:r>
-                <a:endParaRPr lang="en-US" dirty="0"/>
-              </a:p>
-            </p:txBody>
-          </p:sp>
-          <p:graphicFrame>
-            <p:nvGraphicFramePr>
-              <p:cNvPr id="67" name="Object 66"/>
-              <p:cNvGraphicFramePr>
-                <a:graphicFrameLocks noChangeAspect="1"/>
-              </p:cNvGraphicFramePr>
-              <p:nvPr/>
-            </p:nvGraphicFramePr>
-            <p:xfrm>
-              <a:off x="4545358" y="3337030"/>
-              <a:ext cx="2327275" cy="614363"/>
-            </p:xfrm>
-            <a:graphic>
-              <a:graphicData uri="http://schemas.openxmlformats.org/presentationml/2006/ole">
-                <p:oleObj spid="_x0000_s24579" name="Equation" r:id="rId3" imgW="1346200" imgH="355600" progId="Equation.3">
-                  <p:embed/>
-                </p:oleObj>
-              </a:graphicData>
-            </a:graphic>
-          </p:graphicFrame>
-        </p:grpSp>
-      </p:grpSp>
-    </p:spTree>
-  </p:cSld>
-  <p:clrMapOvr>
-    <a:masterClrMapping/>
-  </p:clrMapOvr>
-  <p:timing>
-    <p:tnLst>
-      <p:par>
-        <p:cTn id="1" dur="indefinite" restart="never" nodeType="tmRoot"/>
-      </p:par>
-    </p:tnLst>
-  </p:timing>
 </p:sld>
 </file>
 
@@ -17701,4 +20737,322 @@
   </a:objectDefaults>
   <a:extraClrSchemeLst/>
 </a:theme>
+</file>
+
+<file path=ppt/theme/theme2.xml><?xml version="1.0" encoding="utf-8"?>
+<a:theme xmlns:a="http://schemas.openxmlformats.org/drawingml/2006/main" name="Office Theme">
+  <a:themeElements>
+    <a:clrScheme name="Office">
+      <a:dk1>
+        <a:sysClr val="windowText" lastClr="000000"/>
+      </a:dk1>
+      <a:lt1>
+        <a:sysClr val="window" lastClr="FFFFFF"/>
+      </a:lt1>
+      <a:dk2>
+        <a:srgbClr val="1F497D"/>
+      </a:dk2>
+      <a:lt2>
+        <a:srgbClr val="EEECE1"/>
+      </a:lt2>
+      <a:accent1>
+        <a:srgbClr val="4F81BD"/>
+      </a:accent1>
+      <a:accent2>
+        <a:srgbClr val="C0504D"/>
+      </a:accent2>
+      <a:accent3>
+        <a:srgbClr val="9BBB59"/>
+      </a:accent3>
+      <a:accent4>
+        <a:srgbClr val="8064A2"/>
+      </a:accent4>
+      <a:accent5>
+        <a:srgbClr val="4BACC6"/>
+      </a:accent5>
+      <a:accent6>
+        <a:srgbClr val="F79646"/>
+      </a:accent6>
+      <a:hlink>
+        <a:srgbClr val="0000FF"/>
+      </a:hlink>
+      <a:folHlink>
+        <a:srgbClr val="800080"/>
+      </a:folHlink>
+    </a:clrScheme>
+    <a:fontScheme name="Office">
+      <a:majorFont>
+        <a:latin typeface="Calibri"/>
+        <a:ea typeface=""/>
+        <a:cs typeface=""/>
+        <a:font script="Jpan" typeface="ＭＳ Ｐゴシック"/>
+        <a:font script="Hang" typeface="맑은 고딕"/>
+        <a:font script="Hans" typeface="宋体"/>
+        <a:font script="Hant" typeface="新細明體"/>
+        <a:font script="Arab" typeface="Times New Roman"/>
+        <a:font script="Hebr" typeface="Times New Roman"/>
+        <a:font script="Thai" typeface="Angsana New"/>
+        <a:font script="Ethi" typeface="Nyala"/>
+        <a:font script="Beng" typeface="Vrinda"/>
+        <a:font script="Gujr" typeface="Shruti"/>
+        <a:font script="Khmr" typeface="MoolBoran"/>
+        <a:font script="Knda" typeface="Tunga"/>
+        <a:font script="Guru" typeface="Raavi"/>
+        <a:font script="Cans" typeface="Euphemia"/>
+        <a:font script="Cher" typeface="Plantagenet Cherokee"/>
+        <a:font script="Yiii" typeface="Microsoft Yi Baiti"/>
+        <a:font script="Tibt" typeface="Microsoft Himalaya"/>
+        <a:font script="Thaa" typeface="MV Boli"/>
+        <a:font script="Deva" typeface="Mangal"/>
+        <a:font script="Telu" typeface="Gautami"/>
+        <a:font script="Taml" typeface="Latha"/>
+        <a:font script="Syrc" typeface="Estrangelo Edessa"/>
+        <a:font script="Orya" typeface="Kalinga"/>
+        <a:font script="Mlym" typeface="Kartika"/>
+        <a:font script="Laoo" typeface="DokChampa"/>
+        <a:font script="Sinh" typeface="Iskoola Pota"/>
+        <a:font script="Mong" typeface="Mongolian Baiti"/>
+        <a:font script="Viet" typeface="Times New Roman"/>
+        <a:font script="Uigh" typeface="Microsoft Uighur"/>
+      </a:majorFont>
+      <a:minorFont>
+        <a:latin typeface="Calibri"/>
+        <a:ea typeface=""/>
+        <a:cs typeface=""/>
+        <a:font script="Jpan" typeface="ＭＳ Ｐゴシック"/>
+        <a:font script="Hang" typeface="맑은 고딕"/>
+        <a:font script="Hans" typeface="宋体"/>
+        <a:font script="Hant" typeface="新細明體"/>
+        <a:font script="Arab" typeface="Arial"/>
+        <a:font script="Hebr" typeface="Arial"/>
+        <a:font script="Thai" typeface="Cordia New"/>
+        <a:font script="Ethi" typeface="Nyala"/>
+        <a:font script="Beng" typeface="Vrinda"/>
+        <a:font script="Gujr" typeface="Shruti"/>
+        <a:font script="Khmr" typeface="DaunPenh"/>
+        <a:font script="Knda" typeface="Tunga"/>
+        <a:font script="Guru" typeface="Raavi"/>
+        <a:font script="Cans" typeface="Euphemia"/>
+        <a:font script="Cher" typeface="Plantagenet Cherokee"/>
+        <a:font script="Yiii" typeface="Microsoft Yi Baiti"/>
+        <a:font script="Tibt" typeface="Microsoft Himalaya"/>
+        <a:font script="Thaa" typeface="MV Boli"/>
+        <a:font script="Deva" typeface="Mangal"/>
+        <a:font script="Telu" typeface="Gautami"/>
+        <a:font script="Taml" typeface="Latha"/>
+        <a:font script="Syrc" typeface="Estrangelo Edessa"/>
+        <a:font script="Orya" typeface="Kalinga"/>
+        <a:font script="Mlym" typeface="Kartika"/>
+        <a:font script="Laoo" typeface="DokChampa"/>
+        <a:font script="Sinh" typeface="Iskoola Pota"/>
+        <a:font script="Mong" typeface="Mongolian Baiti"/>
+        <a:font script="Viet" typeface="Arial"/>
+        <a:font script="Uigh" typeface="Microsoft Uighur"/>
+      </a:minorFont>
+    </a:fontScheme>
+    <a:fmtScheme name="Office">
+      <a:fillStyleLst>
+        <a:solidFill>
+          <a:schemeClr val="phClr"/>
+        </a:solidFill>
+        <a:gradFill rotWithShape="1">
+          <a:gsLst>
+            <a:gs pos="0">
+              <a:schemeClr val="phClr">
+                <a:tint val="50000"/>
+                <a:satMod val="300000"/>
+              </a:schemeClr>
+            </a:gs>
+            <a:gs pos="35000">
+              <a:schemeClr val="phClr">
+                <a:tint val="37000"/>
+                <a:satMod val="300000"/>
+              </a:schemeClr>
+            </a:gs>
+            <a:gs pos="100000">
+              <a:schemeClr val="phClr">
+                <a:tint val="15000"/>
+                <a:satMod val="350000"/>
+              </a:schemeClr>
+            </a:gs>
+          </a:gsLst>
+          <a:lin ang="16200000" scaled="1"/>
+        </a:gradFill>
+        <a:gradFill rotWithShape="1">
+          <a:gsLst>
+            <a:gs pos="0">
+              <a:schemeClr val="phClr">
+                <a:tint val="100000"/>
+                <a:shade val="100000"/>
+                <a:satMod val="130000"/>
+              </a:schemeClr>
+            </a:gs>
+            <a:gs pos="100000">
+              <a:schemeClr val="phClr">
+                <a:tint val="50000"/>
+                <a:shade val="100000"/>
+                <a:satMod val="350000"/>
+              </a:schemeClr>
+            </a:gs>
+          </a:gsLst>
+          <a:lin ang="16200000" scaled="0"/>
+        </a:gradFill>
+      </a:fillStyleLst>
+      <a:lnStyleLst>
+        <a:ln w="9525" cap="flat" cmpd="sng" algn="ctr">
+          <a:solidFill>
+            <a:schemeClr val="phClr">
+              <a:shade val="95000"/>
+              <a:satMod val="105000"/>
+            </a:schemeClr>
+          </a:solidFill>
+          <a:prstDash val="solid"/>
+        </a:ln>
+        <a:ln w="25400" cap="flat" cmpd="sng" algn="ctr">
+          <a:solidFill>
+            <a:schemeClr val="phClr"/>
+          </a:solidFill>
+          <a:prstDash val="solid"/>
+        </a:ln>
+        <a:ln w="38100" cap="flat" cmpd="sng" algn="ctr">
+          <a:solidFill>
+            <a:schemeClr val="phClr"/>
+          </a:solidFill>
+          <a:prstDash val="solid"/>
+        </a:ln>
+      </a:lnStyleLst>
+      <a:effectStyleLst>
+        <a:effectStyle>
+          <a:effectLst>
+            <a:outerShdw blurRad="40000" dist="20000" dir="5400000" rotWithShape="0">
+              <a:srgbClr val="000000">
+                <a:alpha val="38000"/>
+              </a:srgbClr>
+            </a:outerShdw>
+          </a:effectLst>
+        </a:effectStyle>
+        <a:effectStyle>
+          <a:effectLst>
+            <a:outerShdw blurRad="40000" dist="23000" dir="5400000" rotWithShape="0">
+              <a:srgbClr val="000000">
+                <a:alpha val="35000"/>
+              </a:srgbClr>
+            </a:outerShdw>
+          </a:effectLst>
+        </a:effectStyle>
+        <a:effectStyle>
+          <a:effectLst>
+            <a:outerShdw blurRad="40000" dist="23000" dir="5400000" rotWithShape="0">
+              <a:srgbClr val="000000">
+                <a:alpha val="35000"/>
+              </a:srgbClr>
+            </a:outerShdw>
+          </a:effectLst>
+          <a:scene3d>
+            <a:camera prst="orthographicFront">
+              <a:rot lat="0" lon="0" rev="0"/>
+            </a:camera>
+            <a:lightRig rig="threePt" dir="t">
+              <a:rot lat="0" lon="0" rev="1200000"/>
+            </a:lightRig>
+          </a:scene3d>
+          <a:sp3d>
+            <a:bevelT w="63500" h="25400"/>
+          </a:sp3d>
+        </a:effectStyle>
+      </a:effectStyleLst>
+      <a:bgFillStyleLst>
+        <a:solidFill>
+          <a:schemeClr val="phClr"/>
+        </a:solidFill>
+        <a:gradFill rotWithShape="1">
+          <a:gsLst>
+            <a:gs pos="0">
+              <a:schemeClr val="phClr">
+                <a:tint val="40000"/>
+                <a:satMod val="350000"/>
+              </a:schemeClr>
+            </a:gs>
+            <a:gs pos="40000">
+              <a:schemeClr val="phClr">
+                <a:tint val="45000"/>
+                <a:shade val="99000"/>
+                <a:satMod val="350000"/>
+              </a:schemeClr>
+            </a:gs>
+            <a:gs pos="100000">
+              <a:schemeClr val="phClr">
+                <a:shade val="20000"/>
+                <a:satMod val="255000"/>
+              </a:schemeClr>
+            </a:gs>
+          </a:gsLst>
+          <a:path path="circle">
+            <a:fillToRect l="50000" t="-80000" r="50000" b="180000"/>
+          </a:path>
+        </a:gradFill>
+        <a:gradFill rotWithShape="1">
+          <a:gsLst>
+            <a:gs pos="0">
+              <a:schemeClr val="phClr">
+                <a:tint val="80000"/>
+                <a:satMod val="300000"/>
+              </a:schemeClr>
+            </a:gs>
+            <a:gs pos="100000">
+              <a:schemeClr val="phClr">
+                <a:shade val="30000"/>
+                <a:satMod val="200000"/>
+              </a:schemeClr>
+            </a:gs>
+          </a:gsLst>
+          <a:path path="circle">
+            <a:fillToRect l="50000" t="50000" r="50000" b="50000"/>
+          </a:path>
+        </a:gradFill>
+      </a:bgFillStyleLst>
+    </a:fmtScheme>
+  </a:themeElements>
+  <a:objectDefaults>
+    <a:spDef>
+      <a:spPr/>
+      <a:bodyPr/>
+      <a:lstStyle/>
+      <a:style>
+        <a:lnRef idx="1">
+          <a:schemeClr val="accent1"/>
+        </a:lnRef>
+        <a:fillRef idx="3">
+          <a:schemeClr val="accent1"/>
+        </a:fillRef>
+        <a:effectRef idx="2">
+          <a:schemeClr val="accent1"/>
+        </a:effectRef>
+        <a:fontRef idx="minor">
+          <a:schemeClr val="lt1"/>
+        </a:fontRef>
+      </a:style>
+    </a:spDef>
+    <a:lnDef>
+      <a:spPr/>
+      <a:bodyPr/>
+      <a:lstStyle/>
+      <a:style>
+        <a:lnRef idx="2">
+          <a:schemeClr val="accent1"/>
+        </a:lnRef>
+        <a:fillRef idx="0">
+          <a:schemeClr val="accent1"/>
+        </a:fillRef>
+        <a:effectRef idx="1">
+          <a:schemeClr val="accent1"/>
+        </a:effectRef>
+        <a:fontRef idx="minor">
+          <a:schemeClr val="tx1"/>
+        </a:fontRef>
+      </a:style>
+    </a:lnDef>
+  </a:objectDefaults>
+  <a:extraClrSchemeLst/>
+</a:theme>
 </file>
--- a/DigitalSystems/Lecture11/pictures/pictures-converted.pptx
+++ b/DigitalSystems/Lecture11/pictures/pictures-converted.pptx
@@ -5,7 +5,7 @@
     <p:sldMasterId id="2147483648" r:id="rId1"/>
   </p:sldMasterIdLst>
   <p:notesMasterIdLst>
-    <p:notesMasterId r:id="rId19"/>
+    <p:notesMasterId r:id="rId20"/>
   </p:notesMasterIdLst>
   <p:sldIdLst>
     <p:sldId id="256" r:id="rId2"/>
@@ -25,6 +25,7 @@
     <p:sldId id="260" r:id="rId16"/>
     <p:sldId id="261" r:id="rId17"/>
     <p:sldId id="262" r:id="rId18"/>
+    <p:sldId id="273" r:id="rId19"/>
   </p:sldIdLst>
   <p:sldSz cx="9144000" cy="6858000" type="screen4x3"/>
   <p:notesSz cx="6858000" cy="9144000"/>
@@ -208,7 +209,8 @@
           <a:p>
             <a:fld id="{57664937-CC7E-1147-954A-F42817EF7E06}" type="datetimeFigureOut">
               <a:rPr lang="en-US" smtClean="0"/>
-              <a:t>1/29/10</a:t>
+              <a:pPr/>
+              <a:t>1/31/10</a:t>
             </a:fld>
             <a:endParaRPr lang="en-US"/>
           </a:p>
@@ -369,6 +371,7 @@
           <a:p>
             <a:fld id="{4AF9A930-A89B-7A49-8A28-09611638964E}" type="slidenum">
               <a:rPr lang="en-US" smtClean="0"/>
+              <a:pPr/>
               <a:t>‹#›</a:t>
             </a:fld>
             <a:endParaRPr lang="en-US"/>
@@ -540,6 +543,7 @@
           <a:p>
             <a:fld id="{4AF9A930-A89B-7A49-8A28-09611638964E}" type="slidenum">
               <a:rPr lang="en-US" smtClean="0"/>
+              <a:pPr/>
               <a:t>7</a:t>
             </a:fld>
             <a:endParaRPr lang="en-US"/>
@@ -736,7 +740,7 @@
             <a:fld id="{5D51CFD4-D50C-3141-B28B-5C3A3C05403C}" type="datetimeFigureOut">
               <a:rPr lang="en-US" smtClean="0"/>
               <a:pPr/>
-              <a:t>1/29/10</a:t>
+              <a:t>1/31/10</a:t>
             </a:fld>
             <a:endParaRPr lang="en-US"/>
           </a:p>
@@ -903,7 +907,7 @@
             <a:fld id="{5D51CFD4-D50C-3141-B28B-5C3A3C05403C}" type="datetimeFigureOut">
               <a:rPr lang="en-US" smtClean="0"/>
               <a:pPr/>
-              <a:t>1/29/10</a:t>
+              <a:t>1/31/10</a:t>
             </a:fld>
             <a:endParaRPr lang="en-US"/>
           </a:p>
@@ -1080,7 +1084,7 @@
             <a:fld id="{5D51CFD4-D50C-3141-B28B-5C3A3C05403C}" type="datetimeFigureOut">
               <a:rPr lang="en-US" smtClean="0"/>
               <a:pPr/>
-              <a:t>1/29/10</a:t>
+              <a:t>1/31/10</a:t>
             </a:fld>
             <a:endParaRPr lang="en-US"/>
           </a:p>
@@ -1247,7 +1251,7 @@
             <a:fld id="{5D51CFD4-D50C-3141-B28B-5C3A3C05403C}" type="datetimeFigureOut">
               <a:rPr lang="en-US" smtClean="0"/>
               <a:pPr/>
-              <a:t>1/29/10</a:t>
+              <a:t>1/31/10</a:t>
             </a:fld>
             <a:endParaRPr lang="en-US"/>
           </a:p>
@@ -1490,7 +1494,7 @@
             <a:fld id="{5D51CFD4-D50C-3141-B28B-5C3A3C05403C}" type="datetimeFigureOut">
               <a:rPr lang="en-US" smtClean="0"/>
               <a:pPr/>
-              <a:t>1/29/10</a:t>
+              <a:t>1/31/10</a:t>
             </a:fld>
             <a:endParaRPr lang="en-US"/>
           </a:p>
@@ -1775,7 +1779,7 @@
             <a:fld id="{5D51CFD4-D50C-3141-B28B-5C3A3C05403C}" type="datetimeFigureOut">
               <a:rPr lang="en-US" smtClean="0"/>
               <a:pPr/>
-              <a:t>1/29/10</a:t>
+              <a:t>1/31/10</a:t>
             </a:fld>
             <a:endParaRPr lang="en-US"/>
           </a:p>
@@ -2194,7 +2198,7 @@
             <a:fld id="{5D51CFD4-D50C-3141-B28B-5C3A3C05403C}" type="datetimeFigureOut">
               <a:rPr lang="en-US" smtClean="0"/>
               <a:pPr/>
-              <a:t>1/29/10</a:t>
+              <a:t>1/31/10</a:t>
             </a:fld>
             <a:endParaRPr lang="en-US"/>
           </a:p>
@@ -2309,7 +2313,7 @@
             <a:fld id="{5D51CFD4-D50C-3141-B28B-5C3A3C05403C}" type="datetimeFigureOut">
               <a:rPr lang="en-US" smtClean="0"/>
               <a:pPr/>
-              <a:t>1/29/10</a:t>
+              <a:t>1/31/10</a:t>
             </a:fld>
             <a:endParaRPr lang="en-US"/>
           </a:p>
@@ -2401,7 +2405,7 @@
             <a:fld id="{5D51CFD4-D50C-3141-B28B-5C3A3C05403C}" type="datetimeFigureOut">
               <a:rPr lang="en-US" smtClean="0"/>
               <a:pPr/>
-              <a:t>1/29/10</a:t>
+              <a:t>1/31/10</a:t>
             </a:fld>
             <a:endParaRPr lang="en-US"/>
           </a:p>
@@ -2675,7 +2679,7 @@
             <a:fld id="{5D51CFD4-D50C-3141-B28B-5C3A3C05403C}" type="datetimeFigureOut">
               <a:rPr lang="en-US" smtClean="0"/>
               <a:pPr/>
-              <a:t>1/29/10</a:t>
+              <a:t>1/31/10</a:t>
             </a:fld>
             <a:endParaRPr lang="en-US"/>
           </a:p>
@@ -2925,7 +2929,7 @@
             <a:fld id="{5D51CFD4-D50C-3141-B28B-5C3A3C05403C}" type="datetimeFigureOut">
               <a:rPr lang="en-US" smtClean="0"/>
               <a:pPr/>
-              <a:t>1/29/10</a:t>
+              <a:t>1/31/10</a:t>
             </a:fld>
             <a:endParaRPr lang="en-US"/>
           </a:p>
@@ -3135,7 +3139,7 @@
             <a:fld id="{5D51CFD4-D50C-3141-B28B-5C3A3C05403C}" type="datetimeFigureOut">
               <a:rPr lang="en-US" smtClean="0"/>
               <a:pPr/>
-              <a:t>1/29/10</a:t>
+              <a:t>1/31/10</a:t>
             </a:fld>
             <a:endParaRPr lang="en-US"/>
           </a:p>
@@ -3563,7 +3567,7 @@
               </a:stretch>
             </p:blipFill>
           </mc:Choice>
-          <mc:Fallback xmlns:p="http://schemas.openxmlformats.org/presentationml/2006/main" xmlns:mv="urn:schemas-microsoft-com:mac:vml" xmlns:mc="http://schemas.openxmlformats.org/markup-compatibility/2006" xmlns:r="http://schemas.openxmlformats.org/officeDocument/2006/relationships" xmlns:a="http://schemas.openxmlformats.org/drawingml/2006/main" xmlns="" xmlns:ma="http://schemas.microsoft.com/office/mac/drawingml/2008/main">
+          <mc:Fallback xmlns:ma="http://schemas.microsoft.com/office/mac/drawingml/2008/main" xmlns="" xmlns:a="http://schemas.openxmlformats.org/drawingml/2006/main" xmlns:r="http://schemas.openxmlformats.org/officeDocument/2006/relationships" xmlns:mc="http://schemas.openxmlformats.org/markup-compatibility/2006" xmlns:mv="urn:schemas-microsoft-com:mac:vml" xmlns:p="http://schemas.openxmlformats.org/presentationml/2006/main">
             <p:blipFill>
               <a:blip r:embed="rId3"/>
               <a:stretch>
@@ -3667,7 +3671,7 @@
               </a:stretch>
             </p:blipFill>
           </mc:Choice>
-          <mc:Fallback xmlns:p="http://schemas.openxmlformats.org/presentationml/2006/main" xmlns:mv="urn:schemas-microsoft-com:mac:vml" xmlns:mc="http://schemas.openxmlformats.org/markup-compatibility/2006" xmlns:r="http://schemas.openxmlformats.org/officeDocument/2006/relationships" xmlns:a="http://schemas.openxmlformats.org/drawingml/2006/main" xmlns="" xmlns:ma="http://schemas.microsoft.com/office/mac/drawingml/2008/main">
+          <mc:Fallback xmlns:ma="http://schemas.microsoft.com/office/mac/drawingml/2008/main" xmlns="" xmlns:a="http://schemas.openxmlformats.org/drawingml/2006/main" xmlns:r="http://schemas.openxmlformats.org/officeDocument/2006/relationships" xmlns:mc="http://schemas.openxmlformats.org/markup-compatibility/2006" xmlns:mv="urn:schemas-microsoft-com:mac:vml" xmlns:p="http://schemas.openxmlformats.org/presentationml/2006/main">
             <p:blipFill>
               <a:blip r:embed="rId5"/>
               <a:stretch>
@@ -3737,7 +3741,7 @@
               </a:stretch>
             </p:blipFill>
           </mc:Choice>
-          <mc:Fallback xmlns:p="http://schemas.openxmlformats.org/presentationml/2006/main" xmlns:mv="urn:schemas-microsoft-com:mac:vml" xmlns:mc="http://schemas.openxmlformats.org/markup-compatibility/2006" xmlns:r="http://schemas.openxmlformats.org/officeDocument/2006/relationships" xmlns:a="http://schemas.openxmlformats.org/drawingml/2006/main" xmlns="" xmlns:ma="http://schemas.microsoft.com/office/mac/drawingml/2008/main">
+          <mc:Fallback xmlns:ma="http://schemas.microsoft.com/office/mac/drawingml/2008/main" xmlns="" xmlns:a="http://schemas.openxmlformats.org/drawingml/2006/main" xmlns:r="http://schemas.openxmlformats.org/officeDocument/2006/relationships" xmlns:mc="http://schemas.openxmlformats.org/markup-compatibility/2006" xmlns:mv="urn:schemas-microsoft-com:mac:vml" xmlns:p="http://schemas.openxmlformats.org/presentationml/2006/main">
             <p:blipFill>
               <a:blip r:embed="rId7"/>
               <a:stretch>
@@ -3841,7 +3845,7 @@
               </a:stretch>
             </p:blipFill>
           </mc:Choice>
-          <mc:Fallback xmlns:p="http://schemas.openxmlformats.org/presentationml/2006/main" xmlns:mv="urn:schemas-microsoft-com:mac:vml" xmlns:mc="http://schemas.openxmlformats.org/markup-compatibility/2006" xmlns:r="http://schemas.openxmlformats.org/officeDocument/2006/relationships" xmlns:a="http://schemas.openxmlformats.org/drawingml/2006/main" xmlns="" xmlns:ma="http://schemas.microsoft.com/office/mac/drawingml/2008/main">
+          <mc:Fallback xmlns:ma="http://schemas.microsoft.com/office/mac/drawingml/2008/main" xmlns="" xmlns:a="http://schemas.openxmlformats.org/drawingml/2006/main" xmlns:r="http://schemas.openxmlformats.org/officeDocument/2006/relationships" xmlns:mc="http://schemas.openxmlformats.org/markup-compatibility/2006" xmlns:mv="urn:schemas-microsoft-com:mac:vml" xmlns:p="http://schemas.openxmlformats.org/presentationml/2006/main">
             <p:blipFill>
               <a:blip r:embed="rId9"/>
               <a:stretch>
@@ -3979,7 +3983,7 @@
               </a:stretch>
             </p:blipFill>
           </mc:Choice>
-          <mc:Fallback xmlns:p="http://schemas.openxmlformats.org/presentationml/2006/main" xmlns:mv="urn:schemas-microsoft-com:mac:vml" xmlns:mc="http://schemas.openxmlformats.org/markup-compatibility/2006" xmlns:r="http://schemas.openxmlformats.org/officeDocument/2006/relationships" xmlns:a="http://schemas.openxmlformats.org/drawingml/2006/main" xmlns="" xmlns:ma="http://schemas.microsoft.com/office/mac/drawingml/2008/main">
+          <mc:Fallback xmlns:ma="http://schemas.microsoft.com/office/mac/drawingml/2008/main" xmlns="" xmlns:a="http://schemas.openxmlformats.org/drawingml/2006/main" xmlns:r="http://schemas.openxmlformats.org/officeDocument/2006/relationships" xmlns:mc="http://schemas.openxmlformats.org/markup-compatibility/2006" xmlns:mv="urn:schemas-microsoft-com:mac:vml" xmlns:p="http://schemas.openxmlformats.org/presentationml/2006/main">
             <p:blipFill>
               <a:blip r:embed="rId11"/>
               <a:stretch>
@@ -4225,7 +4229,7 @@
               </a:stretch>
             </p:blipFill>
           </mc:Choice>
-          <mc:Fallback xmlns:p="http://schemas.openxmlformats.org/presentationml/2006/main" xmlns:mv="urn:schemas-microsoft-com:mac:vml" xmlns:mc="http://schemas.openxmlformats.org/markup-compatibility/2006" xmlns:r="http://schemas.openxmlformats.org/officeDocument/2006/relationships" xmlns:a="http://schemas.openxmlformats.org/drawingml/2006/main" xmlns="" xmlns:ma="http://schemas.microsoft.com/office/mac/drawingml/2008/main">
+          <mc:Fallback xmlns:ma="http://schemas.microsoft.com/office/mac/drawingml/2008/main" xmlns="" xmlns:a="http://schemas.openxmlformats.org/drawingml/2006/main" xmlns:r="http://schemas.openxmlformats.org/officeDocument/2006/relationships" xmlns:mc="http://schemas.openxmlformats.org/markup-compatibility/2006" xmlns:mv="urn:schemas-microsoft-com:mac:vml" xmlns:p="http://schemas.openxmlformats.org/presentationml/2006/main">
             <p:blipFill>
               <a:blip r:embed="rId13"/>
               <a:stretch>
@@ -7940,6 +7944,578 @@
           </a:graphic>
         </p:graphicFrame>
       </p:grpSp>
+    </p:spTree>
+  </p:cSld>
+  <p:clrMapOvr>
+    <a:masterClrMapping/>
+  </p:clrMapOvr>
+</p:sld>
+</file>
+
+<file path=ppt/slides/slide18.xml><?xml version="1.0" encoding="utf-8"?>
+<p:sld xmlns:a="http://schemas.openxmlformats.org/drawingml/2006/main" xmlns:r="http://schemas.openxmlformats.org/officeDocument/2006/relationships" xmlns:mc="http://schemas.openxmlformats.org/markup-compatibility/2006" xmlns:mv="urn:schemas-microsoft-com:mac:vml" xmlns:p="http://schemas.openxmlformats.org/presentationml/2006/main" mc:Ignorable="mv" mc:PreserveAttributes="mv:*">
+  <p:cSld>
+    <p:spTree>
+      <p:nvGrpSpPr>
+        <p:cNvPr id="1" name=""/>
+        <p:cNvGrpSpPr/>
+        <p:nvPr/>
+      </p:nvGrpSpPr>
+      <p:grpSpPr>
+        <a:xfrm>
+          <a:off x="0" y="0"/>
+          <a:ext cx="0" cy="0"/>
+          <a:chOff x="0" y="0"/>
+          <a:chExt cx="0" cy="0"/>
+        </a:xfrm>
+      </p:grpSpPr>
+      <p:cxnSp>
+        <p:nvCxnSpPr>
+          <p:cNvPr id="22" name="Straight Arrow Connector 21"/>
+          <p:cNvCxnSpPr/>
+          <p:nvPr/>
+        </p:nvCxnSpPr>
+        <p:spPr>
+          <a:xfrm flipV="1">
+            <a:off x="3818607" y="2852549"/>
+            <a:ext cx="1155391" cy="420572"/>
+          </a:xfrm>
+          <a:prstGeom prst="straightConnector1">
+            <a:avLst/>
+          </a:prstGeom>
+          <a:ln>
+            <a:solidFill>
+              <a:schemeClr val="accent6"/>
+            </a:solidFill>
+            <a:tailEnd type="arrow"/>
+          </a:ln>
+        </p:spPr>
+        <p:style>
+          <a:lnRef idx="2">
+            <a:schemeClr val="accent1"/>
+          </a:lnRef>
+          <a:fillRef idx="0">
+            <a:schemeClr val="accent1"/>
+          </a:fillRef>
+          <a:effectRef idx="1">
+            <a:schemeClr val="accent1"/>
+          </a:effectRef>
+          <a:fontRef idx="minor">
+            <a:schemeClr val="tx1"/>
+          </a:fontRef>
+        </p:style>
+      </p:cxnSp>
+      <p:grpSp>
+        <p:nvGrpSpPr>
+          <p:cNvPr id="17" name="Group 16"/>
+          <p:cNvGrpSpPr/>
+          <p:nvPr/>
+        </p:nvGrpSpPr>
+        <p:grpSpPr>
+          <a:xfrm>
+            <a:off x="1649425" y="2090122"/>
+            <a:ext cx="1682738" cy="1766650"/>
+            <a:chOff x="1649425" y="2090122"/>
+            <a:chExt cx="1682738" cy="1766650"/>
+          </a:xfrm>
+        </p:grpSpPr>
+        <p:cxnSp>
+          <p:nvCxnSpPr>
+            <p:cNvPr id="5" name="Straight Arrow Connector 4"/>
+            <p:cNvCxnSpPr/>
+            <p:nvPr/>
+          </p:nvCxnSpPr>
+          <p:spPr>
+            <a:xfrm rot="5400000" flipH="1" flipV="1">
+              <a:off x="1331962" y="2972865"/>
+              <a:ext cx="1360674" cy="1588"/>
+            </a:xfrm>
+            <a:prstGeom prst="straightConnector1">
+              <a:avLst/>
+            </a:prstGeom>
+            <a:ln w="12700">
+              <a:solidFill>
+                <a:schemeClr val="tx1"/>
+              </a:solidFill>
+              <a:tailEnd type="arrow"/>
+            </a:ln>
+            <a:effectLst/>
+          </p:spPr>
+          <p:style>
+            <a:lnRef idx="2">
+              <a:schemeClr val="accent1"/>
+            </a:lnRef>
+            <a:fillRef idx="0">
+              <a:schemeClr val="accent1"/>
+            </a:fillRef>
+            <a:effectRef idx="1">
+              <a:schemeClr val="accent1"/>
+            </a:effectRef>
+            <a:fontRef idx="minor">
+              <a:schemeClr val="tx1"/>
+            </a:fontRef>
+          </p:style>
+        </p:cxnSp>
+        <p:cxnSp>
+          <p:nvCxnSpPr>
+            <p:cNvPr id="7" name="Straight Arrow Connector 6"/>
+            <p:cNvCxnSpPr/>
+            <p:nvPr/>
+          </p:nvCxnSpPr>
+          <p:spPr>
+            <a:xfrm>
+              <a:off x="1649425" y="3257370"/>
+              <a:ext cx="1517471" cy="1588"/>
+            </a:xfrm>
+            <a:prstGeom prst="straightConnector1">
+              <a:avLst/>
+            </a:prstGeom>
+            <a:ln w="12700">
+              <a:solidFill>
+                <a:schemeClr val="tx1"/>
+              </a:solidFill>
+              <a:tailEnd type="arrow"/>
+            </a:ln>
+            <a:effectLst/>
+          </p:spPr>
+          <p:style>
+            <a:lnRef idx="2">
+              <a:schemeClr val="accent1"/>
+            </a:lnRef>
+            <a:fillRef idx="0">
+              <a:schemeClr val="accent1"/>
+            </a:fillRef>
+            <a:effectRef idx="1">
+              <a:schemeClr val="accent1"/>
+            </a:effectRef>
+            <a:fontRef idx="minor">
+              <a:schemeClr val="tx1"/>
+            </a:fontRef>
+          </p:style>
+        </p:cxnSp>
+        <p:cxnSp>
+          <p:nvCxnSpPr>
+            <p:cNvPr id="9" name="Straight Arrow Connector 8"/>
+            <p:cNvCxnSpPr/>
+            <p:nvPr/>
+          </p:nvCxnSpPr>
+          <p:spPr>
+            <a:xfrm flipV="1">
+              <a:off x="2012299" y="2498691"/>
+              <a:ext cx="758735" cy="758679"/>
+            </a:xfrm>
+            <a:prstGeom prst="straightConnector1">
+              <a:avLst/>
+            </a:prstGeom>
+            <a:ln>
+              <a:solidFill>
+                <a:schemeClr val="accent2"/>
+              </a:solidFill>
+              <a:tailEnd type="arrow"/>
+            </a:ln>
+          </p:spPr>
+          <p:style>
+            <a:lnRef idx="2">
+              <a:schemeClr val="accent1"/>
+            </a:lnRef>
+            <a:fillRef idx="0">
+              <a:schemeClr val="accent1"/>
+            </a:fillRef>
+            <a:effectRef idx="1">
+              <a:schemeClr val="accent1"/>
+            </a:effectRef>
+            <a:fontRef idx="minor">
+              <a:schemeClr val="tx1"/>
+            </a:fontRef>
+          </p:style>
+        </p:cxnSp>
+        <p:cxnSp>
+          <p:nvCxnSpPr>
+            <p:cNvPr id="11" name="Straight Arrow Connector 10"/>
+            <p:cNvCxnSpPr/>
+            <p:nvPr/>
+          </p:nvCxnSpPr>
+          <p:spPr>
+            <a:xfrm flipV="1">
+              <a:off x="2011505" y="2836798"/>
+              <a:ext cx="1155391" cy="420572"/>
+            </a:xfrm>
+            <a:prstGeom prst="straightConnector1">
+              <a:avLst/>
+            </a:prstGeom>
+            <a:ln>
+              <a:solidFill>
+                <a:schemeClr val="accent6"/>
+              </a:solidFill>
+              <a:tailEnd type="arrow"/>
+            </a:ln>
+          </p:spPr>
+          <p:style>
+            <a:lnRef idx="2">
+              <a:schemeClr val="accent1"/>
+            </a:lnRef>
+            <a:fillRef idx="0">
+              <a:schemeClr val="accent1"/>
+            </a:fillRef>
+            <a:effectRef idx="1">
+              <a:schemeClr val="accent1"/>
+            </a:effectRef>
+            <a:fontRef idx="minor">
+              <a:schemeClr val="tx1"/>
+            </a:fontRef>
+          </p:style>
+        </p:cxnSp>
+        <p:graphicFrame>
+          <p:nvGraphicFramePr>
+            <p:cNvPr id="12" name="Object 11"/>
+            <p:cNvGraphicFramePr>
+              <a:graphicFrameLocks noChangeAspect="1"/>
+            </p:cNvGraphicFramePr>
+            <p:nvPr/>
+          </p:nvGraphicFramePr>
+          <p:xfrm>
+            <a:off x="1922605" y="2090122"/>
+            <a:ext cx="177800" cy="203200"/>
+          </p:xfrm>
+          <a:graphic>
+            <a:graphicData uri="http://schemas.openxmlformats.org/presentationml/2006/ole">
+              <p:oleObj spid="_x0000_s48130" name="Equation" r:id="rId3" imgW="177800" imgH="203200" progId="Equation.DSMT4">
+                <p:embed/>
+              </p:oleObj>
+            </a:graphicData>
+          </a:graphic>
+        </p:graphicFrame>
+        <p:graphicFrame>
+          <p:nvGraphicFramePr>
+            <p:cNvPr id="13" name="Object 12"/>
+            <p:cNvGraphicFramePr>
+              <a:graphicFrameLocks noChangeAspect="1"/>
+            </p:cNvGraphicFramePr>
+            <p:nvPr/>
+          </p:nvGraphicFramePr>
+          <p:xfrm>
+            <a:off x="3179763" y="3155950"/>
+            <a:ext cx="152400" cy="203200"/>
+          </p:xfrm>
+          <a:graphic>
+            <a:graphicData uri="http://schemas.openxmlformats.org/presentationml/2006/ole">
+              <p:oleObj spid="_x0000_s48131" name="Equation" r:id="rId4" imgW="152400" imgH="203200" progId="Equation.DSMT4">
+                <p:embed/>
+              </p:oleObj>
+            </a:graphicData>
+          </a:graphic>
+        </p:graphicFrame>
+        <p:graphicFrame>
+          <p:nvGraphicFramePr>
+            <p:cNvPr id="14" name="Object 13"/>
+            <p:cNvGraphicFramePr>
+              <a:graphicFrameLocks noChangeAspect="1"/>
+            </p:cNvGraphicFramePr>
+            <p:nvPr/>
+          </p:nvGraphicFramePr>
+          <p:xfrm>
+            <a:off x="3205163" y="2709798"/>
+            <a:ext cx="127000" cy="127000"/>
+          </p:xfrm>
+          <a:graphic>
+            <a:graphicData uri="http://schemas.openxmlformats.org/presentationml/2006/ole">
+              <p:oleObj spid="_x0000_s48132" name="Equation" r:id="rId5" imgW="127000" imgH="127000" progId="Equation.DSMT4">
+                <p:embed/>
+              </p:oleObj>
+            </a:graphicData>
+          </a:graphic>
+        </p:graphicFrame>
+        <p:graphicFrame>
+          <p:nvGraphicFramePr>
+            <p:cNvPr id="15" name="Object 14"/>
+            <p:cNvGraphicFramePr>
+              <a:graphicFrameLocks noChangeAspect="1"/>
+            </p:cNvGraphicFramePr>
+            <p:nvPr/>
+          </p:nvGraphicFramePr>
+          <p:xfrm>
+            <a:off x="2771034" y="2346291"/>
+            <a:ext cx="228600" cy="152400"/>
+          </p:xfrm>
+          <a:graphic>
+            <a:graphicData uri="http://schemas.openxmlformats.org/presentationml/2006/ole">
+              <p:oleObj spid="_x0000_s48133" name="Equation" r:id="rId6" imgW="228600" imgH="152400" progId="Equation.DSMT4">
+                <p:embed/>
+              </p:oleObj>
+            </a:graphicData>
+          </a:graphic>
+        </p:graphicFrame>
+        <p:sp>
+          <p:nvSpPr>
+            <p:cNvPr id="16" name="TextBox 15"/>
+            <p:cNvSpPr txBox="1"/>
+            <p:nvPr/>
+          </p:nvSpPr>
+          <p:spPr>
+            <a:xfrm>
+              <a:off x="1828469" y="3579773"/>
+              <a:ext cx="355461" cy="276999"/>
+            </a:xfrm>
+            <a:prstGeom prst="rect">
+              <a:avLst/>
+            </a:prstGeom>
+            <a:noFill/>
+          </p:spPr>
+          <p:txBody>
+            <a:bodyPr wrap="none" rtlCol="0">
+              <a:spAutoFit/>
+            </a:bodyPr>
+            <a:lstStyle/>
+            <a:p>
+              <a:r>
+                <a:rPr lang="en-US" sz="1200" dirty="0" smtClean="0">
+                  <a:latin typeface="Times New Roman"/>
+                </a:rPr>
+                <a:t>(a)</a:t>
+              </a:r>
+              <a:endParaRPr lang="en-US" sz="1200" dirty="0">
+                <a:latin typeface="Times New Roman"/>
+              </a:endParaRPr>
+            </a:p>
+          </p:txBody>
+        </p:sp>
+      </p:grpSp>
+      <p:cxnSp>
+        <p:nvCxnSpPr>
+          <p:cNvPr id="19" name="Straight Arrow Connector 18"/>
+          <p:cNvCxnSpPr/>
+          <p:nvPr/>
+        </p:nvCxnSpPr>
+        <p:spPr>
+          <a:xfrm rot="5400000" flipH="1" flipV="1">
+            <a:off x="3139064" y="2988616"/>
+            <a:ext cx="1360674" cy="1588"/>
+          </a:xfrm>
+          <a:prstGeom prst="straightConnector1">
+            <a:avLst/>
+          </a:prstGeom>
+          <a:ln w="12700">
+            <a:solidFill>
+              <a:schemeClr val="tx1"/>
+            </a:solidFill>
+            <a:tailEnd type="arrow"/>
+          </a:ln>
+          <a:effectLst/>
+        </p:spPr>
+        <p:style>
+          <a:lnRef idx="2">
+            <a:schemeClr val="accent1"/>
+          </a:lnRef>
+          <a:fillRef idx="0">
+            <a:schemeClr val="accent1"/>
+          </a:fillRef>
+          <a:effectRef idx="1">
+            <a:schemeClr val="accent1"/>
+          </a:effectRef>
+          <a:fontRef idx="minor">
+            <a:schemeClr val="tx1"/>
+          </a:fontRef>
+        </p:style>
+      </p:cxnSp>
+      <p:cxnSp>
+        <p:nvCxnSpPr>
+          <p:cNvPr id="20" name="Straight Arrow Connector 19"/>
+          <p:cNvCxnSpPr/>
+          <p:nvPr/>
+        </p:nvCxnSpPr>
+        <p:spPr>
+          <a:xfrm>
+            <a:off x="3456527" y="3273121"/>
+            <a:ext cx="1517471" cy="1588"/>
+          </a:xfrm>
+          <a:prstGeom prst="straightConnector1">
+            <a:avLst/>
+          </a:prstGeom>
+          <a:ln w="12700">
+            <a:solidFill>
+              <a:schemeClr val="tx1"/>
+            </a:solidFill>
+            <a:tailEnd type="arrow"/>
+          </a:ln>
+          <a:effectLst/>
+        </p:spPr>
+        <p:style>
+          <a:lnRef idx="2">
+            <a:schemeClr val="accent1"/>
+          </a:lnRef>
+          <a:fillRef idx="0">
+            <a:schemeClr val="accent1"/>
+          </a:fillRef>
+          <a:effectRef idx="1">
+            <a:schemeClr val="accent1"/>
+          </a:effectRef>
+          <a:fontRef idx="minor">
+            <a:schemeClr val="tx1"/>
+          </a:fontRef>
+        </p:style>
+      </p:cxnSp>
+      <p:cxnSp>
+        <p:nvCxnSpPr>
+          <p:cNvPr id="21" name="Straight Arrow Connector 20"/>
+          <p:cNvCxnSpPr/>
+          <p:nvPr/>
+        </p:nvCxnSpPr>
+        <p:spPr>
+          <a:xfrm flipV="1">
+            <a:off x="3819401" y="3001728"/>
+            <a:ext cx="758735" cy="271394"/>
+          </a:xfrm>
+          <a:prstGeom prst="straightConnector1">
+            <a:avLst/>
+          </a:prstGeom>
+          <a:ln>
+            <a:solidFill>
+              <a:schemeClr val="accent2"/>
+            </a:solidFill>
+            <a:tailEnd type="arrow"/>
+          </a:ln>
+        </p:spPr>
+        <p:style>
+          <a:lnRef idx="2">
+            <a:schemeClr val="accent1"/>
+          </a:lnRef>
+          <a:fillRef idx="0">
+            <a:schemeClr val="accent1"/>
+          </a:fillRef>
+          <a:effectRef idx="1">
+            <a:schemeClr val="accent1"/>
+          </a:effectRef>
+          <a:fontRef idx="minor">
+            <a:schemeClr val="tx1"/>
+          </a:fontRef>
+        </p:style>
+      </p:cxnSp>
+      <p:graphicFrame>
+        <p:nvGraphicFramePr>
+          <p:cNvPr id="23" name="Object 22"/>
+          <p:cNvGraphicFramePr>
+            <a:graphicFrameLocks noChangeAspect="1"/>
+          </p:cNvGraphicFramePr>
+          <p:nvPr/>
+        </p:nvGraphicFramePr>
+        <p:xfrm>
+          <a:off x="3729707" y="2105873"/>
+          <a:ext cx="177800" cy="203200"/>
+        </p:xfrm>
+        <a:graphic>
+          <a:graphicData uri="http://schemas.openxmlformats.org/presentationml/2006/ole">
+            <p:oleObj spid="_x0000_s48134" name="Equation" r:id="rId7" imgW="177800" imgH="203200" progId="Equation.DSMT4">
+              <p:embed/>
+            </p:oleObj>
+          </a:graphicData>
+        </a:graphic>
+      </p:graphicFrame>
+      <p:graphicFrame>
+        <p:nvGraphicFramePr>
+          <p:cNvPr id="24" name="Object 23"/>
+          <p:cNvGraphicFramePr>
+            <a:graphicFrameLocks noChangeAspect="1"/>
+          </p:cNvGraphicFramePr>
+          <p:nvPr/>
+        </p:nvGraphicFramePr>
+        <p:xfrm>
+          <a:off x="4986865" y="3171701"/>
+          <a:ext cx="152400" cy="203200"/>
+        </p:xfrm>
+        <a:graphic>
+          <a:graphicData uri="http://schemas.openxmlformats.org/presentationml/2006/ole">
+            <p:oleObj spid="_x0000_s48135" name="Equation" r:id="rId8" imgW="152400" imgH="203200" progId="Equation.DSMT4">
+              <p:embed/>
+            </p:oleObj>
+          </a:graphicData>
+        </a:graphic>
+      </p:graphicFrame>
+      <p:graphicFrame>
+        <p:nvGraphicFramePr>
+          <p:cNvPr id="25" name="Object 24"/>
+          <p:cNvGraphicFramePr>
+            <a:graphicFrameLocks noChangeAspect="1"/>
+          </p:cNvGraphicFramePr>
+          <p:nvPr/>
+        </p:nvGraphicFramePr>
+        <p:xfrm>
+          <a:off x="5012265" y="2725549"/>
+          <a:ext cx="127000" cy="127000"/>
+        </p:xfrm>
+        <a:graphic>
+          <a:graphicData uri="http://schemas.openxmlformats.org/presentationml/2006/ole">
+            <p:oleObj spid="_x0000_s48136" name="Equation" r:id="rId9" imgW="127000" imgH="127000" progId="Equation.DSMT4">
+              <p:embed/>
+            </p:oleObj>
+          </a:graphicData>
+        </a:graphic>
+      </p:graphicFrame>
+      <p:graphicFrame>
+        <p:nvGraphicFramePr>
+          <p:cNvPr id="26" name="Object 25"/>
+          <p:cNvGraphicFramePr>
+            <a:graphicFrameLocks noChangeAspect="1"/>
+          </p:cNvGraphicFramePr>
+          <p:nvPr/>
+        </p:nvGraphicFramePr>
+        <p:xfrm>
+          <a:off x="4349536" y="2776349"/>
+          <a:ext cx="228600" cy="152400"/>
+        </p:xfrm>
+        <a:graphic>
+          <a:graphicData uri="http://schemas.openxmlformats.org/presentationml/2006/ole">
+            <p:oleObj spid="_x0000_s48137" name="Equation" r:id="rId10" imgW="228600" imgH="152400" progId="Equation.DSMT4">
+              <p:embed/>
+            </p:oleObj>
+          </a:graphicData>
+        </a:graphic>
+      </p:graphicFrame>
+      <p:sp>
+        <p:nvSpPr>
+          <p:cNvPr id="27" name="TextBox 26"/>
+          <p:cNvSpPr txBox="1"/>
+          <p:nvPr/>
+        </p:nvSpPr>
+        <p:spPr>
+          <a:xfrm>
+            <a:off x="3635571" y="3595524"/>
+            <a:ext cx="364102" cy="276999"/>
+          </a:xfrm>
+          <a:prstGeom prst="rect">
+            <a:avLst/>
+          </a:prstGeom>
+          <a:noFill/>
+        </p:spPr>
+        <p:txBody>
+          <a:bodyPr wrap="none" rtlCol="0">
+            <a:spAutoFit/>
+          </a:bodyPr>
+          <a:lstStyle/>
+          <a:p>
+            <a:r>
+              <a:rPr lang="en-US" sz="1200" dirty="0" smtClean="0">
+                <a:latin typeface="Times New Roman"/>
+              </a:rPr>
+              <a:t>(</a:t>
+            </a:r>
+            <a:r>
+              <a:rPr lang="en-US" sz="1200" dirty="0" err="1" smtClean="0">
+                <a:latin typeface="Times New Roman"/>
+              </a:rPr>
+              <a:t>b</a:t>
+            </a:r>
+            <a:r>
+              <a:rPr lang="en-US" sz="1200" dirty="0" smtClean="0">
+                <a:latin typeface="Times New Roman"/>
+              </a:rPr>
+              <a:t>)</a:t>
+            </a:r>
+            <a:endParaRPr lang="en-US" sz="1200" dirty="0">
+              <a:latin typeface="Times New Roman"/>
+            </a:endParaRPr>
+          </a:p>
+        </p:txBody>
+      </p:sp>
     </p:spTree>
   </p:cSld>
   <p:clrMapOvr>

--- a/DigitalSystems/Lecture11/pictures/pictures-converted.pptx
+++ b/DigitalSystems/Lecture11/pictures/pictures-converted.pptx
@@ -5,7 +5,7 @@
     <p:sldMasterId id="2147483648" r:id="rId1"/>
   </p:sldMasterIdLst>
   <p:notesMasterIdLst>
-    <p:notesMasterId r:id="rId20"/>
+    <p:notesMasterId r:id="rId21"/>
   </p:notesMasterIdLst>
   <p:sldIdLst>
     <p:sldId id="256" r:id="rId2"/>
@@ -26,6 +26,7 @@
     <p:sldId id="261" r:id="rId17"/>
     <p:sldId id="262" r:id="rId18"/>
     <p:sldId id="273" r:id="rId19"/>
+    <p:sldId id="274" r:id="rId20"/>
   </p:sldIdLst>
   <p:sldSz cx="9144000" cy="6858000" type="screen4x3"/>
   <p:notesSz cx="6858000" cy="9144000"/>
@@ -8524,6 +8525,764 @@
 </p:sld>
 </file>
 
+<file path=ppt/slides/slide19.xml><?xml version="1.0" encoding="utf-8"?>
+<p:sld xmlns:a="http://schemas.openxmlformats.org/drawingml/2006/main" xmlns:r="http://schemas.openxmlformats.org/officeDocument/2006/relationships" xmlns:mc="http://schemas.openxmlformats.org/markup-compatibility/2006" xmlns:mv="urn:schemas-microsoft-com:mac:vml" xmlns:p="http://schemas.openxmlformats.org/presentationml/2006/main" mc:Ignorable="mv" mc:PreserveAttributes="mv:*">
+  <p:cSld>
+    <p:spTree>
+      <p:nvGrpSpPr>
+        <p:cNvPr id="1" name=""/>
+        <p:cNvGrpSpPr/>
+        <p:nvPr/>
+      </p:nvGrpSpPr>
+      <p:grpSpPr>
+        <a:xfrm>
+          <a:off x="0" y="0"/>
+          <a:ext cx="0" cy="0"/>
+          <a:chOff x="0" y="0"/>
+          <a:chExt cx="0" cy="0"/>
+        </a:xfrm>
+      </p:grpSpPr>
+      <p:cxnSp>
+        <p:nvCxnSpPr>
+          <p:cNvPr id="5" name="Shape 4"/>
+          <p:cNvCxnSpPr>
+            <a:endCxn id="18" idx="4"/>
+          </p:cNvCxnSpPr>
+          <p:nvPr/>
+        </p:nvCxnSpPr>
+        <p:spPr>
+          <a:xfrm rot="10800000" flipV="1">
+            <a:off x="3904528" y="2571541"/>
+            <a:ext cx="2639369" cy="149357"/>
+          </a:xfrm>
+          <a:prstGeom prst="bentConnector4">
+            <a:avLst>
+              <a:gd name="adj1" fmla="val -307"/>
+              <a:gd name="adj2" fmla="val 512559"/>
+            </a:avLst>
+          </a:prstGeom>
+          <a:ln w="12700">
+            <a:solidFill>
+              <a:schemeClr val="tx1"/>
+            </a:solidFill>
+            <a:tailEnd type="triangle"/>
+          </a:ln>
+          <a:effectLst/>
+        </p:spPr>
+        <p:style>
+          <a:lnRef idx="2">
+            <a:schemeClr val="accent1"/>
+          </a:lnRef>
+          <a:fillRef idx="0">
+            <a:schemeClr val="accent1"/>
+          </a:fillRef>
+          <a:effectRef idx="1">
+            <a:schemeClr val="accent1"/>
+          </a:effectRef>
+          <a:fontRef idx="minor">
+            <a:schemeClr val="tx1"/>
+          </a:fontRef>
+        </p:style>
+      </p:cxnSp>
+      <p:sp>
+        <p:nvSpPr>
+          <p:cNvPr id="6" name="TextBox 5"/>
+          <p:cNvSpPr txBox="1"/>
+          <p:nvPr/>
+        </p:nvSpPr>
+        <p:spPr>
+          <a:xfrm>
+            <a:off x="3934907" y="2720899"/>
+            <a:ext cx="269124" cy="276999"/>
+          </a:xfrm>
+          <a:prstGeom prst="rect">
+            <a:avLst/>
+          </a:prstGeom>
+          <a:noFill/>
+        </p:spPr>
+        <p:txBody>
+          <a:bodyPr wrap="none" rtlCol="0">
+            <a:spAutoFit/>
+          </a:bodyPr>
+          <a:lstStyle/>
+          <a:p>
+            <a:r>
+              <a:rPr lang="en-US" sz="1200" dirty="0" smtClean="0">
+                <a:latin typeface="Symbol"/>
+              </a:rPr>
+              <a:t>-</a:t>
+            </a:r>
+            <a:endParaRPr lang="en-US" sz="1200" dirty="0">
+              <a:latin typeface="Symbol"/>
+            </a:endParaRPr>
+          </a:p>
+        </p:txBody>
+      </p:sp>
+      <p:cxnSp>
+        <p:nvCxnSpPr>
+          <p:cNvPr id="8" name="Shape 7"/>
+          <p:cNvCxnSpPr/>
+          <p:nvPr/>
+        </p:nvCxnSpPr>
+        <p:spPr>
+          <a:xfrm rot="10800000" flipV="1">
+            <a:off x="3904528" y="2571541"/>
+            <a:ext cx="2639369" cy="149357"/>
+          </a:xfrm>
+          <a:prstGeom prst="bentConnector4">
+            <a:avLst>
+              <a:gd name="adj1" fmla="val -307"/>
+              <a:gd name="adj2" fmla="val 512559"/>
+            </a:avLst>
+          </a:prstGeom>
+          <a:ln w="12700">
+            <a:solidFill>
+              <a:schemeClr val="tx1"/>
+            </a:solidFill>
+            <a:tailEnd type="triangle"/>
+          </a:ln>
+          <a:effectLst/>
+        </p:spPr>
+        <p:style>
+          <a:lnRef idx="2">
+            <a:schemeClr val="accent1"/>
+          </a:lnRef>
+          <a:fillRef idx="0">
+            <a:schemeClr val="accent1"/>
+          </a:fillRef>
+          <a:effectRef idx="1">
+            <a:schemeClr val="accent1"/>
+          </a:effectRef>
+          <a:fontRef idx="minor">
+            <a:schemeClr val="tx1"/>
+          </a:fontRef>
+        </p:style>
+      </p:cxnSp>
+      <p:cxnSp>
+        <p:nvCxnSpPr>
+          <p:cNvPr id="9" name="Straight Arrow Connector 8"/>
+          <p:cNvCxnSpPr/>
+          <p:nvPr/>
+        </p:nvCxnSpPr>
+        <p:spPr>
+          <a:xfrm>
+            <a:off x="4069469" y="2569954"/>
+            <a:ext cx="424699" cy="1588"/>
+          </a:xfrm>
+          <a:prstGeom prst="straightConnector1">
+            <a:avLst/>
+          </a:prstGeom>
+          <a:ln w="12700">
+            <a:solidFill>
+              <a:schemeClr val="tx1"/>
+            </a:solidFill>
+            <a:tailEnd type="triangle"/>
+          </a:ln>
+          <a:effectLst/>
+        </p:spPr>
+        <p:style>
+          <a:lnRef idx="2">
+            <a:schemeClr val="accent1"/>
+          </a:lnRef>
+          <a:fillRef idx="0">
+            <a:schemeClr val="accent1"/>
+          </a:fillRef>
+          <a:effectRef idx="1">
+            <a:schemeClr val="accent1"/>
+          </a:effectRef>
+          <a:fontRef idx="minor">
+            <a:schemeClr val="tx1"/>
+          </a:fontRef>
+        </p:style>
+      </p:cxnSp>
+      <p:cxnSp>
+        <p:nvCxnSpPr>
+          <p:cNvPr id="10" name="Straight Arrow Connector 9"/>
+          <p:cNvCxnSpPr/>
+          <p:nvPr/>
+        </p:nvCxnSpPr>
+        <p:spPr>
+          <a:xfrm>
+            <a:off x="5125101" y="2569954"/>
+            <a:ext cx="424699" cy="1588"/>
+          </a:xfrm>
+          <a:prstGeom prst="straightConnector1">
+            <a:avLst/>
+          </a:prstGeom>
+          <a:ln w="12700">
+            <a:solidFill>
+              <a:schemeClr val="tx1"/>
+            </a:solidFill>
+            <a:tailEnd type="triangle"/>
+          </a:ln>
+          <a:effectLst/>
+        </p:spPr>
+        <p:style>
+          <a:lnRef idx="2">
+            <a:schemeClr val="accent1"/>
+          </a:lnRef>
+          <a:fillRef idx="0">
+            <a:schemeClr val="accent1"/>
+          </a:fillRef>
+          <a:effectRef idx="1">
+            <a:schemeClr val="accent1"/>
+          </a:effectRef>
+          <a:fontRef idx="minor">
+            <a:schemeClr val="tx1"/>
+          </a:fontRef>
+        </p:style>
+      </p:cxnSp>
+      <p:sp>
+        <p:nvSpPr>
+          <p:cNvPr id="11" name="TextBox 10"/>
+          <p:cNvSpPr txBox="1"/>
+          <p:nvPr/>
+        </p:nvSpPr>
+        <p:spPr>
+          <a:xfrm>
+            <a:off x="6629285" y="2308443"/>
+            <a:ext cx="460908" cy="276999"/>
+          </a:xfrm>
+          <a:prstGeom prst="rect">
+            <a:avLst/>
+          </a:prstGeom>
+          <a:noFill/>
+        </p:spPr>
+        <p:txBody>
+          <a:bodyPr wrap="none" rtlCol="0">
+            <a:spAutoFit/>
+          </a:bodyPr>
+          <a:lstStyle/>
+          <a:p>
+            <a:r>
+              <a:rPr lang="en-US" sz="1200" i="1" dirty="0" err="1" smtClean="0">
+                <a:latin typeface="Times New Roman"/>
+              </a:rPr>
+              <a:t>C</a:t>
+            </a:r>
+            <a:r>
+              <a:rPr lang="en-US" sz="1200" dirty="0" err="1" smtClean="0">
+                <a:latin typeface="Times New Roman"/>
+              </a:rPr>
+              <a:t>(</a:t>
+            </a:r>
+            <a:r>
+              <a:rPr lang="en-US" sz="1200" i="1" dirty="0" err="1" smtClean="0">
+                <a:latin typeface="Times New Roman"/>
+              </a:rPr>
+              <a:t>z</a:t>
+            </a:r>
+            <a:r>
+              <a:rPr lang="en-US" sz="1200" dirty="0" smtClean="0">
+                <a:latin typeface="Times New Roman"/>
+              </a:rPr>
+              <a:t>)</a:t>
+            </a:r>
+            <a:endParaRPr lang="en-US" sz="1200" dirty="0">
+              <a:latin typeface="Times New Roman"/>
+            </a:endParaRPr>
+          </a:p>
+        </p:txBody>
+      </p:sp>
+      <p:sp>
+        <p:nvSpPr>
+          <p:cNvPr id="12" name="Rectangle 11"/>
+          <p:cNvSpPr/>
+          <p:nvPr/>
+        </p:nvSpPr>
+        <p:spPr>
+          <a:xfrm>
+            <a:off x="2864268" y="970708"/>
+            <a:ext cx="630933" cy="453558"/>
+          </a:xfrm>
+          <a:prstGeom prst="rect">
+            <a:avLst/>
+          </a:prstGeom>
+          <a:noFill/>
+          <a:ln>
+            <a:solidFill>
+              <a:schemeClr val="tx1"/>
+            </a:solidFill>
+          </a:ln>
+          <a:effectLst/>
+        </p:spPr>
+        <p:style>
+          <a:lnRef idx="1">
+            <a:schemeClr val="accent1"/>
+          </a:lnRef>
+          <a:fillRef idx="3">
+            <a:schemeClr val="accent1"/>
+          </a:fillRef>
+          <a:effectRef idx="2">
+            <a:schemeClr val="accent1"/>
+          </a:effectRef>
+          <a:fontRef idx="minor">
+            <a:schemeClr val="lt1"/>
+          </a:fontRef>
+        </p:style>
+        <p:txBody>
+          <a:bodyPr rtlCol="0" anchor="ctr"/>
+          <a:lstStyle/>
+          <a:p>
+            <a:pPr algn="ctr"/>
+            <a:endParaRPr lang="en-US"/>
+          </a:p>
+        </p:txBody>
+      </p:sp>
+      <p:cxnSp>
+        <p:nvCxnSpPr>
+          <p:cNvPr id="13" name="Straight Arrow Connector 12"/>
+          <p:cNvCxnSpPr/>
+          <p:nvPr/>
+        </p:nvCxnSpPr>
+        <p:spPr>
+          <a:xfrm>
+            <a:off x="6180733" y="2569954"/>
+            <a:ext cx="857989" cy="1588"/>
+          </a:xfrm>
+          <a:prstGeom prst="straightConnector1">
+            <a:avLst/>
+          </a:prstGeom>
+          <a:ln w="12700">
+            <a:solidFill>
+              <a:schemeClr val="tx1"/>
+            </a:solidFill>
+            <a:tailEnd type="triangle"/>
+          </a:ln>
+          <a:effectLst/>
+        </p:spPr>
+        <p:style>
+          <a:lnRef idx="2">
+            <a:schemeClr val="accent1"/>
+          </a:lnRef>
+          <a:fillRef idx="0">
+            <a:schemeClr val="accent1"/>
+          </a:fillRef>
+          <a:effectRef idx="1">
+            <a:schemeClr val="accent1"/>
+          </a:effectRef>
+          <a:fontRef idx="minor">
+            <a:schemeClr val="tx1"/>
+          </a:fontRef>
+        </p:style>
+      </p:cxnSp>
+      <p:sp>
+        <p:nvSpPr>
+          <p:cNvPr id="14" name="Rectangle 13"/>
+          <p:cNvSpPr/>
+          <p:nvPr/>
+        </p:nvSpPr>
+        <p:spPr>
+          <a:xfrm>
+            <a:off x="4486343" y="2335722"/>
+            <a:ext cx="630933" cy="453558"/>
+          </a:xfrm>
+          <a:prstGeom prst="rect">
+            <a:avLst/>
+          </a:prstGeom>
+          <a:noFill/>
+          <a:ln>
+            <a:solidFill>
+              <a:schemeClr val="tx1"/>
+            </a:solidFill>
+          </a:ln>
+          <a:effectLst/>
+        </p:spPr>
+        <p:style>
+          <a:lnRef idx="1">
+            <a:schemeClr val="accent1"/>
+          </a:lnRef>
+          <a:fillRef idx="3">
+            <a:schemeClr val="accent1"/>
+          </a:fillRef>
+          <a:effectRef idx="2">
+            <a:schemeClr val="accent1"/>
+          </a:effectRef>
+          <a:fontRef idx="minor">
+            <a:schemeClr val="lt1"/>
+          </a:fontRef>
+        </p:style>
+        <p:txBody>
+          <a:bodyPr rtlCol="0" anchor="ctr"/>
+          <a:lstStyle/>
+          <a:p>
+            <a:pPr algn="ctr"/>
+            <a:endParaRPr lang="en-US"/>
+          </a:p>
+        </p:txBody>
+      </p:sp>
+      <p:sp>
+        <p:nvSpPr>
+          <p:cNvPr id="15" name="TextBox 14"/>
+          <p:cNvSpPr txBox="1"/>
+          <p:nvPr/>
+        </p:nvSpPr>
+        <p:spPr>
+          <a:xfrm>
+            <a:off x="4558863" y="2391014"/>
+            <a:ext cx="469399" cy="276999"/>
+          </a:xfrm>
+          <a:prstGeom prst="rect">
+            <a:avLst/>
+          </a:prstGeom>
+          <a:noFill/>
+        </p:spPr>
+        <p:txBody>
+          <a:bodyPr wrap="none" rtlCol="0">
+            <a:spAutoFit/>
+          </a:bodyPr>
+          <a:lstStyle/>
+          <a:p>
+            <a:r>
+              <a:rPr lang="en-US" sz="1200" i="1" dirty="0" err="1" smtClean="0">
+                <a:latin typeface="Times New Roman"/>
+              </a:rPr>
+              <a:t>D</a:t>
+            </a:r>
+            <a:r>
+              <a:rPr lang="en-US" sz="1200" dirty="0" err="1" smtClean="0">
+                <a:latin typeface="Times New Roman"/>
+              </a:rPr>
+              <a:t>(</a:t>
+            </a:r>
+            <a:r>
+              <a:rPr lang="en-US" sz="1200" i="1" dirty="0" err="1" smtClean="0">
+                <a:latin typeface="Times New Roman"/>
+              </a:rPr>
+              <a:t>z</a:t>
+            </a:r>
+            <a:r>
+              <a:rPr lang="en-US" sz="1200" dirty="0" smtClean="0">
+                <a:latin typeface="Times New Roman"/>
+              </a:rPr>
+              <a:t>)</a:t>
+            </a:r>
+            <a:endParaRPr lang="en-US" sz="1200" dirty="0">
+              <a:latin typeface="Times New Roman"/>
+            </a:endParaRPr>
+          </a:p>
+        </p:txBody>
+      </p:sp>
+      <p:sp>
+        <p:nvSpPr>
+          <p:cNvPr id="16" name="TextBox 15"/>
+          <p:cNvSpPr txBox="1"/>
+          <p:nvPr/>
+        </p:nvSpPr>
+        <p:spPr>
+          <a:xfrm>
+            <a:off x="5100344" y="2308443"/>
+            <a:ext cx="477815" cy="276999"/>
+          </a:xfrm>
+          <a:prstGeom prst="rect">
+            <a:avLst/>
+          </a:prstGeom>
+          <a:noFill/>
+        </p:spPr>
+        <p:txBody>
+          <a:bodyPr wrap="none" rtlCol="0">
+            <a:spAutoFit/>
+          </a:bodyPr>
+          <a:lstStyle/>
+          <a:p>
+            <a:r>
+              <a:rPr lang="en-US" sz="1200" i="1" dirty="0" err="1" smtClean="0">
+                <a:latin typeface="Times New Roman"/>
+              </a:rPr>
+              <a:t>U</a:t>
+            </a:r>
+            <a:r>
+              <a:rPr lang="en-US" sz="1200" dirty="0" err="1" smtClean="0">
+                <a:latin typeface="Times New Roman"/>
+              </a:rPr>
+              <a:t>(</a:t>
+            </a:r>
+            <a:r>
+              <a:rPr lang="en-US" sz="1200" i="1" dirty="0" err="1" smtClean="0">
+                <a:latin typeface="Times New Roman"/>
+              </a:rPr>
+              <a:t>z</a:t>
+            </a:r>
+            <a:r>
+              <a:rPr lang="en-US" sz="1200" dirty="0" smtClean="0">
+                <a:latin typeface="Times New Roman"/>
+              </a:rPr>
+              <a:t>)</a:t>
+            </a:r>
+            <a:endParaRPr lang="en-US" sz="1200" dirty="0">
+              <a:latin typeface="Times New Roman"/>
+            </a:endParaRPr>
+          </a:p>
+        </p:txBody>
+      </p:sp>
+      <p:sp>
+        <p:nvSpPr>
+          <p:cNvPr id="17" name="TextBox 16"/>
+          <p:cNvSpPr txBox="1"/>
+          <p:nvPr/>
+        </p:nvSpPr>
+        <p:spPr>
+          <a:xfrm>
+            <a:off x="3495201" y="2486478"/>
+            <a:ext cx="269124" cy="276999"/>
+          </a:xfrm>
+          <a:prstGeom prst="rect">
+            <a:avLst/>
+          </a:prstGeom>
+          <a:noFill/>
+        </p:spPr>
+        <p:txBody>
+          <a:bodyPr wrap="none" rtlCol="0">
+            <a:spAutoFit/>
+          </a:bodyPr>
+          <a:lstStyle/>
+          <a:p>
+            <a:r>
+              <a:rPr lang="en-US" sz="1200" dirty="0" smtClean="0">
+                <a:latin typeface="Symbol"/>
+              </a:rPr>
+              <a:t>+</a:t>
+            </a:r>
+            <a:endParaRPr lang="en-US" sz="1200" dirty="0">
+              <a:latin typeface="Symbol"/>
+            </a:endParaRPr>
+          </a:p>
+        </p:txBody>
+      </p:sp>
+      <p:sp>
+        <p:nvSpPr>
+          <p:cNvPr id="18" name="Oval 17"/>
+          <p:cNvSpPr/>
+          <p:nvPr/>
+        </p:nvSpPr>
+        <p:spPr>
+          <a:xfrm>
+            <a:off x="3739584" y="2391014"/>
+            <a:ext cx="329885" cy="329885"/>
+          </a:xfrm>
+          <a:prstGeom prst="ellipse">
+            <a:avLst/>
+          </a:prstGeom>
+          <a:noFill/>
+          <a:ln>
+            <a:solidFill>
+              <a:schemeClr val="tx1"/>
+            </a:solidFill>
+          </a:ln>
+          <a:effectLst/>
+        </p:spPr>
+        <p:style>
+          <a:lnRef idx="1">
+            <a:schemeClr val="accent1"/>
+          </a:lnRef>
+          <a:fillRef idx="2">
+            <a:schemeClr val="accent1"/>
+          </a:fillRef>
+          <a:effectRef idx="1">
+            <a:schemeClr val="accent1"/>
+          </a:effectRef>
+          <a:fontRef idx="minor">
+            <a:schemeClr val="dk1"/>
+          </a:fontRef>
+        </p:style>
+        <p:txBody>
+          <a:bodyPr rtlCol="0" anchor="ctr"/>
+          <a:lstStyle/>
+          <a:p>
+            <a:pPr algn="ctr"/>
+            <a:endParaRPr lang="en-US"/>
+          </a:p>
+        </p:txBody>
+      </p:sp>
+      <p:cxnSp>
+        <p:nvCxnSpPr>
+          <p:cNvPr id="19" name="Straight Arrow Connector 18"/>
+          <p:cNvCxnSpPr/>
+          <p:nvPr/>
+        </p:nvCxnSpPr>
+        <p:spPr>
+          <a:xfrm>
+            <a:off x="3314885" y="2568366"/>
+            <a:ext cx="424699" cy="1588"/>
+          </a:xfrm>
+          <a:prstGeom prst="straightConnector1">
+            <a:avLst/>
+          </a:prstGeom>
+          <a:ln w="12700">
+            <a:solidFill>
+              <a:schemeClr val="tx1"/>
+            </a:solidFill>
+            <a:tailEnd type="triangle"/>
+          </a:ln>
+          <a:effectLst/>
+        </p:spPr>
+        <p:style>
+          <a:lnRef idx="2">
+            <a:schemeClr val="accent1"/>
+          </a:lnRef>
+          <a:fillRef idx="0">
+            <a:schemeClr val="accent1"/>
+          </a:fillRef>
+          <a:effectRef idx="1">
+            <a:schemeClr val="accent1"/>
+          </a:effectRef>
+          <a:fontRef idx="minor">
+            <a:schemeClr val="tx1"/>
+          </a:fontRef>
+        </p:style>
+      </p:cxnSp>
+      <p:sp>
+        <p:nvSpPr>
+          <p:cNvPr id="20" name="TextBox 19"/>
+          <p:cNvSpPr txBox="1"/>
+          <p:nvPr/>
+        </p:nvSpPr>
+        <p:spPr>
+          <a:xfrm>
+            <a:off x="3270185" y="2308443"/>
+            <a:ext cx="452267" cy="276999"/>
+          </a:xfrm>
+          <a:prstGeom prst="rect">
+            <a:avLst/>
+          </a:prstGeom>
+          <a:noFill/>
+        </p:spPr>
+        <p:txBody>
+          <a:bodyPr wrap="none" rtlCol="0">
+            <a:spAutoFit/>
+          </a:bodyPr>
+          <a:lstStyle/>
+          <a:p>
+            <a:r>
+              <a:rPr lang="en-US" sz="1200" i="1" dirty="0" err="1" smtClean="0">
+                <a:latin typeface="Times New Roman"/>
+              </a:rPr>
+              <a:t>R</a:t>
+            </a:r>
+            <a:r>
+              <a:rPr lang="en-US" sz="1200" dirty="0" err="1" smtClean="0">
+                <a:latin typeface="Times New Roman"/>
+              </a:rPr>
+              <a:t>(</a:t>
+            </a:r>
+            <a:r>
+              <a:rPr lang="en-US" sz="1200" i="1" dirty="0" err="1" smtClean="0">
+                <a:latin typeface="Times New Roman"/>
+              </a:rPr>
+              <a:t>z</a:t>
+            </a:r>
+            <a:r>
+              <a:rPr lang="en-US" sz="1200" dirty="0" smtClean="0">
+                <a:latin typeface="Times New Roman"/>
+              </a:rPr>
+              <a:t>)</a:t>
+            </a:r>
+            <a:endParaRPr lang="en-US" sz="1200" dirty="0">
+              <a:latin typeface="Times New Roman"/>
+            </a:endParaRPr>
+          </a:p>
+        </p:txBody>
+      </p:sp>
+      <p:sp>
+        <p:nvSpPr>
+          <p:cNvPr id="21" name="TextBox 20"/>
+          <p:cNvSpPr txBox="1"/>
+          <p:nvPr/>
+        </p:nvSpPr>
+        <p:spPr>
+          <a:xfrm>
+            <a:off x="4056476" y="2308443"/>
+            <a:ext cx="452267" cy="276999"/>
+          </a:xfrm>
+          <a:prstGeom prst="rect">
+            <a:avLst/>
+          </a:prstGeom>
+          <a:noFill/>
+        </p:spPr>
+        <p:txBody>
+          <a:bodyPr wrap="none" rtlCol="0">
+            <a:spAutoFit/>
+          </a:bodyPr>
+          <a:lstStyle/>
+          <a:p>
+            <a:r>
+              <a:rPr lang="en-US" sz="1200" i="1" dirty="0" err="1" smtClean="0">
+                <a:latin typeface="Times New Roman"/>
+              </a:rPr>
+              <a:t>E</a:t>
+            </a:r>
+            <a:r>
+              <a:rPr lang="en-US" sz="1200" dirty="0" err="1" smtClean="0">
+                <a:latin typeface="Times New Roman"/>
+              </a:rPr>
+              <a:t>(</a:t>
+            </a:r>
+            <a:r>
+              <a:rPr lang="en-US" sz="1200" i="1" dirty="0" err="1" smtClean="0">
+                <a:latin typeface="Times New Roman"/>
+              </a:rPr>
+              <a:t>z</a:t>
+            </a:r>
+            <a:r>
+              <a:rPr lang="en-US" sz="1200" dirty="0" smtClean="0">
+                <a:latin typeface="Times New Roman"/>
+              </a:rPr>
+              <a:t>)</a:t>
+            </a:r>
+            <a:endParaRPr lang="en-US" sz="1200" dirty="0">
+              <a:latin typeface="Times New Roman"/>
+            </a:endParaRPr>
+          </a:p>
+        </p:txBody>
+      </p:sp>
+      <p:sp>
+        <p:nvSpPr>
+          <p:cNvPr id="22" name="TextBox 21"/>
+          <p:cNvSpPr txBox="1"/>
+          <p:nvPr/>
+        </p:nvSpPr>
+        <p:spPr>
+          <a:xfrm>
+            <a:off x="2963232" y="1018545"/>
+            <a:ext cx="321547" cy="276999"/>
+          </a:xfrm>
+          <a:prstGeom prst="rect">
+            <a:avLst/>
+          </a:prstGeom>
+          <a:noFill/>
+        </p:spPr>
+        <p:txBody>
+          <a:bodyPr wrap="none" rtlCol="0">
+            <a:spAutoFit/>
+          </a:bodyPr>
+          <a:lstStyle/>
+          <a:p>
+            <a:r>
+              <a:rPr lang="en-US" sz="1200" b="1" dirty="0" smtClean="0">
+                <a:latin typeface="Times New Roman"/>
+              </a:rPr>
+              <a:t>S</a:t>
+            </a:r>
+            <a:r>
+              <a:rPr lang="en-US" sz="1200" baseline="-25000" dirty="0" smtClean="0">
+                <a:latin typeface="Times New Roman"/>
+              </a:rPr>
+              <a:t>1</a:t>
+            </a:r>
+            <a:endParaRPr lang="en-US" sz="1200" baseline="-25000" dirty="0">
+              <a:latin typeface="Times New Roman"/>
+            </a:endParaRPr>
+          </a:p>
+        </p:txBody>
+      </p:sp>
+    </p:spTree>
+  </p:cSld>
+  <p:clrMapOvr>
+    <a:masterClrMapping/>
+  </p:clrMapOvr>
+</p:sld>
+</file>
+
 <file path=ppt/slides/slide2.xml><?xml version="1.0" encoding="utf-8"?>
 <p:sld xmlns:a="http://schemas.openxmlformats.org/drawingml/2006/main" xmlns:r="http://schemas.openxmlformats.org/officeDocument/2006/relationships" xmlns:mc="http://schemas.openxmlformats.org/markup-compatibility/2006" xmlns:mv="urn:schemas-microsoft-com:mac:vml" xmlns:p="http://schemas.openxmlformats.org/presentationml/2006/main" mc:Ignorable="mv" mc:PreserveAttributes="mv:*">
   <p:cSld>

--- a/DigitalSystems/Lecture11/pictures/pictures-converted.pptx
+++ b/DigitalSystems/Lecture11/pictures/pictures-converted.pptx
@@ -211,7 +211,7 @@
             <a:fld id="{57664937-CC7E-1147-954A-F42817EF7E06}" type="datetimeFigureOut">
               <a:rPr lang="en-US" smtClean="0"/>
               <a:pPr/>
-              <a:t>1/31/10</a:t>
+              <a:t>2/2/10</a:t>
             </a:fld>
             <a:endParaRPr lang="en-US"/>
           </a:p>
@@ -741,7 +741,7 @@
             <a:fld id="{5D51CFD4-D50C-3141-B28B-5C3A3C05403C}" type="datetimeFigureOut">
               <a:rPr lang="en-US" smtClean="0"/>
               <a:pPr/>
-              <a:t>1/31/10</a:t>
+              <a:t>2/2/10</a:t>
             </a:fld>
             <a:endParaRPr lang="en-US"/>
           </a:p>
@@ -908,7 +908,7 @@
             <a:fld id="{5D51CFD4-D50C-3141-B28B-5C3A3C05403C}" type="datetimeFigureOut">
               <a:rPr lang="en-US" smtClean="0"/>
               <a:pPr/>
-              <a:t>1/31/10</a:t>
+              <a:t>2/2/10</a:t>
             </a:fld>
             <a:endParaRPr lang="en-US"/>
           </a:p>
@@ -1085,7 +1085,7 @@
             <a:fld id="{5D51CFD4-D50C-3141-B28B-5C3A3C05403C}" type="datetimeFigureOut">
               <a:rPr lang="en-US" smtClean="0"/>
               <a:pPr/>
-              <a:t>1/31/10</a:t>
+              <a:t>2/2/10</a:t>
             </a:fld>
             <a:endParaRPr lang="en-US"/>
           </a:p>
@@ -1252,7 +1252,7 @@
             <a:fld id="{5D51CFD4-D50C-3141-B28B-5C3A3C05403C}" type="datetimeFigureOut">
               <a:rPr lang="en-US" smtClean="0"/>
               <a:pPr/>
-              <a:t>1/31/10</a:t>
+              <a:t>2/2/10</a:t>
             </a:fld>
             <a:endParaRPr lang="en-US"/>
           </a:p>
@@ -1495,7 +1495,7 @@
             <a:fld id="{5D51CFD4-D50C-3141-B28B-5C3A3C05403C}" type="datetimeFigureOut">
               <a:rPr lang="en-US" smtClean="0"/>
               <a:pPr/>
-              <a:t>1/31/10</a:t>
+              <a:t>2/2/10</a:t>
             </a:fld>
             <a:endParaRPr lang="en-US"/>
           </a:p>
@@ -1780,7 +1780,7 @@
             <a:fld id="{5D51CFD4-D50C-3141-B28B-5C3A3C05403C}" type="datetimeFigureOut">
               <a:rPr lang="en-US" smtClean="0"/>
               <a:pPr/>
-              <a:t>1/31/10</a:t>
+              <a:t>2/2/10</a:t>
             </a:fld>
             <a:endParaRPr lang="en-US"/>
           </a:p>
@@ -2199,7 +2199,7 @@
             <a:fld id="{5D51CFD4-D50C-3141-B28B-5C3A3C05403C}" type="datetimeFigureOut">
               <a:rPr lang="en-US" smtClean="0"/>
               <a:pPr/>
-              <a:t>1/31/10</a:t>
+              <a:t>2/2/10</a:t>
             </a:fld>
             <a:endParaRPr lang="en-US"/>
           </a:p>
@@ -2314,7 +2314,7 @@
             <a:fld id="{5D51CFD4-D50C-3141-B28B-5C3A3C05403C}" type="datetimeFigureOut">
               <a:rPr lang="en-US" smtClean="0"/>
               <a:pPr/>
-              <a:t>1/31/10</a:t>
+              <a:t>2/2/10</a:t>
             </a:fld>
             <a:endParaRPr lang="en-US"/>
           </a:p>
@@ -2406,7 +2406,7 @@
             <a:fld id="{5D51CFD4-D50C-3141-B28B-5C3A3C05403C}" type="datetimeFigureOut">
               <a:rPr lang="en-US" smtClean="0"/>
               <a:pPr/>
-              <a:t>1/31/10</a:t>
+              <a:t>2/2/10</a:t>
             </a:fld>
             <a:endParaRPr lang="en-US"/>
           </a:p>
@@ -2680,7 +2680,7 @@
             <a:fld id="{5D51CFD4-D50C-3141-B28B-5C3A3C05403C}" type="datetimeFigureOut">
               <a:rPr lang="en-US" smtClean="0"/>
               <a:pPr/>
-              <a:t>1/31/10</a:t>
+              <a:t>2/2/10</a:t>
             </a:fld>
             <a:endParaRPr lang="en-US"/>
           </a:p>
@@ -2930,7 +2930,7 @@
             <a:fld id="{5D51CFD4-D50C-3141-B28B-5C3A3C05403C}" type="datetimeFigureOut">
               <a:rPr lang="en-US" smtClean="0"/>
               <a:pPr/>
-              <a:t>1/31/10</a:t>
+              <a:t>2/2/10</a:t>
             </a:fld>
             <a:endParaRPr lang="en-US"/>
           </a:p>
@@ -3140,7 +3140,7 @@
             <a:fld id="{5D51CFD4-D50C-3141-B28B-5C3A3C05403C}" type="datetimeFigureOut">
               <a:rPr lang="en-US" smtClean="0"/>
               <a:pPr/>
-              <a:t>1/31/10</a:t>
+              <a:t>2/2/10</a:t>
             </a:fld>
             <a:endParaRPr lang="en-US"/>
           </a:p>
@@ -3568,7 +3568,7 @@
               </a:stretch>
             </p:blipFill>
           </mc:Choice>
-          <mc:Fallback xmlns:ma="http://schemas.microsoft.com/office/mac/drawingml/2008/main" xmlns="" xmlns:a="http://schemas.openxmlformats.org/drawingml/2006/main" xmlns:r="http://schemas.openxmlformats.org/officeDocument/2006/relationships" xmlns:mc="http://schemas.openxmlformats.org/markup-compatibility/2006" xmlns:mv="urn:schemas-microsoft-com:mac:vml" xmlns:p="http://schemas.openxmlformats.org/presentationml/2006/main">
+          <mc:Fallback xmlns:p="http://schemas.openxmlformats.org/presentationml/2006/main" xmlns:mv="urn:schemas-microsoft-com:mac:vml" xmlns:mc="http://schemas.openxmlformats.org/markup-compatibility/2006" xmlns:r="http://schemas.openxmlformats.org/officeDocument/2006/relationships" xmlns:a="http://schemas.openxmlformats.org/drawingml/2006/main" xmlns="" xmlns:ma="http://schemas.microsoft.com/office/mac/drawingml/2008/main">
             <p:blipFill>
               <a:blip r:embed="rId3"/>
               <a:stretch>
@@ -3672,7 +3672,7 @@
               </a:stretch>
             </p:blipFill>
           </mc:Choice>
-          <mc:Fallback xmlns:ma="http://schemas.microsoft.com/office/mac/drawingml/2008/main" xmlns="" xmlns:a="http://schemas.openxmlformats.org/drawingml/2006/main" xmlns:r="http://schemas.openxmlformats.org/officeDocument/2006/relationships" xmlns:mc="http://schemas.openxmlformats.org/markup-compatibility/2006" xmlns:mv="urn:schemas-microsoft-com:mac:vml" xmlns:p="http://schemas.openxmlformats.org/presentationml/2006/main">
+          <mc:Fallback xmlns:p="http://schemas.openxmlformats.org/presentationml/2006/main" xmlns:mv="urn:schemas-microsoft-com:mac:vml" xmlns:mc="http://schemas.openxmlformats.org/markup-compatibility/2006" xmlns:r="http://schemas.openxmlformats.org/officeDocument/2006/relationships" xmlns:a="http://schemas.openxmlformats.org/drawingml/2006/main" xmlns="" xmlns:ma="http://schemas.microsoft.com/office/mac/drawingml/2008/main">
             <p:blipFill>
               <a:blip r:embed="rId5"/>
               <a:stretch>
@@ -3742,7 +3742,7 @@
               </a:stretch>
             </p:blipFill>
           </mc:Choice>
-          <mc:Fallback xmlns:ma="http://schemas.microsoft.com/office/mac/drawingml/2008/main" xmlns="" xmlns:a="http://schemas.openxmlformats.org/drawingml/2006/main" xmlns:r="http://schemas.openxmlformats.org/officeDocument/2006/relationships" xmlns:mc="http://schemas.openxmlformats.org/markup-compatibility/2006" xmlns:mv="urn:schemas-microsoft-com:mac:vml" xmlns:p="http://schemas.openxmlformats.org/presentationml/2006/main">
+          <mc:Fallback xmlns:p="http://schemas.openxmlformats.org/presentationml/2006/main" xmlns:mv="urn:schemas-microsoft-com:mac:vml" xmlns:mc="http://schemas.openxmlformats.org/markup-compatibility/2006" xmlns:r="http://schemas.openxmlformats.org/officeDocument/2006/relationships" xmlns:a="http://schemas.openxmlformats.org/drawingml/2006/main" xmlns="" xmlns:ma="http://schemas.microsoft.com/office/mac/drawingml/2008/main">
             <p:blipFill>
               <a:blip r:embed="rId7"/>
               <a:stretch>
@@ -3846,7 +3846,7 @@
               </a:stretch>
             </p:blipFill>
           </mc:Choice>
-          <mc:Fallback xmlns:ma="http://schemas.microsoft.com/office/mac/drawingml/2008/main" xmlns="" xmlns:a="http://schemas.openxmlformats.org/drawingml/2006/main" xmlns:r="http://schemas.openxmlformats.org/officeDocument/2006/relationships" xmlns:mc="http://schemas.openxmlformats.org/markup-compatibility/2006" xmlns:mv="urn:schemas-microsoft-com:mac:vml" xmlns:p="http://schemas.openxmlformats.org/presentationml/2006/main">
+          <mc:Fallback xmlns:p="http://schemas.openxmlformats.org/presentationml/2006/main" xmlns:mv="urn:schemas-microsoft-com:mac:vml" xmlns:mc="http://schemas.openxmlformats.org/markup-compatibility/2006" xmlns:r="http://schemas.openxmlformats.org/officeDocument/2006/relationships" xmlns:a="http://schemas.openxmlformats.org/drawingml/2006/main" xmlns="" xmlns:ma="http://schemas.microsoft.com/office/mac/drawingml/2008/main">
             <p:blipFill>
               <a:blip r:embed="rId9"/>
               <a:stretch>
@@ -3984,7 +3984,7 @@
               </a:stretch>
             </p:blipFill>
           </mc:Choice>
-          <mc:Fallback xmlns:ma="http://schemas.microsoft.com/office/mac/drawingml/2008/main" xmlns="" xmlns:a="http://schemas.openxmlformats.org/drawingml/2006/main" xmlns:r="http://schemas.openxmlformats.org/officeDocument/2006/relationships" xmlns:mc="http://schemas.openxmlformats.org/markup-compatibility/2006" xmlns:mv="urn:schemas-microsoft-com:mac:vml" xmlns:p="http://schemas.openxmlformats.org/presentationml/2006/main">
+          <mc:Fallback xmlns:p="http://schemas.openxmlformats.org/presentationml/2006/main" xmlns:mv="urn:schemas-microsoft-com:mac:vml" xmlns:mc="http://schemas.openxmlformats.org/markup-compatibility/2006" xmlns:r="http://schemas.openxmlformats.org/officeDocument/2006/relationships" xmlns:a="http://schemas.openxmlformats.org/drawingml/2006/main" xmlns="" xmlns:ma="http://schemas.microsoft.com/office/mac/drawingml/2008/main">
             <p:blipFill>
               <a:blip r:embed="rId11"/>
               <a:stretch>
@@ -4230,7 +4230,7 @@
               </a:stretch>
             </p:blipFill>
           </mc:Choice>
-          <mc:Fallback xmlns:ma="http://schemas.microsoft.com/office/mac/drawingml/2008/main" xmlns="" xmlns:a="http://schemas.openxmlformats.org/drawingml/2006/main" xmlns:r="http://schemas.openxmlformats.org/officeDocument/2006/relationships" xmlns:mc="http://schemas.openxmlformats.org/markup-compatibility/2006" xmlns:mv="urn:schemas-microsoft-com:mac:vml" xmlns:p="http://schemas.openxmlformats.org/presentationml/2006/main">
+          <mc:Fallback xmlns:p="http://schemas.openxmlformats.org/presentationml/2006/main" xmlns:mv="urn:schemas-microsoft-com:mac:vml" xmlns:mc="http://schemas.openxmlformats.org/markup-compatibility/2006" xmlns:r="http://schemas.openxmlformats.org/officeDocument/2006/relationships" xmlns:a="http://schemas.openxmlformats.org/drawingml/2006/main" xmlns="" xmlns:ma="http://schemas.microsoft.com/office/mac/drawingml/2008/main">
             <p:blipFill>
               <a:blip r:embed="rId13"/>
               <a:stretch>
@@ -8542,248 +8542,6 @@
           <a:chExt cx="0" cy="0"/>
         </a:xfrm>
       </p:grpSpPr>
-      <p:cxnSp>
-        <p:nvCxnSpPr>
-          <p:cNvPr id="5" name="Shape 4"/>
-          <p:cNvCxnSpPr>
-            <a:endCxn id="18" idx="4"/>
-          </p:cNvCxnSpPr>
-          <p:nvPr/>
-        </p:nvCxnSpPr>
-        <p:spPr>
-          <a:xfrm rot="10800000" flipV="1">
-            <a:off x="3904528" y="2571541"/>
-            <a:ext cx="2639369" cy="149357"/>
-          </a:xfrm>
-          <a:prstGeom prst="bentConnector4">
-            <a:avLst>
-              <a:gd name="adj1" fmla="val -307"/>
-              <a:gd name="adj2" fmla="val 512559"/>
-            </a:avLst>
-          </a:prstGeom>
-          <a:ln w="12700">
-            <a:solidFill>
-              <a:schemeClr val="tx1"/>
-            </a:solidFill>
-            <a:tailEnd type="triangle"/>
-          </a:ln>
-          <a:effectLst/>
-        </p:spPr>
-        <p:style>
-          <a:lnRef idx="2">
-            <a:schemeClr val="accent1"/>
-          </a:lnRef>
-          <a:fillRef idx="0">
-            <a:schemeClr val="accent1"/>
-          </a:fillRef>
-          <a:effectRef idx="1">
-            <a:schemeClr val="accent1"/>
-          </a:effectRef>
-          <a:fontRef idx="minor">
-            <a:schemeClr val="tx1"/>
-          </a:fontRef>
-        </p:style>
-      </p:cxnSp>
-      <p:sp>
-        <p:nvSpPr>
-          <p:cNvPr id="6" name="TextBox 5"/>
-          <p:cNvSpPr txBox="1"/>
-          <p:nvPr/>
-        </p:nvSpPr>
-        <p:spPr>
-          <a:xfrm>
-            <a:off x="3934907" y="2720899"/>
-            <a:ext cx="269124" cy="276999"/>
-          </a:xfrm>
-          <a:prstGeom prst="rect">
-            <a:avLst/>
-          </a:prstGeom>
-          <a:noFill/>
-        </p:spPr>
-        <p:txBody>
-          <a:bodyPr wrap="none" rtlCol="0">
-            <a:spAutoFit/>
-          </a:bodyPr>
-          <a:lstStyle/>
-          <a:p>
-            <a:r>
-              <a:rPr lang="en-US" sz="1200" dirty="0" smtClean="0">
-                <a:latin typeface="Symbol"/>
-              </a:rPr>
-              <a:t>-</a:t>
-            </a:r>
-            <a:endParaRPr lang="en-US" sz="1200" dirty="0">
-              <a:latin typeface="Symbol"/>
-            </a:endParaRPr>
-          </a:p>
-        </p:txBody>
-      </p:sp>
-      <p:cxnSp>
-        <p:nvCxnSpPr>
-          <p:cNvPr id="8" name="Shape 7"/>
-          <p:cNvCxnSpPr/>
-          <p:nvPr/>
-        </p:nvCxnSpPr>
-        <p:spPr>
-          <a:xfrm rot="10800000" flipV="1">
-            <a:off x="3904528" y="2571541"/>
-            <a:ext cx="2639369" cy="149357"/>
-          </a:xfrm>
-          <a:prstGeom prst="bentConnector4">
-            <a:avLst>
-              <a:gd name="adj1" fmla="val -307"/>
-              <a:gd name="adj2" fmla="val 512559"/>
-            </a:avLst>
-          </a:prstGeom>
-          <a:ln w="12700">
-            <a:solidFill>
-              <a:schemeClr val="tx1"/>
-            </a:solidFill>
-            <a:tailEnd type="triangle"/>
-          </a:ln>
-          <a:effectLst/>
-        </p:spPr>
-        <p:style>
-          <a:lnRef idx="2">
-            <a:schemeClr val="accent1"/>
-          </a:lnRef>
-          <a:fillRef idx="0">
-            <a:schemeClr val="accent1"/>
-          </a:fillRef>
-          <a:effectRef idx="1">
-            <a:schemeClr val="accent1"/>
-          </a:effectRef>
-          <a:fontRef idx="minor">
-            <a:schemeClr val="tx1"/>
-          </a:fontRef>
-        </p:style>
-      </p:cxnSp>
-      <p:cxnSp>
-        <p:nvCxnSpPr>
-          <p:cNvPr id="9" name="Straight Arrow Connector 8"/>
-          <p:cNvCxnSpPr/>
-          <p:nvPr/>
-        </p:nvCxnSpPr>
-        <p:spPr>
-          <a:xfrm>
-            <a:off x="4069469" y="2569954"/>
-            <a:ext cx="424699" cy="1588"/>
-          </a:xfrm>
-          <a:prstGeom prst="straightConnector1">
-            <a:avLst/>
-          </a:prstGeom>
-          <a:ln w="12700">
-            <a:solidFill>
-              <a:schemeClr val="tx1"/>
-            </a:solidFill>
-            <a:tailEnd type="triangle"/>
-          </a:ln>
-          <a:effectLst/>
-        </p:spPr>
-        <p:style>
-          <a:lnRef idx="2">
-            <a:schemeClr val="accent1"/>
-          </a:lnRef>
-          <a:fillRef idx="0">
-            <a:schemeClr val="accent1"/>
-          </a:fillRef>
-          <a:effectRef idx="1">
-            <a:schemeClr val="accent1"/>
-          </a:effectRef>
-          <a:fontRef idx="minor">
-            <a:schemeClr val="tx1"/>
-          </a:fontRef>
-        </p:style>
-      </p:cxnSp>
-      <p:cxnSp>
-        <p:nvCxnSpPr>
-          <p:cNvPr id="10" name="Straight Arrow Connector 9"/>
-          <p:cNvCxnSpPr/>
-          <p:nvPr/>
-        </p:nvCxnSpPr>
-        <p:spPr>
-          <a:xfrm>
-            <a:off x="5125101" y="2569954"/>
-            <a:ext cx="424699" cy="1588"/>
-          </a:xfrm>
-          <a:prstGeom prst="straightConnector1">
-            <a:avLst/>
-          </a:prstGeom>
-          <a:ln w="12700">
-            <a:solidFill>
-              <a:schemeClr val="tx1"/>
-            </a:solidFill>
-            <a:tailEnd type="triangle"/>
-          </a:ln>
-          <a:effectLst/>
-        </p:spPr>
-        <p:style>
-          <a:lnRef idx="2">
-            <a:schemeClr val="accent1"/>
-          </a:lnRef>
-          <a:fillRef idx="0">
-            <a:schemeClr val="accent1"/>
-          </a:fillRef>
-          <a:effectRef idx="1">
-            <a:schemeClr val="accent1"/>
-          </a:effectRef>
-          <a:fontRef idx="minor">
-            <a:schemeClr val="tx1"/>
-          </a:fontRef>
-        </p:style>
-      </p:cxnSp>
-      <p:sp>
-        <p:nvSpPr>
-          <p:cNvPr id="11" name="TextBox 10"/>
-          <p:cNvSpPr txBox="1"/>
-          <p:nvPr/>
-        </p:nvSpPr>
-        <p:spPr>
-          <a:xfrm>
-            <a:off x="6629285" y="2308443"/>
-            <a:ext cx="460908" cy="276999"/>
-          </a:xfrm>
-          <a:prstGeom prst="rect">
-            <a:avLst/>
-          </a:prstGeom>
-          <a:noFill/>
-        </p:spPr>
-        <p:txBody>
-          <a:bodyPr wrap="none" rtlCol="0">
-            <a:spAutoFit/>
-          </a:bodyPr>
-          <a:lstStyle/>
-          <a:p>
-            <a:r>
-              <a:rPr lang="en-US" sz="1200" i="1" dirty="0" err="1" smtClean="0">
-                <a:latin typeface="Times New Roman"/>
-              </a:rPr>
-              <a:t>C</a:t>
-            </a:r>
-            <a:r>
-              <a:rPr lang="en-US" sz="1200" dirty="0" err="1" smtClean="0">
-                <a:latin typeface="Times New Roman"/>
-              </a:rPr>
-              <a:t>(</a:t>
-            </a:r>
-            <a:r>
-              <a:rPr lang="en-US" sz="1200" i="1" dirty="0" err="1" smtClean="0">
-                <a:latin typeface="Times New Roman"/>
-              </a:rPr>
-              <a:t>z</a:t>
-            </a:r>
-            <a:r>
-              <a:rPr lang="en-US" sz="1200" dirty="0" smtClean="0">
-                <a:latin typeface="Times New Roman"/>
-              </a:rPr>
-              <a:t>)</a:t>
-            </a:r>
-            <a:endParaRPr lang="en-US" sz="1200" dirty="0">
-              <a:latin typeface="Times New Roman"/>
-            </a:endParaRPr>
-          </a:p>
-        </p:txBody>
-      </p:sp>
       <p:sp>
         <p:nvSpPr>
           <p:cNvPr id="12" name="Rectangle 11"/>
@@ -8831,14 +8589,14 @@
       </p:sp>
       <p:cxnSp>
         <p:nvCxnSpPr>
-          <p:cNvPr id="13" name="Straight Arrow Connector 12"/>
+          <p:cNvPr id="19" name="Straight Arrow Connector 18"/>
           <p:cNvCxnSpPr/>
           <p:nvPr/>
         </p:nvCxnSpPr>
         <p:spPr>
           <a:xfrm>
-            <a:off x="6180733" y="2569954"/>
-            <a:ext cx="857989" cy="1588"/>
+            <a:off x="1764885" y="1811055"/>
+            <a:ext cx="1099383" cy="1588"/>
           </a:xfrm>
           <a:prstGeom prst="straightConnector1">
             <a:avLst/>
@@ -8868,382 +8626,13 @@
       </p:cxnSp>
       <p:sp>
         <p:nvSpPr>
-          <p:cNvPr id="14" name="Rectangle 13"/>
-          <p:cNvSpPr/>
-          <p:nvPr/>
-        </p:nvSpPr>
-        <p:spPr>
-          <a:xfrm>
-            <a:off x="4486343" y="2335722"/>
-            <a:ext cx="630933" cy="453558"/>
-          </a:xfrm>
-          <a:prstGeom prst="rect">
-            <a:avLst/>
-          </a:prstGeom>
-          <a:noFill/>
-          <a:ln>
-            <a:solidFill>
-              <a:schemeClr val="tx1"/>
-            </a:solidFill>
-          </a:ln>
-          <a:effectLst/>
-        </p:spPr>
-        <p:style>
-          <a:lnRef idx="1">
-            <a:schemeClr val="accent1"/>
-          </a:lnRef>
-          <a:fillRef idx="3">
-            <a:schemeClr val="accent1"/>
-          </a:fillRef>
-          <a:effectRef idx="2">
-            <a:schemeClr val="accent1"/>
-          </a:effectRef>
-          <a:fontRef idx="minor">
-            <a:schemeClr val="lt1"/>
-          </a:fontRef>
-        </p:style>
-        <p:txBody>
-          <a:bodyPr rtlCol="0" anchor="ctr"/>
-          <a:lstStyle/>
-          <a:p>
-            <a:pPr algn="ctr"/>
-            <a:endParaRPr lang="en-US"/>
-          </a:p>
-        </p:txBody>
-      </p:sp>
-      <p:sp>
-        <p:nvSpPr>
-          <p:cNvPr id="15" name="TextBox 14"/>
-          <p:cNvSpPr txBox="1"/>
-          <p:nvPr/>
-        </p:nvSpPr>
-        <p:spPr>
-          <a:xfrm>
-            <a:off x="4558863" y="2391014"/>
-            <a:ext cx="469399" cy="276999"/>
-          </a:xfrm>
-          <a:prstGeom prst="rect">
-            <a:avLst/>
-          </a:prstGeom>
-          <a:noFill/>
-        </p:spPr>
-        <p:txBody>
-          <a:bodyPr wrap="none" rtlCol="0">
-            <a:spAutoFit/>
-          </a:bodyPr>
-          <a:lstStyle/>
-          <a:p>
-            <a:r>
-              <a:rPr lang="en-US" sz="1200" i="1" dirty="0" err="1" smtClean="0">
-                <a:latin typeface="Times New Roman"/>
-              </a:rPr>
-              <a:t>D</a:t>
-            </a:r>
-            <a:r>
-              <a:rPr lang="en-US" sz="1200" dirty="0" err="1" smtClean="0">
-                <a:latin typeface="Times New Roman"/>
-              </a:rPr>
-              <a:t>(</a:t>
-            </a:r>
-            <a:r>
-              <a:rPr lang="en-US" sz="1200" i="1" dirty="0" err="1" smtClean="0">
-                <a:latin typeface="Times New Roman"/>
-              </a:rPr>
-              <a:t>z</a:t>
-            </a:r>
-            <a:r>
-              <a:rPr lang="en-US" sz="1200" dirty="0" smtClean="0">
-                <a:latin typeface="Times New Roman"/>
-              </a:rPr>
-              <a:t>)</a:t>
-            </a:r>
-            <a:endParaRPr lang="en-US" sz="1200" dirty="0">
-              <a:latin typeface="Times New Roman"/>
-            </a:endParaRPr>
-          </a:p>
-        </p:txBody>
-      </p:sp>
-      <p:sp>
-        <p:nvSpPr>
-          <p:cNvPr id="16" name="TextBox 15"/>
-          <p:cNvSpPr txBox="1"/>
-          <p:nvPr/>
-        </p:nvSpPr>
-        <p:spPr>
-          <a:xfrm>
-            <a:off x="5100344" y="2308443"/>
-            <a:ext cx="477815" cy="276999"/>
-          </a:xfrm>
-          <a:prstGeom prst="rect">
-            <a:avLst/>
-          </a:prstGeom>
-          <a:noFill/>
-        </p:spPr>
-        <p:txBody>
-          <a:bodyPr wrap="none" rtlCol="0">
-            <a:spAutoFit/>
-          </a:bodyPr>
-          <a:lstStyle/>
-          <a:p>
-            <a:r>
-              <a:rPr lang="en-US" sz="1200" i="1" dirty="0" err="1" smtClean="0">
-                <a:latin typeface="Times New Roman"/>
-              </a:rPr>
-              <a:t>U</a:t>
-            </a:r>
-            <a:r>
-              <a:rPr lang="en-US" sz="1200" dirty="0" err="1" smtClean="0">
-                <a:latin typeface="Times New Roman"/>
-              </a:rPr>
-              <a:t>(</a:t>
-            </a:r>
-            <a:r>
-              <a:rPr lang="en-US" sz="1200" i="1" dirty="0" err="1" smtClean="0">
-                <a:latin typeface="Times New Roman"/>
-              </a:rPr>
-              <a:t>z</a:t>
-            </a:r>
-            <a:r>
-              <a:rPr lang="en-US" sz="1200" dirty="0" smtClean="0">
-                <a:latin typeface="Times New Roman"/>
-              </a:rPr>
-              <a:t>)</a:t>
-            </a:r>
-            <a:endParaRPr lang="en-US" sz="1200" dirty="0">
-              <a:latin typeface="Times New Roman"/>
-            </a:endParaRPr>
-          </a:p>
-        </p:txBody>
-      </p:sp>
-      <p:sp>
-        <p:nvSpPr>
-          <p:cNvPr id="17" name="TextBox 16"/>
-          <p:cNvSpPr txBox="1"/>
-          <p:nvPr/>
-        </p:nvSpPr>
-        <p:spPr>
-          <a:xfrm>
-            <a:off x="3495201" y="2486478"/>
-            <a:ext cx="269124" cy="276999"/>
-          </a:xfrm>
-          <a:prstGeom prst="rect">
-            <a:avLst/>
-          </a:prstGeom>
-          <a:noFill/>
-        </p:spPr>
-        <p:txBody>
-          <a:bodyPr wrap="none" rtlCol="0">
-            <a:spAutoFit/>
-          </a:bodyPr>
-          <a:lstStyle/>
-          <a:p>
-            <a:r>
-              <a:rPr lang="en-US" sz="1200" dirty="0" smtClean="0">
-                <a:latin typeface="Symbol"/>
-              </a:rPr>
-              <a:t>+</a:t>
-            </a:r>
-            <a:endParaRPr lang="en-US" sz="1200" dirty="0">
-              <a:latin typeface="Symbol"/>
-            </a:endParaRPr>
-          </a:p>
-        </p:txBody>
-      </p:sp>
-      <p:sp>
-        <p:nvSpPr>
-          <p:cNvPr id="18" name="Oval 17"/>
-          <p:cNvSpPr/>
-          <p:nvPr/>
-        </p:nvSpPr>
-        <p:spPr>
-          <a:xfrm>
-            <a:off x="3739584" y="2391014"/>
-            <a:ext cx="329885" cy="329885"/>
-          </a:xfrm>
-          <a:prstGeom prst="ellipse">
-            <a:avLst/>
-          </a:prstGeom>
-          <a:noFill/>
-          <a:ln>
-            <a:solidFill>
-              <a:schemeClr val="tx1"/>
-            </a:solidFill>
-          </a:ln>
-          <a:effectLst/>
-        </p:spPr>
-        <p:style>
-          <a:lnRef idx="1">
-            <a:schemeClr val="accent1"/>
-          </a:lnRef>
-          <a:fillRef idx="2">
-            <a:schemeClr val="accent1"/>
-          </a:fillRef>
-          <a:effectRef idx="1">
-            <a:schemeClr val="accent1"/>
-          </a:effectRef>
-          <a:fontRef idx="minor">
-            <a:schemeClr val="dk1"/>
-          </a:fontRef>
-        </p:style>
-        <p:txBody>
-          <a:bodyPr rtlCol="0" anchor="ctr"/>
-          <a:lstStyle/>
-          <a:p>
-            <a:pPr algn="ctr"/>
-            <a:endParaRPr lang="en-US"/>
-          </a:p>
-        </p:txBody>
-      </p:sp>
-      <p:cxnSp>
-        <p:nvCxnSpPr>
-          <p:cNvPr id="19" name="Straight Arrow Connector 18"/>
-          <p:cNvCxnSpPr/>
-          <p:nvPr/>
-        </p:nvCxnSpPr>
-        <p:spPr>
-          <a:xfrm>
-            <a:off x="3314885" y="2568366"/>
-            <a:ext cx="424699" cy="1588"/>
-          </a:xfrm>
-          <a:prstGeom prst="straightConnector1">
-            <a:avLst/>
-          </a:prstGeom>
-          <a:ln w="12700">
-            <a:solidFill>
-              <a:schemeClr val="tx1"/>
-            </a:solidFill>
-            <a:tailEnd type="triangle"/>
-          </a:ln>
-          <a:effectLst/>
-        </p:spPr>
-        <p:style>
-          <a:lnRef idx="2">
-            <a:schemeClr val="accent1"/>
-          </a:lnRef>
-          <a:fillRef idx="0">
-            <a:schemeClr val="accent1"/>
-          </a:fillRef>
-          <a:effectRef idx="1">
-            <a:schemeClr val="accent1"/>
-          </a:effectRef>
-          <a:fontRef idx="minor">
-            <a:schemeClr val="tx1"/>
-          </a:fontRef>
-        </p:style>
-      </p:cxnSp>
-      <p:sp>
-        <p:nvSpPr>
-          <p:cNvPr id="20" name="TextBox 19"/>
-          <p:cNvSpPr txBox="1"/>
-          <p:nvPr/>
-        </p:nvSpPr>
-        <p:spPr>
-          <a:xfrm>
-            <a:off x="3270185" y="2308443"/>
-            <a:ext cx="452267" cy="276999"/>
-          </a:xfrm>
-          <a:prstGeom prst="rect">
-            <a:avLst/>
-          </a:prstGeom>
-          <a:noFill/>
-        </p:spPr>
-        <p:txBody>
-          <a:bodyPr wrap="none" rtlCol="0">
-            <a:spAutoFit/>
-          </a:bodyPr>
-          <a:lstStyle/>
-          <a:p>
-            <a:r>
-              <a:rPr lang="en-US" sz="1200" i="1" dirty="0" err="1" smtClean="0">
-                <a:latin typeface="Times New Roman"/>
-              </a:rPr>
-              <a:t>R</a:t>
-            </a:r>
-            <a:r>
-              <a:rPr lang="en-US" sz="1200" dirty="0" err="1" smtClean="0">
-                <a:latin typeface="Times New Roman"/>
-              </a:rPr>
-              <a:t>(</a:t>
-            </a:r>
-            <a:r>
-              <a:rPr lang="en-US" sz="1200" i="1" dirty="0" err="1" smtClean="0">
-                <a:latin typeface="Times New Roman"/>
-              </a:rPr>
-              <a:t>z</a:t>
-            </a:r>
-            <a:r>
-              <a:rPr lang="en-US" sz="1200" dirty="0" smtClean="0">
-                <a:latin typeface="Times New Roman"/>
-              </a:rPr>
-              <a:t>)</a:t>
-            </a:r>
-            <a:endParaRPr lang="en-US" sz="1200" dirty="0">
-              <a:latin typeface="Times New Roman"/>
-            </a:endParaRPr>
-          </a:p>
-        </p:txBody>
-      </p:sp>
-      <p:sp>
-        <p:nvSpPr>
-          <p:cNvPr id="21" name="TextBox 20"/>
-          <p:cNvSpPr txBox="1"/>
-          <p:nvPr/>
-        </p:nvSpPr>
-        <p:spPr>
-          <a:xfrm>
-            <a:off x="4056476" y="2308443"/>
-            <a:ext cx="452267" cy="276999"/>
-          </a:xfrm>
-          <a:prstGeom prst="rect">
-            <a:avLst/>
-          </a:prstGeom>
-          <a:noFill/>
-        </p:spPr>
-        <p:txBody>
-          <a:bodyPr wrap="none" rtlCol="0">
-            <a:spAutoFit/>
-          </a:bodyPr>
-          <a:lstStyle/>
-          <a:p>
-            <a:r>
-              <a:rPr lang="en-US" sz="1200" i="1" dirty="0" err="1" smtClean="0">
-                <a:latin typeface="Times New Roman"/>
-              </a:rPr>
-              <a:t>E</a:t>
-            </a:r>
-            <a:r>
-              <a:rPr lang="en-US" sz="1200" dirty="0" err="1" smtClean="0">
-                <a:latin typeface="Times New Roman"/>
-              </a:rPr>
-              <a:t>(</a:t>
-            </a:r>
-            <a:r>
-              <a:rPr lang="en-US" sz="1200" i="1" dirty="0" err="1" smtClean="0">
-                <a:latin typeface="Times New Roman"/>
-              </a:rPr>
-              <a:t>z</a:t>
-            </a:r>
-            <a:r>
-              <a:rPr lang="en-US" sz="1200" dirty="0" smtClean="0">
-                <a:latin typeface="Times New Roman"/>
-              </a:rPr>
-              <a:t>)</a:t>
-            </a:r>
-            <a:endParaRPr lang="en-US" sz="1200" dirty="0">
-              <a:latin typeface="Times New Roman"/>
-            </a:endParaRPr>
-          </a:p>
-        </p:txBody>
-      </p:sp>
-      <p:sp>
-        <p:nvSpPr>
           <p:cNvPr id="22" name="TextBox 21"/>
           <p:cNvSpPr txBox="1"/>
           <p:nvPr/>
         </p:nvSpPr>
         <p:spPr>
           <a:xfrm>
-            <a:off x="2963232" y="1018545"/>
+            <a:off x="3018961" y="1058988"/>
             <a:ext cx="321547" cy="276999"/>
           </a:xfrm>
           <a:prstGeom prst="rect">
@@ -9275,11 +8664,638 @@
           </a:p>
         </p:txBody>
       </p:sp>
+      <p:sp>
+        <p:nvSpPr>
+          <p:cNvPr id="23" name="Rectangle 22"/>
+          <p:cNvSpPr/>
+          <p:nvPr/>
+        </p:nvSpPr>
+        <p:spPr>
+          <a:xfrm>
+            <a:off x="2864268" y="1576666"/>
+            <a:ext cx="630933" cy="453558"/>
+          </a:xfrm>
+          <a:prstGeom prst="rect">
+            <a:avLst/>
+          </a:prstGeom>
+          <a:noFill/>
+          <a:ln>
+            <a:solidFill>
+              <a:schemeClr val="tx1"/>
+            </a:solidFill>
+          </a:ln>
+          <a:effectLst/>
+        </p:spPr>
+        <p:style>
+          <a:lnRef idx="1">
+            <a:schemeClr val="accent1"/>
+          </a:lnRef>
+          <a:fillRef idx="3">
+            <a:schemeClr val="accent1"/>
+          </a:fillRef>
+          <a:effectRef idx="2">
+            <a:schemeClr val="accent1"/>
+          </a:effectRef>
+          <a:fontRef idx="minor">
+            <a:schemeClr val="lt1"/>
+          </a:fontRef>
+        </p:style>
+        <p:txBody>
+          <a:bodyPr rtlCol="0" anchor="ctr"/>
+          <a:lstStyle/>
+          <a:p>
+            <a:pPr algn="ctr"/>
+            <a:endParaRPr lang="en-US"/>
+          </a:p>
+        </p:txBody>
+      </p:sp>
+      <p:sp>
+        <p:nvSpPr>
+          <p:cNvPr id="24" name="TextBox 23"/>
+          <p:cNvSpPr txBox="1"/>
+          <p:nvPr/>
+        </p:nvSpPr>
+        <p:spPr>
+          <a:xfrm>
+            <a:off x="3018961" y="1664946"/>
+            <a:ext cx="325730" cy="276999"/>
+          </a:xfrm>
+          <a:prstGeom prst="rect">
+            <a:avLst/>
+          </a:prstGeom>
+          <a:noFill/>
+        </p:spPr>
+        <p:txBody>
+          <a:bodyPr wrap="none" rtlCol="0">
+            <a:spAutoFit/>
+          </a:bodyPr>
+          <a:lstStyle/>
+          <a:p>
+            <a:r>
+              <a:rPr lang="en-US" sz="1200" b="1" dirty="0" smtClean="0">
+                <a:latin typeface="Times New Roman"/>
+              </a:rPr>
+              <a:t>S</a:t>
+            </a:r>
+            <a:r>
+              <a:rPr lang="en-US" sz="1200" baseline="-25000" dirty="0" smtClean="0">
+                <a:latin typeface="Times New Roman"/>
+              </a:rPr>
+              <a:t>2</a:t>
+            </a:r>
+            <a:endParaRPr lang="en-US" sz="1200" baseline="-25000" dirty="0">
+              <a:latin typeface="Times New Roman"/>
+            </a:endParaRPr>
+          </a:p>
+        </p:txBody>
+      </p:sp>
+      <p:sp>
+        <p:nvSpPr>
+          <p:cNvPr id="25" name="Rectangle 24"/>
+          <p:cNvSpPr/>
+          <p:nvPr/>
+        </p:nvSpPr>
+        <p:spPr>
+          <a:xfrm>
+            <a:off x="2864268" y="2182624"/>
+            <a:ext cx="630933" cy="453558"/>
+          </a:xfrm>
+          <a:prstGeom prst="rect">
+            <a:avLst/>
+          </a:prstGeom>
+          <a:noFill/>
+          <a:ln>
+            <a:solidFill>
+              <a:schemeClr val="tx1"/>
+            </a:solidFill>
+          </a:ln>
+          <a:effectLst/>
+        </p:spPr>
+        <p:style>
+          <a:lnRef idx="1">
+            <a:schemeClr val="accent1"/>
+          </a:lnRef>
+          <a:fillRef idx="3">
+            <a:schemeClr val="accent1"/>
+          </a:fillRef>
+          <a:effectRef idx="2">
+            <a:schemeClr val="accent1"/>
+          </a:effectRef>
+          <a:fontRef idx="minor">
+            <a:schemeClr val="lt1"/>
+          </a:fontRef>
+        </p:style>
+        <p:txBody>
+          <a:bodyPr rtlCol="0" anchor="ctr"/>
+          <a:lstStyle/>
+          <a:p>
+            <a:pPr algn="ctr"/>
+            <a:endParaRPr lang="en-US"/>
+          </a:p>
+        </p:txBody>
+      </p:sp>
+      <p:sp>
+        <p:nvSpPr>
+          <p:cNvPr id="26" name="TextBox 25"/>
+          <p:cNvSpPr txBox="1"/>
+          <p:nvPr/>
+        </p:nvSpPr>
+        <p:spPr>
+          <a:xfrm>
+            <a:off x="3018961" y="2270904"/>
+            <a:ext cx="325730" cy="276999"/>
+          </a:xfrm>
+          <a:prstGeom prst="rect">
+            <a:avLst/>
+          </a:prstGeom>
+          <a:noFill/>
+        </p:spPr>
+        <p:txBody>
+          <a:bodyPr wrap="none" rtlCol="0">
+            <a:spAutoFit/>
+          </a:bodyPr>
+          <a:lstStyle/>
+          <a:p>
+            <a:r>
+              <a:rPr lang="en-US" sz="1200" b="1" dirty="0" smtClean="0">
+                <a:latin typeface="Times New Roman"/>
+              </a:rPr>
+              <a:t>S</a:t>
+            </a:r>
+            <a:r>
+              <a:rPr lang="en-US" sz="1200" baseline="-25000" dirty="0" smtClean="0">
+                <a:latin typeface="Times New Roman"/>
+              </a:rPr>
+              <a:t>3</a:t>
+            </a:r>
+            <a:endParaRPr lang="en-US" sz="1200" baseline="-25000" dirty="0">
+              <a:latin typeface="Times New Roman"/>
+            </a:endParaRPr>
+          </a:p>
+        </p:txBody>
+      </p:sp>
+      <p:sp>
+        <p:nvSpPr>
+          <p:cNvPr id="27" name="Rectangle 26"/>
+          <p:cNvSpPr/>
+          <p:nvPr/>
+        </p:nvSpPr>
+        <p:spPr>
+          <a:xfrm>
+            <a:off x="2864268" y="2788582"/>
+            <a:ext cx="630933" cy="453558"/>
+          </a:xfrm>
+          <a:prstGeom prst="rect">
+            <a:avLst/>
+          </a:prstGeom>
+          <a:noFill/>
+          <a:ln>
+            <a:solidFill>
+              <a:schemeClr val="tx1"/>
+            </a:solidFill>
+          </a:ln>
+          <a:effectLst/>
+        </p:spPr>
+        <p:style>
+          <a:lnRef idx="1">
+            <a:schemeClr val="accent1"/>
+          </a:lnRef>
+          <a:fillRef idx="3">
+            <a:schemeClr val="accent1"/>
+          </a:fillRef>
+          <a:effectRef idx="2">
+            <a:schemeClr val="accent1"/>
+          </a:effectRef>
+          <a:fontRef idx="minor">
+            <a:schemeClr val="lt1"/>
+          </a:fontRef>
+        </p:style>
+        <p:txBody>
+          <a:bodyPr rtlCol="0" anchor="ctr"/>
+          <a:lstStyle/>
+          <a:p>
+            <a:pPr algn="ctr"/>
+            <a:endParaRPr lang="en-US"/>
+          </a:p>
+        </p:txBody>
+      </p:sp>
+      <p:sp>
+        <p:nvSpPr>
+          <p:cNvPr id="28" name="TextBox 27"/>
+          <p:cNvSpPr txBox="1"/>
+          <p:nvPr/>
+        </p:nvSpPr>
+        <p:spPr>
+          <a:xfrm>
+            <a:off x="3018961" y="2876862"/>
+            <a:ext cx="325730" cy="276999"/>
+          </a:xfrm>
+          <a:prstGeom prst="rect">
+            <a:avLst/>
+          </a:prstGeom>
+          <a:noFill/>
+        </p:spPr>
+        <p:txBody>
+          <a:bodyPr wrap="none" rtlCol="0">
+            <a:spAutoFit/>
+          </a:bodyPr>
+          <a:lstStyle/>
+          <a:p>
+            <a:r>
+              <a:rPr lang="en-US" sz="1200" b="1" dirty="0" smtClean="0">
+                <a:latin typeface="Times New Roman"/>
+              </a:rPr>
+              <a:t>S</a:t>
+            </a:r>
+            <a:r>
+              <a:rPr lang="en-US" sz="1200" baseline="-25000" dirty="0" smtClean="0">
+                <a:latin typeface="Times New Roman"/>
+              </a:rPr>
+              <a:t>4</a:t>
+            </a:r>
+            <a:endParaRPr lang="en-US" sz="1200" baseline="-25000" dirty="0">
+              <a:latin typeface="Times New Roman"/>
+            </a:endParaRPr>
+          </a:p>
+        </p:txBody>
+      </p:sp>
+      <p:cxnSp>
+        <p:nvCxnSpPr>
+          <p:cNvPr id="31" name="Elbow Connector 30"/>
+          <p:cNvCxnSpPr>
+            <a:endCxn id="12" idx="1"/>
+          </p:cNvCxnSpPr>
+          <p:nvPr/>
+        </p:nvCxnSpPr>
+        <p:spPr>
+          <a:xfrm flipV="1">
+            <a:off x="2218477" y="1197487"/>
+            <a:ext cx="645791" cy="613568"/>
+          </a:xfrm>
+          <a:prstGeom prst="bentConnector3">
+            <a:avLst>
+              <a:gd name="adj1" fmla="val -1082"/>
+            </a:avLst>
+          </a:prstGeom>
+          <a:ln w="12700">
+            <a:solidFill>
+              <a:schemeClr val="tx1"/>
+            </a:solidFill>
+            <a:tailEnd type="triangle"/>
+          </a:ln>
+          <a:effectLst/>
+        </p:spPr>
+        <p:style>
+          <a:lnRef idx="2">
+            <a:schemeClr val="accent1"/>
+          </a:lnRef>
+          <a:fillRef idx="0">
+            <a:schemeClr val="accent1"/>
+          </a:fillRef>
+          <a:effectRef idx="1">
+            <a:schemeClr val="accent1"/>
+          </a:effectRef>
+          <a:fontRef idx="minor">
+            <a:schemeClr val="tx1"/>
+          </a:fontRef>
+        </p:style>
+      </p:cxnSp>
+      <p:cxnSp>
+        <p:nvCxnSpPr>
+          <p:cNvPr id="33" name="Straight Arrow Connector 32"/>
+          <p:cNvCxnSpPr/>
+          <p:nvPr/>
+        </p:nvCxnSpPr>
+        <p:spPr>
+          <a:xfrm>
+            <a:off x="3495201" y="1812643"/>
+            <a:ext cx="1099383" cy="1588"/>
+          </a:xfrm>
+          <a:prstGeom prst="straightConnector1">
+            <a:avLst/>
+          </a:prstGeom>
+          <a:ln w="12700">
+            <a:solidFill>
+              <a:schemeClr val="tx1"/>
+            </a:solidFill>
+            <a:tailEnd type="triangle"/>
+          </a:ln>
+          <a:effectLst/>
+        </p:spPr>
+        <p:style>
+          <a:lnRef idx="2">
+            <a:schemeClr val="accent1"/>
+          </a:lnRef>
+          <a:fillRef idx="0">
+            <a:schemeClr val="accent1"/>
+          </a:fillRef>
+          <a:effectRef idx="1">
+            <a:schemeClr val="accent1"/>
+          </a:effectRef>
+          <a:fontRef idx="minor">
+            <a:schemeClr val="tx1"/>
+          </a:fontRef>
+        </p:style>
+      </p:cxnSp>
+      <p:cxnSp>
+        <p:nvCxnSpPr>
+          <p:cNvPr id="34" name="Elbow Connector 33"/>
+          <p:cNvCxnSpPr>
+            <a:stCxn id="25" idx="3"/>
+          </p:cNvCxnSpPr>
+          <p:nvPr/>
+        </p:nvCxnSpPr>
+        <p:spPr>
+          <a:xfrm flipV="1">
+            <a:off x="3495201" y="1807808"/>
+            <a:ext cx="576652" cy="601595"/>
+          </a:xfrm>
+          <a:prstGeom prst="bentConnector2">
+            <a:avLst/>
+          </a:prstGeom>
+          <a:ln w="12700">
+            <a:solidFill>
+              <a:schemeClr val="tx1"/>
+            </a:solidFill>
+            <a:tailEnd type="triangle"/>
+          </a:ln>
+          <a:effectLst/>
+        </p:spPr>
+        <p:style>
+          <a:lnRef idx="2">
+            <a:schemeClr val="accent1"/>
+          </a:lnRef>
+          <a:fillRef idx="0">
+            <a:schemeClr val="accent1"/>
+          </a:fillRef>
+          <a:effectRef idx="1">
+            <a:schemeClr val="accent1"/>
+          </a:effectRef>
+          <a:fontRef idx="minor">
+            <a:schemeClr val="tx1"/>
+          </a:fontRef>
+        </p:style>
+      </p:cxnSp>
+      <p:cxnSp>
+        <p:nvCxnSpPr>
+          <p:cNvPr id="43" name="Straight Connector 42"/>
+          <p:cNvCxnSpPr/>
+          <p:nvPr/>
+        </p:nvCxnSpPr>
+        <p:spPr>
+          <a:xfrm>
+            <a:off x="3495201" y="3001728"/>
+            <a:ext cx="214426" cy="1588"/>
+          </a:xfrm>
+          <a:prstGeom prst="line">
+            <a:avLst/>
+          </a:prstGeom>
+          <a:ln w="12700">
+            <a:solidFill>
+              <a:schemeClr val="tx1"/>
+            </a:solidFill>
+          </a:ln>
+          <a:effectLst/>
+        </p:spPr>
+        <p:style>
+          <a:lnRef idx="2">
+            <a:schemeClr val="accent1"/>
+          </a:lnRef>
+          <a:fillRef idx="0">
+            <a:schemeClr val="accent1"/>
+          </a:fillRef>
+          <a:effectRef idx="1">
+            <a:schemeClr val="accent1"/>
+          </a:effectRef>
+          <a:fontRef idx="minor">
+            <a:schemeClr val="tx1"/>
+          </a:fontRef>
+        </p:style>
+      </p:cxnSp>
+      <p:cxnSp>
+        <p:nvCxnSpPr>
+          <p:cNvPr id="47" name="Straight Connector 46"/>
+          <p:cNvCxnSpPr/>
+          <p:nvPr/>
+        </p:nvCxnSpPr>
+        <p:spPr>
+          <a:xfrm>
+            <a:off x="2649842" y="3003316"/>
+            <a:ext cx="214426" cy="1588"/>
+          </a:xfrm>
+          <a:prstGeom prst="line">
+            <a:avLst/>
+          </a:prstGeom>
+          <a:ln w="12700">
+            <a:solidFill>
+              <a:schemeClr val="tx1"/>
+            </a:solidFill>
+          </a:ln>
+          <a:effectLst/>
+        </p:spPr>
+        <p:style>
+          <a:lnRef idx="2">
+            <a:schemeClr val="accent1"/>
+          </a:lnRef>
+          <a:fillRef idx="0">
+            <a:schemeClr val="accent1"/>
+          </a:fillRef>
+          <a:effectRef idx="1">
+            <a:schemeClr val="accent1"/>
+          </a:effectRef>
+          <a:fontRef idx="minor">
+            <a:schemeClr val="tx1"/>
+          </a:fontRef>
+        </p:style>
+      </p:cxnSp>
+      <p:cxnSp>
+        <p:nvCxnSpPr>
+          <p:cNvPr id="48" name="Straight Connector 47"/>
+          <p:cNvCxnSpPr/>
+          <p:nvPr/>
+        </p:nvCxnSpPr>
+        <p:spPr>
+          <a:xfrm>
+            <a:off x="3495201" y="1197487"/>
+            <a:ext cx="214426" cy="1588"/>
+          </a:xfrm>
+          <a:prstGeom prst="line">
+            <a:avLst/>
+          </a:prstGeom>
+          <a:ln w="12700">
+            <a:solidFill>
+              <a:schemeClr val="tx1"/>
+            </a:solidFill>
+          </a:ln>
+          <a:effectLst/>
+        </p:spPr>
+        <p:style>
+          <a:lnRef idx="2">
+            <a:schemeClr val="accent1"/>
+          </a:lnRef>
+          <a:fillRef idx="0">
+            <a:schemeClr val="accent1"/>
+          </a:fillRef>
+          <a:effectRef idx="1">
+            <a:schemeClr val="accent1"/>
+          </a:effectRef>
+          <a:fontRef idx="minor">
+            <a:schemeClr val="tx1"/>
+          </a:fontRef>
+        </p:style>
+      </p:cxnSp>
+      <p:cxnSp>
+        <p:nvCxnSpPr>
+          <p:cNvPr id="49" name="Straight Connector 48"/>
+          <p:cNvCxnSpPr/>
+          <p:nvPr/>
+        </p:nvCxnSpPr>
+        <p:spPr>
+          <a:xfrm>
+            <a:off x="4340560" y="-608342"/>
+            <a:ext cx="214426" cy="1588"/>
+          </a:xfrm>
+          <a:prstGeom prst="line">
+            <a:avLst/>
+          </a:prstGeom>
+          <a:ln w="12700">
+            <a:solidFill>
+              <a:schemeClr val="tx1"/>
+            </a:solidFill>
+          </a:ln>
+          <a:effectLst/>
+        </p:spPr>
+        <p:style>
+          <a:lnRef idx="2">
+            <a:schemeClr val="accent1"/>
+          </a:lnRef>
+          <a:fillRef idx="0">
+            <a:schemeClr val="accent1"/>
+          </a:fillRef>
+          <a:effectRef idx="1">
+            <a:schemeClr val="accent1"/>
+          </a:effectRef>
+          <a:fontRef idx="minor">
+            <a:schemeClr val="tx1"/>
+          </a:fontRef>
+        </p:style>
+      </p:cxnSp>
+      <p:cxnSp>
+        <p:nvCxnSpPr>
+          <p:cNvPr id="50" name="Straight Connector 49"/>
+          <p:cNvCxnSpPr/>
+          <p:nvPr/>
+        </p:nvCxnSpPr>
+        <p:spPr>
+          <a:xfrm>
+            <a:off x="2649842" y="2407815"/>
+            <a:ext cx="214426" cy="1588"/>
+          </a:xfrm>
+          <a:prstGeom prst="line">
+            <a:avLst/>
+          </a:prstGeom>
+          <a:ln w="12700">
+            <a:solidFill>
+              <a:schemeClr val="tx1"/>
+            </a:solidFill>
+          </a:ln>
+          <a:effectLst/>
+        </p:spPr>
+        <p:style>
+          <a:lnRef idx="2">
+            <a:schemeClr val="accent1"/>
+          </a:lnRef>
+          <a:fillRef idx="0">
+            <a:schemeClr val="accent1"/>
+          </a:fillRef>
+          <a:effectRef idx="1">
+            <a:schemeClr val="accent1"/>
+          </a:effectRef>
+          <a:fontRef idx="minor">
+            <a:schemeClr val="tx1"/>
+          </a:fontRef>
+        </p:style>
+      </p:cxnSp>
+      <p:sp>
+        <p:nvSpPr>
+          <p:cNvPr id="51" name="TextBox 50"/>
+          <p:cNvSpPr txBox="1"/>
+          <p:nvPr/>
+        </p:nvSpPr>
+        <p:spPr>
+          <a:xfrm>
+            <a:off x="1531686" y="1640205"/>
+            <a:ext cx="274434" cy="276999"/>
+          </a:xfrm>
+          <a:prstGeom prst="rect">
+            <a:avLst/>
+          </a:prstGeom>
+          <a:noFill/>
+        </p:spPr>
+        <p:txBody>
+          <a:bodyPr wrap="none" rtlCol="0">
+            <a:spAutoFit/>
+          </a:bodyPr>
+          <a:lstStyle/>
+          <a:p>
+            <a:r>
+              <a:rPr lang="en-US" sz="1200" b="1" dirty="0" err="1" smtClean="0">
+                <a:latin typeface="Times New Roman"/>
+              </a:rPr>
+              <a:t>u</a:t>
+            </a:r>
+            <a:endParaRPr lang="en-US" sz="1200" baseline="-25000" dirty="0">
+              <a:latin typeface="Times New Roman"/>
+            </a:endParaRPr>
+          </a:p>
+        </p:txBody>
+      </p:sp>
+      <p:sp>
+        <p:nvSpPr>
+          <p:cNvPr id="52" name="TextBox 51"/>
+          <p:cNvSpPr txBox="1"/>
+          <p:nvPr/>
+        </p:nvSpPr>
+        <p:spPr>
+          <a:xfrm>
+            <a:off x="4538492" y="1629364"/>
+            <a:ext cx="274434" cy="276999"/>
+          </a:xfrm>
+          <a:prstGeom prst="rect">
+            <a:avLst/>
+          </a:prstGeom>
+          <a:noFill/>
+        </p:spPr>
+        <p:txBody>
+          <a:bodyPr wrap="none" rtlCol="0">
+            <a:spAutoFit/>
+          </a:bodyPr>
+          <a:lstStyle/>
+          <a:p>
+            <a:r>
+              <a:rPr lang="en-US" sz="1200" b="1" dirty="0" err="1" smtClean="0">
+                <a:latin typeface="Times New Roman"/>
+              </a:rPr>
+              <a:t>y</a:t>
+            </a:r>
+            <a:endParaRPr lang="en-US" sz="1200" baseline="-25000" dirty="0">
+              <a:latin typeface="Times New Roman"/>
+            </a:endParaRPr>
+          </a:p>
+        </p:txBody>
+      </p:sp>
     </p:spTree>
   </p:cSld>
   <p:clrMapOvr>
     <a:masterClrMapping/>
   </p:clrMapOvr>
+  <p:timing>
+    <p:tnLst>
+      <p:par>
+        <p:cTn id="1" dur="indefinite" restart="never" nodeType="tmRoot"/>
+      </p:par>
+    </p:tnLst>
+  </p:timing>
 </p:sld>
 </file>
 

--- a/DigitalSystems/Lecture11/pictures/pictures-converted.pptx
+++ b/DigitalSystems/Lecture11/pictures/pictures-converted.pptx
@@ -5,7 +5,7 @@
     <p:sldMasterId id="2147483648" r:id="rId1"/>
   </p:sldMasterIdLst>
   <p:notesMasterIdLst>
-    <p:notesMasterId r:id="rId21"/>
+    <p:notesMasterId r:id="rId22"/>
   </p:notesMasterIdLst>
   <p:sldIdLst>
     <p:sldId id="256" r:id="rId2"/>
@@ -27,6 +27,7 @@
     <p:sldId id="262" r:id="rId18"/>
     <p:sldId id="273" r:id="rId19"/>
     <p:sldId id="274" r:id="rId20"/>
+    <p:sldId id="275" r:id="rId21"/>
   </p:sldIdLst>
   <p:sldSz cx="9144000" cy="6858000" type="screen4x3"/>
   <p:notesSz cx="6858000" cy="9144000"/>
@@ -3568,7 +3569,7 @@
               </a:stretch>
             </p:blipFill>
           </mc:Choice>
-          <mc:Fallback xmlns:p="http://schemas.openxmlformats.org/presentationml/2006/main" xmlns:mv="urn:schemas-microsoft-com:mac:vml" xmlns:mc="http://schemas.openxmlformats.org/markup-compatibility/2006" xmlns:r="http://schemas.openxmlformats.org/officeDocument/2006/relationships" xmlns:a="http://schemas.openxmlformats.org/drawingml/2006/main" xmlns="" xmlns:ma="http://schemas.microsoft.com/office/mac/drawingml/2008/main">
+          <mc:Fallback xmlns:ma="http://schemas.microsoft.com/office/mac/drawingml/2008/main" xmlns="" xmlns:a="http://schemas.openxmlformats.org/drawingml/2006/main" xmlns:r="http://schemas.openxmlformats.org/officeDocument/2006/relationships" xmlns:mc="http://schemas.openxmlformats.org/markup-compatibility/2006" xmlns:mv="urn:schemas-microsoft-com:mac:vml" xmlns:p="http://schemas.openxmlformats.org/presentationml/2006/main">
             <p:blipFill>
               <a:blip r:embed="rId3"/>
               <a:stretch>
@@ -3672,7 +3673,7 @@
               </a:stretch>
             </p:blipFill>
           </mc:Choice>
-          <mc:Fallback xmlns:p="http://schemas.openxmlformats.org/presentationml/2006/main" xmlns:mv="urn:schemas-microsoft-com:mac:vml" xmlns:mc="http://schemas.openxmlformats.org/markup-compatibility/2006" xmlns:r="http://schemas.openxmlformats.org/officeDocument/2006/relationships" xmlns:a="http://schemas.openxmlformats.org/drawingml/2006/main" xmlns="" xmlns:ma="http://schemas.microsoft.com/office/mac/drawingml/2008/main">
+          <mc:Fallback xmlns:ma="http://schemas.microsoft.com/office/mac/drawingml/2008/main" xmlns="" xmlns:a="http://schemas.openxmlformats.org/drawingml/2006/main" xmlns:r="http://schemas.openxmlformats.org/officeDocument/2006/relationships" xmlns:mc="http://schemas.openxmlformats.org/markup-compatibility/2006" xmlns:mv="urn:schemas-microsoft-com:mac:vml" xmlns:p="http://schemas.openxmlformats.org/presentationml/2006/main">
             <p:blipFill>
               <a:blip r:embed="rId5"/>
               <a:stretch>
@@ -3742,7 +3743,7 @@
               </a:stretch>
             </p:blipFill>
           </mc:Choice>
-          <mc:Fallback xmlns:p="http://schemas.openxmlformats.org/presentationml/2006/main" xmlns:mv="urn:schemas-microsoft-com:mac:vml" xmlns:mc="http://schemas.openxmlformats.org/markup-compatibility/2006" xmlns:r="http://schemas.openxmlformats.org/officeDocument/2006/relationships" xmlns:a="http://schemas.openxmlformats.org/drawingml/2006/main" xmlns="" xmlns:ma="http://schemas.microsoft.com/office/mac/drawingml/2008/main">
+          <mc:Fallback xmlns:ma="http://schemas.microsoft.com/office/mac/drawingml/2008/main" xmlns="" xmlns:a="http://schemas.openxmlformats.org/drawingml/2006/main" xmlns:r="http://schemas.openxmlformats.org/officeDocument/2006/relationships" xmlns:mc="http://schemas.openxmlformats.org/markup-compatibility/2006" xmlns:mv="urn:schemas-microsoft-com:mac:vml" xmlns:p="http://schemas.openxmlformats.org/presentationml/2006/main">
             <p:blipFill>
               <a:blip r:embed="rId7"/>
               <a:stretch>
@@ -3846,7 +3847,7 @@
               </a:stretch>
             </p:blipFill>
           </mc:Choice>
-          <mc:Fallback xmlns:p="http://schemas.openxmlformats.org/presentationml/2006/main" xmlns:mv="urn:schemas-microsoft-com:mac:vml" xmlns:mc="http://schemas.openxmlformats.org/markup-compatibility/2006" xmlns:r="http://schemas.openxmlformats.org/officeDocument/2006/relationships" xmlns:a="http://schemas.openxmlformats.org/drawingml/2006/main" xmlns="" xmlns:ma="http://schemas.microsoft.com/office/mac/drawingml/2008/main">
+          <mc:Fallback xmlns:ma="http://schemas.microsoft.com/office/mac/drawingml/2008/main" xmlns="" xmlns:a="http://schemas.openxmlformats.org/drawingml/2006/main" xmlns:r="http://schemas.openxmlformats.org/officeDocument/2006/relationships" xmlns:mc="http://schemas.openxmlformats.org/markup-compatibility/2006" xmlns:mv="urn:schemas-microsoft-com:mac:vml" xmlns:p="http://schemas.openxmlformats.org/presentationml/2006/main">
             <p:blipFill>
               <a:blip r:embed="rId9"/>
               <a:stretch>
@@ -3984,7 +3985,7 @@
               </a:stretch>
             </p:blipFill>
           </mc:Choice>
-          <mc:Fallback xmlns:p="http://schemas.openxmlformats.org/presentationml/2006/main" xmlns:mv="urn:schemas-microsoft-com:mac:vml" xmlns:mc="http://schemas.openxmlformats.org/markup-compatibility/2006" xmlns:r="http://schemas.openxmlformats.org/officeDocument/2006/relationships" xmlns:a="http://schemas.openxmlformats.org/drawingml/2006/main" xmlns="" xmlns:ma="http://schemas.microsoft.com/office/mac/drawingml/2008/main">
+          <mc:Fallback xmlns:ma="http://schemas.microsoft.com/office/mac/drawingml/2008/main" xmlns="" xmlns:a="http://schemas.openxmlformats.org/drawingml/2006/main" xmlns:r="http://schemas.openxmlformats.org/officeDocument/2006/relationships" xmlns:mc="http://schemas.openxmlformats.org/markup-compatibility/2006" xmlns:mv="urn:schemas-microsoft-com:mac:vml" xmlns:p="http://schemas.openxmlformats.org/presentationml/2006/main">
             <p:blipFill>
               <a:blip r:embed="rId11"/>
               <a:stretch>
@@ -4230,7 +4231,7 @@
               </a:stretch>
             </p:blipFill>
           </mc:Choice>
-          <mc:Fallback xmlns:p="http://schemas.openxmlformats.org/presentationml/2006/main" xmlns:mv="urn:schemas-microsoft-com:mac:vml" xmlns:mc="http://schemas.openxmlformats.org/markup-compatibility/2006" xmlns:r="http://schemas.openxmlformats.org/officeDocument/2006/relationships" xmlns:a="http://schemas.openxmlformats.org/drawingml/2006/main" xmlns="" xmlns:ma="http://schemas.microsoft.com/office/mac/drawingml/2008/main">
+          <mc:Fallback xmlns:ma="http://schemas.microsoft.com/office/mac/drawingml/2008/main" xmlns="" xmlns:a="http://schemas.openxmlformats.org/drawingml/2006/main" xmlns:r="http://schemas.openxmlformats.org/officeDocument/2006/relationships" xmlns:mc="http://schemas.openxmlformats.org/markup-compatibility/2006" xmlns:mv="urn:schemas-microsoft-com:mac:vml" xmlns:p="http://schemas.openxmlformats.org/presentationml/2006/main">
             <p:blipFill>
               <a:blip r:embed="rId13"/>
               <a:stretch>
@@ -8544,6 +8545,80 @@
       </p:grpSpPr>
       <p:sp>
         <p:nvSpPr>
+          <p:cNvPr id="91" name="Rectangle 90"/>
+          <p:cNvSpPr/>
+          <p:nvPr/>
+        </p:nvSpPr>
+        <p:spPr>
+          <a:xfrm>
+            <a:off x="4474828" y="4009492"/>
+            <a:ext cx="2787528" cy="1548653"/>
+          </a:xfrm>
+          <a:prstGeom prst="rect">
+            <a:avLst/>
+          </a:prstGeom>
+          <a:solidFill>
+            <a:schemeClr val="bg2">
+              <a:lumMod val="90000"/>
+            </a:schemeClr>
+          </a:solidFill>
+        </p:spPr>
+        <p:style>
+          <a:lnRef idx="1">
+            <a:schemeClr val="accent1"/>
+          </a:lnRef>
+          <a:fillRef idx="3">
+            <a:schemeClr val="accent1"/>
+          </a:fillRef>
+          <a:effectRef idx="2">
+            <a:schemeClr val="accent1"/>
+          </a:effectRef>
+          <a:fontRef idx="minor">
+            <a:schemeClr val="lt1"/>
+          </a:fontRef>
+        </p:style>
+        <p:txBody>
+          <a:bodyPr rtlCol="0" anchor="ctr"/>
+          <a:lstStyle/>
+          <a:p>
+            <a:pPr algn="ctr"/>
+            <a:endParaRPr lang="en-US"/>
+          </a:p>
+        </p:txBody>
+      </p:sp>
+      <p:sp>
+        <p:nvSpPr>
+          <p:cNvPr id="74" name="Left Arrow 73"/>
+          <p:cNvSpPr/>
+          <p:nvPr/>
+        </p:nvSpPr>
+        <p:spPr>
+          <a:xfrm>
+            <a:off x="5380692" y="4673259"/>
+            <a:ext cx="561764" cy="254037"/>
+          </a:xfrm>
+          <a:prstGeom prst="leftArrow">
+            <a:avLst/>
+          </a:prstGeom>
+          <a:ln/>
+        </p:spPr>
+        <p:style>
+          <a:lnRef idx="1">
+            <a:schemeClr val="accent1"/>
+          </a:lnRef>
+          <a:fillRef idx="3">
+            <a:schemeClr val="accent1"/>
+          </a:fillRef>
+          <a:effectRef idx="2">
+            <a:schemeClr val="accent1"/>
+          </a:effectRef>
+          <a:fontRef idx="minor">
+            <a:schemeClr val="lt1"/>
+          </a:fontRef>
+        </p:style>
+      </p:sp>
+      <p:sp>
+        <p:nvSpPr>
           <p:cNvPr id="12" name="Rectangle 11"/>
           <p:cNvSpPr/>
           <p:nvPr/>
@@ -9259,6 +9334,1274 @@
         <p:spPr>
           <a:xfrm>
             <a:off x="4538492" y="1629364"/>
+            <a:ext cx="274434" cy="276999"/>
+          </a:xfrm>
+          <a:prstGeom prst="rect">
+            <a:avLst/>
+          </a:prstGeom>
+          <a:noFill/>
+        </p:spPr>
+        <p:txBody>
+          <a:bodyPr wrap="none" rtlCol="0">
+            <a:spAutoFit/>
+          </a:bodyPr>
+          <a:lstStyle/>
+          <a:p>
+            <a:r>
+              <a:rPr lang="en-US" sz="1200" b="1" dirty="0" err="1" smtClean="0">
+                <a:latin typeface="Times New Roman"/>
+              </a:rPr>
+              <a:t>y</a:t>
+            </a:r>
+            <a:endParaRPr lang="en-US" sz="1200" baseline="-25000" dirty="0">
+              <a:latin typeface="Times New Roman"/>
+            </a:endParaRPr>
+          </a:p>
+        </p:txBody>
+      </p:sp>
+      <p:sp>
+        <p:nvSpPr>
+          <p:cNvPr id="53" name="Rectangle 52"/>
+          <p:cNvSpPr/>
+          <p:nvPr/>
+        </p:nvSpPr>
+        <p:spPr>
+          <a:xfrm>
+            <a:off x="6171396" y="3429000"/>
+            <a:ext cx="630933" cy="453558"/>
+          </a:xfrm>
+          <a:prstGeom prst="rect">
+            <a:avLst/>
+          </a:prstGeom>
+          <a:noFill/>
+          <a:ln>
+            <a:solidFill>
+              <a:schemeClr val="tx1"/>
+            </a:solidFill>
+          </a:ln>
+          <a:effectLst/>
+        </p:spPr>
+        <p:style>
+          <a:lnRef idx="1">
+            <a:schemeClr val="accent1"/>
+          </a:lnRef>
+          <a:fillRef idx="3">
+            <a:schemeClr val="accent1"/>
+          </a:fillRef>
+          <a:effectRef idx="2">
+            <a:schemeClr val="accent1"/>
+          </a:effectRef>
+          <a:fontRef idx="minor">
+            <a:schemeClr val="lt1"/>
+          </a:fontRef>
+        </p:style>
+        <p:txBody>
+          <a:bodyPr rtlCol="0" anchor="ctr"/>
+          <a:lstStyle/>
+          <a:p>
+            <a:pPr algn="ctr"/>
+            <a:endParaRPr lang="en-US"/>
+          </a:p>
+        </p:txBody>
+      </p:sp>
+      <p:sp>
+        <p:nvSpPr>
+          <p:cNvPr id="55" name="TextBox 54"/>
+          <p:cNvSpPr txBox="1"/>
+          <p:nvPr/>
+        </p:nvSpPr>
+        <p:spPr>
+          <a:xfrm>
+            <a:off x="6234229" y="3517280"/>
+            <a:ext cx="505267" cy="276999"/>
+          </a:xfrm>
+          <a:prstGeom prst="rect">
+            <a:avLst/>
+          </a:prstGeom>
+          <a:noFill/>
+        </p:spPr>
+        <p:txBody>
+          <a:bodyPr wrap="none" rtlCol="0">
+            <a:spAutoFit/>
+          </a:bodyPr>
+          <a:lstStyle/>
+          <a:p>
+            <a:r>
+              <a:rPr lang="en-US" sz="1200" dirty="0" smtClean="0">
+                <a:latin typeface="Times New Roman"/>
+              </a:rPr>
+              <a:t>Plant</a:t>
+            </a:r>
+            <a:endParaRPr lang="en-US" sz="1200" baseline="-25000" dirty="0">
+              <a:latin typeface="Times New Roman"/>
+            </a:endParaRPr>
+          </a:p>
+        </p:txBody>
+      </p:sp>
+      <p:sp>
+        <p:nvSpPr>
+          <p:cNvPr id="56" name="Rectangle 55"/>
+          <p:cNvSpPr/>
+          <p:nvPr/>
+        </p:nvSpPr>
+        <p:spPr>
+          <a:xfrm>
+            <a:off x="5942456" y="4488543"/>
+            <a:ext cx="1187946" cy="694238"/>
+          </a:xfrm>
+          <a:prstGeom prst="rect">
+            <a:avLst/>
+          </a:prstGeom>
+          <a:noFill/>
+          <a:ln>
+            <a:solidFill>
+              <a:schemeClr val="tx1"/>
+            </a:solidFill>
+          </a:ln>
+          <a:effectLst/>
+        </p:spPr>
+        <p:style>
+          <a:lnRef idx="1">
+            <a:schemeClr val="accent1"/>
+          </a:lnRef>
+          <a:fillRef idx="3">
+            <a:schemeClr val="accent1"/>
+          </a:fillRef>
+          <a:effectRef idx="2">
+            <a:schemeClr val="accent1"/>
+          </a:effectRef>
+          <a:fontRef idx="minor">
+            <a:schemeClr val="lt1"/>
+          </a:fontRef>
+        </p:style>
+        <p:txBody>
+          <a:bodyPr rtlCol="0" anchor="ctr"/>
+          <a:lstStyle/>
+          <a:p>
+            <a:pPr algn="ctr"/>
+            <a:endParaRPr lang="en-US"/>
+          </a:p>
+        </p:txBody>
+      </p:sp>
+      <p:sp>
+        <p:nvSpPr>
+          <p:cNvPr id="57" name="TextBox 56"/>
+          <p:cNvSpPr txBox="1"/>
+          <p:nvPr/>
+        </p:nvSpPr>
+        <p:spPr>
+          <a:xfrm>
+            <a:off x="6161968" y="4650297"/>
+            <a:ext cx="748923" cy="276999"/>
+          </a:xfrm>
+          <a:prstGeom prst="rect">
+            <a:avLst/>
+          </a:prstGeom>
+          <a:noFill/>
+        </p:spPr>
+        <p:txBody>
+          <a:bodyPr wrap="none" rtlCol="0">
+            <a:spAutoFit/>
+          </a:bodyPr>
+          <a:lstStyle/>
+          <a:p>
+            <a:r>
+              <a:rPr lang="en-US" sz="1200" dirty="0" smtClean="0">
+                <a:latin typeface="Times New Roman"/>
+              </a:rPr>
+              <a:t>Observer</a:t>
+            </a:r>
+            <a:endParaRPr lang="en-US" sz="1200" baseline="-25000" dirty="0">
+              <a:latin typeface="Times New Roman"/>
+            </a:endParaRPr>
+          </a:p>
+        </p:txBody>
+      </p:sp>
+      <p:sp>
+        <p:nvSpPr>
+          <p:cNvPr id="59" name="TextBox 58"/>
+          <p:cNvSpPr txBox="1"/>
+          <p:nvPr/>
+        </p:nvSpPr>
+        <p:spPr>
+          <a:xfrm>
+            <a:off x="5556231" y="4449109"/>
+            <a:ext cx="261610" cy="276999"/>
+          </a:xfrm>
+          <a:prstGeom prst="rect">
+            <a:avLst/>
+          </a:prstGeom>
+          <a:noFill/>
+        </p:spPr>
+        <p:txBody>
+          <a:bodyPr wrap="none" rtlCol="0">
+            <a:spAutoFit/>
+          </a:bodyPr>
+          <a:lstStyle/>
+          <a:p>
+            <a:r>
+              <a:rPr lang="en-US" sz="1200" b="1" dirty="0" err="1" smtClean="0">
+                <a:latin typeface="Times New Roman"/>
+              </a:rPr>
+              <a:t>x</a:t>
+            </a:r>
+            <a:endParaRPr lang="en-US" sz="1200" baseline="-25000" dirty="0">
+              <a:latin typeface="Times New Roman"/>
+            </a:endParaRPr>
+          </a:p>
+        </p:txBody>
+      </p:sp>
+      <p:sp>
+        <p:nvSpPr>
+          <p:cNvPr id="60" name="Rectangle 59"/>
+          <p:cNvSpPr/>
+          <p:nvPr/>
+        </p:nvSpPr>
+        <p:spPr>
+          <a:xfrm>
+            <a:off x="4749759" y="4591461"/>
+            <a:ext cx="630933" cy="453558"/>
+          </a:xfrm>
+          <a:prstGeom prst="rect">
+            <a:avLst/>
+          </a:prstGeom>
+          <a:noFill/>
+          <a:ln>
+            <a:solidFill>
+              <a:schemeClr val="tx1"/>
+            </a:solidFill>
+          </a:ln>
+          <a:effectLst/>
+        </p:spPr>
+        <p:style>
+          <a:lnRef idx="1">
+            <a:schemeClr val="accent1"/>
+          </a:lnRef>
+          <a:fillRef idx="3">
+            <a:schemeClr val="accent1"/>
+          </a:fillRef>
+          <a:effectRef idx="2">
+            <a:schemeClr val="accent1"/>
+          </a:effectRef>
+          <a:fontRef idx="minor">
+            <a:schemeClr val="lt1"/>
+          </a:fontRef>
+        </p:style>
+        <p:txBody>
+          <a:bodyPr rtlCol="0" anchor="ctr"/>
+          <a:lstStyle/>
+          <a:p>
+            <a:pPr algn="ctr"/>
+            <a:endParaRPr lang="en-US"/>
+          </a:p>
+        </p:txBody>
+      </p:sp>
+      <p:cxnSp>
+        <p:nvCxnSpPr>
+          <p:cNvPr id="63" name="Straight Arrow Connector 62"/>
+          <p:cNvCxnSpPr>
+            <a:endCxn id="83" idx="2"/>
+          </p:cNvCxnSpPr>
+          <p:nvPr/>
+        </p:nvCxnSpPr>
+        <p:spPr>
+          <a:xfrm>
+            <a:off x="7130402" y="4818242"/>
+            <a:ext cx="234065" cy="1588"/>
+          </a:xfrm>
+          <a:prstGeom prst="straightConnector1">
+            <a:avLst/>
+          </a:prstGeom>
+          <a:ln w="12700">
+            <a:solidFill>
+              <a:schemeClr val="tx1"/>
+            </a:solidFill>
+            <a:headEnd type="triangle"/>
+            <a:tailEnd type="none"/>
+          </a:ln>
+          <a:effectLst/>
+        </p:spPr>
+        <p:style>
+          <a:lnRef idx="2">
+            <a:schemeClr val="accent1"/>
+          </a:lnRef>
+          <a:fillRef idx="0">
+            <a:schemeClr val="accent1"/>
+          </a:fillRef>
+          <a:effectRef idx="1">
+            <a:schemeClr val="accent1"/>
+          </a:effectRef>
+          <a:fontRef idx="minor">
+            <a:schemeClr val="tx1"/>
+          </a:fontRef>
+        </p:style>
+      </p:cxnSp>
+      <p:cxnSp>
+        <p:nvCxnSpPr>
+          <p:cNvPr id="67" name="Straight Connector 66"/>
+          <p:cNvCxnSpPr/>
+          <p:nvPr/>
+        </p:nvCxnSpPr>
+        <p:spPr>
+          <a:xfrm>
+            <a:off x="6796062" y="3655779"/>
+            <a:ext cx="1099383" cy="1588"/>
+          </a:xfrm>
+          <a:prstGeom prst="line">
+            <a:avLst/>
+          </a:prstGeom>
+          <a:ln w="12700">
+            <a:solidFill>
+              <a:schemeClr val="tx1"/>
+            </a:solidFill>
+            <a:tailEnd type="triangle"/>
+          </a:ln>
+          <a:effectLst/>
+        </p:spPr>
+        <p:style>
+          <a:lnRef idx="2">
+            <a:schemeClr val="accent1"/>
+          </a:lnRef>
+          <a:fillRef idx="0">
+            <a:schemeClr val="accent1"/>
+          </a:fillRef>
+          <a:effectRef idx="1">
+            <a:schemeClr val="accent1"/>
+          </a:effectRef>
+          <a:fontRef idx="minor">
+            <a:schemeClr val="tx1"/>
+          </a:fontRef>
+        </p:style>
+      </p:cxnSp>
+      <p:sp>
+        <p:nvSpPr>
+          <p:cNvPr id="69" name="TextBox 68"/>
+          <p:cNvSpPr txBox="1"/>
+          <p:nvPr/>
+        </p:nvSpPr>
+        <p:spPr>
+          <a:xfrm>
+            <a:off x="5464318" y="3342460"/>
+            <a:ext cx="261610" cy="276999"/>
+          </a:xfrm>
+          <a:prstGeom prst="rect">
+            <a:avLst/>
+          </a:prstGeom>
+          <a:noFill/>
+        </p:spPr>
+        <p:txBody>
+          <a:bodyPr wrap="none" rtlCol="0">
+            <a:spAutoFit/>
+          </a:bodyPr>
+          <a:lstStyle/>
+          <a:p>
+            <a:r>
+              <a:rPr lang="en-US" sz="1200" dirty="0" err="1" smtClean="0">
+                <a:latin typeface="Times New Roman"/>
+              </a:rPr>
+              <a:t>u</a:t>
+            </a:r>
+            <a:endParaRPr lang="en-US" sz="1200" baseline="-25000" dirty="0">
+              <a:latin typeface="Times New Roman"/>
+            </a:endParaRPr>
+          </a:p>
+        </p:txBody>
+      </p:sp>
+      <p:sp>
+        <p:nvSpPr>
+          <p:cNvPr id="70" name="TextBox 69"/>
+          <p:cNvSpPr txBox="1"/>
+          <p:nvPr/>
+        </p:nvSpPr>
+        <p:spPr>
+          <a:xfrm>
+            <a:off x="7874864" y="4633803"/>
+            <a:ext cx="235962" cy="276999"/>
+          </a:xfrm>
+          <a:prstGeom prst="rect">
+            <a:avLst/>
+          </a:prstGeom>
+          <a:noFill/>
+        </p:spPr>
+        <p:txBody>
+          <a:bodyPr wrap="none" rtlCol="0">
+            <a:spAutoFit/>
+          </a:bodyPr>
+          <a:lstStyle/>
+          <a:p>
+            <a:r>
+              <a:rPr lang="en-US" sz="1200" dirty="0" err="1" smtClean="0">
+                <a:latin typeface="Times New Roman"/>
+              </a:rPr>
+              <a:t>r</a:t>
+            </a:r>
+            <a:endParaRPr lang="en-US" sz="1200" baseline="-25000" dirty="0">
+              <a:latin typeface="Times New Roman"/>
+            </a:endParaRPr>
+          </a:p>
+        </p:txBody>
+      </p:sp>
+      <p:graphicFrame>
+        <p:nvGraphicFramePr>
+          <p:cNvPr id="72" name="Object 71"/>
+          <p:cNvGraphicFramePr>
+            <a:graphicFrameLocks noChangeAspect="1"/>
+          </p:cNvGraphicFramePr>
+          <p:nvPr/>
+        </p:nvGraphicFramePr>
+        <p:xfrm>
+          <a:off x="4938226" y="4726108"/>
+          <a:ext cx="254000" cy="152400"/>
+        </p:xfrm>
+        <a:graphic>
+          <a:graphicData uri="http://schemas.openxmlformats.org/presentationml/2006/ole">
+            <p:oleObj spid="_x0000_s49154" name="Equation" r:id="rId3" imgW="254000" imgH="152400" progId="Equation.DSMT4">
+              <p:embed/>
+            </p:oleObj>
+          </a:graphicData>
+        </a:graphic>
+      </p:graphicFrame>
+      <p:cxnSp>
+        <p:nvCxnSpPr>
+          <p:cNvPr id="77" name="Elbow Connector 76"/>
+          <p:cNvCxnSpPr>
+            <a:stCxn id="60" idx="1"/>
+            <a:endCxn id="53" idx="1"/>
+          </p:cNvCxnSpPr>
+          <p:nvPr/>
+        </p:nvCxnSpPr>
+        <p:spPr>
+          <a:xfrm rot="10800000" flipH="1">
+            <a:off x="4749758" y="3655780"/>
+            <a:ext cx="1421637" cy="1162461"/>
+          </a:xfrm>
+          <a:prstGeom prst="bentConnector3">
+            <a:avLst>
+              <a:gd name="adj1" fmla="val -39285"/>
+            </a:avLst>
+          </a:prstGeom>
+          <a:ln w="12700">
+            <a:solidFill>
+              <a:schemeClr val="tx1"/>
+            </a:solidFill>
+            <a:tailEnd type="triangle"/>
+          </a:ln>
+          <a:effectLst/>
+        </p:spPr>
+        <p:style>
+          <a:lnRef idx="2">
+            <a:schemeClr val="accent1"/>
+          </a:lnRef>
+          <a:fillRef idx="0">
+            <a:schemeClr val="accent1"/>
+          </a:fillRef>
+          <a:effectRef idx="1">
+            <a:schemeClr val="accent1"/>
+          </a:effectRef>
+          <a:fontRef idx="minor">
+            <a:schemeClr val="tx1"/>
+          </a:fontRef>
+        </p:style>
+      </p:cxnSp>
+      <p:cxnSp>
+        <p:nvCxnSpPr>
+          <p:cNvPr id="80" name="Shape 79"/>
+          <p:cNvCxnSpPr>
+            <a:endCxn id="56" idx="0"/>
+          </p:cNvCxnSpPr>
+          <p:nvPr/>
+        </p:nvCxnSpPr>
+        <p:spPr>
+          <a:xfrm>
+            <a:off x="4188278" y="4147992"/>
+            <a:ext cx="2348151" cy="340551"/>
+          </a:xfrm>
+          <a:prstGeom prst="bentConnector2">
+            <a:avLst/>
+          </a:prstGeom>
+          <a:ln w="12700">
+            <a:solidFill>
+              <a:schemeClr val="tx1"/>
+            </a:solidFill>
+            <a:tailEnd type="triangle"/>
+          </a:ln>
+          <a:effectLst/>
+        </p:spPr>
+        <p:style>
+          <a:lnRef idx="2">
+            <a:schemeClr val="accent1"/>
+          </a:lnRef>
+          <a:fillRef idx="0">
+            <a:schemeClr val="accent1"/>
+          </a:fillRef>
+          <a:effectRef idx="1">
+            <a:schemeClr val="accent1"/>
+          </a:effectRef>
+          <a:fontRef idx="minor">
+            <a:schemeClr val="tx1"/>
+          </a:fontRef>
+        </p:style>
+      </p:cxnSp>
+      <p:sp>
+        <p:nvSpPr>
+          <p:cNvPr id="83" name="Oval 82"/>
+          <p:cNvSpPr/>
+          <p:nvPr/>
+        </p:nvSpPr>
+        <p:spPr>
+          <a:xfrm>
+            <a:off x="7364467" y="4680576"/>
+            <a:ext cx="278507" cy="278507"/>
+          </a:xfrm>
+          <a:prstGeom prst="ellipse">
+            <a:avLst/>
+          </a:prstGeom>
+          <a:noFill/>
+          <a:ln>
+            <a:solidFill>
+              <a:schemeClr val="tx1"/>
+            </a:solidFill>
+          </a:ln>
+        </p:spPr>
+        <p:style>
+          <a:lnRef idx="1">
+            <a:schemeClr val="accent1"/>
+          </a:lnRef>
+          <a:fillRef idx="3">
+            <a:schemeClr val="accent1"/>
+          </a:fillRef>
+          <a:effectRef idx="2">
+            <a:schemeClr val="accent1"/>
+          </a:effectRef>
+          <a:fontRef idx="minor">
+            <a:schemeClr val="lt1"/>
+          </a:fontRef>
+        </p:style>
+        <p:txBody>
+          <a:bodyPr rtlCol="0" anchor="ctr"/>
+          <a:lstStyle/>
+          <a:p>
+            <a:pPr algn="ctr"/>
+            <a:endParaRPr lang="en-US"/>
+          </a:p>
+        </p:txBody>
+      </p:sp>
+      <p:cxnSp>
+        <p:nvCxnSpPr>
+          <p:cNvPr id="85" name="Straight Arrow Connector 84"/>
+          <p:cNvCxnSpPr>
+            <a:stCxn id="83" idx="0"/>
+          </p:cNvCxnSpPr>
+          <p:nvPr/>
+        </p:nvCxnSpPr>
+        <p:spPr>
+          <a:xfrm rot="5400000" flipH="1" flipV="1">
+            <a:off x="6997897" y="4161606"/>
+            <a:ext cx="1024795" cy="13146"/>
+          </a:xfrm>
+          <a:prstGeom prst="straightConnector1">
+            <a:avLst/>
+          </a:prstGeom>
+          <a:ln w="12700">
+            <a:solidFill>
+              <a:schemeClr val="tx1"/>
+            </a:solidFill>
+            <a:headEnd type="triangle"/>
+            <a:tailEnd type="none"/>
+          </a:ln>
+          <a:effectLst/>
+        </p:spPr>
+        <p:style>
+          <a:lnRef idx="2">
+            <a:schemeClr val="accent1"/>
+          </a:lnRef>
+          <a:fillRef idx="0">
+            <a:schemeClr val="accent1"/>
+          </a:fillRef>
+          <a:effectRef idx="1">
+            <a:schemeClr val="accent1"/>
+          </a:effectRef>
+          <a:fontRef idx="minor">
+            <a:schemeClr val="tx1"/>
+          </a:fontRef>
+        </p:style>
+      </p:cxnSp>
+      <p:cxnSp>
+        <p:nvCxnSpPr>
+          <p:cNvPr id="88" name="Straight Arrow Connector 87"/>
+          <p:cNvCxnSpPr/>
+          <p:nvPr/>
+        </p:nvCxnSpPr>
+        <p:spPr>
+          <a:xfrm>
+            <a:off x="7661380" y="4816652"/>
+            <a:ext cx="234065" cy="1588"/>
+          </a:xfrm>
+          <a:prstGeom prst="straightConnector1">
+            <a:avLst/>
+          </a:prstGeom>
+          <a:ln w="12700">
+            <a:solidFill>
+              <a:schemeClr val="tx1"/>
+            </a:solidFill>
+            <a:headEnd type="triangle"/>
+            <a:tailEnd type="none"/>
+          </a:ln>
+          <a:effectLst/>
+        </p:spPr>
+        <p:style>
+          <a:lnRef idx="2">
+            <a:schemeClr val="accent1"/>
+          </a:lnRef>
+          <a:fillRef idx="0">
+            <a:schemeClr val="accent1"/>
+          </a:fillRef>
+          <a:effectRef idx="1">
+            <a:schemeClr val="accent1"/>
+          </a:effectRef>
+          <a:fontRef idx="minor">
+            <a:schemeClr val="tx1"/>
+          </a:fontRef>
+        </p:style>
+      </p:cxnSp>
+      <p:sp>
+        <p:nvSpPr>
+          <p:cNvPr id="89" name="TextBox 88"/>
+          <p:cNvSpPr txBox="1"/>
+          <p:nvPr/>
+        </p:nvSpPr>
+        <p:spPr>
+          <a:xfrm>
+            <a:off x="7874864" y="3480960"/>
+            <a:ext cx="274434" cy="276999"/>
+          </a:xfrm>
+          <a:prstGeom prst="rect">
+            <a:avLst/>
+          </a:prstGeom>
+          <a:noFill/>
+        </p:spPr>
+        <p:txBody>
+          <a:bodyPr wrap="none" rtlCol="0">
+            <a:spAutoFit/>
+          </a:bodyPr>
+          <a:lstStyle/>
+          <a:p>
+            <a:r>
+              <a:rPr lang="en-US" sz="1200" dirty="0" err="1" smtClean="0">
+                <a:latin typeface="Times New Roman"/>
+              </a:rPr>
+              <a:t>y</a:t>
+            </a:r>
+            <a:endParaRPr lang="en-US" sz="1200" baseline="-25000" dirty="0">
+              <a:latin typeface="Times New Roman"/>
+            </a:endParaRPr>
+          </a:p>
+        </p:txBody>
+      </p:sp>
+      <p:sp>
+        <p:nvSpPr>
+          <p:cNvPr id="92" name="TextBox 91"/>
+          <p:cNvSpPr txBox="1"/>
+          <p:nvPr/>
+        </p:nvSpPr>
+        <p:spPr>
+          <a:xfrm>
+            <a:off x="4749759" y="3349377"/>
+            <a:ext cx="714559" cy="276999"/>
+          </a:xfrm>
+          <a:prstGeom prst="rect">
+            <a:avLst/>
+          </a:prstGeom>
+          <a:noFill/>
+        </p:spPr>
+        <p:txBody>
+          <a:bodyPr wrap="none" rtlCol="0">
+            <a:spAutoFit/>
+          </a:bodyPr>
+          <a:lstStyle/>
+          <a:p>
+            <a:r>
+              <a:rPr lang="en-US" sz="1200" dirty="0" smtClean="0"/>
+              <a:t>plant </a:t>
+            </a:r>
+            <a:r>
+              <a:rPr lang="en-US" sz="1200" dirty="0" err="1" smtClean="0"/>
+              <a:t>i/p</a:t>
+            </a:r>
+            <a:endParaRPr lang="en-US" sz="1200" dirty="0"/>
+          </a:p>
+        </p:txBody>
+      </p:sp>
+      <p:sp>
+        <p:nvSpPr>
+          <p:cNvPr id="93" name="TextBox 92"/>
+          <p:cNvSpPr txBox="1"/>
+          <p:nvPr/>
+        </p:nvSpPr>
+        <p:spPr>
+          <a:xfrm>
+            <a:off x="7251421" y="3290500"/>
+            <a:ext cx="611465" cy="276999"/>
+          </a:xfrm>
+          <a:prstGeom prst="rect">
+            <a:avLst/>
+          </a:prstGeom>
+          <a:noFill/>
+        </p:spPr>
+        <p:txBody>
+          <a:bodyPr wrap="none" rtlCol="0">
+            <a:spAutoFit/>
+          </a:bodyPr>
+          <a:lstStyle/>
+          <a:p>
+            <a:r>
+              <a:rPr lang="en-US" sz="1200" dirty="0" smtClean="0"/>
+              <a:t>output</a:t>
+            </a:r>
+            <a:endParaRPr lang="en-US" sz="1200" dirty="0"/>
+          </a:p>
+        </p:txBody>
+      </p:sp>
+      <p:sp>
+        <p:nvSpPr>
+          <p:cNvPr id="94" name="TextBox 93"/>
+          <p:cNvSpPr txBox="1"/>
+          <p:nvPr/>
+        </p:nvSpPr>
+        <p:spPr>
+          <a:xfrm>
+            <a:off x="11311306" y="2786721"/>
+            <a:ext cx="611465" cy="276999"/>
+          </a:xfrm>
+          <a:prstGeom prst="rect">
+            <a:avLst/>
+          </a:prstGeom>
+          <a:noFill/>
+        </p:spPr>
+        <p:txBody>
+          <a:bodyPr wrap="none" rtlCol="0">
+            <a:spAutoFit/>
+          </a:bodyPr>
+          <a:lstStyle/>
+          <a:p>
+            <a:r>
+              <a:rPr lang="en-US" sz="1200" dirty="0" smtClean="0"/>
+              <a:t>output</a:t>
+            </a:r>
+            <a:endParaRPr lang="en-US" sz="1200" dirty="0"/>
+          </a:p>
+        </p:txBody>
+      </p:sp>
+      <p:sp>
+        <p:nvSpPr>
+          <p:cNvPr id="95" name="TextBox 94"/>
+          <p:cNvSpPr txBox="1"/>
+          <p:nvPr/>
+        </p:nvSpPr>
+        <p:spPr>
+          <a:xfrm>
+            <a:off x="7638543" y="4449109"/>
+            <a:ext cx="597489" cy="276999"/>
+          </a:xfrm>
+          <a:prstGeom prst="rect">
+            <a:avLst/>
+          </a:prstGeom>
+          <a:noFill/>
+        </p:spPr>
+        <p:txBody>
+          <a:bodyPr wrap="none" rtlCol="0">
+            <a:spAutoFit/>
+          </a:bodyPr>
+          <a:lstStyle/>
+          <a:p>
+            <a:r>
+              <a:rPr lang="en-US" sz="1200" dirty="0" smtClean="0"/>
+              <a:t>ref. </a:t>
+            </a:r>
+            <a:r>
+              <a:rPr lang="en-US" sz="1200" dirty="0" err="1" smtClean="0"/>
+              <a:t>i/p</a:t>
+            </a:r>
+            <a:endParaRPr lang="en-US" sz="1200" dirty="0"/>
+          </a:p>
+        </p:txBody>
+      </p:sp>
+      <p:sp>
+        <p:nvSpPr>
+          <p:cNvPr id="97" name="TextBox 96"/>
+          <p:cNvSpPr txBox="1"/>
+          <p:nvPr/>
+        </p:nvSpPr>
+        <p:spPr>
+          <a:xfrm>
+            <a:off x="5192226" y="5045019"/>
+            <a:ext cx="816600" cy="461665"/>
+          </a:xfrm>
+          <a:prstGeom prst="rect">
+            <a:avLst/>
+          </a:prstGeom>
+          <a:noFill/>
+        </p:spPr>
+        <p:txBody>
+          <a:bodyPr wrap="none" rtlCol="0">
+            <a:spAutoFit/>
+          </a:bodyPr>
+          <a:lstStyle/>
+          <a:p>
+            <a:r>
+              <a:rPr lang="en-US" sz="1200" dirty="0" smtClean="0"/>
+              <a:t>measured</a:t>
+            </a:r>
+          </a:p>
+          <a:p>
+            <a:r>
+              <a:rPr lang="en-US" sz="1200" dirty="0" smtClean="0"/>
+              <a:t>states</a:t>
+            </a:r>
+            <a:endParaRPr lang="en-US" sz="1200" dirty="0"/>
+          </a:p>
+        </p:txBody>
+      </p:sp>
+      <p:sp>
+        <p:nvSpPr>
+          <p:cNvPr id="99" name="TextBox 98"/>
+          <p:cNvSpPr txBox="1"/>
+          <p:nvPr/>
+        </p:nvSpPr>
+        <p:spPr>
+          <a:xfrm>
+            <a:off x="7568870" y="4753295"/>
+            <a:ext cx="274434" cy="276999"/>
+          </a:xfrm>
+          <a:prstGeom prst="rect">
+            <a:avLst/>
+          </a:prstGeom>
+          <a:noFill/>
+        </p:spPr>
+        <p:txBody>
+          <a:bodyPr wrap="none" rtlCol="0">
+            <a:spAutoFit/>
+          </a:bodyPr>
+          <a:lstStyle/>
+          <a:p>
+            <a:r>
+              <a:rPr lang="en-US" sz="1200" dirty="0" smtClean="0">
+                <a:latin typeface="Symbol"/>
+              </a:rPr>
+              <a:t>+</a:t>
+            </a:r>
+            <a:endParaRPr lang="en-US" sz="1200" dirty="0">
+              <a:latin typeface="Symbol"/>
+            </a:endParaRPr>
+          </a:p>
+        </p:txBody>
+      </p:sp>
+      <p:sp>
+        <p:nvSpPr>
+          <p:cNvPr id="100" name="TextBox 99"/>
+          <p:cNvSpPr txBox="1"/>
+          <p:nvPr/>
+        </p:nvSpPr>
+        <p:spPr>
+          <a:xfrm>
+            <a:off x="7465688" y="4465819"/>
+            <a:ext cx="261610" cy="276999"/>
+          </a:xfrm>
+          <a:prstGeom prst="rect">
+            <a:avLst/>
+          </a:prstGeom>
+          <a:noFill/>
+        </p:spPr>
+        <p:txBody>
+          <a:bodyPr wrap="none" rtlCol="0">
+            <a:spAutoFit/>
+          </a:bodyPr>
+          <a:lstStyle/>
+          <a:p>
+            <a:r>
+              <a:rPr lang="en-US" sz="1200" dirty="0" smtClean="0">
+                <a:latin typeface="Symbol"/>
+              </a:rPr>
+              <a:t>-</a:t>
+            </a:r>
+            <a:endParaRPr lang="en-US" sz="1200" dirty="0">
+              <a:latin typeface="Symbol"/>
+            </a:endParaRPr>
+          </a:p>
+        </p:txBody>
+      </p:sp>
+      <p:sp>
+        <p:nvSpPr>
+          <p:cNvPr id="104" name="Rectangle 103"/>
+          <p:cNvSpPr/>
+          <p:nvPr/>
+        </p:nvSpPr>
+        <p:spPr>
+          <a:xfrm>
+            <a:off x="6543762" y="1034829"/>
+            <a:ext cx="630933" cy="453558"/>
+          </a:xfrm>
+          <a:prstGeom prst="rect">
+            <a:avLst/>
+          </a:prstGeom>
+          <a:noFill/>
+          <a:ln>
+            <a:solidFill>
+              <a:schemeClr val="tx1"/>
+            </a:solidFill>
+          </a:ln>
+          <a:effectLst/>
+        </p:spPr>
+        <p:style>
+          <a:lnRef idx="1">
+            <a:schemeClr val="accent1"/>
+          </a:lnRef>
+          <a:fillRef idx="3">
+            <a:schemeClr val="accent1"/>
+          </a:fillRef>
+          <a:effectRef idx="2">
+            <a:schemeClr val="accent1"/>
+          </a:effectRef>
+          <a:fontRef idx="minor">
+            <a:schemeClr val="lt1"/>
+          </a:fontRef>
+        </p:style>
+        <p:txBody>
+          <a:bodyPr rtlCol="0" anchor="ctr"/>
+          <a:lstStyle/>
+          <a:p>
+            <a:pPr algn="ctr"/>
+            <a:endParaRPr lang="en-US"/>
+          </a:p>
+        </p:txBody>
+      </p:sp>
+      <p:sp>
+        <p:nvSpPr>
+          <p:cNvPr id="105" name="TextBox 104"/>
+          <p:cNvSpPr txBox="1"/>
+          <p:nvPr/>
+        </p:nvSpPr>
+        <p:spPr>
+          <a:xfrm>
+            <a:off x="6698455" y="1123109"/>
+            <a:ext cx="325730" cy="276999"/>
+          </a:xfrm>
+          <a:prstGeom prst="rect">
+            <a:avLst/>
+          </a:prstGeom>
+          <a:noFill/>
+        </p:spPr>
+        <p:txBody>
+          <a:bodyPr wrap="none" rtlCol="0">
+            <a:spAutoFit/>
+          </a:bodyPr>
+          <a:lstStyle/>
+          <a:p>
+            <a:r>
+              <a:rPr lang="en-US" sz="1200" b="1" dirty="0" smtClean="0">
+                <a:latin typeface="Times New Roman"/>
+              </a:rPr>
+              <a:t>S</a:t>
+            </a:r>
+            <a:r>
+              <a:rPr lang="en-US" sz="1200" baseline="-25000" dirty="0" smtClean="0">
+                <a:latin typeface="Times New Roman"/>
+              </a:rPr>
+              <a:t>2</a:t>
+            </a:r>
+            <a:endParaRPr lang="en-US" sz="1200" baseline="-25000" dirty="0">
+              <a:latin typeface="Times New Roman"/>
+            </a:endParaRPr>
+          </a:p>
+        </p:txBody>
+      </p:sp>
+      <p:sp>
+        <p:nvSpPr>
+          <p:cNvPr id="106" name="Rectangle 105"/>
+          <p:cNvSpPr/>
+          <p:nvPr/>
+        </p:nvSpPr>
+        <p:spPr>
+          <a:xfrm>
+            <a:off x="6543762" y="1640787"/>
+            <a:ext cx="630933" cy="453558"/>
+          </a:xfrm>
+          <a:prstGeom prst="rect">
+            <a:avLst/>
+          </a:prstGeom>
+          <a:noFill/>
+          <a:ln>
+            <a:solidFill>
+              <a:schemeClr val="tx1"/>
+            </a:solidFill>
+          </a:ln>
+          <a:effectLst/>
+        </p:spPr>
+        <p:style>
+          <a:lnRef idx="1">
+            <a:schemeClr val="accent1"/>
+          </a:lnRef>
+          <a:fillRef idx="3">
+            <a:schemeClr val="accent1"/>
+          </a:fillRef>
+          <a:effectRef idx="2">
+            <a:schemeClr val="accent1"/>
+          </a:effectRef>
+          <a:fontRef idx="minor">
+            <a:schemeClr val="lt1"/>
+          </a:fontRef>
+        </p:style>
+        <p:txBody>
+          <a:bodyPr rtlCol="0" anchor="ctr"/>
+          <a:lstStyle/>
+          <a:p>
+            <a:pPr algn="ctr"/>
+            <a:endParaRPr lang="en-US"/>
+          </a:p>
+        </p:txBody>
+      </p:sp>
+      <p:sp>
+        <p:nvSpPr>
+          <p:cNvPr id="107" name="TextBox 106"/>
+          <p:cNvSpPr txBox="1"/>
+          <p:nvPr/>
+        </p:nvSpPr>
+        <p:spPr>
+          <a:xfrm>
+            <a:off x="6698455" y="1729067"/>
+            <a:ext cx="325730" cy="276999"/>
+          </a:xfrm>
+          <a:prstGeom prst="rect">
+            <a:avLst/>
+          </a:prstGeom>
+          <a:noFill/>
+        </p:spPr>
+        <p:txBody>
+          <a:bodyPr wrap="none" rtlCol="0">
+            <a:spAutoFit/>
+          </a:bodyPr>
+          <a:lstStyle/>
+          <a:p>
+            <a:r>
+              <a:rPr lang="en-US" sz="1200" b="1" dirty="0" smtClean="0">
+                <a:latin typeface="Times New Roman"/>
+              </a:rPr>
+              <a:t>S</a:t>
+            </a:r>
+            <a:r>
+              <a:rPr lang="en-US" sz="1200" baseline="-25000" dirty="0" smtClean="0">
+                <a:latin typeface="Times New Roman"/>
+              </a:rPr>
+              <a:t>3</a:t>
+            </a:r>
+            <a:endParaRPr lang="en-US" sz="1200" baseline="-25000" dirty="0">
+              <a:latin typeface="Times New Roman"/>
+            </a:endParaRPr>
+          </a:p>
+        </p:txBody>
+      </p:sp>
+      <p:sp>
+        <p:nvSpPr>
+          <p:cNvPr id="108" name="Rectangle 107"/>
+          <p:cNvSpPr/>
+          <p:nvPr/>
+        </p:nvSpPr>
+        <p:spPr>
+          <a:xfrm>
+            <a:off x="6543762" y="2246745"/>
+            <a:ext cx="630933" cy="453558"/>
+          </a:xfrm>
+          <a:prstGeom prst="rect">
+            <a:avLst/>
+          </a:prstGeom>
+          <a:noFill/>
+          <a:ln>
+            <a:solidFill>
+              <a:schemeClr val="tx1"/>
+            </a:solidFill>
+          </a:ln>
+          <a:effectLst/>
+        </p:spPr>
+        <p:style>
+          <a:lnRef idx="1">
+            <a:schemeClr val="accent1"/>
+          </a:lnRef>
+          <a:fillRef idx="3">
+            <a:schemeClr val="accent1"/>
+          </a:fillRef>
+          <a:effectRef idx="2">
+            <a:schemeClr val="accent1"/>
+          </a:effectRef>
+          <a:fontRef idx="minor">
+            <a:schemeClr val="lt1"/>
+          </a:fontRef>
+        </p:style>
+        <p:txBody>
+          <a:bodyPr rtlCol="0" anchor="ctr"/>
+          <a:lstStyle/>
+          <a:p>
+            <a:pPr algn="ctr"/>
+            <a:endParaRPr lang="en-US"/>
+          </a:p>
+        </p:txBody>
+      </p:sp>
+      <p:sp>
+        <p:nvSpPr>
+          <p:cNvPr id="109" name="TextBox 108"/>
+          <p:cNvSpPr txBox="1"/>
+          <p:nvPr/>
+        </p:nvSpPr>
+        <p:spPr>
+          <a:xfrm>
+            <a:off x="6698455" y="2335025"/>
+            <a:ext cx="325730" cy="276999"/>
+          </a:xfrm>
+          <a:prstGeom prst="rect">
+            <a:avLst/>
+          </a:prstGeom>
+          <a:noFill/>
+        </p:spPr>
+        <p:txBody>
+          <a:bodyPr wrap="none" rtlCol="0">
+            <a:spAutoFit/>
+          </a:bodyPr>
+          <a:lstStyle/>
+          <a:p>
+            <a:r>
+              <a:rPr lang="en-US" sz="1200" b="1" dirty="0" smtClean="0">
+                <a:latin typeface="Times New Roman"/>
+              </a:rPr>
+              <a:t>S</a:t>
+            </a:r>
+            <a:r>
+              <a:rPr lang="en-US" sz="1200" baseline="-25000" dirty="0" smtClean="0">
+                <a:latin typeface="Times New Roman"/>
+              </a:rPr>
+              <a:t>4</a:t>
+            </a:r>
+            <a:endParaRPr lang="en-US" sz="1200" baseline="-25000" dirty="0">
+              <a:latin typeface="Times New Roman"/>
+            </a:endParaRPr>
+          </a:p>
+        </p:txBody>
+      </p:sp>
+      <p:cxnSp>
+        <p:nvCxnSpPr>
+          <p:cNvPr id="113" name="Straight Connector 112"/>
+          <p:cNvCxnSpPr/>
+          <p:nvPr/>
+        </p:nvCxnSpPr>
+        <p:spPr>
+          <a:xfrm>
+            <a:off x="7174695" y="2459891"/>
+            <a:ext cx="214426" cy="1588"/>
+          </a:xfrm>
+          <a:prstGeom prst="line">
+            <a:avLst/>
+          </a:prstGeom>
+          <a:ln w="12700">
+            <a:solidFill>
+              <a:schemeClr val="tx1"/>
+            </a:solidFill>
+          </a:ln>
+          <a:effectLst/>
+        </p:spPr>
+        <p:style>
+          <a:lnRef idx="2">
+            <a:schemeClr val="accent1"/>
+          </a:lnRef>
+          <a:fillRef idx="0">
+            <a:schemeClr val="accent1"/>
+          </a:fillRef>
+          <a:effectRef idx="1">
+            <a:schemeClr val="accent1"/>
+          </a:effectRef>
+          <a:fontRef idx="minor">
+            <a:schemeClr val="tx1"/>
+          </a:fontRef>
+        </p:style>
+      </p:cxnSp>
+      <p:cxnSp>
+        <p:nvCxnSpPr>
+          <p:cNvPr id="114" name="Straight Connector 113"/>
+          <p:cNvCxnSpPr/>
+          <p:nvPr/>
+        </p:nvCxnSpPr>
+        <p:spPr>
+          <a:xfrm>
+            <a:off x="6329336" y="2461479"/>
+            <a:ext cx="214426" cy="1588"/>
+          </a:xfrm>
+          <a:prstGeom prst="line">
+            <a:avLst/>
+          </a:prstGeom>
+          <a:ln w="12700">
+            <a:solidFill>
+              <a:schemeClr val="tx1"/>
+            </a:solidFill>
+          </a:ln>
+          <a:effectLst/>
+        </p:spPr>
+        <p:style>
+          <a:lnRef idx="2">
+            <a:schemeClr val="accent1"/>
+          </a:lnRef>
+          <a:fillRef idx="0">
+            <a:schemeClr val="accent1"/>
+          </a:fillRef>
+          <a:effectRef idx="1">
+            <a:schemeClr val="accent1"/>
+          </a:effectRef>
+          <a:fontRef idx="minor">
+            <a:schemeClr val="tx1"/>
+          </a:fontRef>
+        </p:style>
+      </p:cxnSp>
+      <p:cxnSp>
+        <p:nvCxnSpPr>
+          <p:cNvPr id="116" name="Straight Connector 115"/>
+          <p:cNvCxnSpPr/>
+          <p:nvPr/>
+        </p:nvCxnSpPr>
+        <p:spPr>
+          <a:xfrm>
+            <a:off x="6329336" y="1865978"/>
+            <a:ext cx="214426" cy="1588"/>
+          </a:xfrm>
+          <a:prstGeom prst="line">
+            <a:avLst/>
+          </a:prstGeom>
+          <a:ln w="12700">
+            <a:solidFill>
+              <a:schemeClr val="tx1"/>
+            </a:solidFill>
+          </a:ln>
+          <a:effectLst/>
+        </p:spPr>
+        <p:style>
+          <a:lnRef idx="2">
+            <a:schemeClr val="accent1"/>
+          </a:lnRef>
+          <a:fillRef idx="0">
+            <a:schemeClr val="accent1"/>
+          </a:fillRef>
+          <a:effectRef idx="1">
+            <a:schemeClr val="accent1"/>
+          </a:effectRef>
+          <a:fontRef idx="minor">
+            <a:schemeClr val="tx1"/>
+          </a:fontRef>
+        </p:style>
+      </p:cxnSp>
+      <p:sp>
+        <p:nvSpPr>
+          <p:cNvPr id="118" name="TextBox 117"/>
+          <p:cNvSpPr txBox="1"/>
+          <p:nvPr/>
+        </p:nvSpPr>
+        <p:spPr>
+          <a:xfrm>
+            <a:off x="8217986" y="1087527"/>
             <a:ext cx="274434" cy="276999"/>
           </a:xfrm>
           <a:prstGeom prst="rect">
@@ -10295,6 +11638,615 @@
       </p:par>
     </p:tnLst>
   </p:timing>
+</p:sld>
+</file>
+
+<file path=ppt/slides/slide20.xml><?xml version="1.0" encoding="utf-8"?>
+<p:sld xmlns:a="http://schemas.openxmlformats.org/drawingml/2006/main" xmlns:r="http://schemas.openxmlformats.org/officeDocument/2006/relationships" xmlns:mc="http://schemas.openxmlformats.org/markup-compatibility/2006" xmlns:mv="urn:schemas-microsoft-com:mac:vml" xmlns:p="http://schemas.openxmlformats.org/presentationml/2006/main" mc:Ignorable="mv" mc:PreserveAttributes="mv:*">
+  <p:cSld>
+    <p:spTree>
+      <p:nvGrpSpPr>
+        <p:cNvPr id="1" name=""/>
+        <p:cNvGrpSpPr/>
+        <p:nvPr/>
+      </p:nvGrpSpPr>
+      <p:grpSpPr>
+        <a:xfrm>
+          <a:off x="0" y="0"/>
+          <a:ext cx="0" cy="0"/>
+          <a:chOff x="0" y="0"/>
+          <a:chExt cx="0" cy="0"/>
+        </a:xfrm>
+      </p:grpSpPr>
+      <p:sp>
+        <p:nvSpPr>
+          <p:cNvPr id="2" name="Title 1"/>
+          <p:cNvSpPr>
+            <a:spLocks noGrp="1"/>
+          </p:cNvSpPr>
+          <p:nvPr>
+            <p:ph type="title"/>
+          </p:nvPr>
+        </p:nvSpPr>
+        <p:spPr/>
+        <p:txBody>
+          <a:bodyPr/>
+          <a:lstStyle/>
+          <a:p>
+            <a:endParaRPr lang="en-US"/>
+          </a:p>
+        </p:txBody>
+      </p:sp>
+      <p:grpSp>
+        <p:nvGrpSpPr>
+          <p:cNvPr id="19" name="Group 18"/>
+          <p:cNvGrpSpPr/>
+          <p:nvPr/>
+        </p:nvGrpSpPr>
+        <p:grpSpPr>
+          <a:xfrm>
+            <a:off x="1150367" y="2630120"/>
+            <a:ext cx="4274339" cy="1517871"/>
+            <a:chOff x="1150367" y="2630120"/>
+            <a:chExt cx="4274339" cy="1517871"/>
+          </a:xfrm>
+        </p:grpSpPr>
+        <p:grpSp>
+          <p:nvGrpSpPr>
+            <p:cNvPr id="4" name="Group 3"/>
+            <p:cNvGrpSpPr/>
+            <p:nvPr/>
+          </p:nvGrpSpPr>
+          <p:grpSpPr>
+            <a:xfrm>
+              <a:off x="1311829" y="2630120"/>
+              <a:ext cx="4112877" cy="1517871"/>
+              <a:chOff x="2460134" y="184672"/>
+              <a:chExt cx="4112877" cy="1517871"/>
+            </a:xfrm>
+          </p:grpSpPr>
+          <p:cxnSp>
+            <p:nvCxnSpPr>
+              <p:cNvPr id="5" name="Straight Arrow Connector 4"/>
+              <p:cNvCxnSpPr/>
+              <p:nvPr/>
+            </p:nvCxnSpPr>
+            <p:spPr>
+              <a:xfrm>
+                <a:off x="5473628" y="476243"/>
+                <a:ext cx="1099383" cy="1588"/>
+              </a:xfrm>
+              <a:prstGeom prst="straightConnector1">
+                <a:avLst/>
+              </a:prstGeom>
+              <a:ln w="12700">
+                <a:solidFill>
+                  <a:schemeClr val="tx1"/>
+                </a:solidFill>
+                <a:tailEnd type="triangle"/>
+              </a:ln>
+              <a:effectLst/>
+            </p:spPr>
+            <p:style>
+              <a:lnRef idx="2">
+                <a:schemeClr val="accent1"/>
+              </a:lnRef>
+              <a:fillRef idx="0">
+                <a:schemeClr val="accent1"/>
+              </a:fillRef>
+              <a:effectRef idx="1">
+                <a:schemeClr val="accent1"/>
+              </a:effectRef>
+              <a:fontRef idx="minor">
+                <a:schemeClr val="tx1"/>
+              </a:fontRef>
+            </p:style>
+          </p:cxnSp>
+          <p:cxnSp>
+            <p:nvCxnSpPr>
+              <p:cNvPr id="6" name="Elbow Connector 109"/>
+              <p:cNvCxnSpPr>
+                <a:endCxn id="11" idx="3"/>
+              </p:cNvCxnSpPr>
+              <p:nvPr/>
+            </p:nvCxnSpPr>
+            <p:spPr>
+              <a:xfrm rot="5400000">
+                <a:off x="5271840" y="690019"/>
+                <a:ext cx="923864" cy="496315"/>
+              </a:xfrm>
+              <a:prstGeom prst="bentConnector2">
+                <a:avLst/>
+              </a:prstGeom>
+              <a:ln w="12700">
+                <a:solidFill>
+                  <a:schemeClr val="tx1"/>
+                </a:solidFill>
+                <a:tailEnd type="triangle"/>
+              </a:ln>
+              <a:effectLst/>
+            </p:spPr>
+            <p:style>
+              <a:lnRef idx="2">
+                <a:schemeClr val="accent1"/>
+              </a:lnRef>
+              <a:fillRef idx="0">
+                <a:schemeClr val="accent1"/>
+              </a:fillRef>
+              <a:effectRef idx="1">
+                <a:schemeClr val="accent1"/>
+              </a:effectRef>
+              <a:fontRef idx="minor">
+                <a:schemeClr val="tx1"/>
+              </a:fontRef>
+            </p:style>
+          </p:cxnSp>
+          <p:cxnSp>
+            <p:nvCxnSpPr>
+              <p:cNvPr id="7" name="Straight Arrow Connector 6"/>
+              <p:cNvCxnSpPr>
+                <a:stCxn id="13" idx="6"/>
+              </p:cNvCxnSpPr>
+              <p:nvPr/>
+            </p:nvCxnSpPr>
+            <p:spPr>
+              <a:xfrm>
+                <a:off x="3275814" y="479419"/>
+                <a:ext cx="537173" cy="1"/>
+              </a:xfrm>
+              <a:prstGeom prst="straightConnector1">
+                <a:avLst/>
+              </a:prstGeom>
+              <a:ln w="12700">
+                <a:solidFill>
+                  <a:schemeClr val="tx1"/>
+                </a:solidFill>
+                <a:tailEnd type="triangle"/>
+              </a:ln>
+              <a:effectLst/>
+            </p:spPr>
+            <p:style>
+              <a:lnRef idx="2">
+                <a:schemeClr val="accent1"/>
+              </a:lnRef>
+              <a:fillRef idx="0">
+                <a:schemeClr val="accent1"/>
+              </a:fillRef>
+              <a:effectRef idx="1">
+                <a:schemeClr val="accent1"/>
+              </a:effectRef>
+              <a:fontRef idx="minor">
+                <a:schemeClr val="tx1"/>
+              </a:fontRef>
+            </p:style>
+          </p:cxnSp>
+          <p:cxnSp>
+            <p:nvCxnSpPr>
+              <p:cNvPr id="8" name="Elbow Connector 33"/>
+              <p:cNvCxnSpPr/>
+              <p:nvPr/>
+            </p:nvCxnSpPr>
+            <p:spPr>
+              <a:xfrm rot="10800000">
+                <a:off x="3140608" y="644111"/>
+                <a:ext cx="658796" cy="781435"/>
+              </a:xfrm>
+              <a:prstGeom prst="bentConnector2">
+                <a:avLst/>
+              </a:prstGeom>
+              <a:ln w="12700">
+                <a:solidFill>
+                  <a:schemeClr val="tx1"/>
+                </a:solidFill>
+                <a:tailEnd type="triangle"/>
+              </a:ln>
+              <a:effectLst/>
+            </p:spPr>
+            <p:style>
+              <a:lnRef idx="2">
+                <a:schemeClr val="accent1"/>
+              </a:lnRef>
+              <a:fillRef idx="0">
+                <a:schemeClr val="accent1"/>
+              </a:fillRef>
+              <a:effectRef idx="1">
+                <a:schemeClr val="accent1"/>
+              </a:effectRef>
+              <a:fontRef idx="minor">
+                <a:schemeClr val="tx1"/>
+              </a:fontRef>
+            </p:style>
+          </p:cxnSp>
+          <p:sp>
+            <p:nvSpPr>
+              <p:cNvPr id="9" name="Rectangle 8"/>
+              <p:cNvSpPr/>
+              <p:nvPr/>
+            </p:nvSpPr>
+            <p:spPr>
+              <a:xfrm>
+                <a:off x="3799404" y="184672"/>
+                <a:ext cx="1674224" cy="604871"/>
+              </a:xfrm>
+              <a:prstGeom prst="rect">
+                <a:avLst/>
+              </a:prstGeom>
+              <a:noFill/>
+              <a:ln>
+                <a:solidFill>
+                  <a:schemeClr val="tx1"/>
+                </a:solidFill>
+              </a:ln>
+              <a:effectLst/>
+            </p:spPr>
+            <p:style>
+              <a:lnRef idx="1">
+                <a:schemeClr val="accent1"/>
+              </a:lnRef>
+              <a:fillRef idx="3">
+                <a:schemeClr val="accent1"/>
+              </a:fillRef>
+              <a:effectRef idx="2">
+                <a:schemeClr val="accent1"/>
+              </a:effectRef>
+              <a:fontRef idx="minor">
+                <a:schemeClr val="lt1"/>
+              </a:fontRef>
+            </p:style>
+            <p:txBody>
+              <a:bodyPr rtlCol="0" anchor="ctr"/>
+              <a:lstStyle/>
+              <a:p>
+                <a:pPr algn="ctr"/>
+                <a:endParaRPr lang="en-US"/>
+              </a:p>
+            </p:txBody>
+          </p:sp>
+          <p:graphicFrame>
+            <p:nvGraphicFramePr>
+              <p:cNvPr id="10" name="Object 9"/>
+              <p:cNvGraphicFramePr>
+                <a:graphicFrameLocks noChangeAspect="1"/>
+              </p:cNvGraphicFramePr>
+              <p:nvPr/>
+            </p:nvGraphicFramePr>
+            <p:xfrm>
+              <a:off x="3957066" y="277557"/>
+              <a:ext cx="1358900" cy="419100"/>
+            </p:xfrm>
+            <a:graphic>
+              <a:graphicData uri="http://schemas.openxmlformats.org/presentationml/2006/ole">
+                <p:oleObj spid="_x0000_s57346" name="Equation" r:id="rId3" imgW="1358900" imgH="419100" progId="Equation.DSMT4">
+                  <p:embed/>
+                </p:oleObj>
+              </a:graphicData>
+            </a:graphic>
+          </p:graphicFrame>
+          <p:sp>
+            <p:nvSpPr>
+              <p:cNvPr id="11" name="Rectangle 10"/>
+              <p:cNvSpPr/>
+              <p:nvPr/>
+            </p:nvSpPr>
+            <p:spPr>
+              <a:xfrm>
+                <a:off x="3811390" y="1097672"/>
+                <a:ext cx="1674224" cy="604871"/>
+              </a:xfrm>
+              <a:prstGeom prst="rect">
+                <a:avLst/>
+              </a:prstGeom>
+              <a:noFill/>
+              <a:ln>
+                <a:solidFill>
+                  <a:schemeClr val="tx1"/>
+                </a:solidFill>
+              </a:ln>
+              <a:effectLst/>
+            </p:spPr>
+            <p:style>
+              <a:lnRef idx="1">
+                <a:schemeClr val="accent1"/>
+              </a:lnRef>
+              <a:fillRef idx="3">
+                <a:schemeClr val="accent1"/>
+              </a:fillRef>
+              <a:effectRef idx="2">
+                <a:schemeClr val="accent1"/>
+              </a:effectRef>
+              <a:fontRef idx="minor">
+                <a:schemeClr val="lt1"/>
+              </a:fontRef>
+            </p:style>
+            <p:txBody>
+              <a:bodyPr rtlCol="0" anchor="ctr"/>
+              <a:lstStyle/>
+              <a:p>
+                <a:pPr algn="ctr"/>
+                <a:endParaRPr lang="en-US"/>
+              </a:p>
+            </p:txBody>
+          </p:sp>
+          <p:graphicFrame>
+            <p:nvGraphicFramePr>
+              <p:cNvPr id="12" name="Object 11"/>
+              <p:cNvGraphicFramePr>
+                <a:graphicFrameLocks noChangeAspect="1"/>
+              </p:cNvGraphicFramePr>
+              <p:nvPr/>
+            </p:nvGraphicFramePr>
+            <p:xfrm>
+              <a:off x="4025900" y="1203325"/>
+              <a:ext cx="1244600" cy="393700"/>
+            </p:xfrm>
+            <a:graphic>
+              <a:graphicData uri="http://schemas.openxmlformats.org/presentationml/2006/ole">
+                <p:oleObj spid="_x0000_s57347" name="Equation" r:id="rId4" imgW="1244600" imgH="393700" progId="Equation.DSMT4">
+                  <p:embed/>
+                </p:oleObj>
+              </a:graphicData>
+            </a:graphic>
+          </p:graphicFrame>
+          <p:sp>
+            <p:nvSpPr>
+              <p:cNvPr id="13" name="Oval 12"/>
+              <p:cNvSpPr/>
+              <p:nvPr/>
+            </p:nvSpPr>
+            <p:spPr>
+              <a:xfrm>
+                <a:off x="2997307" y="340165"/>
+                <a:ext cx="278507" cy="278507"/>
+              </a:xfrm>
+              <a:prstGeom prst="ellipse">
+                <a:avLst/>
+              </a:prstGeom>
+              <a:noFill/>
+              <a:ln>
+                <a:solidFill>
+                  <a:schemeClr val="tx1"/>
+                </a:solidFill>
+              </a:ln>
+            </p:spPr>
+            <p:style>
+              <a:lnRef idx="1">
+                <a:schemeClr val="accent1"/>
+              </a:lnRef>
+              <a:fillRef idx="3">
+                <a:schemeClr val="accent1"/>
+              </a:fillRef>
+              <a:effectRef idx="2">
+                <a:schemeClr val="accent1"/>
+              </a:effectRef>
+              <a:fontRef idx="minor">
+                <a:schemeClr val="lt1"/>
+              </a:fontRef>
+            </p:style>
+            <p:txBody>
+              <a:bodyPr rtlCol="0" anchor="ctr"/>
+              <a:lstStyle/>
+              <a:p>
+                <a:pPr algn="ctr"/>
+                <a:endParaRPr lang="en-US"/>
+              </a:p>
+            </p:txBody>
+          </p:sp>
+          <p:cxnSp>
+            <p:nvCxnSpPr>
+              <p:cNvPr id="14" name="Straight Arrow Connector 13"/>
+              <p:cNvCxnSpPr/>
+              <p:nvPr/>
+            </p:nvCxnSpPr>
+            <p:spPr>
+              <a:xfrm>
+                <a:off x="2460134" y="479420"/>
+                <a:ext cx="537173" cy="1"/>
+              </a:xfrm>
+              <a:prstGeom prst="straightConnector1">
+                <a:avLst/>
+              </a:prstGeom>
+              <a:ln w="12700">
+                <a:solidFill>
+                  <a:schemeClr val="tx1"/>
+                </a:solidFill>
+                <a:tailEnd type="triangle"/>
+              </a:ln>
+              <a:effectLst/>
+            </p:spPr>
+            <p:style>
+              <a:lnRef idx="2">
+                <a:schemeClr val="accent1"/>
+              </a:lnRef>
+              <a:fillRef idx="0">
+                <a:schemeClr val="accent1"/>
+              </a:fillRef>
+              <a:effectRef idx="1">
+                <a:schemeClr val="accent1"/>
+              </a:effectRef>
+              <a:fontRef idx="minor">
+                <a:schemeClr val="tx1"/>
+              </a:fontRef>
+            </p:style>
+          </p:cxnSp>
+          <p:sp>
+            <p:nvSpPr>
+              <p:cNvPr id="15" name="TextBox 14"/>
+              <p:cNvSpPr txBox="1"/>
+              <p:nvPr/>
+            </p:nvSpPr>
+            <p:spPr>
+              <a:xfrm>
+                <a:off x="2888156" y="558157"/>
+                <a:ext cx="261610" cy="276999"/>
+              </a:xfrm>
+              <a:prstGeom prst="rect">
+                <a:avLst/>
+              </a:prstGeom>
+              <a:noFill/>
+            </p:spPr>
+            <p:txBody>
+              <a:bodyPr wrap="none" rtlCol="0">
+                <a:spAutoFit/>
+              </a:bodyPr>
+              <a:lstStyle/>
+              <a:p>
+                <a:r>
+                  <a:rPr lang="en-US" sz="1200" dirty="0" smtClean="0">
+                    <a:latin typeface="Symbol"/>
+                  </a:rPr>
+                  <a:t>-</a:t>
+                </a:r>
+                <a:endParaRPr lang="en-US" sz="1200" dirty="0">
+                  <a:latin typeface="Symbol"/>
+                </a:endParaRPr>
+              </a:p>
+            </p:txBody>
+          </p:sp>
+          <p:sp>
+            <p:nvSpPr>
+              <p:cNvPr id="16" name="TextBox 15"/>
+              <p:cNvSpPr txBox="1"/>
+              <p:nvPr/>
+            </p:nvSpPr>
+            <p:spPr>
+              <a:xfrm>
+                <a:off x="2750939" y="202422"/>
+                <a:ext cx="274434" cy="276999"/>
+              </a:xfrm>
+              <a:prstGeom prst="rect">
+                <a:avLst/>
+              </a:prstGeom>
+              <a:noFill/>
+            </p:spPr>
+            <p:txBody>
+              <a:bodyPr wrap="none" rtlCol="0">
+                <a:spAutoFit/>
+              </a:bodyPr>
+              <a:lstStyle/>
+              <a:p>
+                <a:r>
+                  <a:rPr lang="en-US" sz="1200" dirty="0" smtClean="0">
+                    <a:latin typeface="Symbol"/>
+                  </a:rPr>
+                  <a:t>+</a:t>
+                </a:r>
+                <a:endParaRPr lang="en-US" sz="1200" dirty="0">
+                  <a:latin typeface="Symbol"/>
+                </a:endParaRPr>
+              </a:p>
+            </p:txBody>
+          </p:sp>
+        </p:grpSp>
+        <p:sp>
+          <p:nvSpPr>
+            <p:cNvPr id="17" name="TextBox 16"/>
+            <p:cNvSpPr txBox="1"/>
+            <p:nvPr/>
+          </p:nvSpPr>
+          <p:spPr>
+            <a:xfrm>
+              <a:off x="1150367" y="2647870"/>
+              <a:ext cx="452267" cy="276999"/>
+            </a:xfrm>
+            <a:prstGeom prst="rect">
+              <a:avLst/>
+            </a:prstGeom>
+            <a:noFill/>
+          </p:spPr>
+          <p:txBody>
+            <a:bodyPr wrap="none" rtlCol="0">
+              <a:spAutoFit/>
+            </a:bodyPr>
+            <a:lstStyle/>
+            <a:p>
+              <a:r>
+                <a:rPr lang="en-US" sz="1200" i="1" dirty="0" err="1" smtClean="0">
+                  <a:latin typeface="Times New Roman"/>
+                </a:rPr>
+                <a:t>R</a:t>
+              </a:r>
+              <a:r>
+                <a:rPr lang="en-US" sz="1200" dirty="0" err="1" smtClean="0">
+                  <a:latin typeface="Times New Roman"/>
+                </a:rPr>
+                <a:t>(</a:t>
+              </a:r>
+              <a:r>
+                <a:rPr lang="en-US" sz="1200" i="1" dirty="0" err="1" smtClean="0">
+                  <a:latin typeface="Times New Roman"/>
+                </a:rPr>
+                <a:t>s</a:t>
+              </a:r>
+              <a:r>
+                <a:rPr lang="en-US" sz="1200" dirty="0" smtClean="0">
+                  <a:latin typeface="Times New Roman"/>
+                </a:rPr>
+                <a:t>)</a:t>
+              </a:r>
+              <a:endParaRPr lang="en-US" sz="1200" dirty="0">
+                <a:latin typeface="Times New Roman"/>
+              </a:endParaRPr>
+            </a:p>
+          </p:txBody>
+        </p:sp>
+        <p:sp>
+          <p:nvSpPr>
+            <p:cNvPr id="18" name="TextBox 17"/>
+            <p:cNvSpPr txBox="1"/>
+            <p:nvPr/>
+          </p:nvSpPr>
+          <p:spPr>
+            <a:xfrm>
+              <a:off x="4972439" y="2647870"/>
+              <a:ext cx="452267" cy="276999"/>
+            </a:xfrm>
+            <a:prstGeom prst="rect">
+              <a:avLst/>
+            </a:prstGeom>
+            <a:noFill/>
+          </p:spPr>
+          <p:txBody>
+            <a:bodyPr wrap="none" rtlCol="0">
+              <a:spAutoFit/>
+            </a:bodyPr>
+            <a:lstStyle/>
+            <a:p>
+              <a:r>
+                <a:rPr lang="en-US" sz="1200" i="1" dirty="0" err="1" smtClean="0">
+                  <a:latin typeface="Times New Roman"/>
+                </a:rPr>
+                <a:t>Y</a:t>
+              </a:r>
+              <a:r>
+                <a:rPr lang="en-US" sz="1200" dirty="0" err="1" smtClean="0">
+                  <a:latin typeface="Times New Roman"/>
+                </a:rPr>
+                <a:t>(</a:t>
+              </a:r>
+              <a:r>
+                <a:rPr lang="en-US" sz="1200" i="1" dirty="0" err="1" smtClean="0">
+                  <a:latin typeface="Times New Roman"/>
+                </a:rPr>
+                <a:t>s</a:t>
+              </a:r>
+              <a:r>
+                <a:rPr lang="en-US" sz="1200" dirty="0" smtClean="0">
+                  <a:latin typeface="Times New Roman"/>
+                </a:rPr>
+                <a:t>)</a:t>
+              </a:r>
+              <a:endParaRPr lang="en-US" sz="1200" dirty="0">
+                <a:latin typeface="Times New Roman"/>
+              </a:endParaRPr>
+            </a:p>
+          </p:txBody>
+        </p:sp>
+      </p:grpSp>
+    </p:spTree>
+  </p:cSld>
+  <p:clrMapOvr>
+    <a:masterClrMapping/>
+  </p:clrMapOvr>
 </p:sld>
 </file>
 
